--- a/documentation/Milestone Presentation.pptx
+++ b/documentation/Milestone Presentation.pptx
@@ -5,7 +5,7 @@
     <p:sldMasterId id="2147483660" r:id="rId1"/>
   </p:sldMasterIdLst>
   <p:notesMasterIdLst>
-    <p:notesMasterId r:id="rId9"/>
+    <p:notesMasterId r:id="rId10"/>
   </p:notesMasterIdLst>
   <p:sldIdLst>
     <p:sldId id="256" r:id="rId2"/>
@@ -15,6 +15,7 @@
     <p:sldId id="260" r:id="rId6"/>
     <p:sldId id="263" r:id="rId7"/>
     <p:sldId id="264" r:id="rId8"/>
+    <p:sldId id="265" r:id="rId9"/>
   </p:sldIdLst>
   <p:sldSz cx="9144000" cy="5143500" type="screen16x9"/>
   <p:notesSz cx="6858000" cy="9144000"/>
@@ -2000,6 +2001,67 @@
     <p:extLst>
       <p:ext uri="{BB962C8B-B14F-4D97-AF65-F5344CB8AC3E}">
         <p14:creationId xmlns:p14="http://schemas.microsoft.com/office/powerpoint/2010/main" val="1641863781"/>
+      </p:ext>
+    </p:extLst>
+  </p:cSld>
+  <p:clrMapOvr>
+    <a:masterClrMapping/>
+  </p:clrMapOvr>
+</p:notes>
+</file>
+
+<file path=ppt/notesSlides/notesSlide8.xml><?xml version="1.0" encoding="utf-8"?>
+<p:notes xmlns:a="http://schemas.openxmlformats.org/drawingml/2006/main" xmlns:r="http://schemas.openxmlformats.org/officeDocument/2006/relationships" xmlns:p="http://schemas.openxmlformats.org/presentationml/2006/main">
+  <p:cSld>
+    <p:spTree>
+      <p:nvGrpSpPr>
+        <p:cNvPr id="1" name=""/>
+        <p:cNvGrpSpPr/>
+        <p:nvPr/>
+      </p:nvGrpSpPr>
+      <p:grpSpPr>
+        <a:xfrm>
+          <a:off x="0" y="0"/>
+          <a:ext cx="0" cy="0"/>
+          <a:chOff x="0" y="0"/>
+          <a:chExt cx="0" cy="0"/>
+        </a:xfrm>
+      </p:grpSpPr>
+      <p:sp>
+        <p:nvSpPr>
+          <p:cNvPr id="2" name="Folienbildplatzhalter 1"/>
+          <p:cNvSpPr>
+            <a:spLocks noGrp="1" noRot="1" noChangeAspect="1"/>
+          </p:cNvSpPr>
+          <p:nvPr>
+            <p:ph type="sldImg"/>
+          </p:nvPr>
+        </p:nvSpPr>
+        <p:spPr/>
+      </p:sp>
+      <p:sp>
+        <p:nvSpPr>
+          <p:cNvPr id="3" name="Notizenplatzhalter 2"/>
+          <p:cNvSpPr>
+            <a:spLocks noGrp="1"/>
+          </p:cNvSpPr>
+          <p:nvPr>
+            <p:ph type="body" idx="1"/>
+          </p:nvPr>
+        </p:nvSpPr>
+        <p:spPr/>
+        <p:txBody>
+          <a:bodyPr/>
+          <a:lstStyle/>
+          <a:p>
+            <a:endParaRPr lang="de-DE" dirty="0"/>
+          </a:p>
+        </p:txBody>
+      </p:sp>
+    </p:spTree>
+    <p:extLst>
+      <p:ext uri="{BB962C8B-B14F-4D97-AF65-F5344CB8AC3E}">
+        <p14:creationId xmlns:p14="http://schemas.microsoft.com/office/powerpoint/2010/main" val="2828701232"/>
       </p:ext>
     </p:extLst>
   </p:cSld>
@@ -5792,7 +5854,7 @@
 </file>
 
 <file path=ppt/slides/slide2.xml><?xml version="1.0" encoding="utf-8"?>
-<p:sld xmlns:a="http://schemas.openxmlformats.org/drawingml/2006/main" xmlns:r="http://schemas.openxmlformats.org/officeDocument/2006/relationships" xmlns:p="http://schemas.openxmlformats.org/presentationml/2006/main">
+<p:sld xmlns:a="http://schemas.openxmlformats.org/drawingml/2006/main" xmlns:r="http://schemas.openxmlformats.org/officeDocument/2006/relationships" xmlns:p="http://schemas.openxmlformats.org/presentationml/2006/main" show="0">
   <p:cSld>
     <p:spTree>
       <p:nvGrpSpPr>
@@ -5996,7 +6058,7 @@
 </file>
 
 <file path=ppt/slides/slide3.xml><?xml version="1.0" encoding="utf-8"?>
-<p:sld xmlns:a="http://schemas.openxmlformats.org/drawingml/2006/main" xmlns:r="http://schemas.openxmlformats.org/officeDocument/2006/relationships" xmlns:p="http://schemas.openxmlformats.org/presentationml/2006/main">
+<p:sld xmlns:a="http://schemas.openxmlformats.org/drawingml/2006/main" xmlns:r="http://schemas.openxmlformats.org/officeDocument/2006/relationships" xmlns:p="http://schemas.openxmlformats.org/presentationml/2006/main" show="0">
   <p:cSld>
     <p:spTree>
       <p:nvGrpSpPr>
@@ -6318,7 +6380,7 @@
 </file>
 
 <file path=ppt/slides/slide5.xml><?xml version="1.0" encoding="utf-8"?>
-<p:sld xmlns:a="http://schemas.openxmlformats.org/drawingml/2006/main" xmlns:r="http://schemas.openxmlformats.org/officeDocument/2006/relationships" xmlns:p="http://schemas.openxmlformats.org/presentationml/2006/main">
+<p:sld xmlns:a="http://schemas.openxmlformats.org/drawingml/2006/main" xmlns:r="http://schemas.openxmlformats.org/officeDocument/2006/relationships" xmlns:p="http://schemas.openxmlformats.org/presentationml/2006/main" show="0">
   <p:cSld>
     <p:spTree>
       <p:nvGrpSpPr>
@@ -6703,6 +6765,157 @@
     <p:extLst>
       <p:ext uri="{BB962C8B-B14F-4D97-AF65-F5344CB8AC3E}">
         <p14:creationId xmlns:p14="http://schemas.microsoft.com/office/powerpoint/2010/main" val="3349116758"/>
+      </p:ext>
+    </p:extLst>
+  </p:cSld>
+  <p:clrMapOvr>
+    <a:masterClrMapping/>
+  </p:clrMapOvr>
+</p:sld>
+</file>
+
+<file path=ppt/slides/slide8.xml><?xml version="1.0" encoding="utf-8"?>
+<p:sld xmlns:a="http://schemas.openxmlformats.org/drawingml/2006/main" xmlns:r="http://schemas.openxmlformats.org/officeDocument/2006/relationships" xmlns:p="http://schemas.openxmlformats.org/presentationml/2006/main">
+  <p:cSld>
+    <p:spTree>
+      <p:nvGrpSpPr>
+        <p:cNvPr id="1" name=""/>
+        <p:cNvGrpSpPr/>
+        <p:nvPr/>
+      </p:nvGrpSpPr>
+      <p:grpSpPr>
+        <a:xfrm>
+          <a:off x="0" y="0"/>
+          <a:ext cx="0" cy="0"/>
+          <a:chOff x="0" y="0"/>
+          <a:chExt cx="0" cy="0"/>
+        </a:xfrm>
+      </p:grpSpPr>
+      <p:sp>
+        <p:nvSpPr>
+          <p:cNvPr id="2" name="Titel 1">
+            <a:extLst>
+              <a:ext uri="{FF2B5EF4-FFF2-40B4-BE49-F238E27FC236}">
+                <a16:creationId xmlns:a16="http://schemas.microsoft.com/office/drawing/2014/main" id="{60CD2517-B535-4D82-8789-A20BD068DB30}"/>
+              </a:ext>
+            </a:extLst>
+          </p:cNvPr>
+          <p:cNvSpPr>
+            <a:spLocks noGrp="1"/>
+          </p:cNvSpPr>
+          <p:nvPr>
+            <p:ph type="title"/>
+          </p:nvPr>
+        </p:nvSpPr>
+        <p:spPr/>
+        <p:txBody>
+          <a:bodyPr>
+            <a:normAutofit fontScale="90000"/>
+          </a:bodyPr>
+          <a:lstStyle/>
+          <a:p>
+            <a:r>
+              <a:rPr lang="de-DE" dirty="0"/>
+              <a:t>Settlement </a:t>
+            </a:r>
+            <a:r>
+              <a:rPr lang="de-DE" dirty="0" err="1"/>
+              <a:t>Algorithm</a:t>
+            </a:r>
+            <a:endParaRPr lang="de-DE" dirty="0"/>
+          </a:p>
+        </p:txBody>
+      </p:sp>
+      <p:sp>
+        <p:nvSpPr>
+          <p:cNvPr id="3" name="Textplatzhalter 2">
+            <a:extLst>
+              <a:ext uri="{FF2B5EF4-FFF2-40B4-BE49-F238E27FC236}">
+                <a16:creationId xmlns:a16="http://schemas.microsoft.com/office/drawing/2014/main" id="{A21DDEF0-926C-4269-927F-ECAACEAB9AF0}"/>
+              </a:ext>
+            </a:extLst>
+          </p:cNvPr>
+          <p:cNvSpPr>
+            <a:spLocks noGrp="1"/>
+          </p:cNvSpPr>
+          <p:nvPr>
+            <p:ph type="body" idx="1"/>
+          </p:nvPr>
+        </p:nvSpPr>
+        <p:spPr/>
+        <p:txBody>
+          <a:bodyPr/>
+          <a:lstStyle/>
+          <a:p>
+            <a:pPr marL="114300" indent="0">
+              <a:buNone/>
+            </a:pPr>
+            <a:endParaRPr lang="de-DE" dirty="0"/>
+          </a:p>
+        </p:txBody>
+      </p:sp>
+      <p:pic>
+        <p:nvPicPr>
+          <p:cNvPr id="5" name="Grafik 4">
+            <a:extLst>
+              <a:ext uri="{FF2B5EF4-FFF2-40B4-BE49-F238E27FC236}">
+                <a16:creationId xmlns:a16="http://schemas.microsoft.com/office/drawing/2014/main" id="{94CD5B8C-355B-4A1E-98E0-4EB61ED93890}"/>
+              </a:ext>
+            </a:extLst>
+          </p:cNvPr>
+          <p:cNvPicPr>
+            <a:picLocks noChangeAspect="1"/>
+          </p:cNvPicPr>
+          <p:nvPr/>
+        </p:nvPicPr>
+        <p:blipFill rotWithShape="1">
+          <a:blip r:embed="rId3"/>
+          <a:srcRect b="38828"/>
+          <a:stretch/>
+        </p:blipFill>
+        <p:spPr>
+          <a:xfrm>
+            <a:off x="854283" y="1085973"/>
+            <a:ext cx="3076586" cy="3979467"/>
+          </a:xfrm>
+          <a:prstGeom prst="rect">
+            <a:avLst/>
+          </a:prstGeom>
+        </p:spPr>
+      </p:pic>
+      <p:pic>
+        <p:nvPicPr>
+          <p:cNvPr id="7" name="Grafik 6">
+            <a:extLst>
+              <a:ext uri="{FF2B5EF4-FFF2-40B4-BE49-F238E27FC236}">
+                <a16:creationId xmlns:a16="http://schemas.microsoft.com/office/drawing/2014/main" id="{63DE3946-3B27-4472-A919-366E9C9FC652}"/>
+              </a:ext>
+            </a:extLst>
+          </p:cNvPr>
+          <p:cNvPicPr>
+            <a:picLocks noChangeAspect="1"/>
+          </p:cNvPicPr>
+          <p:nvPr/>
+        </p:nvPicPr>
+        <p:blipFill rotWithShape="1">
+          <a:blip r:embed="rId3"/>
+          <a:srcRect t="59808"/>
+          <a:stretch/>
+        </p:blipFill>
+        <p:spPr>
+          <a:xfrm>
+            <a:off x="4746058" y="1017724"/>
+            <a:ext cx="3076585" cy="2614665"/>
+          </a:xfrm>
+          <a:prstGeom prst="rect">
+            <a:avLst/>
+          </a:prstGeom>
+        </p:spPr>
+      </p:pic>
+    </p:spTree>
+    <p:extLst>
+      <p:ext uri="{BB962C8B-B14F-4D97-AF65-F5344CB8AC3E}">
+        <p14:creationId xmlns:p14="http://schemas.microsoft.com/office/powerpoint/2010/main" val="1225502403"/>
       </p:ext>
     </p:extLst>
   </p:cSld>

--- a/documentation/Milestone Presentation.pptx
+++ b/documentation/Milestone Presentation.pptx
@@ -5,17 +5,20 @@
     <p:sldMasterId id="2147483660" r:id="rId1"/>
   </p:sldMasterIdLst>
   <p:notesMasterIdLst>
-    <p:notesMasterId r:id="rId10"/>
+    <p:notesMasterId r:id="rId13"/>
   </p:notesMasterIdLst>
   <p:sldIdLst>
     <p:sldId id="256" r:id="rId2"/>
-    <p:sldId id="257" r:id="rId3"/>
-    <p:sldId id="258" r:id="rId4"/>
+    <p:sldId id="266" r:id="rId3"/>
+    <p:sldId id="267" r:id="rId4"/>
     <p:sldId id="262" r:id="rId5"/>
-    <p:sldId id="260" r:id="rId6"/>
-    <p:sldId id="263" r:id="rId7"/>
-    <p:sldId id="264" r:id="rId8"/>
-    <p:sldId id="265" r:id="rId9"/>
+    <p:sldId id="268" r:id="rId6"/>
+    <p:sldId id="271" r:id="rId7"/>
+    <p:sldId id="263" r:id="rId8"/>
+    <p:sldId id="264" r:id="rId9"/>
+    <p:sldId id="265" r:id="rId10"/>
+    <p:sldId id="270" r:id="rId11"/>
+    <p:sldId id="269" r:id="rId12"/>
   </p:sldIdLst>
   <p:sldSz cx="9144000" cy="5143500" type="screen16x9"/>
   <p:notesSz cx="6858000" cy="9144000"/>
@@ -139,47 +142,6 @@
   <p:cmAuthor id="1" name="Myron R" initials="" lastIdx="1" clrIdx="1"/>
   <p:cmAuthor id="2" name="Dong-Ha Kim" initials="" lastIdx="2" clrIdx="2"/>
 </p:cmAuthorLst>
-</file>
-
-<file path=ppt/comments/comment1.xml><?xml version="1.0" encoding="utf-8"?>
-<p:cmLst xmlns:a="http://schemas.openxmlformats.org/drawingml/2006/main" xmlns:r="http://schemas.openxmlformats.org/officeDocument/2006/relationships" xmlns:p="http://schemas.openxmlformats.org/presentationml/2006/main">
-  <p:cm authorId="0" dt="2019-04-23T07:18:16.699" idx="4">
-    <p:pos x="196" y="825"/>
-    <p:text>+Imperative mood
-+Setting Upstream</p:text>
-  </p:cm>
-  <p:cm authorId="1" dt="2019-04-23T08:25:09.365" idx="1">
-    <p:pos x="196" y="725"/>
-    <p:text>Sounds good, is there any tool to integrate a point-based system?</p:text>
-  </p:cm>
-  <p:cm authorId="2" dt="2019-04-23T08:35:38.625" idx="1">
-    <p:pos x="196" y="725"/>
-    <p:text>Can you elaborate more on what you mean with point-based system?</p:text>
-  </p:cm>
-  <p:cm authorId="0" dt="2019-04-23T08:47:20.337" idx="2">
-    <p:pos x="196" y="725"/>
-    <p:text>A rough idea could be as follows:-
--2 : Do not submit (has serious issues in logic)
--1 : Has some issues (doubtful logic, lint checks, etc)
-0 : Not Reviewed by X
-+1 : Seems good to Reviewer X
-We can set +2 or +3 as acceptable and then merge them.</p:text>
-  </p:cm>
-  <p:cm authorId="0" dt="2019-04-23T08:49:20.719" idx="3">
-    <p:pos x="196" y="725"/>
-    <p:text>There is Gerrit which follows similar point-based review but it's probably overkill for our project.</p:text>
-  </p:cm>
-  <p:cm authorId="0" dt="2019-04-23T08:55:17.971" idx="1">
-    <p:pos x="196" y="725"/>
-    <p:text>I would suggest a point-based system for review.
--2,-1,0,+1 or something similar.
-How does it sound to you ?</p:text>
-  </p:cm>
-  <p:cm authorId="2" dt="2019-04-23T08:55:17.971" idx="2">
-    <p:pos x="196" y="725"/>
-    <p:text>Interesting I like it. But how do give this points? As a review comment on the PR or via an emoji?</p:text>
-  </p:cm>
-</p:cmLst>
 </file>
 
 <file path=ppt/notesMasters/notesMaster1.xml><?xml version="1.0" encoding="utf-8"?>
@@ -736,11 +698,11 @@
 </file>
 
 <file path=ppt/notesSlides/notesSlide2.xml><?xml version="1.0" encoding="utf-8"?>
-<p:notes xmlns:a="http://schemas.openxmlformats.org/drawingml/2006/main" xmlns:r="http://schemas.openxmlformats.org/officeDocument/2006/relationships" xmlns:p="http://schemas.openxmlformats.org/presentationml/2006/main" showMasterSp="0" showMasterPhAnim="0">
+<p:notes xmlns:a="http://schemas.openxmlformats.org/drawingml/2006/main" xmlns:r="http://schemas.openxmlformats.org/officeDocument/2006/relationships" xmlns:p="http://schemas.openxmlformats.org/presentationml/2006/main">
   <p:cSld>
     <p:spTree>
       <p:nvGrpSpPr>
-        <p:cNvPr id="1" name="Shape 56"/>
+        <p:cNvPr id="1" name=""/>
         <p:cNvGrpSpPr/>
         <p:nvPr/>
       </p:nvGrpSpPr>
@@ -754,12 +716,12 @@
       </p:grpSpPr>
       <p:sp>
         <p:nvSpPr>
-          <p:cNvPr id="57" name="Google Shape;57;g569465023a_0_45:notes"/>
+          <p:cNvPr id="2" name="Folienbildplatzhalter 1"/>
           <p:cNvSpPr>
             <a:spLocks noGrp="1" noRot="1" noChangeAspect="1"/>
           </p:cNvSpPr>
           <p:nvPr>
-            <p:ph type="sldImg" idx="2"/>
+            <p:ph type="sldImg"/>
           </p:nvPr>
         </p:nvSpPr>
         <p:spPr>
@@ -767,74 +729,37 @@
             <a:off x="381000" y="685800"/>
             <a:ext cx="6096000" cy="3429000"/>
           </a:xfrm>
-          <a:custGeom>
-            <a:avLst/>
-            <a:gdLst/>
-            <a:ahLst/>
-            <a:cxnLst/>
-            <a:rect l="l" t="t" r="r" b="b"/>
-            <a:pathLst>
-              <a:path w="120000" h="120000" extrusionOk="0">
-                <a:moveTo>
-                  <a:pt x="0" y="0"/>
-                </a:moveTo>
-                <a:lnTo>
-                  <a:pt x="120000" y="0"/>
-                </a:lnTo>
-                <a:lnTo>
-                  <a:pt x="120000" y="120000"/>
-                </a:lnTo>
-                <a:lnTo>
-                  <a:pt x="0" y="120000"/>
-                </a:lnTo>
-                <a:close/>
-              </a:path>
-            </a:pathLst>
-          </a:custGeom>
         </p:spPr>
       </p:sp>
       <p:sp>
         <p:nvSpPr>
-          <p:cNvPr id="58" name="Google Shape;58;g569465023a_0_45:notes"/>
-          <p:cNvSpPr txBox="1">
+          <p:cNvPr id="3" name="Notizenplatzhalter 2"/>
+          <p:cNvSpPr>
             <a:spLocks noGrp="1"/>
           </p:cNvSpPr>
           <p:nvPr>
             <p:ph type="body" idx="1"/>
           </p:nvPr>
         </p:nvSpPr>
-        <p:spPr>
-          <a:xfrm>
-            <a:off x="685800" y="4343400"/>
-            <a:ext cx="5486400" cy="4114800"/>
-          </a:xfrm>
-          <a:prstGeom prst="rect">
-            <a:avLst/>
-          </a:prstGeom>
-        </p:spPr>
-        <p:txBody>
-          <a:bodyPr spcFirstLastPara="1" wrap="square" lIns="91425" tIns="91425" rIns="91425" bIns="91425" anchor="t" anchorCtr="0">
-            <a:noAutofit/>
-          </a:bodyPr>
-          <a:lstStyle/>
-          <a:p>
-            <a:pPr marL="0" lvl="0" indent="0" algn="l" rtl="0">
-              <a:spcBef>
-                <a:spcPts val="0"/>
-              </a:spcBef>
-              <a:spcAft>
-                <a:spcPts val="0"/>
-              </a:spcAft>
+        <p:spPr/>
+        <p:txBody>
+          <a:bodyPr/>
+          <a:lstStyle/>
+          <a:p>
+            <a:pPr marL="158750" indent="0">
+              <a:buFont typeface="Symbol" panose="05050102010706020507" pitchFamily="18" charset="2"/>
               <a:buNone/>
             </a:pPr>
-            <a:endParaRPr/>
+            <a:endParaRPr lang="de-DE" baseline="0" dirty="0">
+              <a:sym typeface="Wingdings" panose="05000000000000000000" pitchFamily="2" charset="2"/>
+            </a:endParaRPr>
           </a:p>
         </p:txBody>
       </p:sp>
     </p:spTree>
     <p:extLst>
       <p:ext uri="{BB962C8B-B14F-4D97-AF65-F5344CB8AC3E}">
-        <p14:creationId xmlns:p14="http://schemas.microsoft.com/office/powerpoint/2010/main" val="2854062227"/>
+        <p14:creationId xmlns:p14="http://schemas.microsoft.com/office/powerpoint/2010/main" val="442979678"/>
       </p:ext>
     </p:extLst>
   </p:cSld>
@@ -845,11 +770,11 @@
 </file>
 
 <file path=ppt/notesSlides/notesSlide3.xml><?xml version="1.0" encoding="utf-8"?>
-<p:notes xmlns:a="http://schemas.openxmlformats.org/drawingml/2006/main" xmlns:r="http://schemas.openxmlformats.org/officeDocument/2006/relationships" xmlns:p="http://schemas.openxmlformats.org/presentationml/2006/main" showMasterSp="0" showMasterPhAnim="0">
+<p:notes xmlns:a="http://schemas.openxmlformats.org/drawingml/2006/main" xmlns:r="http://schemas.openxmlformats.org/officeDocument/2006/relationships" xmlns:p="http://schemas.openxmlformats.org/presentationml/2006/main">
   <p:cSld>
     <p:spTree>
       <p:nvGrpSpPr>
-        <p:cNvPr id="1" name="Shape 62"/>
+        <p:cNvPr id="1" name=""/>
         <p:cNvGrpSpPr/>
         <p:nvPr/>
       </p:nvGrpSpPr>
@@ -863,12 +788,12 @@
       </p:grpSpPr>
       <p:sp>
         <p:nvSpPr>
-          <p:cNvPr id="63" name="Google Shape;63;g569465023a_0_50:notes"/>
+          <p:cNvPr id="2" name="Folienbildplatzhalter 1"/>
           <p:cNvSpPr>
             <a:spLocks noGrp="1" noRot="1" noChangeAspect="1"/>
           </p:cNvSpPr>
           <p:nvPr>
-            <p:ph type="sldImg" idx="2"/>
+            <p:ph type="sldImg"/>
           </p:nvPr>
         </p:nvSpPr>
         <p:spPr>
@@ -876,74 +801,31 @@
             <a:off x="381000" y="685800"/>
             <a:ext cx="6096000" cy="3429000"/>
           </a:xfrm>
-          <a:custGeom>
-            <a:avLst/>
-            <a:gdLst/>
-            <a:ahLst/>
-            <a:cxnLst/>
-            <a:rect l="l" t="t" r="r" b="b"/>
-            <a:pathLst>
-              <a:path w="120000" h="120000" extrusionOk="0">
-                <a:moveTo>
-                  <a:pt x="0" y="0"/>
-                </a:moveTo>
-                <a:lnTo>
-                  <a:pt x="120000" y="0"/>
-                </a:lnTo>
-                <a:lnTo>
-                  <a:pt x="120000" y="120000"/>
-                </a:lnTo>
-                <a:lnTo>
-                  <a:pt x="0" y="120000"/>
-                </a:lnTo>
-                <a:close/>
-              </a:path>
-            </a:pathLst>
-          </a:custGeom>
         </p:spPr>
       </p:sp>
       <p:sp>
         <p:nvSpPr>
-          <p:cNvPr id="64" name="Google Shape;64;g569465023a_0_50:notes"/>
-          <p:cNvSpPr txBox="1">
+          <p:cNvPr id="3" name="Notizenplatzhalter 2"/>
+          <p:cNvSpPr>
             <a:spLocks noGrp="1"/>
           </p:cNvSpPr>
           <p:nvPr>
             <p:ph type="body" idx="1"/>
           </p:nvPr>
         </p:nvSpPr>
-        <p:spPr>
-          <a:xfrm>
-            <a:off x="685800" y="4343400"/>
-            <a:ext cx="5486400" cy="4114800"/>
-          </a:xfrm>
-          <a:prstGeom prst="rect">
-            <a:avLst/>
-          </a:prstGeom>
-        </p:spPr>
-        <p:txBody>
-          <a:bodyPr spcFirstLastPara="1" wrap="square" lIns="91425" tIns="91425" rIns="91425" bIns="91425" anchor="t" anchorCtr="0">
-            <a:noAutofit/>
-          </a:bodyPr>
-          <a:lstStyle/>
-          <a:p>
-            <a:pPr marL="0" lvl="0" indent="0" algn="l" rtl="0">
-              <a:spcBef>
-                <a:spcPts val="0"/>
-              </a:spcBef>
-              <a:spcAft>
-                <a:spcPts val="0"/>
-              </a:spcAft>
-              <a:buNone/>
-            </a:pPr>
-            <a:endParaRPr/>
+        <p:spPr/>
+        <p:txBody>
+          <a:bodyPr/>
+          <a:lstStyle/>
+          <a:p>
+            <a:endParaRPr lang="de-DE" dirty="0"/>
           </a:p>
         </p:txBody>
       </p:sp>
     </p:spTree>
     <p:extLst>
       <p:ext uri="{BB962C8B-B14F-4D97-AF65-F5344CB8AC3E}">
-        <p14:creationId xmlns:p14="http://schemas.microsoft.com/office/powerpoint/2010/main" val="160949215"/>
+        <p14:creationId xmlns:p14="http://schemas.microsoft.com/office/powerpoint/2010/main" val="2510380856"/>
       </p:ext>
     </p:extLst>
   </p:cSld>
@@ -1002,708 +884,14 @@
           <a:bodyPr/>
           <a:lstStyle/>
           <a:p>
-            <a:pPr marL="158750" indent="0">
-              <a:buFont typeface="Symbol" panose="05050102010706020507" pitchFamily="18" charset="2"/>
-              <a:buNone/>
-            </a:pPr>
-            <a:r>
-              <a:rPr lang="de-DE" dirty="0" err="1"/>
-              <a:t>Changes</a:t>
-            </a:r>
-            <a:r>
-              <a:rPr lang="de-DE" baseline="0" dirty="0"/>
-              <a:t> (2.0 </a:t>
-            </a:r>
-            <a:r>
-              <a:rPr lang="de-DE" baseline="0" dirty="0">
-                <a:sym typeface="Wingdings" panose="05000000000000000000" pitchFamily="2" charset="2"/>
-              </a:rPr>
-              <a:t> 3.0)</a:t>
-            </a:r>
             <a:endParaRPr lang="de-DE" dirty="0"/>
-          </a:p>
-          <a:p>
-            <a:pPr marL="457200" indent="-298450">
-              <a:buFont typeface="Symbol" panose="05050102010706020507" pitchFamily="18" charset="2"/>
-              <a:buChar char="-"/>
-            </a:pPr>
-            <a:r>
-              <a:rPr lang="de-DE" dirty="0"/>
-              <a:t>3 </a:t>
-            </a:r>
-            <a:r>
-              <a:rPr lang="de-DE" dirty="0" err="1"/>
-              <a:t>input</a:t>
-            </a:r>
-            <a:r>
-              <a:rPr lang="de-DE" baseline="0" dirty="0"/>
-              <a:t> </a:t>
-            </a:r>
-            <a:r>
-              <a:rPr lang="de-DE" baseline="0" dirty="0" err="1"/>
-              <a:t>sensors</a:t>
-            </a:r>
-            <a:r>
-              <a:rPr lang="de-DE" baseline="0" dirty="0"/>
-              <a:t> (</a:t>
-            </a:r>
-            <a:r>
-              <a:rPr lang="de-DE" baseline="0" dirty="0" err="1"/>
-              <a:t>consumed</a:t>
-            </a:r>
-            <a:r>
-              <a:rPr lang="de-DE" baseline="0" dirty="0"/>
-              <a:t>, </a:t>
-            </a:r>
-            <a:r>
-              <a:rPr lang="de-DE" baseline="0" dirty="0" err="1"/>
-              <a:t>produced</a:t>
-            </a:r>
-            <a:r>
-              <a:rPr lang="de-DE" baseline="0" dirty="0"/>
-              <a:t>, </a:t>
-            </a:r>
-            <a:r>
-              <a:rPr lang="de-DE" baseline="0" dirty="0" err="1"/>
-              <a:t>battery</a:t>
-            </a:r>
-            <a:r>
-              <a:rPr lang="de-DE" baseline="0" dirty="0"/>
-              <a:t>)</a:t>
-            </a:r>
-          </a:p>
-          <a:p>
-            <a:pPr marL="457200" indent="-298450">
-              <a:buFont typeface="Symbol" panose="05050102010706020507" pitchFamily="18" charset="2"/>
-              <a:buChar char="-"/>
-            </a:pPr>
-            <a:r>
-              <a:rPr lang="de-DE" baseline="0" dirty="0" err="1"/>
-              <a:t>No</a:t>
-            </a:r>
-            <a:r>
-              <a:rPr lang="de-DE" baseline="0" dirty="0"/>
-              <a:t> </a:t>
-            </a:r>
-            <a:r>
-              <a:rPr lang="de-DE" baseline="0" dirty="0" err="1"/>
-              <a:t>shared</a:t>
-            </a:r>
-            <a:r>
-              <a:rPr lang="de-DE" baseline="0" dirty="0"/>
-              <a:t> private </a:t>
-            </a:r>
-            <a:r>
-              <a:rPr lang="de-DE" baseline="0" dirty="0" err="1"/>
-              <a:t>key</a:t>
-            </a:r>
-            <a:r>
-              <a:rPr lang="de-DE" baseline="0" dirty="0"/>
-              <a:t> </a:t>
-            </a:r>
-            <a:r>
-              <a:rPr lang="de-DE" baseline="0" dirty="0" err="1"/>
-              <a:t>inside</a:t>
-            </a:r>
-            <a:r>
-              <a:rPr lang="de-DE" baseline="0" dirty="0"/>
-              <a:t> </a:t>
-            </a:r>
-            <a:r>
-              <a:rPr lang="de-DE" baseline="0" dirty="0" err="1"/>
-              <a:t>the</a:t>
-            </a:r>
-            <a:r>
-              <a:rPr lang="de-DE" baseline="0" dirty="0"/>
-              <a:t> </a:t>
-            </a:r>
-            <a:r>
-              <a:rPr lang="de-DE" baseline="0" dirty="0" err="1"/>
-              <a:t>Household</a:t>
-            </a:r>
-            <a:r>
-              <a:rPr lang="de-DE" baseline="0" dirty="0"/>
-              <a:t> Processing </a:t>
-            </a:r>
-            <a:r>
-              <a:rPr lang="de-DE" baseline="0" dirty="0" err="1"/>
-              <a:t>unit</a:t>
-            </a:r>
-            <a:r>
-              <a:rPr lang="de-DE" baseline="0" dirty="0"/>
-              <a:t> </a:t>
-            </a:r>
-            <a:r>
-              <a:rPr lang="de-DE" baseline="0" dirty="0">
-                <a:sym typeface="Wingdings" panose="05000000000000000000" pitchFamily="2" charset="2"/>
-              </a:rPr>
-              <a:t> HHS </a:t>
-            </a:r>
-            <a:r>
-              <a:rPr lang="de-DE" baseline="0" dirty="0" err="1">
-                <a:sym typeface="Wingdings" panose="05000000000000000000" pitchFamily="2" charset="2"/>
-              </a:rPr>
-              <a:t>asks</a:t>
-            </a:r>
-            <a:r>
-              <a:rPr lang="de-DE" baseline="0" dirty="0">
-                <a:sym typeface="Wingdings" panose="05000000000000000000" pitchFamily="2" charset="2"/>
-              </a:rPr>
-              <a:t> </a:t>
-            </a:r>
-            <a:r>
-              <a:rPr lang="de-DE" baseline="0" dirty="0" err="1">
-                <a:sym typeface="Wingdings" panose="05000000000000000000" pitchFamily="2" charset="2"/>
-              </a:rPr>
-              <a:t>the</a:t>
-            </a:r>
-            <a:r>
-              <a:rPr lang="de-DE" baseline="0" dirty="0">
-                <a:sym typeface="Wingdings" panose="05000000000000000000" pitchFamily="2" charset="2"/>
-              </a:rPr>
-              <a:t> </a:t>
-            </a:r>
-            <a:r>
-              <a:rPr lang="de-DE" baseline="0" dirty="0" err="1">
-                <a:sym typeface="Wingdings" panose="05000000000000000000" pitchFamily="2" charset="2"/>
-              </a:rPr>
-              <a:t>parity</a:t>
-            </a:r>
-            <a:r>
-              <a:rPr lang="de-DE" baseline="0" dirty="0">
-                <a:sym typeface="Wingdings" panose="05000000000000000000" pitchFamily="2" charset="2"/>
-              </a:rPr>
-              <a:t> </a:t>
-            </a:r>
-            <a:r>
-              <a:rPr lang="de-DE" baseline="0" dirty="0" err="1">
-                <a:sym typeface="Wingdings" panose="05000000000000000000" pitchFamily="2" charset="2"/>
-              </a:rPr>
-              <a:t>client</a:t>
-            </a:r>
-            <a:r>
-              <a:rPr lang="de-DE" baseline="0" dirty="0">
-                <a:sym typeface="Wingdings" panose="05000000000000000000" pitchFamily="2" charset="2"/>
-              </a:rPr>
-              <a:t> </a:t>
-            </a:r>
-            <a:r>
-              <a:rPr lang="de-DE" baseline="0" dirty="0" err="1">
-                <a:sym typeface="Wingdings" panose="05000000000000000000" pitchFamily="2" charset="2"/>
-              </a:rPr>
-              <a:t>to</a:t>
-            </a:r>
-            <a:r>
-              <a:rPr lang="de-DE" baseline="0" dirty="0">
-                <a:sym typeface="Wingdings" panose="05000000000000000000" pitchFamily="2" charset="2"/>
-              </a:rPr>
-              <a:t> lock/ </a:t>
-            </a:r>
-            <a:r>
-              <a:rPr lang="de-DE" baseline="0" dirty="0" err="1">
-                <a:sym typeface="Wingdings" panose="05000000000000000000" pitchFamily="2" charset="2"/>
-              </a:rPr>
-              <a:t>unlock</a:t>
-            </a:r>
-            <a:r>
-              <a:rPr lang="de-DE" baseline="0" dirty="0">
-                <a:sym typeface="Wingdings" panose="05000000000000000000" pitchFamily="2" charset="2"/>
-              </a:rPr>
-              <a:t> </a:t>
-            </a:r>
-            <a:r>
-              <a:rPr lang="de-DE" baseline="0" dirty="0" err="1">
-                <a:sym typeface="Wingdings" panose="05000000000000000000" pitchFamily="2" charset="2"/>
-              </a:rPr>
-              <a:t>the</a:t>
-            </a:r>
-            <a:r>
-              <a:rPr lang="de-DE" baseline="0" dirty="0">
-                <a:sym typeface="Wingdings" panose="05000000000000000000" pitchFamily="2" charset="2"/>
-              </a:rPr>
-              <a:t> </a:t>
-            </a:r>
-            <a:r>
-              <a:rPr lang="de-DE" baseline="0" dirty="0" err="1">
-                <a:sym typeface="Wingdings" panose="05000000000000000000" pitchFamily="2" charset="2"/>
-              </a:rPr>
-              <a:t>account</a:t>
-            </a:r>
-            <a:r>
-              <a:rPr lang="de-DE" baseline="0" dirty="0">
-                <a:sym typeface="Wingdings" panose="05000000000000000000" pitchFamily="2" charset="2"/>
-              </a:rPr>
-              <a:t> </a:t>
-            </a:r>
-            <a:r>
-              <a:rPr lang="de-DE" baseline="0" dirty="0" err="1">
-                <a:sym typeface="Wingdings" panose="05000000000000000000" pitchFamily="2" charset="2"/>
-              </a:rPr>
-              <a:t>i.o</a:t>
-            </a:r>
-            <a:r>
-              <a:rPr lang="de-DE" baseline="0" dirty="0">
-                <a:sym typeface="Wingdings" panose="05000000000000000000" pitchFamily="2" charset="2"/>
-              </a:rPr>
-              <a:t>. </a:t>
-            </a:r>
-            <a:r>
-              <a:rPr lang="de-DE" baseline="0" dirty="0" err="1">
-                <a:sym typeface="Wingdings" panose="05000000000000000000" pitchFamily="2" charset="2"/>
-              </a:rPr>
-              <a:t>to</a:t>
-            </a:r>
-            <a:r>
-              <a:rPr lang="de-DE" baseline="0" dirty="0">
-                <a:sym typeface="Wingdings" panose="05000000000000000000" pitchFamily="2" charset="2"/>
-              </a:rPr>
-              <a:t> send </a:t>
-            </a:r>
-            <a:r>
-              <a:rPr lang="de-DE" baseline="0" dirty="0" err="1">
-                <a:sym typeface="Wingdings" panose="05000000000000000000" pitchFamily="2" charset="2"/>
-              </a:rPr>
-              <a:t>transactions</a:t>
-            </a:r>
-            <a:endParaRPr lang="de-DE" baseline="0" dirty="0">
-              <a:sym typeface="Arial"/>
-            </a:endParaRPr>
-          </a:p>
-          <a:p>
-            <a:pPr marL="457200" indent="-298450">
-              <a:buFont typeface="Symbol" panose="05050102010706020507" pitchFamily="18" charset="2"/>
-              <a:buChar char="-"/>
-            </a:pPr>
-            <a:r>
-              <a:rPr lang="de-DE" baseline="0" dirty="0">
-                <a:sym typeface="Arial"/>
-              </a:rPr>
-              <a:t>User </a:t>
-            </a:r>
-            <a:r>
-              <a:rPr lang="de-DE" baseline="0" dirty="0" err="1">
-                <a:sym typeface="Arial"/>
-              </a:rPr>
-              <a:t>interface</a:t>
-            </a:r>
-            <a:r>
-              <a:rPr lang="de-DE" baseline="0" dirty="0">
-                <a:sym typeface="Arial"/>
-              </a:rPr>
-              <a:t> </a:t>
-            </a:r>
-            <a:r>
-              <a:rPr lang="de-DE" baseline="0" dirty="0" err="1">
-                <a:sym typeface="Arial"/>
-              </a:rPr>
-              <a:t>comunicates</a:t>
-            </a:r>
-            <a:r>
-              <a:rPr lang="de-DE" baseline="0" dirty="0">
-                <a:sym typeface="Arial"/>
-              </a:rPr>
-              <a:t> </a:t>
-            </a:r>
-            <a:r>
-              <a:rPr lang="de-DE" baseline="0" dirty="0" err="1">
-                <a:sym typeface="Arial"/>
-              </a:rPr>
-              <a:t>with</a:t>
-            </a:r>
-            <a:r>
-              <a:rPr lang="de-DE" baseline="0" dirty="0">
-                <a:sym typeface="Arial"/>
-              </a:rPr>
-              <a:t> </a:t>
-            </a:r>
-            <a:r>
-              <a:rPr lang="de-DE" baseline="0" dirty="0" err="1">
-                <a:sym typeface="Arial"/>
-              </a:rPr>
-              <a:t>the</a:t>
-            </a:r>
-            <a:r>
-              <a:rPr lang="de-DE" baseline="0" dirty="0">
-                <a:sym typeface="Arial"/>
-              </a:rPr>
-              <a:t> HHS </a:t>
-            </a:r>
-            <a:r>
-              <a:rPr lang="de-DE" baseline="0" dirty="0" err="1">
-                <a:sym typeface="Arial"/>
-              </a:rPr>
-              <a:t>and</a:t>
-            </a:r>
-            <a:r>
-              <a:rPr lang="de-DE" baseline="0" dirty="0">
-                <a:sym typeface="Arial"/>
-              </a:rPr>
-              <a:t> not </a:t>
-            </a:r>
-            <a:r>
-              <a:rPr lang="de-DE" baseline="0" dirty="0" err="1">
-                <a:sym typeface="Arial"/>
-              </a:rPr>
-              <a:t>the</a:t>
-            </a:r>
-            <a:r>
-              <a:rPr lang="de-DE" baseline="0" dirty="0">
-                <a:sym typeface="Arial"/>
-              </a:rPr>
-              <a:t> DB </a:t>
-            </a:r>
-            <a:r>
-              <a:rPr lang="de-DE" baseline="0" dirty="0" err="1">
-                <a:sym typeface="Arial"/>
-              </a:rPr>
-              <a:t>directly</a:t>
-            </a:r>
-            <a:r>
-              <a:rPr lang="de-DE" baseline="0" dirty="0">
-                <a:sym typeface="Arial"/>
-              </a:rPr>
-              <a:t> </a:t>
-            </a:r>
-            <a:r>
-              <a:rPr lang="de-DE" baseline="0" dirty="0">
-                <a:sym typeface="Wingdings" panose="05000000000000000000" pitchFamily="2" charset="2"/>
-              </a:rPr>
-              <a:t> HHS </a:t>
-            </a:r>
-            <a:r>
-              <a:rPr lang="de-DE" baseline="0" dirty="0" err="1">
-                <a:sym typeface="Wingdings" panose="05000000000000000000" pitchFamily="2" charset="2"/>
-              </a:rPr>
-              <a:t>behaves</a:t>
-            </a:r>
-            <a:r>
-              <a:rPr lang="de-DE" baseline="0" dirty="0">
-                <a:sym typeface="Wingdings" panose="05000000000000000000" pitchFamily="2" charset="2"/>
-              </a:rPr>
-              <a:t> </a:t>
-            </a:r>
-            <a:r>
-              <a:rPr lang="de-DE" baseline="0" dirty="0" err="1">
-                <a:sym typeface="Wingdings" panose="05000000000000000000" pitchFamily="2" charset="2"/>
-              </a:rPr>
-              <a:t>as</a:t>
-            </a:r>
-            <a:r>
-              <a:rPr lang="de-DE" baseline="0" dirty="0">
-                <a:sym typeface="Wingdings" panose="05000000000000000000" pitchFamily="2" charset="2"/>
-              </a:rPr>
-              <a:t> </a:t>
-            </a:r>
-            <a:r>
-              <a:rPr lang="de-DE" baseline="0" dirty="0" err="1">
-                <a:sym typeface="Wingdings" panose="05000000000000000000" pitchFamily="2" charset="2"/>
-              </a:rPr>
-              <a:t>central</a:t>
-            </a:r>
-            <a:r>
-              <a:rPr lang="de-DE" baseline="0" dirty="0">
-                <a:sym typeface="Wingdings" panose="05000000000000000000" pitchFamily="2" charset="2"/>
-              </a:rPr>
-              <a:t> </a:t>
-            </a:r>
-            <a:r>
-              <a:rPr lang="de-DE" baseline="0" dirty="0" err="1">
-                <a:sym typeface="Wingdings" panose="05000000000000000000" pitchFamily="2" charset="2"/>
-              </a:rPr>
-              <a:t>middleware</a:t>
-            </a:r>
-            <a:r>
-              <a:rPr lang="de-DE" baseline="0" dirty="0">
-                <a:sym typeface="Wingdings" panose="05000000000000000000" pitchFamily="2" charset="2"/>
-              </a:rPr>
-              <a:t> </a:t>
-            </a:r>
-            <a:r>
-              <a:rPr lang="de-DE" baseline="0" dirty="0" err="1">
-                <a:sym typeface="Wingdings" panose="05000000000000000000" pitchFamily="2" charset="2"/>
-              </a:rPr>
-              <a:t>inside</a:t>
-            </a:r>
-            <a:r>
-              <a:rPr lang="de-DE" baseline="0" dirty="0">
-                <a:sym typeface="Wingdings" panose="05000000000000000000" pitchFamily="2" charset="2"/>
-              </a:rPr>
-              <a:t> </a:t>
-            </a:r>
-            <a:r>
-              <a:rPr lang="de-DE" baseline="0" dirty="0" err="1">
-                <a:sym typeface="Wingdings" panose="05000000000000000000" pitchFamily="2" charset="2"/>
-              </a:rPr>
-              <a:t>the</a:t>
-            </a:r>
-            <a:r>
-              <a:rPr lang="de-DE" baseline="0" dirty="0">
-                <a:sym typeface="Wingdings" panose="05000000000000000000" pitchFamily="2" charset="2"/>
-              </a:rPr>
-              <a:t> </a:t>
-            </a:r>
-            <a:r>
-              <a:rPr lang="de-DE" baseline="0" dirty="0" err="1">
-                <a:sym typeface="Wingdings" panose="05000000000000000000" pitchFamily="2" charset="2"/>
-              </a:rPr>
-              <a:t>Household</a:t>
-            </a:r>
-            <a:r>
-              <a:rPr lang="de-DE" baseline="0" dirty="0">
-                <a:sym typeface="Wingdings" panose="05000000000000000000" pitchFamily="2" charset="2"/>
-              </a:rPr>
-              <a:t> </a:t>
-            </a:r>
-            <a:r>
-              <a:rPr lang="de-DE" baseline="0" dirty="0" err="1">
-                <a:sym typeface="Wingdings" panose="05000000000000000000" pitchFamily="2" charset="2"/>
-              </a:rPr>
-              <a:t>processing</a:t>
-            </a:r>
-            <a:r>
-              <a:rPr lang="de-DE" baseline="0" dirty="0">
-                <a:sym typeface="Wingdings" panose="05000000000000000000" pitchFamily="2" charset="2"/>
-              </a:rPr>
-              <a:t> </a:t>
-            </a:r>
-            <a:r>
-              <a:rPr lang="de-DE" baseline="0" dirty="0" err="1">
-                <a:sym typeface="Wingdings" panose="05000000000000000000" pitchFamily="2" charset="2"/>
-              </a:rPr>
-              <a:t>unit</a:t>
-            </a:r>
-            <a:endParaRPr lang="de-DE" baseline="0" dirty="0">
-              <a:sym typeface="Wingdings" panose="05000000000000000000" pitchFamily="2" charset="2"/>
-            </a:endParaRPr>
-          </a:p>
-          <a:p>
-            <a:pPr marL="457200" indent="-298450">
-              <a:buFont typeface="Symbol" panose="05050102010706020507" pitchFamily="18" charset="2"/>
-              <a:buChar char="-"/>
-            </a:pPr>
-            <a:r>
-              <a:rPr lang="de-DE" baseline="0" dirty="0" err="1">
-                <a:sym typeface="Wingdings" panose="05000000000000000000" pitchFamily="2" charset="2"/>
-              </a:rPr>
-              <a:t>Netting</a:t>
-            </a:r>
-            <a:r>
-              <a:rPr lang="de-DE" baseline="0" dirty="0">
-                <a:sym typeface="Wingdings" panose="05000000000000000000" pitchFamily="2" charset="2"/>
-              </a:rPr>
-              <a:t> </a:t>
-            </a:r>
-            <a:r>
-              <a:rPr lang="de-DE" baseline="0" dirty="0" err="1">
-                <a:sym typeface="Wingdings" panose="05000000000000000000" pitchFamily="2" charset="2"/>
-              </a:rPr>
-              <a:t>is</a:t>
-            </a:r>
-            <a:r>
-              <a:rPr lang="de-DE" baseline="0" dirty="0">
-                <a:sym typeface="Wingdings" panose="05000000000000000000" pitchFamily="2" charset="2"/>
-              </a:rPr>
-              <a:t> </a:t>
-            </a:r>
-            <a:r>
-              <a:rPr lang="de-DE" baseline="0" dirty="0" err="1">
-                <a:sym typeface="Wingdings" panose="05000000000000000000" pitchFamily="2" charset="2"/>
-              </a:rPr>
-              <a:t>triggered</a:t>
-            </a:r>
-            <a:r>
-              <a:rPr lang="de-DE" baseline="0" dirty="0">
-                <a:sym typeface="Wingdings" panose="05000000000000000000" pitchFamily="2" charset="2"/>
-              </a:rPr>
-              <a:t> </a:t>
-            </a:r>
-            <a:r>
-              <a:rPr lang="de-DE" baseline="0" dirty="0" err="1">
-                <a:sym typeface="Wingdings" panose="05000000000000000000" pitchFamily="2" charset="2"/>
-              </a:rPr>
-              <a:t>by</a:t>
-            </a:r>
-            <a:r>
-              <a:rPr lang="de-DE" baseline="0" dirty="0">
-                <a:sym typeface="Wingdings" panose="05000000000000000000" pitchFamily="2" charset="2"/>
-              </a:rPr>
-              <a:t> </a:t>
-            </a:r>
-            <a:r>
-              <a:rPr lang="de-DE" baseline="0" dirty="0" err="1">
-                <a:sym typeface="Wingdings" panose="05000000000000000000" pitchFamily="2" charset="2"/>
-              </a:rPr>
-              <a:t>the</a:t>
-            </a:r>
-            <a:r>
-              <a:rPr lang="de-DE" baseline="0" dirty="0">
-                <a:sym typeface="Wingdings" panose="05000000000000000000" pitchFamily="2" charset="2"/>
-              </a:rPr>
-              <a:t> </a:t>
-            </a:r>
-            <a:r>
-              <a:rPr lang="de-DE" baseline="0" dirty="0" err="1">
-                <a:sym typeface="Wingdings" panose="05000000000000000000" pitchFamily="2" charset="2"/>
-              </a:rPr>
-              <a:t>Validator</a:t>
-            </a:r>
-            <a:r>
-              <a:rPr lang="de-DE" baseline="0" dirty="0">
-                <a:sym typeface="Wingdings" panose="05000000000000000000" pitchFamily="2" charset="2"/>
-              </a:rPr>
-              <a:t> Set</a:t>
-            </a:r>
-          </a:p>
-          <a:p>
-            <a:pPr marL="914400" lvl="1" indent="-298450">
-              <a:buFont typeface="Symbol" panose="05050102010706020507" pitchFamily="18" charset="2"/>
-              <a:buChar char="-"/>
-            </a:pPr>
-            <a:r>
-              <a:rPr lang="de-DE" baseline="0" dirty="0">
-                <a:sym typeface="Wingdings" panose="05000000000000000000" pitchFamily="2" charset="2"/>
-              </a:rPr>
-              <a:t>In </a:t>
-            </a:r>
-            <a:r>
-              <a:rPr lang="de-DE" baseline="0" dirty="0" err="1">
-                <a:sym typeface="Wingdings" panose="05000000000000000000" pitchFamily="2" charset="2"/>
-              </a:rPr>
-              <a:t>the</a:t>
-            </a:r>
-            <a:r>
-              <a:rPr lang="de-DE" baseline="0" dirty="0">
-                <a:sym typeface="Wingdings" panose="05000000000000000000" pitchFamily="2" charset="2"/>
-              </a:rPr>
-              <a:t> </a:t>
-            </a:r>
-            <a:r>
-              <a:rPr lang="de-DE" baseline="0" dirty="0" err="1">
-                <a:sym typeface="Wingdings" panose="05000000000000000000" pitchFamily="2" charset="2"/>
-              </a:rPr>
-              <a:t>future</a:t>
-            </a:r>
-            <a:r>
-              <a:rPr lang="de-DE" baseline="0" dirty="0">
-                <a:sym typeface="Wingdings" panose="05000000000000000000" pitchFamily="2" charset="2"/>
-              </a:rPr>
-              <a:t>: </a:t>
-            </a:r>
-            <a:r>
-              <a:rPr lang="de-DE" baseline="0" dirty="0" err="1">
-                <a:sym typeface="Wingdings" panose="05000000000000000000" pitchFamily="2" charset="2"/>
-              </a:rPr>
-              <a:t>either</a:t>
-            </a:r>
-            <a:r>
-              <a:rPr lang="de-DE" baseline="0" dirty="0">
-                <a:sym typeface="Wingdings" panose="05000000000000000000" pitchFamily="2" charset="2"/>
-              </a:rPr>
-              <a:t> </a:t>
-            </a:r>
-            <a:r>
-              <a:rPr lang="de-DE" baseline="0" dirty="0" err="1">
-                <a:sym typeface="Wingdings" panose="05000000000000000000" pitchFamily="2" charset="2"/>
-              </a:rPr>
-              <a:t>one</a:t>
-            </a:r>
-            <a:r>
-              <a:rPr lang="de-DE" baseline="0" dirty="0">
-                <a:sym typeface="Wingdings" panose="05000000000000000000" pitchFamily="2" charset="2"/>
-              </a:rPr>
-              <a:t> </a:t>
-            </a:r>
-            <a:r>
-              <a:rPr lang="de-DE" baseline="0" dirty="0" err="1">
-                <a:sym typeface="Wingdings" panose="05000000000000000000" pitchFamily="2" charset="2"/>
-              </a:rPr>
-              <a:t>household</a:t>
-            </a:r>
-            <a:r>
-              <a:rPr lang="de-DE" baseline="0" dirty="0">
-                <a:sym typeface="Wingdings" panose="05000000000000000000" pitchFamily="2" charset="2"/>
-              </a:rPr>
-              <a:t> </a:t>
-            </a:r>
-            <a:r>
-              <a:rPr lang="de-DE" baseline="0" dirty="0" err="1">
-                <a:sym typeface="Wingdings" panose="05000000000000000000" pitchFamily="2" charset="2"/>
-              </a:rPr>
-              <a:t>or</a:t>
-            </a:r>
-            <a:r>
-              <a:rPr lang="de-DE" baseline="0" dirty="0">
-                <a:sym typeface="Wingdings" panose="05000000000000000000" pitchFamily="2" charset="2"/>
-              </a:rPr>
-              <a:t> </a:t>
-            </a:r>
-            <a:r>
-              <a:rPr lang="de-DE" baseline="0" dirty="0" err="1">
-                <a:sym typeface="Wingdings" panose="05000000000000000000" pitchFamily="2" charset="2"/>
-              </a:rPr>
-              <a:t>every</a:t>
-            </a:r>
-            <a:r>
-              <a:rPr lang="de-DE" baseline="0" dirty="0">
-                <a:sym typeface="Wingdings" panose="05000000000000000000" pitchFamily="2" charset="2"/>
-              </a:rPr>
-              <a:t> time a block </a:t>
-            </a:r>
-            <a:r>
-              <a:rPr lang="de-DE" baseline="0" dirty="0" err="1">
-                <a:sym typeface="Wingdings" panose="05000000000000000000" pitchFamily="2" charset="2"/>
-              </a:rPr>
-              <a:t>is</a:t>
-            </a:r>
-            <a:r>
-              <a:rPr lang="de-DE" baseline="0" dirty="0">
-                <a:sym typeface="Wingdings" panose="05000000000000000000" pitchFamily="2" charset="2"/>
-              </a:rPr>
-              <a:t> </a:t>
-            </a:r>
-            <a:r>
-              <a:rPr lang="de-DE" baseline="0" dirty="0" err="1">
-                <a:sym typeface="Wingdings" panose="05000000000000000000" pitchFamily="2" charset="2"/>
-              </a:rPr>
-              <a:t>created</a:t>
-            </a:r>
-            <a:r>
-              <a:rPr lang="de-DE" baseline="0" dirty="0">
-                <a:sym typeface="Wingdings" panose="05000000000000000000" pitchFamily="2" charset="2"/>
-              </a:rPr>
-              <a:t> via </a:t>
-            </a:r>
-            <a:r>
-              <a:rPr lang="de-DE" baseline="0" dirty="0" err="1">
-                <a:sym typeface="Wingdings" panose="05000000000000000000" pitchFamily="2" charset="2"/>
-              </a:rPr>
-              <a:t>BlockReward</a:t>
-            </a:r>
-            <a:r>
-              <a:rPr lang="de-DE" baseline="0">
-                <a:sym typeface="Wingdings" panose="05000000000000000000" pitchFamily="2" charset="2"/>
-              </a:rPr>
-              <a:t> (?)</a:t>
-            </a:r>
-            <a:endParaRPr lang="de-DE" baseline="0" dirty="0">
-              <a:sym typeface="Wingdings" panose="05000000000000000000" pitchFamily="2" charset="2"/>
-            </a:endParaRPr>
-          </a:p>
-          <a:p>
-            <a:pPr marL="457200" indent="-298450">
-              <a:buFont typeface="Symbol" panose="05050102010706020507" pitchFamily="18" charset="2"/>
-              <a:buChar char="-"/>
-            </a:pPr>
-            <a:endParaRPr lang="de-DE" baseline="0" dirty="0">
-              <a:sym typeface="Wingdings" panose="05000000000000000000" pitchFamily="2" charset="2"/>
-            </a:endParaRPr>
           </a:p>
         </p:txBody>
       </p:sp>
     </p:spTree>
     <p:extLst>
       <p:ext uri="{BB962C8B-B14F-4D97-AF65-F5344CB8AC3E}">
-        <p14:creationId xmlns:p14="http://schemas.microsoft.com/office/powerpoint/2010/main" val="442979678"/>
+        <p14:creationId xmlns:p14="http://schemas.microsoft.com/office/powerpoint/2010/main" val="1641863781"/>
       </p:ext>
     </p:extLst>
   </p:cSld>
@@ -1714,171 +902,6 @@
 </file>
 
 <file path=ppt/notesSlides/notesSlide5.xml><?xml version="1.0" encoding="utf-8"?>
-<p:notes xmlns:a="http://schemas.openxmlformats.org/drawingml/2006/main" xmlns:r="http://schemas.openxmlformats.org/officeDocument/2006/relationships" xmlns:p="http://schemas.openxmlformats.org/presentationml/2006/main" showMasterSp="0" showMasterPhAnim="0">
-  <p:cSld>
-    <p:spTree>
-      <p:nvGrpSpPr>
-        <p:cNvPr id="1" name="Shape 102"/>
-        <p:cNvGrpSpPr/>
-        <p:nvPr/>
-      </p:nvGrpSpPr>
-      <p:grpSpPr>
-        <a:xfrm>
-          <a:off x="0" y="0"/>
-          <a:ext cx="0" cy="0"/>
-          <a:chOff x="0" y="0"/>
-          <a:chExt cx="0" cy="0"/>
-        </a:xfrm>
-      </p:grpSpPr>
-      <p:sp>
-        <p:nvSpPr>
-          <p:cNvPr id="103" name="Google Shape;103;g56a8908bc3_9_0:notes"/>
-          <p:cNvSpPr>
-            <a:spLocks noGrp="1" noRot="1" noChangeAspect="1"/>
-          </p:cNvSpPr>
-          <p:nvPr>
-            <p:ph type="sldImg" idx="2"/>
-          </p:nvPr>
-        </p:nvSpPr>
-        <p:spPr>
-          <a:xfrm>
-            <a:off x="381000" y="685800"/>
-            <a:ext cx="6096000" cy="3429000"/>
-          </a:xfrm>
-          <a:custGeom>
-            <a:avLst/>
-            <a:gdLst/>
-            <a:ahLst/>
-            <a:cxnLst/>
-            <a:rect l="l" t="t" r="r" b="b"/>
-            <a:pathLst>
-              <a:path w="120000" h="120000" extrusionOk="0">
-                <a:moveTo>
-                  <a:pt x="0" y="0"/>
-                </a:moveTo>
-                <a:lnTo>
-                  <a:pt x="120000" y="0"/>
-                </a:lnTo>
-                <a:lnTo>
-                  <a:pt x="120000" y="120000"/>
-                </a:lnTo>
-                <a:lnTo>
-                  <a:pt x="0" y="120000"/>
-                </a:lnTo>
-                <a:close/>
-              </a:path>
-            </a:pathLst>
-          </a:custGeom>
-        </p:spPr>
-      </p:sp>
-      <p:sp>
-        <p:nvSpPr>
-          <p:cNvPr id="104" name="Google Shape;104;g56a8908bc3_9_0:notes"/>
-          <p:cNvSpPr txBox="1">
-            <a:spLocks noGrp="1"/>
-          </p:cNvSpPr>
-          <p:nvPr>
-            <p:ph type="body" idx="1"/>
-          </p:nvPr>
-        </p:nvSpPr>
-        <p:spPr>
-          <a:xfrm>
-            <a:off x="685800" y="4343400"/>
-            <a:ext cx="5486400" cy="4114800"/>
-          </a:xfrm>
-          <a:prstGeom prst="rect">
-            <a:avLst/>
-          </a:prstGeom>
-        </p:spPr>
-        <p:txBody>
-          <a:bodyPr spcFirstLastPara="1" wrap="square" lIns="91425" tIns="91425" rIns="91425" bIns="91425" anchor="t" anchorCtr="0">
-            <a:noAutofit/>
-          </a:bodyPr>
-          <a:lstStyle/>
-          <a:p>
-            <a:pPr marL="457200" lvl="0" indent="-298450" algn="l" rtl="0">
-              <a:spcBef>
-                <a:spcPts val="0"/>
-              </a:spcBef>
-              <a:spcAft>
-                <a:spcPts val="0"/>
-              </a:spcAft>
-              <a:buSzPts val="1100"/>
-              <a:buChar char="-"/>
-            </a:pPr>
-            <a:r>
-              <a:rPr lang="en"/>
-              <a:t>Where is sensor data stored?</a:t>
-            </a:r>
-            <a:endParaRPr/>
-          </a:p>
-          <a:p>
-            <a:pPr marL="457200" lvl="0" indent="-298450" algn="l" rtl="0">
-              <a:spcBef>
-                <a:spcPts val="0"/>
-              </a:spcBef>
-              <a:spcAft>
-                <a:spcPts val="0"/>
-              </a:spcAft>
-              <a:buSzPts val="1100"/>
-              <a:buChar char="-"/>
-            </a:pPr>
-            <a:r>
-              <a:rPr lang="en"/>
-              <a:t>Why proof of wokr? -&gt; Don't forget to mention</a:t>
-            </a:r>
-            <a:endParaRPr/>
-          </a:p>
-          <a:p>
-            <a:pPr marL="457200" lvl="0" indent="-298450" algn="l" rtl="0">
-              <a:spcBef>
-                <a:spcPts val="0"/>
-              </a:spcBef>
-              <a:spcAft>
-                <a:spcPts val="0"/>
-              </a:spcAft>
-              <a:buSzPts val="1100"/>
-              <a:buChar char="-"/>
-            </a:pPr>
-            <a:r>
-              <a:rPr lang="en"/>
-              <a:t>Simpler stack prefered</a:t>
-            </a:r>
-            <a:endParaRPr/>
-          </a:p>
-          <a:p>
-            <a:pPr marL="457200" lvl="0" indent="-298450" algn="l" rtl="0">
-              <a:spcBef>
-                <a:spcPts val="0"/>
-              </a:spcBef>
-              <a:spcAft>
-                <a:spcPts val="0"/>
-              </a:spcAft>
-              <a:buSzPts val="1100"/>
-              <a:buChar char="-"/>
-            </a:pPr>
-            <a:r>
-              <a:rPr lang="en"/>
-              <a:t>Test workflow ...Before commiting to it </a:t>
-            </a:r>
-            <a:endParaRPr/>
-          </a:p>
-        </p:txBody>
-      </p:sp>
-    </p:spTree>
-    <p:extLst>
-      <p:ext uri="{BB962C8B-B14F-4D97-AF65-F5344CB8AC3E}">
-        <p14:creationId xmlns:p14="http://schemas.microsoft.com/office/powerpoint/2010/main" val="1330241130"/>
-      </p:ext>
-    </p:extLst>
-  </p:cSld>
-  <p:clrMapOvr>
-    <a:masterClrMapping/>
-  </p:clrMapOvr>
-</p:notes>
-</file>
-
-<file path=ppt/notesSlides/notesSlide6.xml><?xml version="1.0" encoding="utf-8"?>
 <p:notes xmlns:a="http://schemas.openxmlformats.org/drawingml/2006/main" xmlns:r="http://schemas.openxmlformats.org/officeDocument/2006/relationships" xmlns:p="http://schemas.openxmlformats.org/presentationml/2006/main">
   <p:cSld>
     <p:spTree>
@@ -1911,133 +934,6 @@
             <a:ext cx="6096000" cy="3429000"/>
           </a:xfrm>
         </p:spPr>
-      </p:sp>
-      <p:sp>
-        <p:nvSpPr>
-          <p:cNvPr id="3" name="Notizenplatzhalter 2"/>
-          <p:cNvSpPr>
-            <a:spLocks noGrp="1"/>
-          </p:cNvSpPr>
-          <p:nvPr>
-            <p:ph type="body" idx="1"/>
-          </p:nvPr>
-        </p:nvSpPr>
-        <p:spPr/>
-        <p:txBody>
-          <a:bodyPr/>
-          <a:lstStyle/>
-          <a:p>
-            <a:endParaRPr lang="de-DE" dirty="0"/>
-          </a:p>
-        </p:txBody>
-      </p:sp>
-    </p:spTree>
-    <p:extLst>
-      <p:ext uri="{BB962C8B-B14F-4D97-AF65-F5344CB8AC3E}">
-        <p14:creationId xmlns:p14="http://schemas.microsoft.com/office/powerpoint/2010/main" val="2510380856"/>
-      </p:ext>
-    </p:extLst>
-  </p:cSld>
-  <p:clrMapOvr>
-    <a:masterClrMapping/>
-  </p:clrMapOvr>
-</p:notes>
-</file>
-
-<file path=ppt/notesSlides/notesSlide7.xml><?xml version="1.0" encoding="utf-8"?>
-<p:notes xmlns:a="http://schemas.openxmlformats.org/drawingml/2006/main" xmlns:r="http://schemas.openxmlformats.org/officeDocument/2006/relationships" xmlns:p="http://schemas.openxmlformats.org/presentationml/2006/main">
-  <p:cSld>
-    <p:spTree>
-      <p:nvGrpSpPr>
-        <p:cNvPr id="1" name=""/>
-        <p:cNvGrpSpPr/>
-        <p:nvPr/>
-      </p:nvGrpSpPr>
-      <p:grpSpPr>
-        <a:xfrm>
-          <a:off x="0" y="0"/>
-          <a:ext cx="0" cy="0"/>
-          <a:chOff x="0" y="0"/>
-          <a:chExt cx="0" cy="0"/>
-        </a:xfrm>
-      </p:grpSpPr>
-      <p:sp>
-        <p:nvSpPr>
-          <p:cNvPr id="2" name="Folienbildplatzhalter 1"/>
-          <p:cNvSpPr>
-            <a:spLocks noGrp="1" noRot="1" noChangeAspect="1"/>
-          </p:cNvSpPr>
-          <p:nvPr>
-            <p:ph type="sldImg"/>
-          </p:nvPr>
-        </p:nvSpPr>
-        <p:spPr>
-          <a:xfrm>
-            <a:off x="381000" y="685800"/>
-            <a:ext cx="6096000" cy="3429000"/>
-          </a:xfrm>
-        </p:spPr>
-      </p:sp>
-      <p:sp>
-        <p:nvSpPr>
-          <p:cNvPr id="3" name="Notizenplatzhalter 2"/>
-          <p:cNvSpPr>
-            <a:spLocks noGrp="1"/>
-          </p:cNvSpPr>
-          <p:nvPr>
-            <p:ph type="body" idx="1"/>
-          </p:nvPr>
-        </p:nvSpPr>
-        <p:spPr/>
-        <p:txBody>
-          <a:bodyPr/>
-          <a:lstStyle/>
-          <a:p>
-            <a:endParaRPr lang="de-DE" dirty="0"/>
-          </a:p>
-        </p:txBody>
-      </p:sp>
-    </p:spTree>
-    <p:extLst>
-      <p:ext uri="{BB962C8B-B14F-4D97-AF65-F5344CB8AC3E}">
-        <p14:creationId xmlns:p14="http://schemas.microsoft.com/office/powerpoint/2010/main" val="1641863781"/>
-      </p:ext>
-    </p:extLst>
-  </p:cSld>
-  <p:clrMapOvr>
-    <a:masterClrMapping/>
-  </p:clrMapOvr>
-</p:notes>
-</file>
-
-<file path=ppt/notesSlides/notesSlide8.xml><?xml version="1.0" encoding="utf-8"?>
-<p:notes xmlns:a="http://schemas.openxmlformats.org/drawingml/2006/main" xmlns:r="http://schemas.openxmlformats.org/officeDocument/2006/relationships" xmlns:p="http://schemas.openxmlformats.org/presentationml/2006/main">
-  <p:cSld>
-    <p:spTree>
-      <p:nvGrpSpPr>
-        <p:cNvPr id="1" name=""/>
-        <p:cNvGrpSpPr/>
-        <p:nvPr/>
-      </p:nvGrpSpPr>
-      <p:grpSpPr>
-        <a:xfrm>
-          <a:off x="0" y="0"/>
-          <a:ext cx="0" cy="0"/>
-          <a:chOff x="0" y="0"/>
-          <a:chExt cx="0" cy="0"/>
-        </a:xfrm>
-      </p:grpSpPr>
-      <p:sp>
-        <p:nvSpPr>
-          <p:cNvPr id="2" name="Folienbildplatzhalter 1"/>
-          <p:cNvSpPr>
-            <a:spLocks noGrp="1" noRot="1" noChangeAspect="1"/>
-          </p:cNvSpPr>
-          <p:nvPr>
-            <p:ph type="sldImg"/>
-          </p:nvPr>
-        </p:nvSpPr>
-        <p:spPr/>
       </p:sp>
       <p:sp>
         <p:nvSpPr>
@@ -2093,7 +989,7 @@
           <p:cNvPr id="2" name="Titel 1">
             <a:extLst>
               <a:ext uri="{FF2B5EF4-FFF2-40B4-BE49-F238E27FC236}">
-                <a16:creationId xmlns:a16="http://schemas.microsoft.com/office/drawing/2014/main" id="{C4BFC7AA-CD3C-4EB3-8AC5-BEB0EBFA9096}"/>
+                <a16:creationId xmlns:a16="http://schemas.microsoft.com/office/drawing/2014/main" xmlns="" id="{C4BFC7AA-CD3C-4EB3-8AC5-BEB0EBFA9096}"/>
               </a:ext>
             </a:extLst>
           </p:cNvPr>
@@ -2130,7 +1026,7 @@
           <p:cNvPr id="3" name="Untertitel 2">
             <a:extLst>
               <a:ext uri="{FF2B5EF4-FFF2-40B4-BE49-F238E27FC236}">
-                <a16:creationId xmlns:a16="http://schemas.microsoft.com/office/drawing/2014/main" id="{1219FD26-0274-41D1-9EB8-E209567E96B7}"/>
+                <a16:creationId xmlns:a16="http://schemas.microsoft.com/office/drawing/2014/main" xmlns="" id="{1219FD26-0274-41D1-9EB8-E209567E96B7}"/>
               </a:ext>
             </a:extLst>
           </p:cNvPr>
@@ -2200,7 +1096,7 @@
           <p:cNvPr id="4" name="Datumsplatzhalter 3">
             <a:extLst>
               <a:ext uri="{FF2B5EF4-FFF2-40B4-BE49-F238E27FC236}">
-                <a16:creationId xmlns:a16="http://schemas.microsoft.com/office/drawing/2014/main" id="{E7880DE4-D78F-46C4-97A5-D83B697BB518}"/>
+                <a16:creationId xmlns:a16="http://schemas.microsoft.com/office/drawing/2014/main" xmlns="" id="{E7880DE4-D78F-46C4-97A5-D83B697BB518}"/>
               </a:ext>
             </a:extLst>
           </p:cNvPr>
@@ -2218,7 +1114,7 @@
           <a:p>
             <a:fld id="{24483E84-0737-48BA-B7F0-9EA11BFDC565}" type="datetimeFigureOut">
               <a:rPr lang="de-DE" smtClean="0"/>
-              <a:t>21.05.2019</a:t>
+              <a:t>22.05.2019</a:t>
             </a:fld>
             <a:endParaRPr lang="de-DE"/>
           </a:p>
@@ -2229,7 +1125,7 @@
           <p:cNvPr id="5" name="Fußzeilenplatzhalter 4">
             <a:extLst>
               <a:ext uri="{FF2B5EF4-FFF2-40B4-BE49-F238E27FC236}">
-                <a16:creationId xmlns:a16="http://schemas.microsoft.com/office/drawing/2014/main" id="{11036CC6-A794-440F-8F05-C516B6142220}"/>
+                <a16:creationId xmlns:a16="http://schemas.microsoft.com/office/drawing/2014/main" xmlns="" id="{11036CC6-A794-440F-8F05-C516B6142220}"/>
               </a:ext>
             </a:extLst>
           </p:cNvPr>
@@ -2254,7 +1150,7 @@
           <p:cNvPr id="6" name="Foliennummernplatzhalter 5">
             <a:extLst>
               <a:ext uri="{FF2B5EF4-FFF2-40B4-BE49-F238E27FC236}">
-                <a16:creationId xmlns:a16="http://schemas.microsoft.com/office/drawing/2014/main" id="{6BA7CC04-CD79-45EF-9AF1-056EC217621C}"/>
+                <a16:creationId xmlns:a16="http://schemas.microsoft.com/office/drawing/2014/main" xmlns="" id="{6BA7CC04-CD79-45EF-9AF1-056EC217621C}"/>
               </a:ext>
             </a:extLst>
           </p:cNvPr>
@@ -2323,7 +1219,7 @@
           <p:cNvPr id="2" name="Titel 1">
             <a:extLst>
               <a:ext uri="{FF2B5EF4-FFF2-40B4-BE49-F238E27FC236}">
-                <a16:creationId xmlns:a16="http://schemas.microsoft.com/office/drawing/2014/main" id="{29CB0ABE-8E7B-4FC1-B4FA-BA3BE35CF312}"/>
+                <a16:creationId xmlns:a16="http://schemas.microsoft.com/office/drawing/2014/main" xmlns="" id="{29CB0ABE-8E7B-4FC1-B4FA-BA3BE35CF312}"/>
               </a:ext>
             </a:extLst>
           </p:cNvPr>
@@ -2351,7 +1247,7 @@
           <p:cNvPr id="3" name="Vertikaler Textplatzhalter 2">
             <a:extLst>
               <a:ext uri="{FF2B5EF4-FFF2-40B4-BE49-F238E27FC236}">
-                <a16:creationId xmlns:a16="http://schemas.microsoft.com/office/drawing/2014/main" id="{4CEAE241-6927-4286-A74A-B86C81B3776A}"/>
+                <a16:creationId xmlns:a16="http://schemas.microsoft.com/office/drawing/2014/main" xmlns="" id="{4CEAE241-6927-4286-A74A-B86C81B3776A}"/>
               </a:ext>
             </a:extLst>
           </p:cNvPr>
@@ -2408,7 +1304,7 @@
           <p:cNvPr id="4" name="Datumsplatzhalter 3">
             <a:extLst>
               <a:ext uri="{FF2B5EF4-FFF2-40B4-BE49-F238E27FC236}">
-                <a16:creationId xmlns:a16="http://schemas.microsoft.com/office/drawing/2014/main" id="{3D64C755-8B16-4EFE-ACEE-1F767B8FC3CD}"/>
+                <a16:creationId xmlns:a16="http://schemas.microsoft.com/office/drawing/2014/main" xmlns="" id="{3D64C755-8B16-4EFE-ACEE-1F767B8FC3CD}"/>
               </a:ext>
             </a:extLst>
           </p:cNvPr>
@@ -2426,7 +1322,7 @@
           <a:p>
             <a:fld id="{24483E84-0737-48BA-B7F0-9EA11BFDC565}" type="datetimeFigureOut">
               <a:rPr lang="de-DE" smtClean="0"/>
-              <a:t>21.05.2019</a:t>
+              <a:t>22.05.2019</a:t>
             </a:fld>
             <a:endParaRPr lang="de-DE"/>
           </a:p>
@@ -2437,7 +1333,7 @@
           <p:cNvPr id="5" name="Fußzeilenplatzhalter 4">
             <a:extLst>
               <a:ext uri="{FF2B5EF4-FFF2-40B4-BE49-F238E27FC236}">
-                <a16:creationId xmlns:a16="http://schemas.microsoft.com/office/drawing/2014/main" id="{D5D518B2-A8E9-453E-95A0-9659017CC8C7}"/>
+                <a16:creationId xmlns:a16="http://schemas.microsoft.com/office/drawing/2014/main" xmlns="" id="{D5D518B2-A8E9-453E-95A0-9659017CC8C7}"/>
               </a:ext>
             </a:extLst>
           </p:cNvPr>
@@ -2462,7 +1358,7 @@
           <p:cNvPr id="6" name="Foliennummernplatzhalter 5">
             <a:extLst>
               <a:ext uri="{FF2B5EF4-FFF2-40B4-BE49-F238E27FC236}">
-                <a16:creationId xmlns:a16="http://schemas.microsoft.com/office/drawing/2014/main" id="{92CED5AE-CEB3-4CBB-AA0B-966C92EA750A}"/>
+                <a16:creationId xmlns:a16="http://schemas.microsoft.com/office/drawing/2014/main" xmlns="" id="{92CED5AE-CEB3-4CBB-AA0B-966C92EA750A}"/>
               </a:ext>
             </a:extLst>
           </p:cNvPr>
@@ -2531,7 +1427,7 @@
           <p:cNvPr id="2" name="Vertikaler Titel 1">
             <a:extLst>
               <a:ext uri="{FF2B5EF4-FFF2-40B4-BE49-F238E27FC236}">
-                <a16:creationId xmlns:a16="http://schemas.microsoft.com/office/drawing/2014/main" id="{451E92A8-7314-428F-A26E-23CF746CDCCE}"/>
+                <a16:creationId xmlns:a16="http://schemas.microsoft.com/office/drawing/2014/main" xmlns="" id="{451E92A8-7314-428F-A26E-23CF746CDCCE}"/>
               </a:ext>
             </a:extLst>
           </p:cNvPr>
@@ -2564,7 +1460,7 @@
           <p:cNvPr id="3" name="Vertikaler Textplatzhalter 2">
             <a:extLst>
               <a:ext uri="{FF2B5EF4-FFF2-40B4-BE49-F238E27FC236}">
-                <a16:creationId xmlns:a16="http://schemas.microsoft.com/office/drawing/2014/main" id="{D104BF60-A350-4203-9847-808CB5EA0429}"/>
+                <a16:creationId xmlns:a16="http://schemas.microsoft.com/office/drawing/2014/main" xmlns="" id="{D104BF60-A350-4203-9847-808CB5EA0429}"/>
               </a:ext>
             </a:extLst>
           </p:cNvPr>
@@ -2626,7 +1522,7 @@
           <p:cNvPr id="4" name="Datumsplatzhalter 3">
             <a:extLst>
               <a:ext uri="{FF2B5EF4-FFF2-40B4-BE49-F238E27FC236}">
-                <a16:creationId xmlns:a16="http://schemas.microsoft.com/office/drawing/2014/main" id="{4540AF17-A276-4956-8F59-E1AA84839DDC}"/>
+                <a16:creationId xmlns:a16="http://schemas.microsoft.com/office/drawing/2014/main" xmlns="" id="{4540AF17-A276-4956-8F59-E1AA84839DDC}"/>
               </a:ext>
             </a:extLst>
           </p:cNvPr>
@@ -2644,7 +1540,7 @@
           <a:p>
             <a:fld id="{24483E84-0737-48BA-B7F0-9EA11BFDC565}" type="datetimeFigureOut">
               <a:rPr lang="de-DE" smtClean="0"/>
-              <a:t>21.05.2019</a:t>
+              <a:t>22.05.2019</a:t>
             </a:fld>
             <a:endParaRPr lang="de-DE"/>
           </a:p>
@@ -2655,7 +1551,7 @@
           <p:cNvPr id="5" name="Fußzeilenplatzhalter 4">
             <a:extLst>
               <a:ext uri="{FF2B5EF4-FFF2-40B4-BE49-F238E27FC236}">
-                <a16:creationId xmlns:a16="http://schemas.microsoft.com/office/drawing/2014/main" id="{3C7473DD-11FB-4D57-8FC1-8CADB995E084}"/>
+                <a16:creationId xmlns:a16="http://schemas.microsoft.com/office/drawing/2014/main" xmlns="" id="{3C7473DD-11FB-4D57-8FC1-8CADB995E084}"/>
               </a:ext>
             </a:extLst>
           </p:cNvPr>
@@ -2680,7 +1576,7 @@
           <p:cNvPr id="6" name="Foliennummernplatzhalter 5">
             <a:extLst>
               <a:ext uri="{FF2B5EF4-FFF2-40B4-BE49-F238E27FC236}">
-                <a16:creationId xmlns:a16="http://schemas.microsoft.com/office/drawing/2014/main" id="{541BDCD7-2760-4AFA-8E6E-47340FF1A784}"/>
+                <a16:creationId xmlns:a16="http://schemas.microsoft.com/office/drawing/2014/main" xmlns="" id="{541BDCD7-2760-4AFA-8E6E-47340FF1A784}"/>
               </a:ext>
             </a:extLst>
           </p:cNvPr>
@@ -3112,7 +2008,7 @@
           <p:cNvPr id="2" name="Titel 1">
             <a:extLst>
               <a:ext uri="{FF2B5EF4-FFF2-40B4-BE49-F238E27FC236}">
-                <a16:creationId xmlns:a16="http://schemas.microsoft.com/office/drawing/2014/main" id="{73E059B5-3B08-45D2-93D0-258C20938E0B}"/>
+                <a16:creationId xmlns:a16="http://schemas.microsoft.com/office/drawing/2014/main" xmlns="" id="{73E059B5-3B08-45D2-93D0-258C20938E0B}"/>
               </a:ext>
             </a:extLst>
           </p:cNvPr>
@@ -3140,7 +2036,7 @@
           <p:cNvPr id="3" name="Inhaltsplatzhalter 2">
             <a:extLst>
               <a:ext uri="{FF2B5EF4-FFF2-40B4-BE49-F238E27FC236}">
-                <a16:creationId xmlns:a16="http://schemas.microsoft.com/office/drawing/2014/main" id="{9FD5C0EA-0400-451C-B209-1265564A2B90}"/>
+                <a16:creationId xmlns:a16="http://schemas.microsoft.com/office/drawing/2014/main" xmlns="" id="{9FD5C0EA-0400-451C-B209-1265564A2B90}"/>
               </a:ext>
             </a:extLst>
           </p:cNvPr>
@@ -3197,7 +2093,7 @@
           <p:cNvPr id="4" name="Datumsplatzhalter 3">
             <a:extLst>
               <a:ext uri="{FF2B5EF4-FFF2-40B4-BE49-F238E27FC236}">
-                <a16:creationId xmlns:a16="http://schemas.microsoft.com/office/drawing/2014/main" id="{C7E7697B-116D-4B0D-B992-AE8B5F433116}"/>
+                <a16:creationId xmlns:a16="http://schemas.microsoft.com/office/drawing/2014/main" xmlns="" id="{C7E7697B-116D-4B0D-B992-AE8B5F433116}"/>
               </a:ext>
             </a:extLst>
           </p:cNvPr>
@@ -3215,7 +2111,7 @@
           <a:p>
             <a:fld id="{24483E84-0737-48BA-B7F0-9EA11BFDC565}" type="datetimeFigureOut">
               <a:rPr lang="de-DE" smtClean="0"/>
-              <a:t>21.05.2019</a:t>
+              <a:t>22.05.2019</a:t>
             </a:fld>
             <a:endParaRPr lang="de-DE"/>
           </a:p>
@@ -3226,7 +2122,7 @@
           <p:cNvPr id="5" name="Fußzeilenplatzhalter 4">
             <a:extLst>
               <a:ext uri="{FF2B5EF4-FFF2-40B4-BE49-F238E27FC236}">
-                <a16:creationId xmlns:a16="http://schemas.microsoft.com/office/drawing/2014/main" id="{51517F04-B3C2-4E2D-BB21-FC164E24CACD}"/>
+                <a16:creationId xmlns:a16="http://schemas.microsoft.com/office/drawing/2014/main" xmlns="" id="{51517F04-B3C2-4E2D-BB21-FC164E24CACD}"/>
               </a:ext>
             </a:extLst>
           </p:cNvPr>
@@ -3251,7 +2147,7 @@
           <p:cNvPr id="6" name="Foliennummernplatzhalter 5">
             <a:extLst>
               <a:ext uri="{FF2B5EF4-FFF2-40B4-BE49-F238E27FC236}">
-                <a16:creationId xmlns:a16="http://schemas.microsoft.com/office/drawing/2014/main" id="{8B32C0DC-F2F4-4E00-A326-2216FD6D9BF6}"/>
+                <a16:creationId xmlns:a16="http://schemas.microsoft.com/office/drawing/2014/main" xmlns="" id="{8B32C0DC-F2F4-4E00-A326-2216FD6D9BF6}"/>
               </a:ext>
             </a:extLst>
           </p:cNvPr>
@@ -3320,7 +2216,7 @@
           <p:cNvPr id="2" name="Titel 1">
             <a:extLst>
               <a:ext uri="{FF2B5EF4-FFF2-40B4-BE49-F238E27FC236}">
-                <a16:creationId xmlns:a16="http://schemas.microsoft.com/office/drawing/2014/main" id="{F2A058CB-DF78-4138-B3BF-B8D28329DAFD}"/>
+                <a16:creationId xmlns:a16="http://schemas.microsoft.com/office/drawing/2014/main" xmlns="" id="{F2A058CB-DF78-4138-B3BF-B8D28329DAFD}"/>
               </a:ext>
             </a:extLst>
           </p:cNvPr>
@@ -3357,7 +2253,7 @@
           <p:cNvPr id="3" name="Textplatzhalter 2">
             <a:extLst>
               <a:ext uri="{FF2B5EF4-FFF2-40B4-BE49-F238E27FC236}">
-                <a16:creationId xmlns:a16="http://schemas.microsoft.com/office/drawing/2014/main" id="{F60F13CE-CAF1-460D-B0DB-4ECD497D06AE}"/>
+                <a16:creationId xmlns:a16="http://schemas.microsoft.com/office/drawing/2014/main" xmlns="" id="{F60F13CE-CAF1-460D-B0DB-4ECD497D06AE}"/>
               </a:ext>
             </a:extLst>
           </p:cNvPr>
@@ -3482,7 +2378,7 @@
           <p:cNvPr id="4" name="Datumsplatzhalter 3">
             <a:extLst>
               <a:ext uri="{FF2B5EF4-FFF2-40B4-BE49-F238E27FC236}">
-                <a16:creationId xmlns:a16="http://schemas.microsoft.com/office/drawing/2014/main" id="{D1E4E82D-736D-48A5-A8EF-23543A7FE690}"/>
+                <a16:creationId xmlns:a16="http://schemas.microsoft.com/office/drawing/2014/main" xmlns="" id="{D1E4E82D-736D-48A5-A8EF-23543A7FE690}"/>
               </a:ext>
             </a:extLst>
           </p:cNvPr>
@@ -3500,7 +2396,7 @@
           <a:p>
             <a:fld id="{24483E84-0737-48BA-B7F0-9EA11BFDC565}" type="datetimeFigureOut">
               <a:rPr lang="de-DE" smtClean="0"/>
-              <a:t>21.05.2019</a:t>
+              <a:t>22.05.2019</a:t>
             </a:fld>
             <a:endParaRPr lang="de-DE"/>
           </a:p>
@@ -3511,7 +2407,7 @@
           <p:cNvPr id="5" name="Fußzeilenplatzhalter 4">
             <a:extLst>
               <a:ext uri="{FF2B5EF4-FFF2-40B4-BE49-F238E27FC236}">
-                <a16:creationId xmlns:a16="http://schemas.microsoft.com/office/drawing/2014/main" id="{C6D7CC20-C8FE-4259-8C82-3CAD9CDB3325}"/>
+                <a16:creationId xmlns:a16="http://schemas.microsoft.com/office/drawing/2014/main" xmlns="" id="{C6D7CC20-C8FE-4259-8C82-3CAD9CDB3325}"/>
               </a:ext>
             </a:extLst>
           </p:cNvPr>
@@ -3536,7 +2432,7 @@
           <p:cNvPr id="6" name="Foliennummernplatzhalter 5">
             <a:extLst>
               <a:ext uri="{FF2B5EF4-FFF2-40B4-BE49-F238E27FC236}">
-                <a16:creationId xmlns:a16="http://schemas.microsoft.com/office/drawing/2014/main" id="{72C04CDF-3080-4CCC-92A2-7E82D8734547}"/>
+                <a16:creationId xmlns:a16="http://schemas.microsoft.com/office/drawing/2014/main" xmlns="" id="{72C04CDF-3080-4CCC-92A2-7E82D8734547}"/>
               </a:ext>
             </a:extLst>
           </p:cNvPr>
@@ -3605,7 +2501,7 @@
           <p:cNvPr id="2" name="Titel 1">
             <a:extLst>
               <a:ext uri="{FF2B5EF4-FFF2-40B4-BE49-F238E27FC236}">
-                <a16:creationId xmlns:a16="http://schemas.microsoft.com/office/drawing/2014/main" id="{E74F524F-1542-4C74-A000-B2B840B20F0E}"/>
+                <a16:creationId xmlns:a16="http://schemas.microsoft.com/office/drawing/2014/main" xmlns="" id="{E74F524F-1542-4C74-A000-B2B840B20F0E}"/>
               </a:ext>
             </a:extLst>
           </p:cNvPr>
@@ -3633,7 +2529,7 @@
           <p:cNvPr id="3" name="Inhaltsplatzhalter 2">
             <a:extLst>
               <a:ext uri="{FF2B5EF4-FFF2-40B4-BE49-F238E27FC236}">
-                <a16:creationId xmlns:a16="http://schemas.microsoft.com/office/drawing/2014/main" id="{37172C96-4414-40C7-B661-F62818991DA0}"/>
+                <a16:creationId xmlns:a16="http://schemas.microsoft.com/office/drawing/2014/main" xmlns="" id="{37172C96-4414-40C7-B661-F62818991DA0}"/>
               </a:ext>
             </a:extLst>
           </p:cNvPr>
@@ -3695,7 +2591,7 @@
           <p:cNvPr id="4" name="Inhaltsplatzhalter 3">
             <a:extLst>
               <a:ext uri="{FF2B5EF4-FFF2-40B4-BE49-F238E27FC236}">
-                <a16:creationId xmlns:a16="http://schemas.microsoft.com/office/drawing/2014/main" id="{B9FA087B-DF70-4FF4-9BF0-81680FC488C6}"/>
+                <a16:creationId xmlns:a16="http://schemas.microsoft.com/office/drawing/2014/main" xmlns="" id="{B9FA087B-DF70-4FF4-9BF0-81680FC488C6}"/>
               </a:ext>
             </a:extLst>
           </p:cNvPr>
@@ -3757,7 +2653,7 @@
           <p:cNvPr id="5" name="Datumsplatzhalter 4">
             <a:extLst>
               <a:ext uri="{FF2B5EF4-FFF2-40B4-BE49-F238E27FC236}">
-                <a16:creationId xmlns:a16="http://schemas.microsoft.com/office/drawing/2014/main" id="{8CF348FF-578B-4739-9FD5-648C9207D23F}"/>
+                <a16:creationId xmlns:a16="http://schemas.microsoft.com/office/drawing/2014/main" xmlns="" id="{8CF348FF-578B-4739-9FD5-648C9207D23F}"/>
               </a:ext>
             </a:extLst>
           </p:cNvPr>
@@ -3775,7 +2671,7 @@
           <a:p>
             <a:fld id="{24483E84-0737-48BA-B7F0-9EA11BFDC565}" type="datetimeFigureOut">
               <a:rPr lang="de-DE" smtClean="0"/>
-              <a:t>21.05.2019</a:t>
+              <a:t>22.05.2019</a:t>
             </a:fld>
             <a:endParaRPr lang="de-DE"/>
           </a:p>
@@ -3786,7 +2682,7 @@
           <p:cNvPr id="6" name="Fußzeilenplatzhalter 5">
             <a:extLst>
               <a:ext uri="{FF2B5EF4-FFF2-40B4-BE49-F238E27FC236}">
-                <a16:creationId xmlns:a16="http://schemas.microsoft.com/office/drawing/2014/main" id="{E819008B-424F-4665-8385-8B010014887C}"/>
+                <a16:creationId xmlns:a16="http://schemas.microsoft.com/office/drawing/2014/main" xmlns="" id="{E819008B-424F-4665-8385-8B010014887C}"/>
               </a:ext>
             </a:extLst>
           </p:cNvPr>
@@ -3811,7 +2707,7 @@
           <p:cNvPr id="7" name="Foliennummernplatzhalter 6">
             <a:extLst>
               <a:ext uri="{FF2B5EF4-FFF2-40B4-BE49-F238E27FC236}">
-                <a16:creationId xmlns:a16="http://schemas.microsoft.com/office/drawing/2014/main" id="{19083DF4-3A71-4908-9619-9CEA5710B066}"/>
+                <a16:creationId xmlns:a16="http://schemas.microsoft.com/office/drawing/2014/main" xmlns="" id="{19083DF4-3A71-4908-9619-9CEA5710B066}"/>
               </a:ext>
             </a:extLst>
           </p:cNvPr>
@@ -3880,7 +2776,7 @@
           <p:cNvPr id="2" name="Titel 1">
             <a:extLst>
               <a:ext uri="{FF2B5EF4-FFF2-40B4-BE49-F238E27FC236}">
-                <a16:creationId xmlns:a16="http://schemas.microsoft.com/office/drawing/2014/main" id="{900A053E-0B47-402C-9785-6A90187BCE5C}"/>
+                <a16:creationId xmlns:a16="http://schemas.microsoft.com/office/drawing/2014/main" xmlns="" id="{900A053E-0B47-402C-9785-6A90187BCE5C}"/>
               </a:ext>
             </a:extLst>
           </p:cNvPr>
@@ -3913,7 +2809,7 @@
           <p:cNvPr id="3" name="Textplatzhalter 2">
             <a:extLst>
               <a:ext uri="{FF2B5EF4-FFF2-40B4-BE49-F238E27FC236}">
-                <a16:creationId xmlns:a16="http://schemas.microsoft.com/office/drawing/2014/main" id="{2AADE9D6-398E-49D5-8EC9-642A3F2FA0A8}"/>
+                <a16:creationId xmlns:a16="http://schemas.microsoft.com/office/drawing/2014/main" xmlns="" id="{2AADE9D6-398E-49D5-8EC9-642A3F2FA0A8}"/>
               </a:ext>
             </a:extLst>
           </p:cNvPr>
@@ -3984,7 +2880,7 @@
           <p:cNvPr id="4" name="Inhaltsplatzhalter 3">
             <a:extLst>
               <a:ext uri="{FF2B5EF4-FFF2-40B4-BE49-F238E27FC236}">
-                <a16:creationId xmlns:a16="http://schemas.microsoft.com/office/drawing/2014/main" id="{D0FDBCE2-2E7E-43B0-BF19-29F49FB90FD8}"/>
+                <a16:creationId xmlns:a16="http://schemas.microsoft.com/office/drawing/2014/main" xmlns="" id="{D0FDBCE2-2E7E-43B0-BF19-29F49FB90FD8}"/>
               </a:ext>
             </a:extLst>
           </p:cNvPr>
@@ -4046,7 +2942,7 @@
           <p:cNvPr id="5" name="Textplatzhalter 4">
             <a:extLst>
               <a:ext uri="{FF2B5EF4-FFF2-40B4-BE49-F238E27FC236}">
-                <a16:creationId xmlns:a16="http://schemas.microsoft.com/office/drawing/2014/main" id="{1AE2CC6A-7163-40EB-8416-6C05BA311FD4}"/>
+                <a16:creationId xmlns:a16="http://schemas.microsoft.com/office/drawing/2014/main" xmlns="" id="{1AE2CC6A-7163-40EB-8416-6C05BA311FD4}"/>
               </a:ext>
             </a:extLst>
           </p:cNvPr>
@@ -4117,7 +3013,7 @@
           <p:cNvPr id="6" name="Inhaltsplatzhalter 5">
             <a:extLst>
               <a:ext uri="{FF2B5EF4-FFF2-40B4-BE49-F238E27FC236}">
-                <a16:creationId xmlns:a16="http://schemas.microsoft.com/office/drawing/2014/main" id="{071839B5-6AC1-49B3-AEFC-CD01675D8E20}"/>
+                <a16:creationId xmlns:a16="http://schemas.microsoft.com/office/drawing/2014/main" xmlns="" id="{071839B5-6AC1-49B3-AEFC-CD01675D8E20}"/>
               </a:ext>
             </a:extLst>
           </p:cNvPr>
@@ -4179,7 +3075,7 @@
           <p:cNvPr id="7" name="Datumsplatzhalter 6">
             <a:extLst>
               <a:ext uri="{FF2B5EF4-FFF2-40B4-BE49-F238E27FC236}">
-                <a16:creationId xmlns:a16="http://schemas.microsoft.com/office/drawing/2014/main" id="{B729614D-7ECA-4025-90C4-637C08FE6E26}"/>
+                <a16:creationId xmlns:a16="http://schemas.microsoft.com/office/drawing/2014/main" xmlns="" id="{B729614D-7ECA-4025-90C4-637C08FE6E26}"/>
               </a:ext>
             </a:extLst>
           </p:cNvPr>
@@ -4197,7 +3093,7 @@
           <a:p>
             <a:fld id="{24483E84-0737-48BA-B7F0-9EA11BFDC565}" type="datetimeFigureOut">
               <a:rPr lang="de-DE" smtClean="0"/>
-              <a:t>21.05.2019</a:t>
+              <a:t>22.05.2019</a:t>
             </a:fld>
             <a:endParaRPr lang="de-DE"/>
           </a:p>
@@ -4208,7 +3104,7 @@
           <p:cNvPr id="8" name="Fußzeilenplatzhalter 7">
             <a:extLst>
               <a:ext uri="{FF2B5EF4-FFF2-40B4-BE49-F238E27FC236}">
-                <a16:creationId xmlns:a16="http://schemas.microsoft.com/office/drawing/2014/main" id="{F875D342-3531-4CB8-9445-281497440F7B}"/>
+                <a16:creationId xmlns:a16="http://schemas.microsoft.com/office/drawing/2014/main" xmlns="" id="{F875D342-3531-4CB8-9445-281497440F7B}"/>
               </a:ext>
             </a:extLst>
           </p:cNvPr>
@@ -4233,7 +3129,7 @@
           <p:cNvPr id="9" name="Foliennummernplatzhalter 8">
             <a:extLst>
               <a:ext uri="{FF2B5EF4-FFF2-40B4-BE49-F238E27FC236}">
-                <a16:creationId xmlns:a16="http://schemas.microsoft.com/office/drawing/2014/main" id="{9C4BB9B0-DBE1-4274-9784-A84AC15CDFD4}"/>
+                <a16:creationId xmlns:a16="http://schemas.microsoft.com/office/drawing/2014/main" xmlns="" id="{9C4BB9B0-DBE1-4274-9784-A84AC15CDFD4}"/>
               </a:ext>
             </a:extLst>
           </p:cNvPr>
@@ -4302,7 +3198,7 @@
           <p:cNvPr id="2" name="Titel 1">
             <a:extLst>
               <a:ext uri="{FF2B5EF4-FFF2-40B4-BE49-F238E27FC236}">
-                <a16:creationId xmlns:a16="http://schemas.microsoft.com/office/drawing/2014/main" id="{BBA76B00-8355-478E-8AFD-BE5C9EB5FDC2}"/>
+                <a16:creationId xmlns:a16="http://schemas.microsoft.com/office/drawing/2014/main" xmlns="" id="{BBA76B00-8355-478E-8AFD-BE5C9EB5FDC2}"/>
               </a:ext>
             </a:extLst>
           </p:cNvPr>
@@ -4330,7 +3226,7 @@
           <p:cNvPr id="3" name="Datumsplatzhalter 2">
             <a:extLst>
               <a:ext uri="{FF2B5EF4-FFF2-40B4-BE49-F238E27FC236}">
-                <a16:creationId xmlns:a16="http://schemas.microsoft.com/office/drawing/2014/main" id="{0E7CBC94-ACE5-4659-A7A6-9B3F6A7FB352}"/>
+                <a16:creationId xmlns:a16="http://schemas.microsoft.com/office/drawing/2014/main" xmlns="" id="{0E7CBC94-ACE5-4659-A7A6-9B3F6A7FB352}"/>
               </a:ext>
             </a:extLst>
           </p:cNvPr>
@@ -4348,7 +3244,7 @@
           <a:p>
             <a:fld id="{24483E84-0737-48BA-B7F0-9EA11BFDC565}" type="datetimeFigureOut">
               <a:rPr lang="de-DE" smtClean="0"/>
-              <a:t>21.05.2019</a:t>
+              <a:t>22.05.2019</a:t>
             </a:fld>
             <a:endParaRPr lang="de-DE"/>
           </a:p>
@@ -4359,7 +3255,7 @@
           <p:cNvPr id="4" name="Fußzeilenplatzhalter 3">
             <a:extLst>
               <a:ext uri="{FF2B5EF4-FFF2-40B4-BE49-F238E27FC236}">
-                <a16:creationId xmlns:a16="http://schemas.microsoft.com/office/drawing/2014/main" id="{5B2C8211-AB36-4E2F-A466-224E527D5260}"/>
+                <a16:creationId xmlns:a16="http://schemas.microsoft.com/office/drawing/2014/main" xmlns="" id="{5B2C8211-AB36-4E2F-A466-224E527D5260}"/>
               </a:ext>
             </a:extLst>
           </p:cNvPr>
@@ -4384,7 +3280,7 @@
           <p:cNvPr id="5" name="Foliennummernplatzhalter 4">
             <a:extLst>
               <a:ext uri="{FF2B5EF4-FFF2-40B4-BE49-F238E27FC236}">
-                <a16:creationId xmlns:a16="http://schemas.microsoft.com/office/drawing/2014/main" id="{79AC0FFC-BFAC-4A98-8B24-AD86190E6A14}"/>
+                <a16:creationId xmlns:a16="http://schemas.microsoft.com/office/drawing/2014/main" xmlns="" id="{79AC0FFC-BFAC-4A98-8B24-AD86190E6A14}"/>
               </a:ext>
             </a:extLst>
           </p:cNvPr>
@@ -4453,7 +3349,7 @@
           <p:cNvPr id="2" name="Datumsplatzhalter 1">
             <a:extLst>
               <a:ext uri="{FF2B5EF4-FFF2-40B4-BE49-F238E27FC236}">
-                <a16:creationId xmlns:a16="http://schemas.microsoft.com/office/drawing/2014/main" id="{64AA171F-3801-49F8-AEB2-A5D05C3D4161}"/>
+                <a16:creationId xmlns:a16="http://schemas.microsoft.com/office/drawing/2014/main" xmlns="" id="{64AA171F-3801-49F8-AEB2-A5D05C3D4161}"/>
               </a:ext>
             </a:extLst>
           </p:cNvPr>
@@ -4471,7 +3367,7 @@
           <a:p>
             <a:fld id="{24483E84-0737-48BA-B7F0-9EA11BFDC565}" type="datetimeFigureOut">
               <a:rPr lang="de-DE" smtClean="0"/>
-              <a:t>21.05.2019</a:t>
+              <a:t>22.05.2019</a:t>
             </a:fld>
             <a:endParaRPr lang="de-DE"/>
           </a:p>
@@ -4482,7 +3378,7 @@
           <p:cNvPr id="3" name="Fußzeilenplatzhalter 2">
             <a:extLst>
               <a:ext uri="{FF2B5EF4-FFF2-40B4-BE49-F238E27FC236}">
-                <a16:creationId xmlns:a16="http://schemas.microsoft.com/office/drawing/2014/main" id="{D8B2A1C5-1051-426B-B3D0-10BB51F54370}"/>
+                <a16:creationId xmlns:a16="http://schemas.microsoft.com/office/drawing/2014/main" xmlns="" id="{D8B2A1C5-1051-426B-B3D0-10BB51F54370}"/>
               </a:ext>
             </a:extLst>
           </p:cNvPr>
@@ -4507,7 +3403,7 @@
           <p:cNvPr id="4" name="Foliennummernplatzhalter 3">
             <a:extLst>
               <a:ext uri="{FF2B5EF4-FFF2-40B4-BE49-F238E27FC236}">
-                <a16:creationId xmlns:a16="http://schemas.microsoft.com/office/drawing/2014/main" id="{E9593587-0C89-4650-A0CA-5E605C8B8417}"/>
+                <a16:creationId xmlns:a16="http://schemas.microsoft.com/office/drawing/2014/main" xmlns="" id="{E9593587-0C89-4650-A0CA-5E605C8B8417}"/>
               </a:ext>
             </a:extLst>
           </p:cNvPr>
@@ -4576,7 +3472,7 @@
           <p:cNvPr id="2" name="Titel 1">
             <a:extLst>
               <a:ext uri="{FF2B5EF4-FFF2-40B4-BE49-F238E27FC236}">
-                <a16:creationId xmlns:a16="http://schemas.microsoft.com/office/drawing/2014/main" id="{7BE3D85D-357F-4A8F-8A89-DCB502001E9B}"/>
+                <a16:creationId xmlns:a16="http://schemas.microsoft.com/office/drawing/2014/main" xmlns="" id="{7BE3D85D-357F-4A8F-8A89-DCB502001E9B}"/>
               </a:ext>
             </a:extLst>
           </p:cNvPr>
@@ -4613,7 +3509,7 @@
           <p:cNvPr id="3" name="Inhaltsplatzhalter 2">
             <a:extLst>
               <a:ext uri="{FF2B5EF4-FFF2-40B4-BE49-F238E27FC236}">
-                <a16:creationId xmlns:a16="http://schemas.microsoft.com/office/drawing/2014/main" id="{6E4BB949-7F84-410B-BF1A-CC967511CE2F}"/>
+                <a16:creationId xmlns:a16="http://schemas.microsoft.com/office/drawing/2014/main" xmlns="" id="{6E4BB949-7F84-410B-BF1A-CC967511CE2F}"/>
               </a:ext>
             </a:extLst>
           </p:cNvPr>
@@ -4703,7 +3599,7 @@
           <p:cNvPr id="4" name="Textplatzhalter 3">
             <a:extLst>
               <a:ext uri="{FF2B5EF4-FFF2-40B4-BE49-F238E27FC236}">
-                <a16:creationId xmlns:a16="http://schemas.microsoft.com/office/drawing/2014/main" id="{E6179755-E5E3-4809-B916-2C34F7E7BA8A}"/>
+                <a16:creationId xmlns:a16="http://schemas.microsoft.com/office/drawing/2014/main" xmlns="" id="{E6179755-E5E3-4809-B916-2C34F7E7BA8A}"/>
               </a:ext>
             </a:extLst>
           </p:cNvPr>
@@ -4774,7 +3670,7 @@
           <p:cNvPr id="5" name="Datumsplatzhalter 4">
             <a:extLst>
               <a:ext uri="{FF2B5EF4-FFF2-40B4-BE49-F238E27FC236}">
-                <a16:creationId xmlns:a16="http://schemas.microsoft.com/office/drawing/2014/main" id="{6FE609C6-76EE-4378-A294-AE2D8F202142}"/>
+                <a16:creationId xmlns:a16="http://schemas.microsoft.com/office/drawing/2014/main" xmlns="" id="{6FE609C6-76EE-4378-A294-AE2D8F202142}"/>
               </a:ext>
             </a:extLst>
           </p:cNvPr>
@@ -4792,7 +3688,7 @@
           <a:p>
             <a:fld id="{24483E84-0737-48BA-B7F0-9EA11BFDC565}" type="datetimeFigureOut">
               <a:rPr lang="de-DE" smtClean="0"/>
-              <a:t>21.05.2019</a:t>
+              <a:t>22.05.2019</a:t>
             </a:fld>
             <a:endParaRPr lang="de-DE"/>
           </a:p>
@@ -4803,7 +3699,7 @@
           <p:cNvPr id="6" name="Fußzeilenplatzhalter 5">
             <a:extLst>
               <a:ext uri="{FF2B5EF4-FFF2-40B4-BE49-F238E27FC236}">
-                <a16:creationId xmlns:a16="http://schemas.microsoft.com/office/drawing/2014/main" id="{0F0C4AF4-19C6-4C8F-8EF0-EB5F0CCBC6E0}"/>
+                <a16:creationId xmlns:a16="http://schemas.microsoft.com/office/drawing/2014/main" xmlns="" id="{0F0C4AF4-19C6-4C8F-8EF0-EB5F0CCBC6E0}"/>
               </a:ext>
             </a:extLst>
           </p:cNvPr>
@@ -4828,7 +3724,7 @@
           <p:cNvPr id="7" name="Foliennummernplatzhalter 6">
             <a:extLst>
               <a:ext uri="{FF2B5EF4-FFF2-40B4-BE49-F238E27FC236}">
-                <a16:creationId xmlns:a16="http://schemas.microsoft.com/office/drawing/2014/main" id="{B35303EA-5D9D-470A-BC41-1397012735F9}"/>
+                <a16:creationId xmlns:a16="http://schemas.microsoft.com/office/drawing/2014/main" xmlns="" id="{B35303EA-5D9D-470A-BC41-1397012735F9}"/>
               </a:ext>
             </a:extLst>
           </p:cNvPr>
@@ -4897,7 +3793,7 @@
           <p:cNvPr id="2" name="Titel 1">
             <a:extLst>
               <a:ext uri="{FF2B5EF4-FFF2-40B4-BE49-F238E27FC236}">
-                <a16:creationId xmlns:a16="http://schemas.microsoft.com/office/drawing/2014/main" id="{D78B764D-E230-41D6-9DB1-D0891046E3E4}"/>
+                <a16:creationId xmlns:a16="http://schemas.microsoft.com/office/drawing/2014/main" xmlns="" id="{D78B764D-E230-41D6-9DB1-D0891046E3E4}"/>
               </a:ext>
             </a:extLst>
           </p:cNvPr>
@@ -4934,7 +3830,7 @@
           <p:cNvPr id="3" name="Bildplatzhalter 2">
             <a:extLst>
               <a:ext uri="{FF2B5EF4-FFF2-40B4-BE49-F238E27FC236}">
-                <a16:creationId xmlns:a16="http://schemas.microsoft.com/office/drawing/2014/main" id="{EDEC94AD-66DD-4C60-B4F9-7F9233AB7BD3}"/>
+                <a16:creationId xmlns:a16="http://schemas.microsoft.com/office/drawing/2014/main" xmlns="" id="{EDEC94AD-66DD-4C60-B4F9-7F9233AB7BD3}"/>
               </a:ext>
             </a:extLst>
           </p:cNvPr>
@@ -5001,7 +3897,7 @@
           <p:cNvPr id="4" name="Textplatzhalter 3">
             <a:extLst>
               <a:ext uri="{FF2B5EF4-FFF2-40B4-BE49-F238E27FC236}">
-                <a16:creationId xmlns:a16="http://schemas.microsoft.com/office/drawing/2014/main" id="{B39858D0-BE7E-47AC-9424-7504F7DD0459}"/>
+                <a16:creationId xmlns:a16="http://schemas.microsoft.com/office/drawing/2014/main" xmlns="" id="{B39858D0-BE7E-47AC-9424-7504F7DD0459}"/>
               </a:ext>
             </a:extLst>
           </p:cNvPr>
@@ -5072,7 +3968,7 @@
           <p:cNvPr id="5" name="Datumsplatzhalter 4">
             <a:extLst>
               <a:ext uri="{FF2B5EF4-FFF2-40B4-BE49-F238E27FC236}">
-                <a16:creationId xmlns:a16="http://schemas.microsoft.com/office/drawing/2014/main" id="{66A96562-B4E7-4198-9716-759AE10BC5E1}"/>
+                <a16:creationId xmlns:a16="http://schemas.microsoft.com/office/drawing/2014/main" xmlns="" id="{66A96562-B4E7-4198-9716-759AE10BC5E1}"/>
               </a:ext>
             </a:extLst>
           </p:cNvPr>
@@ -5090,7 +3986,7 @@
           <a:p>
             <a:fld id="{24483E84-0737-48BA-B7F0-9EA11BFDC565}" type="datetimeFigureOut">
               <a:rPr lang="de-DE" smtClean="0"/>
-              <a:t>21.05.2019</a:t>
+              <a:t>22.05.2019</a:t>
             </a:fld>
             <a:endParaRPr lang="de-DE"/>
           </a:p>
@@ -5101,7 +3997,7 @@
           <p:cNvPr id="6" name="Fußzeilenplatzhalter 5">
             <a:extLst>
               <a:ext uri="{FF2B5EF4-FFF2-40B4-BE49-F238E27FC236}">
-                <a16:creationId xmlns:a16="http://schemas.microsoft.com/office/drawing/2014/main" id="{546A1E69-018F-4FEB-BDA9-F83EDC58129B}"/>
+                <a16:creationId xmlns:a16="http://schemas.microsoft.com/office/drawing/2014/main" xmlns="" id="{546A1E69-018F-4FEB-BDA9-F83EDC58129B}"/>
               </a:ext>
             </a:extLst>
           </p:cNvPr>
@@ -5126,7 +4022,7 @@
           <p:cNvPr id="7" name="Foliennummernplatzhalter 6">
             <a:extLst>
               <a:ext uri="{FF2B5EF4-FFF2-40B4-BE49-F238E27FC236}">
-                <a16:creationId xmlns:a16="http://schemas.microsoft.com/office/drawing/2014/main" id="{4174535A-93F0-4FB0-86E0-5F1C06B3689B}"/>
+                <a16:creationId xmlns:a16="http://schemas.microsoft.com/office/drawing/2014/main" xmlns="" id="{4174535A-93F0-4FB0-86E0-5F1C06B3689B}"/>
               </a:ext>
             </a:extLst>
           </p:cNvPr>
@@ -5200,7 +4096,7 @@
           <p:cNvPr id="2" name="Titelplatzhalter 1">
             <a:extLst>
               <a:ext uri="{FF2B5EF4-FFF2-40B4-BE49-F238E27FC236}">
-                <a16:creationId xmlns:a16="http://schemas.microsoft.com/office/drawing/2014/main" id="{755848A8-3A50-4394-A3A6-674C0EBB6A48}"/>
+                <a16:creationId xmlns:a16="http://schemas.microsoft.com/office/drawing/2014/main" xmlns="" id="{755848A8-3A50-4394-A3A6-674C0EBB6A48}"/>
               </a:ext>
             </a:extLst>
           </p:cNvPr>
@@ -5238,7 +4134,7 @@
           <p:cNvPr id="3" name="Textplatzhalter 2">
             <a:extLst>
               <a:ext uri="{FF2B5EF4-FFF2-40B4-BE49-F238E27FC236}">
-                <a16:creationId xmlns:a16="http://schemas.microsoft.com/office/drawing/2014/main" id="{9E01F73F-BB8D-43DD-A88A-E726DBE77C27}"/>
+                <a16:creationId xmlns:a16="http://schemas.microsoft.com/office/drawing/2014/main" xmlns="" id="{9E01F73F-BB8D-43DD-A88A-E726DBE77C27}"/>
               </a:ext>
             </a:extLst>
           </p:cNvPr>
@@ -5305,7 +4201,7 @@
           <p:cNvPr id="4" name="Datumsplatzhalter 3">
             <a:extLst>
               <a:ext uri="{FF2B5EF4-FFF2-40B4-BE49-F238E27FC236}">
-                <a16:creationId xmlns:a16="http://schemas.microsoft.com/office/drawing/2014/main" id="{DAB69288-572C-4A0A-9F7A-FA4418D9A265}"/>
+                <a16:creationId xmlns:a16="http://schemas.microsoft.com/office/drawing/2014/main" xmlns="" id="{DAB69288-572C-4A0A-9F7A-FA4418D9A265}"/>
               </a:ext>
             </a:extLst>
           </p:cNvPr>
@@ -5341,7 +4237,7 @@
           <a:p>
             <a:fld id="{24483E84-0737-48BA-B7F0-9EA11BFDC565}" type="datetimeFigureOut">
               <a:rPr lang="de-DE" smtClean="0"/>
-              <a:t>21.05.2019</a:t>
+              <a:t>22.05.2019</a:t>
             </a:fld>
             <a:endParaRPr lang="de-DE"/>
           </a:p>
@@ -5352,7 +4248,7 @@
           <p:cNvPr id="5" name="Fußzeilenplatzhalter 4">
             <a:extLst>
               <a:ext uri="{FF2B5EF4-FFF2-40B4-BE49-F238E27FC236}">
-                <a16:creationId xmlns:a16="http://schemas.microsoft.com/office/drawing/2014/main" id="{E5717C93-130A-4E3D-A5EF-E5C1EA219F73}"/>
+                <a16:creationId xmlns:a16="http://schemas.microsoft.com/office/drawing/2014/main" xmlns="" id="{E5717C93-130A-4E3D-A5EF-E5C1EA219F73}"/>
               </a:ext>
             </a:extLst>
           </p:cNvPr>
@@ -5395,7 +4291,7 @@
           <p:cNvPr id="6" name="Foliennummernplatzhalter 5">
             <a:extLst>
               <a:ext uri="{FF2B5EF4-FFF2-40B4-BE49-F238E27FC236}">
-                <a16:creationId xmlns:a16="http://schemas.microsoft.com/office/drawing/2014/main" id="{F696EB53-93FC-431E-9961-1B6C73FC582E}"/>
+                <a16:creationId xmlns:a16="http://schemas.microsoft.com/office/drawing/2014/main" xmlns="" id="{F696EB53-93FC-431E-9961-1B6C73FC582E}"/>
               </a:ext>
             </a:extLst>
           </p:cNvPr>
@@ -5800,10 +4696,14 @@
               <a:buNone/>
             </a:pPr>
             <a:r>
-              <a:rPr lang="en"/>
-              <a:t>CP SS19</a:t>
-            </a:r>
-            <a:endParaRPr/>
+              <a:rPr lang="en" dirty="0" smtClean="0"/>
+              <a:t>Cloud Prototyping </a:t>
+            </a:r>
+            <a:r>
+              <a:rPr lang="en" dirty="0"/>
+              <a:t>SS19</a:t>
+            </a:r>
+            <a:endParaRPr dirty="0"/>
           </a:p>
         </p:txBody>
       </p:sp>
@@ -5838,10 +4738,25 @@
               <a:buNone/>
             </a:pPr>
             <a:r>
-              <a:rPr lang="en"/>
-              <a:t>Work-, Dev-Flow &amp; Architecture</a:t>
-            </a:r>
-            <a:endParaRPr/>
+              <a:rPr lang="en" dirty="0" smtClean="0"/>
+              <a:t>Decentralized Energy Trading </a:t>
+            </a:r>
+          </a:p>
+          <a:p>
+            <a:pPr marL="0" lvl="0" indent="0" algn="ctr" rtl="0">
+              <a:spcBef>
+                <a:spcPts val="0"/>
+              </a:spcBef>
+              <a:spcAft>
+                <a:spcPts val="0"/>
+              </a:spcAft>
+              <a:buNone/>
+            </a:pPr>
+            <a:r>
+              <a:rPr lang="en" dirty="0" smtClean="0"/>
+              <a:t>Midterm Presentation</a:t>
+            </a:r>
+            <a:endParaRPr dirty="0"/>
           </a:p>
         </p:txBody>
       </p:sp>
@@ -5850,15 +4765,22 @@
   <p:clrMapOvr>
     <a:masterClrMapping/>
   </p:clrMapOvr>
+  <p:timing>
+    <p:tnLst>
+      <p:par>
+        <p:cTn id="1" dur="indefinite" restart="never" nodeType="tmRoot"/>
+      </p:par>
+    </p:tnLst>
+  </p:timing>
 </p:sld>
 </file>
 
-<file path=ppt/slides/slide2.xml><?xml version="1.0" encoding="utf-8"?>
-<p:sld xmlns:a="http://schemas.openxmlformats.org/drawingml/2006/main" xmlns:r="http://schemas.openxmlformats.org/officeDocument/2006/relationships" xmlns:p="http://schemas.openxmlformats.org/presentationml/2006/main" show="0">
+<file path=ppt/slides/slide10.xml><?xml version="1.0" encoding="utf-8"?>
+<p:sld xmlns:a="http://schemas.openxmlformats.org/drawingml/2006/main" xmlns:r="http://schemas.openxmlformats.org/officeDocument/2006/relationships" xmlns:p="http://schemas.openxmlformats.org/presentationml/2006/main">
   <p:cSld>
     <p:spTree>
       <p:nvGrpSpPr>
-        <p:cNvPr id="1" name="Shape 59"/>
+        <p:cNvPr id="1" name=""/>
         <p:cNvGrpSpPr/>
         <p:nvPr/>
       </p:nvGrpSpPr>
@@ -5872,197 +4794,53 @@
       </p:grpSpPr>
       <p:sp>
         <p:nvSpPr>
-          <p:cNvPr id="60" name="Google Shape;60;p14"/>
-          <p:cNvSpPr txBox="1">
-            <a:spLocks noGrp="1"/>
-          </p:cNvSpPr>
-          <p:nvPr>
-            <p:ph type="title"/>
-          </p:nvPr>
-        </p:nvSpPr>
-        <p:spPr>
-          <a:prstGeom prst="rect">
-            <a:avLst/>
-          </a:prstGeom>
-        </p:spPr>
-        <p:txBody>
-          <a:bodyPr spcFirstLastPara="1" wrap="square" lIns="91425" tIns="91425" rIns="91425" bIns="91425" anchor="t" anchorCtr="0">
-            <a:noAutofit/>
-          </a:bodyPr>
-          <a:lstStyle/>
-          <a:p>
-            <a:pPr marL="0" lvl="0" indent="0" algn="l" rtl="0">
-              <a:spcBef>
-                <a:spcPts val="0"/>
-              </a:spcBef>
-              <a:spcAft>
-                <a:spcPts val="0"/>
-              </a:spcAft>
-              <a:buNone/>
-            </a:pPr>
-            <a:r>
-              <a:rPr lang="en"/>
-              <a:t>Workflow</a:t>
-            </a:r>
-            <a:endParaRPr/>
-          </a:p>
-        </p:txBody>
-      </p:sp>
-      <p:sp>
-        <p:nvSpPr>
-          <p:cNvPr id="61" name="Google Shape;61;p14"/>
-          <p:cNvSpPr txBox="1">
-            <a:spLocks noGrp="1"/>
-          </p:cNvSpPr>
-          <p:nvPr>
-            <p:ph type="body" idx="1"/>
-          </p:nvPr>
-        </p:nvSpPr>
-        <p:spPr>
-          <a:prstGeom prst="rect">
-            <a:avLst/>
-          </a:prstGeom>
-        </p:spPr>
-        <p:txBody>
-          <a:bodyPr spcFirstLastPara="1" wrap="square" lIns="91425" tIns="91425" rIns="91425" bIns="91425" anchor="t" anchorCtr="0">
-            <a:noAutofit/>
-          </a:bodyPr>
-          <a:lstStyle/>
-          <a:p>
-            <a:pPr marL="457200" lvl="0" indent="-342900" algn="l" rtl="0">
-              <a:spcBef>
-                <a:spcPts val="0"/>
-              </a:spcBef>
-              <a:spcAft>
-                <a:spcPts val="0"/>
-              </a:spcAft>
-              <a:buSzPts val="1800"/>
-              <a:buChar char="-"/>
-            </a:pPr>
-            <a:r>
-              <a:rPr lang="en"/>
-              <a:t>Kanban (Backlog, ToDo, In Progress, Done)</a:t>
-            </a:r>
-            <a:endParaRPr/>
-          </a:p>
-          <a:p>
-            <a:pPr marL="457200" lvl="0" indent="-342900" algn="l" rtl="0">
-              <a:spcBef>
-                <a:spcPts val="0"/>
-              </a:spcBef>
-              <a:spcAft>
-                <a:spcPts val="0"/>
-              </a:spcAft>
-              <a:buSzPts val="1800"/>
-              <a:buChar char="-"/>
-            </a:pPr>
-            <a:r>
-              <a:rPr lang="en"/>
-              <a:t>Github projects as project mgmt tool</a:t>
-            </a:r>
-            <a:endParaRPr/>
-          </a:p>
-          <a:p>
-            <a:pPr marL="457200" lvl="0" indent="-342900" algn="l" rtl="0">
-              <a:spcBef>
-                <a:spcPts val="0"/>
-              </a:spcBef>
-              <a:spcAft>
-                <a:spcPts val="0"/>
-              </a:spcAft>
-              <a:buSzPts val="1800"/>
-              <a:buChar char="-"/>
-            </a:pPr>
-            <a:r>
-              <a:rPr lang="en"/>
-              <a:t>GitHub issues for implementation tasks</a:t>
-            </a:r>
-            <a:endParaRPr/>
-          </a:p>
-          <a:p>
-            <a:pPr marL="457200" lvl="0" indent="-342900" algn="l" rtl="0">
-              <a:spcBef>
-                <a:spcPts val="0"/>
-              </a:spcBef>
-              <a:spcAft>
-                <a:spcPts val="0"/>
-              </a:spcAft>
-              <a:buSzPts val="1800"/>
-              <a:buChar char="-"/>
-            </a:pPr>
-            <a:r>
-              <a:rPr lang="en"/>
-              <a:t>Feedback loops as needed</a:t>
-            </a:r>
-            <a:endParaRPr/>
-          </a:p>
-          <a:p>
-            <a:pPr marL="457200" lvl="0" indent="-342900" algn="l" rtl="0">
-              <a:spcBef>
-                <a:spcPts val="0"/>
-              </a:spcBef>
-              <a:spcAft>
-                <a:spcPts val="0"/>
-              </a:spcAft>
-              <a:buSzPts val="1800"/>
-              <a:buChar char="-"/>
-            </a:pPr>
-            <a:r>
-              <a:rPr lang="en"/>
-              <a:t>User stories</a:t>
-            </a:r>
-            <a:endParaRPr/>
-          </a:p>
-          <a:p>
-            <a:pPr marL="457200" lvl="0" indent="-342900" algn="l" rtl="0">
-              <a:spcBef>
-                <a:spcPts val="0"/>
-              </a:spcBef>
-              <a:spcAft>
-                <a:spcPts val="0"/>
-              </a:spcAft>
-              <a:buSzPts val="1800"/>
-              <a:buChar char="-"/>
-            </a:pPr>
-            <a:r>
-              <a:rPr lang="en"/>
-              <a:t>Regular planning / refinement of stories and issues</a:t>
-            </a:r>
-            <a:endParaRPr/>
-          </a:p>
-          <a:p>
-            <a:pPr marL="457200" lvl="0" indent="-342900" algn="l" rtl="0">
-              <a:spcBef>
-                <a:spcPts val="0"/>
-              </a:spcBef>
-              <a:spcAft>
-                <a:spcPts val="0"/>
-              </a:spcAft>
-              <a:buSzPts val="1800"/>
-              <a:buChar char="-"/>
-            </a:pPr>
-            <a:r>
-              <a:rPr lang="en"/>
-              <a:t>GitHub issue templates</a:t>
-            </a:r>
-            <a:endParaRPr/>
+          <p:cNvPr id="4" name="Titel 3"/>
+          <p:cNvSpPr>
+            <a:spLocks noGrp="1"/>
+          </p:cNvSpPr>
+          <p:nvPr>
+            <p:ph type="ctrTitle"/>
+          </p:nvPr>
+        </p:nvSpPr>
+        <p:spPr/>
+        <p:txBody>
+          <a:bodyPr/>
+          <a:lstStyle/>
+          <a:p>
+            <a:r>
+              <a:rPr lang="de-DE" dirty="0" smtClean="0"/>
+              <a:t>Live Demo</a:t>
+            </a:r>
+            <a:endParaRPr lang="de-DE" dirty="0"/>
           </a:p>
         </p:txBody>
       </p:sp>
     </p:spTree>
+    <p:extLst>
+      <p:ext uri="{BB962C8B-B14F-4D97-AF65-F5344CB8AC3E}">
+        <p14:creationId xmlns:p14="http://schemas.microsoft.com/office/powerpoint/2010/main" val="821822281"/>
+      </p:ext>
+    </p:extLst>
   </p:cSld>
   <p:clrMapOvr>
     <a:masterClrMapping/>
   </p:clrMapOvr>
+  <p:timing>
+    <p:tnLst>
+      <p:par>
+        <p:cTn id="1" dur="indefinite" restart="never" nodeType="tmRoot"/>
+      </p:par>
+    </p:tnLst>
+  </p:timing>
 </p:sld>
 </file>
 
-<file path=ppt/slides/slide3.xml><?xml version="1.0" encoding="utf-8"?>
-<p:sld xmlns:a="http://schemas.openxmlformats.org/drawingml/2006/main" xmlns:r="http://schemas.openxmlformats.org/officeDocument/2006/relationships" xmlns:p="http://schemas.openxmlformats.org/presentationml/2006/main" show="0">
+<file path=ppt/slides/slide11.xml><?xml version="1.0" encoding="utf-8"?>
+<p:sld xmlns:a="http://schemas.openxmlformats.org/drawingml/2006/main" xmlns:r="http://schemas.openxmlformats.org/officeDocument/2006/relationships" xmlns:p="http://schemas.openxmlformats.org/presentationml/2006/main">
   <p:cSld>
     <p:spTree>
       <p:nvGrpSpPr>
-        <p:cNvPr id="1" name="Shape 65"/>
+        <p:cNvPr id="1" name=""/>
         <p:cNvGrpSpPr/>
         <p:nvPr/>
       </p:nvGrpSpPr>
@@ -6076,222 +4854,402 @@
       </p:grpSpPr>
       <p:sp>
         <p:nvSpPr>
-          <p:cNvPr id="66" name="Google Shape;66;p15"/>
-          <p:cNvSpPr txBox="1">
+          <p:cNvPr id="2" name="Titel 1"/>
+          <p:cNvSpPr>
             <a:spLocks noGrp="1"/>
           </p:cNvSpPr>
           <p:nvPr>
             <p:ph type="title"/>
           </p:nvPr>
         </p:nvSpPr>
-        <p:spPr>
-          <a:prstGeom prst="rect">
-            <a:avLst/>
-          </a:prstGeom>
-        </p:spPr>
-        <p:txBody>
-          <a:bodyPr spcFirstLastPara="1" wrap="square" lIns="91425" tIns="91425" rIns="91425" bIns="91425" anchor="t" anchorCtr="0">
-            <a:noAutofit/>
+        <p:spPr/>
+        <p:txBody>
+          <a:bodyPr>
+            <a:normAutofit fontScale="90000"/>
           </a:bodyPr>
           <a:lstStyle/>
           <a:p>
-            <a:pPr marL="0" lvl="0" indent="0" algn="l" rtl="0">
-              <a:spcBef>
-                <a:spcPts val="0"/>
-              </a:spcBef>
-              <a:spcAft>
-                <a:spcPts val="0"/>
-              </a:spcAft>
-              <a:buNone/>
-            </a:pPr>
-            <a:r>
-              <a:rPr lang="en"/>
-              <a:t>Devflow</a:t>
-            </a:r>
-            <a:endParaRPr/>
-          </a:p>
-        </p:txBody>
-      </p:sp>
-      <p:sp>
-        <p:nvSpPr>
-          <p:cNvPr id="67" name="Google Shape;67;p15"/>
-          <p:cNvSpPr txBox="1">
+            <a:r>
+              <a:rPr lang="de-DE" dirty="0" err="1" smtClean="0"/>
+              <a:t>Following</a:t>
+            </a:r>
+            <a:endParaRPr lang="de-DE" dirty="0"/>
+          </a:p>
+        </p:txBody>
+      </p:sp>
+      <p:sp>
+        <p:nvSpPr>
+          <p:cNvPr id="3" name="Textplatzhalter 2"/>
+          <p:cNvSpPr>
             <a:spLocks noGrp="1"/>
           </p:cNvSpPr>
           <p:nvPr>
             <p:ph type="body" idx="1"/>
           </p:nvPr>
         </p:nvSpPr>
-        <p:spPr>
-          <a:prstGeom prst="rect">
-            <a:avLst/>
-          </a:prstGeom>
-        </p:spPr>
-        <p:txBody>
-          <a:bodyPr spcFirstLastPara="1" wrap="square" lIns="91425" tIns="91425" rIns="91425" bIns="91425" anchor="t" anchorCtr="0">
-            <a:noAutofit/>
-          </a:bodyPr>
-          <a:lstStyle/>
-          <a:p>
-            <a:pPr marL="457200" lvl="0" indent="-342900" algn="l" rtl="0">
-              <a:spcBef>
-                <a:spcPts val="0"/>
-              </a:spcBef>
-              <a:spcAft>
-                <a:spcPts val="0"/>
-              </a:spcAft>
-              <a:buSzPts val="1800"/>
-              <a:buChar char="-"/>
-            </a:pPr>
-            <a:r>
-              <a:rPr lang="en"/>
-              <a:t>Simplified GitFlow</a:t>
-            </a:r>
-            <a:endParaRPr/>
-          </a:p>
-          <a:p>
-            <a:pPr marL="914400" lvl="1" indent="-317500" algn="l" rtl="0">
-              <a:spcBef>
-                <a:spcPts val="0"/>
-              </a:spcBef>
-              <a:spcAft>
-                <a:spcPts val="0"/>
-              </a:spcAft>
-              <a:buSzPts val="1400"/>
-              <a:buChar char="-"/>
-            </a:pPr>
-            <a:r>
-              <a:rPr lang="en"/>
-              <a:t>Branches: master, feature/…, fix/…, refactor/…</a:t>
-            </a:r>
-            <a:endParaRPr/>
-          </a:p>
-          <a:p>
-            <a:pPr marL="914400" lvl="1" indent="-317500" algn="l" rtl="0">
-              <a:spcBef>
-                <a:spcPts val="0"/>
-              </a:spcBef>
-              <a:spcAft>
-                <a:spcPts val="0"/>
-              </a:spcAft>
-              <a:buSzPts val="1400"/>
-              <a:buChar char="-"/>
-            </a:pPr>
-            <a:r>
-              <a:rPr lang="en"/>
-              <a:t>Opening PR into master</a:t>
-            </a:r>
-            <a:endParaRPr/>
-          </a:p>
-          <a:p>
-            <a:pPr marL="457200" lvl="0" indent="-342900" algn="l" rtl="0">
-              <a:spcBef>
-                <a:spcPts val="0"/>
-              </a:spcBef>
-              <a:spcAft>
-                <a:spcPts val="0"/>
-              </a:spcAft>
-              <a:buSzPts val="1800"/>
-              <a:buChar char="-"/>
-            </a:pPr>
-            <a:r>
-              <a:rPr lang="en"/>
-              <a:t>Clear and consistent commit messages</a:t>
-            </a:r>
-            <a:endParaRPr/>
-          </a:p>
-          <a:p>
-            <a:pPr marL="914400" lvl="1" indent="-317500" algn="l" rtl="0">
-              <a:spcBef>
-                <a:spcPts val="0"/>
-              </a:spcBef>
-              <a:spcAft>
-                <a:spcPts val="0"/>
-              </a:spcAft>
-              <a:buSzPts val="1400"/>
-              <a:buChar char="-"/>
-            </a:pPr>
-            <a:r>
-              <a:rPr lang="en"/>
-              <a:t>Short title: Add, Update, Change, Remove, …</a:t>
-            </a:r>
-            <a:endParaRPr/>
-          </a:p>
-          <a:p>
-            <a:pPr marL="914400" lvl="1" indent="-317500" algn="l" rtl="0">
-              <a:spcBef>
-                <a:spcPts val="0"/>
-              </a:spcBef>
-              <a:spcAft>
-                <a:spcPts val="0"/>
-              </a:spcAft>
-              <a:buSzPts val="1400"/>
-              <a:buChar char="-"/>
-            </a:pPr>
-            <a:r>
-              <a:rPr lang="en"/>
-              <a:t>Detailed body if needed</a:t>
-            </a:r>
-            <a:endParaRPr/>
-          </a:p>
-          <a:p>
-            <a:pPr marL="914400" lvl="1" indent="-317500" algn="l" rtl="0">
-              <a:spcBef>
-                <a:spcPts val="0"/>
-              </a:spcBef>
-              <a:spcAft>
-                <a:spcPts val="0"/>
-              </a:spcAft>
-              <a:buSzPts val="1400"/>
-              <a:buChar char="-"/>
-            </a:pPr>
-            <a:r>
-              <a:rPr lang="en"/>
-              <a:t>Related issues </a:t>
-            </a:r>
-            <a:endParaRPr/>
-          </a:p>
-          <a:p>
-            <a:pPr marL="457200" lvl="0" indent="-342900" algn="l" rtl="0">
-              <a:spcBef>
-                <a:spcPts val="0"/>
-              </a:spcBef>
-              <a:spcAft>
-                <a:spcPts val="0"/>
-              </a:spcAft>
-              <a:buSzPts val="1800"/>
-              <a:buChar char="-"/>
-            </a:pPr>
-            <a:r>
-              <a:rPr lang="en"/>
-              <a:t>At least 1 or 2 reviews before merging</a:t>
-            </a:r>
-            <a:endParaRPr/>
-          </a:p>
-          <a:p>
-            <a:pPr marL="457200" lvl="0" indent="-342900" algn="l" rtl="0">
-              <a:spcBef>
-                <a:spcPts val="0"/>
-              </a:spcBef>
-              <a:spcAft>
-                <a:spcPts val="0"/>
-              </a:spcAft>
-              <a:buSzPts val="1800"/>
-              <a:buChar char="-"/>
-            </a:pPr>
-            <a:r>
-              <a:rPr lang="en"/>
-              <a:t>CI checks: linter, tests, ...</a:t>
-            </a:r>
-            <a:endParaRPr/>
+        <p:spPr/>
+        <p:txBody>
+          <a:bodyPr/>
+          <a:lstStyle/>
+          <a:p>
+            <a:endParaRPr lang="de-DE" dirty="0"/>
           </a:p>
         </p:txBody>
       </p:sp>
     </p:spTree>
+    <p:extLst>
+      <p:ext uri="{BB962C8B-B14F-4D97-AF65-F5344CB8AC3E}">
+        <p14:creationId xmlns:p14="http://schemas.microsoft.com/office/powerpoint/2010/main" val="2184405834"/>
+      </p:ext>
+    </p:extLst>
   </p:cSld>
   <p:clrMapOvr>
     <a:masterClrMapping/>
   </p:clrMapOvr>
+  <p:timing>
+    <p:tnLst>
+      <p:par>
+        <p:cTn id="1" dur="indefinite" restart="never" nodeType="tmRoot"/>
+      </p:par>
+    </p:tnLst>
+  </p:timing>
+</p:sld>
+</file>
+
+<file path=ppt/slides/slide2.xml><?xml version="1.0" encoding="utf-8"?>
+<p:sld xmlns:a="http://schemas.openxmlformats.org/drawingml/2006/main" xmlns:r="http://schemas.openxmlformats.org/officeDocument/2006/relationships" xmlns:p="http://schemas.openxmlformats.org/presentationml/2006/main">
+  <p:cSld>
+    <p:spTree>
+      <p:nvGrpSpPr>
+        <p:cNvPr id="1" name=""/>
+        <p:cNvGrpSpPr/>
+        <p:nvPr/>
+      </p:nvGrpSpPr>
+      <p:grpSpPr>
+        <a:xfrm>
+          <a:off x="0" y="0"/>
+          <a:ext cx="0" cy="0"/>
+          <a:chOff x="0" y="0"/>
+          <a:chExt cx="0" cy="0"/>
+        </a:xfrm>
+      </p:grpSpPr>
+      <p:sp>
+        <p:nvSpPr>
+          <p:cNvPr id="2" name="Titel 1"/>
+          <p:cNvSpPr>
+            <a:spLocks noGrp="1"/>
+          </p:cNvSpPr>
+          <p:nvPr>
+            <p:ph type="title"/>
+          </p:nvPr>
+        </p:nvSpPr>
+        <p:spPr/>
+        <p:txBody>
+          <a:bodyPr/>
+          <a:lstStyle/>
+          <a:p>
+            <a:r>
+              <a:rPr lang="de-DE" dirty="0" smtClean="0"/>
+              <a:t>Table </a:t>
+            </a:r>
+            <a:r>
+              <a:rPr lang="de-DE" dirty="0" err="1" smtClean="0"/>
+              <a:t>of</a:t>
+            </a:r>
+            <a:r>
+              <a:rPr lang="de-DE" dirty="0" smtClean="0"/>
+              <a:t> Content</a:t>
+            </a:r>
+            <a:endParaRPr lang="de-DE" dirty="0"/>
+          </a:p>
+        </p:txBody>
+      </p:sp>
+      <p:sp>
+        <p:nvSpPr>
+          <p:cNvPr id="3" name="Inhaltsplatzhalter 2"/>
+          <p:cNvSpPr>
+            <a:spLocks noGrp="1"/>
+          </p:cNvSpPr>
+          <p:nvPr>
+            <p:ph idx="1"/>
+          </p:nvPr>
+        </p:nvSpPr>
+        <p:spPr/>
+        <p:txBody>
+          <a:bodyPr/>
+          <a:lstStyle/>
+          <a:p>
+            <a:pPr marL="457200" indent="-457200">
+              <a:buFont typeface="+mj-lt"/>
+              <a:buAutoNum type="arabicPeriod"/>
+            </a:pPr>
+            <a:r>
+              <a:rPr lang="de-DE" dirty="0" smtClean="0"/>
+              <a:t>Task </a:t>
+            </a:r>
+            <a:r>
+              <a:rPr lang="de-DE" dirty="0" err="1" smtClean="0"/>
+              <a:t>description</a:t>
+            </a:r>
+            <a:r>
+              <a:rPr lang="de-DE" dirty="0" smtClean="0"/>
+              <a:t> </a:t>
+            </a:r>
+            <a:r>
+              <a:rPr lang="de-DE" dirty="0" err="1" smtClean="0"/>
+              <a:t>and</a:t>
+            </a:r>
+            <a:r>
+              <a:rPr lang="de-DE" dirty="0" smtClean="0"/>
+              <a:t> Motivation</a:t>
+            </a:r>
+          </a:p>
+          <a:p>
+            <a:pPr marL="457200" indent="-457200">
+              <a:buFont typeface="+mj-lt"/>
+              <a:buAutoNum type="arabicPeriod"/>
+            </a:pPr>
+            <a:r>
+              <a:rPr lang="de-DE" dirty="0" err="1" smtClean="0"/>
+              <a:t>Architecture</a:t>
+            </a:r>
+            <a:endParaRPr lang="de-DE" dirty="0" smtClean="0"/>
+          </a:p>
+          <a:p>
+            <a:pPr marL="457200" indent="-457200">
+              <a:buFont typeface="+mj-lt"/>
+              <a:buAutoNum type="arabicPeriod"/>
+            </a:pPr>
+            <a:r>
+              <a:rPr lang="de-DE" dirty="0" err="1" smtClean="0"/>
+              <a:t>Current</a:t>
+            </a:r>
+            <a:r>
+              <a:rPr lang="de-DE" dirty="0" smtClean="0"/>
+              <a:t> </a:t>
+            </a:r>
+            <a:r>
+              <a:rPr lang="de-DE" dirty="0" err="1" smtClean="0"/>
+              <a:t>implementation</a:t>
+            </a:r>
+            <a:endParaRPr lang="de-DE" dirty="0" smtClean="0"/>
+          </a:p>
+          <a:p>
+            <a:pPr marL="800100" lvl="1" indent="-457200">
+              <a:buFont typeface="+mj-lt"/>
+              <a:buAutoNum type="romanLcPeriod"/>
+            </a:pPr>
+            <a:r>
+              <a:rPr lang="de-DE" dirty="0" err="1" smtClean="0"/>
+              <a:t>Blockchain</a:t>
+            </a:r>
+            <a:r>
+              <a:rPr lang="de-DE" dirty="0" smtClean="0"/>
+              <a:t> </a:t>
+            </a:r>
+            <a:endParaRPr lang="de-DE" dirty="0"/>
+          </a:p>
+          <a:p>
+            <a:pPr marL="800100" lvl="1" indent="-457200">
+              <a:buFont typeface="+mj-lt"/>
+              <a:buAutoNum type="romanLcPeriod"/>
+            </a:pPr>
+            <a:r>
+              <a:rPr lang="de-DE" dirty="0" err="1" smtClean="0"/>
+              <a:t>Household</a:t>
+            </a:r>
+            <a:r>
+              <a:rPr lang="de-DE" dirty="0" smtClean="0"/>
+              <a:t> </a:t>
+            </a:r>
+            <a:r>
+              <a:rPr lang="de-DE" dirty="0" err="1"/>
+              <a:t>processing</a:t>
+            </a:r>
+            <a:r>
+              <a:rPr lang="de-DE" dirty="0"/>
+              <a:t> </a:t>
+            </a:r>
+            <a:r>
+              <a:rPr lang="de-DE" dirty="0" err="1" smtClean="0"/>
+              <a:t>unit</a:t>
+            </a:r>
+            <a:endParaRPr lang="de-DE" dirty="0" smtClean="0"/>
+          </a:p>
+          <a:p>
+            <a:pPr marL="800100" lvl="1" indent="-457200">
+              <a:buFont typeface="+mj-lt"/>
+              <a:buAutoNum type="romanLcPeriod"/>
+            </a:pPr>
+            <a:r>
+              <a:rPr lang="de-DE" dirty="0" smtClean="0"/>
+              <a:t>Utility </a:t>
+            </a:r>
+            <a:r>
+              <a:rPr lang="de-DE" dirty="0" err="1"/>
+              <a:t>Contract</a:t>
+            </a:r>
+            <a:r>
+              <a:rPr lang="de-DE" dirty="0"/>
+              <a:t> (</a:t>
+            </a:r>
+            <a:r>
+              <a:rPr lang="de-DE" dirty="0" err="1"/>
+              <a:t>settlement</a:t>
+            </a:r>
+            <a:r>
+              <a:rPr lang="de-DE" dirty="0"/>
+              <a:t> </a:t>
+            </a:r>
+            <a:r>
+              <a:rPr lang="de-DE" dirty="0" err="1"/>
+              <a:t>algorithm</a:t>
+            </a:r>
+            <a:r>
+              <a:rPr lang="de-DE" dirty="0"/>
+              <a:t>)</a:t>
+            </a:r>
+          </a:p>
+          <a:p>
+            <a:pPr marL="800100" lvl="1" indent="-457200">
+              <a:buFont typeface="+mj-lt"/>
+              <a:buAutoNum type="romanLcPeriod"/>
+            </a:pPr>
+            <a:r>
+              <a:rPr lang="de-DE" dirty="0"/>
+              <a:t>Live </a:t>
+            </a:r>
+            <a:r>
+              <a:rPr lang="de-DE" dirty="0" err="1" smtClean="0"/>
+              <a:t>demo</a:t>
+            </a:r>
+            <a:endParaRPr lang="de-DE" dirty="0" smtClean="0"/>
+          </a:p>
+          <a:p>
+            <a:pPr marL="457200" indent="-457200">
+              <a:buFont typeface="+mj-lt"/>
+              <a:buAutoNum type="arabicPeriod"/>
+            </a:pPr>
+            <a:r>
+              <a:rPr lang="de-DE" dirty="0" err="1" smtClean="0"/>
+              <a:t>Following</a:t>
+            </a:r>
+            <a:endParaRPr lang="de-DE" dirty="0" smtClean="0"/>
+          </a:p>
+        </p:txBody>
+      </p:sp>
+    </p:spTree>
+    <p:extLst>
+      <p:ext uri="{BB962C8B-B14F-4D97-AF65-F5344CB8AC3E}">
+        <p14:creationId xmlns:p14="http://schemas.microsoft.com/office/powerpoint/2010/main" val="1533802349"/>
+      </p:ext>
+    </p:extLst>
+  </p:cSld>
+  <p:clrMapOvr>
+    <a:masterClrMapping/>
+  </p:clrMapOvr>
+  <p:timing>
+    <p:tnLst>
+      <p:par>
+        <p:cTn id="1" dur="indefinite" restart="never" nodeType="tmRoot"/>
+      </p:par>
+    </p:tnLst>
+  </p:timing>
+</p:sld>
+</file>
+
+<file path=ppt/slides/slide3.xml><?xml version="1.0" encoding="utf-8"?>
+<p:sld xmlns:a="http://schemas.openxmlformats.org/drawingml/2006/main" xmlns:r="http://schemas.openxmlformats.org/officeDocument/2006/relationships" xmlns:p="http://schemas.openxmlformats.org/presentationml/2006/main">
+  <p:cSld>
+    <p:spTree>
+      <p:nvGrpSpPr>
+        <p:cNvPr id="1" name=""/>
+        <p:cNvGrpSpPr/>
+        <p:nvPr/>
+      </p:nvGrpSpPr>
+      <p:grpSpPr>
+        <a:xfrm>
+          <a:off x="0" y="0"/>
+          <a:ext cx="0" cy="0"/>
+          <a:chOff x="0" y="0"/>
+          <a:chExt cx="0" cy="0"/>
+        </a:xfrm>
+      </p:grpSpPr>
+      <p:sp>
+        <p:nvSpPr>
+          <p:cNvPr id="2" name="Titel 1"/>
+          <p:cNvSpPr>
+            <a:spLocks noGrp="1"/>
+          </p:cNvSpPr>
+          <p:nvPr>
+            <p:ph type="title"/>
+          </p:nvPr>
+        </p:nvSpPr>
+        <p:spPr/>
+        <p:txBody>
+          <a:bodyPr/>
+          <a:lstStyle/>
+          <a:p>
+            <a:r>
+              <a:rPr lang="de-DE" dirty="0" smtClean="0"/>
+              <a:t>Task </a:t>
+            </a:r>
+            <a:r>
+              <a:rPr lang="de-DE" dirty="0" err="1" smtClean="0"/>
+              <a:t>description</a:t>
+            </a:r>
+            <a:r>
+              <a:rPr lang="de-DE" dirty="0" smtClean="0"/>
+              <a:t> </a:t>
+            </a:r>
+            <a:r>
+              <a:rPr lang="de-DE" dirty="0" err="1" smtClean="0"/>
+              <a:t>and</a:t>
+            </a:r>
+            <a:r>
+              <a:rPr lang="de-DE" dirty="0" smtClean="0"/>
+              <a:t> Motivation</a:t>
+            </a:r>
+            <a:endParaRPr lang="de-DE" dirty="0"/>
+          </a:p>
+        </p:txBody>
+      </p:sp>
+      <p:sp>
+        <p:nvSpPr>
+          <p:cNvPr id="3" name="Inhaltsplatzhalter 2"/>
+          <p:cNvSpPr>
+            <a:spLocks noGrp="1"/>
+          </p:cNvSpPr>
+          <p:nvPr>
+            <p:ph idx="1"/>
+          </p:nvPr>
+        </p:nvSpPr>
+        <p:spPr/>
+        <p:txBody>
+          <a:bodyPr/>
+          <a:lstStyle/>
+          <a:p>
+            <a:endParaRPr lang="de-DE"/>
+          </a:p>
+        </p:txBody>
+      </p:sp>
+    </p:spTree>
+    <p:extLst>
+      <p:ext uri="{BB962C8B-B14F-4D97-AF65-F5344CB8AC3E}">
+        <p14:creationId xmlns:p14="http://schemas.microsoft.com/office/powerpoint/2010/main" val="524911424"/>
+      </p:ext>
+    </p:extLst>
+  </p:cSld>
+  <p:clrMapOvr>
+    <a:masterClrMapping/>
+  </p:clrMapOvr>
+  <p:timing>
+    <p:tnLst>
+      <p:par>
+        <p:cTn id="1" dur="indefinite" restart="never" nodeType="tmRoot"/>
+      </p:par>
+    </p:tnLst>
+  </p:timing>
 </p:sld>
 </file>
 
@@ -6338,28 +5296,28 @@
       </p:sp>
       <p:pic>
         <p:nvPicPr>
-          <p:cNvPr id="5" name="Grafik 4">
-            <a:extLst>
-              <a:ext uri="{FF2B5EF4-FFF2-40B4-BE49-F238E27FC236}">
-                <a16:creationId xmlns:a16="http://schemas.microsoft.com/office/drawing/2014/main" id="{A738FD48-57B5-4A29-997A-BDD7B30A62C0}"/>
-              </a:ext>
-            </a:extLst>
-          </p:cNvPr>
+          <p:cNvPr id="3" name="Grafik 2"/>
           <p:cNvPicPr>
             <a:picLocks noChangeAspect="1"/>
           </p:cNvPicPr>
           <p:nvPr/>
         </p:nvPicPr>
         <p:blipFill>
-          <a:blip r:embed="rId3"/>
+          <a:blip r:embed="rId3">
+            <a:extLst>
+              <a:ext uri="{28A0092B-C50C-407E-A947-70E740481C1C}">
+                <a14:useLocalDpi xmlns:a14="http://schemas.microsoft.com/office/drawing/2010/main" val="0"/>
+              </a:ext>
+            </a:extLst>
+          </a:blip>
           <a:stretch>
             <a:fillRect/>
           </a:stretch>
         </p:blipFill>
         <p:spPr>
           <a:xfrm>
-            <a:off x="704850" y="1242027"/>
-            <a:ext cx="7734300" cy="3248025"/>
+            <a:off x="311700" y="1144991"/>
+            <a:ext cx="8559630" cy="3493511"/>
           </a:xfrm>
           <a:prstGeom prst="rect">
             <a:avLst/>
@@ -6376,15 +5334,22 @@
   <p:clrMapOvr>
     <a:masterClrMapping/>
   </p:clrMapOvr>
+  <p:timing>
+    <p:tnLst>
+      <p:par>
+        <p:cTn id="1" dur="indefinite" restart="never" nodeType="tmRoot"/>
+      </p:par>
+    </p:tnLst>
+  </p:timing>
 </p:sld>
 </file>
 
 <file path=ppt/slides/slide5.xml><?xml version="1.0" encoding="utf-8"?>
-<p:sld xmlns:a="http://schemas.openxmlformats.org/drawingml/2006/main" xmlns:r="http://schemas.openxmlformats.org/officeDocument/2006/relationships" xmlns:p="http://schemas.openxmlformats.org/presentationml/2006/main" show="0">
+<p:sld xmlns:a="http://schemas.openxmlformats.org/drawingml/2006/main" xmlns:r="http://schemas.openxmlformats.org/officeDocument/2006/relationships" xmlns:p="http://schemas.openxmlformats.org/presentationml/2006/main">
   <p:cSld>
     <p:spTree>
       <p:nvGrpSpPr>
-        <p:cNvPr id="1" name="Shape 105"/>
+        <p:cNvPr id="1" name=""/>
         <p:cNvGrpSpPr/>
         <p:nvPr/>
       </p:nvGrpSpPr>
@@ -6398,183 +5363,52 @@
       </p:grpSpPr>
       <p:sp>
         <p:nvSpPr>
-          <p:cNvPr id="106" name="Google Shape;106;p17"/>
-          <p:cNvSpPr txBox="1">
-            <a:spLocks noGrp="1"/>
-          </p:cNvSpPr>
-          <p:nvPr>
-            <p:ph type="title"/>
-          </p:nvPr>
-        </p:nvSpPr>
-        <p:spPr>
-          <a:prstGeom prst="rect">
-            <a:avLst/>
-          </a:prstGeom>
-        </p:spPr>
-        <p:txBody>
-          <a:bodyPr spcFirstLastPara="1" wrap="square" lIns="91425" tIns="91425" rIns="91425" bIns="91425" anchor="t" anchorCtr="0">
-            <a:noAutofit/>
-          </a:bodyPr>
-          <a:lstStyle/>
-          <a:p>
-            <a:pPr marL="0" lvl="0" indent="0" algn="l" rtl="0">
-              <a:spcBef>
-                <a:spcPts val="0"/>
-              </a:spcBef>
-              <a:spcAft>
-                <a:spcPts val="0"/>
-              </a:spcAft>
-              <a:buNone/>
-            </a:pPr>
-            <a:r>
-              <a:rPr lang="en"/>
-              <a:t>Tech Stack</a:t>
-            </a:r>
-            <a:endParaRPr/>
-          </a:p>
-        </p:txBody>
-      </p:sp>
-      <p:sp>
-        <p:nvSpPr>
-          <p:cNvPr id="107" name="Google Shape;107;p17"/>
-          <p:cNvSpPr txBox="1">
-            <a:spLocks noGrp="1"/>
-          </p:cNvSpPr>
-          <p:nvPr>
-            <p:ph type="body" idx="1"/>
-          </p:nvPr>
-        </p:nvSpPr>
-        <p:spPr>
-          <a:prstGeom prst="rect">
-            <a:avLst/>
-          </a:prstGeom>
-        </p:spPr>
-        <p:txBody>
-          <a:bodyPr spcFirstLastPara="1" wrap="square" lIns="91425" tIns="91425" rIns="91425" bIns="91425" anchor="t" anchorCtr="0">
-            <a:noAutofit/>
-          </a:bodyPr>
-          <a:lstStyle/>
-          <a:p>
-            <a:pPr marL="457200" lvl="0" indent="-342900" algn="l" rtl="0">
-              <a:spcBef>
-                <a:spcPts val="0"/>
-              </a:spcBef>
-              <a:spcAft>
-                <a:spcPts val="0"/>
-              </a:spcAft>
-              <a:buSzPts val="1800"/>
-              <a:buAutoNum type="arabicPeriod"/>
-            </a:pPr>
-            <a:r>
-              <a:rPr lang="en"/>
-              <a:t>Mock Sensor - Node.js, REST API (Koa / Express)</a:t>
-            </a:r>
-            <a:endParaRPr/>
-          </a:p>
-          <a:p>
-            <a:pPr marL="457200" lvl="0" indent="-342900" algn="l" rtl="0">
-              <a:spcBef>
-                <a:spcPts val="0"/>
-              </a:spcBef>
-              <a:spcAft>
-                <a:spcPts val="0"/>
-              </a:spcAft>
-              <a:buSzPts val="1800"/>
-              <a:buAutoNum type="arabicPeriod"/>
-            </a:pPr>
-            <a:r>
-              <a:rPr lang="en"/>
-              <a:t>Prosumer - Node.js, web3.js / ethers.js, REST API (Koa / Express)</a:t>
-            </a:r>
-            <a:endParaRPr/>
-          </a:p>
-          <a:p>
-            <a:pPr marL="457200" lvl="0" indent="-342900" algn="l" rtl="0">
-              <a:spcBef>
-                <a:spcPts val="0"/>
-              </a:spcBef>
-              <a:spcAft>
-                <a:spcPts val="0"/>
-              </a:spcAft>
-              <a:buSzPts val="1800"/>
-              <a:buAutoNum type="arabicPeriod"/>
-            </a:pPr>
-            <a:r>
-              <a:rPr lang="en"/>
-              <a:t>Authority Node - Parity</a:t>
-            </a:r>
-            <a:endParaRPr/>
-          </a:p>
-          <a:p>
-            <a:pPr marL="457200" lvl="0" indent="-342900" algn="l" rtl="0">
-              <a:spcBef>
-                <a:spcPts val="0"/>
-              </a:spcBef>
-              <a:spcAft>
-                <a:spcPts val="0"/>
-              </a:spcAft>
-              <a:buSzPts val="1800"/>
-              <a:buAutoNum type="arabicPeriod"/>
-            </a:pPr>
-            <a:r>
-              <a:rPr lang="en"/>
-              <a:t>UI - React</a:t>
-            </a:r>
-            <a:endParaRPr/>
-          </a:p>
-          <a:p>
-            <a:pPr marL="457200" lvl="0" indent="-342900" algn="l" rtl="0">
-              <a:spcBef>
-                <a:spcPts val="0"/>
-              </a:spcBef>
-              <a:spcAft>
-                <a:spcPts val="0"/>
-              </a:spcAft>
-              <a:buSzPts val="1800"/>
-              <a:buAutoNum type="arabicPeriod"/>
-            </a:pPr>
-            <a:r>
-              <a:rPr lang="en"/>
-              <a:t>Contracts - Solidity, truffle</a:t>
-            </a:r>
-            <a:endParaRPr/>
-          </a:p>
-          <a:p>
-            <a:pPr marL="0" lvl="0" indent="0" algn="l" rtl="0">
-              <a:spcBef>
-                <a:spcPts val="1600"/>
-              </a:spcBef>
-              <a:spcAft>
-                <a:spcPts val="0"/>
-              </a:spcAft>
-              <a:buNone/>
-            </a:pPr>
-            <a:endParaRPr/>
-          </a:p>
-          <a:p>
-            <a:pPr marL="457200" lvl="0" indent="-342900" algn="l" rtl="0">
-              <a:spcBef>
-                <a:spcPts val="1600"/>
-              </a:spcBef>
-              <a:spcAft>
-                <a:spcPts val="0"/>
-              </a:spcAft>
-              <a:buSzPts val="1800"/>
-              <a:buChar char="+"/>
-            </a:pPr>
-            <a:r>
-              <a:rPr lang="en"/>
-              <a:t>DOCKERFILE for each component and docker-compose</a:t>
-            </a:r>
-            <a:endParaRPr/>
+          <p:cNvPr id="4" name="Titel 3"/>
+          <p:cNvSpPr>
+            <a:spLocks noGrp="1"/>
+          </p:cNvSpPr>
+          <p:nvPr>
+            <p:ph type="ctrTitle"/>
+          </p:nvPr>
+        </p:nvSpPr>
+        <p:spPr/>
+        <p:txBody>
+          <a:bodyPr/>
+          <a:lstStyle/>
+          <a:p>
+            <a:r>
+              <a:rPr lang="de-DE" dirty="0" err="1" smtClean="0"/>
+              <a:t>Current</a:t>
+            </a:r>
+            <a:r>
+              <a:rPr lang="de-DE" dirty="0" smtClean="0"/>
+              <a:t> </a:t>
+            </a:r>
+            <a:r>
+              <a:rPr lang="de-DE" dirty="0" err="1" smtClean="0"/>
+              <a:t>implementation</a:t>
+            </a:r>
+            <a:endParaRPr lang="de-DE" dirty="0"/>
           </a:p>
         </p:txBody>
       </p:sp>
     </p:spTree>
+    <p:extLst>
+      <p:ext uri="{BB962C8B-B14F-4D97-AF65-F5344CB8AC3E}">
+        <p14:creationId xmlns:p14="http://schemas.microsoft.com/office/powerpoint/2010/main" val="2478735765"/>
+      </p:ext>
+    </p:extLst>
   </p:cSld>
   <p:clrMapOvr>
     <a:masterClrMapping/>
   </p:clrMapOvr>
+  <p:timing>
+    <p:tnLst>
+      <p:par>
+        <p:cTn id="1" dur="indefinite" restart="never" nodeType="tmRoot"/>
+      </p:par>
+    </p:tnLst>
+  </p:timing>
 </p:sld>
 </file>
 
@@ -6597,13 +5431,7 @@
       </p:grpSpPr>
       <p:sp>
         <p:nvSpPr>
-          <p:cNvPr id="2" name="Titel 1">
-            <a:extLst>
-              <a:ext uri="{FF2B5EF4-FFF2-40B4-BE49-F238E27FC236}">
-                <a16:creationId xmlns:a16="http://schemas.microsoft.com/office/drawing/2014/main" id="{4F201D36-9280-479F-A6D3-D519DC893AF8}"/>
-              </a:ext>
-            </a:extLst>
-          </p:cNvPr>
+          <p:cNvPr id="2" name="Titel 1"/>
           <p:cNvSpPr>
             <a:spLocks noGrp="1"/>
           </p:cNvSpPr>
@@ -6619,6 +5447,136 @@
           <a:lstStyle/>
           <a:p>
             <a:r>
+              <a:rPr lang="de-DE" dirty="0" err="1" smtClean="0"/>
+              <a:t>Blockchain</a:t>
+            </a:r>
+            <a:endParaRPr lang="de-DE" dirty="0"/>
+          </a:p>
+        </p:txBody>
+      </p:sp>
+      <p:sp>
+        <p:nvSpPr>
+          <p:cNvPr id="3" name="Textplatzhalter 2"/>
+          <p:cNvSpPr>
+            <a:spLocks noGrp="1"/>
+          </p:cNvSpPr>
+          <p:nvPr>
+            <p:ph type="body" idx="1"/>
+          </p:nvPr>
+        </p:nvSpPr>
+        <p:spPr/>
+        <p:txBody>
+          <a:bodyPr/>
+          <a:lstStyle/>
+          <a:p>
+            <a:r>
+              <a:rPr lang="de-DE" dirty="0" err="1" smtClean="0"/>
+              <a:t>PoA</a:t>
+            </a:r>
+            <a:endParaRPr lang="de-DE" dirty="0" smtClean="0"/>
+          </a:p>
+          <a:p>
+            <a:r>
+              <a:rPr lang="de-DE" dirty="0" err="1" smtClean="0"/>
+              <a:t>Built</a:t>
+            </a:r>
+            <a:r>
+              <a:rPr lang="de-DE" dirty="0" smtClean="0"/>
+              <a:t> on </a:t>
+            </a:r>
+            <a:r>
+              <a:rPr lang="de-DE" dirty="0" err="1" smtClean="0"/>
+              <a:t>Parity</a:t>
+            </a:r>
+            <a:r>
+              <a:rPr lang="de-DE" dirty="0" smtClean="0"/>
+              <a:t> (</a:t>
+            </a:r>
+            <a:r>
+              <a:rPr lang="de-DE" dirty="0" err="1" smtClean="0"/>
+              <a:t>currently</a:t>
+            </a:r>
+            <a:r>
+              <a:rPr lang="de-DE" dirty="0" smtClean="0"/>
+              <a:t>?)</a:t>
+            </a:r>
+          </a:p>
+          <a:p>
+            <a:r>
+              <a:rPr lang="de-DE" dirty="0" err="1" smtClean="0"/>
+              <a:t>Validator</a:t>
+            </a:r>
+            <a:r>
+              <a:rPr lang="de-DE" dirty="0" smtClean="0"/>
+              <a:t> Set </a:t>
+            </a:r>
+          </a:p>
+          <a:p>
+            <a:endParaRPr lang="de-DE" dirty="0"/>
+          </a:p>
+        </p:txBody>
+      </p:sp>
+    </p:spTree>
+    <p:extLst>
+      <p:ext uri="{BB962C8B-B14F-4D97-AF65-F5344CB8AC3E}">
+        <p14:creationId xmlns:p14="http://schemas.microsoft.com/office/powerpoint/2010/main" val="3497537485"/>
+      </p:ext>
+    </p:extLst>
+  </p:cSld>
+  <p:clrMapOvr>
+    <a:masterClrMapping/>
+  </p:clrMapOvr>
+  <p:timing>
+    <p:tnLst>
+      <p:par>
+        <p:cTn id="1" dur="indefinite" restart="never" nodeType="tmRoot"/>
+      </p:par>
+    </p:tnLst>
+  </p:timing>
+</p:sld>
+</file>
+
+<file path=ppt/slides/slide7.xml><?xml version="1.0" encoding="utf-8"?>
+<p:sld xmlns:a="http://schemas.openxmlformats.org/drawingml/2006/main" xmlns:r="http://schemas.openxmlformats.org/officeDocument/2006/relationships" xmlns:p="http://schemas.openxmlformats.org/presentationml/2006/main">
+  <p:cSld>
+    <p:spTree>
+      <p:nvGrpSpPr>
+        <p:cNvPr id="1" name=""/>
+        <p:cNvGrpSpPr/>
+        <p:nvPr/>
+      </p:nvGrpSpPr>
+      <p:grpSpPr>
+        <a:xfrm>
+          <a:off x="0" y="0"/>
+          <a:ext cx="0" cy="0"/>
+          <a:chOff x="0" y="0"/>
+          <a:chExt cx="0" cy="0"/>
+        </a:xfrm>
+      </p:grpSpPr>
+      <p:sp>
+        <p:nvSpPr>
+          <p:cNvPr id="2" name="Titel 1">
+            <a:extLst>
+              <a:ext uri="{FF2B5EF4-FFF2-40B4-BE49-F238E27FC236}">
+                <a16:creationId xmlns:a16="http://schemas.microsoft.com/office/drawing/2014/main" xmlns="" id="{4F201D36-9280-479F-A6D3-D519DC893AF8}"/>
+              </a:ext>
+            </a:extLst>
+          </p:cNvPr>
+          <p:cNvSpPr>
+            <a:spLocks noGrp="1"/>
+          </p:cNvSpPr>
+          <p:nvPr>
+            <p:ph type="title"/>
+          </p:nvPr>
+        </p:nvSpPr>
+        <p:spPr/>
+        <p:txBody>
+          <a:bodyPr>
+            <a:normAutofit fontScale="90000"/>
+          </a:bodyPr>
+          <a:lstStyle/>
+          <a:p>
+            <a:r>
               <a:rPr lang="de-DE" dirty="0"/>
               <a:t>Household Server GET Request </a:t>
             </a:r>
@@ -6638,7 +5596,7 @@
           <p:cNvPr id="7" name="Grafik 6">
             <a:extLst>
               <a:ext uri="{FF2B5EF4-FFF2-40B4-BE49-F238E27FC236}">
-                <a16:creationId xmlns:a16="http://schemas.microsoft.com/office/drawing/2014/main" id="{0261B3A8-C205-4F4A-BA78-1CB834D4FBEC}"/>
+                <a16:creationId xmlns:a16="http://schemas.microsoft.com/office/drawing/2014/main" xmlns="" id="{0261B3A8-C205-4F4A-BA78-1CB834D4FBEC}"/>
               </a:ext>
             </a:extLst>
           </p:cNvPr>
@@ -6673,10 +5631,17 @@
   <p:clrMapOvr>
     <a:masterClrMapping/>
   </p:clrMapOvr>
+  <p:timing>
+    <p:tnLst>
+      <p:par>
+        <p:cTn id="1" dur="indefinite" restart="never" nodeType="tmRoot"/>
+      </p:par>
+    </p:tnLst>
+  </p:timing>
 </p:sld>
 </file>
 
-<file path=ppt/slides/slide7.xml><?xml version="1.0" encoding="utf-8"?>
+<file path=ppt/slides/slide8.xml><?xml version="1.0" encoding="utf-8"?>
 <p:sld xmlns:a="http://schemas.openxmlformats.org/drawingml/2006/main" xmlns:r="http://schemas.openxmlformats.org/officeDocument/2006/relationships" xmlns:p="http://schemas.openxmlformats.org/presentationml/2006/main">
   <p:cSld>
     <p:spTree>
@@ -6698,7 +5663,7 @@
           <p:cNvPr id="2" name="Titel 1">
             <a:extLst>
               <a:ext uri="{FF2B5EF4-FFF2-40B4-BE49-F238E27FC236}">
-                <a16:creationId xmlns:a16="http://schemas.microsoft.com/office/drawing/2014/main" id="{4F201D36-9280-479F-A6D3-D519DC893AF8}"/>
+                <a16:creationId xmlns:a16="http://schemas.microsoft.com/office/drawing/2014/main" xmlns="" id="{4F201D36-9280-479F-A6D3-D519DC893AF8}"/>
               </a:ext>
             </a:extLst>
           </p:cNvPr>
@@ -6736,7 +5701,7 @@
           <p:cNvPr id="4" name="Grafik 3" descr="Ein Bild, das Parkplatz enthält.&#10;&#10;Automatisch generierte Beschreibung">
             <a:extLst>
               <a:ext uri="{FF2B5EF4-FFF2-40B4-BE49-F238E27FC236}">
-                <a16:creationId xmlns:a16="http://schemas.microsoft.com/office/drawing/2014/main" id="{F5B7ED90-5287-43AA-AE5F-3A672E95D177}"/>
+                <a16:creationId xmlns:a16="http://schemas.microsoft.com/office/drawing/2014/main" xmlns="" id="{F5B7ED90-5287-43AA-AE5F-3A672E95D177}"/>
               </a:ext>
             </a:extLst>
           </p:cNvPr>
@@ -6771,10 +5736,17 @@
   <p:clrMapOvr>
     <a:masterClrMapping/>
   </p:clrMapOvr>
+  <p:timing>
+    <p:tnLst>
+      <p:par>
+        <p:cTn id="1" dur="indefinite" restart="never" nodeType="tmRoot"/>
+      </p:par>
+    </p:tnLst>
+  </p:timing>
 </p:sld>
 </file>
 
-<file path=ppt/slides/slide8.xml><?xml version="1.0" encoding="utf-8"?>
+<file path=ppt/slides/slide9.xml><?xml version="1.0" encoding="utf-8"?>
 <p:sld xmlns:a="http://schemas.openxmlformats.org/drawingml/2006/main" xmlns:r="http://schemas.openxmlformats.org/officeDocument/2006/relationships" xmlns:p="http://schemas.openxmlformats.org/presentationml/2006/main">
   <p:cSld>
     <p:spTree>
@@ -6796,7 +5768,7 @@
           <p:cNvPr id="2" name="Titel 1">
             <a:extLst>
               <a:ext uri="{FF2B5EF4-FFF2-40B4-BE49-F238E27FC236}">
-                <a16:creationId xmlns:a16="http://schemas.microsoft.com/office/drawing/2014/main" id="{60CD2517-B535-4D82-8789-A20BD068DB30}"/>
+                <a16:creationId xmlns:a16="http://schemas.microsoft.com/office/drawing/2014/main" xmlns="" id="{60CD2517-B535-4D82-8789-A20BD068DB30}"/>
               </a:ext>
             </a:extLst>
           </p:cNvPr>
@@ -6826,40 +5798,12 @@
           </a:p>
         </p:txBody>
       </p:sp>
-      <p:sp>
-        <p:nvSpPr>
-          <p:cNvPr id="3" name="Textplatzhalter 2">
-            <a:extLst>
-              <a:ext uri="{FF2B5EF4-FFF2-40B4-BE49-F238E27FC236}">
-                <a16:creationId xmlns:a16="http://schemas.microsoft.com/office/drawing/2014/main" id="{A21DDEF0-926C-4269-927F-ECAACEAB9AF0}"/>
-              </a:ext>
-            </a:extLst>
-          </p:cNvPr>
-          <p:cNvSpPr>
-            <a:spLocks noGrp="1"/>
-          </p:cNvSpPr>
-          <p:nvPr>
-            <p:ph type="body" idx="1"/>
-          </p:nvPr>
-        </p:nvSpPr>
-        <p:spPr/>
-        <p:txBody>
-          <a:bodyPr/>
-          <a:lstStyle/>
-          <a:p>
-            <a:pPr marL="114300" indent="0">
-              <a:buNone/>
-            </a:pPr>
-            <a:endParaRPr lang="de-DE" dirty="0"/>
-          </a:p>
-        </p:txBody>
-      </p:sp>
       <p:pic>
         <p:nvPicPr>
           <p:cNvPr id="5" name="Grafik 4">
             <a:extLst>
               <a:ext uri="{FF2B5EF4-FFF2-40B4-BE49-F238E27FC236}">
-                <a16:creationId xmlns:a16="http://schemas.microsoft.com/office/drawing/2014/main" id="{94CD5B8C-355B-4A1E-98E0-4EB61ED93890}"/>
+                <a16:creationId xmlns:a16="http://schemas.microsoft.com/office/drawing/2014/main" xmlns="" id="{94CD5B8C-355B-4A1E-98E0-4EB61ED93890}"/>
               </a:ext>
             </a:extLst>
           </p:cNvPr>
@@ -6888,7 +5832,7 @@
           <p:cNvPr id="7" name="Grafik 6">
             <a:extLst>
               <a:ext uri="{FF2B5EF4-FFF2-40B4-BE49-F238E27FC236}">
-                <a16:creationId xmlns:a16="http://schemas.microsoft.com/office/drawing/2014/main" id="{63DE3946-3B27-4472-A919-366E9C9FC652}"/>
+                <a16:creationId xmlns:a16="http://schemas.microsoft.com/office/drawing/2014/main" xmlns="" id="{63DE3946-3B27-4472-A919-366E9C9FC652}"/>
               </a:ext>
             </a:extLst>
           </p:cNvPr>
@@ -6922,6 +5866,13 @@
   <p:clrMapOvr>
     <a:masterClrMapping/>
   </p:clrMapOvr>
+  <p:timing>
+    <p:tnLst>
+      <p:par>
+        <p:cTn id="1" dur="indefinite" restart="never" nodeType="tmRoot"/>
+      </p:par>
+    </p:tnLst>
+  </p:timing>
 </p:sld>
 </file>
 

--- a/documentation/Milestone Presentation.pptx
+++ b/documentation/Milestone Presentation.pptx
@@ -1,11 +1,11 @@
 
 <file path=ppt/presentation.xml><?xml version="1.0" encoding="utf-8"?>
-<p:presentation xmlns:a="http://schemas.openxmlformats.org/drawingml/2006/main" xmlns:r="http://schemas.openxmlformats.org/officeDocument/2006/relationships" xmlns:p="http://schemas.openxmlformats.org/presentationml/2006/main" strictFirstAndLastChars="0" saveSubsetFonts="1" autoCompressPictures="0">
+<p:presentation xmlns:a="http://schemas.openxmlformats.org/drawingml/2006/main" xmlns:r="http://schemas.openxmlformats.org/officeDocument/2006/relationships" xmlns:p="http://schemas.openxmlformats.org/presentationml/2006/main" showSpecialPlsOnTitleSld="0" strictFirstAndLastChars="0" saveSubsetFonts="1" autoCompressPictures="0">
   <p:sldMasterIdLst>
     <p:sldMasterId id="2147483910" r:id="rId1"/>
   </p:sldMasterIdLst>
   <p:notesMasterIdLst>
-    <p:notesMasterId r:id="rId24"/>
+    <p:notesMasterId r:id="rId26"/>
   </p:notesMasterIdLst>
   <p:sldIdLst>
     <p:sldId id="256" r:id="rId2"/>
@@ -27,9 +27,11 @@
     <p:sldId id="291" r:id="rId18"/>
     <p:sldId id="292" r:id="rId19"/>
     <p:sldId id="270" r:id="rId20"/>
-    <p:sldId id="294" r:id="rId21"/>
-    <p:sldId id="295" r:id="rId22"/>
-    <p:sldId id="296" r:id="rId23"/>
+    <p:sldId id="297" r:id="rId21"/>
+    <p:sldId id="298" r:id="rId22"/>
+    <p:sldId id="294" r:id="rId23"/>
+    <p:sldId id="295" r:id="rId24"/>
+    <p:sldId id="296" r:id="rId25"/>
   </p:sldIdLst>
   <p:sldSz cx="9144000" cy="5143500" type="screen16x9"/>
   <p:notesSz cx="6858000" cy="9144000"/>
@@ -909,6 +911,332 @@
 </c:chartSpace>
 </file>
 
+<file path=ppt/charts/chart11.xml><?xml version="1.0" encoding="utf-8"?>
+<c:chartSpace xmlns:c="http://schemas.openxmlformats.org/drawingml/2006/chart" xmlns:a="http://schemas.openxmlformats.org/drawingml/2006/main" xmlns:r="http://schemas.openxmlformats.org/officeDocument/2006/relationships" xmlns:c16r2="http://schemas.microsoft.com/office/drawing/2015/06/chart">
+  <c:date1904 val="0"/>
+  <c:lang val="de-DE"/>
+  <c:roundedCorners val="0"/>
+  <mc:AlternateContent xmlns:mc="http://schemas.openxmlformats.org/markup-compatibility/2006">
+    <mc:Choice xmlns:c14="http://schemas.microsoft.com/office/drawing/2007/8/2/chart" Requires="c14">
+      <c14:style val="102"/>
+    </mc:Choice>
+    <mc:Fallback>
+      <c:style val="2"/>
+    </mc:Fallback>
+  </mc:AlternateContent>
+  <c:chart>
+    <c:title>
+      <c:overlay val="0"/>
+      <c:spPr>
+        <a:noFill/>
+        <a:ln>
+          <a:noFill/>
+        </a:ln>
+        <a:effectLst/>
+      </c:spPr>
+      <c:txPr>
+        <a:bodyPr rot="0" spcFirstLastPara="1" vertOverflow="ellipsis" vert="horz" wrap="square" anchor="ctr" anchorCtr="1"/>
+        <a:lstStyle/>
+        <a:p>
+          <a:pPr>
+            <a:defRPr sz="1862" b="0" i="0" u="none" strike="noStrike" kern="1200" spc="0" baseline="0">
+              <a:solidFill>
+                <a:schemeClr val="tx1">
+                  <a:lumMod val="65000"/>
+                  <a:lumOff val="35000"/>
+                </a:schemeClr>
+              </a:solidFill>
+              <a:latin typeface="+mn-lt"/>
+              <a:ea typeface="+mn-ea"/>
+              <a:cs typeface="+mn-cs"/>
+            </a:defRPr>
+          </a:pPr>
+          <a:endParaRPr lang="de-DE"/>
+        </a:p>
+      </c:txPr>
+    </c:title>
+    <c:autoTitleDeleted val="0"/>
+    <c:plotArea>
+      <c:layout/>
+      <c:barChart>
+        <c:barDir val="col"/>
+        <c:grouping val="clustered"/>
+        <c:varyColors val="0"/>
+        <c:ser>
+          <c:idx val="0"/>
+          <c:order val="0"/>
+          <c:tx>
+            <c:strRef>
+              <c:f>Tabelle1!$B$1</c:f>
+              <c:strCache>
+                <c:ptCount val="1"/>
+                <c:pt idx="0">
+                  <c:v>Estimated Gas</c:v>
+                </c:pt>
+              </c:strCache>
+            </c:strRef>
+          </c:tx>
+          <c:spPr>
+            <a:solidFill>
+              <a:schemeClr val="accent6"/>
+            </a:solidFill>
+            <a:ln>
+              <a:noFill/>
+            </a:ln>
+            <a:effectLst/>
+          </c:spPr>
+          <c:invertIfNegative val="0"/>
+          <c:cat>
+            <c:numRef>
+              <c:f>Tabelle1!$A$2:$A$12</c:f>
+              <c:numCache>
+                <c:formatCode>General</c:formatCode>
+                <c:ptCount val="11"/>
+                <c:pt idx="0">
+                  <c:v>25</c:v>
+                </c:pt>
+                <c:pt idx="1">
+                  <c:v>50</c:v>
+                </c:pt>
+                <c:pt idx="2">
+                  <c:v>100</c:v>
+                </c:pt>
+                <c:pt idx="3">
+                  <c:v>200</c:v>
+                </c:pt>
+                <c:pt idx="4">
+                  <c:v>400</c:v>
+                </c:pt>
+                <c:pt idx="5">
+                  <c:v>800</c:v>
+                </c:pt>
+                <c:pt idx="6">
+                  <c:v>1600</c:v>
+                </c:pt>
+                <c:pt idx="7">
+                  <c:v>3200</c:v>
+                </c:pt>
+                <c:pt idx="8">
+                  <c:v>6400</c:v>
+                </c:pt>
+                <c:pt idx="9">
+                  <c:v>12800</c:v>
+                </c:pt>
+                <c:pt idx="10">
+                  <c:v>25600</c:v>
+                </c:pt>
+              </c:numCache>
+            </c:numRef>
+          </c:cat>
+          <c:val>
+            <c:numRef>
+              <c:f>Tabelle1!$B$2:$B$12</c:f>
+              <c:numCache>
+                <c:formatCode>General</c:formatCode>
+                <c:ptCount val="11"/>
+                <c:pt idx="0">
+                  <c:v>5825979</c:v>
+                </c:pt>
+                <c:pt idx="1">
+                  <c:v>11647570</c:v>
+                </c:pt>
+                <c:pt idx="2">
+                  <c:v>23291485</c:v>
+                </c:pt>
+                <c:pt idx="3">
+                  <c:v>28740250</c:v>
+                </c:pt>
+                <c:pt idx="4">
+                  <c:v>57405729</c:v>
+                </c:pt>
+                <c:pt idx="5">
+                  <c:v>114748406</c:v>
+                </c:pt>
+                <c:pt idx="6">
+                  <c:v>229480634</c:v>
+                </c:pt>
+                <c:pt idx="7">
+                  <c:v>459132590</c:v>
+                </c:pt>
+                <c:pt idx="8">
+                  <c:v>919186503</c:v>
+                </c:pt>
+                <c:pt idx="9">
+                  <c:v>1842294328</c:v>
+                </c:pt>
+                <c:pt idx="10">
+                  <c:v>3700509978</c:v>
+                </c:pt>
+              </c:numCache>
+            </c:numRef>
+          </c:val>
+          <c:extLst>
+            <c:ext xmlns:c16="http://schemas.microsoft.com/office/drawing/2014/chart" uri="{C3380CC4-5D6E-409C-BE32-E72D297353CC}">
+              <c16:uniqueId val="{00000000-28BB-43AD-9F3C-DE8E74A5D32E}"/>
+            </c:ext>
+          </c:extLst>
+        </c:ser>
+        <c:dLbls>
+          <c:showLegendKey val="0"/>
+          <c:showVal val="0"/>
+          <c:showCatName val="0"/>
+          <c:showSerName val="0"/>
+          <c:showPercent val="0"/>
+          <c:showBubbleSize val="0"/>
+        </c:dLbls>
+        <c:gapWidth val="219"/>
+        <c:axId val="542301624"/>
+        <c:axId val="542298344"/>
+      </c:barChart>
+      <c:catAx>
+        <c:axId val="542301624"/>
+        <c:scaling>
+          <c:orientation val="minMax"/>
+        </c:scaling>
+        <c:delete val="0"/>
+        <c:axPos val="b"/>
+        <c:numFmt formatCode="General" sourceLinked="1"/>
+        <c:majorTickMark val="none"/>
+        <c:minorTickMark val="none"/>
+        <c:tickLblPos val="nextTo"/>
+        <c:spPr>
+          <a:noFill/>
+          <a:ln w="9525" cap="flat" cmpd="sng" algn="ctr">
+            <a:solidFill>
+              <a:schemeClr val="tx1">
+                <a:lumMod val="15000"/>
+                <a:lumOff val="85000"/>
+              </a:schemeClr>
+            </a:solidFill>
+            <a:round/>
+          </a:ln>
+          <a:effectLst/>
+        </c:spPr>
+        <c:txPr>
+          <a:bodyPr rot="-60000000" spcFirstLastPara="1" vertOverflow="ellipsis" vert="horz" wrap="square" anchor="ctr" anchorCtr="1"/>
+          <a:lstStyle/>
+          <a:p>
+            <a:pPr>
+              <a:defRPr sz="1197" b="0" i="0" u="none" strike="noStrike" kern="1200" baseline="0">
+                <a:solidFill>
+                  <a:schemeClr val="tx1">
+                    <a:lumMod val="65000"/>
+                    <a:lumOff val="35000"/>
+                  </a:schemeClr>
+                </a:solidFill>
+                <a:latin typeface="+mn-lt"/>
+                <a:ea typeface="+mn-ea"/>
+                <a:cs typeface="+mn-cs"/>
+              </a:defRPr>
+            </a:pPr>
+            <a:endParaRPr lang="de-DE"/>
+          </a:p>
+        </c:txPr>
+        <c:crossAx val="542298344"/>
+        <c:crosses val="autoZero"/>
+        <c:auto val="1"/>
+        <c:lblAlgn val="ctr"/>
+        <c:lblOffset val="100"/>
+        <c:noMultiLvlLbl val="0"/>
+      </c:catAx>
+      <c:valAx>
+        <c:axId val="542298344"/>
+        <c:scaling>
+          <c:orientation val="minMax"/>
+        </c:scaling>
+        <c:delete val="0"/>
+        <c:axPos val="l"/>
+        <c:majorGridlines>
+          <c:spPr>
+            <a:ln w="9525" cap="flat" cmpd="sng" algn="ctr">
+              <a:solidFill>
+                <a:schemeClr val="tx1">
+                  <a:lumMod val="15000"/>
+                  <a:lumOff val="85000"/>
+                </a:schemeClr>
+              </a:solidFill>
+              <a:round/>
+            </a:ln>
+            <a:effectLst/>
+          </c:spPr>
+        </c:majorGridlines>
+        <c:numFmt formatCode="#,##0" sourceLinked="0"/>
+        <c:majorTickMark val="none"/>
+        <c:minorTickMark val="none"/>
+        <c:tickLblPos val="nextTo"/>
+        <c:spPr>
+          <a:noFill/>
+          <a:ln>
+            <a:noFill/>
+          </a:ln>
+          <a:effectLst/>
+        </c:spPr>
+        <c:txPr>
+          <a:bodyPr rot="-60000000" spcFirstLastPara="1" vertOverflow="ellipsis" vert="horz" wrap="square" anchor="ctr" anchorCtr="1"/>
+          <a:lstStyle/>
+          <a:p>
+            <a:pPr>
+              <a:defRPr sz="1197" b="0" i="0" u="none" strike="noStrike" kern="1200" baseline="0">
+                <a:solidFill>
+                  <a:schemeClr val="tx1">
+                    <a:lumMod val="65000"/>
+                    <a:lumOff val="35000"/>
+                  </a:schemeClr>
+                </a:solidFill>
+                <a:latin typeface="+mn-lt"/>
+                <a:ea typeface="+mn-ea"/>
+                <a:cs typeface="+mn-cs"/>
+              </a:defRPr>
+            </a:pPr>
+            <a:endParaRPr lang="de-DE"/>
+          </a:p>
+        </c:txPr>
+        <c:crossAx val="542301624"/>
+        <c:crosses val="autoZero"/>
+        <c:crossBetween val="between"/>
+      </c:valAx>
+      <c:spPr>
+        <a:noFill/>
+        <a:ln>
+          <a:noFill/>
+        </a:ln>
+        <a:effectLst/>
+      </c:spPr>
+    </c:plotArea>
+    <c:plotVisOnly val="1"/>
+    <c:dispBlanksAs val="gap"/>
+    <c:extLst>
+      <c:ext xmlns:c16r3="http://schemas.microsoft.com/office/drawing/2017/03/chart" uri="{56B9EC1D-385E-4148-901F-78D8002777C0}">
+        <c16r3:dataDisplayOptions16>
+          <c16r3:dispNaAsBlank val="1"/>
+        </c16r3:dataDisplayOptions16>
+      </c:ext>
+    </c:extLst>
+    <c:showDLblsOverMax val="0"/>
+  </c:chart>
+  <c:spPr>
+    <a:noFill/>
+    <a:ln>
+      <a:noFill/>
+    </a:ln>
+    <a:effectLst/>
+  </c:spPr>
+  <c:txPr>
+    <a:bodyPr/>
+    <a:lstStyle/>
+    <a:p>
+      <a:pPr>
+        <a:defRPr/>
+      </a:pPr>
+      <a:endParaRPr lang="de-DE"/>
+    </a:p>
+  </c:txPr>
+  <c:externalData r:id="rId3">
+    <c:autoUpdate val="0"/>
+  </c:externalData>
+</c:chartSpace>
+</file>
+
 <file path=ppt/charts/chart2.xml><?xml version="1.0" encoding="utf-8"?>
 <c:chartSpace xmlns:c="http://schemas.openxmlformats.org/drawingml/2006/chart" xmlns:a="http://schemas.openxmlformats.org/drawingml/2006/main" xmlns:r="http://schemas.openxmlformats.org/officeDocument/2006/relationships" xmlns:c16r2="http://schemas.microsoft.com/office/drawing/2015/06/chart">
   <c:date1904 val="0"/>
@@ -3965,6 +4293,43 @@
   <a:schemeClr val="accent2"/>
   <a:schemeClr val="accent4"/>
   <a:schemeClr val="accent6"/>
+  <cs:variation/>
+  <cs:variation>
+    <a:lumMod val="60000"/>
+  </cs:variation>
+  <cs:variation>
+    <a:lumMod val="80000"/>
+    <a:lumOff val="20000"/>
+  </cs:variation>
+  <cs:variation>
+    <a:lumMod val="80000"/>
+  </cs:variation>
+  <cs:variation>
+    <a:lumMod val="60000"/>
+    <a:lumOff val="40000"/>
+  </cs:variation>
+  <cs:variation>
+    <a:lumMod val="50000"/>
+  </cs:variation>
+  <cs:variation>
+    <a:lumMod val="70000"/>
+    <a:lumOff val="30000"/>
+  </cs:variation>
+  <cs:variation>
+    <a:lumMod val="70000"/>
+  </cs:variation>
+  <cs:variation>
+    <a:lumMod val="50000"/>
+    <a:lumOff val="50000"/>
+  </cs:variation>
+</cs:colorStyle>
+</file>
+
+<file path=ppt/charts/colors11.xml><?xml version="1.0" encoding="utf-8"?>
+<cs:colorStyle xmlns:cs="http://schemas.microsoft.com/office/drawing/2012/chartStyle" xmlns:a="http://schemas.openxmlformats.org/drawingml/2006/main" meth="cycle" id="13">
+  <a:schemeClr val="accent6"/>
+  <a:schemeClr val="accent5"/>
+  <a:schemeClr val="accent4"/>
   <cs:variation/>
   <cs:variation>
     <a:lumMod val="60000"/>
@@ -5303,6 +5668,509 @@
 </cs:chartStyle>
 </file>
 
+<file path=ppt/charts/style11.xml><?xml version="1.0" encoding="utf-8"?>
+<cs:chartStyle xmlns:cs="http://schemas.microsoft.com/office/drawing/2012/chartStyle" xmlns:a="http://schemas.openxmlformats.org/drawingml/2006/main" id="201">
+  <cs:axisTitle>
+    <cs:lnRef idx="0"/>
+    <cs:fillRef idx="0"/>
+    <cs:effectRef idx="0"/>
+    <cs:fontRef idx="minor">
+      <a:schemeClr val="tx1">
+        <a:lumMod val="65000"/>
+        <a:lumOff val="35000"/>
+      </a:schemeClr>
+    </cs:fontRef>
+    <cs:defRPr sz="1330" kern="1200"/>
+  </cs:axisTitle>
+  <cs:categoryAxis>
+    <cs:lnRef idx="0"/>
+    <cs:fillRef idx="0"/>
+    <cs:effectRef idx="0"/>
+    <cs:fontRef idx="minor">
+      <a:schemeClr val="tx1">
+        <a:lumMod val="65000"/>
+        <a:lumOff val="35000"/>
+      </a:schemeClr>
+    </cs:fontRef>
+    <cs:spPr>
+      <a:ln w="9525" cap="flat" cmpd="sng" algn="ctr">
+        <a:solidFill>
+          <a:schemeClr val="tx1">
+            <a:lumMod val="15000"/>
+            <a:lumOff val="85000"/>
+          </a:schemeClr>
+        </a:solidFill>
+        <a:round/>
+      </a:ln>
+    </cs:spPr>
+    <cs:defRPr sz="1197" kern="1200"/>
+  </cs:categoryAxis>
+  <cs:chartArea mods="allowNoFillOverride allowNoLineOverride">
+    <cs:lnRef idx="0"/>
+    <cs:fillRef idx="0"/>
+    <cs:effectRef idx="0"/>
+    <cs:fontRef idx="minor">
+      <a:schemeClr val="tx1"/>
+    </cs:fontRef>
+    <cs:spPr>
+      <a:solidFill>
+        <a:schemeClr val="bg1"/>
+      </a:solidFill>
+      <a:ln w="9525" cap="flat" cmpd="sng" algn="ctr">
+        <a:solidFill>
+          <a:schemeClr val="tx1">
+            <a:lumMod val="15000"/>
+            <a:lumOff val="85000"/>
+          </a:schemeClr>
+        </a:solidFill>
+        <a:round/>
+      </a:ln>
+    </cs:spPr>
+    <cs:defRPr sz="1330" kern="1200"/>
+  </cs:chartArea>
+  <cs:dataLabel>
+    <cs:lnRef idx="0"/>
+    <cs:fillRef idx="0"/>
+    <cs:effectRef idx="0"/>
+    <cs:fontRef idx="minor">
+      <a:schemeClr val="tx1">
+        <a:lumMod val="75000"/>
+        <a:lumOff val="25000"/>
+      </a:schemeClr>
+    </cs:fontRef>
+    <cs:defRPr sz="1197" kern="1200"/>
+  </cs:dataLabel>
+  <cs:dataLabelCallout>
+    <cs:lnRef idx="0"/>
+    <cs:fillRef idx="0"/>
+    <cs:effectRef idx="0"/>
+    <cs:fontRef idx="minor">
+      <a:schemeClr val="dk1">
+        <a:lumMod val="65000"/>
+        <a:lumOff val="35000"/>
+      </a:schemeClr>
+    </cs:fontRef>
+    <cs:spPr>
+      <a:solidFill>
+        <a:schemeClr val="lt1"/>
+      </a:solidFill>
+      <a:ln>
+        <a:solidFill>
+          <a:schemeClr val="dk1">
+            <a:lumMod val="25000"/>
+            <a:lumOff val="75000"/>
+          </a:schemeClr>
+        </a:solidFill>
+      </a:ln>
+    </cs:spPr>
+    <cs:defRPr sz="1197" kern="1200"/>
+    <cs:bodyPr rot="0" spcFirstLastPara="1" vertOverflow="clip" horzOverflow="clip" vert="horz" wrap="square" lIns="36576" tIns="18288" rIns="36576" bIns="18288" anchor="ctr" anchorCtr="1">
+      <a:spAutoFit/>
+    </cs:bodyPr>
+  </cs:dataLabelCallout>
+  <cs:dataPoint>
+    <cs:lnRef idx="0"/>
+    <cs:fillRef idx="1">
+      <cs:styleClr val="auto"/>
+    </cs:fillRef>
+    <cs:effectRef idx="0"/>
+    <cs:fontRef idx="minor">
+      <a:schemeClr val="tx1"/>
+    </cs:fontRef>
+  </cs:dataPoint>
+  <cs:dataPoint3D>
+    <cs:lnRef idx="0"/>
+    <cs:fillRef idx="1">
+      <cs:styleClr val="auto"/>
+    </cs:fillRef>
+    <cs:effectRef idx="0"/>
+    <cs:fontRef idx="minor">
+      <a:schemeClr val="tx1"/>
+    </cs:fontRef>
+  </cs:dataPoint3D>
+  <cs:dataPointLine>
+    <cs:lnRef idx="0">
+      <cs:styleClr val="auto"/>
+    </cs:lnRef>
+    <cs:fillRef idx="1"/>
+    <cs:effectRef idx="0"/>
+    <cs:fontRef idx="minor">
+      <a:schemeClr val="tx1"/>
+    </cs:fontRef>
+    <cs:spPr>
+      <a:ln w="28575" cap="rnd">
+        <a:solidFill>
+          <a:schemeClr val="phClr"/>
+        </a:solidFill>
+        <a:round/>
+      </a:ln>
+    </cs:spPr>
+  </cs:dataPointLine>
+  <cs:dataPointMarker>
+    <cs:lnRef idx="0">
+      <cs:styleClr val="auto"/>
+    </cs:lnRef>
+    <cs:fillRef idx="1">
+      <cs:styleClr val="auto"/>
+    </cs:fillRef>
+    <cs:effectRef idx="0"/>
+    <cs:fontRef idx="minor">
+      <a:schemeClr val="tx1"/>
+    </cs:fontRef>
+    <cs:spPr>
+      <a:ln w="9525">
+        <a:solidFill>
+          <a:schemeClr val="phClr"/>
+        </a:solidFill>
+      </a:ln>
+    </cs:spPr>
+  </cs:dataPointMarker>
+  <cs:dataPointMarkerLayout symbol="circle" size="5"/>
+  <cs:dataPointWireframe>
+    <cs:lnRef idx="0">
+      <cs:styleClr val="auto"/>
+    </cs:lnRef>
+    <cs:fillRef idx="1"/>
+    <cs:effectRef idx="0"/>
+    <cs:fontRef idx="minor">
+      <a:schemeClr val="tx1"/>
+    </cs:fontRef>
+    <cs:spPr>
+      <a:ln w="9525" cap="rnd">
+        <a:solidFill>
+          <a:schemeClr val="phClr"/>
+        </a:solidFill>
+        <a:round/>
+      </a:ln>
+    </cs:spPr>
+  </cs:dataPointWireframe>
+  <cs:dataTable>
+    <cs:lnRef idx="0"/>
+    <cs:fillRef idx="0"/>
+    <cs:effectRef idx="0"/>
+    <cs:fontRef idx="minor">
+      <a:schemeClr val="tx1">
+        <a:lumMod val="65000"/>
+        <a:lumOff val="35000"/>
+      </a:schemeClr>
+    </cs:fontRef>
+    <cs:spPr>
+      <a:noFill/>
+      <a:ln w="9525" cap="flat" cmpd="sng" algn="ctr">
+        <a:solidFill>
+          <a:schemeClr val="tx1">
+            <a:lumMod val="15000"/>
+            <a:lumOff val="85000"/>
+          </a:schemeClr>
+        </a:solidFill>
+        <a:round/>
+      </a:ln>
+    </cs:spPr>
+    <cs:defRPr sz="1197" kern="1200"/>
+  </cs:dataTable>
+  <cs:downBar>
+    <cs:lnRef idx="0"/>
+    <cs:fillRef idx="0"/>
+    <cs:effectRef idx="0"/>
+    <cs:fontRef idx="minor">
+      <a:schemeClr val="dk1"/>
+    </cs:fontRef>
+    <cs:spPr>
+      <a:solidFill>
+        <a:schemeClr val="dk1">
+          <a:lumMod val="65000"/>
+          <a:lumOff val="35000"/>
+        </a:schemeClr>
+      </a:solidFill>
+      <a:ln w="9525">
+        <a:solidFill>
+          <a:schemeClr val="tx1">
+            <a:lumMod val="65000"/>
+            <a:lumOff val="35000"/>
+          </a:schemeClr>
+        </a:solidFill>
+      </a:ln>
+    </cs:spPr>
+  </cs:downBar>
+  <cs:dropLine>
+    <cs:lnRef idx="0"/>
+    <cs:fillRef idx="0"/>
+    <cs:effectRef idx="0"/>
+    <cs:fontRef idx="minor">
+      <a:schemeClr val="tx1"/>
+    </cs:fontRef>
+    <cs:spPr>
+      <a:ln w="9525" cap="flat" cmpd="sng" algn="ctr">
+        <a:solidFill>
+          <a:schemeClr val="tx1">
+            <a:lumMod val="35000"/>
+            <a:lumOff val="65000"/>
+          </a:schemeClr>
+        </a:solidFill>
+        <a:round/>
+      </a:ln>
+    </cs:spPr>
+  </cs:dropLine>
+  <cs:errorBar>
+    <cs:lnRef idx="0"/>
+    <cs:fillRef idx="0"/>
+    <cs:effectRef idx="0"/>
+    <cs:fontRef idx="minor">
+      <a:schemeClr val="tx1"/>
+    </cs:fontRef>
+    <cs:spPr>
+      <a:ln w="9525" cap="flat" cmpd="sng" algn="ctr">
+        <a:solidFill>
+          <a:schemeClr val="tx1">
+            <a:lumMod val="65000"/>
+            <a:lumOff val="35000"/>
+          </a:schemeClr>
+        </a:solidFill>
+        <a:round/>
+      </a:ln>
+    </cs:spPr>
+  </cs:errorBar>
+  <cs:floor>
+    <cs:lnRef idx="0"/>
+    <cs:fillRef idx="0"/>
+    <cs:effectRef idx="0"/>
+    <cs:fontRef idx="minor">
+      <a:schemeClr val="tx1"/>
+    </cs:fontRef>
+    <cs:spPr>
+      <a:noFill/>
+      <a:ln>
+        <a:noFill/>
+      </a:ln>
+    </cs:spPr>
+  </cs:floor>
+  <cs:gridlineMajor>
+    <cs:lnRef idx="0"/>
+    <cs:fillRef idx="0"/>
+    <cs:effectRef idx="0"/>
+    <cs:fontRef idx="minor">
+      <a:schemeClr val="tx1"/>
+    </cs:fontRef>
+    <cs:spPr>
+      <a:ln w="9525" cap="flat" cmpd="sng" algn="ctr">
+        <a:solidFill>
+          <a:schemeClr val="tx1">
+            <a:lumMod val="15000"/>
+            <a:lumOff val="85000"/>
+          </a:schemeClr>
+        </a:solidFill>
+        <a:round/>
+      </a:ln>
+    </cs:spPr>
+  </cs:gridlineMajor>
+  <cs:gridlineMinor>
+    <cs:lnRef idx="0"/>
+    <cs:fillRef idx="0"/>
+    <cs:effectRef idx="0"/>
+    <cs:fontRef idx="minor">
+      <a:schemeClr val="tx1"/>
+    </cs:fontRef>
+    <cs:spPr>
+      <a:ln w="9525" cap="flat" cmpd="sng" algn="ctr">
+        <a:solidFill>
+          <a:schemeClr val="tx1">
+            <a:lumMod val="5000"/>
+            <a:lumOff val="95000"/>
+          </a:schemeClr>
+        </a:solidFill>
+        <a:round/>
+      </a:ln>
+    </cs:spPr>
+  </cs:gridlineMinor>
+  <cs:hiLoLine>
+    <cs:lnRef idx="0"/>
+    <cs:fillRef idx="0"/>
+    <cs:effectRef idx="0"/>
+    <cs:fontRef idx="minor">
+      <a:schemeClr val="tx1"/>
+    </cs:fontRef>
+    <cs:spPr>
+      <a:ln w="9525" cap="flat" cmpd="sng" algn="ctr">
+        <a:solidFill>
+          <a:schemeClr val="tx1">
+            <a:lumMod val="75000"/>
+            <a:lumOff val="25000"/>
+          </a:schemeClr>
+        </a:solidFill>
+        <a:round/>
+      </a:ln>
+    </cs:spPr>
+  </cs:hiLoLine>
+  <cs:leaderLine>
+    <cs:lnRef idx="0"/>
+    <cs:fillRef idx="0"/>
+    <cs:effectRef idx="0"/>
+    <cs:fontRef idx="minor">
+      <a:schemeClr val="tx1"/>
+    </cs:fontRef>
+    <cs:spPr>
+      <a:ln w="9525" cap="flat" cmpd="sng" algn="ctr">
+        <a:solidFill>
+          <a:schemeClr val="tx1">
+            <a:lumMod val="35000"/>
+            <a:lumOff val="65000"/>
+          </a:schemeClr>
+        </a:solidFill>
+        <a:round/>
+      </a:ln>
+    </cs:spPr>
+  </cs:leaderLine>
+  <cs:legend>
+    <cs:lnRef idx="0"/>
+    <cs:fillRef idx="0"/>
+    <cs:effectRef idx="0"/>
+    <cs:fontRef idx="minor">
+      <a:schemeClr val="tx1">
+        <a:lumMod val="65000"/>
+        <a:lumOff val="35000"/>
+      </a:schemeClr>
+    </cs:fontRef>
+    <cs:defRPr sz="1197" kern="1200"/>
+  </cs:legend>
+  <cs:plotArea mods="allowNoFillOverride allowNoLineOverride">
+    <cs:lnRef idx="0"/>
+    <cs:fillRef idx="0"/>
+    <cs:effectRef idx="0"/>
+    <cs:fontRef idx="minor">
+      <a:schemeClr val="tx1"/>
+    </cs:fontRef>
+  </cs:plotArea>
+  <cs:plotArea3D mods="allowNoFillOverride allowNoLineOverride">
+    <cs:lnRef idx="0"/>
+    <cs:fillRef idx="0"/>
+    <cs:effectRef idx="0"/>
+    <cs:fontRef idx="minor">
+      <a:schemeClr val="tx1"/>
+    </cs:fontRef>
+  </cs:plotArea3D>
+  <cs:seriesAxis>
+    <cs:lnRef idx="0"/>
+    <cs:fillRef idx="0"/>
+    <cs:effectRef idx="0"/>
+    <cs:fontRef idx="minor">
+      <a:schemeClr val="tx1">
+        <a:lumMod val="65000"/>
+        <a:lumOff val="35000"/>
+      </a:schemeClr>
+    </cs:fontRef>
+    <cs:defRPr sz="1197" kern="1200"/>
+  </cs:seriesAxis>
+  <cs:seriesLine>
+    <cs:lnRef idx="0"/>
+    <cs:fillRef idx="0"/>
+    <cs:effectRef idx="0"/>
+    <cs:fontRef idx="minor">
+      <a:schemeClr val="tx1"/>
+    </cs:fontRef>
+    <cs:spPr>
+      <a:ln w="9525" cap="flat" cmpd="sng" algn="ctr">
+        <a:solidFill>
+          <a:schemeClr val="tx1">
+            <a:lumMod val="35000"/>
+            <a:lumOff val="65000"/>
+          </a:schemeClr>
+        </a:solidFill>
+        <a:round/>
+      </a:ln>
+    </cs:spPr>
+  </cs:seriesLine>
+  <cs:title>
+    <cs:lnRef idx="0"/>
+    <cs:fillRef idx="0"/>
+    <cs:effectRef idx="0"/>
+    <cs:fontRef idx="minor">
+      <a:schemeClr val="tx1">
+        <a:lumMod val="65000"/>
+        <a:lumOff val="35000"/>
+      </a:schemeClr>
+    </cs:fontRef>
+    <cs:defRPr sz="1862" b="0" kern="1200" spc="0" baseline="0"/>
+  </cs:title>
+  <cs:trendline>
+    <cs:lnRef idx="0">
+      <cs:styleClr val="auto"/>
+    </cs:lnRef>
+    <cs:fillRef idx="0"/>
+    <cs:effectRef idx="0"/>
+    <cs:fontRef idx="minor">
+      <a:schemeClr val="tx1"/>
+    </cs:fontRef>
+    <cs:spPr>
+      <a:ln w="19050" cap="rnd">
+        <a:solidFill>
+          <a:schemeClr val="phClr"/>
+        </a:solidFill>
+        <a:prstDash val="sysDot"/>
+      </a:ln>
+    </cs:spPr>
+  </cs:trendline>
+  <cs:trendlineLabel>
+    <cs:lnRef idx="0"/>
+    <cs:fillRef idx="0"/>
+    <cs:effectRef idx="0"/>
+    <cs:fontRef idx="minor">
+      <a:schemeClr val="tx1">
+        <a:lumMod val="65000"/>
+        <a:lumOff val="35000"/>
+      </a:schemeClr>
+    </cs:fontRef>
+    <cs:defRPr sz="1197" kern="1200"/>
+  </cs:trendlineLabel>
+  <cs:upBar>
+    <cs:lnRef idx="0"/>
+    <cs:fillRef idx="0"/>
+    <cs:effectRef idx="0"/>
+    <cs:fontRef idx="minor">
+      <a:schemeClr val="dk1"/>
+    </cs:fontRef>
+    <cs:spPr>
+      <a:solidFill>
+        <a:schemeClr val="lt1"/>
+      </a:solidFill>
+      <a:ln w="9525">
+        <a:solidFill>
+          <a:schemeClr val="tx1">
+            <a:lumMod val="15000"/>
+            <a:lumOff val="85000"/>
+          </a:schemeClr>
+        </a:solidFill>
+      </a:ln>
+    </cs:spPr>
+  </cs:upBar>
+  <cs:valueAxis>
+    <cs:lnRef idx="0"/>
+    <cs:fillRef idx="0"/>
+    <cs:effectRef idx="0"/>
+    <cs:fontRef idx="minor">
+      <a:schemeClr val="tx1">
+        <a:lumMod val="65000"/>
+        <a:lumOff val="35000"/>
+      </a:schemeClr>
+    </cs:fontRef>
+    <cs:defRPr sz="1197" kern="1200"/>
+  </cs:valueAxis>
+  <cs:wall>
+    <cs:lnRef idx="0"/>
+    <cs:fillRef idx="0"/>
+    <cs:effectRef idx="0"/>
+    <cs:fontRef idx="minor">
+      <a:schemeClr val="tx1"/>
+    </cs:fontRef>
+    <cs:spPr>
+      <a:noFill/>
+      <a:ln>
+        <a:noFill/>
+      </a:ln>
+    </cs:spPr>
+  </cs:wall>
+</cs:chartStyle>
+</file>
+
 <file path=ppt/charts/style2.xml><?xml version="1.0" encoding="utf-8"?>
 <cs:chartStyle xmlns:cs="http://schemas.microsoft.com/office/drawing/2012/chartStyle" xmlns:a="http://schemas.openxmlformats.org/drawingml/2006/main" id="297">
   <cs:axisTitle>
@@ -10024,6 +10892,84 @@
               <a:t>Settlement</a:t>
             </a:r>
           </a:p>
+          <a:p>
+            <a:pPr marL="285750" lvl="0" indent="-285750">
+              <a:buFont typeface="Arial" panose="020B0604020202020204" pitchFamily="34" charset="0"/>
+              <a:buChar char="•"/>
+            </a:pPr>
+            <a:r>
+              <a:rPr lang="de-DE" dirty="0"/>
+              <a:t>Gas </a:t>
+            </a:r>
+            <a:r>
+              <a:rPr lang="de-DE" dirty="0" err="1"/>
+              <a:t>price</a:t>
+            </a:r>
+            <a:r>
+              <a:rPr lang="de-DE" dirty="0"/>
+              <a:t> </a:t>
+            </a:r>
+            <a:r>
+              <a:rPr lang="de-DE" dirty="0" err="1"/>
+              <a:t>for</a:t>
+            </a:r>
+            <a:r>
+              <a:rPr lang="de-DE" dirty="0"/>
+              <a:t> </a:t>
+            </a:r>
+            <a:r>
+              <a:rPr lang="de-DE" dirty="0" err="1"/>
+              <a:t>netting</a:t>
+            </a:r>
+            <a:endParaRPr lang="de-DE" dirty="0"/>
+          </a:p>
+          <a:p>
+            <a:pPr marL="285750" lvl="0" indent="-285750">
+              <a:buFont typeface="Arial" panose="020B0604020202020204" pitchFamily="34" charset="0"/>
+              <a:buChar char="•"/>
+            </a:pPr>
+            <a:r>
+              <a:rPr lang="de-DE" dirty="0"/>
+              <a:t>Block rate </a:t>
+            </a:r>
+            <a:r>
+              <a:rPr lang="de-DE" dirty="0">
+                <a:sym typeface="Wingdings" panose="05000000000000000000" pitchFamily="2" charset="2"/>
+              </a:rPr>
+              <a:t> </a:t>
+            </a:r>
+            <a:r>
+              <a:rPr lang="de-DE" dirty="0" err="1">
+                <a:sym typeface="Wingdings" panose="05000000000000000000" pitchFamily="2" charset="2"/>
+              </a:rPr>
+              <a:t>netting</a:t>
+            </a:r>
+            <a:r>
+              <a:rPr lang="de-DE" dirty="0">
+                <a:sym typeface="Wingdings" panose="05000000000000000000" pitchFamily="2" charset="2"/>
+              </a:rPr>
+              <a:t> </a:t>
+            </a:r>
+            <a:r>
+              <a:rPr lang="de-DE" dirty="0" err="1">
+                <a:sym typeface="Wingdings" panose="05000000000000000000" pitchFamily="2" charset="2"/>
+              </a:rPr>
+              <a:t>every</a:t>
+            </a:r>
+            <a:r>
+              <a:rPr lang="de-DE" dirty="0">
+                <a:sym typeface="Wingdings" panose="05000000000000000000" pitchFamily="2" charset="2"/>
+              </a:rPr>
+              <a:t> 5 </a:t>
+            </a:r>
+            <a:r>
+              <a:rPr lang="de-DE" dirty="0" err="1">
+                <a:sym typeface="Wingdings" panose="05000000000000000000" pitchFamily="2" charset="2"/>
+              </a:rPr>
+              <a:t>blocks</a:t>
+            </a:r>
+            <a:endParaRPr lang="de-DE" dirty="0"/>
+          </a:p>
         </p:txBody>
       </p:sp>
     </p:spTree>
@@ -10458,6 +11404,224 @@
           <a:bodyPr/>
           <a:lstStyle/>
           <a:p>
+            <a:r>
+              <a:rPr lang="en-GB" noProof="0" dirty="0"/>
+              <a:t>Current evaluation:</a:t>
+            </a:r>
+          </a:p>
+          <a:p>
+            <a:pPr lvl="1"/>
+            <a:r>
+              <a:rPr lang="en-GB" noProof="0" dirty="0"/>
+              <a:t>Strengths</a:t>
+            </a:r>
+          </a:p>
+          <a:p>
+            <a:pPr lvl="1"/>
+            <a:r>
+              <a:rPr lang="en-GB" noProof="0" dirty="0"/>
+              <a:t>Weaknesses</a:t>
+            </a:r>
+          </a:p>
+        </p:txBody>
+      </p:sp>
+    </p:spTree>
+    <p:extLst>
+      <p:ext uri="{BB962C8B-B14F-4D97-AF65-F5344CB8AC3E}">
+        <p14:creationId xmlns:p14="http://schemas.microsoft.com/office/powerpoint/2010/main" val="491823572"/>
+      </p:ext>
+    </p:extLst>
+  </p:cSld>
+  <p:clrMapOvr>
+    <a:masterClrMapping/>
+  </p:clrMapOvr>
+</p:notes>
+</file>
+
+<file path=ppt/notesSlides/notesSlide16.xml><?xml version="1.0" encoding="utf-8"?>
+<p:notes xmlns:a="http://schemas.openxmlformats.org/drawingml/2006/main" xmlns:r="http://schemas.openxmlformats.org/officeDocument/2006/relationships" xmlns:p="http://schemas.openxmlformats.org/presentationml/2006/main">
+  <p:cSld>
+    <p:spTree>
+      <p:nvGrpSpPr>
+        <p:cNvPr id="1" name=""/>
+        <p:cNvGrpSpPr/>
+        <p:nvPr/>
+      </p:nvGrpSpPr>
+      <p:grpSpPr>
+        <a:xfrm>
+          <a:off x="0" y="0"/>
+          <a:ext cx="0" cy="0"/>
+          <a:chOff x="0" y="0"/>
+          <a:chExt cx="0" cy="0"/>
+        </a:xfrm>
+      </p:grpSpPr>
+      <p:sp>
+        <p:nvSpPr>
+          <p:cNvPr id="2" name="Folienbildplatzhalter 1"/>
+          <p:cNvSpPr>
+            <a:spLocks noGrp="1" noRot="1" noChangeAspect="1"/>
+          </p:cNvSpPr>
+          <p:nvPr>
+            <p:ph type="sldImg"/>
+          </p:nvPr>
+        </p:nvSpPr>
+        <p:spPr>
+          <a:xfrm>
+            <a:off x="381000" y="685800"/>
+            <a:ext cx="6096000" cy="3429000"/>
+          </a:xfrm>
+        </p:spPr>
+      </p:sp>
+      <p:sp>
+        <p:nvSpPr>
+          <p:cNvPr id="3" name="Notizenplatzhalter 2"/>
+          <p:cNvSpPr>
+            <a:spLocks noGrp="1"/>
+          </p:cNvSpPr>
+          <p:nvPr>
+            <p:ph type="body" idx="1"/>
+          </p:nvPr>
+        </p:nvSpPr>
+        <p:spPr/>
+        <p:txBody>
+          <a:bodyPr/>
+          <a:lstStyle/>
+          <a:p>
+            <a:r>
+              <a:rPr lang="de-DE" dirty="0"/>
+              <a:t>TODO</a:t>
+            </a:r>
+          </a:p>
+        </p:txBody>
+      </p:sp>
+    </p:spTree>
+    <p:extLst>
+      <p:ext uri="{BB962C8B-B14F-4D97-AF65-F5344CB8AC3E}">
+        <p14:creationId xmlns:p14="http://schemas.microsoft.com/office/powerpoint/2010/main" val="3322072295"/>
+      </p:ext>
+    </p:extLst>
+  </p:cSld>
+  <p:clrMapOvr>
+    <a:masterClrMapping/>
+  </p:clrMapOvr>
+</p:notes>
+</file>
+
+<file path=ppt/notesSlides/notesSlide17.xml><?xml version="1.0" encoding="utf-8"?>
+<p:notes xmlns:a="http://schemas.openxmlformats.org/drawingml/2006/main" xmlns:r="http://schemas.openxmlformats.org/officeDocument/2006/relationships" xmlns:p="http://schemas.openxmlformats.org/presentationml/2006/main">
+  <p:cSld>
+    <p:spTree>
+      <p:nvGrpSpPr>
+        <p:cNvPr id="1" name=""/>
+        <p:cNvGrpSpPr/>
+        <p:nvPr/>
+      </p:nvGrpSpPr>
+      <p:grpSpPr>
+        <a:xfrm>
+          <a:off x="0" y="0"/>
+          <a:ext cx="0" cy="0"/>
+          <a:chOff x="0" y="0"/>
+          <a:chExt cx="0" cy="0"/>
+        </a:xfrm>
+      </p:grpSpPr>
+      <p:sp>
+        <p:nvSpPr>
+          <p:cNvPr id="2" name="Folienbildplatzhalter 1"/>
+          <p:cNvSpPr>
+            <a:spLocks noGrp="1" noRot="1" noChangeAspect="1"/>
+          </p:cNvSpPr>
+          <p:nvPr>
+            <p:ph type="sldImg"/>
+          </p:nvPr>
+        </p:nvSpPr>
+        <p:spPr>
+          <a:xfrm>
+            <a:off x="381000" y="685800"/>
+            <a:ext cx="6096000" cy="3429000"/>
+          </a:xfrm>
+        </p:spPr>
+      </p:sp>
+      <p:sp>
+        <p:nvSpPr>
+          <p:cNvPr id="3" name="Notizenplatzhalter 2"/>
+          <p:cNvSpPr>
+            <a:spLocks noGrp="1"/>
+          </p:cNvSpPr>
+          <p:nvPr>
+            <p:ph type="body" idx="1"/>
+          </p:nvPr>
+        </p:nvSpPr>
+        <p:spPr/>
+        <p:txBody>
+          <a:bodyPr/>
+          <a:lstStyle/>
+          <a:p>
+            <a:endParaRPr lang="de-DE" dirty="0"/>
+          </a:p>
+        </p:txBody>
+      </p:sp>
+    </p:spTree>
+    <p:extLst>
+      <p:ext uri="{BB962C8B-B14F-4D97-AF65-F5344CB8AC3E}">
+        <p14:creationId xmlns:p14="http://schemas.microsoft.com/office/powerpoint/2010/main" val="3911775088"/>
+      </p:ext>
+    </p:extLst>
+  </p:cSld>
+  <p:clrMapOvr>
+    <a:masterClrMapping/>
+  </p:clrMapOvr>
+</p:notes>
+</file>
+
+<file path=ppt/notesSlides/notesSlide18.xml><?xml version="1.0" encoding="utf-8"?>
+<p:notes xmlns:a="http://schemas.openxmlformats.org/drawingml/2006/main" xmlns:r="http://schemas.openxmlformats.org/officeDocument/2006/relationships" xmlns:p="http://schemas.openxmlformats.org/presentationml/2006/main">
+  <p:cSld>
+    <p:spTree>
+      <p:nvGrpSpPr>
+        <p:cNvPr id="1" name=""/>
+        <p:cNvGrpSpPr/>
+        <p:nvPr/>
+      </p:nvGrpSpPr>
+      <p:grpSpPr>
+        <a:xfrm>
+          <a:off x="0" y="0"/>
+          <a:ext cx="0" cy="0"/>
+          <a:chOff x="0" y="0"/>
+          <a:chExt cx="0" cy="0"/>
+        </a:xfrm>
+      </p:grpSpPr>
+      <p:sp>
+        <p:nvSpPr>
+          <p:cNvPr id="2" name="Folienbildplatzhalter 1"/>
+          <p:cNvSpPr>
+            <a:spLocks noGrp="1" noRot="1" noChangeAspect="1"/>
+          </p:cNvSpPr>
+          <p:nvPr>
+            <p:ph type="sldImg"/>
+          </p:nvPr>
+        </p:nvSpPr>
+        <p:spPr>
+          <a:xfrm>
+            <a:off x="381000" y="685800"/>
+            <a:ext cx="6096000" cy="3429000"/>
+          </a:xfrm>
+        </p:spPr>
+      </p:sp>
+      <p:sp>
+        <p:nvSpPr>
+          <p:cNvPr id="3" name="Notizenplatzhalter 2"/>
+          <p:cNvSpPr>
+            <a:spLocks noGrp="1"/>
+          </p:cNvSpPr>
+          <p:nvPr>
+            <p:ph type="body" idx="1"/>
+          </p:nvPr>
+        </p:nvSpPr>
+        <p:spPr/>
+        <p:txBody>
+          <a:bodyPr/>
+          <a:lstStyle/>
+          <a:p>
             <a:pPr rtl="0" fontAlgn="base"/>
             <a:r>
               <a:rPr lang="en-US" sz="1100" b="0" i="0" u="none" strike="noStrike" cap="none" dirty="0">
@@ -10582,8 +11746,117 @@
                 <a:cs typeface="Arial"/>
                 <a:sym typeface="Arial"/>
               </a:rPr>
-              <a:t>Basis for </a:t>
-            </a:r>
+              <a:t>suitable for our requirements</a:t>
+            </a:r>
+          </a:p>
+          <a:p>
+            <a:pPr lvl="0" rtl="0" fontAlgn="base"/>
+            <a:r>
+              <a:rPr lang="en-US" sz="1100" b="0" i="0" u="none" strike="noStrike" cap="none" dirty="0">
+                <a:solidFill>
+                  <a:srgbClr val="000000"/>
+                </a:solidFill>
+                <a:effectLst/>
+                <a:latin typeface="Arial"/>
+                <a:ea typeface="Arial"/>
+                <a:cs typeface="Arial"/>
+                <a:sym typeface="Arial"/>
+              </a:rPr>
+              <a:t>Hawk</a:t>
+            </a:r>
+          </a:p>
+          <a:p>
+            <a:pPr lvl="1" rtl="0" fontAlgn="base"/>
+            <a:r>
+              <a:rPr lang="en-US" sz="1100" b="0" i="0" u="none" strike="noStrike" cap="none" dirty="0">
+                <a:solidFill>
+                  <a:srgbClr val="000000"/>
+                </a:solidFill>
+                <a:effectLst/>
+                <a:latin typeface="Arial"/>
+                <a:ea typeface="Arial"/>
+                <a:cs typeface="Arial"/>
+                <a:sym typeface="Arial"/>
+              </a:rPr>
+              <a:t>Smart contract system encrypting transactions on the blockchain</a:t>
+            </a:r>
+          </a:p>
+          <a:p>
+            <a:pPr lvl="1" rtl="0" fontAlgn="base"/>
+            <a:r>
+              <a:rPr lang="en-US" sz="1100" b="0" i="0" u="none" strike="noStrike" cap="none" dirty="0">
+                <a:solidFill>
+                  <a:srgbClr val="000000"/>
+                </a:solidFill>
+                <a:effectLst/>
+                <a:latin typeface="Arial"/>
+                <a:ea typeface="Arial"/>
+                <a:cs typeface="Arial"/>
+                <a:sym typeface="Arial"/>
+              </a:rPr>
+              <a:t>Relies on zero-knowledge proofs</a:t>
+            </a:r>
+          </a:p>
+          <a:p>
+            <a:pPr lvl="1" rtl="0" fontAlgn="base"/>
+            <a:r>
+              <a:rPr lang="en-US" sz="1100" b="0" i="0" u="none" strike="noStrike" cap="none" dirty="0">
+                <a:solidFill>
+                  <a:srgbClr val="000000"/>
+                </a:solidFill>
+                <a:effectLst/>
+                <a:latin typeface="Arial"/>
+                <a:ea typeface="Arial"/>
+                <a:cs typeface="Arial"/>
+                <a:sym typeface="Arial"/>
+              </a:rPr>
+              <a:t>No off-chaining </a:t>
+            </a:r>
+            <a:r>
+              <a:rPr lang="en-US" sz="1100" b="0" i="0" u="none" strike="noStrike" cap="none" dirty="0">
+                <a:solidFill>
+                  <a:srgbClr val="000000"/>
+                </a:solidFill>
+                <a:effectLst/>
+                <a:latin typeface="Arial"/>
+                <a:ea typeface="Arial"/>
+                <a:cs typeface="Arial"/>
+                <a:sym typeface="Wingdings" panose="05000000000000000000" pitchFamily="2" charset="2"/>
+              </a:rPr>
+              <a:t></a:t>
+            </a:r>
+            <a:r>
+              <a:rPr lang="en-US" sz="1100" b="0" i="0" u="none" strike="noStrike" cap="none" dirty="0">
+                <a:solidFill>
+                  <a:srgbClr val="000000"/>
+                </a:solidFill>
+                <a:effectLst/>
+                <a:latin typeface="Arial"/>
+                <a:ea typeface="Arial"/>
+                <a:cs typeface="Arial"/>
+                <a:sym typeface="Arial"/>
+              </a:rPr>
+              <a:t> no benefit of cost or performance</a:t>
+            </a:r>
+          </a:p>
+          <a:p>
+            <a:pPr lvl="1" rtl="0" fontAlgn="base"/>
+            <a:r>
+              <a:rPr lang="en-US" sz="1100" b="0" i="0" u="none" strike="noStrike" cap="none" dirty="0">
+                <a:solidFill>
+                  <a:srgbClr val="000000"/>
+                </a:solidFill>
+                <a:effectLst/>
+                <a:latin typeface="Arial"/>
+                <a:ea typeface="Arial"/>
+                <a:cs typeface="Arial"/>
+                <a:sym typeface="Arial"/>
+              </a:rPr>
+              <a:t>No stable version released by now</a:t>
+            </a:r>
+          </a:p>
+          <a:p>
+            <a:pPr rtl="0" fontAlgn="base"/>
             <a:r>
               <a:rPr lang="en-US" sz="1100" b="0" i="0" u="none" strike="noStrike" cap="none" dirty="0" err="1">
                 <a:solidFill>
@@ -10621,37 +11894,8 @@
                 <a:cs typeface="Arial"/>
                 <a:sym typeface="Arial"/>
               </a:rPr>
-              <a:t>suitable for our requirements</a:t>
-            </a:r>
-          </a:p>
-          <a:p>
-            <a:pPr rtl="0" fontAlgn="base"/>
-            <a:br>
-              <a:rPr lang="en-US" dirty="0"/>
-            </a:br>
-            <a:r>
-              <a:rPr lang="en-US" sz="1100" b="0" i="0" u="none" strike="noStrike" cap="none" dirty="0" err="1">
-                <a:solidFill>
-                  <a:srgbClr val="000000"/>
-                </a:solidFill>
-                <a:effectLst/>
-                <a:latin typeface="Arial"/>
-                <a:ea typeface="Arial"/>
-                <a:cs typeface="Arial"/>
-                <a:sym typeface="Arial"/>
-              </a:rPr>
-              <a:t>ZoKrates</a:t>
-            </a:r>
-            <a:endParaRPr lang="en-US" sz="1100" b="0" i="0" u="none" strike="noStrike" cap="none" dirty="0">
-              <a:solidFill>
-                <a:srgbClr val="000000"/>
-              </a:solidFill>
-              <a:effectLst/>
-              <a:latin typeface="Arial"/>
-              <a:ea typeface="Arial"/>
-              <a:cs typeface="Arial"/>
-              <a:sym typeface="Arial"/>
-            </a:endParaRPr>
+              <a:t>toolbox using and providing zero-knowledge proof methods</a:t>
+            </a:r>
           </a:p>
           <a:p>
             <a:pPr lvl="1" rtl="0" fontAlgn="base"/>
@@ -10666,11 +11910,8 @@
                 <a:cs typeface="Arial"/>
                 <a:sym typeface="Arial"/>
               </a:rPr>
-              <a:t>toolbox using and providing zero-knowledge proof methods</a:t>
-            </a:r>
-          </a:p>
-          <a:p>
-            <a:pPr lvl="1" rtl="0" fontAlgn="base"/>
+              <a:t>also allows off-chaining of computational steps </a:t>
+            </a:r>
             <a:r>
               <a:rPr lang="en-US" sz="1100" b="0" i="0" u="none" strike="noStrike" cap="none" dirty="0">
                 <a:solidFill>
@@ -10680,9 +11921,9 @@
                 <a:latin typeface="Arial"/>
                 <a:ea typeface="Arial"/>
                 <a:cs typeface="Arial"/>
-                <a:sym typeface="Arial"/>
+                <a:sym typeface="Wingdings" panose="05000000000000000000" pitchFamily="2" charset="2"/>
               </a:rPr>
-              <a:t>also allows off-chaining of computational steps</a:t>
+              <a:t> cost and performance benefit possible</a:t>
             </a:r>
             <a:br>
               <a:rPr lang="en-US" sz="1100" b="0" i="0" u="none" strike="noStrike" cap="none" dirty="0">
@@ -10725,7 +11966,7 @@
 </p:notes>
 </file>
 
-<file path=ppt/notesSlides/notesSlide16.xml><?xml version="1.0" encoding="utf-8"?>
+<file path=ppt/notesSlides/notesSlide19.xml><?xml version="1.0" encoding="utf-8"?>
 <p:notes xmlns:a="http://schemas.openxmlformats.org/drawingml/2006/main" xmlns:r="http://schemas.openxmlformats.org/officeDocument/2006/relationships" xmlns:p="http://schemas.openxmlformats.org/presentationml/2006/main">
   <p:cSld>
     <p:spTree>
@@ -11740,6 +12981,141 @@
                 <a:sym typeface="Wingdings" panose="05000000000000000000" pitchFamily="2" charset="2"/>
               </a:rPr>
               <a:t>meter</a:t>
+            </a:r>
+            <a:endParaRPr lang="de-DE" baseline="0" dirty="0">
+              <a:sym typeface="Wingdings" panose="05000000000000000000" pitchFamily="2" charset="2"/>
+            </a:endParaRPr>
+          </a:p>
+          <a:p>
+            <a:pPr marL="457200" indent="-298450"/>
+            <a:r>
+              <a:rPr lang="de-DE" baseline="0" dirty="0">
+                <a:sym typeface="Wingdings" panose="05000000000000000000" pitchFamily="2" charset="2"/>
+              </a:rPr>
+              <a:t>Send </a:t>
+            </a:r>
+            <a:r>
+              <a:rPr lang="de-DE" baseline="0" dirty="0" err="1">
+                <a:sym typeface="Wingdings" panose="05000000000000000000" pitchFamily="2" charset="2"/>
+              </a:rPr>
+              <a:t>data</a:t>
+            </a:r>
+            <a:r>
+              <a:rPr lang="de-DE" baseline="0" dirty="0">
+                <a:sym typeface="Wingdings" panose="05000000000000000000" pitchFamily="2" charset="2"/>
+              </a:rPr>
+              <a:t> </a:t>
+            </a:r>
+            <a:r>
+              <a:rPr lang="de-DE" baseline="0" dirty="0" err="1">
+                <a:sym typeface="Wingdings" panose="05000000000000000000" pitchFamily="2" charset="2"/>
+              </a:rPr>
+              <a:t>periodically</a:t>
+            </a:r>
+            <a:r>
+              <a:rPr lang="de-DE" baseline="0" dirty="0">
+                <a:sym typeface="Wingdings" panose="05000000000000000000" pitchFamily="2" charset="2"/>
+              </a:rPr>
+              <a:t> (</a:t>
+            </a:r>
+            <a:r>
+              <a:rPr lang="de-DE" baseline="0" dirty="0" err="1">
+                <a:sym typeface="Wingdings" panose="05000000000000000000" pitchFamily="2" charset="2"/>
+              </a:rPr>
+              <a:t>currently</a:t>
+            </a:r>
+            <a:r>
+              <a:rPr lang="de-DE" baseline="0" dirty="0">
+                <a:sym typeface="Wingdings" panose="05000000000000000000" pitchFamily="2" charset="2"/>
+              </a:rPr>
+              <a:t> </a:t>
+            </a:r>
+            <a:r>
+              <a:rPr lang="de-DE" baseline="0" dirty="0" err="1">
+                <a:sym typeface="Wingdings" panose="05000000000000000000" pitchFamily="2" charset="2"/>
+              </a:rPr>
+              <a:t>every</a:t>
+            </a:r>
+            <a:r>
+              <a:rPr lang="de-DE" baseline="0" dirty="0">
+                <a:sym typeface="Wingdings" panose="05000000000000000000" pitchFamily="2" charset="2"/>
+              </a:rPr>
+              <a:t> 30s)</a:t>
+            </a:r>
+          </a:p>
+          <a:p>
+            <a:pPr marL="457200" indent="-298450"/>
+            <a:r>
+              <a:rPr lang="de-DE" baseline="0" dirty="0">
+                <a:sym typeface="Wingdings" panose="05000000000000000000" pitchFamily="2" charset="2"/>
+              </a:rPr>
+              <a:t>Add </a:t>
+            </a:r>
+            <a:r>
+              <a:rPr lang="de-DE" baseline="0" dirty="0" err="1">
+                <a:sym typeface="Wingdings" panose="05000000000000000000" pitchFamily="2" charset="2"/>
+              </a:rPr>
+              <a:t>component</a:t>
+            </a:r>
+            <a:r>
+              <a:rPr lang="de-DE" baseline="0" dirty="0">
+                <a:sym typeface="Wingdings" panose="05000000000000000000" pitchFamily="2" charset="2"/>
+              </a:rPr>
+              <a:t> </a:t>
+            </a:r>
+            <a:r>
+              <a:rPr lang="de-DE" baseline="0" dirty="0" err="1">
+                <a:sym typeface="Wingdings" panose="05000000000000000000" pitchFamily="2" charset="2"/>
+              </a:rPr>
+              <a:t>that</a:t>
+            </a:r>
+            <a:r>
+              <a:rPr lang="de-DE" baseline="0" dirty="0">
+                <a:sym typeface="Wingdings" panose="05000000000000000000" pitchFamily="2" charset="2"/>
+              </a:rPr>
+              <a:t> </a:t>
+            </a:r>
+            <a:r>
+              <a:rPr lang="de-DE" baseline="0" dirty="0" err="1">
+                <a:sym typeface="Wingdings" panose="05000000000000000000" pitchFamily="2" charset="2"/>
+              </a:rPr>
+              <a:t>signs</a:t>
+            </a:r>
+            <a:r>
+              <a:rPr lang="de-DE" baseline="0" dirty="0">
+                <a:sym typeface="Wingdings" panose="05000000000000000000" pitchFamily="2" charset="2"/>
+              </a:rPr>
+              <a:t> </a:t>
+            </a:r>
+            <a:r>
+              <a:rPr lang="de-DE" baseline="0" dirty="0" err="1">
+                <a:sym typeface="Wingdings" panose="05000000000000000000" pitchFamily="2" charset="2"/>
+              </a:rPr>
+              <a:t>the</a:t>
+            </a:r>
+            <a:r>
+              <a:rPr lang="de-DE" baseline="0" dirty="0">
+                <a:sym typeface="Wingdings" panose="05000000000000000000" pitchFamily="2" charset="2"/>
+              </a:rPr>
+              <a:t> </a:t>
+            </a:r>
+            <a:r>
+              <a:rPr lang="de-DE" baseline="0" dirty="0" err="1">
+                <a:sym typeface="Wingdings" panose="05000000000000000000" pitchFamily="2" charset="2"/>
+              </a:rPr>
+              <a:t>sensor</a:t>
+            </a:r>
+            <a:r>
+              <a:rPr lang="de-DE" baseline="0" dirty="0">
+                <a:sym typeface="Wingdings" panose="05000000000000000000" pitchFamily="2" charset="2"/>
+              </a:rPr>
+              <a:t> </a:t>
+            </a:r>
+            <a:r>
+              <a:rPr lang="de-DE" baseline="0" dirty="0" err="1">
+                <a:sym typeface="Wingdings" panose="05000000000000000000" pitchFamily="2" charset="2"/>
+              </a:rPr>
+              <a:t>data</a:t>
             </a:r>
             <a:endParaRPr lang="de-DE" baseline="0" dirty="0">
               <a:sym typeface="Wingdings" panose="05000000000000000000" pitchFamily="2" charset="2"/>
@@ -12390,10 +13766,6 @@
           <a:bodyPr/>
           <a:lstStyle/>
           <a:p>
-            <a:fld id="{24483E84-0737-48BA-B7F0-9EA11BFDC565}" type="datetimeFigureOut">
-              <a:rPr lang="de-DE" smtClean="0"/>
-              <a:t>26.05.2019</a:t>
-            </a:fld>
             <a:endParaRPr lang="de-DE"/>
           </a:p>
         </p:txBody>
@@ -12459,19 +13831,18 @@
   <p:clrMapOvr>
     <a:masterClrMapping/>
   </p:clrMapOvr>
-  <mc:AlternateContent xmlns:mc="http://schemas.openxmlformats.org/markup-compatibility/2006">
-    <mc:Choice xmlns:p159="http://schemas.microsoft.com/office/powerpoint/2015/09/main" Requires="p159">
+  <mc:AlternateContent xmlns:mc="http://schemas.openxmlformats.org/markup-compatibility/2006" xmlns:p159="http://schemas.microsoft.com/office/powerpoint/2015/09/main">
+    <mc:Choice Requires="p159">
       <p:transition xmlns:p14="http://schemas.microsoft.com/office/powerpoint/2010/main" spd="slow" p14:dur="2000">
         <p159:morph option="byObject"/>
       </p:transition>
     </mc:Choice>
-    <mc:Fallback>
+    <mc:Fallback xmlns="">
       <p:transition spd="slow">
         <p:fade/>
       </p:transition>
     </mc:Fallback>
   </mc:AlternateContent>
-  <p:hf sldNum="0" hdr="0" ftr="0" dt="0"/>
 </p:sldLayout>
 </file>
 
@@ -12703,10 +14074,6 @@
           <a:bodyPr/>
           <a:lstStyle/>
           <a:p>
-            <a:fld id="{24483E84-0737-48BA-B7F0-9EA11BFDC565}" type="datetimeFigureOut">
-              <a:rPr lang="de-DE" smtClean="0"/>
-              <a:t>26.05.2019</a:t>
-            </a:fld>
             <a:endParaRPr lang="de-DE"/>
           </a:p>
         </p:txBody>
@@ -12772,19 +14139,18 @@
   <p:clrMapOvr>
     <a:masterClrMapping/>
   </p:clrMapOvr>
-  <mc:AlternateContent xmlns:mc="http://schemas.openxmlformats.org/markup-compatibility/2006">
-    <mc:Choice xmlns:p159="http://schemas.microsoft.com/office/powerpoint/2015/09/main" Requires="p159">
+  <mc:AlternateContent xmlns:mc="http://schemas.openxmlformats.org/markup-compatibility/2006" xmlns:p159="http://schemas.microsoft.com/office/powerpoint/2015/09/main">
+    <mc:Choice Requires="p159">
       <p:transition xmlns:p14="http://schemas.microsoft.com/office/powerpoint/2010/main" spd="slow" p14:dur="2000">
         <p159:morph option="byObject"/>
       </p:transition>
     </mc:Choice>
-    <mc:Fallback>
+    <mc:Fallback xmlns="">
       <p:transition spd="slow">
         <p:fade/>
       </p:transition>
     </mc:Fallback>
   </mc:AlternateContent>
-  <p:hf sldNum="0" hdr="0" ftr="0" dt="0"/>
 </p:sldLayout>
 </file>
 
@@ -12984,10 +14350,6 @@
           <a:bodyPr/>
           <a:lstStyle/>
           <a:p>
-            <a:fld id="{24483E84-0737-48BA-B7F0-9EA11BFDC565}" type="datetimeFigureOut">
-              <a:rPr lang="de-DE" smtClean="0"/>
-              <a:t>26.05.2019</a:t>
-            </a:fld>
             <a:endParaRPr lang="de-DE"/>
           </a:p>
         </p:txBody>
@@ -13053,19 +14415,18 @@
   <p:clrMapOvr>
     <a:masterClrMapping/>
   </p:clrMapOvr>
-  <mc:AlternateContent xmlns:mc="http://schemas.openxmlformats.org/markup-compatibility/2006">
-    <mc:Choice xmlns:p159="http://schemas.microsoft.com/office/powerpoint/2015/09/main" Requires="p159">
+  <mc:AlternateContent xmlns:mc="http://schemas.openxmlformats.org/markup-compatibility/2006" xmlns:p159="http://schemas.microsoft.com/office/powerpoint/2015/09/main">
+    <mc:Choice Requires="p159">
       <p:transition xmlns:p14="http://schemas.microsoft.com/office/powerpoint/2010/main" spd="slow" p14:dur="2000">
         <p159:morph option="byObject"/>
       </p:transition>
     </mc:Choice>
-    <mc:Fallback>
+    <mc:Fallback xmlns="">
       <p:transition spd="slow">
         <p:fade/>
       </p:transition>
     </mc:Fallback>
   </mc:AlternateContent>
-  <p:hf sldNum="0" hdr="0" ftr="0" dt="0"/>
 </p:sldLayout>
 </file>
 
@@ -13475,10 +14836,6 @@
           <a:bodyPr/>
           <a:lstStyle/>
           <a:p>
-            <a:fld id="{24483E84-0737-48BA-B7F0-9EA11BFDC565}" type="datetimeFigureOut">
-              <a:rPr lang="de-DE" smtClean="0"/>
-              <a:t>26.05.2019</a:t>
-            </a:fld>
             <a:endParaRPr lang="de-DE"/>
           </a:p>
         </p:txBody>
@@ -13544,19 +14901,18 @@
   <p:clrMapOvr>
     <a:masterClrMapping/>
   </p:clrMapOvr>
-  <mc:AlternateContent xmlns:mc="http://schemas.openxmlformats.org/markup-compatibility/2006">
-    <mc:Choice xmlns:p159="http://schemas.microsoft.com/office/powerpoint/2015/09/main" Requires="p159">
+  <mc:AlternateContent xmlns:mc="http://schemas.openxmlformats.org/markup-compatibility/2006" xmlns:p159="http://schemas.microsoft.com/office/powerpoint/2015/09/main">
+    <mc:Choice Requires="p159">
       <p:transition xmlns:p14="http://schemas.microsoft.com/office/powerpoint/2010/main" spd="slow" p14:dur="2000">
         <p159:morph option="byObject"/>
       </p:transition>
     </mc:Choice>
-    <mc:Fallback>
+    <mc:Fallback xmlns="">
       <p:transition spd="slow">
         <p:fade/>
       </p:transition>
     </mc:Fallback>
   </mc:AlternateContent>
-  <p:hf sldNum="0" hdr="0" ftr="0" dt="0"/>
 </p:sldLayout>
 </file>
 
@@ -13677,10 +15033,6 @@
           <a:bodyPr/>
           <a:lstStyle/>
           <a:p>
-            <a:fld id="{24483E84-0737-48BA-B7F0-9EA11BFDC565}" type="datetimeFigureOut">
-              <a:rPr lang="de-DE" smtClean="0"/>
-              <a:t>26.05.2019</a:t>
-            </a:fld>
             <a:endParaRPr lang="de-DE"/>
           </a:p>
         </p:txBody>
@@ -13746,19 +15098,18 @@
   <p:clrMapOvr>
     <a:masterClrMapping/>
   </p:clrMapOvr>
-  <mc:AlternateContent xmlns:mc="http://schemas.openxmlformats.org/markup-compatibility/2006">
-    <mc:Choice xmlns:p159="http://schemas.microsoft.com/office/powerpoint/2015/09/main" Requires="p159">
+  <mc:AlternateContent xmlns:mc="http://schemas.openxmlformats.org/markup-compatibility/2006" xmlns:p159="http://schemas.microsoft.com/office/powerpoint/2015/09/main">
+    <mc:Choice Requires="p159">
       <p:transition xmlns:p14="http://schemas.microsoft.com/office/powerpoint/2010/main" spd="slow" p14:dur="2000">
         <p159:morph option="byObject"/>
       </p:transition>
     </mc:Choice>
-    <mc:Fallback>
+    <mc:Fallback xmlns="">
       <p:transition spd="slow">
         <p:fade/>
       </p:transition>
     </mc:Fallback>
   </mc:AlternateContent>
-  <p:hf sldNum="0" hdr="0" ftr="0" dt="0"/>
 </p:sldLayout>
 </file>
 
@@ -14275,10 +15626,6 @@
           <a:bodyPr/>
           <a:lstStyle/>
           <a:p>
-            <a:fld id="{24483E84-0737-48BA-B7F0-9EA11BFDC565}" type="datetimeFigureOut">
-              <a:rPr lang="de-DE" smtClean="0"/>
-              <a:t>26.05.2019</a:t>
-            </a:fld>
             <a:endParaRPr lang="de-DE"/>
           </a:p>
         </p:txBody>
@@ -14344,19 +15691,18 @@
   <p:clrMapOvr>
     <a:masterClrMapping/>
   </p:clrMapOvr>
-  <mc:AlternateContent xmlns:mc="http://schemas.openxmlformats.org/markup-compatibility/2006">
-    <mc:Choice xmlns:p159="http://schemas.microsoft.com/office/powerpoint/2015/09/main" Requires="p159">
+  <mc:AlternateContent xmlns:mc="http://schemas.openxmlformats.org/markup-compatibility/2006" xmlns:p159="http://schemas.microsoft.com/office/powerpoint/2015/09/main">
+    <mc:Choice Requires="p159">
       <p:transition xmlns:p14="http://schemas.microsoft.com/office/powerpoint/2010/main" spd="slow" p14:dur="2000">
         <p159:morph option="byObject"/>
       </p:transition>
     </mc:Choice>
-    <mc:Fallback>
+    <mc:Fallback xmlns="">
       <p:transition spd="slow">
         <p:fade/>
       </p:transition>
     </mc:Fallback>
   </mc:AlternateContent>
-  <p:hf sldNum="0" hdr="0" ftr="0" dt="0"/>
 </p:sldLayout>
 </file>
 
@@ -14629,10 +15975,6 @@
           <a:bodyPr/>
           <a:lstStyle/>
           <a:p>
-            <a:fld id="{24483E84-0737-48BA-B7F0-9EA11BFDC565}" type="datetimeFigureOut">
-              <a:rPr lang="de-DE" smtClean="0"/>
-              <a:t>26.05.2019</a:t>
-            </a:fld>
             <a:endParaRPr lang="de-DE"/>
           </a:p>
         </p:txBody>
@@ -14698,19 +16040,18 @@
   <p:clrMapOvr>
     <a:masterClrMapping/>
   </p:clrMapOvr>
-  <mc:AlternateContent xmlns:mc="http://schemas.openxmlformats.org/markup-compatibility/2006">
-    <mc:Choice xmlns:p159="http://schemas.microsoft.com/office/powerpoint/2015/09/main" Requires="p159">
+  <mc:AlternateContent xmlns:mc="http://schemas.openxmlformats.org/markup-compatibility/2006" xmlns:p159="http://schemas.microsoft.com/office/powerpoint/2015/09/main">
+    <mc:Choice Requires="p159">
       <p:transition xmlns:p14="http://schemas.microsoft.com/office/powerpoint/2010/main" spd="slow" p14:dur="2000">
         <p159:morph option="byObject"/>
       </p:transition>
     </mc:Choice>
-    <mc:Fallback>
+    <mc:Fallback xmlns="">
       <p:transition spd="slow">
         <p:fade/>
       </p:transition>
     </mc:Fallback>
   </mc:AlternateContent>
-  <p:hf sldNum="0" hdr="0" ftr="0" dt="0"/>
 </p:sldLayout>
 </file>
 
@@ -14826,10 +16167,6 @@
           <a:bodyPr/>
           <a:lstStyle/>
           <a:p>
-            <a:fld id="{24483E84-0737-48BA-B7F0-9EA11BFDC565}" type="datetimeFigureOut">
-              <a:rPr lang="de-DE" smtClean="0"/>
-              <a:t>26.05.2019</a:t>
-            </a:fld>
             <a:endParaRPr lang="de-DE"/>
           </a:p>
         </p:txBody>
@@ -14895,19 +16232,18 @@
   <p:clrMapOvr>
     <a:masterClrMapping/>
   </p:clrMapOvr>
-  <mc:AlternateContent xmlns:mc="http://schemas.openxmlformats.org/markup-compatibility/2006">
-    <mc:Choice xmlns:p159="http://schemas.microsoft.com/office/powerpoint/2015/09/main" Requires="p159">
+  <mc:AlternateContent xmlns:mc="http://schemas.openxmlformats.org/markup-compatibility/2006" xmlns:p159="http://schemas.microsoft.com/office/powerpoint/2015/09/main">
+    <mc:Choice Requires="p159">
       <p:transition xmlns:p14="http://schemas.microsoft.com/office/powerpoint/2010/main" spd="slow" p14:dur="2000">
         <p159:morph option="byObject"/>
       </p:transition>
     </mc:Choice>
-    <mc:Fallback>
+    <mc:Fallback xmlns="">
       <p:transition spd="slow">
         <p:fade/>
       </p:transition>
     </mc:Fallback>
   </mc:AlternateContent>
-  <p:hf sldNum="0" hdr="0" ftr="0" dt="0"/>
 </p:sldLayout>
 </file>
 
@@ -15028,10 +16364,6 @@
           <a:bodyPr/>
           <a:lstStyle/>
           <a:p>
-            <a:fld id="{24483E84-0737-48BA-B7F0-9EA11BFDC565}" type="datetimeFigureOut">
-              <a:rPr lang="de-DE" smtClean="0"/>
-              <a:t>26.05.2019</a:t>
-            </a:fld>
             <a:endParaRPr lang="de-DE"/>
           </a:p>
         </p:txBody>
@@ -15097,19 +16429,18 @@
   <p:clrMapOvr>
     <a:masterClrMapping/>
   </p:clrMapOvr>
-  <mc:AlternateContent xmlns:mc="http://schemas.openxmlformats.org/markup-compatibility/2006">
-    <mc:Choice xmlns:p159="http://schemas.microsoft.com/office/powerpoint/2015/09/main" Requires="p159">
+  <mc:AlternateContent xmlns:mc="http://schemas.openxmlformats.org/markup-compatibility/2006" xmlns:p159="http://schemas.microsoft.com/office/powerpoint/2015/09/main">
+    <mc:Choice Requires="p159">
       <p:transition xmlns:p14="http://schemas.microsoft.com/office/powerpoint/2010/main" spd="slow" p14:dur="2000">
         <p159:morph option="byObject"/>
       </p:transition>
     </mc:Choice>
-    <mc:Fallback>
+    <mc:Fallback xmlns="">
       <p:transition spd="slow">
         <p:fade/>
       </p:transition>
     </mc:Fallback>
   </mc:AlternateContent>
-  <p:hf sldNum="0" hdr="0" ftr="0" dt="0"/>
 </p:sldLayout>
 </file>
 
@@ -15473,13 +16804,13 @@
   <p:clrMapOvr>
     <a:masterClrMapping/>
   </p:clrMapOvr>
-  <mc:AlternateContent xmlns:mc="http://schemas.openxmlformats.org/markup-compatibility/2006">
-    <mc:Choice xmlns:p159="http://schemas.microsoft.com/office/powerpoint/2015/09/main" Requires="p159">
+  <mc:AlternateContent xmlns:mc="http://schemas.openxmlformats.org/markup-compatibility/2006" xmlns:p159="http://schemas.microsoft.com/office/powerpoint/2015/09/main">
+    <mc:Choice Requires="p159">
       <p:transition xmlns:p14="http://schemas.microsoft.com/office/powerpoint/2010/main" spd="slow" p14:dur="2000">
         <p159:morph option="byObject"/>
       </p:transition>
     </mc:Choice>
-    <mc:Fallback>
+    <mc:Fallback xmlns="">
       <p:transition spd="slow">
         <p:fade/>
       </p:transition>
@@ -15595,10 +16926,6 @@
           <a:bodyPr/>
           <a:lstStyle/>
           <a:p>
-            <a:fld id="{24483E84-0737-48BA-B7F0-9EA11BFDC565}" type="datetimeFigureOut">
-              <a:rPr lang="de-DE" smtClean="0"/>
-              <a:t>26.05.2019</a:t>
-            </a:fld>
             <a:endParaRPr lang="de-DE"/>
           </a:p>
         </p:txBody>
@@ -15664,19 +16991,18 @@
   <p:clrMapOvr>
     <a:masterClrMapping/>
   </p:clrMapOvr>
-  <mc:AlternateContent xmlns:mc="http://schemas.openxmlformats.org/markup-compatibility/2006">
-    <mc:Choice xmlns:p159="http://schemas.microsoft.com/office/powerpoint/2015/09/main" Requires="p159">
+  <mc:AlternateContent xmlns:mc="http://schemas.openxmlformats.org/markup-compatibility/2006" xmlns:p159="http://schemas.microsoft.com/office/powerpoint/2015/09/main">
+    <mc:Choice Requires="p159">
       <p:transition xmlns:p14="http://schemas.microsoft.com/office/powerpoint/2010/main" spd="slow" p14:dur="2000">
         <p159:morph option="byObject"/>
       </p:transition>
     </mc:Choice>
-    <mc:Fallback>
+    <mc:Fallback xmlns="">
       <p:transition spd="slow">
         <p:fade/>
       </p:transition>
     </mc:Fallback>
   </mc:AlternateContent>
-  <p:hf sldNum="0" hdr="0" ftr="0" dt="0"/>
 </p:sldLayout>
 </file>
 
@@ -15874,10 +17200,6 @@
           <a:bodyPr/>
           <a:lstStyle/>
           <a:p>
-            <a:fld id="{24483E84-0737-48BA-B7F0-9EA11BFDC565}" type="datetimeFigureOut">
-              <a:rPr lang="de-DE" smtClean="0"/>
-              <a:t>26.05.2019</a:t>
-            </a:fld>
             <a:endParaRPr lang="de-DE"/>
           </a:p>
         </p:txBody>
@@ -15943,19 +17265,18 @@
   <p:clrMapOvr>
     <a:masterClrMapping/>
   </p:clrMapOvr>
-  <mc:AlternateContent xmlns:mc="http://schemas.openxmlformats.org/markup-compatibility/2006">
-    <mc:Choice xmlns:p159="http://schemas.microsoft.com/office/powerpoint/2015/09/main" Requires="p159">
+  <mc:AlternateContent xmlns:mc="http://schemas.openxmlformats.org/markup-compatibility/2006" xmlns:p159="http://schemas.microsoft.com/office/powerpoint/2015/09/main">
+    <mc:Choice Requires="p159">
       <p:transition xmlns:p14="http://schemas.microsoft.com/office/powerpoint/2010/main" spd="slow" p14:dur="2000">
         <p159:morph option="byObject"/>
       </p:transition>
     </mc:Choice>
-    <mc:Fallback>
+    <mc:Fallback xmlns="">
       <p:transition spd="slow">
         <p:fade/>
       </p:transition>
     </mc:Fallback>
   </mc:AlternateContent>
-  <p:hf sldNum="0" hdr="0" ftr="0" dt="0"/>
 </p:sldLayout>
 </file>
 
@@ -16188,10 +17509,6 @@
           <a:bodyPr/>
           <a:lstStyle/>
           <a:p>
-            <a:fld id="{24483E84-0737-48BA-B7F0-9EA11BFDC565}" type="datetimeFigureOut">
-              <a:rPr lang="de-DE" smtClean="0"/>
-              <a:t>26.05.2019</a:t>
-            </a:fld>
             <a:endParaRPr lang="de-DE"/>
           </a:p>
         </p:txBody>
@@ -16257,19 +17574,18 @@
   <p:clrMapOvr>
     <a:masterClrMapping/>
   </p:clrMapOvr>
-  <mc:AlternateContent xmlns:mc="http://schemas.openxmlformats.org/markup-compatibility/2006">
-    <mc:Choice xmlns:p159="http://schemas.microsoft.com/office/powerpoint/2015/09/main" Requires="p159">
+  <mc:AlternateContent xmlns:mc="http://schemas.openxmlformats.org/markup-compatibility/2006" xmlns:p159="http://schemas.microsoft.com/office/powerpoint/2015/09/main">
+    <mc:Choice Requires="p159">
       <p:transition xmlns:p14="http://schemas.microsoft.com/office/powerpoint/2010/main" spd="slow" p14:dur="2000">
         <p159:morph option="byObject"/>
       </p:transition>
     </mc:Choice>
-    <mc:Fallback>
+    <mc:Fallback xmlns="">
       <p:transition spd="slow">
         <p:fade/>
       </p:transition>
     </mc:Fallback>
   </mc:AlternateContent>
-  <p:hf sldNum="0" hdr="0" ftr="0" dt="0"/>
 </p:sldLayout>
 </file>
 
@@ -16640,10 +17956,6 @@
           <a:bodyPr/>
           <a:lstStyle/>
           <a:p>
-            <a:fld id="{24483E84-0737-48BA-B7F0-9EA11BFDC565}" type="datetimeFigureOut">
-              <a:rPr lang="de-DE" smtClean="0"/>
-              <a:t>26.05.2019</a:t>
-            </a:fld>
             <a:endParaRPr lang="de-DE"/>
           </a:p>
         </p:txBody>
@@ -16709,19 +18021,18 @@
   <p:clrMapOvr>
     <a:masterClrMapping/>
   </p:clrMapOvr>
-  <mc:AlternateContent xmlns:mc="http://schemas.openxmlformats.org/markup-compatibility/2006">
-    <mc:Choice xmlns:p159="http://schemas.microsoft.com/office/powerpoint/2015/09/main" Requires="p159">
+  <mc:AlternateContent xmlns:mc="http://schemas.openxmlformats.org/markup-compatibility/2006" xmlns:p159="http://schemas.microsoft.com/office/powerpoint/2015/09/main">
+    <mc:Choice Requires="p159">
       <p:transition xmlns:p14="http://schemas.microsoft.com/office/powerpoint/2010/main" spd="slow" p14:dur="2000">
         <p159:morph option="byObject"/>
       </p:transition>
     </mc:Choice>
-    <mc:Fallback>
+    <mc:Fallback xmlns="">
       <p:transition spd="slow">
         <p:fade/>
       </p:transition>
     </mc:Fallback>
   </mc:AlternateContent>
-  <p:hf sldNum="0" hdr="0" ftr="0" dt="0"/>
 </p:sldLayout>
 </file>
 
@@ -16780,10 +18091,6 @@
           <a:bodyPr/>
           <a:lstStyle/>
           <a:p>
-            <a:fld id="{24483E84-0737-48BA-B7F0-9EA11BFDC565}" type="datetimeFigureOut">
-              <a:rPr lang="de-DE" smtClean="0"/>
-              <a:t>26.05.2019</a:t>
-            </a:fld>
             <a:endParaRPr lang="de-DE"/>
           </a:p>
         </p:txBody>
@@ -16849,19 +18156,18 @@
   <p:clrMapOvr>
     <a:masterClrMapping/>
   </p:clrMapOvr>
-  <mc:AlternateContent xmlns:mc="http://schemas.openxmlformats.org/markup-compatibility/2006">
-    <mc:Choice xmlns:p159="http://schemas.microsoft.com/office/powerpoint/2015/09/main" Requires="p159">
+  <mc:AlternateContent xmlns:mc="http://schemas.openxmlformats.org/markup-compatibility/2006" xmlns:p159="http://schemas.microsoft.com/office/powerpoint/2015/09/main">
+    <mc:Choice Requires="p159">
       <p:transition xmlns:p14="http://schemas.microsoft.com/office/powerpoint/2010/main" spd="slow" p14:dur="2000">
         <p159:morph option="byObject"/>
       </p:transition>
     </mc:Choice>
-    <mc:Fallback>
+    <mc:Fallback xmlns="">
       <p:transition spd="slow">
         <p:fade/>
       </p:transition>
     </mc:Fallback>
   </mc:AlternateContent>
-  <p:hf sldNum="0" hdr="0" ftr="0" dt="0"/>
 </p:sldLayout>
 </file>
 
@@ -16897,10 +18203,6 @@
           <a:bodyPr/>
           <a:lstStyle/>
           <a:p>
-            <a:fld id="{24483E84-0737-48BA-B7F0-9EA11BFDC565}" type="datetimeFigureOut">
-              <a:rPr lang="de-DE" smtClean="0"/>
-              <a:t>26.05.2019</a:t>
-            </a:fld>
             <a:endParaRPr lang="de-DE"/>
           </a:p>
         </p:txBody>
@@ -16966,19 +18268,18 @@
   <p:clrMapOvr>
     <a:masterClrMapping/>
   </p:clrMapOvr>
-  <mc:AlternateContent xmlns:mc="http://schemas.openxmlformats.org/markup-compatibility/2006">
-    <mc:Choice xmlns:p159="http://schemas.microsoft.com/office/powerpoint/2015/09/main" Requires="p159">
+  <mc:AlternateContent xmlns:mc="http://schemas.openxmlformats.org/markup-compatibility/2006" xmlns:p159="http://schemas.microsoft.com/office/powerpoint/2015/09/main">
+    <mc:Choice Requires="p159">
       <p:transition xmlns:p14="http://schemas.microsoft.com/office/powerpoint/2010/main" spd="slow" p14:dur="2000">
         <p159:morph option="byObject"/>
       </p:transition>
     </mc:Choice>
-    <mc:Fallback>
+    <mc:Fallback xmlns="">
       <p:transition spd="slow">
         <p:fade/>
       </p:transition>
     </mc:Fallback>
   </mc:AlternateContent>
-  <p:hf sldNum="0" hdr="0" ftr="0" dt="0"/>
 </p:sldLayout>
 </file>
 
@@ -17202,10 +18503,6 @@
           <a:bodyPr/>
           <a:lstStyle/>
           <a:p>
-            <a:fld id="{24483E84-0737-48BA-B7F0-9EA11BFDC565}" type="datetimeFigureOut">
-              <a:rPr lang="de-DE" smtClean="0"/>
-              <a:t>26.05.2019</a:t>
-            </a:fld>
             <a:endParaRPr lang="de-DE"/>
           </a:p>
         </p:txBody>
@@ -17271,19 +18568,18 @@
   <p:clrMapOvr>
     <a:masterClrMapping/>
   </p:clrMapOvr>
-  <mc:AlternateContent xmlns:mc="http://schemas.openxmlformats.org/markup-compatibility/2006">
-    <mc:Choice xmlns:p159="http://schemas.microsoft.com/office/powerpoint/2015/09/main" Requires="p159">
+  <mc:AlternateContent xmlns:mc="http://schemas.openxmlformats.org/markup-compatibility/2006" xmlns:p159="http://schemas.microsoft.com/office/powerpoint/2015/09/main">
+    <mc:Choice Requires="p159">
       <p:transition xmlns:p14="http://schemas.microsoft.com/office/powerpoint/2010/main" spd="slow" p14:dur="2000">
         <p159:morph option="byObject"/>
       </p:transition>
     </mc:Choice>
-    <mc:Fallback>
+    <mc:Fallback xmlns="">
       <p:transition spd="slow">
         <p:fade/>
       </p:transition>
     </mc:Fallback>
   </mc:AlternateContent>
-  <p:hf sldNum="0" hdr="0" ftr="0" dt="0"/>
 </p:sldLayout>
 </file>
 
@@ -17515,10 +18811,6 @@
           <a:bodyPr/>
           <a:lstStyle/>
           <a:p>
-            <a:fld id="{24483E84-0737-48BA-B7F0-9EA11BFDC565}" type="datetimeFigureOut">
-              <a:rPr lang="de-DE" smtClean="0"/>
-              <a:t>26.05.2019</a:t>
-            </a:fld>
             <a:endParaRPr lang="de-DE"/>
           </a:p>
         </p:txBody>
@@ -17594,19 +18886,18 @@
   <p:clrMapOvr>
     <a:masterClrMapping/>
   </p:clrMapOvr>
-  <mc:AlternateContent xmlns:mc="http://schemas.openxmlformats.org/markup-compatibility/2006">
-    <mc:Choice xmlns:p159="http://schemas.microsoft.com/office/powerpoint/2015/09/main" Requires="p159">
+  <mc:AlternateContent xmlns:mc="http://schemas.openxmlformats.org/markup-compatibility/2006" xmlns:p159="http://schemas.microsoft.com/office/powerpoint/2015/09/main">
+    <mc:Choice Requires="p159">
       <p:transition xmlns:p14="http://schemas.microsoft.com/office/powerpoint/2010/main" spd="slow" p14:dur="2000">
         <p159:morph option="byObject"/>
       </p:transition>
     </mc:Choice>
-    <mc:Fallback>
+    <mc:Fallback xmlns="">
       <p:transition spd="slow">
         <p:fade/>
       </p:transition>
     </mc:Fallback>
   </mc:AlternateContent>
-  <p:hf sldNum="0" hdr="0" ftr="0" dt="0"/>
 </p:sldLayout>
 </file>
 
@@ -17768,10 +19059,6 @@
             </a:lvl1pPr>
           </a:lstStyle>
           <a:p>
-            <a:fld id="{24483E84-0737-48BA-B7F0-9EA11BFDC565}" type="datetimeFigureOut">
-              <a:rPr lang="de-DE" smtClean="0"/>
-              <a:t>26.05.2019</a:t>
-            </a:fld>
             <a:endParaRPr lang="de-DE"/>
           </a:p>
         </p:txBody>
@@ -17907,19 +19194,19 @@
     <p:sldLayoutId id="2147483927" r:id="rId17"/>
     <p:sldLayoutId id="2147483928" r:id="rId18"/>
   </p:sldLayoutIdLst>
-  <mc:AlternateContent xmlns:mc="http://schemas.openxmlformats.org/markup-compatibility/2006">
-    <mc:Choice xmlns:p159="http://schemas.microsoft.com/office/powerpoint/2015/09/main" Requires="p159">
+  <mc:AlternateContent xmlns:mc="http://schemas.openxmlformats.org/markup-compatibility/2006" xmlns:p159="http://schemas.microsoft.com/office/powerpoint/2015/09/main">
+    <mc:Choice Requires="p159">
       <p:transition xmlns:p14="http://schemas.microsoft.com/office/powerpoint/2010/main" spd="slow" p14:dur="2000">
         <p159:morph option="byObject"/>
       </p:transition>
     </mc:Choice>
-    <mc:Fallback>
+    <mc:Fallback xmlns="">
       <p:transition spd="slow">
         <p:fade/>
       </p:transition>
     </mc:Fallback>
   </mc:AlternateContent>
-  <p:hf sldNum="0" hdr="0" ftr="0" dt="0"/>
+  <p:hf hdr="0" ftr="0" dt="0"/>
   <p:txStyles>
     <p:titleStyle>
       <a:lvl1pPr algn="l" defTabSz="342900" rtl="0" eaLnBrk="1" latinLnBrk="0" hangingPunct="1">
@@ -18702,13 +19989,13 @@
   <p:clrMapOvr>
     <a:masterClrMapping/>
   </p:clrMapOvr>
-  <mc:AlternateContent xmlns:mc="http://schemas.openxmlformats.org/markup-compatibility/2006">
-    <mc:Choice xmlns:p14="http://schemas.microsoft.com/office/powerpoint/2010/main" Requires="p14">
+  <mc:AlternateContent xmlns:mc="http://schemas.openxmlformats.org/markup-compatibility/2006" xmlns:p14="http://schemas.microsoft.com/office/powerpoint/2010/main">
+    <mc:Choice Requires="p14">
       <p:transition spd="med" p14:dur="700">
         <p:fade/>
       </p:transition>
     </mc:Choice>
-    <mc:Fallback>
+    <mc:Fallback xmlns="">
       <p:transition spd="med">
         <p:fade/>
       </p:transition>
@@ -18911,6 +20198,44 @@
           </a:p>
         </p:txBody>
       </p:sp>
+      <p:sp>
+        <p:nvSpPr>
+          <p:cNvPr id="3" name="Foliennummernplatzhalter 2">
+            <a:extLst>
+              <a:ext uri="{FF2B5EF4-FFF2-40B4-BE49-F238E27FC236}">
+                <a16:creationId xmlns:a16="http://schemas.microsoft.com/office/drawing/2014/main" id="{ED54539F-0F30-45CD-9491-103C31E63055}"/>
+              </a:ext>
+            </a:extLst>
+          </p:cNvPr>
+          <p:cNvSpPr>
+            <a:spLocks noGrp="1"/>
+          </p:cNvSpPr>
+          <p:nvPr>
+            <p:ph type="sldNum" idx="12"/>
+          </p:nvPr>
+        </p:nvSpPr>
+        <p:spPr/>
+        <p:txBody>
+          <a:bodyPr/>
+          <a:lstStyle/>
+          <a:p>
+            <a:pPr marL="0" lvl="0" indent="0" algn="r" rtl="0">
+              <a:spcBef>
+                <a:spcPts val="0"/>
+              </a:spcBef>
+              <a:spcAft>
+                <a:spcPts val="0"/>
+              </a:spcAft>
+              <a:buNone/>
+            </a:pPr>
+            <a:fld id="{00000000-1234-1234-1234-123412341234}" type="slidenum">
+              <a:rPr lang="de-DE" smtClean="0"/>
+              <a:t>10</a:t>
+            </a:fld>
+            <a:endParaRPr lang="de-DE"/>
+          </a:p>
+        </p:txBody>
+      </p:sp>
     </p:spTree>
     <p:extLst>
       <p:ext uri="{BB962C8B-B14F-4D97-AF65-F5344CB8AC3E}">
@@ -18921,13 +20246,13 @@
   <p:clrMapOvr>
     <a:masterClrMapping/>
   </p:clrMapOvr>
-  <mc:AlternateContent xmlns:mc="http://schemas.openxmlformats.org/markup-compatibility/2006">
-    <mc:Choice xmlns:p14="http://schemas.microsoft.com/office/powerpoint/2010/main" Requires="p14">
+  <mc:AlternateContent xmlns:mc="http://schemas.openxmlformats.org/markup-compatibility/2006" xmlns:p14="http://schemas.microsoft.com/office/powerpoint/2010/main">
+    <mc:Choice Requires="p14">
       <p:transition spd="med" p14:dur="700">
         <p:fade/>
       </p:transition>
     </mc:Choice>
-    <mc:Fallback>
+    <mc:Fallback xmlns="">
       <p:transition spd="med">
         <p:fade/>
       </p:transition>
@@ -18984,147 +20309,6 @@
       </p:sp>
       <p:sp>
         <p:nvSpPr>
-          <p:cNvPr id="4" name="Rechteck 3">
-            <a:extLst>
-              <a:ext uri="{FF2B5EF4-FFF2-40B4-BE49-F238E27FC236}">
-                <a16:creationId xmlns:a16="http://schemas.microsoft.com/office/drawing/2014/main" id="{89450564-288E-4B63-8E78-3C453CEF88EB}"/>
-              </a:ext>
-            </a:extLst>
-          </p:cNvPr>
-          <p:cNvSpPr/>
-          <p:nvPr/>
-        </p:nvSpPr>
-        <p:spPr>
-          <a:xfrm>
-            <a:off x="288840" y="1886137"/>
-            <a:ext cx="1064172" cy="471430"/>
-          </a:xfrm>
-          <a:prstGeom prst="rect">
-            <a:avLst/>
-          </a:prstGeom>
-        </p:spPr>
-        <p:style>
-          <a:lnRef idx="2">
-            <a:schemeClr val="accent2"/>
-          </a:lnRef>
-          <a:fillRef idx="1">
-            <a:schemeClr val="lt1"/>
-          </a:fillRef>
-          <a:effectRef idx="0">
-            <a:schemeClr val="accent2"/>
-          </a:effectRef>
-          <a:fontRef idx="minor">
-            <a:schemeClr val="dk1"/>
-          </a:fontRef>
-        </p:style>
-        <p:txBody>
-          <a:bodyPr rtlCol="0" anchor="ctr"/>
-          <a:lstStyle/>
-          <a:p>
-            <a:pPr algn="ctr"/>
-            <a:r>
-              <a:rPr lang="de-DE" dirty="0"/>
-              <a:t>Sensor</a:t>
-            </a:r>
-          </a:p>
-        </p:txBody>
-      </p:sp>
-      <p:sp>
-        <p:nvSpPr>
-          <p:cNvPr id="6" name="Rechteck 5">
-            <a:extLst>
-              <a:ext uri="{FF2B5EF4-FFF2-40B4-BE49-F238E27FC236}">
-                <a16:creationId xmlns:a16="http://schemas.microsoft.com/office/drawing/2014/main" id="{E09A018A-B06D-43EE-8ECF-599CD961376E}"/>
-              </a:ext>
-            </a:extLst>
-          </p:cNvPr>
-          <p:cNvSpPr/>
-          <p:nvPr/>
-        </p:nvSpPr>
-        <p:spPr>
-          <a:xfrm>
-            <a:off x="288840" y="2618092"/>
-            <a:ext cx="1064172" cy="471430"/>
-          </a:xfrm>
-          <a:prstGeom prst="rect">
-            <a:avLst/>
-          </a:prstGeom>
-        </p:spPr>
-        <p:style>
-          <a:lnRef idx="2">
-            <a:schemeClr val="accent2"/>
-          </a:lnRef>
-          <a:fillRef idx="1">
-            <a:schemeClr val="lt1"/>
-          </a:fillRef>
-          <a:effectRef idx="0">
-            <a:schemeClr val="accent2"/>
-          </a:effectRef>
-          <a:fontRef idx="minor">
-            <a:schemeClr val="dk1"/>
-          </a:fontRef>
-        </p:style>
-        <p:txBody>
-          <a:bodyPr rtlCol="0" anchor="ctr"/>
-          <a:lstStyle/>
-          <a:p>
-            <a:pPr algn="ctr"/>
-            <a:r>
-              <a:rPr lang="de-DE" dirty="0"/>
-              <a:t>Sensor</a:t>
-            </a:r>
-          </a:p>
-        </p:txBody>
-      </p:sp>
-      <p:sp>
-        <p:nvSpPr>
-          <p:cNvPr id="7" name="Rechteck 6">
-            <a:extLst>
-              <a:ext uri="{FF2B5EF4-FFF2-40B4-BE49-F238E27FC236}">
-                <a16:creationId xmlns:a16="http://schemas.microsoft.com/office/drawing/2014/main" id="{CDD52037-7C6D-41A2-9935-2091031E3C85}"/>
-              </a:ext>
-            </a:extLst>
-          </p:cNvPr>
-          <p:cNvSpPr/>
-          <p:nvPr/>
-        </p:nvSpPr>
-        <p:spPr>
-          <a:xfrm>
-            <a:off x="288840" y="3396036"/>
-            <a:ext cx="1064172" cy="471430"/>
-          </a:xfrm>
-          <a:prstGeom prst="rect">
-            <a:avLst/>
-          </a:prstGeom>
-        </p:spPr>
-        <p:style>
-          <a:lnRef idx="2">
-            <a:schemeClr val="accent2"/>
-          </a:lnRef>
-          <a:fillRef idx="1">
-            <a:schemeClr val="lt1"/>
-          </a:fillRef>
-          <a:effectRef idx="0">
-            <a:schemeClr val="accent2"/>
-          </a:effectRef>
-          <a:fontRef idx="minor">
-            <a:schemeClr val="dk1"/>
-          </a:fontRef>
-        </p:style>
-        <p:txBody>
-          <a:bodyPr rtlCol="0" anchor="ctr"/>
-          <a:lstStyle/>
-          <a:p>
-            <a:pPr algn="ctr"/>
-            <a:r>
-              <a:rPr lang="de-DE" dirty="0"/>
-              <a:t>Sensor</a:t>
-            </a:r>
-          </a:p>
-        </p:txBody>
-      </p:sp>
-      <p:sp>
-        <p:nvSpPr>
           <p:cNvPr id="8" name="Sechseck 7">
             <a:extLst>
               <a:ext uri="{FF2B5EF4-FFF2-40B4-BE49-F238E27FC236}">
@@ -19264,100 +20448,6 @@
           </a:p>
         </p:txBody>
       </p:sp>
-      <p:cxnSp>
-        <p:nvCxnSpPr>
-          <p:cNvPr id="46" name="Verbinder: gewinkelt 45">
-            <a:extLst>
-              <a:ext uri="{FF2B5EF4-FFF2-40B4-BE49-F238E27FC236}">
-                <a16:creationId xmlns:a16="http://schemas.microsoft.com/office/drawing/2014/main" id="{B4E9234D-8E04-43DA-8417-A16C839D5462}"/>
-              </a:ext>
-            </a:extLst>
-          </p:cNvPr>
-          <p:cNvCxnSpPr>
-            <a:cxnSpLocks/>
-            <a:stCxn id="6" idx="3"/>
-            <a:endCxn id="8" idx="3"/>
-          </p:cNvCxnSpPr>
-          <p:nvPr/>
-        </p:nvCxnSpPr>
-        <p:spPr>
-          <a:xfrm flipV="1">
-            <a:off x="1353012" y="2121852"/>
-            <a:ext cx="1012327" cy="731955"/>
-          </a:xfrm>
-          <a:prstGeom prst="bentConnector3">
-            <a:avLst/>
-          </a:prstGeom>
-          <a:ln>
-            <a:solidFill>
-              <a:schemeClr val="tx2"/>
-            </a:solidFill>
-            <a:tailEnd type="triangle"/>
-          </a:ln>
-        </p:spPr>
-        <p:style>
-          <a:lnRef idx="1">
-            <a:schemeClr val="accent1"/>
-          </a:lnRef>
-          <a:fillRef idx="0">
-            <a:schemeClr val="accent1"/>
-          </a:fillRef>
-          <a:effectRef idx="0">
-            <a:schemeClr val="accent1"/>
-          </a:effectRef>
-          <a:fontRef idx="minor">
-            <a:schemeClr val="tx1"/>
-          </a:fontRef>
-        </p:style>
-      </p:cxnSp>
-      <p:cxnSp>
-        <p:nvCxnSpPr>
-          <p:cNvPr id="49" name="Verbinder: gewinkelt 48">
-            <a:extLst>
-              <a:ext uri="{FF2B5EF4-FFF2-40B4-BE49-F238E27FC236}">
-                <a16:creationId xmlns:a16="http://schemas.microsoft.com/office/drawing/2014/main" id="{B1F5FB11-E0E6-4E61-853E-390CC2859A89}"/>
-              </a:ext>
-            </a:extLst>
-          </p:cNvPr>
-          <p:cNvCxnSpPr>
-            <a:cxnSpLocks/>
-            <a:stCxn id="7" idx="3"/>
-            <a:endCxn id="8" idx="3"/>
-          </p:cNvCxnSpPr>
-          <p:nvPr/>
-        </p:nvCxnSpPr>
-        <p:spPr>
-          <a:xfrm flipV="1">
-            <a:off x="1353012" y="2121852"/>
-            <a:ext cx="1012327" cy="1509899"/>
-          </a:xfrm>
-          <a:prstGeom prst="bentConnector3">
-            <a:avLst>
-              <a:gd name="adj1" fmla="val 50000"/>
-            </a:avLst>
-          </a:prstGeom>
-          <a:ln>
-            <a:solidFill>
-              <a:schemeClr val="tx2"/>
-            </a:solidFill>
-            <a:tailEnd type="triangle"/>
-          </a:ln>
-        </p:spPr>
-        <p:style>
-          <a:lnRef idx="1">
-            <a:schemeClr val="accent1"/>
-          </a:lnRef>
-          <a:fillRef idx="0">
-            <a:schemeClr val="accent1"/>
-          </a:fillRef>
-          <a:effectRef idx="0">
-            <a:schemeClr val="accent1"/>
-          </a:effectRef>
-          <a:fontRef idx="minor">
-            <a:schemeClr val="tx1"/>
-          </a:fontRef>
-        </p:style>
-      </p:cxnSp>
       <p:cxnSp>
         <p:nvCxnSpPr>
           <p:cNvPr id="58" name="Verbinder: gewinkelt 57">
@@ -19499,52 +20589,6 @@
           </a:p>
         </p:txBody>
       </p:sp>
-      <p:cxnSp>
-        <p:nvCxnSpPr>
-          <p:cNvPr id="85" name="Gerade Verbindung mit Pfeil 84">
-            <a:extLst>
-              <a:ext uri="{FF2B5EF4-FFF2-40B4-BE49-F238E27FC236}">
-                <a16:creationId xmlns:a16="http://schemas.microsoft.com/office/drawing/2014/main" id="{5E4ABA6C-4A90-48D9-908E-574A0FCD3898}"/>
-              </a:ext>
-            </a:extLst>
-          </p:cNvPr>
-          <p:cNvCxnSpPr>
-            <a:cxnSpLocks/>
-            <a:stCxn id="4" idx="3"/>
-            <a:endCxn id="8" idx="3"/>
-          </p:cNvCxnSpPr>
-          <p:nvPr/>
-        </p:nvCxnSpPr>
-        <p:spPr>
-          <a:xfrm>
-            <a:off x="1353012" y="2121852"/>
-            <a:ext cx="1012327" cy="0"/>
-          </a:xfrm>
-          <a:prstGeom prst="straightConnector1">
-            <a:avLst/>
-          </a:prstGeom>
-          <a:ln>
-            <a:solidFill>
-              <a:schemeClr val="tx2"/>
-            </a:solidFill>
-            <a:tailEnd type="triangle"/>
-          </a:ln>
-        </p:spPr>
-        <p:style>
-          <a:lnRef idx="1">
-            <a:schemeClr val="accent1"/>
-          </a:lnRef>
-          <a:fillRef idx="0">
-            <a:schemeClr val="accent1"/>
-          </a:fillRef>
-          <a:effectRef idx="0">
-            <a:schemeClr val="accent1"/>
-          </a:effectRef>
-          <a:fontRef idx="minor">
-            <a:schemeClr val="tx1"/>
-          </a:fontRef>
-        </p:style>
-      </p:cxnSp>
       <p:cxnSp>
         <p:nvCxnSpPr>
           <p:cNvPr id="96" name="Verbinder: gewinkelt 95">
@@ -19884,49 +20928,6 @@
       </p:sp>
       <p:sp>
         <p:nvSpPr>
-          <p:cNvPr id="117" name="Textfeld 116">
-            <a:extLst>
-              <a:ext uri="{FF2B5EF4-FFF2-40B4-BE49-F238E27FC236}">
-                <a16:creationId xmlns:a16="http://schemas.microsoft.com/office/drawing/2014/main" id="{90A27A77-1924-469E-B0C3-8B71F7B56DC8}"/>
-              </a:ext>
-            </a:extLst>
-          </p:cNvPr>
-          <p:cNvSpPr txBox="1"/>
-          <p:nvPr/>
-        </p:nvSpPr>
-        <p:spPr>
-          <a:xfrm>
-            <a:off x="1149993" y="1602988"/>
-            <a:ext cx="1486662" cy="523220"/>
-          </a:xfrm>
-          <a:prstGeom prst="rect">
-            <a:avLst/>
-          </a:prstGeom>
-          <a:noFill/>
-        </p:spPr>
-        <p:txBody>
-          <a:bodyPr wrap="square" rtlCol="0">
-            <a:spAutoFit/>
-          </a:bodyPr>
-          <a:lstStyle/>
-          <a:p>
-            <a:pPr algn="ctr"/>
-            <a:r>
-              <a:rPr lang="de-DE" sz="1400" dirty="0"/>
-              <a:t>Data </a:t>
-            </a:r>
-          </a:p>
-          <a:p>
-            <a:pPr algn="ctr"/>
-            <a:r>
-              <a:rPr lang="de-DE" sz="1400" dirty="0"/>
-              <a:t>Stream</a:t>
-            </a:r>
-          </a:p>
-        </p:txBody>
-      </p:sp>
-      <p:sp>
-        <p:nvSpPr>
           <p:cNvPr id="118" name="Textfeld 117">
             <a:extLst>
               <a:ext uri="{FF2B5EF4-FFF2-40B4-BE49-F238E27FC236}">
@@ -20108,62 +21109,6 @@
       </p:sp>
       <p:sp>
         <p:nvSpPr>
-          <p:cNvPr id="125" name="Rechteck 124">
-            <a:extLst>
-              <a:ext uri="{FF2B5EF4-FFF2-40B4-BE49-F238E27FC236}">
-                <a16:creationId xmlns:a16="http://schemas.microsoft.com/office/drawing/2014/main" id="{C8D320FA-F49C-4C01-905B-AF4DDC07A14B}"/>
-              </a:ext>
-            </a:extLst>
-          </p:cNvPr>
-          <p:cNvSpPr/>
-          <p:nvPr/>
-        </p:nvSpPr>
-        <p:spPr>
-          <a:xfrm>
-            <a:off x="129540" y="1075331"/>
-            <a:ext cx="2122190" cy="3806934"/>
-          </a:xfrm>
-          <a:prstGeom prst="rect">
-            <a:avLst/>
-          </a:prstGeom>
-          <a:noFill/>
-          <a:ln w="9525" cap="flat" cmpd="sng" algn="ctr">
-            <a:solidFill>
-              <a:schemeClr val="tx2">
-                <a:lumMod val="75000"/>
-              </a:schemeClr>
-            </a:solidFill>
-            <a:prstDash val="lgDash"/>
-            <a:round/>
-            <a:headEnd type="none" w="med" len="med"/>
-            <a:tailEnd type="none" w="med" len="med"/>
-          </a:ln>
-        </p:spPr>
-        <p:style>
-          <a:lnRef idx="0">
-            <a:scrgbClr r="0" g="0" b="0"/>
-          </a:lnRef>
-          <a:fillRef idx="0">
-            <a:scrgbClr r="0" g="0" b="0"/>
-          </a:fillRef>
-          <a:effectRef idx="0">
-            <a:scrgbClr r="0" g="0" b="0"/>
-          </a:effectRef>
-          <a:fontRef idx="minor">
-            <a:schemeClr val="accent1"/>
-          </a:fontRef>
-        </p:style>
-        <p:txBody>
-          <a:bodyPr rtlCol="0" anchor="ctr"/>
-          <a:lstStyle/>
-          <a:p>
-            <a:pPr algn="ctr"/>
-            <a:endParaRPr lang="de-DE"/>
-          </a:p>
-        </p:txBody>
-      </p:sp>
-      <p:sp>
-        <p:nvSpPr>
           <p:cNvPr id="126" name="Rechteck 125">
             <a:extLst>
               <a:ext uri="{FF2B5EF4-FFF2-40B4-BE49-F238E27FC236}">
@@ -20276,42 +21221,6 @@
       </p:sp>
       <p:sp>
         <p:nvSpPr>
-          <p:cNvPr id="128" name="Textfeld 127">
-            <a:extLst>
-              <a:ext uri="{FF2B5EF4-FFF2-40B4-BE49-F238E27FC236}">
-                <a16:creationId xmlns:a16="http://schemas.microsoft.com/office/drawing/2014/main" id="{FE6CFD0D-8835-4759-A891-E7A1B8AEEB00}"/>
-              </a:ext>
-            </a:extLst>
-          </p:cNvPr>
-          <p:cNvSpPr txBox="1"/>
-          <p:nvPr/>
-        </p:nvSpPr>
-        <p:spPr>
-          <a:xfrm>
-            <a:off x="129541" y="4580531"/>
-            <a:ext cx="2122190" cy="307777"/>
-          </a:xfrm>
-          <a:prstGeom prst="rect">
-            <a:avLst/>
-          </a:prstGeom>
-          <a:noFill/>
-        </p:spPr>
-        <p:txBody>
-          <a:bodyPr wrap="square" rtlCol="0">
-            <a:spAutoFit/>
-          </a:bodyPr>
-          <a:lstStyle/>
-          <a:p>
-            <a:pPr algn="ctr"/>
-            <a:r>
-              <a:rPr lang="de-DE" sz="1400" dirty="0"/>
-              <a:t>Smart Meter</a:t>
-            </a:r>
-          </a:p>
-        </p:txBody>
-      </p:sp>
-      <p:sp>
-        <p:nvSpPr>
           <p:cNvPr id="129" name="Textfeld 128">
             <a:extLst>
               <a:ext uri="{FF2B5EF4-FFF2-40B4-BE49-F238E27FC236}">
@@ -20382,6 +21291,537 @@
           </a:p>
         </p:txBody>
       </p:sp>
+      <p:sp>
+        <p:nvSpPr>
+          <p:cNvPr id="3" name="Foliennummernplatzhalter 2">
+            <a:extLst>
+              <a:ext uri="{FF2B5EF4-FFF2-40B4-BE49-F238E27FC236}">
+                <a16:creationId xmlns:a16="http://schemas.microsoft.com/office/drawing/2014/main" id="{6683E33C-149C-4559-83B8-7438A7DF5987}"/>
+              </a:ext>
+            </a:extLst>
+          </p:cNvPr>
+          <p:cNvSpPr>
+            <a:spLocks noGrp="1"/>
+          </p:cNvSpPr>
+          <p:nvPr>
+            <p:ph type="sldNum" idx="12"/>
+          </p:nvPr>
+        </p:nvSpPr>
+        <p:spPr/>
+        <p:txBody>
+          <a:bodyPr/>
+          <a:lstStyle/>
+          <a:p>
+            <a:pPr marL="0" lvl="0" indent="0" algn="r" rtl="0">
+              <a:spcBef>
+                <a:spcPts val="0"/>
+              </a:spcBef>
+              <a:spcAft>
+                <a:spcPts val="0"/>
+              </a:spcAft>
+              <a:buNone/>
+            </a:pPr>
+            <a:fld id="{00000000-1234-1234-1234-123412341234}" type="slidenum">
+              <a:rPr lang="de-DE" smtClean="0"/>
+              <a:t>11</a:t>
+            </a:fld>
+            <a:endParaRPr lang="de-DE"/>
+          </a:p>
+        </p:txBody>
+      </p:sp>
+      <p:sp>
+        <p:nvSpPr>
+          <p:cNvPr id="34" name="Rechteck 33">
+            <a:extLst>
+              <a:ext uri="{FF2B5EF4-FFF2-40B4-BE49-F238E27FC236}">
+                <a16:creationId xmlns:a16="http://schemas.microsoft.com/office/drawing/2014/main" id="{DF8981F1-5EAB-4EF3-B425-BA8D6029DFEB}"/>
+              </a:ext>
+            </a:extLst>
+          </p:cNvPr>
+          <p:cNvSpPr/>
+          <p:nvPr/>
+        </p:nvSpPr>
+        <p:spPr>
+          <a:xfrm>
+            <a:off x="288840" y="1886137"/>
+            <a:ext cx="1064172" cy="471430"/>
+          </a:xfrm>
+          <a:prstGeom prst="rect">
+            <a:avLst/>
+          </a:prstGeom>
+        </p:spPr>
+        <p:style>
+          <a:lnRef idx="2">
+            <a:schemeClr val="accent2"/>
+          </a:lnRef>
+          <a:fillRef idx="1">
+            <a:schemeClr val="lt1"/>
+          </a:fillRef>
+          <a:effectRef idx="0">
+            <a:schemeClr val="accent2"/>
+          </a:effectRef>
+          <a:fontRef idx="minor">
+            <a:schemeClr val="dk1"/>
+          </a:fontRef>
+        </p:style>
+        <p:txBody>
+          <a:bodyPr rtlCol="0" anchor="ctr"/>
+          <a:lstStyle/>
+          <a:p>
+            <a:pPr algn="ctr"/>
+            <a:r>
+              <a:rPr lang="de-DE" dirty="0"/>
+              <a:t>Sensor</a:t>
+            </a:r>
+          </a:p>
+        </p:txBody>
+      </p:sp>
+      <p:sp>
+        <p:nvSpPr>
+          <p:cNvPr id="35" name="Rechteck 34">
+            <a:extLst>
+              <a:ext uri="{FF2B5EF4-FFF2-40B4-BE49-F238E27FC236}">
+                <a16:creationId xmlns:a16="http://schemas.microsoft.com/office/drawing/2014/main" id="{ECE2AB09-9DEC-4F99-9761-1B176C8F5D4A}"/>
+              </a:ext>
+            </a:extLst>
+          </p:cNvPr>
+          <p:cNvSpPr/>
+          <p:nvPr/>
+        </p:nvSpPr>
+        <p:spPr>
+          <a:xfrm>
+            <a:off x="288840" y="2618092"/>
+            <a:ext cx="1064172" cy="471430"/>
+          </a:xfrm>
+          <a:prstGeom prst="rect">
+            <a:avLst/>
+          </a:prstGeom>
+        </p:spPr>
+        <p:style>
+          <a:lnRef idx="2">
+            <a:schemeClr val="accent2"/>
+          </a:lnRef>
+          <a:fillRef idx="1">
+            <a:schemeClr val="lt1"/>
+          </a:fillRef>
+          <a:effectRef idx="0">
+            <a:schemeClr val="accent2"/>
+          </a:effectRef>
+          <a:fontRef idx="minor">
+            <a:schemeClr val="dk1"/>
+          </a:fontRef>
+        </p:style>
+        <p:txBody>
+          <a:bodyPr rtlCol="0" anchor="ctr"/>
+          <a:lstStyle/>
+          <a:p>
+            <a:pPr algn="ctr"/>
+            <a:r>
+              <a:rPr lang="de-DE" dirty="0"/>
+              <a:t>Sensor</a:t>
+            </a:r>
+          </a:p>
+        </p:txBody>
+      </p:sp>
+      <p:sp>
+        <p:nvSpPr>
+          <p:cNvPr id="36" name="Rechteck 35">
+            <a:extLst>
+              <a:ext uri="{FF2B5EF4-FFF2-40B4-BE49-F238E27FC236}">
+                <a16:creationId xmlns:a16="http://schemas.microsoft.com/office/drawing/2014/main" id="{E82D3CDE-6419-49AD-BD3C-28F384B09099}"/>
+              </a:ext>
+            </a:extLst>
+          </p:cNvPr>
+          <p:cNvSpPr/>
+          <p:nvPr/>
+        </p:nvSpPr>
+        <p:spPr>
+          <a:xfrm>
+            <a:off x="288840" y="3396036"/>
+            <a:ext cx="1064172" cy="471430"/>
+          </a:xfrm>
+          <a:prstGeom prst="rect">
+            <a:avLst/>
+          </a:prstGeom>
+        </p:spPr>
+        <p:style>
+          <a:lnRef idx="2">
+            <a:schemeClr val="accent2"/>
+          </a:lnRef>
+          <a:fillRef idx="1">
+            <a:schemeClr val="lt1"/>
+          </a:fillRef>
+          <a:effectRef idx="0">
+            <a:schemeClr val="accent2"/>
+          </a:effectRef>
+          <a:fontRef idx="minor">
+            <a:schemeClr val="dk1"/>
+          </a:fontRef>
+        </p:style>
+        <p:txBody>
+          <a:bodyPr rtlCol="0" anchor="ctr"/>
+          <a:lstStyle/>
+          <a:p>
+            <a:pPr algn="ctr"/>
+            <a:r>
+              <a:rPr lang="de-DE" dirty="0"/>
+              <a:t>Sensor</a:t>
+            </a:r>
+          </a:p>
+        </p:txBody>
+      </p:sp>
+      <p:cxnSp>
+        <p:nvCxnSpPr>
+          <p:cNvPr id="37" name="Verbinder: gewinkelt 36">
+            <a:extLst>
+              <a:ext uri="{FF2B5EF4-FFF2-40B4-BE49-F238E27FC236}">
+                <a16:creationId xmlns:a16="http://schemas.microsoft.com/office/drawing/2014/main" id="{5944E95C-4935-4D77-A133-CEB1418FF048}"/>
+              </a:ext>
+            </a:extLst>
+          </p:cNvPr>
+          <p:cNvCxnSpPr>
+            <a:cxnSpLocks/>
+            <a:stCxn id="35" idx="3"/>
+          </p:cNvCxnSpPr>
+          <p:nvPr/>
+        </p:nvCxnSpPr>
+        <p:spPr>
+          <a:xfrm flipV="1">
+            <a:off x="1353012" y="2121852"/>
+            <a:ext cx="1012327" cy="731955"/>
+          </a:xfrm>
+          <a:prstGeom prst="bentConnector3">
+            <a:avLst/>
+          </a:prstGeom>
+          <a:ln>
+            <a:solidFill>
+              <a:schemeClr val="tx2"/>
+            </a:solidFill>
+            <a:tailEnd type="triangle"/>
+          </a:ln>
+        </p:spPr>
+        <p:style>
+          <a:lnRef idx="1">
+            <a:schemeClr val="accent1"/>
+          </a:lnRef>
+          <a:fillRef idx="0">
+            <a:schemeClr val="accent1"/>
+          </a:fillRef>
+          <a:effectRef idx="0">
+            <a:schemeClr val="accent1"/>
+          </a:effectRef>
+          <a:fontRef idx="minor">
+            <a:schemeClr val="tx1"/>
+          </a:fontRef>
+        </p:style>
+      </p:cxnSp>
+      <p:cxnSp>
+        <p:nvCxnSpPr>
+          <p:cNvPr id="38" name="Verbinder: gewinkelt 37">
+            <a:extLst>
+              <a:ext uri="{FF2B5EF4-FFF2-40B4-BE49-F238E27FC236}">
+                <a16:creationId xmlns:a16="http://schemas.microsoft.com/office/drawing/2014/main" id="{F9CF69B2-1E16-491B-ACAD-D0BACCDC3F23}"/>
+              </a:ext>
+            </a:extLst>
+          </p:cNvPr>
+          <p:cNvCxnSpPr>
+            <a:cxnSpLocks/>
+            <a:stCxn id="36" idx="3"/>
+          </p:cNvCxnSpPr>
+          <p:nvPr/>
+        </p:nvCxnSpPr>
+        <p:spPr>
+          <a:xfrm flipV="1">
+            <a:off x="1353012" y="2121852"/>
+            <a:ext cx="1012327" cy="1509899"/>
+          </a:xfrm>
+          <a:prstGeom prst="bentConnector3">
+            <a:avLst>
+              <a:gd name="adj1" fmla="val 50000"/>
+            </a:avLst>
+          </a:prstGeom>
+          <a:ln>
+            <a:solidFill>
+              <a:schemeClr val="tx2"/>
+            </a:solidFill>
+            <a:tailEnd type="triangle"/>
+          </a:ln>
+        </p:spPr>
+        <p:style>
+          <a:lnRef idx="1">
+            <a:schemeClr val="accent1"/>
+          </a:lnRef>
+          <a:fillRef idx="0">
+            <a:schemeClr val="accent1"/>
+          </a:fillRef>
+          <a:effectRef idx="0">
+            <a:schemeClr val="accent1"/>
+          </a:effectRef>
+          <a:fontRef idx="minor">
+            <a:schemeClr val="tx1"/>
+          </a:fontRef>
+        </p:style>
+      </p:cxnSp>
+      <p:cxnSp>
+        <p:nvCxnSpPr>
+          <p:cNvPr id="39" name="Gerade Verbindung mit Pfeil 38">
+            <a:extLst>
+              <a:ext uri="{FF2B5EF4-FFF2-40B4-BE49-F238E27FC236}">
+                <a16:creationId xmlns:a16="http://schemas.microsoft.com/office/drawing/2014/main" id="{02E7FA99-0D1A-4374-B236-16FBCC2C6BD7}"/>
+              </a:ext>
+            </a:extLst>
+          </p:cNvPr>
+          <p:cNvCxnSpPr>
+            <a:cxnSpLocks/>
+            <a:stCxn id="34" idx="3"/>
+          </p:cNvCxnSpPr>
+          <p:nvPr/>
+        </p:nvCxnSpPr>
+        <p:spPr>
+          <a:xfrm>
+            <a:off x="1353012" y="2121852"/>
+            <a:ext cx="1012327" cy="0"/>
+          </a:xfrm>
+          <a:prstGeom prst="straightConnector1">
+            <a:avLst/>
+          </a:prstGeom>
+          <a:ln>
+            <a:solidFill>
+              <a:schemeClr val="tx2"/>
+            </a:solidFill>
+            <a:tailEnd type="triangle"/>
+          </a:ln>
+        </p:spPr>
+        <p:style>
+          <a:lnRef idx="1">
+            <a:schemeClr val="accent1"/>
+          </a:lnRef>
+          <a:fillRef idx="0">
+            <a:schemeClr val="accent1"/>
+          </a:fillRef>
+          <a:effectRef idx="0">
+            <a:schemeClr val="accent1"/>
+          </a:effectRef>
+          <a:fontRef idx="minor">
+            <a:schemeClr val="tx1"/>
+          </a:fontRef>
+        </p:style>
+      </p:cxnSp>
+      <p:sp>
+        <p:nvSpPr>
+          <p:cNvPr id="40" name="Textfeld 39">
+            <a:extLst>
+              <a:ext uri="{FF2B5EF4-FFF2-40B4-BE49-F238E27FC236}">
+                <a16:creationId xmlns:a16="http://schemas.microsoft.com/office/drawing/2014/main" id="{66823B12-C3AF-46A1-BA8E-122E21F16E09}"/>
+              </a:ext>
+            </a:extLst>
+          </p:cNvPr>
+          <p:cNvSpPr txBox="1"/>
+          <p:nvPr/>
+        </p:nvSpPr>
+        <p:spPr>
+          <a:xfrm>
+            <a:off x="1115844" y="3638718"/>
+            <a:ext cx="1486662" cy="523220"/>
+          </a:xfrm>
+          <a:prstGeom prst="rect">
+            <a:avLst/>
+          </a:prstGeom>
+          <a:noFill/>
+        </p:spPr>
+        <p:txBody>
+          <a:bodyPr wrap="square" rtlCol="0">
+            <a:spAutoFit/>
+          </a:bodyPr>
+          <a:lstStyle/>
+          <a:p>
+            <a:pPr algn="ctr"/>
+            <a:r>
+              <a:rPr lang="de-DE" sz="1400" dirty="0"/>
+              <a:t>Data </a:t>
+            </a:r>
+          </a:p>
+          <a:p>
+            <a:pPr algn="ctr"/>
+            <a:r>
+              <a:rPr lang="de-DE" sz="1400" dirty="0"/>
+              <a:t>Stream</a:t>
+            </a:r>
+          </a:p>
+        </p:txBody>
+      </p:sp>
+      <p:sp>
+        <p:nvSpPr>
+          <p:cNvPr id="41" name="Rechteck 40">
+            <a:extLst>
+              <a:ext uri="{FF2B5EF4-FFF2-40B4-BE49-F238E27FC236}">
+                <a16:creationId xmlns:a16="http://schemas.microsoft.com/office/drawing/2014/main" id="{772B011D-B570-45D3-A567-EED684548E16}"/>
+              </a:ext>
+            </a:extLst>
+          </p:cNvPr>
+          <p:cNvSpPr/>
+          <p:nvPr/>
+        </p:nvSpPr>
+        <p:spPr>
+          <a:xfrm>
+            <a:off x="129540" y="1075331"/>
+            <a:ext cx="2122190" cy="3806934"/>
+          </a:xfrm>
+          <a:prstGeom prst="rect">
+            <a:avLst/>
+          </a:prstGeom>
+          <a:noFill/>
+          <a:ln w="9525" cap="flat" cmpd="sng" algn="ctr">
+            <a:solidFill>
+              <a:schemeClr val="tx2">
+                <a:lumMod val="75000"/>
+              </a:schemeClr>
+            </a:solidFill>
+            <a:prstDash val="lgDash"/>
+            <a:round/>
+            <a:headEnd type="none" w="med" len="med"/>
+            <a:tailEnd type="none" w="med" len="med"/>
+          </a:ln>
+        </p:spPr>
+        <p:style>
+          <a:lnRef idx="0">
+            <a:scrgbClr r="0" g="0" b="0"/>
+          </a:lnRef>
+          <a:fillRef idx="0">
+            <a:scrgbClr r="0" g="0" b="0"/>
+          </a:fillRef>
+          <a:effectRef idx="0">
+            <a:scrgbClr r="0" g="0" b="0"/>
+          </a:effectRef>
+          <a:fontRef idx="minor">
+            <a:schemeClr val="accent1"/>
+          </a:fontRef>
+        </p:style>
+        <p:txBody>
+          <a:bodyPr rtlCol="0" anchor="ctr"/>
+          <a:lstStyle/>
+          <a:p>
+            <a:pPr algn="ctr"/>
+            <a:endParaRPr lang="de-DE"/>
+          </a:p>
+        </p:txBody>
+      </p:sp>
+      <p:sp>
+        <p:nvSpPr>
+          <p:cNvPr id="42" name="Textfeld 41">
+            <a:extLst>
+              <a:ext uri="{FF2B5EF4-FFF2-40B4-BE49-F238E27FC236}">
+                <a16:creationId xmlns:a16="http://schemas.microsoft.com/office/drawing/2014/main" id="{9DC16298-37FD-4FB6-86E5-BCBF61E5CFB2}"/>
+              </a:ext>
+            </a:extLst>
+          </p:cNvPr>
+          <p:cNvSpPr txBox="1"/>
+          <p:nvPr/>
+        </p:nvSpPr>
+        <p:spPr>
+          <a:xfrm>
+            <a:off x="129541" y="4580531"/>
+            <a:ext cx="2122190" cy="307777"/>
+          </a:xfrm>
+          <a:prstGeom prst="rect">
+            <a:avLst/>
+          </a:prstGeom>
+          <a:noFill/>
+        </p:spPr>
+        <p:txBody>
+          <a:bodyPr wrap="square" rtlCol="0">
+            <a:spAutoFit/>
+          </a:bodyPr>
+          <a:lstStyle/>
+          <a:p>
+            <a:pPr algn="ctr"/>
+            <a:r>
+              <a:rPr lang="de-DE" sz="1400" dirty="0"/>
+              <a:t>Smart Meter</a:t>
+            </a:r>
+          </a:p>
+        </p:txBody>
+      </p:sp>
+      <p:sp>
+        <p:nvSpPr>
+          <p:cNvPr id="43" name="Rechteck 42">
+            <a:extLst>
+              <a:ext uri="{FF2B5EF4-FFF2-40B4-BE49-F238E27FC236}">
+                <a16:creationId xmlns:a16="http://schemas.microsoft.com/office/drawing/2014/main" id="{BA3D7E5E-006A-46F1-B970-70AE71A814C9}"/>
+              </a:ext>
+            </a:extLst>
+          </p:cNvPr>
+          <p:cNvSpPr/>
+          <p:nvPr/>
+        </p:nvSpPr>
+        <p:spPr>
+          <a:xfrm>
+            <a:off x="1630575" y="1922013"/>
+            <a:ext cx="457200" cy="403482"/>
+          </a:xfrm>
+          <a:prstGeom prst="rect">
+            <a:avLst/>
+          </a:prstGeom>
+        </p:spPr>
+        <p:style>
+          <a:lnRef idx="2">
+            <a:schemeClr val="accent2"/>
+          </a:lnRef>
+          <a:fillRef idx="1">
+            <a:schemeClr val="lt1"/>
+          </a:fillRef>
+          <a:effectRef idx="0">
+            <a:schemeClr val="accent2"/>
+          </a:effectRef>
+          <a:fontRef idx="minor">
+            <a:schemeClr val="dk1"/>
+          </a:fontRef>
+        </p:style>
+        <p:txBody>
+          <a:bodyPr rtlCol="0" anchor="ctr"/>
+          <a:lstStyle/>
+          <a:p>
+            <a:pPr algn="ctr"/>
+            <a:endParaRPr lang="de-DE"/>
+          </a:p>
+        </p:txBody>
+      </p:sp>
+      <p:pic>
+        <p:nvPicPr>
+          <p:cNvPr id="44" name="Grafik 43" descr="Schlüssel">
+            <a:extLst>
+              <a:ext uri="{FF2B5EF4-FFF2-40B4-BE49-F238E27FC236}">
+                <a16:creationId xmlns:a16="http://schemas.microsoft.com/office/drawing/2014/main" id="{78CEF6DC-81EC-4A3E-9238-39D317356D28}"/>
+              </a:ext>
+            </a:extLst>
+          </p:cNvPr>
+          <p:cNvPicPr>
+            <a:picLocks noChangeAspect="1"/>
+          </p:cNvPicPr>
+          <p:nvPr/>
+        </p:nvPicPr>
+        <p:blipFill>
+          <a:blip r:embed="rId3">
+            <a:extLst>
+              <a:ext uri="{96DAC541-7B7A-43D3-8B79-37D633B846F1}">
+                <asvg:svgBlip xmlns:asvg="http://schemas.microsoft.com/office/drawing/2016/SVG/main" r:embed="rId4"/>
+              </a:ext>
+            </a:extLst>
+          </a:blip>
+          <a:stretch>
+            <a:fillRect/>
+          </a:stretch>
+        </p:blipFill>
+        <p:spPr>
+          <a:xfrm>
+            <a:off x="1690021" y="1949215"/>
+            <a:ext cx="338308" cy="338308"/>
+          </a:xfrm>
+          <a:prstGeom prst="rect">
+            <a:avLst/>
+          </a:prstGeom>
+        </p:spPr>
+      </p:pic>
     </p:spTree>
     <p:extLst>
       <p:ext uri="{BB962C8B-B14F-4D97-AF65-F5344CB8AC3E}">
@@ -20392,13 +21832,13 @@
   <p:clrMapOvr>
     <a:masterClrMapping/>
   </p:clrMapOvr>
-  <mc:AlternateContent xmlns:mc="http://schemas.openxmlformats.org/markup-compatibility/2006">
-    <mc:Choice xmlns:p14="http://schemas.microsoft.com/office/powerpoint/2010/main" Requires="p14">
+  <mc:AlternateContent xmlns:mc="http://schemas.openxmlformats.org/markup-compatibility/2006" xmlns:p14="http://schemas.microsoft.com/office/powerpoint/2010/main">
+    <mc:Choice Requires="p14">
       <p:transition spd="med" p14:dur="700">
         <p:fade/>
       </p:transition>
     </mc:Choice>
-    <mc:Fallback>
+    <mc:Fallback xmlns="">
       <p:transition spd="med">
         <p:fade/>
       </p:transition>
@@ -20561,6 +22001,44 @@
           </a:p>
         </p:txBody>
       </p:sp>
+      <p:sp>
+        <p:nvSpPr>
+          <p:cNvPr id="3" name="Foliennummernplatzhalter 2">
+            <a:extLst>
+              <a:ext uri="{FF2B5EF4-FFF2-40B4-BE49-F238E27FC236}">
+                <a16:creationId xmlns:a16="http://schemas.microsoft.com/office/drawing/2014/main" id="{A4E0C77F-EB33-490B-A0AE-CD2D9CADF4A6}"/>
+              </a:ext>
+            </a:extLst>
+          </p:cNvPr>
+          <p:cNvSpPr>
+            <a:spLocks noGrp="1"/>
+          </p:cNvSpPr>
+          <p:nvPr>
+            <p:ph type="sldNum" idx="12"/>
+          </p:nvPr>
+        </p:nvSpPr>
+        <p:spPr/>
+        <p:txBody>
+          <a:bodyPr/>
+          <a:lstStyle/>
+          <a:p>
+            <a:pPr marL="0" lvl="0" indent="0" algn="r" rtl="0">
+              <a:spcBef>
+                <a:spcPts val="0"/>
+              </a:spcBef>
+              <a:spcAft>
+                <a:spcPts val="0"/>
+              </a:spcAft>
+              <a:buNone/>
+            </a:pPr>
+            <a:fld id="{00000000-1234-1234-1234-123412341234}" type="slidenum">
+              <a:rPr lang="de-DE" smtClean="0"/>
+              <a:t>12</a:t>
+            </a:fld>
+            <a:endParaRPr lang="de-DE"/>
+          </a:p>
+        </p:txBody>
+      </p:sp>
     </p:spTree>
     <p:extLst>
       <p:ext uri="{BB962C8B-B14F-4D97-AF65-F5344CB8AC3E}">
@@ -20571,13 +22049,13 @@
   <p:clrMapOvr>
     <a:masterClrMapping/>
   </p:clrMapOvr>
-  <mc:AlternateContent xmlns:mc="http://schemas.openxmlformats.org/markup-compatibility/2006">
-    <mc:Choice xmlns:p14="http://schemas.microsoft.com/office/powerpoint/2010/main" Requires="p14">
+  <mc:AlternateContent xmlns:mc="http://schemas.openxmlformats.org/markup-compatibility/2006" xmlns:p14="http://schemas.microsoft.com/office/powerpoint/2010/main">
+    <mc:Choice Requires="p14">
       <p:transition spd="med" p14:dur="700">
         <p:fade/>
       </p:transition>
     </mc:Choice>
-    <mc:Fallback>
+    <mc:Fallback xmlns="">
       <p:transition spd="med">
         <p:fade/>
       </p:transition>
@@ -20696,6 +22174,44 @@
           </a:prstGeom>
         </p:spPr>
       </p:pic>
+      <p:sp>
+        <p:nvSpPr>
+          <p:cNvPr id="3" name="Foliennummernplatzhalter 2">
+            <a:extLst>
+              <a:ext uri="{FF2B5EF4-FFF2-40B4-BE49-F238E27FC236}">
+                <a16:creationId xmlns:a16="http://schemas.microsoft.com/office/drawing/2014/main" id="{E6301B64-EBC1-4389-A1B3-5594A597240A}"/>
+              </a:ext>
+            </a:extLst>
+          </p:cNvPr>
+          <p:cNvSpPr>
+            <a:spLocks noGrp="1"/>
+          </p:cNvSpPr>
+          <p:nvPr>
+            <p:ph type="sldNum" idx="12"/>
+          </p:nvPr>
+        </p:nvSpPr>
+        <p:spPr/>
+        <p:txBody>
+          <a:bodyPr/>
+          <a:lstStyle/>
+          <a:p>
+            <a:pPr marL="0" lvl="0" indent="0" algn="r" rtl="0">
+              <a:spcBef>
+                <a:spcPts val="0"/>
+              </a:spcBef>
+              <a:spcAft>
+                <a:spcPts val="0"/>
+              </a:spcAft>
+              <a:buNone/>
+            </a:pPr>
+            <a:fld id="{00000000-1234-1234-1234-123412341234}" type="slidenum">
+              <a:rPr lang="de-DE" smtClean="0"/>
+              <a:t>13</a:t>
+            </a:fld>
+            <a:endParaRPr lang="de-DE"/>
+          </a:p>
+        </p:txBody>
+      </p:sp>
     </p:spTree>
     <p:extLst>
       <p:ext uri="{BB962C8B-B14F-4D97-AF65-F5344CB8AC3E}">
@@ -20706,13 +22222,13 @@
   <p:clrMapOvr>
     <a:masterClrMapping/>
   </p:clrMapOvr>
-  <mc:AlternateContent xmlns:mc="http://schemas.openxmlformats.org/markup-compatibility/2006">
-    <mc:Choice xmlns:p159="http://schemas.microsoft.com/office/powerpoint/2015/09/main" Requires="p159">
+  <mc:AlternateContent xmlns:mc="http://schemas.openxmlformats.org/markup-compatibility/2006" xmlns:p159="http://schemas.microsoft.com/office/powerpoint/2015/09/main">
+    <mc:Choice Requires="p159">
       <p:transition xmlns:p14="http://schemas.microsoft.com/office/powerpoint/2010/main" spd="slow" p14:dur="2000">
         <p159:morph option="byObject"/>
       </p:transition>
     </mc:Choice>
-    <mc:Fallback>
+    <mc:Fallback xmlns="">
       <p:transition spd="slow">
         <p:fade/>
       </p:transition>
@@ -20831,6 +22347,44 @@
           </a:graphicData>
         </a:graphic>
       </p:graphicFrame>
+      <p:sp>
+        <p:nvSpPr>
+          <p:cNvPr id="3" name="Foliennummernplatzhalter 2">
+            <a:extLst>
+              <a:ext uri="{FF2B5EF4-FFF2-40B4-BE49-F238E27FC236}">
+                <a16:creationId xmlns:a16="http://schemas.microsoft.com/office/drawing/2014/main" id="{9E435EDE-4476-4DED-A6C1-957CF8617B5D}"/>
+              </a:ext>
+            </a:extLst>
+          </p:cNvPr>
+          <p:cNvSpPr>
+            <a:spLocks noGrp="1"/>
+          </p:cNvSpPr>
+          <p:nvPr>
+            <p:ph type="sldNum" idx="12"/>
+          </p:nvPr>
+        </p:nvSpPr>
+        <p:spPr/>
+        <p:txBody>
+          <a:bodyPr/>
+          <a:lstStyle/>
+          <a:p>
+            <a:pPr marL="0" lvl="0" indent="0" algn="r" rtl="0">
+              <a:spcBef>
+                <a:spcPts val="0"/>
+              </a:spcBef>
+              <a:spcAft>
+                <a:spcPts val="0"/>
+              </a:spcAft>
+              <a:buNone/>
+            </a:pPr>
+            <a:fld id="{00000000-1234-1234-1234-123412341234}" type="slidenum">
+              <a:rPr lang="de-DE" smtClean="0"/>
+              <a:t>14</a:t>
+            </a:fld>
+            <a:endParaRPr lang="de-DE"/>
+          </a:p>
+        </p:txBody>
+      </p:sp>
     </p:spTree>
     <p:extLst>
       <p:ext uri="{BB962C8B-B14F-4D97-AF65-F5344CB8AC3E}">
@@ -20841,13 +22395,13 @@
   <p:clrMapOvr>
     <a:masterClrMapping/>
   </p:clrMapOvr>
-  <mc:AlternateContent xmlns:mc="http://schemas.openxmlformats.org/markup-compatibility/2006">
-    <mc:Choice xmlns:p14="http://schemas.microsoft.com/office/powerpoint/2010/main" Requires="p14">
+  <mc:AlternateContent xmlns:mc="http://schemas.openxmlformats.org/markup-compatibility/2006" xmlns:p14="http://schemas.microsoft.com/office/powerpoint/2010/main">
+    <mc:Choice Requires="p14">
       <p:transition spd="med" p14:dur="700">
         <p:fade/>
       </p:transition>
     </mc:Choice>
-    <mc:Fallback>
+    <mc:Fallback xmlns="">
       <p:transition spd="med">
         <p:fade/>
       </p:transition>
@@ -20966,6 +22520,44 @@
           </a:graphicData>
         </a:graphic>
       </p:graphicFrame>
+      <p:sp>
+        <p:nvSpPr>
+          <p:cNvPr id="3" name="Foliennummernplatzhalter 2">
+            <a:extLst>
+              <a:ext uri="{FF2B5EF4-FFF2-40B4-BE49-F238E27FC236}">
+                <a16:creationId xmlns:a16="http://schemas.microsoft.com/office/drawing/2014/main" id="{3973A8C2-38C8-4173-85E2-7CF075E6532A}"/>
+              </a:ext>
+            </a:extLst>
+          </p:cNvPr>
+          <p:cNvSpPr>
+            <a:spLocks noGrp="1"/>
+          </p:cNvSpPr>
+          <p:nvPr>
+            <p:ph type="sldNum" idx="12"/>
+          </p:nvPr>
+        </p:nvSpPr>
+        <p:spPr/>
+        <p:txBody>
+          <a:bodyPr/>
+          <a:lstStyle/>
+          <a:p>
+            <a:pPr marL="0" lvl="0" indent="0" algn="r" rtl="0">
+              <a:spcBef>
+                <a:spcPts val="0"/>
+              </a:spcBef>
+              <a:spcAft>
+                <a:spcPts val="0"/>
+              </a:spcAft>
+              <a:buNone/>
+            </a:pPr>
+            <a:fld id="{00000000-1234-1234-1234-123412341234}" type="slidenum">
+              <a:rPr lang="de-DE" smtClean="0"/>
+              <a:t>15</a:t>
+            </a:fld>
+            <a:endParaRPr lang="de-DE"/>
+          </a:p>
+        </p:txBody>
+      </p:sp>
     </p:spTree>
     <p:extLst>
       <p:ext uri="{BB962C8B-B14F-4D97-AF65-F5344CB8AC3E}">
@@ -20976,13 +22568,13 @@
   <p:clrMapOvr>
     <a:masterClrMapping/>
   </p:clrMapOvr>
-  <mc:AlternateContent xmlns:mc="http://schemas.openxmlformats.org/markup-compatibility/2006">
-    <mc:Choice xmlns:p14="http://schemas.microsoft.com/office/powerpoint/2010/main" Requires="p14">
+  <mc:AlternateContent xmlns:mc="http://schemas.openxmlformats.org/markup-compatibility/2006" xmlns:p14="http://schemas.microsoft.com/office/powerpoint/2010/main">
+    <mc:Choice Requires="p14">
       <p:transition spd="med" p14:dur="700">
         <p:fade/>
       </p:transition>
     </mc:Choice>
-    <mc:Fallback>
+    <mc:Fallback xmlns="">
       <p:transition spd="med">
         <p:fade/>
       </p:transition>
@@ -21101,6 +22693,44 @@
           </a:graphicData>
         </a:graphic>
       </p:graphicFrame>
+      <p:sp>
+        <p:nvSpPr>
+          <p:cNvPr id="3" name="Foliennummernplatzhalter 2">
+            <a:extLst>
+              <a:ext uri="{FF2B5EF4-FFF2-40B4-BE49-F238E27FC236}">
+                <a16:creationId xmlns:a16="http://schemas.microsoft.com/office/drawing/2014/main" id="{13878374-0EA4-4C4B-8F8F-76CE4918B16B}"/>
+              </a:ext>
+            </a:extLst>
+          </p:cNvPr>
+          <p:cNvSpPr>
+            <a:spLocks noGrp="1"/>
+          </p:cNvSpPr>
+          <p:nvPr>
+            <p:ph type="sldNum" idx="12"/>
+          </p:nvPr>
+        </p:nvSpPr>
+        <p:spPr/>
+        <p:txBody>
+          <a:bodyPr/>
+          <a:lstStyle/>
+          <a:p>
+            <a:pPr marL="0" lvl="0" indent="0" algn="r" rtl="0">
+              <a:spcBef>
+                <a:spcPts val="0"/>
+              </a:spcBef>
+              <a:spcAft>
+                <a:spcPts val="0"/>
+              </a:spcAft>
+              <a:buNone/>
+            </a:pPr>
+            <a:fld id="{00000000-1234-1234-1234-123412341234}" type="slidenum">
+              <a:rPr lang="de-DE" smtClean="0"/>
+              <a:t>16</a:t>
+            </a:fld>
+            <a:endParaRPr lang="de-DE"/>
+          </a:p>
+        </p:txBody>
+      </p:sp>
     </p:spTree>
     <p:extLst>
       <p:ext uri="{BB962C8B-B14F-4D97-AF65-F5344CB8AC3E}">
@@ -21111,13 +22741,13 @@
   <p:clrMapOvr>
     <a:masterClrMapping/>
   </p:clrMapOvr>
-  <mc:AlternateContent xmlns:mc="http://schemas.openxmlformats.org/markup-compatibility/2006">
-    <mc:Choice xmlns:p14="http://schemas.microsoft.com/office/powerpoint/2010/main" Requires="p14">
+  <mc:AlternateContent xmlns:mc="http://schemas.openxmlformats.org/markup-compatibility/2006" xmlns:p14="http://schemas.microsoft.com/office/powerpoint/2010/main">
+    <mc:Choice Requires="p14">
       <p:transition spd="med" p14:dur="700">
         <p:fade/>
       </p:transition>
     </mc:Choice>
-    <mc:Fallback>
+    <mc:Fallback xmlns="">
       <p:transition spd="med">
         <p:fade/>
       </p:transition>
@@ -21236,6 +22866,44 @@
           </a:graphicData>
         </a:graphic>
       </p:graphicFrame>
+      <p:sp>
+        <p:nvSpPr>
+          <p:cNvPr id="3" name="Foliennummernplatzhalter 2">
+            <a:extLst>
+              <a:ext uri="{FF2B5EF4-FFF2-40B4-BE49-F238E27FC236}">
+                <a16:creationId xmlns:a16="http://schemas.microsoft.com/office/drawing/2014/main" id="{9F0D6C55-8A77-4825-A8F1-B9151B674C25}"/>
+              </a:ext>
+            </a:extLst>
+          </p:cNvPr>
+          <p:cNvSpPr>
+            <a:spLocks noGrp="1"/>
+          </p:cNvSpPr>
+          <p:nvPr>
+            <p:ph type="sldNum" idx="12"/>
+          </p:nvPr>
+        </p:nvSpPr>
+        <p:spPr/>
+        <p:txBody>
+          <a:bodyPr/>
+          <a:lstStyle/>
+          <a:p>
+            <a:pPr marL="0" lvl="0" indent="0" algn="r" rtl="0">
+              <a:spcBef>
+                <a:spcPts val="0"/>
+              </a:spcBef>
+              <a:spcAft>
+                <a:spcPts val="0"/>
+              </a:spcAft>
+              <a:buNone/>
+            </a:pPr>
+            <a:fld id="{00000000-1234-1234-1234-123412341234}" type="slidenum">
+              <a:rPr lang="de-DE" smtClean="0"/>
+              <a:t>17</a:t>
+            </a:fld>
+            <a:endParaRPr lang="de-DE"/>
+          </a:p>
+        </p:txBody>
+      </p:sp>
     </p:spTree>
     <p:extLst>
       <p:ext uri="{BB962C8B-B14F-4D97-AF65-F5344CB8AC3E}">
@@ -21246,13 +22914,13 @@
   <p:clrMapOvr>
     <a:masterClrMapping/>
   </p:clrMapOvr>
-  <mc:AlternateContent xmlns:mc="http://schemas.openxmlformats.org/markup-compatibility/2006">
-    <mc:Choice xmlns:p14="http://schemas.microsoft.com/office/powerpoint/2010/main" Requires="p14">
+  <mc:AlternateContent xmlns:mc="http://schemas.openxmlformats.org/markup-compatibility/2006" xmlns:p14="http://schemas.microsoft.com/office/powerpoint/2010/main">
+    <mc:Choice Requires="p14">
       <p:transition spd="med" p14:dur="700">
         <p:fade/>
       </p:transition>
     </mc:Choice>
-    <mc:Fallback>
+    <mc:Fallback xmlns="">
       <p:transition spd="med">
         <p:fade/>
       </p:transition>
@@ -21371,6 +23039,44 @@
           </a:graphicData>
         </a:graphic>
       </p:graphicFrame>
+      <p:sp>
+        <p:nvSpPr>
+          <p:cNvPr id="3" name="Foliennummernplatzhalter 2">
+            <a:extLst>
+              <a:ext uri="{FF2B5EF4-FFF2-40B4-BE49-F238E27FC236}">
+                <a16:creationId xmlns:a16="http://schemas.microsoft.com/office/drawing/2014/main" id="{30371AAC-4B2E-4D1D-9992-AB74B0BC4011}"/>
+              </a:ext>
+            </a:extLst>
+          </p:cNvPr>
+          <p:cNvSpPr>
+            <a:spLocks noGrp="1"/>
+          </p:cNvSpPr>
+          <p:nvPr>
+            <p:ph type="sldNum" idx="12"/>
+          </p:nvPr>
+        </p:nvSpPr>
+        <p:spPr/>
+        <p:txBody>
+          <a:bodyPr/>
+          <a:lstStyle/>
+          <a:p>
+            <a:pPr marL="0" lvl="0" indent="0" algn="r" rtl="0">
+              <a:spcBef>
+                <a:spcPts val="0"/>
+              </a:spcBef>
+              <a:spcAft>
+                <a:spcPts val="0"/>
+              </a:spcAft>
+              <a:buNone/>
+            </a:pPr>
+            <a:fld id="{00000000-1234-1234-1234-123412341234}" type="slidenum">
+              <a:rPr lang="de-DE" smtClean="0"/>
+              <a:t>18</a:t>
+            </a:fld>
+            <a:endParaRPr lang="de-DE"/>
+          </a:p>
+        </p:txBody>
+      </p:sp>
     </p:spTree>
     <p:extLst>
       <p:ext uri="{BB962C8B-B14F-4D97-AF65-F5344CB8AC3E}">
@@ -21381,13 +23087,13 @@
   <p:clrMapOvr>
     <a:masterClrMapping/>
   </p:clrMapOvr>
-  <mc:AlternateContent xmlns:mc="http://schemas.openxmlformats.org/markup-compatibility/2006">
-    <mc:Choice xmlns:p14="http://schemas.microsoft.com/office/powerpoint/2010/main" Requires="p14">
+  <mc:AlternateContent xmlns:mc="http://schemas.openxmlformats.org/markup-compatibility/2006" xmlns:p14="http://schemas.microsoft.com/office/powerpoint/2010/main">
+    <mc:Choice Requires="p14">
       <p:transition spd="med" p14:dur="700">
         <p:fade/>
       </p:transition>
     </mc:Choice>
-    <mc:Fallback>
+    <mc:Fallback xmlns="">
       <p:transition spd="med">
         <p:fade/>
       </p:transition>
@@ -21450,13 +23156,13 @@
   <p:clrMapOvr>
     <a:masterClrMapping/>
   </p:clrMapOvr>
-  <mc:AlternateContent xmlns:mc="http://schemas.openxmlformats.org/markup-compatibility/2006">
-    <mc:Choice xmlns:p159="http://schemas.microsoft.com/office/powerpoint/2015/09/main" Requires="p159">
+  <mc:AlternateContent xmlns:mc="http://schemas.openxmlformats.org/markup-compatibility/2006" xmlns:p159="http://schemas.microsoft.com/office/powerpoint/2015/09/main">
+    <mc:Choice Requires="p159">
       <p:transition xmlns:p14="http://schemas.microsoft.com/office/powerpoint/2010/main" spd="slow" p14:dur="2000">
         <p159:morph option="byObject"/>
       </p:transition>
     </mc:Choice>
-    <mc:Fallback>
+    <mc:Fallback xmlns="">
       <p:transition spd="slow">
         <p:fade/>
       </p:transition>
@@ -21485,7 +23191,6 @@
                 <a:lumMod val="114000"/>
               </a:schemeClr>
             </a:duotone>
-            <a:extLst/>
           </a:blip>
           <a:stretch/>
         </a:blipFill>
@@ -21982,13 +23687,13 @@
   <p:clrMapOvr>
     <a:masterClrMapping/>
   </p:clrMapOvr>
-  <mc:AlternateContent xmlns:mc="http://schemas.openxmlformats.org/markup-compatibility/2006">
-    <mc:Choice xmlns:p14="http://schemas.microsoft.com/office/powerpoint/2010/main" Requires="p14">
+  <mc:AlternateContent xmlns:mc="http://schemas.openxmlformats.org/markup-compatibility/2006" xmlns:p14="http://schemas.microsoft.com/office/powerpoint/2010/main">
+    <mc:Choice Requires="p14">
       <p:transition spd="med" p14:dur="700">
         <p:fade/>
       </p:transition>
     </mc:Choice>
-    <mc:Fallback>
+    <mc:Fallback xmlns="">
       <p:transition spd="med">
         <p:fade/>
       </p:transition>
@@ -22438,6 +24143,560 @@
           <a:lstStyle/>
           <a:p>
             <a:r>
+              <a:rPr lang="de-DE" dirty="0" err="1"/>
+              <a:t>evaluation</a:t>
+            </a:r>
+            <a:endParaRPr lang="de-DE" dirty="0"/>
+          </a:p>
+        </p:txBody>
+      </p:sp>
+      <p:sp>
+        <p:nvSpPr>
+          <p:cNvPr id="3" name="Foliennummernplatzhalter 2">
+            <a:extLst>
+              <a:ext uri="{FF2B5EF4-FFF2-40B4-BE49-F238E27FC236}">
+                <a16:creationId xmlns:a16="http://schemas.microsoft.com/office/drawing/2014/main" id="{1B17E9E2-55D6-4740-9630-E6D323FB5D85}"/>
+              </a:ext>
+            </a:extLst>
+          </p:cNvPr>
+          <p:cNvSpPr>
+            <a:spLocks noGrp="1"/>
+          </p:cNvSpPr>
+          <p:nvPr>
+            <p:ph type="sldNum" idx="12"/>
+          </p:nvPr>
+        </p:nvSpPr>
+        <p:spPr/>
+        <p:txBody>
+          <a:bodyPr/>
+          <a:lstStyle/>
+          <a:p>
+            <a:pPr marL="0" lvl="0" indent="0" algn="r" rtl="0">
+              <a:spcBef>
+                <a:spcPts val="0"/>
+              </a:spcBef>
+              <a:spcAft>
+                <a:spcPts val="0"/>
+              </a:spcAft>
+              <a:buNone/>
+            </a:pPr>
+            <a:fld id="{00000000-1234-1234-1234-123412341234}" type="slidenum">
+              <a:rPr lang="de-DE" smtClean="0"/>
+              <a:t>20</a:t>
+            </a:fld>
+            <a:endParaRPr lang="de-DE"/>
+          </a:p>
+        </p:txBody>
+      </p:sp>
+      <p:graphicFrame>
+        <p:nvGraphicFramePr>
+          <p:cNvPr id="10" name="Diagramm 9">
+            <a:extLst>
+              <a:ext uri="{FF2B5EF4-FFF2-40B4-BE49-F238E27FC236}">
+                <a16:creationId xmlns:a16="http://schemas.microsoft.com/office/drawing/2014/main" id="{0523542C-EAC5-45C2-BF3E-1D62C86B01E3}"/>
+              </a:ext>
+            </a:extLst>
+          </p:cNvPr>
+          <p:cNvGraphicFramePr/>
+          <p:nvPr>
+            <p:extLst>
+              <p:ext uri="{D42A27DB-BD31-4B8C-83A1-F6EECF244321}">
+                <p14:modId xmlns:p14="http://schemas.microsoft.com/office/powerpoint/2010/main" val="433051875"/>
+              </p:ext>
+            </p:extLst>
+          </p:nvPr>
+        </p:nvGraphicFramePr>
+        <p:xfrm>
+          <a:off x="1195754" y="1017725"/>
+          <a:ext cx="6752492" cy="3993660"/>
+        </p:xfrm>
+        <a:graphic>
+          <a:graphicData uri="http://schemas.openxmlformats.org/drawingml/2006/chart">
+            <c:chart xmlns:c="http://schemas.openxmlformats.org/drawingml/2006/chart" xmlns:r="http://schemas.openxmlformats.org/officeDocument/2006/relationships" r:id="rId3"/>
+          </a:graphicData>
+        </a:graphic>
+      </p:graphicFrame>
+    </p:spTree>
+    <p:extLst>
+      <p:ext uri="{BB962C8B-B14F-4D97-AF65-F5344CB8AC3E}">
+        <p14:creationId xmlns:p14="http://schemas.microsoft.com/office/powerpoint/2010/main" val="3887418463"/>
+      </p:ext>
+    </p:extLst>
+  </p:cSld>
+  <p:clrMapOvr>
+    <a:masterClrMapping/>
+  </p:clrMapOvr>
+  <mc:AlternateContent xmlns:mc="http://schemas.openxmlformats.org/markup-compatibility/2006" xmlns:p14="http://schemas.microsoft.com/office/powerpoint/2010/main">
+    <mc:Choice Requires="p14">
+      <p:transition spd="med" p14:dur="700">
+        <p:fade/>
+      </p:transition>
+    </mc:Choice>
+    <mc:Fallback xmlns="">
+      <p:transition spd="med">
+        <p:fade/>
+      </p:transition>
+    </mc:Fallback>
+  </mc:AlternateContent>
+</p:sld>
+</file>
+
+<file path=ppt/slides/slide21.xml><?xml version="1.0" encoding="utf-8"?>
+<p:sld xmlns:a="http://schemas.openxmlformats.org/drawingml/2006/main" xmlns:r="http://schemas.openxmlformats.org/officeDocument/2006/relationships" xmlns:p="http://schemas.openxmlformats.org/presentationml/2006/main">
+  <p:cSld>
+    <p:spTree>
+      <p:nvGrpSpPr>
+        <p:cNvPr id="1" name=""/>
+        <p:cNvGrpSpPr/>
+        <p:nvPr/>
+      </p:nvGrpSpPr>
+      <p:grpSpPr>
+        <a:xfrm>
+          <a:off x="0" y="0"/>
+          <a:ext cx="0" cy="0"/>
+          <a:chOff x="0" y="0"/>
+          <a:chExt cx="0" cy="0"/>
+        </a:xfrm>
+      </p:grpSpPr>
+      <p:sp>
+        <p:nvSpPr>
+          <p:cNvPr id="2" name="Titel 1"/>
+          <p:cNvSpPr>
+            <a:spLocks noGrp="1"/>
+          </p:cNvSpPr>
+          <p:nvPr>
+            <p:ph type="title"/>
+          </p:nvPr>
+        </p:nvSpPr>
+        <p:spPr/>
+        <p:txBody>
+          <a:bodyPr>
+            <a:normAutofit/>
+          </a:bodyPr>
+          <a:lstStyle/>
+          <a:p>
+            <a:r>
+              <a:rPr lang="de-DE" dirty="0" err="1"/>
+              <a:t>evaluation</a:t>
+            </a:r>
+            <a:endParaRPr lang="de-DE" dirty="0"/>
+          </a:p>
+        </p:txBody>
+      </p:sp>
+      <p:sp>
+        <p:nvSpPr>
+          <p:cNvPr id="5" name="Textfeld 4">
+            <a:extLst>
+              <a:ext uri="{FF2B5EF4-FFF2-40B4-BE49-F238E27FC236}">
+                <a16:creationId xmlns:a16="http://schemas.microsoft.com/office/drawing/2014/main" id="{A9886561-8B74-4B06-B354-65CBF433D7A7}"/>
+              </a:ext>
+            </a:extLst>
+          </p:cNvPr>
+          <p:cNvSpPr txBox="1"/>
+          <p:nvPr/>
+        </p:nvSpPr>
+        <p:spPr>
+          <a:xfrm>
+            <a:off x="311700" y="1017725"/>
+            <a:ext cx="8520600" cy="2775055"/>
+          </a:xfrm>
+          <a:prstGeom prst="rect">
+            <a:avLst/>
+          </a:prstGeom>
+          <a:noFill/>
+        </p:spPr>
+        <p:txBody>
+          <a:bodyPr wrap="square" rtlCol="0">
+            <a:spAutoFit/>
+          </a:bodyPr>
+          <a:lstStyle/>
+          <a:p>
+            <a:pPr marL="285750" indent="-285750">
+              <a:lnSpc>
+                <a:spcPct val="200000"/>
+              </a:lnSpc>
+              <a:buFont typeface="Arial" panose="020B0604020202020204" pitchFamily="34" charset="0"/>
+              <a:buChar char="•"/>
+            </a:pPr>
+            <a:r>
+              <a:rPr lang="de-DE" dirty="0" err="1"/>
+              <a:t>Strengths</a:t>
+            </a:r>
+            <a:endParaRPr lang="de-DE" dirty="0"/>
+          </a:p>
+          <a:p>
+            <a:pPr marL="742950" lvl="1" indent="-285750">
+              <a:lnSpc>
+                <a:spcPct val="200000"/>
+              </a:lnSpc>
+              <a:buFont typeface="Arial" panose="020B0604020202020204" pitchFamily="34" charset="0"/>
+              <a:buChar char="•"/>
+            </a:pPr>
+            <a:endParaRPr lang="de-DE" dirty="0"/>
+          </a:p>
+          <a:p>
+            <a:pPr marL="285750" indent="-285750">
+              <a:lnSpc>
+                <a:spcPct val="200000"/>
+              </a:lnSpc>
+              <a:buFont typeface="Arial" panose="020B0604020202020204" pitchFamily="34" charset="0"/>
+              <a:buChar char="•"/>
+            </a:pPr>
+            <a:r>
+              <a:rPr lang="de-DE" dirty="0" err="1"/>
+              <a:t>Weaknesses</a:t>
+            </a:r>
+            <a:endParaRPr lang="de-DE" dirty="0"/>
+          </a:p>
+          <a:p>
+            <a:pPr marL="742950" lvl="1" indent="-285750">
+              <a:lnSpc>
+                <a:spcPct val="200000"/>
+              </a:lnSpc>
+              <a:buFont typeface="Arial" panose="020B0604020202020204" pitchFamily="34" charset="0"/>
+              <a:buChar char="•"/>
+            </a:pPr>
+            <a:r>
+              <a:rPr lang="de-DE" dirty="0"/>
+              <a:t>Events not observable in Block </a:t>
+            </a:r>
+            <a:r>
+              <a:rPr lang="de-DE" dirty="0" err="1"/>
+              <a:t>Reward</a:t>
+            </a:r>
+            <a:r>
+              <a:rPr lang="de-DE" dirty="0"/>
+              <a:t> </a:t>
+            </a:r>
+            <a:r>
+              <a:rPr lang="de-DE" dirty="0" err="1"/>
+              <a:t>Contract</a:t>
+            </a:r>
+            <a:endParaRPr lang="de-DE" dirty="0"/>
+          </a:p>
+          <a:p>
+            <a:pPr marL="742950" lvl="1" indent="-285750">
+              <a:lnSpc>
+                <a:spcPct val="200000"/>
+              </a:lnSpc>
+              <a:buFont typeface="Arial" panose="020B0604020202020204" pitchFamily="34" charset="0"/>
+              <a:buChar char="•"/>
+            </a:pPr>
+            <a:endParaRPr lang="de-DE" dirty="0"/>
+          </a:p>
+        </p:txBody>
+      </p:sp>
+      <p:sp>
+        <p:nvSpPr>
+          <p:cNvPr id="3" name="Foliennummernplatzhalter 2">
+            <a:extLst>
+              <a:ext uri="{FF2B5EF4-FFF2-40B4-BE49-F238E27FC236}">
+                <a16:creationId xmlns:a16="http://schemas.microsoft.com/office/drawing/2014/main" id="{1B17E9E2-55D6-4740-9630-E6D323FB5D85}"/>
+              </a:ext>
+            </a:extLst>
+          </p:cNvPr>
+          <p:cNvSpPr>
+            <a:spLocks noGrp="1"/>
+          </p:cNvSpPr>
+          <p:nvPr>
+            <p:ph type="sldNum" idx="12"/>
+          </p:nvPr>
+        </p:nvSpPr>
+        <p:spPr/>
+        <p:txBody>
+          <a:bodyPr/>
+          <a:lstStyle/>
+          <a:p>
+            <a:pPr marL="0" lvl="0" indent="0" algn="r" rtl="0">
+              <a:spcBef>
+                <a:spcPts val="0"/>
+              </a:spcBef>
+              <a:spcAft>
+                <a:spcPts val="0"/>
+              </a:spcAft>
+              <a:buNone/>
+            </a:pPr>
+            <a:fld id="{00000000-1234-1234-1234-123412341234}" type="slidenum">
+              <a:rPr lang="de-DE" smtClean="0"/>
+              <a:t>21</a:t>
+            </a:fld>
+            <a:endParaRPr lang="de-DE"/>
+          </a:p>
+        </p:txBody>
+      </p:sp>
+    </p:spTree>
+    <p:extLst>
+      <p:ext uri="{BB962C8B-B14F-4D97-AF65-F5344CB8AC3E}">
+        <p14:creationId xmlns:p14="http://schemas.microsoft.com/office/powerpoint/2010/main" val="3615969716"/>
+      </p:ext>
+    </p:extLst>
+  </p:cSld>
+  <p:clrMapOvr>
+    <a:masterClrMapping/>
+  </p:clrMapOvr>
+  <mc:AlternateContent xmlns:mc="http://schemas.openxmlformats.org/markup-compatibility/2006" xmlns:p14="http://schemas.microsoft.com/office/powerpoint/2010/main">
+    <mc:Choice Requires="p14">
+      <p:transition spd="med" p14:dur="700">
+        <p:fade/>
+      </p:transition>
+    </mc:Choice>
+    <mc:Fallback xmlns="">
+      <p:transition spd="med">
+        <p:fade/>
+      </p:transition>
+    </mc:Fallback>
+  </mc:AlternateContent>
+  <p:timing>
+    <p:tnLst>
+      <p:par>
+        <p:cTn id="1" dur="indefinite" restart="never" nodeType="tmRoot">
+          <p:childTnLst>
+            <p:seq concurrent="1" nextAc="seek">
+              <p:cTn id="2" dur="indefinite" nodeType="mainSeq">
+                <p:childTnLst>
+                  <p:par>
+                    <p:cTn id="3" fill="hold">
+                      <p:stCondLst>
+                        <p:cond delay="indefinite"/>
+                      </p:stCondLst>
+                      <p:childTnLst>
+                        <p:par>
+                          <p:cTn id="4" fill="hold">
+                            <p:stCondLst>
+                              <p:cond delay="0"/>
+                            </p:stCondLst>
+                            <p:childTnLst>
+                              <p:par>
+                                <p:cTn id="5" presetID="10" presetClass="entr" presetSubtype="0" fill="hold" nodeType="clickEffect">
+                                  <p:stCondLst>
+                                    <p:cond delay="0"/>
+                                  </p:stCondLst>
+                                  <p:childTnLst>
+                                    <p:set>
+                                      <p:cBhvr>
+                                        <p:cTn id="6" dur="1" fill="hold">
+                                          <p:stCondLst>
+                                            <p:cond delay="0"/>
+                                          </p:stCondLst>
+                                        </p:cTn>
+                                        <p:tgtEl>
+                                          <p:spTgt spid="5">
+                                            <p:txEl>
+                                              <p:pRg st="2" end="2"/>
+                                            </p:txEl>
+                                          </p:spTgt>
+                                        </p:tgtEl>
+                                        <p:attrNameLst>
+                                          <p:attrName>style.visibility</p:attrName>
+                                        </p:attrNameLst>
+                                      </p:cBhvr>
+                                      <p:to>
+                                        <p:strVal val="visible"/>
+                                      </p:to>
+                                    </p:set>
+                                    <p:animEffect transition="in" filter="fade">
+                                      <p:cBhvr>
+                                        <p:cTn id="7" dur="500"/>
+                                        <p:tgtEl>
+                                          <p:spTgt spid="5">
+                                            <p:txEl>
+                                              <p:pRg st="2" end="2"/>
+                                            </p:txEl>
+                                          </p:spTgt>
+                                        </p:tgtEl>
+                                      </p:cBhvr>
+                                    </p:animEffect>
+                                  </p:childTnLst>
+                                </p:cTn>
+                              </p:par>
+                            </p:childTnLst>
+                          </p:cTn>
+                        </p:par>
+                      </p:childTnLst>
+                    </p:cTn>
+                  </p:par>
+                  <p:par>
+                    <p:cTn id="8" fill="hold">
+                      <p:stCondLst>
+                        <p:cond delay="indefinite"/>
+                      </p:stCondLst>
+                      <p:childTnLst>
+                        <p:par>
+                          <p:cTn id="9" fill="hold">
+                            <p:stCondLst>
+                              <p:cond delay="0"/>
+                            </p:stCondLst>
+                            <p:childTnLst>
+                              <p:par>
+                                <p:cTn id="10" presetID="10" presetClass="entr" presetSubtype="0" fill="hold" nodeType="clickEffect">
+                                  <p:stCondLst>
+                                    <p:cond delay="0"/>
+                                  </p:stCondLst>
+                                  <p:childTnLst>
+                                    <p:set>
+                                      <p:cBhvr>
+                                        <p:cTn id="11" dur="1" fill="hold">
+                                          <p:stCondLst>
+                                            <p:cond delay="0"/>
+                                          </p:stCondLst>
+                                        </p:cTn>
+                                        <p:tgtEl>
+                                          <p:spTgt spid="5">
+                                            <p:txEl>
+                                              <p:pRg st="3" end="3"/>
+                                            </p:txEl>
+                                          </p:spTgt>
+                                        </p:tgtEl>
+                                        <p:attrNameLst>
+                                          <p:attrName>style.visibility</p:attrName>
+                                        </p:attrNameLst>
+                                      </p:cBhvr>
+                                      <p:to>
+                                        <p:strVal val="visible"/>
+                                      </p:to>
+                                    </p:set>
+                                    <p:animEffect transition="in" filter="fade">
+                                      <p:cBhvr>
+                                        <p:cTn id="12" dur="500"/>
+                                        <p:tgtEl>
+                                          <p:spTgt spid="5">
+                                            <p:txEl>
+                                              <p:pRg st="3" end="3"/>
+                                            </p:txEl>
+                                          </p:spTgt>
+                                        </p:tgtEl>
+                                      </p:cBhvr>
+                                    </p:animEffect>
+                                  </p:childTnLst>
+                                </p:cTn>
+                              </p:par>
+                            </p:childTnLst>
+                          </p:cTn>
+                        </p:par>
+                      </p:childTnLst>
+                    </p:cTn>
+                  </p:par>
+                  <p:par>
+                    <p:cTn id="13" fill="hold">
+                      <p:stCondLst>
+                        <p:cond delay="indefinite"/>
+                      </p:stCondLst>
+                      <p:childTnLst>
+                        <p:par>
+                          <p:cTn id="14" fill="hold">
+                            <p:stCondLst>
+                              <p:cond delay="0"/>
+                            </p:stCondLst>
+                            <p:childTnLst>
+                              <p:par>
+                                <p:cTn id="15" presetID="10" presetClass="entr" presetSubtype="0" fill="hold" nodeType="clickEffect">
+                                  <p:stCondLst>
+                                    <p:cond delay="0"/>
+                                  </p:stCondLst>
+                                  <p:childTnLst>
+                                    <p:set>
+                                      <p:cBhvr>
+                                        <p:cTn id="16" dur="1" fill="hold">
+                                          <p:stCondLst>
+                                            <p:cond delay="0"/>
+                                          </p:stCondLst>
+                                        </p:cTn>
+                                        <p:tgtEl>
+                                          <p:spTgt spid="5">
+                                            <p:txEl>
+                                              <p:pRg st="0" end="0"/>
+                                            </p:txEl>
+                                          </p:spTgt>
+                                        </p:tgtEl>
+                                        <p:attrNameLst>
+                                          <p:attrName>style.visibility</p:attrName>
+                                        </p:attrNameLst>
+                                      </p:cBhvr>
+                                      <p:to>
+                                        <p:strVal val="visible"/>
+                                      </p:to>
+                                    </p:set>
+                                    <p:animEffect transition="in" filter="fade">
+                                      <p:cBhvr>
+                                        <p:cTn id="17" dur="500"/>
+                                        <p:tgtEl>
+                                          <p:spTgt spid="5">
+                                            <p:txEl>
+                                              <p:pRg st="0" end="0"/>
+                                            </p:txEl>
+                                          </p:spTgt>
+                                        </p:tgtEl>
+                                      </p:cBhvr>
+                                    </p:animEffect>
+                                  </p:childTnLst>
+                                </p:cTn>
+                              </p:par>
+                            </p:childTnLst>
+                          </p:cTn>
+                        </p:par>
+                      </p:childTnLst>
+                    </p:cTn>
+                  </p:par>
+                </p:childTnLst>
+              </p:cTn>
+              <p:prevCondLst>
+                <p:cond evt="onPrev" delay="0">
+                  <p:tgtEl>
+                    <p:sldTgt/>
+                  </p:tgtEl>
+                </p:cond>
+              </p:prevCondLst>
+              <p:nextCondLst>
+                <p:cond evt="onNext" delay="0">
+                  <p:tgtEl>
+                    <p:sldTgt/>
+                  </p:tgtEl>
+                </p:cond>
+              </p:nextCondLst>
+            </p:seq>
+          </p:childTnLst>
+        </p:cTn>
+      </p:par>
+    </p:tnLst>
+  </p:timing>
+</p:sld>
+</file>
+
+<file path=ppt/slides/slide22.xml><?xml version="1.0" encoding="utf-8"?>
+<p:sld xmlns:a="http://schemas.openxmlformats.org/drawingml/2006/main" xmlns:r="http://schemas.openxmlformats.org/officeDocument/2006/relationships" xmlns:p="http://schemas.openxmlformats.org/presentationml/2006/main" show="0">
+  <p:cSld>
+    <p:spTree>
+      <p:nvGrpSpPr>
+        <p:cNvPr id="1" name=""/>
+        <p:cNvGrpSpPr/>
+        <p:nvPr/>
+      </p:nvGrpSpPr>
+      <p:grpSpPr>
+        <a:xfrm>
+          <a:off x="0" y="0"/>
+          <a:ext cx="0" cy="0"/>
+          <a:chOff x="0" y="0"/>
+          <a:chExt cx="0" cy="0"/>
+        </a:xfrm>
+      </p:grpSpPr>
+      <p:sp>
+        <p:nvSpPr>
+          <p:cNvPr id="2" name="Titel 1"/>
+          <p:cNvSpPr>
+            <a:spLocks noGrp="1"/>
+          </p:cNvSpPr>
+          <p:nvPr>
+            <p:ph type="title"/>
+          </p:nvPr>
+        </p:nvSpPr>
+        <p:spPr/>
+        <p:txBody>
+          <a:bodyPr>
+            <a:normAutofit/>
+          </a:bodyPr>
+          <a:lstStyle/>
+          <a:p>
+            <a:r>
               <a:rPr lang="de-DE" dirty="0"/>
               <a:t>Next </a:t>
             </a:r>
@@ -22543,6 +24802,44 @@
               <a:t>aware</a:t>
             </a:r>
             <a:endParaRPr lang="de-DE" dirty="0"/>
+          </a:p>
+        </p:txBody>
+      </p:sp>
+      <p:sp>
+        <p:nvSpPr>
+          <p:cNvPr id="3" name="Foliennummernplatzhalter 2">
+            <a:extLst>
+              <a:ext uri="{FF2B5EF4-FFF2-40B4-BE49-F238E27FC236}">
+                <a16:creationId xmlns:a16="http://schemas.microsoft.com/office/drawing/2014/main" id="{1B17E9E2-55D6-4740-9630-E6D323FB5D85}"/>
+              </a:ext>
+            </a:extLst>
+          </p:cNvPr>
+          <p:cNvSpPr>
+            <a:spLocks noGrp="1"/>
+          </p:cNvSpPr>
+          <p:nvPr>
+            <p:ph type="sldNum" idx="12"/>
+          </p:nvPr>
+        </p:nvSpPr>
+        <p:spPr/>
+        <p:txBody>
+          <a:bodyPr/>
+          <a:lstStyle/>
+          <a:p>
+            <a:pPr marL="0" lvl="0" indent="0" algn="r" rtl="0">
+              <a:spcBef>
+                <a:spcPts val="0"/>
+              </a:spcBef>
+              <a:spcAft>
+                <a:spcPts val="0"/>
+              </a:spcAft>
+              <a:buNone/>
+            </a:pPr>
+            <a:fld id="{00000000-1234-1234-1234-123412341234}" type="slidenum">
+              <a:rPr lang="de-DE" smtClean="0"/>
+              <a:t>22</a:t>
+            </a:fld>
+            <a:endParaRPr lang="de-DE"/>
           </a:p>
         </p:txBody>
       </p:sp>
@@ -22723,7 +25020,7 @@
 </p:sld>
 </file>
 
-<file path=ppt/slides/slide21.xml><?xml version="1.0" encoding="utf-8"?>
+<file path=ppt/slides/slide23.xml><?xml version="1.0" encoding="utf-8"?>
 <p:sld xmlns:a="http://schemas.openxmlformats.org/drawingml/2006/main" xmlns:r="http://schemas.openxmlformats.org/officeDocument/2006/relationships" xmlns:p="http://schemas.openxmlformats.org/presentationml/2006/main">
   <p:cSld>
     <p:spTree>
@@ -22787,7 +25084,7 @@
         <p:spPr>
           <a:xfrm>
             <a:off x="311700" y="1017725"/>
-            <a:ext cx="8520600" cy="1667059"/>
+            <a:ext cx="8520600" cy="2221057"/>
           </a:xfrm>
           <a:prstGeom prst="rect">
             <a:avLst/>
@@ -22835,6 +25132,22 @@
             </a:r>
           </a:p>
           <a:p>
+            <a:pPr lvl="1">
+              <a:lnSpc>
+                <a:spcPct val="200000"/>
+              </a:lnSpc>
+            </a:pPr>
+            <a:r>
+              <a:rPr lang="de-DE" dirty="0"/>
+              <a:t>→ </a:t>
+            </a:r>
+            <a:r>
+              <a:rPr lang="de-DE" dirty="0" err="1"/>
+              <a:t>Hawk</a:t>
+            </a:r>
+            <a:endParaRPr lang="de-DE" dirty="0"/>
+          </a:p>
+          <a:p>
             <a:pPr>
               <a:lnSpc>
                 <a:spcPct val="200000"/>
@@ -22849,6 +25162,44 @@
               <a:t>ZoKrates</a:t>
             </a:r>
             <a:endParaRPr lang="de-DE" dirty="0"/>
+          </a:p>
+        </p:txBody>
+      </p:sp>
+      <p:sp>
+        <p:nvSpPr>
+          <p:cNvPr id="3" name="Foliennummernplatzhalter 2">
+            <a:extLst>
+              <a:ext uri="{FF2B5EF4-FFF2-40B4-BE49-F238E27FC236}">
+                <a16:creationId xmlns:a16="http://schemas.microsoft.com/office/drawing/2014/main" id="{B605C693-9F7E-409F-B6C2-CB60EB7EF69C}"/>
+              </a:ext>
+            </a:extLst>
+          </p:cNvPr>
+          <p:cNvSpPr>
+            <a:spLocks noGrp="1"/>
+          </p:cNvSpPr>
+          <p:nvPr>
+            <p:ph type="sldNum" idx="12"/>
+          </p:nvPr>
+        </p:nvSpPr>
+        <p:spPr/>
+        <p:txBody>
+          <a:bodyPr/>
+          <a:lstStyle/>
+          <a:p>
+            <a:pPr marL="0" lvl="0" indent="0" algn="r" rtl="0">
+              <a:spcBef>
+                <a:spcPts val="0"/>
+              </a:spcBef>
+              <a:spcAft>
+                <a:spcPts val="0"/>
+              </a:spcAft>
+              <a:buNone/>
+            </a:pPr>
+            <a:fld id="{00000000-1234-1234-1234-123412341234}" type="slidenum">
+              <a:rPr lang="de-DE" smtClean="0"/>
+              <a:t>23</a:t>
+            </a:fld>
+            <a:endParaRPr lang="de-DE"/>
           </a:p>
         </p:txBody>
       </p:sp>
@@ -22862,13 +25213,13 @@
   <p:clrMapOvr>
     <a:masterClrMapping/>
   </p:clrMapOvr>
-  <mc:AlternateContent xmlns:mc="http://schemas.openxmlformats.org/markup-compatibility/2006">
-    <mc:Choice xmlns:p14="http://schemas.microsoft.com/office/powerpoint/2010/main" Requires="p14">
+  <mc:AlternateContent xmlns:mc="http://schemas.openxmlformats.org/markup-compatibility/2006" xmlns:p14="http://schemas.microsoft.com/office/powerpoint/2010/main">
+    <mc:Choice Requires="p14">
       <p:transition spd="med" p14:dur="700">
         <p:fade/>
       </p:transition>
     </mc:Choice>
-    <mc:Fallback>
+    <mc:Fallback xmlns="">
       <p:transition spd="med">
         <p:fade/>
       </p:transition>
@@ -22983,7 +25334,7 @@
                                       </p:cBhvr>
                                       <p:to>
                                         <p:clrVal>
-                                          <a:srgbClr val="7C899A"/>
+                                          <a:srgbClr val="757575"/>
                                         </p:clrVal>
                                       </p:to>
                                     </p:set>
@@ -23003,7 +25354,7 @@
                                       </p:cBhvr>
                                       <p:to>
                                         <p:clrVal>
-                                          <a:srgbClr val="7C899A"/>
+                                          <a:srgbClr val="757575"/>
                                         </p:clrVal>
                                       </p:to>
                                     </p:set>
@@ -23108,10 +25459,13 @@
                             </p:stCondLst>
                             <p:childTnLst>
                               <p:par>
-                                <p:cTn id="21" presetID="10" presetClass="entr" presetSubtype="0" fill="hold" grpId="0" nodeType="clickEffect">
+                                <p:cTn id="21" presetID="10" presetClass="entr" presetSubtype="0" fill="hold" nodeType="clickEffect">
                                   <p:stCondLst>
                                     <p:cond delay="0"/>
                                   </p:stCondLst>
+                                  <p:iterate type="lt">
+                                    <p:tmPct val="0"/>
+                                  </p:iterate>
                                   <p:childTnLst>
                                     <p:set>
                                       <p:cBhvr>
@@ -23156,6 +25510,155 @@
                       </p:childTnLst>
                     </p:cTn>
                   </p:par>
+                  <p:par>
+                    <p:cTn id="24" fill="hold">
+                      <p:stCondLst>
+                        <p:cond delay="indefinite"/>
+                      </p:stCondLst>
+                      <p:childTnLst>
+                        <p:par>
+                          <p:cTn id="25" fill="hold">
+                            <p:stCondLst>
+                              <p:cond delay="0"/>
+                            </p:stCondLst>
+                            <p:childTnLst>
+                              <p:par>
+                                <p:cTn id="26" presetID="16" presetClass="emph" presetSubtype="0" fill="hold" grpId="1" nodeType="clickEffect">
+                                  <p:stCondLst>
+                                    <p:cond delay="0"/>
+                                  </p:stCondLst>
+                                  <p:iterate type="lt">
+                                    <p:tmPct val="4000"/>
+                                  </p:iterate>
+                                  <p:childTnLst>
+                                    <p:set>
+                                      <p:cBhvr override="childStyle">
+                                        <p:cTn id="27" dur="500" fill="hold"/>
+                                        <p:tgtEl>
+                                          <p:spTgt spid="5">
+                                            <p:txEl>
+                                              <p:pRg st="2" end="2"/>
+                                            </p:txEl>
+                                          </p:spTgt>
+                                        </p:tgtEl>
+                                        <p:attrNameLst>
+                                          <p:attrName>style.color</p:attrName>
+                                        </p:attrNameLst>
+                                      </p:cBhvr>
+                                      <p:to>
+                                        <p:clrVal>
+                                          <a:srgbClr val="757575"/>
+                                        </p:clrVal>
+                                      </p:to>
+                                    </p:set>
+                                    <p:set>
+                                      <p:cBhvr>
+                                        <p:cTn id="28" dur="500" fill="hold"/>
+                                        <p:tgtEl>
+                                          <p:spTgt spid="5">
+                                            <p:txEl>
+                                              <p:pRg st="2" end="2"/>
+                                            </p:txEl>
+                                          </p:spTgt>
+                                        </p:tgtEl>
+                                        <p:attrNameLst>
+                                          <p:attrName>fillcolor</p:attrName>
+                                        </p:attrNameLst>
+                                      </p:cBhvr>
+                                      <p:to>
+                                        <p:clrVal>
+                                          <a:srgbClr val="757575"/>
+                                        </p:clrVal>
+                                      </p:to>
+                                    </p:set>
+                                    <p:set>
+                                      <p:cBhvr>
+                                        <p:cTn id="29" dur="500" fill="hold"/>
+                                        <p:tgtEl>
+                                          <p:spTgt spid="5">
+                                            <p:txEl>
+                                              <p:pRg st="2" end="2"/>
+                                            </p:txEl>
+                                          </p:spTgt>
+                                        </p:tgtEl>
+                                        <p:attrNameLst>
+                                          <p:attrName>fill.type</p:attrName>
+                                        </p:attrNameLst>
+                                      </p:cBhvr>
+                                      <p:to>
+                                        <p:strVal val="solid"/>
+                                      </p:to>
+                                    </p:set>
+                                  </p:childTnLst>
+                                </p:cTn>
+                              </p:par>
+                            </p:childTnLst>
+                          </p:cTn>
+                        </p:par>
+                      </p:childTnLst>
+                    </p:cTn>
+                  </p:par>
+                  <p:par>
+                    <p:cTn id="30" fill="hold">
+                      <p:stCondLst>
+                        <p:cond delay="indefinite"/>
+                      </p:stCondLst>
+                      <p:childTnLst>
+                        <p:par>
+                          <p:cTn id="31" fill="hold">
+                            <p:stCondLst>
+                              <p:cond delay="0"/>
+                            </p:stCondLst>
+                            <p:childTnLst>
+                              <p:par>
+                                <p:cTn id="32" presetID="10" presetClass="entr" presetSubtype="0" fill="hold" grpId="0" nodeType="clickEffect">
+                                  <p:stCondLst>
+                                    <p:cond delay="0"/>
+                                  </p:stCondLst>
+                                  <p:childTnLst>
+                                    <p:set>
+                                      <p:cBhvr>
+                                        <p:cTn id="33" dur="1" fill="hold">
+                                          <p:stCondLst>
+                                            <p:cond delay="0"/>
+                                          </p:stCondLst>
+                                        </p:cTn>
+                                        <p:tgtEl>
+                                          <p:spTgt spid="5">
+                                            <p:txEl>
+                                              <p:pRg st="3" end="3"/>
+                                            </p:txEl>
+                                          </p:spTgt>
+                                        </p:tgtEl>
+                                        <p:attrNameLst>
+                                          <p:attrName>style.visibility</p:attrName>
+                                        </p:attrNameLst>
+                                      </p:cBhvr>
+                                      <p:to>
+                                        <p:strVal val="visible"/>
+                                      </p:to>
+                                    </p:set>
+                                    <p:animEffect transition="in" filter="fade">
+                                      <p:cBhvr>
+                                        <p:cTn id="34" dur="500"/>
+                                        <p:tgtEl>
+                                          <p:spTgt spid="5">
+                                            <p:txEl>
+                                              <p:pRg st="3" end="3"/>
+                                            </p:txEl>
+                                          </p:spTgt>
+                                        </p:tgtEl>
+                                      </p:cBhvr>
+                                    </p:animEffect>
+                                  </p:childTnLst>
+                                </p:cTn>
+                              </p:par>
+                            </p:childTnLst>
+                          </p:cTn>
+                        </p:par>
+                      </p:childTnLst>
+                    </p:cTn>
+                  </p:par>
                 </p:childTnLst>
               </p:cTn>
               <p:prevCondLst>
@@ -23179,12 +25682,13 @@
     </p:tnLst>
     <p:bldLst>
       <p:bldP spid="5" grpId="0" uiExpand="1" build="allAtOnce"/>
+      <p:bldP spid="5" grpId="1" uiExpand="1" build="allAtOnce"/>
     </p:bldLst>
   </p:timing>
 </p:sld>
 </file>
 
-<file path=ppt/slides/slide22.xml><?xml version="1.0" encoding="utf-8"?>
+<file path=ppt/slides/slide24.xml><?xml version="1.0" encoding="utf-8"?>
 <p:sld xmlns:a="http://schemas.openxmlformats.org/drawingml/2006/main" xmlns:r="http://schemas.openxmlformats.org/officeDocument/2006/relationships" xmlns:p="http://schemas.openxmlformats.org/presentationml/2006/main">
   <p:cSld>
     <p:spTree>
@@ -23238,13 +25742,13 @@
   <p:clrMapOvr>
     <a:masterClrMapping/>
   </p:clrMapOvr>
-  <mc:AlternateContent xmlns:mc="http://schemas.openxmlformats.org/markup-compatibility/2006">
-    <mc:Choice xmlns:p159="http://schemas.microsoft.com/office/powerpoint/2015/09/main" Requires="p159">
+  <mc:AlternateContent xmlns:mc="http://schemas.openxmlformats.org/markup-compatibility/2006" xmlns:p159="http://schemas.microsoft.com/office/powerpoint/2015/09/main">
+    <mc:Choice Requires="p159">
       <p:transition xmlns:p14="http://schemas.microsoft.com/office/powerpoint/2010/main" spd="slow" p14:dur="2000">
         <p159:morph option="byObject"/>
       </p:transition>
     </mc:Choice>
-    <mc:Fallback>
+    <mc:Fallback xmlns="">
       <p:transition spd="slow">
         <p:fade/>
       </p:transition>
@@ -23876,6 +26380,44 @@
           </a:p>
         </p:txBody>
       </p:sp>
+      <p:sp>
+        <p:nvSpPr>
+          <p:cNvPr id="3" name="Foliennummernplatzhalter 2">
+            <a:extLst>
+              <a:ext uri="{FF2B5EF4-FFF2-40B4-BE49-F238E27FC236}">
+                <a16:creationId xmlns:a16="http://schemas.microsoft.com/office/drawing/2014/main" id="{77C5ECF9-13E2-4555-AADC-503907462A2A}"/>
+              </a:ext>
+            </a:extLst>
+          </p:cNvPr>
+          <p:cNvSpPr>
+            <a:spLocks noGrp="1"/>
+          </p:cNvSpPr>
+          <p:nvPr>
+            <p:ph type="sldNum" idx="12"/>
+          </p:nvPr>
+        </p:nvSpPr>
+        <p:spPr/>
+        <p:txBody>
+          <a:bodyPr/>
+          <a:lstStyle/>
+          <a:p>
+            <a:pPr marL="0" lvl="0" indent="0" algn="r" rtl="0">
+              <a:spcBef>
+                <a:spcPts val="0"/>
+              </a:spcBef>
+              <a:spcAft>
+                <a:spcPts val="0"/>
+              </a:spcAft>
+              <a:buNone/>
+            </a:pPr>
+            <a:fld id="{00000000-1234-1234-1234-123412341234}" type="slidenum">
+              <a:rPr lang="de-DE" smtClean="0"/>
+              <a:t>3</a:t>
+            </a:fld>
+            <a:endParaRPr lang="de-DE" dirty="0"/>
+          </a:p>
+        </p:txBody>
+      </p:sp>
     </p:spTree>
     <p:extLst>
       <p:ext uri="{BB962C8B-B14F-4D97-AF65-F5344CB8AC3E}">
@@ -23886,13 +26428,13 @@
   <p:clrMapOvr>
     <a:masterClrMapping/>
   </p:clrMapOvr>
-  <mc:AlternateContent xmlns:mc="http://schemas.openxmlformats.org/markup-compatibility/2006">
-    <mc:Choice xmlns:p14="http://schemas.microsoft.com/office/powerpoint/2010/main" Requires="p14">
+  <mc:AlternateContent xmlns:mc="http://schemas.openxmlformats.org/markup-compatibility/2006" xmlns:p14="http://schemas.microsoft.com/office/powerpoint/2010/main">
+    <mc:Choice Requires="p14">
       <p:transition spd="med" p14:dur="700">
         <p:fade/>
       </p:transition>
     </mc:Choice>
-    <mc:Fallback>
+    <mc:Fallback xmlns="">
       <p:transition spd="med">
         <p:fade/>
       </p:transition>
@@ -24578,6 +27120,44 @@
           </a:p>
         </p:txBody>
       </p:sp>
+      <p:sp>
+        <p:nvSpPr>
+          <p:cNvPr id="3" name="Foliennummernplatzhalter 2">
+            <a:extLst>
+              <a:ext uri="{FF2B5EF4-FFF2-40B4-BE49-F238E27FC236}">
+                <a16:creationId xmlns:a16="http://schemas.microsoft.com/office/drawing/2014/main" id="{892A7B7C-9A94-4022-A237-A341A91CEDE3}"/>
+              </a:ext>
+            </a:extLst>
+          </p:cNvPr>
+          <p:cNvSpPr>
+            <a:spLocks noGrp="1"/>
+          </p:cNvSpPr>
+          <p:nvPr>
+            <p:ph type="sldNum" idx="12"/>
+          </p:nvPr>
+        </p:nvSpPr>
+        <p:spPr/>
+        <p:txBody>
+          <a:bodyPr/>
+          <a:lstStyle/>
+          <a:p>
+            <a:pPr marL="0" lvl="0" indent="0" algn="r" rtl="0">
+              <a:spcBef>
+                <a:spcPts val="0"/>
+              </a:spcBef>
+              <a:spcAft>
+                <a:spcPts val="0"/>
+              </a:spcAft>
+              <a:buNone/>
+            </a:pPr>
+            <a:fld id="{00000000-1234-1234-1234-123412341234}" type="slidenum">
+              <a:rPr lang="de-DE" smtClean="0"/>
+              <a:t>4</a:t>
+            </a:fld>
+            <a:endParaRPr lang="de-DE"/>
+          </a:p>
+        </p:txBody>
+      </p:sp>
     </p:spTree>
     <p:extLst>
       <p:ext uri="{BB962C8B-B14F-4D97-AF65-F5344CB8AC3E}">
@@ -24588,13 +27168,13 @@
   <p:clrMapOvr>
     <a:masterClrMapping/>
   </p:clrMapOvr>
-  <mc:AlternateContent xmlns:mc="http://schemas.openxmlformats.org/markup-compatibility/2006">
-    <mc:Choice xmlns:p159="http://schemas.microsoft.com/office/powerpoint/2015/09/main" Requires="p159">
+  <mc:AlternateContent xmlns:mc="http://schemas.openxmlformats.org/markup-compatibility/2006" xmlns:p159="http://schemas.microsoft.com/office/powerpoint/2015/09/main">
+    <mc:Choice Requires="p159">
       <p:transition xmlns:p14="http://schemas.microsoft.com/office/powerpoint/2010/main" spd="slow" p14:dur="2000">
         <p159:morph option="byObject"/>
       </p:transition>
     </mc:Choice>
-    <mc:Fallback>
+    <mc:Fallback xmlns="">
       <p:transition spd="slow">
         <p:fade/>
       </p:transition>
@@ -25226,6 +27806,44 @@
           </a:fontRef>
         </p:style>
       </p:cxnSp>
+      <p:sp>
+        <p:nvSpPr>
+          <p:cNvPr id="3" name="Foliennummernplatzhalter 2">
+            <a:extLst>
+              <a:ext uri="{FF2B5EF4-FFF2-40B4-BE49-F238E27FC236}">
+                <a16:creationId xmlns:a16="http://schemas.microsoft.com/office/drawing/2014/main" id="{B14DD95E-2A26-4FD4-8851-FEAD57F76B5F}"/>
+              </a:ext>
+            </a:extLst>
+          </p:cNvPr>
+          <p:cNvSpPr>
+            <a:spLocks noGrp="1"/>
+          </p:cNvSpPr>
+          <p:nvPr>
+            <p:ph type="sldNum" idx="12"/>
+          </p:nvPr>
+        </p:nvSpPr>
+        <p:spPr/>
+        <p:txBody>
+          <a:bodyPr/>
+          <a:lstStyle/>
+          <a:p>
+            <a:pPr marL="0" lvl="0" indent="0" algn="r" rtl="0">
+              <a:spcBef>
+                <a:spcPts val="0"/>
+              </a:spcBef>
+              <a:spcAft>
+                <a:spcPts val="0"/>
+              </a:spcAft>
+              <a:buNone/>
+            </a:pPr>
+            <a:fld id="{00000000-1234-1234-1234-123412341234}" type="slidenum">
+              <a:rPr lang="de-DE" smtClean="0"/>
+              <a:t>5</a:t>
+            </a:fld>
+            <a:endParaRPr lang="de-DE"/>
+          </a:p>
+        </p:txBody>
+      </p:sp>
     </p:spTree>
     <p:extLst>
       <p:ext uri="{BB962C8B-B14F-4D97-AF65-F5344CB8AC3E}">
@@ -25236,13 +27854,13 @@
   <p:clrMapOvr>
     <a:masterClrMapping/>
   </p:clrMapOvr>
-  <mc:AlternateContent xmlns:mc="http://schemas.openxmlformats.org/markup-compatibility/2006">
-    <mc:Choice xmlns:p159="http://schemas.microsoft.com/office/powerpoint/2015/09/main" Requires="p159">
+  <mc:AlternateContent xmlns:mc="http://schemas.openxmlformats.org/markup-compatibility/2006" xmlns:p159="http://schemas.microsoft.com/office/powerpoint/2015/09/main">
+    <mc:Choice Requires="p159">
       <p:transition xmlns:p14="http://schemas.microsoft.com/office/powerpoint/2010/main" spd="slow" p14:dur="2000">
         <p159:morph option="byObject"/>
       </p:transition>
     </mc:Choice>
-    <mc:Fallback>
+    <mc:Fallback xmlns="">
       <p:transition spd="slow">
         <p:fade/>
       </p:transition>
@@ -25914,6 +28532,44 @@
           </a:fontRef>
         </p:style>
       </p:cxnSp>
+      <p:sp>
+        <p:nvSpPr>
+          <p:cNvPr id="3" name="Foliennummernplatzhalter 2">
+            <a:extLst>
+              <a:ext uri="{FF2B5EF4-FFF2-40B4-BE49-F238E27FC236}">
+                <a16:creationId xmlns:a16="http://schemas.microsoft.com/office/drawing/2014/main" id="{C9B84199-97C6-4375-85BE-8FF585378839}"/>
+              </a:ext>
+            </a:extLst>
+          </p:cNvPr>
+          <p:cNvSpPr>
+            <a:spLocks noGrp="1"/>
+          </p:cNvSpPr>
+          <p:nvPr>
+            <p:ph type="sldNum" idx="12"/>
+          </p:nvPr>
+        </p:nvSpPr>
+        <p:spPr/>
+        <p:txBody>
+          <a:bodyPr/>
+          <a:lstStyle/>
+          <a:p>
+            <a:pPr marL="0" lvl="0" indent="0" algn="r" rtl="0">
+              <a:spcBef>
+                <a:spcPts val="0"/>
+              </a:spcBef>
+              <a:spcAft>
+                <a:spcPts val="0"/>
+              </a:spcAft>
+              <a:buNone/>
+            </a:pPr>
+            <a:fld id="{00000000-1234-1234-1234-123412341234}" type="slidenum">
+              <a:rPr lang="de-DE" smtClean="0"/>
+              <a:t>6</a:t>
+            </a:fld>
+            <a:endParaRPr lang="de-DE"/>
+          </a:p>
+        </p:txBody>
+      </p:sp>
     </p:spTree>
     <p:extLst>
       <p:ext uri="{BB962C8B-B14F-4D97-AF65-F5344CB8AC3E}">
@@ -25924,13 +28580,13 @@
   <p:clrMapOvr>
     <a:masterClrMapping/>
   </p:clrMapOvr>
-  <mc:AlternateContent xmlns:mc="http://schemas.openxmlformats.org/markup-compatibility/2006">
-    <mc:Choice xmlns:p159="http://schemas.microsoft.com/office/powerpoint/2015/09/main" Requires="p159">
+  <mc:AlternateContent xmlns:mc="http://schemas.openxmlformats.org/markup-compatibility/2006" xmlns:p159="http://schemas.microsoft.com/office/powerpoint/2015/09/main">
+    <mc:Choice Requires="p159">
       <p:transition xmlns:p14="http://schemas.microsoft.com/office/powerpoint/2010/main" spd="slow" p14:dur="2000">
         <p159:morph option="byObject"/>
       </p:transition>
     </mc:Choice>
-    <mc:Fallback>
+    <mc:Fallback xmlns="">
       <p:transition spd="slow">
         <p:fade/>
       </p:transition>
@@ -26004,13 +28660,13 @@
   <p:clrMapOvr>
     <a:masterClrMapping/>
   </p:clrMapOvr>
-  <mc:AlternateContent xmlns:mc="http://schemas.openxmlformats.org/markup-compatibility/2006">
-    <mc:Choice xmlns:p14="http://schemas.microsoft.com/office/powerpoint/2010/main" Requires="p14">
+  <mc:AlternateContent xmlns:mc="http://schemas.openxmlformats.org/markup-compatibility/2006" xmlns:p14="http://schemas.microsoft.com/office/powerpoint/2010/main">
+    <mc:Choice Requires="p14">
       <p:transition spd="med" p14:dur="700">
         <p:fade/>
       </p:transition>
     </mc:Choice>
-    <mc:Fallback>
+    <mc:Fallback xmlns="">
       <p:transition spd="med">
         <p:fade/>
       </p:transition>
@@ -26357,7 +29013,7 @@
         </p:nvSpPr>
         <p:spPr>
           <a:xfrm>
-            <a:off x="1149993" y="1602988"/>
+            <a:off x="1115844" y="3638718"/>
             <a:ext cx="1486662" cy="523220"/>
           </a:xfrm>
           <a:prstGeom prst="rect">
@@ -26478,6 +29134,124 @@
           </a:p>
         </p:txBody>
       </p:sp>
+      <p:sp>
+        <p:nvSpPr>
+          <p:cNvPr id="3" name="Foliennummernplatzhalter 2">
+            <a:extLst>
+              <a:ext uri="{FF2B5EF4-FFF2-40B4-BE49-F238E27FC236}">
+                <a16:creationId xmlns:a16="http://schemas.microsoft.com/office/drawing/2014/main" id="{327A21DC-A0B1-4EDF-B28E-0ED55ACEC48B}"/>
+              </a:ext>
+            </a:extLst>
+          </p:cNvPr>
+          <p:cNvSpPr>
+            <a:spLocks noGrp="1"/>
+          </p:cNvSpPr>
+          <p:nvPr>
+            <p:ph type="sldNum" idx="12"/>
+          </p:nvPr>
+        </p:nvSpPr>
+        <p:spPr/>
+        <p:txBody>
+          <a:bodyPr/>
+          <a:lstStyle/>
+          <a:p>
+            <a:pPr marL="0" lvl="0" indent="0" algn="r" rtl="0">
+              <a:spcBef>
+                <a:spcPts val="0"/>
+              </a:spcBef>
+              <a:spcAft>
+                <a:spcPts val="0"/>
+              </a:spcAft>
+              <a:buNone/>
+            </a:pPr>
+            <a:fld id="{00000000-1234-1234-1234-123412341234}" type="slidenum">
+              <a:rPr lang="de-DE" smtClean="0"/>
+              <a:t>8</a:t>
+            </a:fld>
+            <a:endParaRPr lang="de-DE"/>
+          </a:p>
+        </p:txBody>
+      </p:sp>
+      <p:sp>
+        <p:nvSpPr>
+          <p:cNvPr id="5" name="Rechteck 4">
+            <a:extLst>
+              <a:ext uri="{FF2B5EF4-FFF2-40B4-BE49-F238E27FC236}">
+                <a16:creationId xmlns:a16="http://schemas.microsoft.com/office/drawing/2014/main" id="{EDA2BBBB-97FD-439C-8849-D12E6C05E7DE}"/>
+              </a:ext>
+            </a:extLst>
+          </p:cNvPr>
+          <p:cNvSpPr/>
+          <p:nvPr/>
+        </p:nvSpPr>
+        <p:spPr>
+          <a:xfrm>
+            <a:off x="1630575" y="1922013"/>
+            <a:ext cx="457200" cy="403482"/>
+          </a:xfrm>
+          <a:prstGeom prst="rect">
+            <a:avLst/>
+          </a:prstGeom>
+        </p:spPr>
+        <p:style>
+          <a:lnRef idx="2">
+            <a:schemeClr val="accent2"/>
+          </a:lnRef>
+          <a:fillRef idx="1">
+            <a:schemeClr val="lt1"/>
+          </a:fillRef>
+          <a:effectRef idx="0">
+            <a:schemeClr val="accent2"/>
+          </a:effectRef>
+          <a:fontRef idx="minor">
+            <a:schemeClr val="dk1"/>
+          </a:fontRef>
+        </p:style>
+        <p:txBody>
+          <a:bodyPr rtlCol="0" anchor="ctr"/>
+          <a:lstStyle/>
+          <a:p>
+            <a:pPr algn="ctr"/>
+            <a:endParaRPr lang="de-DE"/>
+          </a:p>
+        </p:txBody>
+      </p:sp>
+      <p:pic>
+        <p:nvPicPr>
+          <p:cNvPr id="10" name="Grafik 9" descr="Schlüssel">
+            <a:extLst>
+              <a:ext uri="{FF2B5EF4-FFF2-40B4-BE49-F238E27FC236}">
+                <a16:creationId xmlns:a16="http://schemas.microsoft.com/office/drawing/2014/main" id="{E2619C5D-DEBC-4DC9-BF80-EA3817B1A4C0}"/>
+              </a:ext>
+            </a:extLst>
+          </p:cNvPr>
+          <p:cNvPicPr>
+            <a:picLocks noChangeAspect="1"/>
+          </p:cNvPicPr>
+          <p:nvPr/>
+        </p:nvPicPr>
+        <p:blipFill>
+          <a:blip r:embed="rId3">
+            <a:extLst>
+              <a:ext uri="{96DAC541-7B7A-43D3-8B79-37D633B846F1}">
+                <asvg:svgBlip xmlns:asvg="http://schemas.microsoft.com/office/drawing/2016/SVG/main" r:embed="rId4"/>
+              </a:ext>
+            </a:extLst>
+          </a:blip>
+          <a:stretch>
+            <a:fillRect/>
+          </a:stretch>
+        </p:blipFill>
+        <p:spPr>
+          <a:xfrm>
+            <a:off x="1690021" y="1949215"/>
+            <a:ext cx="338308" cy="338308"/>
+          </a:xfrm>
+          <a:prstGeom prst="rect">
+            <a:avLst/>
+          </a:prstGeom>
+        </p:spPr>
+      </p:pic>
     </p:spTree>
     <p:extLst>
       <p:ext uri="{BB962C8B-B14F-4D97-AF65-F5344CB8AC3E}">
@@ -26488,13 +29262,13 @@
   <p:clrMapOvr>
     <a:masterClrMapping/>
   </p:clrMapOvr>
-  <mc:AlternateContent xmlns:mc="http://schemas.openxmlformats.org/markup-compatibility/2006">
-    <mc:Choice xmlns:p159="http://schemas.microsoft.com/office/powerpoint/2015/09/main" Requires="p159">
+  <mc:AlternateContent xmlns:mc="http://schemas.openxmlformats.org/markup-compatibility/2006" xmlns:p159="http://schemas.microsoft.com/office/powerpoint/2015/09/main">
+    <mc:Choice Requires="p159">
       <p:transition xmlns:p14="http://schemas.microsoft.com/office/powerpoint/2010/main" spd="slow" p14:dur="2000">
         <p159:morph option="byObject"/>
       </p:transition>
     </mc:Choice>
-    <mc:Fallback>
+    <mc:Fallback xmlns="">
       <p:transition spd="slow">
         <p:fade/>
       </p:transition>
@@ -26551,147 +29325,6 @@
       </p:sp>
       <p:sp>
         <p:nvSpPr>
-          <p:cNvPr id="4" name="Rechteck 3">
-            <a:extLst>
-              <a:ext uri="{FF2B5EF4-FFF2-40B4-BE49-F238E27FC236}">
-                <a16:creationId xmlns:a16="http://schemas.microsoft.com/office/drawing/2014/main" id="{89450564-288E-4B63-8E78-3C453CEF88EB}"/>
-              </a:ext>
-            </a:extLst>
-          </p:cNvPr>
-          <p:cNvSpPr/>
-          <p:nvPr/>
-        </p:nvSpPr>
-        <p:spPr>
-          <a:xfrm>
-            <a:off x="288840" y="1886137"/>
-            <a:ext cx="1064172" cy="471430"/>
-          </a:xfrm>
-          <a:prstGeom prst="rect">
-            <a:avLst/>
-          </a:prstGeom>
-        </p:spPr>
-        <p:style>
-          <a:lnRef idx="2">
-            <a:schemeClr val="accent2"/>
-          </a:lnRef>
-          <a:fillRef idx="1">
-            <a:schemeClr val="lt1"/>
-          </a:fillRef>
-          <a:effectRef idx="0">
-            <a:schemeClr val="accent2"/>
-          </a:effectRef>
-          <a:fontRef idx="minor">
-            <a:schemeClr val="dk1"/>
-          </a:fontRef>
-        </p:style>
-        <p:txBody>
-          <a:bodyPr rtlCol="0" anchor="ctr"/>
-          <a:lstStyle/>
-          <a:p>
-            <a:pPr algn="ctr"/>
-            <a:r>
-              <a:rPr lang="de-DE" dirty="0"/>
-              <a:t>Sensor</a:t>
-            </a:r>
-          </a:p>
-        </p:txBody>
-      </p:sp>
-      <p:sp>
-        <p:nvSpPr>
-          <p:cNvPr id="6" name="Rechteck 5">
-            <a:extLst>
-              <a:ext uri="{FF2B5EF4-FFF2-40B4-BE49-F238E27FC236}">
-                <a16:creationId xmlns:a16="http://schemas.microsoft.com/office/drawing/2014/main" id="{E09A018A-B06D-43EE-8ECF-599CD961376E}"/>
-              </a:ext>
-            </a:extLst>
-          </p:cNvPr>
-          <p:cNvSpPr/>
-          <p:nvPr/>
-        </p:nvSpPr>
-        <p:spPr>
-          <a:xfrm>
-            <a:off x="288840" y="2618092"/>
-            <a:ext cx="1064172" cy="471430"/>
-          </a:xfrm>
-          <a:prstGeom prst="rect">
-            <a:avLst/>
-          </a:prstGeom>
-        </p:spPr>
-        <p:style>
-          <a:lnRef idx="2">
-            <a:schemeClr val="accent2"/>
-          </a:lnRef>
-          <a:fillRef idx="1">
-            <a:schemeClr val="lt1"/>
-          </a:fillRef>
-          <a:effectRef idx="0">
-            <a:schemeClr val="accent2"/>
-          </a:effectRef>
-          <a:fontRef idx="minor">
-            <a:schemeClr val="dk1"/>
-          </a:fontRef>
-        </p:style>
-        <p:txBody>
-          <a:bodyPr rtlCol="0" anchor="ctr"/>
-          <a:lstStyle/>
-          <a:p>
-            <a:pPr algn="ctr"/>
-            <a:r>
-              <a:rPr lang="de-DE" dirty="0"/>
-              <a:t>Sensor</a:t>
-            </a:r>
-          </a:p>
-        </p:txBody>
-      </p:sp>
-      <p:sp>
-        <p:nvSpPr>
-          <p:cNvPr id="7" name="Rechteck 6">
-            <a:extLst>
-              <a:ext uri="{FF2B5EF4-FFF2-40B4-BE49-F238E27FC236}">
-                <a16:creationId xmlns:a16="http://schemas.microsoft.com/office/drawing/2014/main" id="{CDD52037-7C6D-41A2-9935-2091031E3C85}"/>
-              </a:ext>
-            </a:extLst>
-          </p:cNvPr>
-          <p:cNvSpPr/>
-          <p:nvPr/>
-        </p:nvSpPr>
-        <p:spPr>
-          <a:xfrm>
-            <a:off x="288840" y="3396036"/>
-            <a:ext cx="1064172" cy="471430"/>
-          </a:xfrm>
-          <a:prstGeom prst="rect">
-            <a:avLst/>
-          </a:prstGeom>
-        </p:spPr>
-        <p:style>
-          <a:lnRef idx="2">
-            <a:schemeClr val="accent2"/>
-          </a:lnRef>
-          <a:fillRef idx="1">
-            <a:schemeClr val="lt1"/>
-          </a:fillRef>
-          <a:effectRef idx="0">
-            <a:schemeClr val="accent2"/>
-          </a:effectRef>
-          <a:fontRef idx="minor">
-            <a:schemeClr val="dk1"/>
-          </a:fontRef>
-        </p:style>
-        <p:txBody>
-          <a:bodyPr rtlCol="0" anchor="ctr"/>
-          <a:lstStyle/>
-          <a:p>
-            <a:pPr algn="ctr"/>
-            <a:r>
-              <a:rPr lang="de-DE" dirty="0"/>
-              <a:t>Sensor</a:t>
-            </a:r>
-          </a:p>
-        </p:txBody>
-      </p:sp>
-      <p:sp>
-        <p:nvSpPr>
           <p:cNvPr id="8" name="Sechseck 7">
             <a:extLst>
               <a:ext uri="{FF2B5EF4-FFF2-40B4-BE49-F238E27FC236}">
@@ -26831,100 +29464,6 @@
           </a:p>
         </p:txBody>
       </p:sp>
-      <p:cxnSp>
-        <p:nvCxnSpPr>
-          <p:cNvPr id="46" name="Verbinder: gewinkelt 45">
-            <a:extLst>
-              <a:ext uri="{FF2B5EF4-FFF2-40B4-BE49-F238E27FC236}">
-                <a16:creationId xmlns:a16="http://schemas.microsoft.com/office/drawing/2014/main" id="{B4E9234D-8E04-43DA-8417-A16C839D5462}"/>
-              </a:ext>
-            </a:extLst>
-          </p:cNvPr>
-          <p:cNvCxnSpPr>
-            <a:cxnSpLocks/>
-            <a:stCxn id="6" idx="3"/>
-            <a:endCxn id="8" idx="3"/>
-          </p:cNvCxnSpPr>
-          <p:nvPr/>
-        </p:nvCxnSpPr>
-        <p:spPr>
-          <a:xfrm flipV="1">
-            <a:off x="1353012" y="2121852"/>
-            <a:ext cx="1012327" cy="731955"/>
-          </a:xfrm>
-          <a:prstGeom prst="bentConnector3">
-            <a:avLst/>
-          </a:prstGeom>
-          <a:ln>
-            <a:solidFill>
-              <a:schemeClr val="tx2"/>
-            </a:solidFill>
-            <a:tailEnd type="triangle"/>
-          </a:ln>
-        </p:spPr>
-        <p:style>
-          <a:lnRef idx="1">
-            <a:schemeClr val="accent1"/>
-          </a:lnRef>
-          <a:fillRef idx="0">
-            <a:schemeClr val="accent1"/>
-          </a:fillRef>
-          <a:effectRef idx="0">
-            <a:schemeClr val="accent1"/>
-          </a:effectRef>
-          <a:fontRef idx="minor">
-            <a:schemeClr val="tx1"/>
-          </a:fontRef>
-        </p:style>
-      </p:cxnSp>
-      <p:cxnSp>
-        <p:nvCxnSpPr>
-          <p:cNvPr id="49" name="Verbinder: gewinkelt 48">
-            <a:extLst>
-              <a:ext uri="{FF2B5EF4-FFF2-40B4-BE49-F238E27FC236}">
-                <a16:creationId xmlns:a16="http://schemas.microsoft.com/office/drawing/2014/main" id="{B1F5FB11-E0E6-4E61-853E-390CC2859A89}"/>
-              </a:ext>
-            </a:extLst>
-          </p:cNvPr>
-          <p:cNvCxnSpPr>
-            <a:cxnSpLocks/>
-            <a:stCxn id="7" idx="3"/>
-            <a:endCxn id="8" idx="3"/>
-          </p:cNvCxnSpPr>
-          <p:nvPr/>
-        </p:nvCxnSpPr>
-        <p:spPr>
-          <a:xfrm flipV="1">
-            <a:off x="1353012" y="2121852"/>
-            <a:ext cx="1012327" cy="1509899"/>
-          </a:xfrm>
-          <a:prstGeom prst="bentConnector3">
-            <a:avLst>
-              <a:gd name="adj1" fmla="val 50000"/>
-            </a:avLst>
-          </a:prstGeom>
-          <a:ln>
-            <a:solidFill>
-              <a:schemeClr val="tx2"/>
-            </a:solidFill>
-            <a:tailEnd type="triangle"/>
-          </a:ln>
-        </p:spPr>
-        <p:style>
-          <a:lnRef idx="1">
-            <a:schemeClr val="accent1"/>
-          </a:lnRef>
-          <a:fillRef idx="0">
-            <a:schemeClr val="accent1"/>
-          </a:fillRef>
-          <a:effectRef idx="0">
-            <a:schemeClr val="accent1"/>
-          </a:effectRef>
-          <a:fontRef idx="minor">
-            <a:schemeClr val="tx1"/>
-          </a:fontRef>
-        </p:style>
-      </p:cxnSp>
       <p:cxnSp>
         <p:nvCxnSpPr>
           <p:cNvPr id="58" name="Verbinder: gewinkelt 57">
@@ -27068,52 +29607,6 @@
       </p:sp>
       <p:cxnSp>
         <p:nvCxnSpPr>
-          <p:cNvPr id="85" name="Gerade Verbindung mit Pfeil 84">
-            <a:extLst>
-              <a:ext uri="{FF2B5EF4-FFF2-40B4-BE49-F238E27FC236}">
-                <a16:creationId xmlns:a16="http://schemas.microsoft.com/office/drawing/2014/main" id="{5E4ABA6C-4A90-48D9-908E-574A0FCD3898}"/>
-              </a:ext>
-            </a:extLst>
-          </p:cNvPr>
-          <p:cNvCxnSpPr>
-            <a:cxnSpLocks/>
-            <a:stCxn id="4" idx="3"/>
-            <a:endCxn id="8" idx="3"/>
-          </p:cNvCxnSpPr>
-          <p:nvPr/>
-        </p:nvCxnSpPr>
-        <p:spPr>
-          <a:xfrm>
-            <a:off x="1353012" y="2121852"/>
-            <a:ext cx="1012327" cy="0"/>
-          </a:xfrm>
-          <a:prstGeom prst="straightConnector1">
-            <a:avLst/>
-          </a:prstGeom>
-          <a:ln>
-            <a:solidFill>
-              <a:schemeClr val="tx2"/>
-            </a:solidFill>
-            <a:tailEnd type="triangle"/>
-          </a:ln>
-        </p:spPr>
-        <p:style>
-          <a:lnRef idx="1">
-            <a:schemeClr val="accent1"/>
-          </a:lnRef>
-          <a:fillRef idx="0">
-            <a:schemeClr val="accent1"/>
-          </a:fillRef>
-          <a:effectRef idx="0">
-            <a:schemeClr val="accent1"/>
-          </a:effectRef>
-          <a:fontRef idx="minor">
-            <a:schemeClr val="tx1"/>
-          </a:fontRef>
-        </p:style>
-      </p:cxnSp>
-      <p:cxnSp>
-        <p:nvCxnSpPr>
           <p:cNvPr id="96" name="Verbinder: gewinkelt 95">
             <a:extLst>
               <a:ext uri="{FF2B5EF4-FFF2-40B4-BE49-F238E27FC236}">
@@ -27159,105 +29652,6 @@
           </a:fontRef>
         </p:style>
       </p:cxnSp>
-      <p:sp>
-        <p:nvSpPr>
-          <p:cNvPr id="117" name="Textfeld 116">
-            <a:extLst>
-              <a:ext uri="{FF2B5EF4-FFF2-40B4-BE49-F238E27FC236}">
-                <a16:creationId xmlns:a16="http://schemas.microsoft.com/office/drawing/2014/main" id="{90A27A77-1924-469E-B0C3-8B71F7B56DC8}"/>
-              </a:ext>
-            </a:extLst>
-          </p:cNvPr>
-          <p:cNvSpPr txBox="1"/>
-          <p:nvPr/>
-        </p:nvSpPr>
-        <p:spPr>
-          <a:xfrm>
-            <a:off x="1149993" y="1602988"/>
-            <a:ext cx="1486662" cy="523220"/>
-          </a:xfrm>
-          <a:prstGeom prst="rect">
-            <a:avLst/>
-          </a:prstGeom>
-          <a:noFill/>
-        </p:spPr>
-        <p:txBody>
-          <a:bodyPr wrap="square" rtlCol="0">
-            <a:spAutoFit/>
-          </a:bodyPr>
-          <a:lstStyle/>
-          <a:p>
-            <a:pPr algn="ctr"/>
-            <a:r>
-              <a:rPr lang="de-DE" sz="1400" dirty="0"/>
-              <a:t>Data </a:t>
-            </a:r>
-          </a:p>
-          <a:p>
-            <a:pPr algn="ctr"/>
-            <a:r>
-              <a:rPr lang="de-DE" sz="1400" dirty="0"/>
-              <a:t>Stream</a:t>
-            </a:r>
-          </a:p>
-        </p:txBody>
-      </p:sp>
-      <p:sp>
-        <p:nvSpPr>
-          <p:cNvPr id="125" name="Rechteck 124">
-            <a:extLst>
-              <a:ext uri="{FF2B5EF4-FFF2-40B4-BE49-F238E27FC236}">
-                <a16:creationId xmlns:a16="http://schemas.microsoft.com/office/drawing/2014/main" id="{C8D320FA-F49C-4C01-905B-AF4DDC07A14B}"/>
-              </a:ext>
-            </a:extLst>
-          </p:cNvPr>
-          <p:cNvSpPr/>
-          <p:nvPr/>
-        </p:nvSpPr>
-        <p:spPr>
-          <a:xfrm>
-            <a:off x="129540" y="1075331"/>
-            <a:ext cx="2122190" cy="3806934"/>
-          </a:xfrm>
-          <a:prstGeom prst="rect">
-            <a:avLst/>
-          </a:prstGeom>
-          <a:noFill/>
-          <a:ln w="9525" cap="flat" cmpd="sng" algn="ctr">
-            <a:solidFill>
-              <a:schemeClr val="tx2">
-                <a:lumMod val="75000"/>
-              </a:schemeClr>
-            </a:solidFill>
-            <a:prstDash val="lgDash"/>
-            <a:round/>
-            <a:headEnd type="none" w="med" len="med"/>
-            <a:tailEnd type="none" w="med" len="med"/>
-          </a:ln>
-        </p:spPr>
-        <p:style>
-          <a:lnRef idx="0">
-            <a:scrgbClr r="0" g="0" b="0"/>
-          </a:lnRef>
-          <a:fillRef idx="0">
-            <a:scrgbClr r="0" g="0" b="0"/>
-          </a:fillRef>
-          <a:effectRef idx="0">
-            <a:scrgbClr r="0" g="0" b="0"/>
-          </a:effectRef>
-          <a:fontRef idx="minor">
-            <a:schemeClr val="accent1"/>
-          </a:fontRef>
-        </p:style>
-        <p:txBody>
-          <a:bodyPr rtlCol="0" anchor="ctr"/>
-          <a:lstStyle/>
-          <a:p>
-            <a:pPr algn="ctr"/>
-            <a:endParaRPr lang="de-DE"/>
-          </a:p>
-        </p:txBody>
-      </p:sp>
       <p:sp>
         <p:nvSpPr>
           <p:cNvPr id="126" name="Rechteck 125">
@@ -27316,42 +29710,6 @@
       </p:sp>
       <p:sp>
         <p:nvSpPr>
-          <p:cNvPr id="128" name="Textfeld 127">
-            <a:extLst>
-              <a:ext uri="{FF2B5EF4-FFF2-40B4-BE49-F238E27FC236}">
-                <a16:creationId xmlns:a16="http://schemas.microsoft.com/office/drawing/2014/main" id="{FE6CFD0D-8835-4759-A891-E7A1B8AEEB00}"/>
-              </a:ext>
-            </a:extLst>
-          </p:cNvPr>
-          <p:cNvSpPr txBox="1"/>
-          <p:nvPr/>
-        </p:nvSpPr>
-        <p:spPr>
-          <a:xfrm>
-            <a:off x="129541" y="4580531"/>
-            <a:ext cx="2122190" cy="307777"/>
-          </a:xfrm>
-          <a:prstGeom prst="rect">
-            <a:avLst/>
-          </a:prstGeom>
-          <a:noFill/>
-        </p:spPr>
-        <p:txBody>
-          <a:bodyPr wrap="square" rtlCol="0">
-            <a:spAutoFit/>
-          </a:bodyPr>
-          <a:lstStyle/>
-          <a:p>
-            <a:pPr algn="ctr"/>
-            <a:r>
-              <a:rPr lang="de-DE" sz="1400" dirty="0"/>
-              <a:t>Smart Meter</a:t>
-            </a:r>
-          </a:p>
-        </p:txBody>
-      </p:sp>
-      <p:sp>
-        <p:nvSpPr>
           <p:cNvPr id="129" name="Textfeld 128">
             <a:extLst>
               <a:ext uri="{FF2B5EF4-FFF2-40B4-BE49-F238E27FC236}">
@@ -27386,6 +29744,537 @@
           </a:p>
         </p:txBody>
       </p:sp>
+      <p:sp>
+        <p:nvSpPr>
+          <p:cNvPr id="3" name="Foliennummernplatzhalter 2">
+            <a:extLst>
+              <a:ext uri="{FF2B5EF4-FFF2-40B4-BE49-F238E27FC236}">
+                <a16:creationId xmlns:a16="http://schemas.microsoft.com/office/drawing/2014/main" id="{5900464B-6CF8-444B-819D-36FF4304C0BA}"/>
+              </a:ext>
+            </a:extLst>
+          </p:cNvPr>
+          <p:cNvSpPr>
+            <a:spLocks noGrp="1"/>
+          </p:cNvSpPr>
+          <p:nvPr>
+            <p:ph type="sldNum" idx="12"/>
+          </p:nvPr>
+        </p:nvSpPr>
+        <p:spPr/>
+        <p:txBody>
+          <a:bodyPr/>
+          <a:lstStyle/>
+          <a:p>
+            <a:pPr marL="0" lvl="0" indent="0" algn="r" rtl="0">
+              <a:spcBef>
+                <a:spcPts val="0"/>
+              </a:spcBef>
+              <a:spcAft>
+                <a:spcPts val="0"/>
+              </a:spcAft>
+              <a:buNone/>
+            </a:pPr>
+            <a:fld id="{00000000-1234-1234-1234-123412341234}" type="slidenum">
+              <a:rPr lang="de-DE" smtClean="0"/>
+              <a:t>9</a:t>
+            </a:fld>
+            <a:endParaRPr lang="de-DE"/>
+          </a:p>
+        </p:txBody>
+      </p:sp>
+      <p:sp>
+        <p:nvSpPr>
+          <p:cNvPr id="22" name="Rechteck 21">
+            <a:extLst>
+              <a:ext uri="{FF2B5EF4-FFF2-40B4-BE49-F238E27FC236}">
+                <a16:creationId xmlns:a16="http://schemas.microsoft.com/office/drawing/2014/main" id="{1FB7E24E-6730-46D5-96DC-741E0010210C}"/>
+              </a:ext>
+            </a:extLst>
+          </p:cNvPr>
+          <p:cNvSpPr/>
+          <p:nvPr/>
+        </p:nvSpPr>
+        <p:spPr>
+          <a:xfrm>
+            <a:off x="288840" y="1886137"/>
+            <a:ext cx="1064172" cy="471430"/>
+          </a:xfrm>
+          <a:prstGeom prst="rect">
+            <a:avLst/>
+          </a:prstGeom>
+        </p:spPr>
+        <p:style>
+          <a:lnRef idx="2">
+            <a:schemeClr val="accent2"/>
+          </a:lnRef>
+          <a:fillRef idx="1">
+            <a:schemeClr val="lt1"/>
+          </a:fillRef>
+          <a:effectRef idx="0">
+            <a:schemeClr val="accent2"/>
+          </a:effectRef>
+          <a:fontRef idx="minor">
+            <a:schemeClr val="dk1"/>
+          </a:fontRef>
+        </p:style>
+        <p:txBody>
+          <a:bodyPr rtlCol="0" anchor="ctr"/>
+          <a:lstStyle/>
+          <a:p>
+            <a:pPr algn="ctr"/>
+            <a:r>
+              <a:rPr lang="de-DE" dirty="0"/>
+              <a:t>Sensor</a:t>
+            </a:r>
+          </a:p>
+        </p:txBody>
+      </p:sp>
+      <p:sp>
+        <p:nvSpPr>
+          <p:cNvPr id="23" name="Rechteck 22">
+            <a:extLst>
+              <a:ext uri="{FF2B5EF4-FFF2-40B4-BE49-F238E27FC236}">
+                <a16:creationId xmlns:a16="http://schemas.microsoft.com/office/drawing/2014/main" id="{AA661927-9FB2-4FA8-9961-9EFA8145E934}"/>
+              </a:ext>
+            </a:extLst>
+          </p:cNvPr>
+          <p:cNvSpPr/>
+          <p:nvPr/>
+        </p:nvSpPr>
+        <p:spPr>
+          <a:xfrm>
+            <a:off x="288840" y="2618092"/>
+            <a:ext cx="1064172" cy="471430"/>
+          </a:xfrm>
+          <a:prstGeom prst="rect">
+            <a:avLst/>
+          </a:prstGeom>
+        </p:spPr>
+        <p:style>
+          <a:lnRef idx="2">
+            <a:schemeClr val="accent2"/>
+          </a:lnRef>
+          <a:fillRef idx="1">
+            <a:schemeClr val="lt1"/>
+          </a:fillRef>
+          <a:effectRef idx="0">
+            <a:schemeClr val="accent2"/>
+          </a:effectRef>
+          <a:fontRef idx="minor">
+            <a:schemeClr val="dk1"/>
+          </a:fontRef>
+        </p:style>
+        <p:txBody>
+          <a:bodyPr rtlCol="0" anchor="ctr"/>
+          <a:lstStyle/>
+          <a:p>
+            <a:pPr algn="ctr"/>
+            <a:r>
+              <a:rPr lang="de-DE" dirty="0"/>
+              <a:t>Sensor</a:t>
+            </a:r>
+          </a:p>
+        </p:txBody>
+      </p:sp>
+      <p:sp>
+        <p:nvSpPr>
+          <p:cNvPr id="24" name="Rechteck 23">
+            <a:extLst>
+              <a:ext uri="{FF2B5EF4-FFF2-40B4-BE49-F238E27FC236}">
+                <a16:creationId xmlns:a16="http://schemas.microsoft.com/office/drawing/2014/main" id="{F4DBFD3C-901D-45EF-B38B-849393C276E9}"/>
+              </a:ext>
+            </a:extLst>
+          </p:cNvPr>
+          <p:cNvSpPr/>
+          <p:nvPr/>
+        </p:nvSpPr>
+        <p:spPr>
+          <a:xfrm>
+            <a:off x="288840" y="3396036"/>
+            <a:ext cx="1064172" cy="471430"/>
+          </a:xfrm>
+          <a:prstGeom prst="rect">
+            <a:avLst/>
+          </a:prstGeom>
+        </p:spPr>
+        <p:style>
+          <a:lnRef idx="2">
+            <a:schemeClr val="accent2"/>
+          </a:lnRef>
+          <a:fillRef idx="1">
+            <a:schemeClr val="lt1"/>
+          </a:fillRef>
+          <a:effectRef idx="0">
+            <a:schemeClr val="accent2"/>
+          </a:effectRef>
+          <a:fontRef idx="minor">
+            <a:schemeClr val="dk1"/>
+          </a:fontRef>
+        </p:style>
+        <p:txBody>
+          <a:bodyPr rtlCol="0" anchor="ctr"/>
+          <a:lstStyle/>
+          <a:p>
+            <a:pPr algn="ctr"/>
+            <a:r>
+              <a:rPr lang="de-DE" dirty="0"/>
+              <a:t>Sensor</a:t>
+            </a:r>
+          </a:p>
+        </p:txBody>
+      </p:sp>
+      <p:cxnSp>
+        <p:nvCxnSpPr>
+          <p:cNvPr id="25" name="Verbinder: gewinkelt 24">
+            <a:extLst>
+              <a:ext uri="{FF2B5EF4-FFF2-40B4-BE49-F238E27FC236}">
+                <a16:creationId xmlns:a16="http://schemas.microsoft.com/office/drawing/2014/main" id="{DE049BF3-7EEC-4261-8082-694161B0E97F}"/>
+              </a:ext>
+            </a:extLst>
+          </p:cNvPr>
+          <p:cNvCxnSpPr>
+            <a:cxnSpLocks/>
+            <a:stCxn id="23" idx="3"/>
+          </p:cNvCxnSpPr>
+          <p:nvPr/>
+        </p:nvCxnSpPr>
+        <p:spPr>
+          <a:xfrm flipV="1">
+            <a:off x="1353012" y="2121852"/>
+            <a:ext cx="1012327" cy="731955"/>
+          </a:xfrm>
+          <a:prstGeom prst="bentConnector3">
+            <a:avLst/>
+          </a:prstGeom>
+          <a:ln>
+            <a:solidFill>
+              <a:schemeClr val="tx2"/>
+            </a:solidFill>
+            <a:tailEnd type="triangle"/>
+          </a:ln>
+        </p:spPr>
+        <p:style>
+          <a:lnRef idx="1">
+            <a:schemeClr val="accent1"/>
+          </a:lnRef>
+          <a:fillRef idx="0">
+            <a:schemeClr val="accent1"/>
+          </a:fillRef>
+          <a:effectRef idx="0">
+            <a:schemeClr val="accent1"/>
+          </a:effectRef>
+          <a:fontRef idx="minor">
+            <a:schemeClr val="tx1"/>
+          </a:fontRef>
+        </p:style>
+      </p:cxnSp>
+      <p:cxnSp>
+        <p:nvCxnSpPr>
+          <p:cNvPr id="26" name="Verbinder: gewinkelt 25">
+            <a:extLst>
+              <a:ext uri="{FF2B5EF4-FFF2-40B4-BE49-F238E27FC236}">
+                <a16:creationId xmlns:a16="http://schemas.microsoft.com/office/drawing/2014/main" id="{A0791196-7FCC-4D17-B61B-8B7414A33A39}"/>
+              </a:ext>
+            </a:extLst>
+          </p:cNvPr>
+          <p:cNvCxnSpPr>
+            <a:cxnSpLocks/>
+            <a:stCxn id="24" idx="3"/>
+          </p:cNvCxnSpPr>
+          <p:nvPr/>
+        </p:nvCxnSpPr>
+        <p:spPr>
+          <a:xfrm flipV="1">
+            <a:off x="1353012" y="2121852"/>
+            <a:ext cx="1012327" cy="1509899"/>
+          </a:xfrm>
+          <a:prstGeom prst="bentConnector3">
+            <a:avLst>
+              <a:gd name="adj1" fmla="val 50000"/>
+            </a:avLst>
+          </a:prstGeom>
+          <a:ln>
+            <a:solidFill>
+              <a:schemeClr val="tx2"/>
+            </a:solidFill>
+            <a:tailEnd type="triangle"/>
+          </a:ln>
+        </p:spPr>
+        <p:style>
+          <a:lnRef idx="1">
+            <a:schemeClr val="accent1"/>
+          </a:lnRef>
+          <a:fillRef idx="0">
+            <a:schemeClr val="accent1"/>
+          </a:fillRef>
+          <a:effectRef idx="0">
+            <a:schemeClr val="accent1"/>
+          </a:effectRef>
+          <a:fontRef idx="minor">
+            <a:schemeClr val="tx1"/>
+          </a:fontRef>
+        </p:style>
+      </p:cxnSp>
+      <p:cxnSp>
+        <p:nvCxnSpPr>
+          <p:cNvPr id="27" name="Gerade Verbindung mit Pfeil 26">
+            <a:extLst>
+              <a:ext uri="{FF2B5EF4-FFF2-40B4-BE49-F238E27FC236}">
+                <a16:creationId xmlns:a16="http://schemas.microsoft.com/office/drawing/2014/main" id="{2B717574-EA42-445E-A517-BB146D583CBA}"/>
+              </a:ext>
+            </a:extLst>
+          </p:cNvPr>
+          <p:cNvCxnSpPr>
+            <a:cxnSpLocks/>
+            <a:stCxn id="22" idx="3"/>
+          </p:cNvCxnSpPr>
+          <p:nvPr/>
+        </p:nvCxnSpPr>
+        <p:spPr>
+          <a:xfrm>
+            <a:off x="1353012" y="2121852"/>
+            <a:ext cx="1012327" cy="0"/>
+          </a:xfrm>
+          <a:prstGeom prst="straightConnector1">
+            <a:avLst/>
+          </a:prstGeom>
+          <a:ln>
+            <a:solidFill>
+              <a:schemeClr val="tx2"/>
+            </a:solidFill>
+            <a:tailEnd type="triangle"/>
+          </a:ln>
+        </p:spPr>
+        <p:style>
+          <a:lnRef idx="1">
+            <a:schemeClr val="accent1"/>
+          </a:lnRef>
+          <a:fillRef idx="0">
+            <a:schemeClr val="accent1"/>
+          </a:fillRef>
+          <a:effectRef idx="0">
+            <a:schemeClr val="accent1"/>
+          </a:effectRef>
+          <a:fontRef idx="minor">
+            <a:schemeClr val="tx1"/>
+          </a:fontRef>
+        </p:style>
+      </p:cxnSp>
+      <p:sp>
+        <p:nvSpPr>
+          <p:cNvPr id="28" name="Textfeld 27">
+            <a:extLst>
+              <a:ext uri="{FF2B5EF4-FFF2-40B4-BE49-F238E27FC236}">
+                <a16:creationId xmlns:a16="http://schemas.microsoft.com/office/drawing/2014/main" id="{12CEFB84-EF33-478B-B901-11E1AA9AE2C9}"/>
+              </a:ext>
+            </a:extLst>
+          </p:cNvPr>
+          <p:cNvSpPr txBox="1"/>
+          <p:nvPr/>
+        </p:nvSpPr>
+        <p:spPr>
+          <a:xfrm>
+            <a:off x="1115844" y="3638718"/>
+            <a:ext cx="1486662" cy="523220"/>
+          </a:xfrm>
+          <a:prstGeom prst="rect">
+            <a:avLst/>
+          </a:prstGeom>
+          <a:noFill/>
+        </p:spPr>
+        <p:txBody>
+          <a:bodyPr wrap="square" rtlCol="0">
+            <a:spAutoFit/>
+          </a:bodyPr>
+          <a:lstStyle/>
+          <a:p>
+            <a:pPr algn="ctr"/>
+            <a:r>
+              <a:rPr lang="de-DE" sz="1400" dirty="0"/>
+              <a:t>Data </a:t>
+            </a:r>
+          </a:p>
+          <a:p>
+            <a:pPr algn="ctr"/>
+            <a:r>
+              <a:rPr lang="de-DE" sz="1400" dirty="0"/>
+              <a:t>Stream</a:t>
+            </a:r>
+          </a:p>
+        </p:txBody>
+      </p:sp>
+      <p:sp>
+        <p:nvSpPr>
+          <p:cNvPr id="29" name="Rechteck 28">
+            <a:extLst>
+              <a:ext uri="{FF2B5EF4-FFF2-40B4-BE49-F238E27FC236}">
+                <a16:creationId xmlns:a16="http://schemas.microsoft.com/office/drawing/2014/main" id="{6A652A98-4232-4AF8-9A61-8CA7CFD0DFA4}"/>
+              </a:ext>
+            </a:extLst>
+          </p:cNvPr>
+          <p:cNvSpPr/>
+          <p:nvPr/>
+        </p:nvSpPr>
+        <p:spPr>
+          <a:xfrm>
+            <a:off x="129540" y="1075331"/>
+            <a:ext cx="2122190" cy="3806934"/>
+          </a:xfrm>
+          <a:prstGeom prst="rect">
+            <a:avLst/>
+          </a:prstGeom>
+          <a:noFill/>
+          <a:ln w="9525" cap="flat" cmpd="sng" algn="ctr">
+            <a:solidFill>
+              <a:schemeClr val="tx2">
+                <a:lumMod val="75000"/>
+              </a:schemeClr>
+            </a:solidFill>
+            <a:prstDash val="lgDash"/>
+            <a:round/>
+            <a:headEnd type="none" w="med" len="med"/>
+            <a:tailEnd type="none" w="med" len="med"/>
+          </a:ln>
+        </p:spPr>
+        <p:style>
+          <a:lnRef idx="0">
+            <a:scrgbClr r="0" g="0" b="0"/>
+          </a:lnRef>
+          <a:fillRef idx="0">
+            <a:scrgbClr r="0" g="0" b="0"/>
+          </a:fillRef>
+          <a:effectRef idx="0">
+            <a:scrgbClr r="0" g="0" b="0"/>
+          </a:effectRef>
+          <a:fontRef idx="minor">
+            <a:schemeClr val="accent1"/>
+          </a:fontRef>
+        </p:style>
+        <p:txBody>
+          <a:bodyPr rtlCol="0" anchor="ctr"/>
+          <a:lstStyle/>
+          <a:p>
+            <a:pPr algn="ctr"/>
+            <a:endParaRPr lang="de-DE"/>
+          </a:p>
+        </p:txBody>
+      </p:sp>
+      <p:sp>
+        <p:nvSpPr>
+          <p:cNvPr id="30" name="Textfeld 29">
+            <a:extLst>
+              <a:ext uri="{FF2B5EF4-FFF2-40B4-BE49-F238E27FC236}">
+                <a16:creationId xmlns:a16="http://schemas.microsoft.com/office/drawing/2014/main" id="{24FF44F5-8D8D-4F1B-B3F4-01C9294A2BF3}"/>
+              </a:ext>
+            </a:extLst>
+          </p:cNvPr>
+          <p:cNvSpPr txBox="1"/>
+          <p:nvPr/>
+        </p:nvSpPr>
+        <p:spPr>
+          <a:xfrm>
+            <a:off x="129541" y="4580531"/>
+            <a:ext cx="2122190" cy="307777"/>
+          </a:xfrm>
+          <a:prstGeom prst="rect">
+            <a:avLst/>
+          </a:prstGeom>
+          <a:noFill/>
+        </p:spPr>
+        <p:txBody>
+          <a:bodyPr wrap="square" rtlCol="0">
+            <a:spAutoFit/>
+          </a:bodyPr>
+          <a:lstStyle/>
+          <a:p>
+            <a:pPr algn="ctr"/>
+            <a:r>
+              <a:rPr lang="de-DE" sz="1400" dirty="0"/>
+              <a:t>Smart Meter</a:t>
+            </a:r>
+          </a:p>
+        </p:txBody>
+      </p:sp>
+      <p:sp>
+        <p:nvSpPr>
+          <p:cNvPr id="33" name="Rechteck 32">
+            <a:extLst>
+              <a:ext uri="{FF2B5EF4-FFF2-40B4-BE49-F238E27FC236}">
+                <a16:creationId xmlns:a16="http://schemas.microsoft.com/office/drawing/2014/main" id="{16AE6C77-695B-4A12-B481-031BCE27AD54}"/>
+              </a:ext>
+            </a:extLst>
+          </p:cNvPr>
+          <p:cNvSpPr/>
+          <p:nvPr/>
+        </p:nvSpPr>
+        <p:spPr>
+          <a:xfrm>
+            <a:off x="1630575" y="1922013"/>
+            <a:ext cx="457200" cy="403482"/>
+          </a:xfrm>
+          <a:prstGeom prst="rect">
+            <a:avLst/>
+          </a:prstGeom>
+        </p:spPr>
+        <p:style>
+          <a:lnRef idx="2">
+            <a:schemeClr val="accent2"/>
+          </a:lnRef>
+          <a:fillRef idx="1">
+            <a:schemeClr val="lt1"/>
+          </a:fillRef>
+          <a:effectRef idx="0">
+            <a:schemeClr val="accent2"/>
+          </a:effectRef>
+          <a:fontRef idx="minor">
+            <a:schemeClr val="dk1"/>
+          </a:fontRef>
+        </p:style>
+        <p:txBody>
+          <a:bodyPr rtlCol="0" anchor="ctr"/>
+          <a:lstStyle/>
+          <a:p>
+            <a:pPr algn="ctr"/>
+            <a:endParaRPr lang="de-DE"/>
+          </a:p>
+        </p:txBody>
+      </p:sp>
+      <p:pic>
+        <p:nvPicPr>
+          <p:cNvPr id="34" name="Grafik 33" descr="Schlüssel">
+            <a:extLst>
+              <a:ext uri="{FF2B5EF4-FFF2-40B4-BE49-F238E27FC236}">
+                <a16:creationId xmlns:a16="http://schemas.microsoft.com/office/drawing/2014/main" id="{BDA42C5C-F130-4639-9926-4DEC363ABBFF}"/>
+              </a:ext>
+            </a:extLst>
+          </p:cNvPr>
+          <p:cNvPicPr>
+            <a:picLocks noChangeAspect="1"/>
+          </p:cNvPicPr>
+          <p:nvPr/>
+        </p:nvPicPr>
+        <p:blipFill>
+          <a:blip r:embed="rId3">
+            <a:extLst>
+              <a:ext uri="{96DAC541-7B7A-43D3-8B79-37D633B846F1}">
+                <asvg:svgBlip xmlns:asvg="http://schemas.microsoft.com/office/drawing/2016/SVG/main" r:embed="rId4"/>
+              </a:ext>
+            </a:extLst>
+          </a:blip>
+          <a:stretch>
+            <a:fillRect/>
+          </a:stretch>
+        </p:blipFill>
+        <p:spPr>
+          <a:xfrm>
+            <a:off x="1690021" y="1949215"/>
+            <a:ext cx="338308" cy="338308"/>
+          </a:xfrm>
+          <a:prstGeom prst="rect">
+            <a:avLst/>
+          </a:prstGeom>
+        </p:spPr>
+      </p:pic>
     </p:spTree>
     <p:extLst>
       <p:ext uri="{BB962C8B-B14F-4D97-AF65-F5344CB8AC3E}">
@@ -27396,13 +30285,13 @@
   <p:clrMapOvr>
     <a:masterClrMapping/>
   </p:clrMapOvr>
-  <mc:AlternateContent xmlns:mc="http://schemas.openxmlformats.org/markup-compatibility/2006">
-    <mc:Choice xmlns:p14="http://schemas.microsoft.com/office/powerpoint/2010/main" Requires="p14">
+  <mc:AlternateContent xmlns:mc="http://schemas.openxmlformats.org/markup-compatibility/2006" xmlns:p14="http://schemas.microsoft.com/office/powerpoint/2010/main">
+    <mc:Choice Requires="p14">
       <p:transition spd="med" p14:dur="700">
         <p:fade/>
       </p:transition>
     </mc:Choice>
-    <mc:Fallback>
+    <mc:Fallback xmlns="">
       <p:transition spd="med">
         <p:fade/>
       </p:transition>

--- a/documentation/Milestone Presentation.pptx
+++ b/documentation/Milestone Presentation.pptx
@@ -5,7 +5,7 @@
     <p:sldMasterId id="2147483910" r:id="rId1"/>
   </p:sldMasterIdLst>
   <p:notesMasterIdLst>
-    <p:notesMasterId r:id="rId26"/>
+    <p:notesMasterId r:id="rId25"/>
   </p:notesMasterIdLst>
   <p:sldIdLst>
     <p:sldId id="256" r:id="rId2"/>
@@ -17,21 +17,20 @@
     <p:sldId id="268" r:id="rId8"/>
     <p:sldId id="280" r:id="rId9"/>
     <p:sldId id="293" r:id="rId10"/>
-    <p:sldId id="278" r:id="rId11"/>
-    <p:sldId id="285" r:id="rId12"/>
-    <p:sldId id="271" r:id="rId13"/>
-    <p:sldId id="265" r:id="rId14"/>
-    <p:sldId id="288" r:id="rId15"/>
-    <p:sldId id="289" r:id="rId16"/>
-    <p:sldId id="290" r:id="rId17"/>
-    <p:sldId id="291" r:id="rId18"/>
-    <p:sldId id="292" r:id="rId19"/>
-    <p:sldId id="270" r:id="rId20"/>
-    <p:sldId id="297" r:id="rId21"/>
-    <p:sldId id="298" r:id="rId22"/>
-    <p:sldId id="294" r:id="rId23"/>
-    <p:sldId id="295" r:id="rId24"/>
-    <p:sldId id="296" r:id="rId25"/>
+    <p:sldId id="285" r:id="rId11"/>
+    <p:sldId id="288" r:id="rId12"/>
+    <p:sldId id="289" r:id="rId13"/>
+    <p:sldId id="290" r:id="rId14"/>
+    <p:sldId id="291" r:id="rId15"/>
+    <p:sldId id="292" r:id="rId16"/>
+    <p:sldId id="270" r:id="rId17"/>
+    <p:sldId id="297" r:id="rId18"/>
+    <p:sldId id="298" r:id="rId19"/>
+    <p:sldId id="295" r:id="rId20"/>
+    <p:sldId id="296" r:id="rId21"/>
+    <p:sldId id="278" r:id="rId22"/>
+    <p:sldId id="271" r:id="rId23"/>
+    <p:sldId id="294" r:id="rId24"/>
   </p:sldIdLst>
   <p:sldSz cx="9144000" cy="5143500" type="screen16x9"/>
   <p:notesSz cx="6858000" cy="9144000"/>
@@ -10813,160 +10812,21 @@
           <a:bodyPr/>
           <a:lstStyle/>
           <a:p>
-            <a:pPr marL="285750" indent="-285750">
-              <a:lnSpc>
-                <a:spcPct val="200000"/>
-              </a:lnSpc>
-              <a:buFont typeface="Arial" panose="020B0604020202020204" pitchFamily="34" charset="0"/>
-              <a:buChar char="•"/>
-            </a:pPr>
-            <a:r>
-              <a:rPr lang="de-DE" dirty="0"/>
-              <a:t>Ethereum Proof </a:t>
-            </a:r>
-            <a:r>
-              <a:rPr lang="de-DE" dirty="0" err="1"/>
-              <a:t>of</a:t>
-            </a:r>
-            <a:r>
-              <a:rPr lang="de-DE" dirty="0"/>
-              <a:t> Authority Blockchain</a:t>
-            </a:r>
-          </a:p>
-          <a:p>
-            <a:pPr marL="285750" indent="-285750">
-              <a:lnSpc>
-                <a:spcPct val="200000"/>
-              </a:lnSpc>
-              <a:buFont typeface="Arial" panose="020B0604020202020204" pitchFamily="34" charset="0"/>
-              <a:buChar char="•"/>
-            </a:pPr>
-            <a:r>
-              <a:rPr lang="de-DE" dirty="0" err="1"/>
-              <a:t>Built</a:t>
-            </a:r>
-            <a:r>
-              <a:rPr lang="de-DE" dirty="0"/>
-              <a:t> on Parity</a:t>
-            </a:r>
-          </a:p>
-          <a:p>
-            <a:pPr marL="285750" indent="-285750">
-              <a:lnSpc>
-                <a:spcPct val="200000"/>
-              </a:lnSpc>
-              <a:buFont typeface="Arial" panose="020B0604020202020204" pitchFamily="34" charset="0"/>
-              <a:buChar char="•"/>
-            </a:pPr>
-            <a:r>
-              <a:rPr lang="de-DE" dirty="0"/>
-              <a:t>Smart </a:t>
-            </a:r>
-            <a:r>
-              <a:rPr lang="de-DE" dirty="0" err="1"/>
-              <a:t>Contracts</a:t>
-            </a:r>
-            <a:endParaRPr lang="de-DE" dirty="0"/>
-          </a:p>
-          <a:p>
-            <a:pPr marL="742950" lvl="1" indent="-285750">
-              <a:buFont typeface="Arial" panose="020B0604020202020204" pitchFamily="34" charset="0"/>
-              <a:buChar char="•"/>
-            </a:pPr>
-            <a:r>
-              <a:rPr lang="de-DE" dirty="0" err="1"/>
-              <a:t>Validator</a:t>
-            </a:r>
-            <a:r>
-              <a:rPr lang="de-DE" dirty="0"/>
-              <a:t> Set</a:t>
-            </a:r>
-          </a:p>
-          <a:p>
-            <a:pPr marL="742950" lvl="1" indent="-285750">
-              <a:buFont typeface="Arial" panose="020B0604020202020204" pitchFamily="34" charset="0"/>
-              <a:buChar char="•"/>
-            </a:pPr>
-            <a:r>
-              <a:rPr lang="de-DE" dirty="0"/>
-              <a:t>Settlement</a:t>
-            </a:r>
-          </a:p>
-          <a:p>
-            <a:pPr marL="285750" lvl="0" indent="-285750">
-              <a:buFont typeface="Arial" panose="020B0604020202020204" pitchFamily="34" charset="0"/>
-              <a:buChar char="•"/>
-            </a:pPr>
-            <a:r>
-              <a:rPr lang="de-DE" dirty="0"/>
-              <a:t>Gas </a:t>
-            </a:r>
-            <a:r>
-              <a:rPr lang="de-DE" dirty="0" err="1"/>
-              <a:t>price</a:t>
-            </a:r>
-            <a:r>
-              <a:rPr lang="de-DE" dirty="0"/>
-              <a:t> </a:t>
-            </a:r>
-            <a:r>
-              <a:rPr lang="de-DE" dirty="0" err="1"/>
-              <a:t>for</a:t>
-            </a:r>
-            <a:r>
-              <a:rPr lang="de-DE" dirty="0"/>
-              <a:t> </a:t>
-            </a:r>
-            <a:r>
-              <a:rPr lang="de-DE" dirty="0" err="1"/>
-              <a:t>netting</a:t>
-            </a:r>
-            <a:endParaRPr lang="de-DE" dirty="0"/>
-          </a:p>
-          <a:p>
-            <a:pPr marL="285750" lvl="0" indent="-285750">
-              <a:buFont typeface="Arial" panose="020B0604020202020204" pitchFamily="34" charset="0"/>
-              <a:buChar char="•"/>
-            </a:pPr>
-            <a:r>
-              <a:rPr lang="de-DE" dirty="0"/>
-              <a:t>Block rate </a:t>
-            </a:r>
-            <a:r>
-              <a:rPr lang="de-DE" dirty="0">
-                <a:sym typeface="Wingdings" panose="05000000000000000000" pitchFamily="2" charset="2"/>
-              </a:rPr>
-              <a:t> </a:t>
-            </a:r>
-            <a:r>
-              <a:rPr lang="de-DE" dirty="0" err="1">
-                <a:sym typeface="Wingdings" panose="05000000000000000000" pitchFamily="2" charset="2"/>
-              </a:rPr>
-              <a:t>netting</a:t>
-            </a:r>
-            <a:r>
-              <a:rPr lang="de-DE" dirty="0">
-                <a:sym typeface="Wingdings" panose="05000000000000000000" pitchFamily="2" charset="2"/>
-              </a:rPr>
-              <a:t> </a:t>
-            </a:r>
-            <a:r>
-              <a:rPr lang="de-DE" dirty="0" err="1">
-                <a:sym typeface="Wingdings" panose="05000000000000000000" pitchFamily="2" charset="2"/>
-              </a:rPr>
-              <a:t>every</a:t>
-            </a:r>
-            <a:r>
-              <a:rPr lang="de-DE" dirty="0">
-                <a:sym typeface="Wingdings" panose="05000000000000000000" pitchFamily="2" charset="2"/>
-              </a:rPr>
-              <a:t> 5 </a:t>
-            </a:r>
-            <a:r>
-              <a:rPr lang="de-DE" dirty="0" err="1">
-                <a:sym typeface="Wingdings" panose="05000000000000000000" pitchFamily="2" charset="2"/>
-              </a:rPr>
-              <a:t>blocks</a:t>
+            <a:r>
+              <a:rPr lang="en-US" dirty="0"/>
+              <a:t>Two household groups. In this case more consumed than produced</a:t>
+            </a:r>
+          </a:p>
+          <a:p>
+            <a:r>
+              <a:rPr lang="en-US" dirty="0"/>
+              <a:t>we ensure that one household group (in this case the Producer)</a:t>
+            </a:r>
+          </a:p>
+          <a:p>
+            <a:r>
+              <a:rPr lang="en-US" dirty="0"/>
+              <a:t>we can guarantee to fulfill everyone's request</a:t>
             </a:r>
             <a:endParaRPr lang="de-DE" dirty="0"/>
           </a:p>
@@ -10975,7 +10835,7 @@
     </p:spTree>
     <p:extLst>
       <p:ext uri="{BB962C8B-B14F-4D97-AF65-F5344CB8AC3E}">
-        <p14:creationId xmlns:p14="http://schemas.microsoft.com/office/powerpoint/2010/main" val="3283828710"/>
+        <p14:creationId xmlns:p14="http://schemas.microsoft.com/office/powerpoint/2010/main" val="4200836314"/>
       </p:ext>
     </p:extLst>
   </p:cSld>
@@ -11035,36 +10895,14 @@
           <a:lstStyle/>
           <a:p>
             <a:r>
-              <a:rPr lang="de-DE" dirty="0"/>
-              <a:t>TODO: </a:t>
-            </a:r>
-            <a:r>
-              <a:rPr lang="de-DE" dirty="0" err="1"/>
-              <a:t>Explain</a:t>
-            </a:r>
-            <a:r>
-              <a:rPr lang="de-DE" dirty="0"/>
-              <a:t> Settlement </a:t>
-            </a:r>
-            <a:r>
-              <a:rPr lang="de-DE" dirty="0" err="1"/>
-              <a:t>with</a:t>
-            </a:r>
-            <a:r>
-              <a:rPr lang="de-DE" dirty="0"/>
-              <a:t> </a:t>
-            </a:r>
-            <a:r>
-              <a:rPr lang="de-DE" dirty="0" err="1"/>
-              <a:t>picture</a:t>
-            </a:r>
-            <a:r>
-              <a:rPr lang="de-DE" dirty="0"/>
-              <a:t> </a:t>
-            </a:r>
-            <a:r>
-              <a:rPr lang="de-DE" dirty="0" err="1"/>
-              <a:t>overlay</a:t>
+              <a:rPr lang="en-US" dirty="0"/>
+              <a:t>because we want that all producing household's get a appropriate cut from the cake, every producing household shares their percentage of contribution to the system applied to the total amount of energy needed.</a:t>
+            </a:r>
+          </a:p>
+          <a:p>
+            <a:r>
+              <a:rPr lang="en-US" dirty="0"/>
+              <a:t>In this case, hh1 contributed 66% to the system so they get share 66% of 200 = 132 amount of energy spread to all households in a FIFS manner (time of household added)</a:t>
             </a:r>
             <a:endParaRPr lang="de-DE" dirty="0"/>
           </a:p>
@@ -11073,7 +10911,7 @@
     </p:spTree>
     <p:extLst>
       <p:ext uri="{BB962C8B-B14F-4D97-AF65-F5344CB8AC3E}">
-        <p14:creationId xmlns:p14="http://schemas.microsoft.com/office/powerpoint/2010/main" val="2828701232"/>
+        <p14:creationId xmlns:p14="http://schemas.microsoft.com/office/powerpoint/2010/main" val="829053142"/>
       </p:ext>
     </p:extLst>
   </p:cSld>
@@ -11133,20 +10971,52 @@
           <a:lstStyle/>
           <a:p>
             <a:r>
-              <a:rPr lang="en-US" dirty="0"/>
-              <a:t>Two household groups. In this case more consumed than produced</a:t>
-            </a:r>
-          </a:p>
-          <a:p>
-            <a:r>
-              <a:rPr lang="en-US" dirty="0"/>
-              <a:t>we ensure that one household group (in this case the Producer)</a:t>
-            </a:r>
-          </a:p>
-          <a:p>
-            <a:r>
-              <a:rPr lang="en-US" dirty="0"/>
-              <a:t>we can guarantee to fulfill everyone's request</a:t>
+              <a:rPr lang="de-DE" dirty="0"/>
+              <a:t>Live Demo </a:t>
+            </a:r>
+            <a:r>
+              <a:rPr lang="de-DE" dirty="0" err="1"/>
+              <a:t>of</a:t>
+            </a:r>
+            <a:r>
+              <a:rPr lang="de-DE" dirty="0"/>
+              <a:t> </a:t>
+            </a:r>
+            <a:r>
+              <a:rPr lang="de-DE" dirty="0" err="1"/>
+              <a:t>the</a:t>
+            </a:r>
+            <a:r>
+              <a:rPr lang="de-DE" dirty="0"/>
+              <a:t> </a:t>
+            </a:r>
+            <a:r>
+              <a:rPr lang="de-DE" dirty="0" err="1"/>
+              <a:t>current</a:t>
+            </a:r>
+            <a:r>
+              <a:rPr lang="de-DE" dirty="0"/>
+              <a:t> </a:t>
+            </a:r>
+            <a:r>
+              <a:rPr lang="de-DE" dirty="0" err="1"/>
+              <a:t>setup</a:t>
+            </a:r>
+            <a:r>
+              <a:rPr lang="de-DE" dirty="0"/>
+              <a:t>. </a:t>
+            </a:r>
+            <a:r>
+              <a:rPr lang="de-DE" dirty="0" err="1"/>
+              <a:t>Approximately</a:t>
+            </a:r>
+            <a:r>
+              <a:rPr lang="de-DE" dirty="0"/>
+              <a:t> 10 </a:t>
+            </a:r>
+            <a:r>
+              <a:rPr lang="de-DE" dirty="0" err="1"/>
+              <a:t>Minutes</a:t>
             </a:r>
             <a:endParaRPr lang="de-DE" dirty="0"/>
           </a:p>
@@ -11155,7 +11025,7 @@
     </p:spTree>
     <p:extLst>
       <p:ext uri="{BB962C8B-B14F-4D97-AF65-F5344CB8AC3E}">
-        <p14:creationId xmlns:p14="http://schemas.microsoft.com/office/powerpoint/2010/main" val="4200836314"/>
+        <p14:creationId xmlns:p14="http://schemas.microsoft.com/office/powerpoint/2010/main" val="2362598147"/>
       </p:ext>
     </p:extLst>
   </p:cSld>
@@ -11215,23 +11085,30 @@
           <a:lstStyle/>
           <a:p>
             <a:r>
-              <a:rPr lang="en-US" dirty="0"/>
-              <a:t>because we want that all producing household's get a appropriate cut from the cake, every producing household shares their percentage of contribution to the system applied to the total amount of energy needed.</a:t>
-            </a:r>
-          </a:p>
-          <a:p>
-            <a:r>
-              <a:rPr lang="en-US" dirty="0"/>
-              <a:t>In this case, hh1 contributed 66% to the system so they get share 66% of 200 = 132 amount of energy spread to all households in a FIFS manner (time of household added)</a:t>
-            </a:r>
-            <a:endParaRPr lang="de-DE" dirty="0"/>
+              <a:rPr lang="en-GB" noProof="0" dirty="0"/>
+              <a:t>Current evaluation:</a:t>
+            </a:r>
+          </a:p>
+          <a:p>
+            <a:pPr lvl="1"/>
+            <a:r>
+              <a:rPr lang="en-GB" noProof="0" dirty="0"/>
+              <a:t>Strengths</a:t>
+            </a:r>
+          </a:p>
+          <a:p>
+            <a:pPr lvl="1"/>
+            <a:r>
+              <a:rPr lang="en-GB" noProof="0" dirty="0"/>
+              <a:t>Weaknesses</a:t>
+            </a:r>
           </a:p>
         </p:txBody>
       </p:sp>
     </p:spTree>
     <p:extLst>
       <p:ext uri="{BB962C8B-B14F-4D97-AF65-F5344CB8AC3E}">
-        <p14:creationId xmlns:p14="http://schemas.microsoft.com/office/powerpoint/2010/main" val="829053142"/>
+        <p14:creationId xmlns:p14="http://schemas.microsoft.com/office/powerpoint/2010/main" val="491823572"/>
       </p:ext>
     </p:extLst>
   </p:cSld>
@@ -11292,60 +11169,15 @@
           <a:p>
             <a:r>
               <a:rPr lang="de-DE" dirty="0"/>
-              <a:t>Live Demo </a:t>
-            </a:r>
-            <a:r>
-              <a:rPr lang="de-DE" dirty="0" err="1"/>
-              <a:t>of</a:t>
-            </a:r>
-            <a:r>
-              <a:rPr lang="de-DE" dirty="0"/>
-              <a:t> </a:t>
-            </a:r>
-            <a:r>
-              <a:rPr lang="de-DE" dirty="0" err="1"/>
-              <a:t>the</a:t>
-            </a:r>
-            <a:r>
-              <a:rPr lang="de-DE" dirty="0"/>
-              <a:t> </a:t>
-            </a:r>
-            <a:r>
-              <a:rPr lang="de-DE" dirty="0" err="1"/>
-              <a:t>current</a:t>
-            </a:r>
-            <a:r>
-              <a:rPr lang="de-DE" dirty="0"/>
-              <a:t> </a:t>
-            </a:r>
-            <a:r>
-              <a:rPr lang="de-DE" dirty="0" err="1"/>
-              <a:t>setup</a:t>
-            </a:r>
-            <a:r>
-              <a:rPr lang="de-DE" dirty="0"/>
-              <a:t>. </a:t>
-            </a:r>
-            <a:r>
-              <a:rPr lang="de-DE" dirty="0" err="1"/>
-              <a:t>Approximately</a:t>
-            </a:r>
-            <a:r>
-              <a:rPr lang="de-DE" dirty="0"/>
-              <a:t> 10 </a:t>
-            </a:r>
-            <a:r>
-              <a:rPr lang="de-DE" dirty="0" err="1"/>
-              <a:t>Minutes</a:t>
-            </a:r>
-            <a:endParaRPr lang="de-DE" dirty="0"/>
+              <a:t>TODO</a:t>
+            </a:r>
           </a:p>
         </p:txBody>
       </p:sp>
     </p:spTree>
     <p:extLst>
       <p:ext uri="{BB962C8B-B14F-4D97-AF65-F5344CB8AC3E}">
-        <p14:creationId xmlns:p14="http://schemas.microsoft.com/office/powerpoint/2010/main" val="2362598147"/>
+        <p14:creationId xmlns:p14="http://schemas.microsoft.com/office/powerpoint/2010/main" val="3322072295"/>
       </p:ext>
     </p:extLst>
   </p:cSld>
@@ -11404,31 +11236,341 @@
           <a:bodyPr/>
           <a:lstStyle/>
           <a:p>
-            <a:r>
-              <a:rPr lang="en-GB" noProof="0" dirty="0"/>
-              <a:t>Current evaluation:</a:t>
-            </a:r>
-          </a:p>
-          <a:p>
-            <a:pPr lvl="1"/>
-            <a:r>
-              <a:rPr lang="en-GB" noProof="0" dirty="0"/>
-              <a:t>Strengths</a:t>
-            </a:r>
-          </a:p>
-          <a:p>
-            <a:pPr lvl="1"/>
-            <a:r>
-              <a:rPr lang="en-GB" noProof="0" dirty="0"/>
-              <a:t>Weaknesses</a:t>
-            </a:r>
+            <a:pPr rtl="0" fontAlgn="base"/>
+            <a:r>
+              <a:rPr lang="en-US" sz="1100" b="0" i="0" u="none" strike="noStrike" cap="none" dirty="0">
+                <a:solidFill>
+                  <a:srgbClr val="000000"/>
+                </a:solidFill>
+                <a:effectLst/>
+                <a:latin typeface="Arial"/>
+                <a:ea typeface="Arial"/>
+                <a:cs typeface="Arial"/>
+                <a:sym typeface="Arial"/>
+              </a:rPr>
+              <a:t>Cryptography</a:t>
+            </a:r>
+          </a:p>
+          <a:p>
+            <a:pPr lvl="1" rtl="0" fontAlgn="base"/>
+            <a:r>
+              <a:rPr lang="en-US" sz="1100" b="0" i="0" u="none" strike="noStrike" cap="none" dirty="0">
+                <a:solidFill>
+                  <a:srgbClr val="000000"/>
+                </a:solidFill>
+                <a:effectLst/>
+                <a:latin typeface="Arial"/>
+                <a:ea typeface="Arial"/>
+                <a:cs typeface="Arial"/>
+                <a:sym typeface="Arial"/>
+              </a:rPr>
+              <a:t>Usage of private/ public keys</a:t>
+            </a:r>
+          </a:p>
+          <a:p>
+            <a:pPr lvl="1" rtl="0" fontAlgn="base"/>
+            <a:r>
+              <a:rPr lang="en-US" sz="1100" b="0" i="0" u="none" strike="noStrike" cap="none" dirty="0">
+                <a:solidFill>
+                  <a:srgbClr val="000000"/>
+                </a:solidFill>
+                <a:effectLst/>
+                <a:latin typeface="Arial"/>
+                <a:ea typeface="Arial"/>
+                <a:cs typeface="Arial"/>
+                <a:sym typeface="Arial"/>
+              </a:rPr>
+              <a:t>Not suitable/ sufficient for our use case, as we need a link between the real households and their keys to ensure correctness</a:t>
+            </a:r>
+          </a:p>
+          <a:p>
+            <a:pPr rtl="0" fontAlgn="base"/>
+            <a:r>
+              <a:rPr lang="en-US" sz="1100" b="0" i="0" u="none" strike="noStrike" cap="none" dirty="0">
+                <a:solidFill>
+                  <a:srgbClr val="000000"/>
+                </a:solidFill>
+                <a:effectLst/>
+                <a:latin typeface="Arial"/>
+                <a:ea typeface="Arial"/>
+                <a:cs typeface="Arial"/>
+                <a:sym typeface="Arial"/>
+              </a:rPr>
+              <a:t>Zero-knowledge proofs</a:t>
+            </a:r>
+          </a:p>
+          <a:p>
+            <a:pPr lvl="1" rtl="0" fontAlgn="base"/>
+            <a:r>
+              <a:rPr lang="en-US" sz="1100" b="0" i="0" u="none" strike="noStrike" cap="none" dirty="0">
+                <a:solidFill>
+                  <a:srgbClr val="000000"/>
+                </a:solidFill>
+                <a:effectLst/>
+                <a:latin typeface="Arial"/>
+                <a:ea typeface="Arial"/>
+                <a:cs typeface="Arial"/>
+                <a:sym typeface="Arial"/>
+              </a:rPr>
+              <a:t>One party proves to another party that a transaction is true without revealing details about the specific transaction</a:t>
+            </a:r>
+          </a:p>
+          <a:p>
+            <a:pPr lvl="1" rtl="0" fontAlgn="base"/>
+            <a:r>
+              <a:rPr lang="en-US" sz="1100" b="0" i="0" u="none" strike="noStrike" cap="none" dirty="0">
+                <a:solidFill>
+                  <a:srgbClr val="000000"/>
+                </a:solidFill>
+                <a:effectLst/>
+                <a:latin typeface="Arial"/>
+                <a:ea typeface="Arial"/>
+                <a:cs typeface="Arial"/>
+                <a:sym typeface="Arial"/>
+              </a:rPr>
+              <a:t>Implementation by complex cryptographic methods</a:t>
+            </a:r>
+          </a:p>
+          <a:p>
+            <a:pPr lvl="1" rtl="0" fontAlgn="base"/>
+            <a:r>
+              <a:rPr lang="en-US" sz="1100" b="0" i="0" u="none" strike="noStrike" cap="none" dirty="0">
+                <a:solidFill>
+                  <a:srgbClr val="000000"/>
+                </a:solidFill>
+                <a:effectLst/>
+                <a:latin typeface="Arial"/>
+                <a:ea typeface="Arial"/>
+                <a:cs typeface="Arial"/>
+                <a:sym typeface="Arial"/>
+              </a:rPr>
+              <a:t>allows verification of transactions without revealing identities</a:t>
+            </a:r>
+          </a:p>
+          <a:p>
+            <a:pPr lvl="1" rtl="0" fontAlgn="base"/>
+            <a:r>
+              <a:rPr lang="en-US" sz="1100" b="0" i="0" u="none" strike="noStrike" cap="none" dirty="0">
+                <a:solidFill>
+                  <a:srgbClr val="000000"/>
+                </a:solidFill>
+                <a:effectLst/>
+                <a:latin typeface="Arial"/>
+                <a:ea typeface="Arial"/>
+                <a:cs typeface="Arial"/>
+                <a:sym typeface="Arial"/>
+              </a:rPr>
+              <a:t>suitable for our requirements</a:t>
+            </a:r>
+          </a:p>
+          <a:p>
+            <a:pPr lvl="0" rtl="0" fontAlgn="base"/>
+            <a:r>
+              <a:rPr lang="en-US" sz="1100" b="0" i="0" u="none" strike="noStrike" cap="none" dirty="0">
+                <a:solidFill>
+                  <a:srgbClr val="000000"/>
+                </a:solidFill>
+                <a:effectLst/>
+                <a:latin typeface="Arial"/>
+                <a:ea typeface="Arial"/>
+                <a:cs typeface="Arial"/>
+                <a:sym typeface="Arial"/>
+              </a:rPr>
+              <a:t>Hawk</a:t>
+            </a:r>
+          </a:p>
+          <a:p>
+            <a:pPr lvl="1" rtl="0" fontAlgn="base"/>
+            <a:r>
+              <a:rPr lang="en-US" sz="1100" b="0" i="0" u="none" strike="noStrike" cap="none" dirty="0">
+                <a:solidFill>
+                  <a:srgbClr val="000000"/>
+                </a:solidFill>
+                <a:effectLst/>
+                <a:latin typeface="Arial"/>
+                <a:ea typeface="Arial"/>
+                <a:cs typeface="Arial"/>
+                <a:sym typeface="Arial"/>
+              </a:rPr>
+              <a:t>Smart contract system encrypting transactions on the blockchain</a:t>
+            </a:r>
+          </a:p>
+          <a:p>
+            <a:pPr lvl="1" rtl="0" fontAlgn="base"/>
+            <a:r>
+              <a:rPr lang="en-US" sz="1100" b="0" i="0" u="none" strike="noStrike" cap="none" dirty="0">
+                <a:solidFill>
+                  <a:srgbClr val="000000"/>
+                </a:solidFill>
+                <a:effectLst/>
+                <a:latin typeface="Arial"/>
+                <a:ea typeface="Arial"/>
+                <a:cs typeface="Arial"/>
+                <a:sym typeface="Arial"/>
+              </a:rPr>
+              <a:t>Relies on zero-knowledge proofs</a:t>
+            </a:r>
+          </a:p>
+          <a:p>
+            <a:pPr lvl="1" rtl="0" fontAlgn="base"/>
+            <a:r>
+              <a:rPr lang="en-US" sz="1100" b="0" i="0" u="none" strike="noStrike" cap="none" dirty="0">
+                <a:solidFill>
+                  <a:srgbClr val="000000"/>
+                </a:solidFill>
+                <a:effectLst/>
+                <a:latin typeface="Arial"/>
+                <a:ea typeface="Arial"/>
+                <a:cs typeface="Arial"/>
+                <a:sym typeface="Arial"/>
+              </a:rPr>
+              <a:t>No off-chaining </a:t>
+            </a:r>
+            <a:r>
+              <a:rPr lang="en-US" sz="1100" b="0" i="0" u="none" strike="noStrike" cap="none" dirty="0">
+                <a:solidFill>
+                  <a:srgbClr val="000000"/>
+                </a:solidFill>
+                <a:effectLst/>
+                <a:latin typeface="Arial"/>
+                <a:ea typeface="Arial"/>
+                <a:cs typeface="Arial"/>
+                <a:sym typeface="Wingdings" panose="05000000000000000000" pitchFamily="2" charset="2"/>
+              </a:rPr>
+              <a:t></a:t>
+            </a:r>
+            <a:r>
+              <a:rPr lang="en-US" sz="1100" b="0" i="0" u="none" strike="noStrike" cap="none" dirty="0">
+                <a:solidFill>
+                  <a:srgbClr val="000000"/>
+                </a:solidFill>
+                <a:effectLst/>
+                <a:latin typeface="Arial"/>
+                <a:ea typeface="Arial"/>
+                <a:cs typeface="Arial"/>
+                <a:sym typeface="Arial"/>
+              </a:rPr>
+              <a:t> no benefit of cost or performance</a:t>
+            </a:r>
+          </a:p>
+          <a:p>
+            <a:pPr lvl="1" rtl="0" fontAlgn="base"/>
+            <a:r>
+              <a:rPr lang="en-US" sz="1100" b="0" i="0" u="none" strike="noStrike" cap="none" dirty="0">
+                <a:solidFill>
+                  <a:srgbClr val="000000"/>
+                </a:solidFill>
+                <a:effectLst/>
+                <a:latin typeface="Arial"/>
+                <a:ea typeface="Arial"/>
+                <a:cs typeface="Arial"/>
+                <a:sym typeface="Arial"/>
+              </a:rPr>
+              <a:t>No stable version released by now</a:t>
+            </a:r>
+          </a:p>
+          <a:p>
+            <a:pPr rtl="0" fontAlgn="base"/>
+            <a:r>
+              <a:rPr lang="en-US" sz="1100" b="0" i="0" u="none" strike="noStrike" cap="none" dirty="0" err="1">
+                <a:solidFill>
+                  <a:srgbClr val="000000"/>
+                </a:solidFill>
+                <a:effectLst/>
+                <a:latin typeface="Arial"/>
+                <a:ea typeface="Arial"/>
+                <a:cs typeface="Arial"/>
+                <a:sym typeface="Arial"/>
+              </a:rPr>
+              <a:t>ZoKrates</a:t>
+            </a:r>
+            <a:endParaRPr lang="en-US" sz="1100" b="0" i="0" u="none" strike="noStrike" cap="none" dirty="0">
+              <a:solidFill>
+                <a:srgbClr val="000000"/>
+              </a:solidFill>
+              <a:effectLst/>
+              <a:latin typeface="Arial"/>
+              <a:ea typeface="Arial"/>
+              <a:cs typeface="Arial"/>
+              <a:sym typeface="Arial"/>
+            </a:endParaRPr>
+          </a:p>
+          <a:p>
+            <a:pPr lvl="1" rtl="0" fontAlgn="base"/>
+            <a:r>
+              <a:rPr lang="en-US" sz="1100" b="0" i="0" u="none" strike="noStrike" cap="none" dirty="0">
+                <a:solidFill>
+                  <a:srgbClr val="000000"/>
+                </a:solidFill>
+                <a:effectLst/>
+                <a:latin typeface="Arial"/>
+                <a:ea typeface="Arial"/>
+                <a:cs typeface="Arial"/>
+                <a:sym typeface="Arial"/>
+              </a:rPr>
+              <a:t>toolbox using and providing zero-knowledge proof methods</a:t>
+            </a:r>
+          </a:p>
+          <a:p>
+            <a:pPr lvl="1" rtl="0" fontAlgn="base"/>
+            <a:r>
+              <a:rPr lang="en-US" sz="1100" b="0" i="0" u="none" strike="noStrike" cap="none" dirty="0">
+                <a:solidFill>
+                  <a:srgbClr val="000000"/>
+                </a:solidFill>
+                <a:effectLst/>
+                <a:latin typeface="Arial"/>
+                <a:ea typeface="Arial"/>
+                <a:cs typeface="Arial"/>
+                <a:sym typeface="Arial"/>
+              </a:rPr>
+              <a:t>also allows off-chaining of computational steps </a:t>
+            </a:r>
+            <a:r>
+              <a:rPr lang="en-US" sz="1100" b="0" i="0" u="none" strike="noStrike" cap="none" dirty="0">
+                <a:solidFill>
+                  <a:srgbClr val="000000"/>
+                </a:solidFill>
+                <a:effectLst/>
+                <a:latin typeface="Arial"/>
+                <a:ea typeface="Arial"/>
+                <a:cs typeface="Arial"/>
+                <a:sym typeface="Wingdings" panose="05000000000000000000" pitchFamily="2" charset="2"/>
+              </a:rPr>
+              <a:t> cost and performance benefit possible</a:t>
+            </a:r>
+            <a:br>
+              <a:rPr lang="en-US" sz="1100" b="0" i="0" u="none" strike="noStrike" cap="none" dirty="0">
+                <a:solidFill>
+                  <a:srgbClr val="000000"/>
+                </a:solidFill>
+                <a:effectLst/>
+                <a:latin typeface="Arial"/>
+                <a:ea typeface="Arial"/>
+                <a:cs typeface="Arial"/>
+                <a:sym typeface="Arial"/>
+              </a:rPr>
+            </a:br>
+            <a:endParaRPr lang="en-US" sz="1100" b="0" i="0" u="none" strike="noStrike" cap="none" dirty="0">
+              <a:solidFill>
+                <a:srgbClr val="000000"/>
+              </a:solidFill>
+              <a:effectLst/>
+              <a:latin typeface="Arial"/>
+              <a:ea typeface="Arial"/>
+              <a:cs typeface="Arial"/>
+              <a:sym typeface="Arial"/>
+            </a:endParaRPr>
+          </a:p>
+          <a:p>
+            <a:endParaRPr lang="de-DE" dirty="0"/>
           </a:p>
         </p:txBody>
       </p:sp>
     </p:spTree>
     <p:extLst>
       <p:ext uri="{BB962C8B-B14F-4D97-AF65-F5344CB8AC3E}">
-        <p14:creationId xmlns:p14="http://schemas.microsoft.com/office/powerpoint/2010/main" val="491823572"/>
+        <p14:creationId xmlns:p14="http://schemas.microsoft.com/office/powerpoint/2010/main" val="1995810315"/>
       </p:ext>
     </p:extLst>
   </p:cSld>
@@ -11487,17 +11629,14 @@
           <a:bodyPr/>
           <a:lstStyle/>
           <a:p>
-            <a:r>
-              <a:rPr lang="de-DE" dirty="0"/>
-              <a:t>TODO</a:t>
-            </a:r>
+            <a:endParaRPr lang="de-DE" dirty="0"/>
           </a:p>
         </p:txBody>
       </p:sp>
     </p:spTree>
     <p:extLst>
       <p:ext uri="{BB962C8B-B14F-4D97-AF65-F5344CB8AC3E}">
-        <p14:creationId xmlns:p14="http://schemas.microsoft.com/office/powerpoint/2010/main" val="3322072295"/>
+        <p14:creationId xmlns:p14="http://schemas.microsoft.com/office/powerpoint/2010/main" val="2958626350"/>
       </p:ext>
     </p:extLst>
   </p:cSld>
@@ -11556,14 +11695,97 @@
           <a:bodyPr/>
           <a:lstStyle/>
           <a:p>
-            <a:endParaRPr lang="de-DE" dirty="0"/>
+            <a:r>
+              <a:rPr lang="de-DE" dirty="0"/>
+              <a:t>Not </a:t>
+            </a:r>
+            <a:r>
+              <a:rPr lang="de-DE" dirty="0" err="1"/>
+              <a:t>sure</a:t>
+            </a:r>
+            <a:r>
+              <a:rPr lang="de-DE" dirty="0"/>
+              <a:t> </a:t>
+            </a:r>
+            <a:r>
+              <a:rPr lang="de-DE" dirty="0" err="1"/>
+              <a:t>if</a:t>
+            </a:r>
+            <a:r>
+              <a:rPr lang="de-DE" dirty="0"/>
+              <a:t> </a:t>
+            </a:r>
+            <a:r>
+              <a:rPr lang="de-DE" dirty="0" err="1"/>
+              <a:t>displaying</a:t>
+            </a:r>
+            <a:r>
+              <a:rPr lang="de-DE" dirty="0"/>
+              <a:t> </a:t>
+            </a:r>
+            <a:r>
+              <a:rPr lang="de-DE" dirty="0" err="1"/>
+              <a:t>the</a:t>
+            </a:r>
+            <a:r>
+              <a:rPr lang="de-DE" dirty="0"/>
+              <a:t> </a:t>
+            </a:r>
+            <a:r>
+              <a:rPr lang="de-DE" dirty="0" err="1"/>
+              <a:t>HHUnit</a:t>
+            </a:r>
+            <a:r>
+              <a:rPr lang="de-DE" dirty="0"/>
+              <a:t> </a:t>
+            </a:r>
+            <a:r>
+              <a:rPr lang="de-DE" dirty="0" err="1"/>
+              <a:t>is</a:t>
+            </a:r>
+            <a:r>
+              <a:rPr lang="de-DE" dirty="0"/>
+              <a:t> </a:t>
+            </a:r>
+            <a:r>
+              <a:rPr lang="de-DE" dirty="0" err="1"/>
+              <a:t>good</a:t>
+            </a:r>
+            <a:r>
+              <a:rPr lang="de-DE" dirty="0"/>
+              <a:t> </a:t>
+            </a:r>
+            <a:r>
+              <a:rPr lang="de-DE" dirty="0" err="1"/>
+              <a:t>here</a:t>
+            </a:r>
+            <a:r>
+              <a:rPr lang="de-DE" dirty="0"/>
+              <a:t>. Looks </a:t>
+            </a:r>
+            <a:r>
+              <a:rPr lang="de-DE" dirty="0" err="1"/>
+              <a:t>too</a:t>
+            </a:r>
+            <a:r>
+              <a:rPr lang="de-DE" dirty="0"/>
+              <a:t> </a:t>
+            </a:r>
+            <a:r>
+              <a:rPr lang="de-DE" dirty="0" err="1"/>
+              <a:t>crowded</a:t>
+            </a:r>
+            <a:r>
+              <a:rPr lang="de-DE" dirty="0"/>
+              <a:t>.</a:t>
+            </a:r>
           </a:p>
         </p:txBody>
       </p:sp>
     </p:spTree>
     <p:extLst>
       <p:ext uri="{BB962C8B-B14F-4D97-AF65-F5344CB8AC3E}">
-        <p14:creationId xmlns:p14="http://schemas.microsoft.com/office/powerpoint/2010/main" val="3911775088"/>
+        <p14:creationId xmlns:p14="http://schemas.microsoft.com/office/powerpoint/2010/main" val="1217334782"/>
       </p:ext>
     </p:extLst>
   </p:cSld>
@@ -11622,333 +11844,6 @@
           <a:bodyPr/>
           <a:lstStyle/>
           <a:p>
-            <a:pPr rtl="0" fontAlgn="base"/>
-            <a:r>
-              <a:rPr lang="en-US" sz="1100" b="0" i="0" u="none" strike="noStrike" cap="none" dirty="0">
-                <a:solidFill>
-                  <a:srgbClr val="000000"/>
-                </a:solidFill>
-                <a:effectLst/>
-                <a:latin typeface="Arial"/>
-                <a:ea typeface="Arial"/>
-                <a:cs typeface="Arial"/>
-                <a:sym typeface="Arial"/>
-              </a:rPr>
-              <a:t>Cryptography</a:t>
-            </a:r>
-          </a:p>
-          <a:p>
-            <a:pPr lvl="1" rtl="0" fontAlgn="base"/>
-            <a:r>
-              <a:rPr lang="en-US" sz="1100" b="0" i="0" u="none" strike="noStrike" cap="none" dirty="0">
-                <a:solidFill>
-                  <a:srgbClr val="000000"/>
-                </a:solidFill>
-                <a:effectLst/>
-                <a:latin typeface="Arial"/>
-                <a:ea typeface="Arial"/>
-                <a:cs typeface="Arial"/>
-                <a:sym typeface="Arial"/>
-              </a:rPr>
-              <a:t>Usage of private/ public keys</a:t>
-            </a:r>
-          </a:p>
-          <a:p>
-            <a:pPr lvl="1" rtl="0" fontAlgn="base"/>
-            <a:r>
-              <a:rPr lang="en-US" sz="1100" b="0" i="0" u="none" strike="noStrike" cap="none" dirty="0">
-                <a:solidFill>
-                  <a:srgbClr val="000000"/>
-                </a:solidFill>
-                <a:effectLst/>
-                <a:latin typeface="Arial"/>
-                <a:ea typeface="Arial"/>
-                <a:cs typeface="Arial"/>
-                <a:sym typeface="Arial"/>
-              </a:rPr>
-              <a:t>Not suitable/ sufficient for our use case, as we need a link between the real households and their keys to ensure correctness</a:t>
-            </a:r>
-          </a:p>
-          <a:p>
-            <a:pPr rtl="0" fontAlgn="base"/>
-            <a:r>
-              <a:rPr lang="en-US" sz="1100" b="0" i="0" u="none" strike="noStrike" cap="none" dirty="0">
-                <a:solidFill>
-                  <a:srgbClr val="000000"/>
-                </a:solidFill>
-                <a:effectLst/>
-                <a:latin typeface="Arial"/>
-                <a:ea typeface="Arial"/>
-                <a:cs typeface="Arial"/>
-                <a:sym typeface="Arial"/>
-              </a:rPr>
-              <a:t>Zero-knowledge proofs</a:t>
-            </a:r>
-          </a:p>
-          <a:p>
-            <a:pPr lvl="1" rtl="0" fontAlgn="base"/>
-            <a:r>
-              <a:rPr lang="en-US" sz="1100" b="0" i="0" u="none" strike="noStrike" cap="none" dirty="0">
-                <a:solidFill>
-                  <a:srgbClr val="000000"/>
-                </a:solidFill>
-                <a:effectLst/>
-                <a:latin typeface="Arial"/>
-                <a:ea typeface="Arial"/>
-                <a:cs typeface="Arial"/>
-                <a:sym typeface="Arial"/>
-              </a:rPr>
-              <a:t>One party proves to another party that a transaction is true without revealing details about the specific transaction</a:t>
-            </a:r>
-          </a:p>
-          <a:p>
-            <a:pPr lvl="1" rtl="0" fontAlgn="base"/>
-            <a:r>
-              <a:rPr lang="en-US" sz="1100" b="0" i="0" u="none" strike="noStrike" cap="none" dirty="0">
-                <a:solidFill>
-                  <a:srgbClr val="000000"/>
-                </a:solidFill>
-                <a:effectLst/>
-                <a:latin typeface="Arial"/>
-                <a:ea typeface="Arial"/>
-                <a:cs typeface="Arial"/>
-                <a:sym typeface="Arial"/>
-              </a:rPr>
-              <a:t>Implementation by complex cryptographic methods</a:t>
-            </a:r>
-          </a:p>
-          <a:p>
-            <a:pPr lvl="1" rtl="0" fontAlgn="base"/>
-            <a:r>
-              <a:rPr lang="en-US" sz="1100" b="0" i="0" u="none" strike="noStrike" cap="none" dirty="0">
-                <a:solidFill>
-                  <a:srgbClr val="000000"/>
-                </a:solidFill>
-                <a:effectLst/>
-                <a:latin typeface="Arial"/>
-                <a:ea typeface="Arial"/>
-                <a:cs typeface="Arial"/>
-                <a:sym typeface="Arial"/>
-              </a:rPr>
-              <a:t>allows verification of transactions without revealing identities</a:t>
-            </a:r>
-          </a:p>
-          <a:p>
-            <a:pPr lvl="1" rtl="0" fontAlgn="base"/>
-            <a:r>
-              <a:rPr lang="en-US" sz="1100" b="0" i="0" u="none" strike="noStrike" cap="none" dirty="0">
-                <a:solidFill>
-                  <a:srgbClr val="000000"/>
-                </a:solidFill>
-                <a:effectLst/>
-                <a:latin typeface="Arial"/>
-                <a:ea typeface="Arial"/>
-                <a:cs typeface="Arial"/>
-                <a:sym typeface="Arial"/>
-              </a:rPr>
-              <a:t>suitable for our requirements</a:t>
-            </a:r>
-          </a:p>
-          <a:p>
-            <a:pPr lvl="0" rtl="0" fontAlgn="base"/>
-            <a:r>
-              <a:rPr lang="en-US" sz="1100" b="0" i="0" u="none" strike="noStrike" cap="none" dirty="0">
-                <a:solidFill>
-                  <a:srgbClr val="000000"/>
-                </a:solidFill>
-                <a:effectLst/>
-                <a:latin typeface="Arial"/>
-                <a:ea typeface="Arial"/>
-                <a:cs typeface="Arial"/>
-                <a:sym typeface="Arial"/>
-              </a:rPr>
-              <a:t>Hawk</a:t>
-            </a:r>
-          </a:p>
-          <a:p>
-            <a:pPr lvl="1" rtl="0" fontAlgn="base"/>
-            <a:r>
-              <a:rPr lang="en-US" sz="1100" b="0" i="0" u="none" strike="noStrike" cap="none" dirty="0">
-                <a:solidFill>
-                  <a:srgbClr val="000000"/>
-                </a:solidFill>
-                <a:effectLst/>
-                <a:latin typeface="Arial"/>
-                <a:ea typeface="Arial"/>
-                <a:cs typeface="Arial"/>
-                <a:sym typeface="Arial"/>
-              </a:rPr>
-              <a:t>Smart contract system encrypting transactions on the blockchain</a:t>
-            </a:r>
-          </a:p>
-          <a:p>
-            <a:pPr lvl="1" rtl="0" fontAlgn="base"/>
-            <a:r>
-              <a:rPr lang="en-US" sz="1100" b="0" i="0" u="none" strike="noStrike" cap="none" dirty="0">
-                <a:solidFill>
-                  <a:srgbClr val="000000"/>
-                </a:solidFill>
-                <a:effectLst/>
-                <a:latin typeface="Arial"/>
-                <a:ea typeface="Arial"/>
-                <a:cs typeface="Arial"/>
-                <a:sym typeface="Arial"/>
-              </a:rPr>
-              <a:t>Relies on zero-knowledge proofs</a:t>
-            </a:r>
-          </a:p>
-          <a:p>
-            <a:pPr lvl="1" rtl="0" fontAlgn="base"/>
-            <a:r>
-              <a:rPr lang="en-US" sz="1100" b="0" i="0" u="none" strike="noStrike" cap="none" dirty="0">
-                <a:solidFill>
-                  <a:srgbClr val="000000"/>
-                </a:solidFill>
-                <a:effectLst/>
-                <a:latin typeface="Arial"/>
-                <a:ea typeface="Arial"/>
-                <a:cs typeface="Arial"/>
-                <a:sym typeface="Arial"/>
-              </a:rPr>
-              <a:t>No off-chaining </a:t>
-            </a:r>
-            <a:r>
-              <a:rPr lang="en-US" sz="1100" b="0" i="0" u="none" strike="noStrike" cap="none" dirty="0">
-                <a:solidFill>
-                  <a:srgbClr val="000000"/>
-                </a:solidFill>
-                <a:effectLst/>
-                <a:latin typeface="Arial"/>
-                <a:ea typeface="Arial"/>
-                <a:cs typeface="Arial"/>
-                <a:sym typeface="Wingdings" panose="05000000000000000000" pitchFamily="2" charset="2"/>
-              </a:rPr>
-              <a:t></a:t>
-            </a:r>
-            <a:r>
-              <a:rPr lang="en-US" sz="1100" b="0" i="0" u="none" strike="noStrike" cap="none" dirty="0">
-                <a:solidFill>
-                  <a:srgbClr val="000000"/>
-                </a:solidFill>
-                <a:effectLst/>
-                <a:latin typeface="Arial"/>
-                <a:ea typeface="Arial"/>
-                <a:cs typeface="Arial"/>
-                <a:sym typeface="Arial"/>
-              </a:rPr>
-              <a:t> no benefit of cost or performance</a:t>
-            </a:r>
-          </a:p>
-          <a:p>
-            <a:pPr lvl="1" rtl="0" fontAlgn="base"/>
-            <a:r>
-              <a:rPr lang="en-US" sz="1100" b="0" i="0" u="none" strike="noStrike" cap="none" dirty="0">
-                <a:solidFill>
-                  <a:srgbClr val="000000"/>
-                </a:solidFill>
-                <a:effectLst/>
-                <a:latin typeface="Arial"/>
-                <a:ea typeface="Arial"/>
-                <a:cs typeface="Arial"/>
-                <a:sym typeface="Arial"/>
-              </a:rPr>
-              <a:t>No stable version released by now</a:t>
-            </a:r>
-          </a:p>
-          <a:p>
-            <a:pPr rtl="0" fontAlgn="base"/>
-            <a:r>
-              <a:rPr lang="en-US" sz="1100" b="0" i="0" u="none" strike="noStrike" cap="none" dirty="0" err="1">
-                <a:solidFill>
-                  <a:srgbClr val="000000"/>
-                </a:solidFill>
-                <a:effectLst/>
-                <a:latin typeface="Arial"/>
-                <a:ea typeface="Arial"/>
-                <a:cs typeface="Arial"/>
-                <a:sym typeface="Arial"/>
-              </a:rPr>
-              <a:t>ZoKrates</a:t>
-            </a:r>
-            <a:endParaRPr lang="en-US" sz="1100" b="0" i="0" u="none" strike="noStrike" cap="none" dirty="0">
-              <a:solidFill>
-                <a:srgbClr val="000000"/>
-              </a:solidFill>
-              <a:effectLst/>
-              <a:latin typeface="Arial"/>
-              <a:ea typeface="Arial"/>
-              <a:cs typeface="Arial"/>
-              <a:sym typeface="Arial"/>
-            </a:endParaRPr>
-          </a:p>
-          <a:p>
-            <a:pPr lvl="1" rtl="0" fontAlgn="base"/>
-            <a:r>
-              <a:rPr lang="en-US" sz="1100" b="0" i="0" u="none" strike="noStrike" cap="none" dirty="0">
-                <a:solidFill>
-                  <a:srgbClr val="000000"/>
-                </a:solidFill>
-                <a:effectLst/>
-                <a:latin typeface="Arial"/>
-                <a:ea typeface="Arial"/>
-                <a:cs typeface="Arial"/>
-                <a:sym typeface="Arial"/>
-              </a:rPr>
-              <a:t>toolbox using and providing zero-knowledge proof methods</a:t>
-            </a:r>
-          </a:p>
-          <a:p>
-            <a:pPr lvl="1" rtl="0" fontAlgn="base"/>
-            <a:r>
-              <a:rPr lang="en-US" sz="1100" b="0" i="0" u="none" strike="noStrike" cap="none" dirty="0">
-                <a:solidFill>
-                  <a:srgbClr val="000000"/>
-                </a:solidFill>
-                <a:effectLst/>
-                <a:latin typeface="Arial"/>
-                <a:ea typeface="Arial"/>
-                <a:cs typeface="Arial"/>
-                <a:sym typeface="Arial"/>
-              </a:rPr>
-              <a:t>also allows off-chaining of computational steps </a:t>
-            </a:r>
-            <a:r>
-              <a:rPr lang="en-US" sz="1100" b="0" i="0" u="none" strike="noStrike" cap="none" dirty="0">
-                <a:solidFill>
-                  <a:srgbClr val="000000"/>
-                </a:solidFill>
-                <a:effectLst/>
-                <a:latin typeface="Arial"/>
-                <a:ea typeface="Arial"/>
-                <a:cs typeface="Arial"/>
-                <a:sym typeface="Wingdings" panose="05000000000000000000" pitchFamily="2" charset="2"/>
-              </a:rPr>
-              <a:t> cost and performance benefit possible</a:t>
-            </a:r>
-            <a:br>
-              <a:rPr lang="en-US" sz="1100" b="0" i="0" u="none" strike="noStrike" cap="none" dirty="0">
-                <a:solidFill>
-                  <a:srgbClr val="000000"/>
-                </a:solidFill>
-                <a:effectLst/>
-                <a:latin typeface="Arial"/>
-                <a:ea typeface="Arial"/>
-                <a:cs typeface="Arial"/>
-                <a:sym typeface="Arial"/>
-              </a:rPr>
-            </a:br>
-            <a:endParaRPr lang="en-US" sz="1100" b="0" i="0" u="none" strike="noStrike" cap="none" dirty="0">
-              <a:solidFill>
-                <a:srgbClr val="000000"/>
-              </a:solidFill>
-              <a:effectLst/>
-              <a:latin typeface="Arial"/>
-              <a:ea typeface="Arial"/>
-              <a:cs typeface="Arial"/>
-              <a:sym typeface="Arial"/>
-            </a:endParaRPr>
-          </a:p>
-          <a:p>
             <a:endParaRPr lang="de-DE" dirty="0"/>
           </a:p>
         </p:txBody>
@@ -11956,73 +11851,7 @@
     </p:spTree>
     <p:extLst>
       <p:ext uri="{BB962C8B-B14F-4D97-AF65-F5344CB8AC3E}">
-        <p14:creationId xmlns:p14="http://schemas.microsoft.com/office/powerpoint/2010/main" val="1995810315"/>
-      </p:ext>
-    </p:extLst>
-  </p:cSld>
-  <p:clrMapOvr>
-    <a:masterClrMapping/>
-  </p:clrMapOvr>
-</p:notes>
-</file>
-
-<file path=ppt/notesSlides/notesSlide19.xml><?xml version="1.0" encoding="utf-8"?>
-<p:notes xmlns:a="http://schemas.openxmlformats.org/drawingml/2006/main" xmlns:r="http://schemas.openxmlformats.org/officeDocument/2006/relationships" xmlns:p="http://schemas.openxmlformats.org/presentationml/2006/main">
-  <p:cSld>
-    <p:spTree>
-      <p:nvGrpSpPr>
-        <p:cNvPr id="1" name=""/>
-        <p:cNvGrpSpPr/>
-        <p:nvPr/>
-      </p:nvGrpSpPr>
-      <p:grpSpPr>
-        <a:xfrm>
-          <a:off x="0" y="0"/>
-          <a:ext cx="0" cy="0"/>
-          <a:chOff x="0" y="0"/>
-          <a:chExt cx="0" cy="0"/>
-        </a:xfrm>
-      </p:grpSpPr>
-      <p:sp>
-        <p:nvSpPr>
-          <p:cNvPr id="2" name="Folienbildplatzhalter 1"/>
-          <p:cNvSpPr>
-            <a:spLocks noGrp="1" noRot="1" noChangeAspect="1"/>
-          </p:cNvSpPr>
-          <p:nvPr>
-            <p:ph type="sldImg"/>
-          </p:nvPr>
-        </p:nvSpPr>
-        <p:spPr>
-          <a:xfrm>
-            <a:off x="381000" y="685800"/>
-            <a:ext cx="6096000" cy="3429000"/>
-          </a:xfrm>
-        </p:spPr>
-      </p:sp>
-      <p:sp>
-        <p:nvSpPr>
-          <p:cNvPr id="3" name="Notizenplatzhalter 2"/>
-          <p:cNvSpPr>
-            <a:spLocks noGrp="1"/>
-          </p:cNvSpPr>
-          <p:nvPr>
-            <p:ph type="body" idx="1"/>
-          </p:nvPr>
-        </p:nvSpPr>
-        <p:spPr/>
-        <p:txBody>
-          <a:bodyPr/>
-          <a:lstStyle/>
-          <a:p>
-            <a:endParaRPr lang="de-DE" dirty="0"/>
-          </a:p>
-        </p:txBody>
-      </p:sp>
-    </p:spTree>
-    <p:extLst>
-      <p:ext uri="{BB962C8B-B14F-4D97-AF65-F5344CB8AC3E}">
-        <p14:creationId xmlns:p14="http://schemas.microsoft.com/office/powerpoint/2010/main" val="2958626350"/>
+        <p14:creationId xmlns:p14="http://schemas.microsoft.com/office/powerpoint/2010/main" val="3911775088"/>
       </p:ext>
     </p:extLst>
   </p:cSld>
@@ -13455,13 +13284,97 @@
           <a:bodyPr/>
           <a:lstStyle/>
           <a:p>
+            <a:pPr marL="285750" indent="-285750">
+              <a:lnSpc>
+                <a:spcPct val="200000"/>
+              </a:lnSpc>
+              <a:buFont typeface="Arial" panose="020B0604020202020204" pitchFamily="34" charset="0"/>
+              <a:buChar char="•"/>
+            </a:pPr>
             <a:r>
               <a:rPr lang="de-DE" dirty="0"/>
-              <a:t>Not </a:t>
+              <a:t>Ethereum Proof </a:t>
             </a:r>
             <a:r>
               <a:rPr lang="de-DE" dirty="0" err="1"/>
-              <a:t>sure</a:t>
+              <a:t>of</a:t>
+            </a:r>
+            <a:r>
+              <a:rPr lang="de-DE" dirty="0"/>
+              <a:t> Authority Blockchain</a:t>
+            </a:r>
+          </a:p>
+          <a:p>
+            <a:pPr marL="285750" indent="-285750">
+              <a:lnSpc>
+                <a:spcPct val="200000"/>
+              </a:lnSpc>
+              <a:buFont typeface="Arial" panose="020B0604020202020204" pitchFamily="34" charset="0"/>
+              <a:buChar char="•"/>
+            </a:pPr>
+            <a:r>
+              <a:rPr lang="de-DE" dirty="0" err="1"/>
+              <a:t>Built</a:t>
+            </a:r>
+            <a:r>
+              <a:rPr lang="de-DE" dirty="0"/>
+              <a:t> on Parity</a:t>
+            </a:r>
+          </a:p>
+          <a:p>
+            <a:pPr marL="285750" indent="-285750">
+              <a:lnSpc>
+                <a:spcPct val="200000"/>
+              </a:lnSpc>
+              <a:buFont typeface="Arial" panose="020B0604020202020204" pitchFamily="34" charset="0"/>
+              <a:buChar char="•"/>
+            </a:pPr>
+            <a:r>
+              <a:rPr lang="de-DE" dirty="0"/>
+              <a:t>Smart </a:t>
+            </a:r>
+            <a:r>
+              <a:rPr lang="de-DE" dirty="0" err="1"/>
+              <a:t>Contracts</a:t>
+            </a:r>
+            <a:endParaRPr lang="de-DE" dirty="0"/>
+          </a:p>
+          <a:p>
+            <a:pPr marL="742950" lvl="1" indent="-285750">
+              <a:buFont typeface="Arial" panose="020B0604020202020204" pitchFamily="34" charset="0"/>
+              <a:buChar char="•"/>
+            </a:pPr>
+            <a:r>
+              <a:rPr lang="de-DE" dirty="0" err="1"/>
+              <a:t>Validator</a:t>
+            </a:r>
+            <a:r>
+              <a:rPr lang="de-DE" dirty="0"/>
+              <a:t> Set</a:t>
+            </a:r>
+          </a:p>
+          <a:p>
+            <a:pPr marL="742950" lvl="1" indent="-285750">
+              <a:buFont typeface="Arial" panose="020B0604020202020204" pitchFamily="34" charset="0"/>
+              <a:buChar char="•"/>
+            </a:pPr>
+            <a:r>
+              <a:rPr lang="de-DE" dirty="0"/>
+              <a:t>Settlement</a:t>
+            </a:r>
+          </a:p>
+          <a:p>
+            <a:pPr marL="285750" lvl="0" indent="-285750">
+              <a:buFont typeface="Arial" panose="020B0604020202020204" pitchFamily="34" charset="0"/>
+              <a:buChar char="•"/>
+            </a:pPr>
+            <a:r>
+              <a:rPr lang="de-DE" dirty="0"/>
+              <a:t>Gas </a:t>
+            </a:r>
+            <a:r>
+              <a:rPr lang="de-DE" dirty="0" err="1"/>
+              <a:t>price</a:t>
             </a:r>
             <a:r>
               <a:rPr lang="de-DE" dirty="0"/>
@@ -13469,7 +13382,7 @@
             </a:r>
             <a:r>
               <a:rPr lang="de-DE" dirty="0" err="1"/>
-              <a:t>if</a:t>
+              <a:t>for</a:t>
             </a:r>
             <a:r>
               <a:rPr lang="de-DE" dirty="0"/>
@@ -13477,75 +13390,63 @@
             </a:r>
             <a:r>
               <a:rPr lang="de-DE" dirty="0" err="1"/>
-              <a:t>displaying</a:t>
-            </a:r>
+              <a:t>netting</a:t>
+            </a:r>
+            <a:endParaRPr lang="de-DE" dirty="0"/>
+          </a:p>
+          <a:p>
+            <a:pPr marL="285750" lvl="0" indent="-285750">
+              <a:buFont typeface="Arial" panose="020B0604020202020204" pitchFamily="34" charset="0"/>
+              <a:buChar char="•"/>
+            </a:pPr>
             <a:r>
               <a:rPr lang="de-DE" dirty="0"/>
+              <a:t>Block rate </a:t>
+            </a:r>
+            <a:r>
+              <a:rPr lang="de-DE" dirty="0">
+                <a:sym typeface="Wingdings" panose="05000000000000000000" pitchFamily="2" charset="2"/>
+              </a:rPr>
+              <a:t> </a:t>
+            </a:r>
+            <a:r>
+              <a:rPr lang="de-DE" dirty="0" err="1">
+                <a:sym typeface="Wingdings" panose="05000000000000000000" pitchFamily="2" charset="2"/>
+              </a:rPr>
+              <a:t>netting</a:t>
+            </a:r>
+            <a:r>
+              <a:rPr lang="de-DE" dirty="0">
+                <a:sym typeface="Wingdings" panose="05000000000000000000" pitchFamily="2" charset="2"/>
+              </a:rPr>
               <a:t> </a:t>
             </a:r>
             <a:r>
-              <a:rPr lang="de-DE" dirty="0" err="1"/>
-              <a:t>the</a:t>
-            </a:r>
-            <a:r>
-              <a:rPr lang="de-DE" dirty="0"/>
-              <a:t> </a:t>
-            </a:r>
-            <a:r>
-              <a:rPr lang="de-DE" dirty="0" err="1"/>
-              <a:t>HHUnit</a:t>
-            </a:r>
-            <a:r>
-              <a:rPr lang="de-DE" dirty="0"/>
-              <a:t> </a:t>
-            </a:r>
-            <a:r>
-              <a:rPr lang="de-DE" dirty="0" err="1"/>
-              <a:t>is</a:t>
-            </a:r>
-            <a:r>
-              <a:rPr lang="de-DE" dirty="0"/>
-              <a:t> </a:t>
-            </a:r>
-            <a:r>
-              <a:rPr lang="de-DE" dirty="0" err="1"/>
-              <a:t>good</a:t>
-            </a:r>
-            <a:r>
-              <a:rPr lang="de-DE" dirty="0"/>
-              <a:t> </a:t>
-            </a:r>
-            <a:r>
-              <a:rPr lang="de-DE" dirty="0" err="1"/>
-              <a:t>here</a:t>
-            </a:r>
-            <a:r>
-              <a:rPr lang="de-DE" dirty="0"/>
-              <a:t>. Looks </a:t>
-            </a:r>
-            <a:r>
-              <a:rPr lang="de-DE" dirty="0" err="1"/>
-              <a:t>too</a:t>
-            </a:r>
-            <a:r>
-              <a:rPr lang="de-DE" dirty="0"/>
-              <a:t> </a:t>
-            </a:r>
-            <a:r>
-              <a:rPr lang="de-DE" dirty="0" err="1"/>
-              <a:t>crowded</a:t>
-            </a:r>
-            <a:r>
-              <a:rPr lang="de-DE" dirty="0"/>
-              <a:t>.</a:t>
-            </a:r>
+              <a:rPr lang="de-DE" dirty="0" err="1">
+                <a:sym typeface="Wingdings" panose="05000000000000000000" pitchFamily="2" charset="2"/>
+              </a:rPr>
+              <a:t>every</a:t>
+            </a:r>
+            <a:r>
+              <a:rPr lang="de-DE" dirty="0">
+                <a:sym typeface="Wingdings" panose="05000000000000000000" pitchFamily="2" charset="2"/>
+              </a:rPr>
+              <a:t> 5 </a:t>
+            </a:r>
+            <a:r>
+              <a:rPr lang="de-DE" dirty="0" err="1">
+                <a:sym typeface="Wingdings" panose="05000000000000000000" pitchFamily="2" charset="2"/>
+              </a:rPr>
+              <a:t>blocks</a:t>
+            </a:r>
+            <a:endParaRPr lang="de-DE" dirty="0"/>
           </a:p>
         </p:txBody>
       </p:sp>
     </p:spTree>
     <p:extLst>
       <p:ext uri="{BB962C8B-B14F-4D97-AF65-F5344CB8AC3E}">
-        <p14:creationId xmlns:p14="http://schemas.microsoft.com/office/powerpoint/2010/main" val="1217334782"/>
+        <p14:creationId xmlns:p14="http://schemas.microsoft.com/office/powerpoint/2010/main" val="3283828710"/>
       </p:ext>
     </p:extLst>
   </p:cSld>
@@ -20005,263 +19906,6 @@
 </file>
 
 <file path=ppt/slides/slide10.xml><?xml version="1.0" encoding="utf-8"?>
-<p:sld xmlns:a="http://schemas.openxmlformats.org/drawingml/2006/main" xmlns:r="http://schemas.openxmlformats.org/officeDocument/2006/relationships" xmlns:p="http://schemas.openxmlformats.org/presentationml/2006/main" show="0">
-  <p:cSld>
-    <p:spTree>
-      <p:nvGrpSpPr>
-        <p:cNvPr id="1" name=""/>
-        <p:cNvGrpSpPr/>
-        <p:nvPr/>
-      </p:nvGrpSpPr>
-      <p:grpSpPr>
-        <a:xfrm>
-          <a:off x="0" y="0"/>
-          <a:ext cx="0" cy="0"/>
-          <a:chOff x="0" y="0"/>
-          <a:chExt cx="0" cy="0"/>
-        </a:xfrm>
-      </p:grpSpPr>
-      <p:sp>
-        <p:nvSpPr>
-          <p:cNvPr id="2" name="Titel 1"/>
-          <p:cNvSpPr>
-            <a:spLocks noGrp="1"/>
-          </p:cNvSpPr>
-          <p:nvPr>
-            <p:ph type="title"/>
-          </p:nvPr>
-        </p:nvSpPr>
-        <p:spPr/>
-        <p:txBody>
-          <a:bodyPr>
-            <a:normAutofit/>
-          </a:bodyPr>
-          <a:lstStyle/>
-          <a:p>
-            <a:r>
-              <a:rPr lang="de-DE" dirty="0"/>
-              <a:t>Household </a:t>
-            </a:r>
-            <a:r>
-              <a:rPr lang="de-DE" dirty="0" err="1"/>
-              <a:t>processing</a:t>
-            </a:r>
-            <a:r>
-              <a:rPr lang="de-DE" dirty="0"/>
-              <a:t> Unit</a:t>
-            </a:r>
-          </a:p>
-        </p:txBody>
-      </p:sp>
-      <p:sp>
-        <p:nvSpPr>
-          <p:cNvPr id="5" name="Textfeld 4">
-            <a:extLst>
-              <a:ext uri="{FF2B5EF4-FFF2-40B4-BE49-F238E27FC236}">
-                <a16:creationId xmlns:a16="http://schemas.microsoft.com/office/drawing/2014/main" id="{A9886561-8B74-4B06-B354-65CBF433D7A7}"/>
-              </a:ext>
-            </a:extLst>
-          </p:cNvPr>
-          <p:cNvSpPr txBox="1"/>
-          <p:nvPr/>
-        </p:nvSpPr>
-        <p:spPr>
-          <a:xfrm>
-            <a:off x="311700" y="1017725"/>
-            <a:ext cx="3755853" cy="3416320"/>
-          </a:xfrm>
-          <a:prstGeom prst="rect">
-            <a:avLst/>
-          </a:prstGeom>
-          <a:noFill/>
-        </p:spPr>
-        <p:txBody>
-          <a:bodyPr wrap="square" rtlCol="0">
-            <a:spAutoFit/>
-          </a:bodyPr>
-          <a:lstStyle/>
-          <a:p>
-            <a:pPr marL="285750" indent="-285750">
-              <a:lnSpc>
-                <a:spcPct val="200000"/>
-              </a:lnSpc>
-              <a:buFont typeface="Arial" panose="020B0604020202020204" pitchFamily="34" charset="0"/>
-              <a:buChar char="•"/>
-            </a:pPr>
-            <a:r>
-              <a:rPr lang="de-DE" dirty="0" err="1"/>
-              <a:t>NodeJS</a:t>
-            </a:r>
-            <a:r>
-              <a:rPr lang="de-DE" dirty="0"/>
-              <a:t> Server </a:t>
-            </a:r>
-            <a:r>
-              <a:rPr lang="de-DE" dirty="0" err="1"/>
-              <a:t>with</a:t>
-            </a:r>
-            <a:r>
-              <a:rPr lang="de-DE" dirty="0"/>
-              <a:t> Express.js</a:t>
-            </a:r>
-          </a:p>
-          <a:p>
-            <a:pPr marL="285750" indent="-285750">
-              <a:lnSpc>
-                <a:spcPct val="200000"/>
-              </a:lnSpc>
-              <a:buFont typeface="Arial" panose="020B0604020202020204" pitchFamily="34" charset="0"/>
-              <a:buChar char="•"/>
-            </a:pPr>
-            <a:r>
-              <a:rPr lang="de-DE" dirty="0"/>
-              <a:t>MongoDB </a:t>
-            </a:r>
-          </a:p>
-          <a:p>
-            <a:pPr marL="742950" lvl="1" indent="-285750">
-              <a:buFont typeface="Arial" panose="020B0604020202020204" pitchFamily="34" charset="0"/>
-              <a:buChar char="•"/>
-            </a:pPr>
-            <a:r>
-              <a:rPr lang="de-DE" dirty="0"/>
-              <a:t>Sensors Data</a:t>
-            </a:r>
-          </a:p>
-          <a:p>
-            <a:pPr marL="742950" lvl="1" indent="-285750">
-              <a:buFont typeface="Arial" panose="020B0604020202020204" pitchFamily="34" charset="0"/>
-              <a:buChar char="•"/>
-            </a:pPr>
-            <a:r>
-              <a:rPr lang="de-DE" dirty="0"/>
-              <a:t>Blockchain Data</a:t>
-            </a:r>
-          </a:p>
-          <a:p>
-            <a:pPr marL="285750" indent="-285750">
-              <a:lnSpc>
-                <a:spcPct val="200000"/>
-              </a:lnSpc>
-              <a:buFont typeface="Arial" panose="020B0604020202020204" pitchFamily="34" charset="0"/>
-              <a:buChar char="•"/>
-            </a:pPr>
-            <a:r>
-              <a:rPr lang="de-DE" dirty="0"/>
-              <a:t>User Interface</a:t>
-            </a:r>
-          </a:p>
-          <a:p>
-            <a:pPr marL="742950" lvl="1" indent="-285750">
-              <a:buFont typeface="Arial" panose="020B0604020202020204" pitchFamily="34" charset="0"/>
-              <a:buChar char="•"/>
-            </a:pPr>
-            <a:r>
-              <a:rPr lang="de-DE" dirty="0" err="1"/>
-              <a:t>Displaying</a:t>
-            </a:r>
-            <a:r>
-              <a:rPr lang="de-DE" dirty="0"/>
-              <a:t> Data</a:t>
-            </a:r>
-          </a:p>
-          <a:p>
-            <a:pPr marL="285750" indent="-285750">
-              <a:lnSpc>
-                <a:spcPct val="200000"/>
-              </a:lnSpc>
-              <a:buFont typeface="Arial" panose="020B0604020202020204" pitchFamily="34" charset="0"/>
-              <a:buChar char="•"/>
-            </a:pPr>
-            <a:r>
-              <a:rPr lang="de-DE" dirty="0"/>
-              <a:t>Parity Client</a:t>
-            </a:r>
-          </a:p>
-          <a:p>
-            <a:pPr marL="742950" lvl="1" indent="-285750">
-              <a:buFont typeface="Arial" panose="020B0604020202020204" pitchFamily="34" charset="0"/>
-              <a:buChar char="•"/>
-            </a:pPr>
-            <a:r>
-              <a:rPr lang="de-DE" dirty="0"/>
-              <a:t>Access </a:t>
-            </a:r>
-            <a:r>
-              <a:rPr lang="de-DE" dirty="0" err="1"/>
-              <a:t>to</a:t>
-            </a:r>
-            <a:r>
-              <a:rPr lang="de-DE" dirty="0"/>
-              <a:t> Blockchain</a:t>
-            </a:r>
-          </a:p>
-        </p:txBody>
-      </p:sp>
-      <p:sp>
-        <p:nvSpPr>
-          <p:cNvPr id="3" name="Foliennummernplatzhalter 2">
-            <a:extLst>
-              <a:ext uri="{FF2B5EF4-FFF2-40B4-BE49-F238E27FC236}">
-                <a16:creationId xmlns:a16="http://schemas.microsoft.com/office/drawing/2014/main" id="{ED54539F-0F30-45CD-9491-103C31E63055}"/>
-              </a:ext>
-            </a:extLst>
-          </p:cNvPr>
-          <p:cNvSpPr>
-            <a:spLocks noGrp="1"/>
-          </p:cNvSpPr>
-          <p:nvPr>
-            <p:ph type="sldNum" idx="12"/>
-          </p:nvPr>
-        </p:nvSpPr>
-        <p:spPr/>
-        <p:txBody>
-          <a:bodyPr/>
-          <a:lstStyle/>
-          <a:p>
-            <a:pPr marL="0" lvl="0" indent="0" algn="r" rtl="0">
-              <a:spcBef>
-                <a:spcPts val="0"/>
-              </a:spcBef>
-              <a:spcAft>
-                <a:spcPts val="0"/>
-              </a:spcAft>
-              <a:buNone/>
-            </a:pPr>
-            <a:fld id="{00000000-1234-1234-1234-123412341234}" type="slidenum">
-              <a:rPr lang="de-DE" smtClean="0"/>
-              <a:t>10</a:t>
-            </a:fld>
-            <a:endParaRPr lang="de-DE"/>
-          </a:p>
-        </p:txBody>
-      </p:sp>
-    </p:spTree>
-    <p:extLst>
-      <p:ext uri="{BB962C8B-B14F-4D97-AF65-F5344CB8AC3E}">
-        <p14:creationId xmlns:p14="http://schemas.microsoft.com/office/powerpoint/2010/main" val="3956796563"/>
-      </p:ext>
-    </p:extLst>
-  </p:cSld>
-  <p:clrMapOvr>
-    <a:masterClrMapping/>
-  </p:clrMapOvr>
-  <mc:AlternateContent xmlns:mc="http://schemas.openxmlformats.org/markup-compatibility/2006" xmlns:p14="http://schemas.microsoft.com/office/powerpoint/2010/main">
-    <mc:Choice Requires="p14">
-      <p:transition spd="med" p14:dur="700">
-        <p:fade/>
-      </p:transition>
-    </mc:Choice>
-    <mc:Fallback xmlns="">
-      <p:transition spd="med">
-        <p:fade/>
-      </p:transition>
-    </mc:Fallback>
-  </mc:AlternateContent>
-</p:sld>
-</file>
-
-<file path=ppt/slides/slide11.xml><?xml version="1.0" encoding="utf-8"?>
 <p:sld xmlns:a="http://schemas.openxmlformats.org/drawingml/2006/main" xmlns:r="http://schemas.openxmlformats.org/officeDocument/2006/relationships" xmlns:p="http://schemas.openxmlformats.org/presentationml/2006/main">
   <p:cSld>
     <p:spTree>
@@ -21323,7 +20967,7 @@
             </a:pPr>
             <a:fld id="{00000000-1234-1234-1234-123412341234}" type="slidenum">
               <a:rPr lang="de-DE" smtClean="0"/>
-              <a:t>11</a:t>
+              <a:t>10</a:t>
             </a:fld>
             <a:endParaRPr lang="de-DE"/>
           </a:p>
@@ -21847,397 +21491,7 @@
 </p:sld>
 </file>
 
-<file path=ppt/slides/slide12.xml><?xml version="1.0" encoding="utf-8"?>
-<p:sld xmlns:a="http://schemas.openxmlformats.org/drawingml/2006/main" xmlns:r="http://schemas.openxmlformats.org/officeDocument/2006/relationships" xmlns:p="http://schemas.openxmlformats.org/presentationml/2006/main" show="0">
-  <p:cSld>
-    <p:spTree>
-      <p:nvGrpSpPr>
-        <p:cNvPr id="1" name=""/>
-        <p:cNvGrpSpPr/>
-        <p:nvPr/>
-      </p:nvGrpSpPr>
-      <p:grpSpPr>
-        <a:xfrm>
-          <a:off x="0" y="0"/>
-          <a:ext cx="0" cy="0"/>
-          <a:chOff x="0" y="0"/>
-          <a:chExt cx="0" cy="0"/>
-        </a:xfrm>
-      </p:grpSpPr>
-      <p:sp>
-        <p:nvSpPr>
-          <p:cNvPr id="2" name="Titel 1"/>
-          <p:cNvSpPr>
-            <a:spLocks noGrp="1"/>
-          </p:cNvSpPr>
-          <p:nvPr>
-            <p:ph type="title"/>
-          </p:nvPr>
-        </p:nvSpPr>
-        <p:spPr/>
-        <p:txBody>
-          <a:bodyPr>
-            <a:normAutofit/>
-          </a:bodyPr>
-          <a:lstStyle/>
-          <a:p>
-            <a:r>
-              <a:rPr lang="de-DE" dirty="0" err="1"/>
-              <a:t>Blockchain</a:t>
-            </a:r>
-            <a:endParaRPr lang="de-DE" dirty="0"/>
-          </a:p>
-        </p:txBody>
-      </p:sp>
-      <p:sp>
-        <p:nvSpPr>
-          <p:cNvPr id="5" name="Textfeld 4">
-            <a:extLst>
-              <a:ext uri="{FF2B5EF4-FFF2-40B4-BE49-F238E27FC236}">
-                <a16:creationId xmlns:a16="http://schemas.microsoft.com/office/drawing/2014/main" id="{A9886561-8B74-4B06-B354-65CBF433D7A7}"/>
-              </a:ext>
-            </a:extLst>
-          </p:cNvPr>
-          <p:cNvSpPr txBox="1"/>
-          <p:nvPr/>
-        </p:nvSpPr>
-        <p:spPr>
-          <a:xfrm>
-            <a:off x="311700" y="1017725"/>
-            <a:ext cx="8520600" cy="2585323"/>
-          </a:xfrm>
-          <a:prstGeom prst="rect">
-            <a:avLst/>
-          </a:prstGeom>
-          <a:noFill/>
-        </p:spPr>
-        <p:txBody>
-          <a:bodyPr wrap="square" rtlCol="0">
-            <a:spAutoFit/>
-          </a:bodyPr>
-          <a:lstStyle/>
-          <a:p>
-            <a:pPr marL="285750" indent="-285750">
-              <a:lnSpc>
-                <a:spcPct val="200000"/>
-              </a:lnSpc>
-              <a:buFont typeface="Arial" panose="020B0604020202020204" pitchFamily="34" charset="0"/>
-              <a:buChar char="•"/>
-            </a:pPr>
-            <a:r>
-              <a:rPr lang="de-DE" dirty="0"/>
-              <a:t>Ethereum Proof </a:t>
-            </a:r>
-            <a:r>
-              <a:rPr lang="de-DE" dirty="0" err="1"/>
-              <a:t>of</a:t>
-            </a:r>
-            <a:r>
-              <a:rPr lang="de-DE" dirty="0"/>
-              <a:t> Authority Blockchain</a:t>
-            </a:r>
-          </a:p>
-          <a:p>
-            <a:pPr marL="285750" indent="-285750">
-              <a:lnSpc>
-                <a:spcPct val="200000"/>
-              </a:lnSpc>
-              <a:buFont typeface="Arial" panose="020B0604020202020204" pitchFamily="34" charset="0"/>
-              <a:buChar char="•"/>
-            </a:pPr>
-            <a:r>
-              <a:rPr lang="de-DE" dirty="0" err="1"/>
-              <a:t>Built</a:t>
-            </a:r>
-            <a:r>
-              <a:rPr lang="de-DE" dirty="0"/>
-              <a:t> on Parity</a:t>
-            </a:r>
-          </a:p>
-          <a:p>
-            <a:pPr marL="285750" indent="-285750">
-              <a:lnSpc>
-                <a:spcPct val="200000"/>
-              </a:lnSpc>
-              <a:buFont typeface="Arial" panose="020B0604020202020204" pitchFamily="34" charset="0"/>
-              <a:buChar char="•"/>
-            </a:pPr>
-            <a:r>
-              <a:rPr lang="de-DE" dirty="0"/>
-              <a:t>Smart </a:t>
-            </a:r>
-            <a:r>
-              <a:rPr lang="de-DE" dirty="0" err="1"/>
-              <a:t>Contracts</a:t>
-            </a:r>
-            <a:endParaRPr lang="de-DE" dirty="0"/>
-          </a:p>
-          <a:p>
-            <a:pPr marL="742950" lvl="1" indent="-285750">
-              <a:buFont typeface="Arial" panose="020B0604020202020204" pitchFamily="34" charset="0"/>
-              <a:buChar char="•"/>
-            </a:pPr>
-            <a:r>
-              <a:rPr lang="de-DE" dirty="0" err="1"/>
-              <a:t>Validator</a:t>
-            </a:r>
-            <a:r>
-              <a:rPr lang="de-DE" dirty="0"/>
-              <a:t> Set</a:t>
-            </a:r>
-          </a:p>
-          <a:p>
-            <a:pPr marL="742950" lvl="1" indent="-285750">
-              <a:buFont typeface="Arial" panose="020B0604020202020204" pitchFamily="34" charset="0"/>
-              <a:buChar char="•"/>
-            </a:pPr>
-            <a:r>
-              <a:rPr lang="de-DE" dirty="0"/>
-              <a:t>Settlement</a:t>
-            </a:r>
-          </a:p>
-          <a:p>
-            <a:endParaRPr lang="de-DE" dirty="0"/>
-          </a:p>
-        </p:txBody>
-      </p:sp>
-      <p:sp>
-        <p:nvSpPr>
-          <p:cNvPr id="3" name="Foliennummernplatzhalter 2">
-            <a:extLst>
-              <a:ext uri="{FF2B5EF4-FFF2-40B4-BE49-F238E27FC236}">
-                <a16:creationId xmlns:a16="http://schemas.microsoft.com/office/drawing/2014/main" id="{A4E0C77F-EB33-490B-A0AE-CD2D9CADF4A6}"/>
-              </a:ext>
-            </a:extLst>
-          </p:cNvPr>
-          <p:cNvSpPr>
-            <a:spLocks noGrp="1"/>
-          </p:cNvSpPr>
-          <p:nvPr>
-            <p:ph type="sldNum" idx="12"/>
-          </p:nvPr>
-        </p:nvSpPr>
-        <p:spPr/>
-        <p:txBody>
-          <a:bodyPr/>
-          <a:lstStyle/>
-          <a:p>
-            <a:pPr marL="0" lvl="0" indent="0" algn="r" rtl="0">
-              <a:spcBef>
-                <a:spcPts val="0"/>
-              </a:spcBef>
-              <a:spcAft>
-                <a:spcPts val="0"/>
-              </a:spcAft>
-              <a:buNone/>
-            </a:pPr>
-            <a:fld id="{00000000-1234-1234-1234-123412341234}" type="slidenum">
-              <a:rPr lang="de-DE" smtClean="0"/>
-              <a:t>12</a:t>
-            </a:fld>
-            <a:endParaRPr lang="de-DE"/>
-          </a:p>
-        </p:txBody>
-      </p:sp>
-    </p:spTree>
-    <p:extLst>
-      <p:ext uri="{BB962C8B-B14F-4D97-AF65-F5344CB8AC3E}">
-        <p14:creationId xmlns:p14="http://schemas.microsoft.com/office/powerpoint/2010/main" val="3497537485"/>
-      </p:ext>
-    </p:extLst>
-  </p:cSld>
-  <p:clrMapOvr>
-    <a:masterClrMapping/>
-  </p:clrMapOvr>
-  <mc:AlternateContent xmlns:mc="http://schemas.openxmlformats.org/markup-compatibility/2006" xmlns:p14="http://schemas.microsoft.com/office/powerpoint/2010/main">
-    <mc:Choice Requires="p14">
-      <p:transition spd="med" p14:dur="700">
-        <p:fade/>
-      </p:transition>
-    </mc:Choice>
-    <mc:Fallback xmlns="">
-      <p:transition spd="med">
-        <p:fade/>
-      </p:transition>
-    </mc:Fallback>
-  </mc:AlternateContent>
-</p:sld>
-</file>
-
-<file path=ppt/slides/slide13.xml><?xml version="1.0" encoding="utf-8"?>
-<p:sld xmlns:a="http://schemas.openxmlformats.org/drawingml/2006/main" xmlns:r="http://schemas.openxmlformats.org/officeDocument/2006/relationships" xmlns:p="http://schemas.openxmlformats.org/presentationml/2006/main" show="0">
-  <p:cSld>
-    <p:spTree>
-      <p:nvGrpSpPr>
-        <p:cNvPr id="1" name=""/>
-        <p:cNvGrpSpPr/>
-        <p:nvPr/>
-      </p:nvGrpSpPr>
-      <p:grpSpPr>
-        <a:xfrm>
-          <a:off x="0" y="0"/>
-          <a:ext cx="0" cy="0"/>
-          <a:chOff x="0" y="0"/>
-          <a:chExt cx="0" cy="0"/>
-        </a:xfrm>
-      </p:grpSpPr>
-      <p:sp>
-        <p:nvSpPr>
-          <p:cNvPr id="2" name="Titel 1">
-            <a:extLst>
-              <a:ext uri="{FF2B5EF4-FFF2-40B4-BE49-F238E27FC236}">
-                <a16:creationId xmlns:a16="http://schemas.microsoft.com/office/drawing/2014/main" id="{60CD2517-B535-4D82-8789-A20BD068DB30}"/>
-              </a:ext>
-            </a:extLst>
-          </p:cNvPr>
-          <p:cNvSpPr>
-            <a:spLocks noGrp="1"/>
-          </p:cNvSpPr>
-          <p:nvPr>
-            <p:ph type="title"/>
-          </p:nvPr>
-        </p:nvSpPr>
-        <p:spPr/>
-        <p:txBody>
-          <a:bodyPr>
-            <a:normAutofit/>
-          </a:bodyPr>
-          <a:lstStyle/>
-          <a:p>
-            <a:r>
-              <a:rPr lang="de-DE" dirty="0"/>
-              <a:t>Settlement </a:t>
-            </a:r>
-            <a:r>
-              <a:rPr lang="de-DE" dirty="0" err="1"/>
-              <a:t>Algorithm</a:t>
-            </a:r>
-            <a:endParaRPr lang="de-DE" dirty="0"/>
-          </a:p>
-        </p:txBody>
-      </p:sp>
-      <p:pic>
-        <p:nvPicPr>
-          <p:cNvPr id="5" name="Grafik 4">
-            <a:extLst>
-              <a:ext uri="{FF2B5EF4-FFF2-40B4-BE49-F238E27FC236}">
-                <a16:creationId xmlns:a16="http://schemas.microsoft.com/office/drawing/2014/main" id="{94CD5B8C-355B-4A1E-98E0-4EB61ED93890}"/>
-              </a:ext>
-            </a:extLst>
-          </p:cNvPr>
-          <p:cNvPicPr>
-            <a:picLocks noChangeAspect="1"/>
-          </p:cNvPicPr>
-          <p:nvPr/>
-        </p:nvPicPr>
-        <p:blipFill rotWithShape="1">
-          <a:blip r:embed="rId3"/>
-          <a:srcRect b="38828"/>
-          <a:stretch/>
-        </p:blipFill>
-        <p:spPr>
-          <a:xfrm>
-            <a:off x="854283" y="1085973"/>
-            <a:ext cx="3076586" cy="3979467"/>
-          </a:xfrm>
-          <a:prstGeom prst="rect">
-            <a:avLst/>
-          </a:prstGeom>
-        </p:spPr>
-      </p:pic>
-      <p:pic>
-        <p:nvPicPr>
-          <p:cNvPr id="7" name="Grafik 6">
-            <a:extLst>
-              <a:ext uri="{FF2B5EF4-FFF2-40B4-BE49-F238E27FC236}">
-                <a16:creationId xmlns:a16="http://schemas.microsoft.com/office/drawing/2014/main" id="{63DE3946-3B27-4472-A919-366E9C9FC652}"/>
-              </a:ext>
-            </a:extLst>
-          </p:cNvPr>
-          <p:cNvPicPr>
-            <a:picLocks noChangeAspect="1"/>
-          </p:cNvPicPr>
-          <p:nvPr/>
-        </p:nvPicPr>
-        <p:blipFill rotWithShape="1">
-          <a:blip r:embed="rId3"/>
-          <a:srcRect t="59808"/>
-          <a:stretch/>
-        </p:blipFill>
-        <p:spPr>
-          <a:xfrm>
-            <a:off x="4746058" y="1017724"/>
-            <a:ext cx="3076585" cy="2614665"/>
-          </a:xfrm>
-          <a:prstGeom prst="rect">
-            <a:avLst/>
-          </a:prstGeom>
-        </p:spPr>
-      </p:pic>
-      <p:sp>
-        <p:nvSpPr>
-          <p:cNvPr id="3" name="Foliennummernplatzhalter 2">
-            <a:extLst>
-              <a:ext uri="{FF2B5EF4-FFF2-40B4-BE49-F238E27FC236}">
-                <a16:creationId xmlns:a16="http://schemas.microsoft.com/office/drawing/2014/main" id="{E6301B64-EBC1-4389-A1B3-5594A597240A}"/>
-              </a:ext>
-            </a:extLst>
-          </p:cNvPr>
-          <p:cNvSpPr>
-            <a:spLocks noGrp="1"/>
-          </p:cNvSpPr>
-          <p:nvPr>
-            <p:ph type="sldNum" idx="12"/>
-          </p:nvPr>
-        </p:nvSpPr>
-        <p:spPr/>
-        <p:txBody>
-          <a:bodyPr/>
-          <a:lstStyle/>
-          <a:p>
-            <a:pPr marL="0" lvl="0" indent="0" algn="r" rtl="0">
-              <a:spcBef>
-                <a:spcPts val="0"/>
-              </a:spcBef>
-              <a:spcAft>
-                <a:spcPts val="0"/>
-              </a:spcAft>
-              <a:buNone/>
-            </a:pPr>
-            <a:fld id="{00000000-1234-1234-1234-123412341234}" type="slidenum">
-              <a:rPr lang="de-DE" smtClean="0"/>
-              <a:t>13</a:t>
-            </a:fld>
-            <a:endParaRPr lang="de-DE"/>
-          </a:p>
-        </p:txBody>
-      </p:sp>
-    </p:spTree>
-    <p:extLst>
-      <p:ext uri="{BB962C8B-B14F-4D97-AF65-F5344CB8AC3E}">
-        <p14:creationId xmlns:p14="http://schemas.microsoft.com/office/powerpoint/2010/main" val="1225502403"/>
-      </p:ext>
-    </p:extLst>
-  </p:cSld>
-  <p:clrMapOvr>
-    <a:masterClrMapping/>
-  </p:clrMapOvr>
-  <mc:AlternateContent xmlns:mc="http://schemas.openxmlformats.org/markup-compatibility/2006" xmlns:p159="http://schemas.microsoft.com/office/powerpoint/2015/09/main">
-    <mc:Choice Requires="p159">
-      <p:transition xmlns:p14="http://schemas.microsoft.com/office/powerpoint/2010/main" spd="slow" p14:dur="2000">
-        <p159:morph option="byObject"/>
-      </p:transition>
-    </mc:Choice>
-    <mc:Fallback xmlns="">
-      <p:transition spd="slow">
-        <p:fade/>
-      </p:transition>
-    </mc:Fallback>
-  </mc:AlternateContent>
-</p:sld>
-</file>
-
-<file path=ppt/slides/slide14.xml><?xml version="1.0" encoding="utf-8"?>
+<file path=ppt/slides/slide11.xml><?xml version="1.0" encoding="utf-8"?>
 <p:sld xmlns:a="http://schemas.openxmlformats.org/drawingml/2006/main" xmlns:r="http://schemas.openxmlformats.org/officeDocument/2006/relationships" xmlns:p="http://schemas.openxmlformats.org/presentationml/2006/main">
   <p:cSld>
     <p:spTree>
@@ -22379,7 +21633,7 @@
             </a:pPr>
             <a:fld id="{00000000-1234-1234-1234-123412341234}" type="slidenum">
               <a:rPr lang="de-DE" smtClean="0"/>
-              <a:t>14</a:t>
+              <a:t>11</a:t>
             </a:fld>
             <a:endParaRPr lang="de-DE"/>
           </a:p>
@@ -22410,7 +21664,7 @@
 </p:sld>
 </file>
 
-<file path=ppt/slides/slide15.xml><?xml version="1.0" encoding="utf-8"?>
+<file path=ppt/slides/slide12.xml><?xml version="1.0" encoding="utf-8"?>
 <p:sld xmlns:a="http://schemas.openxmlformats.org/drawingml/2006/main" xmlns:r="http://schemas.openxmlformats.org/officeDocument/2006/relationships" xmlns:p="http://schemas.openxmlformats.org/presentationml/2006/main">
   <p:cSld>
     <p:spTree>
@@ -22552,7 +21806,7 @@
             </a:pPr>
             <a:fld id="{00000000-1234-1234-1234-123412341234}" type="slidenum">
               <a:rPr lang="de-DE" smtClean="0"/>
-              <a:t>15</a:t>
+              <a:t>12</a:t>
             </a:fld>
             <a:endParaRPr lang="de-DE"/>
           </a:p>
@@ -22583,7 +21837,7 @@
 </p:sld>
 </file>
 
-<file path=ppt/slides/slide16.xml><?xml version="1.0" encoding="utf-8"?>
+<file path=ppt/slides/slide13.xml><?xml version="1.0" encoding="utf-8"?>
 <p:sld xmlns:a="http://schemas.openxmlformats.org/drawingml/2006/main" xmlns:r="http://schemas.openxmlformats.org/officeDocument/2006/relationships" xmlns:p="http://schemas.openxmlformats.org/presentationml/2006/main">
   <p:cSld>
     <p:spTree>
@@ -22725,7 +21979,7 @@
             </a:pPr>
             <a:fld id="{00000000-1234-1234-1234-123412341234}" type="slidenum">
               <a:rPr lang="de-DE" smtClean="0"/>
-              <a:t>16</a:t>
+              <a:t>13</a:t>
             </a:fld>
             <a:endParaRPr lang="de-DE"/>
           </a:p>
@@ -22756,7 +22010,7 @@
 </p:sld>
 </file>
 
-<file path=ppt/slides/slide17.xml><?xml version="1.0" encoding="utf-8"?>
+<file path=ppt/slides/slide14.xml><?xml version="1.0" encoding="utf-8"?>
 <p:sld xmlns:a="http://schemas.openxmlformats.org/drawingml/2006/main" xmlns:r="http://schemas.openxmlformats.org/officeDocument/2006/relationships" xmlns:p="http://schemas.openxmlformats.org/presentationml/2006/main">
   <p:cSld>
     <p:spTree>
@@ -22898,7 +22152,7 @@
             </a:pPr>
             <a:fld id="{00000000-1234-1234-1234-123412341234}" type="slidenum">
               <a:rPr lang="de-DE" smtClean="0"/>
-              <a:t>17</a:t>
+              <a:t>14</a:t>
             </a:fld>
             <a:endParaRPr lang="de-DE"/>
           </a:p>
@@ -22929,7 +22183,7 @@
 </p:sld>
 </file>
 
-<file path=ppt/slides/slide18.xml><?xml version="1.0" encoding="utf-8"?>
+<file path=ppt/slides/slide15.xml><?xml version="1.0" encoding="utf-8"?>
 <p:sld xmlns:a="http://schemas.openxmlformats.org/drawingml/2006/main" xmlns:r="http://schemas.openxmlformats.org/officeDocument/2006/relationships" xmlns:p="http://schemas.openxmlformats.org/presentationml/2006/main">
   <p:cSld>
     <p:spTree>
@@ -23071,7 +22325,7 @@
             </a:pPr>
             <a:fld id="{00000000-1234-1234-1234-123412341234}" type="slidenum">
               <a:rPr lang="de-DE" smtClean="0"/>
-              <a:t>18</a:t>
+              <a:t>15</a:t>
             </a:fld>
             <a:endParaRPr lang="de-DE"/>
           </a:p>
@@ -23102,7 +22356,7 @@
 </p:sld>
 </file>
 
-<file path=ppt/slides/slide19.xml><?xml version="1.0" encoding="utf-8"?>
+<file path=ppt/slides/slide16.xml><?xml version="1.0" encoding="utf-8"?>
 <p:sld xmlns:a="http://schemas.openxmlformats.org/drawingml/2006/main" xmlns:r="http://schemas.openxmlformats.org/officeDocument/2006/relationships" xmlns:p="http://schemas.openxmlformats.org/presentationml/2006/main">
   <p:cSld>
     <p:spTree>
@@ -23171,944 +22425,7 @@
 </p:sld>
 </file>
 
-<file path=ppt/slides/slide2.xml><?xml version="1.0" encoding="utf-8"?>
-<p:sld xmlns:a="http://schemas.openxmlformats.org/drawingml/2006/main" xmlns:r="http://schemas.openxmlformats.org/officeDocument/2006/relationships" xmlns:p="http://schemas.openxmlformats.org/presentationml/2006/main">
-  <p:cSld>
-    <p:bg>
-      <p:bgPr>
-        <a:blipFill rotWithShape="1">
-          <a:blip r:embed="rId3">
-            <a:duotone>
-              <a:schemeClr val="bg2">
-                <a:shade val="28000"/>
-                <a:satMod val="94000"/>
-                <a:lumMod val="20000"/>
-              </a:schemeClr>
-              <a:schemeClr val="bg2">
-                <a:tint val="94000"/>
-                <a:shade val="84000"/>
-                <a:satMod val="148000"/>
-                <a:lumMod val="114000"/>
-              </a:schemeClr>
-            </a:duotone>
-          </a:blip>
-          <a:stretch/>
-        </a:blipFill>
-        <a:effectLst/>
-      </p:bgPr>
-    </p:bg>
-    <p:spTree>
-      <p:nvGrpSpPr>
-        <p:cNvPr id="1" name=""/>
-        <p:cNvGrpSpPr/>
-        <p:nvPr/>
-      </p:nvGrpSpPr>
-      <p:grpSpPr>
-        <a:xfrm>
-          <a:off x="0" y="0"/>
-          <a:ext cx="0" cy="0"/>
-          <a:chOff x="0" y="0"/>
-          <a:chExt cx="0" cy="0"/>
-        </a:xfrm>
-      </p:grpSpPr>
-      <p:sp>
-        <p:nvSpPr>
-          <p:cNvPr id="2" name="Titel 1">
-            <a:extLst>
-              <a:ext uri="{FF2B5EF4-FFF2-40B4-BE49-F238E27FC236}">
-                <a16:creationId xmlns:a16="http://schemas.microsoft.com/office/drawing/2014/main" id="{5762E80F-B709-4C1A-B920-D916F07E2F9E}"/>
-              </a:ext>
-            </a:extLst>
-          </p:cNvPr>
-          <p:cNvSpPr>
-            <a:spLocks noGrp="1"/>
-          </p:cNvSpPr>
-          <p:nvPr>
-            <p:ph type="title"/>
-          </p:nvPr>
-        </p:nvSpPr>
-        <p:spPr>
-          <a:xfrm>
-            <a:off x="730634" y="535781"/>
-            <a:ext cx="2499716" cy="3807619"/>
-          </a:xfrm>
-        </p:spPr>
-        <p:txBody>
-          <a:bodyPr vert="horz" lIns="91440" tIns="45720" rIns="91440" bIns="45720" rtlCol="0" anchor="ctr">
-            <a:normAutofit/>
-          </a:bodyPr>
-          <a:lstStyle/>
-          <a:p>
-            <a:pPr defTabSz="457200">
-              <a:spcBef>
-                <a:spcPct val="0"/>
-              </a:spcBef>
-            </a:pPr>
-            <a:r>
-              <a:rPr lang="en-US" sz="3000"/>
-              <a:t>Table of Content</a:t>
-            </a:r>
-          </a:p>
-        </p:txBody>
-      </p:sp>
-      <p:sp>
-        <p:nvSpPr>
-          <p:cNvPr id="8" name="Rectangle 7">
-            <a:extLst>
-              <a:ext uri="{FF2B5EF4-FFF2-40B4-BE49-F238E27FC236}">
-                <a16:creationId xmlns:a16="http://schemas.microsoft.com/office/drawing/2014/main" id="{375136A9-49F9-4DA0-A741-F065B0FA091D}"/>
-              </a:ext>
-              <a:ext uri="{C183D7F6-B498-43B3-948B-1728B52AA6E4}">
-                <adec:decorative xmlns:adec="http://schemas.microsoft.com/office/drawing/2017/decorative" val="1"/>
-              </a:ext>
-            </a:extLst>
-          </p:cNvPr>
-          <p:cNvSpPr>
-            <a:spLocks noGrp="1" noRot="1" noChangeAspect="1" noMove="1" noResize="1" noEditPoints="1" noAdjustHandles="1" noChangeArrowheads="1" noChangeShapeType="1" noTextEdit="1"/>
-          </p:cNvSpPr>
-          <p:nvPr>
-            <p:extLst>
-              <p:ext uri="{386F3935-93C4-4BCD-93E2-E3B085C9AB24}">
-                <p16:designElem xmlns:p16="http://schemas.microsoft.com/office/powerpoint/2015/main" val="1"/>
-              </p:ext>
-            </p:extLst>
-          </p:nvPr>
-        </p:nvSpPr>
-        <p:spPr>
-          <a:xfrm>
-            <a:off x="3475017" y="0"/>
-            <a:ext cx="5668982" cy="5143500"/>
-          </a:xfrm>
-          <a:prstGeom prst="rect">
-            <a:avLst/>
-          </a:prstGeom>
-          <a:solidFill>
-            <a:schemeClr val="bg2"/>
-          </a:solidFill>
-          <a:ln>
-            <a:noFill/>
-          </a:ln>
-          <a:effectLst>
-            <a:innerShdw blurRad="63500" dist="50800" dir="10800000">
-              <a:prstClr val="black">
-                <a:alpha val="50000"/>
-              </a:prstClr>
-            </a:innerShdw>
-          </a:effectLst>
-        </p:spPr>
-        <p:style>
-          <a:lnRef idx="2">
-            <a:schemeClr val="accent1">
-              <a:shade val="50000"/>
-            </a:schemeClr>
-          </a:lnRef>
-          <a:fillRef idx="1">
-            <a:schemeClr val="accent1"/>
-          </a:fillRef>
-          <a:effectRef idx="0">
-            <a:schemeClr val="accent1"/>
-          </a:effectRef>
-          <a:fontRef idx="minor">
-            <a:schemeClr val="lt1"/>
-          </a:fontRef>
-        </p:style>
-        <p:txBody>
-          <a:bodyPr rtlCol="0" anchor="ctr"/>
-          <a:lstStyle/>
-          <a:p>
-            <a:pPr algn="ctr"/>
-            <a:endParaRPr lang="en-US" dirty="0"/>
-          </a:p>
-        </p:txBody>
-      </p:sp>
-      <p:sp>
-        <p:nvSpPr>
-          <p:cNvPr id="10" name="Rectangle 9">
-            <a:extLst>
-              <a:ext uri="{FF2B5EF4-FFF2-40B4-BE49-F238E27FC236}">
-                <a16:creationId xmlns:a16="http://schemas.microsoft.com/office/drawing/2014/main" id="{B912F6C7-0423-4B6F-AECE-710C848918FD}"/>
-              </a:ext>
-              <a:ext uri="{C183D7F6-B498-43B3-948B-1728B52AA6E4}">
-                <adec:decorative xmlns:adec="http://schemas.microsoft.com/office/drawing/2017/decorative" val="1"/>
-              </a:ext>
-            </a:extLst>
-          </p:cNvPr>
-          <p:cNvSpPr>
-            <a:spLocks noGrp="1" noRot="1" noChangeAspect="1" noMove="1" noResize="1" noEditPoints="1" noAdjustHandles="1" noChangeArrowheads="1" noChangeShapeType="1" noTextEdit="1"/>
-          </p:cNvSpPr>
-          <p:nvPr>
-            <p:extLst>
-              <p:ext uri="{386F3935-93C4-4BCD-93E2-E3B085C9AB24}">
-                <p16:designElem xmlns:p16="http://schemas.microsoft.com/office/powerpoint/2015/main" val="1"/>
-              </p:ext>
-            </p:extLst>
-          </p:nvPr>
-        </p:nvSpPr>
-        <p:spPr>
-          <a:xfrm rot="5400000" flipH="1">
-            <a:off x="1084904" y="2396848"/>
-            <a:ext cx="5143500" cy="349805"/>
-          </a:xfrm>
-          <a:prstGeom prst="rect">
-            <a:avLst/>
-          </a:prstGeom>
-          <a:gradFill>
-            <a:gsLst>
-              <a:gs pos="0">
-                <a:srgbClr val="363D46">
-                  <a:alpha val="0"/>
-                </a:srgbClr>
-              </a:gs>
-              <a:gs pos="100000">
-                <a:srgbClr val="363D46">
-                  <a:lumMod val="75000"/>
-                </a:srgbClr>
-              </a:gs>
-            </a:gsLst>
-            <a:lin ang="5400000" scaled="0"/>
-          </a:gradFill>
-          <a:ln>
-            <a:noFill/>
-          </a:ln>
-          <a:effectLst/>
-        </p:spPr>
-        <p:style>
-          <a:lnRef idx="2">
-            <a:schemeClr val="accent1">
-              <a:shade val="50000"/>
-            </a:schemeClr>
-          </a:lnRef>
-          <a:fillRef idx="1">
-            <a:schemeClr val="accent1"/>
-          </a:fillRef>
-          <a:effectRef idx="0">
-            <a:schemeClr val="accent1"/>
-          </a:effectRef>
-          <a:fontRef idx="minor">
-            <a:schemeClr val="lt1"/>
-          </a:fontRef>
-        </p:style>
-        <p:txBody>
-          <a:bodyPr rot="0" spcFirstLastPara="0" vertOverflow="overflow" horzOverflow="overflow" vert="horz" wrap="square" lIns="91440" tIns="45720" rIns="91440" bIns="45720" numCol="1" spcCol="0" rtlCol="0" fromWordArt="0" anchor="ctr" anchorCtr="0" forceAA="0" compatLnSpc="1">
-            <a:prstTxWarp prst="textNoShape">
-              <a:avLst/>
-            </a:prstTxWarp>
-            <a:noAutofit/>
-          </a:bodyPr>
-          <a:lstStyle/>
-          <a:p>
-            <a:pPr algn="ctr"/>
-            <a:endParaRPr lang="en-US"/>
-          </a:p>
-        </p:txBody>
-      </p:sp>
-      <p:cxnSp>
-        <p:nvCxnSpPr>
-          <p:cNvPr id="12" name="Straight Connector 11">
-            <a:extLst>
-              <a:ext uri="{FF2B5EF4-FFF2-40B4-BE49-F238E27FC236}">
-                <a16:creationId xmlns:a16="http://schemas.microsoft.com/office/drawing/2014/main" id="{A7208205-03EE-4EC8-9C34-59270C1880D8}"/>
-              </a:ext>
-              <a:ext uri="{C183D7F6-B498-43B3-948B-1728B52AA6E4}">
-                <adec:decorative xmlns:adec="http://schemas.microsoft.com/office/drawing/2017/decorative" val="1"/>
-              </a:ext>
-            </a:extLst>
-          </p:cNvPr>
-          <p:cNvCxnSpPr>
-            <a:cxnSpLocks noGrp="1" noRot="1" noChangeAspect="1" noMove="1" noResize="1" noEditPoints="1" noAdjustHandles="1" noChangeArrowheads="1" noChangeShapeType="1"/>
-          </p:cNvCxnSpPr>
-          <p:nvPr>
-            <p:extLst>
-              <p:ext uri="{386F3935-93C4-4BCD-93E2-E3B085C9AB24}">
-                <p16:designElem xmlns:p16="http://schemas.microsoft.com/office/powerpoint/2015/main" val="1"/>
-              </p:ext>
-            </p:extLst>
-          </p:nvPr>
-        </p:nvCxnSpPr>
-        <p:spPr>
-          <a:xfrm>
-            <a:off x="3481752" y="0"/>
-            <a:ext cx="0" cy="5143500"/>
-          </a:xfrm>
-          <a:prstGeom prst="line">
-            <a:avLst/>
-          </a:prstGeom>
-          <a:solidFill>
-            <a:srgbClr val="FFFFFF"/>
-          </a:solidFill>
-          <a:ln w="38100" cap="flat">
-            <a:gradFill flip="none" rotWithShape="1">
-              <a:gsLst>
-                <a:gs pos="0">
-                  <a:srgbClr val="363D46"/>
-                </a:gs>
-                <a:gs pos="100000">
-                  <a:srgbClr val="363D46">
-                    <a:lumMod val="75000"/>
-                  </a:srgbClr>
-                </a:gs>
-              </a:gsLst>
-              <a:lin ang="5400000" scaled="0"/>
-              <a:tileRect/>
-            </a:gradFill>
-            <a:miter lim="800000"/>
-          </a:ln>
-          <a:effectLst>
-            <a:innerShdw blurRad="57150" dist="38100" dir="14460000">
-              <a:srgbClr val="000000">
-                <a:alpha val="70000"/>
-              </a:srgbClr>
-            </a:innerShdw>
-          </a:effectLst>
-        </p:spPr>
-        <p:style>
-          <a:lnRef idx="2">
-            <a:schemeClr val="accent1">
-              <a:shade val="50000"/>
-            </a:schemeClr>
-          </a:lnRef>
-          <a:fillRef idx="1">
-            <a:schemeClr val="accent1"/>
-          </a:fillRef>
-          <a:effectRef idx="0">
-            <a:schemeClr val="accent1"/>
-          </a:effectRef>
-          <a:fontRef idx="minor">
-            <a:schemeClr val="lt1"/>
-          </a:fontRef>
-        </p:style>
-      </p:cxnSp>
-      <p:sp>
-        <p:nvSpPr>
-          <p:cNvPr id="3" name="Textplatzhalter 2">
-            <a:extLst>
-              <a:ext uri="{FF2B5EF4-FFF2-40B4-BE49-F238E27FC236}">
-                <a16:creationId xmlns:a16="http://schemas.microsoft.com/office/drawing/2014/main" id="{5D1DFE7F-592D-4273-BA36-B0501C84D1AE}"/>
-              </a:ext>
-            </a:extLst>
-          </p:cNvPr>
-          <p:cNvSpPr>
-            <a:spLocks noGrp="1"/>
-          </p:cNvSpPr>
-          <p:nvPr>
-            <p:ph type="body" idx="1"/>
-          </p:nvPr>
-        </p:nvSpPr>
-        <p:spPr>
-          <a:xfrm>
-            <a:off x="3964351" y="0"/>
-            <a:ext cx="4690313" cy="5496253"/>
-          </a:xfrm>
-        </p:spPr>
-        <p:txBody>
-          <a:bodyPr vert="horz" lIns="91440" tIns="45720" rIns="91440" bIns="45720" rtlCol="0" anchor="ctr">
-            <a:noAutofit/>
-          </a:bodyPr>
-          <a:lstStyle/>
-          <a:p>
-            <a:pPr indent="-457200" defTabSz="457200">
-              <a:spcBef>
-                <a:spcPct val="20000"/>
-              </a:spcBef>
-              <a:spcAft>
-                <a:spcPts val="600"/>
-              </a:spcAft>
-              <a:buSzPct val="100000"/>
-              <a:buFont typeface="Arial"/>
-              <a:buChar char="•"/>
-            </a:pPr>
-            <a:r>
-              <a:rPr lang="en-US" sz="2200" dirty="0">
-                <a:solidFill>
-                  <a:schemeClr val="tx1"/>
-                </a:solidFill>
-              </a:rPr>
-              <a:t>Motivation</a:t>
-            </a:r>
-          </a:p>
-          <a:p>
-            <a:pPr indent="-457200" defTabSz="457200">
-              <a:spcBef>
-                <a:spcPct val="20000"/>
-              </a:spcBef>
-              <a:spcAft>
-                <a:spcPts val="600"/>
-              </a:spcAft>
-              <a:buSzPct val="100000"/>
-              <a:buFont typeface="Arial"/>
-              <a:buChar char="•"/>
-            </a:pPr>
-            <a:r>
-              <a:rPr lang="en-US" sz="2200" dirty="0">
-                <a:solidFill>
-                  <a:schemeClr val="tx1"/>
-                </a:solidFill>
-              </a:rPr>
-              <a:t>Current implementation</a:t>
-            </a:r>
-          </a:p>
-          <a:p>
-            <a:pPr lvl="1" indent="-457200" defTabSz="457200">
-              <a:spcBef>
-                <a:spcPct val="20000"/>
-              </a:spcBef>
-              <a:spcAft>
-                <a:spcPts val="600"/>
-              </a:spcAft>
-              <a:buSzPct val="100000"/>
-              <a:buFont typeface="Arial"/>
-              <a:buChar char="•"/>
-            </a:pPr>
-            <a:r>
-              <a:rPr lang="en-US" sz="2000" dirty="0">
-                <a:solidFill>
-                  <a:schemeClr val="tx1"/>
-                </a:solidFill>
-              </a:rPr>
-              <a:t>Household processing unit</a:t>
-            </a:r>
-            <a:endParaRPr lang="en-US" sz="2050" dirty="0">
-              <a:solidFill>
-                <a:schemeClr val="tx1"/>
-              </a:solidFill>
-            </a:endParaRPr>
-          </a:p>
-          <a:p>
-            <a:pPr lvl="1" indent="-457200" defTabSz="457200">
-              <a:spcBef>
-                <a:spcPct val="20000"/>
-              </a:spcBef>
-              <a:spcAft>
-                <a:spcPts val="600"/>
-              </a:spcAft>
-              <a:buSzPct val="100000"/>
-              <a:buFont typeface="Arial"/>
-              <a:buChar char="•"/>
-            </a:pPr>
-            <a:r>
-              <a:rPr lang="en-US" sz="2200" dirty="0">
-                <a:solidFill>
-                  <a:schemeClr val="tx1"/>
-                </a:solidFill>
-              </a:rPr>
-              <a:t>Blockchain </a:t>
-            </a:r>
-          </a:p>
-          <a:p>
-            <a:pPr lvl="1" indent="-457200" defTabSz="457200">
-              <a:spcBef>
-                <a:spcPct val="20000"/>
-              </a:spcBef>
-              <a:spcAft>
-                <a:spcPts val="600"/>
-              </a:spcAft>
-              <a:buSzPct val="100000"/>
-              <a:buFont typeface="Arial"/>
-              <a:buChar char="•"/>
-            </a:pPr>
-            <a:r>
-              <a:rPr lang="en-US" sz="2200" dirty="0">
-                <a:solidFill>
-                  <a:schemeClr val="tx1"/>
-                </a:solidFill>
-              </a:rPr>
-              <a:t>Utility contract </a:t>
-            </a:r>
-          </a:p>
-          <a:p>
-            <a:pPr indent="-457200" defTabSz="457200">
-              <a:spcBef>
-                <a:spcPct val="20000"/>
-              </a:spcBef>
-              <a:spcAft>
-                <a:spcPts val="600"/>
-              </a:spcAft>
-              <a:buSzPct val="100000"/>
-              <a:buFont typeface="Arial"/>
-              <a:buChar char="•"/>
-            </a:pPr>
-            <a:r>
-              <a:rPr lang="en-US" sz="2350" dirty="0">
-                <a:solidFill>
-                  <a:schemeClr val="tx1"/>
-                </a:solidFill>
-              </a:rPr>
-              <a:t>Live demo</a:t>
-            </a:r>
-          </a:p>
-          <a:p>
-            <a:pPr indent="-457200" defTabSz="457200">
-              <a:spcBef>
-                <a:spcPct val="20000"/>
-              </a:spcBef>
-              <a:spcAft>
-                <a:spcPts val="600"/>
-              </a:spcAft>
-              <a:buSzPct val="100000"/>
-              <a:buFont typeface="Arial"/>
-              <a:buChar char="•"/>
-            </a:pPr>
-            <a:r>
-              <a:rPr lang="en-US" sz="2200" dirty="0">
-                <a:solidFill>
-                  <a:schemeClr val="tx1"/>
-                </a:solidFill>
-              </a:rPr>
-              <a:t>Next steps</a:t>
-            </a:r>
-          </a:p>
-          <a:p>
-            <a:pPr defTabSz="457200">
-              <a:spcBef>
-                <a:spcPct val="20000"/>
-              </a:spcBef>
-              <a:spcAft>
-                <a:spcPts val="600"/>
-              </a:spcAft>
-              <a:buSzPct val="100000"/>
-              <a:buFont typeface="Arial"/>
-              <a:buChar char="•"/>
-            </a:pPr>
-            <a:endParaRPr lang="en-US" sz="2200" dirty="0">
-              <a:solidFill>
-                <a:schemeClr val="tx1"/>
-              </a:solidFill>
-            </a:endParaRPr>
-          </a:p>
-        </p:txBody>
-      </p:sp>
-    </p:spTree>
-    <p:extLst>
-      <p:ext uri="{BB962C8B-B14F-4D97-AF65-F5344CB8AC3E}">
-        <p14:creationId xmlns:p14="http://schemas.microsoft.com/office/powerpoint/2010/main" val="4106116604"/>
-      </p:ext>
-    </p:extLst>
-  </p:cSld>
-  <p:clrMapOvr>
-    <a:masterClrMapping/>
-  </p:clrMapOvr>
-  <mc:AlternateContent xmlns:mc="http://schemas.openxmlformats.org/markup-compatibility/2006" xmlns:p14="http://schemas.microsoft.com/office/powerpoint/2010/main">
-    <mc:Choice Requires="p14">
-      <p:transition spd="med" p14:dur="700">
-        <p:fade/>
-      </p:transition>
-    </mc:Choice>
-    <mc:Fallback xmlns="">
-      <p:transition spd="med">
-        <p:fade/>
-      </p:transition>
-    </mc:Fallback>
-  </mc:AlternateContent>
-  <p:timing>
-    <p:tnLst>
-      <p:par>
-        <p:cTn id="1" dur="indefinite" restart="never" nodeType="tmRoot">
-          <p:childTnLst>
-            <p:seq concurrent="1" nextAc="seek">
-              <p:cTn id="2" dur="indefinite" nodeType="mainSeq">
-                <p:childTnLst>
-                  <p:par>
-                    <p:cTn id="3" fill="hold">
-                      <p:stCondLst>
-                        <p:cond delay="indefinite"/>
-                      </p:stCondLst>
-                      <p:childTnLst>
-                        <p:par>
-                          <p:cTn id="4" fill="hold">
-                            <p:stCondLst>
-                              <p:cond delay="0"/>
-                            </p:stCondLst>
-                            <p:childTnLst>
-                              <p:par>
-                                <p:cTn id="5" presetID="10" presetClass="entr" presetSubtype="0" fill="hold" grpId="0" nodeType="clickEffect">
-                                  <p:stCondLst>
-                                    <p:cond delay="0"/>
-                                  </p:stCondLst>
-                                  <p:childTnLst>
-                                    <p:set>
-                                      <p:cBhvr>
-                                        <p:cTn id="6" dur="1" fill="hold">
-                                          <p:stCondLst>
-                                            <p:cond delay="0"/>
-                                          </p:stCondLst>
-                                        </p:cTn>
-                                        <p:tgtEl>
-                                          <p:spTgt spid="3">
-                                            <p:txEl>
-                                              <p:pRg st="0" end="0"/>
-                                            </p:txEl>
-                                          </p:spTgt>
-                                        </p:tgtEl>
-                                        <p:attrNameLst>
-                                          <p:attrName>style.visibility</p:attrName>
-                                        </p:attrNameLst>
-                                      </p:cBhvr>
-                                      <p:to>
-                                        <p:strVal val="visible"/>
-                                      </p:to>
-                                    </p:set>
-                                    <p:animEffect transition="in" filter="fade">
-                                      <p:cBhvr>
-                                        <p:cTn id="7" dur="500"/>
-                                        <p:tgtEl>
-                                          <p:spTgt spid="3">
-                                            <p:txEl>
-                                              <p:pRg st="0" end="0"/>
-                                            </p:txEl>
-                                          </p:spTgt>
-                                        </p:tgtEl>
-                                      </p:cBhvr>
-                                    </p:animEffect>
-                                  </p:childTnLst>
-                                </p:cTn>
-                              </p:par>
-                            </p:childTnLst>
-                          </p:cTn>
-                        </p:par>
-                      </p:childTnLst>
-                    </p:cTn>
-                  </p:par>
-                  <p:par>
-                    <p:cTn id="8" fill="hold">
-                      <p:stCondLst>
-                        <p:cond delay="indefinite"/>
-                      </p:stCondLst>
-                      <p:childTnLst>
-                        <p:par>
-                          <p:cTn id="9" fill="hold">
-                            <p:stCondLst>
-                              <p:cond delay="0"/>
-                            </p:stCondLst>
-                            <p:childTnLst>
-                              <p:par>
-                                <p:cTn id="10" presetID="10" presetClass="entr" presetSubtype="0" fill="hold" grpId="0" nodeType="clickEffect">
-                                  <p:stCondLst>
-                                    <p:cond delay="0"/>
-                                  </p:stCondLst>
-                                  <p:childTnLst>
-                                    <p:set>
-                                      <p:cBhvr>
-                                        <p:cTn id="11" dur="1" fill="hold">
-                                          <p:stCondLst>
-                                            <p:cond delay="0"/>
-                                          </p:stCondLst>
-                                        </p:cTn>
-                                        <p:tgtEl>
-                                          <p:spTgt spid="3">
-                                            <p:txEl>
-                                              <p:pRg st="1" end="1"/>
-                                            </p:txEl>
-                                          </p:spTgt>
-                                        </p:tgtEl>
-                                        <p:attrNameLst>
-                                          <p:attrName>style.visibility</p:attrName>
-                                        </p:attrNameLst>
-                                      </p:cBhvr>
-                                      <p:to>
-                                        <p:strVal val="visible"/>
-                                      </p:to>
-                                    </p:set>
-                                    <p:animEffect transition="in" filter="fade">
-                                      <p:cBhvr>
-                                        <p:cTn id="12" dur="500"/>
-                                        <p:tgtEl>
-                                          <p:spTgt spid="3">
-                                            <p:txEl>
-                                              <p:pRg st="1" end="1"/>
-                                            </p:txEl>
-                                          </p:spTgt>
-                                        </p:tgtEl>
-                                      </p:cBhvr>
-                                    </p:animEffect>
-                                  </p:childTnLst>
-                                </p:cTn>
-                              </p:par>
-                              <p:par>
-                                <p:cTn id="13" presetID="10" presetClass="entr" presetSubtype="0" fill="hold" grpId="0" nodeType="withEffect">
-                                  <p:stCondLst>
-                                    <p:cond delay="0"/>
-                                  </p:stCondLst>
-                                  <p:childTnLst>
-                                    <p:set>
-                                      <p:cBhvr>
-                                        <p:cTn id="14" dur="1" fill="hold">
-                                          <p:stCondLst>
-                                            <p:cond delay="0"/>
-                                          </p:stCondLst>
-                                        </p:cTn>
-                                        <p:tgtEl>
-                                          <p:spTgt spid="3">
-                                            <p:txEl>
-                                              <p:pRg st="2" end="2"/>
-                                            </p:txEl>
-                                          </p:spTgt>
-                                        </p:tgtEl>
-                                        <p:attrNameLst>
-                                          <p:attrName>style.visibility</p:attrName>
-                                        </p:attrNameLst>
-                                      </p:cBhvr>
-                                      <p:to>
-                                        <p:strVal val="visible"/>
-                                      </p:to>
-                                    </p:set>
-                                    <p:animEffect transition="in" filter="fade">
-                                      <p:cBhvr>
-                                        <p:cTn id="15" dur="500"/>
-                                        <p:tgtEl>
-                                          <p:spTgt spid="3">
-                                            <p:txEl>
-                                              <p:pRg st="2" end="2"/>
-                                            </p:txEl>
-                                          </p:spTgt>
-                                        </p:tgtEl>
-                                      </p:cBhvr>
-                                    </p:animEffect>
-                                  </p:childTnLst>
-                                </p:cTn>
-                              </p:par>
-                              <p:par>
-                                <p:cTn id="16" presetID="10" presetClass="entr" presetSubtype="0" fill="hold" grpId="0" nodeType="withEffect">
-                                  <p:stCondLst>
-                                    <p:cond delay="0"/>
-                                  </p:stCondLst>
-                                  <p:childTnLst>
-                                    <p:set>
-                                      <p:cBhvr>
-                                        <p:cTn id="17" dur="1" fill="hold">
-                                          <p:stCondLst>
-                                            <p:cond delay="0"/>
-                                          </p:stCondLst>
-                                        </p:cTn>
-                                        <p:tgtEl>
-                                          <p:spTgt spid="3">
-                                            <p:txEl>
-                                              <p:pRg st="3" end="3"/>
-                                            </p:txEl>
-                                          </p:spTgt>
-                                        </p:tgtEl>
-                                        <p:attrNameLst>
-                                          <p:attrName>style.visibility</p:attrName>
-                                        </p:attrNameLst>
-                                      </p:cBhvr>
-                                      <p:to>
-                                        <p:strVal val="visible"/>
-                                      </p:to>
-                                    </p:set>
-                                    <p:animEffect transition="in" filter="fade">
-                                      <p:cBhvr>
-                                        <p:cTn id="18" dur="500"/>
-                                        <p:tgtEl>
-                                          <p:spTgt spid="3">
-                                            <p:txEl>
-                                              <p:pRg st="3" end="3"/>
-                                            </p:txEl>
-                                          </p:spTgt>
-                                        </p:tgtEl>
-                                      </p:cBhvr>
-                                    </p:animEffect>
-                                  </p:childTnLst>
-                                </p:cTn>
-                              </p:par>
-                              <p:par>
-                                <p:cTn id="19" presetID="10" presetClass="entr" presetSubtype="0" fill="hold" grpId="0" nodeType="withEffect">
-                                  <p:stCondLst>
-                                    <p:cond delay="0"/>
-                                  </p:stCondLst>
-                                  <p:childTnLst>
-                                    <p:set>
-                                      <p:cBhvr>
-                                        <p:cTn id="20" dur="1" fill="hold">
-                                          <p:stCondLst>
-                                            <p:cond delay="0"/>
-                                          </p:stCondLst>
-                                        </p:cTn>
-                                        <p:tgtEl>
-                                          <p:spTgt spid="3">
-                                            <p:txEl>
-                                              <p:pRg st="4" end="4"/>
-                                            </p:txEl>
-                                          </p:spTgt>
-                                        </p:tgtEl>
-                                        <p:attrNameLst>
-                                          <p:attrName>style.visibility</p:attrName>
-                                        </p:attrNameLst>
-                                      </p:cBhvr>
-                                      <p:to>
-                                        <p:strVal val="visible"/>
-                                      </p:to>
-                                    </p:set>
-                                    <p:animEffect transition="in" filter="fade">
-                                      <p:cBhvr>
-                                        <p:cTn id="21" dur="500"/>
-                                        <p:tgtEl>
-                                          <p:spTgt spid="3">
-                                            <p:txEl>
-                                              <p:pRg st="4" end="4"/>
-                                            </p:txEl>
-                                          </p:spTgt>
-                                        </p:tgtEl>
-                                      </p:cBhvr>
-                                    </p:animEffect>
-                                  </p:childTnLst>
-                                </p:cTn>
-                              </p:par>
-                            </p:childTnLst>
-                          </p:cTn>
-                        </p:par>
-                      </p:childTnLst>
-                    </p:cTn>
-                  </p:par>
-                  <p:par>
-                    <p:cTn id="22" fill="hold">
-                      <p:stCondLst>
-                        <p:cond delay="indefinite"/>
-                      </p:stCondLst>
-                      <p:childTnLst>
-                        <p:par>
-                          <p:cTn id="23" fill="hold">
-                            <p:stCondLst>
-                              <p:cond delay="0"/>
-                            </p:stCondLst>
-                            <p:childTnLst>
-                              <p:par>
-                                <p:cTn id="24" presetID="10" presetClass="entr" presetSubtype="0" fill="hold" grpId="0" nodeType="clickEffect">
-                                  <p:stCondLst>
-                                    <p:cond delay="0"/>
-                                  </p:stCondLst>
-                                  <p:childTnLst>
-                                    <p:set>
-                                      <p:cBhvr>
-                                        <p:cTn id="25" dur="1" fill="hold">
-                                          <p:stCondLst>
-                                            <p:cond delay="0"/>
-                                          </p:stCondLst>
-                                        </p:cTn>
-                                        <p:tgtEl>
-                                          <p:spTgt spid="3">
-                                            <p:txEl>
-                                              <p:pRg st="5" end="5"/>
-                                            </p:txEl>
-                                          </p:spTgt>
-                                        </p:tgtEl>
-                                        <p:attrNameLst>
-                                          <p:attrName>style.visibility</p:attrName>
-                                        </p:attrNameLst>
-                                      </p:cBhvr>
-                                      <p:to>
-                                        <p:strVal val="visible"/>
-                                      </p:to>
-                                    </p:set>
-                                    <p:animEffect transition="in" filter="fade">
-                                      <p:cBhvr>
-                                        <p:cTn id="26" dur="500"/>
-                                        <p:tgtEl>
-                                          <p:spTgt spid="3">
-                                            <p:txEl>
-                                              <p:pRg st="5" end="5"/>
-                                            </p:txEl>
-                                          </p:spTgt>
-                                        </p:tgtEl>
-                                      </p:cBhvr>
-                                    </p:animEffect>
-                                  </p:childTnLst>
-                                </p:cTn>
-                              </p:par>
-                            </p:childTnLst>
-                          </p:cTn>
-                        </p:par>
-                      </p:childTnLst>
-                    </p:cTn>
-                  </p:par>
-                  <p:par>
-                    <p:cTn id="27" fill="hold">
-                      <p:stCondLst>
-                        <p:cond delay="indefinite"/>
-                      </p:stCondLst>
-                      <p:childTnLst>
-                        <p:par>
-                          <p:cTn id="28" fill="hold">
-                            <p:stCondLst>
-                              <p:cond delay="0"/>
-                            </p:stCondLst>
-                            <p:childTnLst>
-                              <p:par>
-                                <p:cTn id="29" presetID="10" presetClass="entr" presetSubtype="0" fill="hold" grpId="0" nodeType="clickEffect">
-                                  <p:stCondLst>
-                                    <p:cond delay="0"/>
-                                  </p:stCondLst>
-                                  <p:childTnLst>
-                                    <p:set>
-                                      <p:cBhvr>
-                                        <p:cTn id="30" dur="1" fill="hold">
-                                          <p:stCondLst>
-                                            <p:cond delay="0"/>
-                                          </p:stCondLst>
-                                        </p:cTn>
-                                        <p:tgtEl>
-                                          <p:spTgt spid="3">
-                                            <p:txEl>
-                                              <p:pRg st="6" end="6"/>
-                                            </p:txEl>
-                                          </p:spTgt>
-                                        </p:tgtEl>
-                                        <p:attrNameLst>
-                                          <p:attrName>style.visibility</p:attrName>
-                                        </p:attrNameLst>
-                                      </p:cBhvr>
-                                      <p:to>
-                                        <p:strVal val="visible"/>
-                                      </p:to>
-                                    </p:set>
-                                    <p:animEffect transition="in" filter="fade">
-                                      <p:cBhvr>
-                                        <p:cTn id="31" dur="500"/>
-                                        <p:tgtEl>
-                                          <p:spTgt spid="3">
-                                            <p:txEl>
-                                              <p:pRg st="6" end="6"/>
-                                            </p:txEl>
-                                          </p:spTgt>
-                                        </p:tgtEl>
-                                      </p:cBhvr>
-                                    </p:animEffect>
-                                  </p:childTnLst>
-                                </p:cTn>
-                              </p:par>
-                            </p:childTnLst>
-                          </p:cTn>
-                        </p:par>
-                      </p:childTnLst>
-                    </p:cTn>
-                  </p:par>
-                </p:childTnLst>
-              </p:cTn>
-              <p:prevCondLst>
-                <p:cond evt="onPrev" delay="0">
-                  <p:tgtEl>
-                    <p:sldTgt/>
-                  </p:tgtEl>
-                </p:cond>
-              </p:prevCondLst>
-              <p:nextCondLst>
-                <p:cond evt="onNext" delay="0">
-                  <p:tgtEl>
-                    <p:sldTgt/>
-                  </p:tgtEl>
-                </p:cond>
-              </p:nextCondLst>
-            </p:seq>
-          </p:childTnLst>
-        </p:cTn>
-      </p:par>
-    </p:tnLst>
-    <p:bldLst>
-      <p:bldP spid="3" grpId="0" build="p"/>
-    </p:bldLst>
-  </p:timing>
-</p:sld>
-</file>
-
-<file path=ppt/slides/slide20.xml><?xml version="1.0" encoding="utf-8"?>
+<file path=ppt/slides/slide17.xml><?xml version="1.0" encoding="utf-8"?>
 <p:sld xmlns:a="http://schemas.openxmlformats.org/drawingml/2006/main" xmlns:r="http://schemas.openxmlformats.org/officeDocument/2006/relationships" xmlns:p="http://schemas.openxmlformats.org/presentationml/2006/main">
   <p:cSld>
     <p:spTree>
@@ -24182,7 +22499,7 @@
             </a:pPr>
             <a:fld id="{00000000-1234-1234-1234-123412341234}" type="slidenum">
               <a:rPr lang="de-DE" smtClean="0"/>
-              <a:t>20</a:t>
+              <a:t>17</a:t>
             </a:fld>
             <a:endParaRPr lang="de-DE"/>
           </a:p>
@@ -24241,7 +22558,7 @@
 </p:sld>
 </file>
 
-<file path=ppt/slides/slide21.xml><?xml version="1.0" encoding="utf-8"?>
+<file path=ppt/slides/slide18.xml><?xml version="1.0" encoding="utf-8"?>
 <p:sld xmlns:a="http://schemas.openxmlformats.org/drawingml/2006/main" xmlns:r="http://schemas.openxmlformats.org/officeDocument/2006/relationships" xmlns:p="http://schemas.openxmlformats.org/presentationml/2006/main">
   <p:cSld>
     <p:spTree>
@@ -24418,7 +22735,7 @@
             </a:pPr>
             <a:fld id="{00000000-1234-1234-1234-123412341234}" type="slidenum">
               <a:rPr lang="de-DE" smtClean="0"/>
-              <a:t>21</a:t>
+              <a:t>18</a:t>
             </a:fld>
             <a:endParaRPr lang="de-DE"/>
           </a:p>
@@ -24662,365 +22979,7 @@
 </p:sld>
 </file>
 
-<file path=ppt/slides/slide22.xml><?xml version="1.0" encoding="utf-8"?>
-<p:sld xmlns:a="http://schemas.openxmlformats.org/drawingml/2006/main" xmlns:r="http://schemas.openxmlformats.org/officeDocument/2006/relationships" xmlns:p="http://schemas.openxmlformats.org/presentationml/2006/main" show="0">
-  <p:cSld>
-    <p:spTree>
-      <p:nvGrpSpPr>
-        <p:cNvPr id="1" name=""/>
-        <p:cNvGrpSpPr/>
-        <p:nvPr/>
-      </p:nvGrpSpPr>
-      <p:grpSpPr>
-        <a:xfrm>
-          <a:off x="0" y="0"/>
-          <a:ext cx="0" cy="0"/>
-          <a:chOff x="0" y="0"/>
-          <a:chExt cx="0" cy="0"/>
-        </a:xfrm>
-      </p:grpSpPr>
-      <p:sp>
-        <p:nvSpPr>
-          <p:cNvPr id="2" name="Titel 1"/>
-          <p:cNvSpPr>
-            <a:spLocks noGrp="1"/>
-          </p:cNvSpPr>
-          <p:nvPr>
-            <p:ph type="title"/>
-          </p:nvPr>
-        </p:nvSpPr>
-        <p:spPr/>
-        <p:txBody>
-          <a:bodyPr>
-            <a:normAutofit/>
-          </a:bodyPr>
-          <a:lstStyle/>
-          <a:p>
-            <a:r>
-              <a:rPr lang="de-DE" dirty="0"/>
-              <a:t>Next </a:t>
-            </a:r>
-            <a:r>
-              <a:rPr lang="de-DE" dirty="0" err="1"/>
-              <a:t>Steps</a:t>
-            </a:r>
-            <a:endParaRPr lang="de-DE" dirty="0"/>
-          </a:p>
-        </p:txBody>
-      </p:sp>
-      <p:sp>
-        <p:nvSpPr>
-          <p:cNvPr id="5" name="Textfeld 4">
-            <a:extLst>
-              <a:ext uri="{FF2B5EF4-FFF2-40B4-BE49-F238E27FC236}">
-                <a16:creationId xmlns:a16="http://schemas.microsoft.com/office/drawing/2014/main" id="{A9886561-8B74-4B06-B354-65CBF433D7A7}"/>
-              </a:ext>
-            </a:extLst>
-          </p:cNvPr>
-          <p:cNvSpPr txBox="1"/>
-          <p:nvPr/>
-        </p:nvSpPr>
-        <p:spPr>
-          <a:xfrm>
-            <a:off x="311700" y="1017725"/>
-            <a:ext cx="8520600" cy="1113062"/>
-          </a:xfrm>
-          <a:prstGeom prst="rect">
-            <a:avLst/>
-          </a:prstGeom>
-          <a:noFill/>
-        </p:spPr>
-        <p:txBody>
-          <a:bodyPr wrap="square" rtlCol="0">
-            <a:spAutoFit/>
-          </a:bodyPr>
-          <a:lstStyle/>
-          <a:p>
-            <a:pPr marL="285750" indent="-285750">
-              <a:lnSpc>
-                <a:spcPct val="200000"/>
-              </a:lnSpc>
-              <a:buFont typeface="Arial" panose="020B0604020202020204" pitchFamily="34" charset="0"/>
-              <a:buChar char="•"/>
-            </a:pPr>
-            <a:r>
-              <a:rPr lang="de-DE" dirty="0" err="1"/>
-              <a:t>Signing</a:t>
-            </a:r>
-            <a:r>
-              <a:rPr lang="de-DE" dirty="0"/>
-              <a:t> </a:t>
-            </a:r>
-            <a:r>
-              <a:rPr lang="de-DE" dirty="0" err="1"/>
-              <a:t>the</a:t>
-            </a:r>
-            <a:r>
-              <a:rPr lang="de-DE" dirty="0"/>
-              <a:t> sensor-</a:t>
-            </a:r>
-            <a:r>
-              <a:rPr lang="de-DE" dirty="0" err="1"/>
-              <a:t>data</a:t>
-            </a:r>
-            <a:endParaRPr lang="de-DE" dirty="0"/>
-          </a:p>
-          <a:p>
-            <a:pPr marL="285750" indent="-285750">
-              <a:lnSpc>
-                <a:spcPct val="200000"/>
-              </a:lnSpc>
-              <a:buFont typeface="Arial" panose="020B0604020202020204" pitchFamily="34" charset="0"/>
-              <a:buChar char="•"/>
-            </a:pPr>
-            <a:r>
-              <a:rPr lang="de-DE" dirty="0" err="1"/>
-              <a:t>Make</a:t>
-            </a:r>
-            <a:r>
-              <a:rPr lang="de-DE" dirty="0"/>
-              <a:t> </a:t>
-            </a:r>
-            <a:r>
-              <a:rPr lang="de-DE" dirty="0" err="1"/>
-              <a:t>system</a:t>
-            </a:r>
-            <a:r>
-              <a:rPr lang="de-DE" dirty="0"/>
-              <a:t> </a:t>
-            </a:r>
-            <a:r>
-              <a:rPr lang="de-DE" dirty="0" err="1"/>
-              <a:t>privacy</a:t>
-            </a:r>
-            <a:r>
-              <a:rPr lang="de-DE" dirty="0"/>
-              <a:t> </a:t>
-            </a:r>
-            <a:r>
-              <a:rPr lang="de-DE" dirty="0" err="1"/>
-              <a:t>aware</a:t>
-            </a:r>
-            <a:endParaRPr lang="de-DE" dirty="0"/>
-          </a:p>
-        </p:txBody>
-      </p:sp>
-      <p:sp>
-        <p:nvSpPr>
-          <p:cNvPr id="3" name="Foliennummernplatzhalter 2">
-            <a:extLst>
-              <a:ext uri="{FF2B5EF4-FFF2-40B4-BE49-F238E27FC236}">
-                <a16:creationId xmlns:a16="http://schemas.microsoft.com/office/drawing/2014/main" id="{1B17E9E2-55D6-4740-9630-E6D323FB5D85}"/>
-              </a:ext>
-            </a:extLst>
-          </p:cNvPr>
-          <p:cNvSpPr>
-            <a:spLocks noGrp="1"/>
-          </p:cNvSpPr>
-          <p:nvPr>
-            <p:ph type="sldNum" idx="12"/>
-          </p:nvPr>
-        </p:nvSpPr>
-        <p:spPr/>
-        <p:txBody>
-          <a:bodyPr/>
-          <a:lstStyle/>
-          <a:p>
-            <a:pPr marL="0" lvl="0" indent="0" algn="r" rtl="0">
-              <a:spcBef>
-                <a:spcPts val="0"/>
-              </a:spcBef>
-              <a:spcAft>
-                <a:spcPts val="0"/>
-              </a:spcAft>
-              <a:buNone/>
-            </a:pPr>
-            <a:fld id="{00000000-1234-1234-1234-123412341234}" type="slidenum">
-              <a:rPr lang="de-DE" smtClean="0"/>
-              <a:t>22</a:t>
-            </a:fld>
-            <a:endParaRPr lang="de-DE"/>
-          </a:p>
-        </p:txBody>
-      </p:sp>
-    </p:spTree>
-    <p:extLst>
-      <p:ext uri="{BB962C8B-B14F-4D97-AF65-F5344CB8AC3E}">
-        <p14:creationId xmlns:p14="http://schemas.microsoft.com/office/powerpoint/2010/main" val="2366815486"/>
-      </p:ext>
-    </p:extLst>
-  </p:cSld>
-  <p:clrMapOvr>
-    <a:masterClrMapping/>
-  </p:clrMapOvr>
-  <mc:AlternateContent xmlns:mc="http://schemas.openxmlformats.org/markup-compatibility/2006">
-    <mc:Choice xmlns:p14="http://schemas.microsoft.com/office/powerpoint/2010/main" Requires="p14">
-      <p:transition spd="med" p14:dur="700">
-        <p:fade/>
-      </p:transition>
-    </mc:Choice>
-    <mc:Fallback>
-      <p:transition spd="med">
-        <p:fade/>
-      </p:transition>
-    </mc:Fallback>
-  </mc:AlternateContent>
-  <p:timing>
-    <p:tnLst>
-      <p:par>
-        <p:cTn id="1" dur="indefinite" restart="never" nodeType="tmRoot">
-          <p:childTnLst>
-            <p:seq concurrent="1" nextAc="seek">
-              <p:cTn id="2" dur="indefinite" nodeType="mainSeq">
-                <p:childTnLst>
-                  <p:par>
-                    <p:cTn id="3" fill="hold">
-                      <p:stCondLst>
-                        <p:cond delay="indefinite"/>
-                      </p:stCondLst>
-                      <p:childTnLst>
-                        <p:par>
-                          <p:cTn id="4" fill="hold">
-                            <p:stCondLst>
-                              <p:cond delay="0"/>
-                            </p:stCondLst>
-                            <p:childTnLst>
-                              <p:par>
-                                <p:cTn id="5" presetID="10" presetClass="entr" presetSubtype="0" fill="hold" nodeType="clickEffect">
-                                  <p:stCondLst>
-                                    <p:cond delay="0"/>
-                                  </p:stCondLst>
-                                  <p:childTnLst>
-                                    <p:set>
-                                      <p:cBhvr>
-                                        <p:cTn id="6" dur="1" fill="hold">
-                                          <p:stCondLst>
-                                            <p:cond delay="0"/>
-                                          </p:stCondLst>
-                                        </p:cTn>
-                                        <p:tgtEl>
-                                          <p:spTgt spid="5">
-                                            <p:txEl>
-                                              <p:pRg st="0" end="0"/>
-                                            </p:txEl>
-                                          </p:spTgt>
-                                        </p:tgtEl>
-                                        <p:attrNameLst>
-                                          <p:attrName>style.visibility</p:attrName>
-                                        </p:attrNameLst>
-                                      </p:cBhvr>
-                                      <p:to>
-                                        <p:strVal val="visible"/>
-                                      </p:to>
-                                    </p:set>
-                                    <p:animEffect transition="in" filter="fade">
-                                      <p:cBhvr>
-                                        <p:cTn id="7" dur="500"/>
-                                        <p:tgtEl>
-                                          <p:spTgt spid="5">
-                                            <p:txEl>
-                                              <p:pRg st="0" end="0"/>
-                                            </p:txEl>
-                                          </p:spTgt>
-                                        </p:tgtEl>
-                                      </p:cBhvr>
-                                    </p:animEffect>
-                                  </p:childTnLst>
-                                </p:cTn>
-                              </p:par>
-                            </p:childTnLst>
-                          </p:cTn>
-                        </p:par>
-                      </p:childTnLst>
-                    </p:cTn>
-                  </p:par>
-                  <p:par>
-                    <p:cTn id="8" fill="hold">
-                      <p:stCondLst>
-                        <p:cond delay="indefinite"/>
-                      </p:stCondLst>
-                      <p:childTnLst>
-                        <p:par>
-                          <p:cTn id="9" fill="hold">
-                            <p:stCondLst>
-                              <p:cond delay="0"/>
-                            </p:stCondLst>
-                            <p:childTnLst>
-                              <p:par>
-                                <p:cTn id="10" presetID="10" presetClass="entr" presetSubtype="0" fill="hold" nodeType="clickEffect">
-                                  <p:stCondLst>
-                                    <p:cond delay="0"/>
-                                  </p:stCondLst>
-                                  <p:childTnLst>
-                                    <p:set>
-                                      <p:cBhvr>
-                                        <p:cTn id="11" dur="1" fill="hold">
-                                          <p:stCondLst>
-                                            <p:cond delay="0"/>
-                                          </p:stCondLst>
-                                        </p:cTn>
-                                        <p:tgtEl>
-                                          <p:spTgt spid="5">
-                                            <p:txEl>
-                                              <p:pRg st="1" end="1"/>
-                                            </p:txEl>
-                                          </p:spTgt>
-                                        </p:tgtEl>
-                                        <p:attrNameLst>
-                                          <p:attrName>style.visibility</p:attrName>
-                                        </p:attrNameLst>
-                                      </p:cBhvr>
-                                      <p:to>
-                                        <p:strVal val="visible"/>
-                                      </p:to>
-                                    </p:set>
-                                    <p:animEffect transition="in" filter="fade">
-                                      <p:cBhvr>
-                                        <p:cTn id="12" dur="500"/>
-                                        <p:tgtEl>
-                                          <p:spTgt spid="5">
-                                            <p:txEl>
-                                              <p:pRg st="1" end="1"/>
-                                            </p:txEl>
-                                          </p:spTgt>
-                                        </p:tgtEl>
-                                      </p:cBhvr>
-                                    </p:animEffect>
-                                  </p:childTnLst>
-                                </p:cTn>
-                              </p:par>
-                            </p:childTnLst>
-                          </p:cTn>
-                        </p:par>
-                      </p:childTnLst>
-                    </p:cTn>
-                  </p:par>
-                </p:childTnLst>
-              </p:cTn>
-              <p:prevCondLst>
-                <p:cond evt="onPrev" delay="0">
-                  <p:tgtEl>
-                    <p:sldTgt/>
-                  </p:tgtEl>
-                </p:cond>
-              </p:prevCondLst>
-              <p:nextCondLst>
-                <p:cond evt="onNext" delay="0">
-                  <p:tgtEl>
-                    <p:sldTgt/>
-                  </p:tgtEl>
-                </p:cond>
-              </p:nextCondLst>
-            </p:seq>
-          </p:childTnLst>
-        </p:cTn>
-      </p:par>
-    </p:tnLst>
-  </p:timing>
-</p:sld>
-</file>
-
-<file path=ppt/slides/slide23.xml><?xml version="1.0" encoding="utf-8"?>
+<file path=ppt/slides/slide19.xml><?xml version="1.0" encoding="utf-8"?>
 <p:sld xmlns:a="http://schemas.openxmlformats.org/drawingml/2006/main" xmlns:r="http://schemas.openxmlformats.org/officeDocument/2006/relationships" xmlns:p="http://schemas.openxmlformats.org/presentationml/2006/main">
   <p:cSld>
     <p:spTree>
@@ -25056,16 +23015,13 @@
           <a:p>
             <a:r>
               <a:rPr lang="de-DE" dirty="0"/>
-              <a:t>Privacy in </a:t>
+              <a:t>Next </a:t>
             </a:r>
             <a:r>
               <a:rPr lang="de-DE" dirty="0" err="1"/>
-              <a:t>the</a:t>
-            </a:r>
-            <a:r>
-              <a:rPr lang="de-DE" dirty="0"/>
-              <a:t> Blockchain</a:t>
-            </a:r>
+              <a:t>Steps</a:t>
+            </a:r>
+            <a:endParaRPr lang="de-DE" dirty="0"/>
           </a:p>
         </p:txBody>
       </p:sp>
@@ -25197,7 +23153,7 @@
             </a:pPr>
             <a:fld id="{00000000-1234-1234-1234-123412341234}" type="slidenum">
               <a:rPr lang="de-DE" smtClean="0"/>
-              <a:t>23</a:t>
+              <a:t>19</a:t>
             </a:fld>
             <a:endParaRPr lang="de-DE"/>
           </a:p>
@@ -25688,7 +23644,1034 @@
 </p:sld>
 </file>
 
-<file path=ppt/slides/slide24.xml><?xml version="1.0" encoding="utf-8"?>
+<file path=ppt/slides/slide2.xml><?xml version="1.0" encoding="utf-8"?>
+<p:sld xmlns:a="http://schemas.openxmlformats.org/drawingml/2006/main" xmlns:r="http://schemas.openxmlformats.org/officeDocument/2006/relationships" xmlns:p="http://schemas.openxmlformats.org/presentationml/2006/main">
+  <p:cSld>
+    <p:bg>
+      <p:bgPr>
+        <a:blipFill rotWithShape="1">
+          <a:blip r:embed="rId3">
+            <a:duotone>
+              <a:schemeClr val="bg2">
+                <a:shade val="28000"/>
+                <a:satMod val="94000"/>
+                <a:lumMod val="20000"/>
+              </a:schemeClr>
+              <a:schemeClr val="bg2">
+                <a:tint val="94000"/>
+                <a:shade val="84000"/>
+                <a:satMod val="148000"/>
+                <a:lumMod val="114000"/>
+              </a:schemeClr>
+            </a:duotone>
+          </a:blip>
+          <a:stretch/>
+        </a:blipFill>
+        <a:effectLst/>
+      </p:bgPr>
+    </p:bg>
+    <p:spTree>
+      <p:nvGrpSpPr>
+        <p:cNvPr id="1" name=""/>
+        <p:cNvGrpSpPr/>
+        <p:nvPr/>
+      </p:nvGrpSpPr>
+      <p:grpSpPr>
+        <a:xfrm>
+          <a:off x="0" y="0"/>
+          <a:ext cx="0" cy="0"/>
+          <a:chOff x="0" y="0"/>
+          <a:chExt cx="0" cy="0"/>
+        </a:xfrm>
+      </p:grpSpPr>
+      <p:sp>
+        <p:nvSpPr>
+          <p:cNvPr id="2" name="Titel 1">
+            <a:extLst>
+              <a:ext uri="{FF2B5EF4-FFF2-40B4-BE49-F238E27FC236}">
+                <a16:creationId xmlns:a16="http://schemas.microsoft.com/office/drawing/2014/main" id="{5762E80F-B709-4C1A-B920-D916F07E2F9E}"/>
+              </a:ext>
+            </a:extLst>
+          </p:cNvPr>
+          <p:cNvSpPr>
+            <a:spLocks noGrp="1"/>
+          </p:cNvSpPr>
+          <p:nvPr>
+            <p:ph type="title"/>
+          </p:nvPr>
+        </p:nvSpPr>
+        <p:spPr>
+          <a:xfrm>
+            <a:off x="730634" y="535781"/>
+            <a:ext cx="2499716" cy="3807619"/>
+          </a:xfrm>
+        </p:spPr>
+        <p:txBody>
+          <a:bodyPr vert="horz" lIns="91440" tIns="45720" rIns="91440" bIns="45720" rtlCol="0" anchor="ctr">
+            <a:normAutofit/>
+          </a:bodyPr>
+          <a:lstStyle/>
+          <a:p>
+            <a:pPr defTabSz="457200">
+              <a:spcBef>
+                <a:spcPct val="0"/>
+              </a:spcBef>
+            </a:pPr>
+            <a:r>
+              <a:rPr lang="en-US" sz="3000"/>
+              <a:t>Table of Content</a:t>
+            </a:r>
+          </a:p>
+        </p:txBody>
+      </p:sp>
+      <p:sp>
+        <p:nvSpPr>
+          <p:cNvPr id="8" name="Rectangle 7">
+            <a:extLst>
+              <a:ext uri="{FF2B5EF4-FFF2-40B4-BE49-F238E27FC236}">
+                <a16:creationId xmlns:a16="http://schemas.microsoft.com/office/drawing/2014/main" id="{375136A9-49F9-4DA0-A741-F065B0FA091D}"/>
+              </a:ext>
+              <a:ext uri="{C183D7F6-B498-43B3-948B-1728B52AA6E4}">
+                <adec:decorative xmlns:adec="http://schemas.microsoft.com/office/drawing/2017/decorative" val="1"/>
+              </a:ext>
+            </a:extLst>
+          </p:cNvPr>
+          <p:cNvSpPr>
+            <a:spLocks noGrp="1" noRot="1" noChangeAspect="1" noMove="1" noResize="1" noEditPoints="1" noAdjustHandles="1" noChangeArrowheads="1" noChangeShapeType="1" noTextEdit="1"/>
+          </p:cNvSpPr>
+          <p:nvPr>
+            <p:extLst>
+              <p:ext uri="{386F3935-93C4-4BCD-93E2-E3B085C9AB24}">
+                <p16:designElem xmlns:p16="http://schemas.microsoft.com/office/powerpoint/2015/main" val="1"/>
+              </p:ext>
+            </p:extLst>
+          </p:nvPr>
+        </p:nvSpPr>
+        <p:spPr>
+          <a:xfrm>
+            <a:off x="3475017" y="0"/>
+            <a:ext cx="5668982" cy="5143500"/>
+          </a:xfrm>
+          <a:prstGeom prst="rect">
+            <a:avLst/>
+          </a:prstGeom>
+          <a:solidFill>
+            <a:schemeClr val="bg2"/>
+          </a:solidFill>
+          <a:ln>
+            <a:noFill/>
+          </a:ln>
+          <a:effectLst>
+            <a:innerShdw blurRad="63500" dist="50800" dir="10800000">
+              <a:prstClr val="black">
+                <a:alpha val="50000"/>
+              </a:prstClr>
+            </a:innerShdw>
+          </a:effectLst>
+        </p:spPr>
+        <p:style>
+          <a:lnRef idx="2">
+            <a:schemeClr val="accent1">
+              <a:shade val="50000"/>
+            </a:schemeClr>
+          </a:lnRef>
+          <a:fillRef idx="1">
+            <a:schemeClr val="accent1"/>
+          </a:fillRef>
+          <a:effectRef idx="0">
+            <a:schemeClr val="accent1"/>
+          </a:effectRef>
+          <a:fontRef idx="minor">
+            <a:schemeClr val="lt1"/>
+          </a:fontRef>
+        </p:style>
+        <p:txBody>
+          <a:bodyPr rtlCol="0" anchor="ctr"/>
+          <a:lstStyle/>
+          <a:p>
+            <a:pPr algn="ctr"/>
+            <a:endParaRPr lang="en-US" dirty="0"/>
+          </a:p>
+        </p:txBody>
+      </p:sp>
+      <p:sp>
+        <p:nvSpPr>
+          <p:cNvPr id="10" name="Rectangle 9">
+            <a:extLst>
+              <a:ext uri="{FF2B5EF4-FFF2-40B4-BE49-F238E27FC236}">
+                <a16:creationId xmlns:a16="http://schemas.microsoft.com/office/drawing/2014/main" id="{B912F6C7-0423-4B6F-AECE-710C848918FD}"/>
+              </a:ext>
+              <a:ext uri="{C183D7F6-B498-43B3-948B-1728B52AA6E4}">
+                <adec:decorative xmlns:adec="http://schemas.microsoft.com/office/drawing/2017/decorative" val="1"/>
+              </a:ext>
+            </a:extLst>
+          </p:cNvPr>
+          <p:cNvSpPr>
+            <a:spLocks noGrp="1" noRot="1" noChangeAspect="1" noMove="1" noResize="1" noEditPoints="1" noAdjustHandles="1" noChangeArrowheads="1" noChangeShapeType="1" noTextEdit="1"/>
+          </p:cNvSpPr>
+          <p:nvPr>
+            <p:extLst>
+              <p:ext uri="{386F3935-93C4-4BCD-93E2-E3B085C9AB24}">
+                <p16:designElem xmlns:p16="http://schemas.microsoft.com/office/powerpoint/2015/main" val="1"/>
+              </p:ext>
+            </p:extLst>
+          </p:nvPr>
+        </p:nvSpPr>
+        <p:spPr>
+          <a:xfrm rot="5400000" flipH="1">
+            <a:off x="1084904" y="2396848"/>
+            <a:ext cx="5143500" cy="349805"/>
+          </a:xfrm>
+          <a:prstGeom prst="rect">
+            <a:avLst/>
+          </a:prstGeom>
+          <a:gradFill>
+            <a:gsLst>
+              <a:gs pos="0">
+                <a:srgbClr val="363D46">
+                  <a:alpha val="0"/>
+                </a:srgbClr>
+              </a:gs>
+              <a:gs pos="100000">
+                <a:srgbClr val="363D46">
+                  <a:lumMod val="75000"/>
+                </a:srgbClr>
+              </a:gs>
+            </a:gsLst>
+            <a:lin ang="5400000" scaled="0"/>
+          </a:gradFill>
+          <a:ln>
+            <a:noFill/>
+          </a:ln>
+          <a:effectLst/>
+        </p:spPr>
+        <p:style>
+          <a:lnRef idx="2">
+            <a:schemeClr val="accent1">
+              <a:shade val="50000"/>
+            </a:schemeClr>
+          </a:lnRef>
+          <a:fillRef idx="1">
+            <a:schemeClr val="accent1"/>
+          </a:fillRef>
+          <a:effectRef idx="0">
+            <a:schemeClr val="accent1"/>
+          </a:effectRef>
+          <a:fontRef idx="minor">
+            <a:schemeClr val="lt1"/>
+          </a:fontRef>
+        </p:style>
+        <p:txBody>
+          <a:bodyPr rot="0" spcFirstLastPara="0" vertOverflow="overflow" horzOverflow="overflow" vert="horz" wrap="square" lIns="91440" tIns="45720" rIns="91440" bIns="45720" numCol="1" spcCol="0" rtlCol="0" fromWordArt="0" anchor="ctr" anchorCtr="0" forceAA="0" compatLnSpc="1">
+            <a:prstTxWarp prst="textNoShape">
+              <a:avLst/>
+            </a:prstTxWarp>
+            <a:noAutofit/>
+          </a:bodyPr>
+          <a:lstStyle/>
+          <a:p>
+            <a:pPr algn="ctr"/>
+            <a:endParaRPr lang="en-US"/>
+          </a:p>
+        </p:txBody>
+      </p:sp>
+      <p:cxnSp>
+        <p:nvCxnSpPr>
+          <p:cNvPr id="12" name="Straight Connector 11">
+            <a:extLst>
+              <a:ext uri="{FF2B5EF4-FFF2-40B4-BE49-F238E27FC236}">
+                <a16:creationId xmlns:a16="http://schemas.microsoft.com/office/drawing/2014/main" id="{A7208205-03EE-4EC8-9C34-59270C1880D8}"/>
+              </a:ext>
+              <a:ext uri="{C183D7F6-B498-43B3-948B-1728B52AA6E4}">
+                <adec:decorative xmlns:adec="http://schemas.microsoft.com/office/drawing/2017/decorative" val="1"/>
+              </a:ext>
+            </a:extLst>
+          </p:cNvPr>
+          <p:cNvCxnSpPr>
+            <a:cxnSpLocks noGrp="1" noRot="1" noChangeAspect="1" noMove="1" noResize="1" noEditPoints="1" noAdjustHandles="1" noChangeArrowheads="1" noChangeShapeType="1"/>
+          </p:cNvCxnSpPr>
+          <p:nvPr>
+            <p:extLst>
+              <p:ext uri="{386F3935-93C4-4BCD-93E2-E3B085C9AB24}">
+                <p16:designElem xmlns:p16="http://schemas.microsoft.com/office/powerpoint/2015/main" val="1"/>
+              </p:ext>
+            </p:extLst>
+          </p:nvPr>
+        </p:nvCxnSpPr>
+        <p:spPr>
+          <a:xfrm>
+            <a:off x="3481752" y="0"/>
+            <a:ext cx="0" cy="5143500"/>
+          </a:xfrm>
+          <a:prstGeom prst="line">
+            <a:avLst/>
+          </a:prstGeom>
+          <a:solidFill>
+            <a:srgbClr val="FFFFFF"/>
+          </a:solidFill>
+          <a:ln w="38100" cap="flat">
+            <a:gradFill flip="none" rotWithShape="1">
+              <a:gsLst>
+                <a:gs pos="0">
+                  <a:srgbClr val="363D46"/>
+                </a:gs>
+                <a:gs pos="100000">
+                  <a:srgbClr val="363D46">
+                    <a:lumMod val="75000"/>
+                  </a:srgbClr>
+                </a:gs>
+              </a:gsLst>
+              <a:lin ang="5400000" scaled="0"/>
+              <a:tileRect/>
+            </a:gradFill>
+            <a:miter lim="800000"/>
+          </a:ln>
+          <a:effectLst>
+            <a:innerShdw blurRad="57150" dist="38100" dir="14460000">
+              <a:srgbClr val="000000">
+                <a:alpha val="70000"/>
+              </a:srgbClr>
+            </a:innerShdw>
+          </a:effectLst>
+        </p:spPr>
+        <p:style>
+          <a:lnRef idx="2">
+            <a:schemeClr val="accent1">
+              <a:shade val="50000"/>
+            </a:schemeClr>
+          </a:lnRef>
+          <a:fillRef idx="1">
+            <a:schemeClr val="accent1"/>
+          </a:fillRef>
+          <a:effectRef idx="0">
+            <a:schemeClr val="accent1"/>
+          </a:effectRef>
+          <a:fontRef idx="minor">
+            <a:schemeClr val="lt1"/>
+          </a:fontRef>
+        </p:style>
+      </p:cxnSp>
+      <p:sp>
+        <p:nvSpPr>
+          <p:cNvPr id="3" name="Textplatzhalter 2">
+            <a:extLst>
+              <a:ext uri="{FF2B5EF4-FFF2-40B4-BE49-F238E27FC236}">
+                <a16:creationId xmlns:a16="http://schemas.microsoft.com/office/drawing/2014/main" id="{5D1DFE7F-592D-4273-BA36-B0501C84D1AE}"/>
+              </a:ext>
+            </a:extLst>
+          </p:cNvPr>
+          <p:cNvSpPr>
+            <a:spLocks noGrp="1"/>
+          </p:cNvSpPr>
+          <p:nvPr>
+            <p:ph type="body" idx="1"/>
+          </p:nvPr>
+        </p:nvSpPr>
+        <p:spPr>
+          <a:xfrm>
+            <a:off x="3964351" y="0"/>
+            <a:ext cx="4690313" cy="5496253"/>
+          </a:xfrm>
+        </p:spPr>
+        <p:txBody>
+          <a:bodyPr vert="horz" lIns="91440" tIns="45720" rIns="91440" bIns="45720" rtlCol="0" anchor="ctr">
+            <a:noAutofit/>
+          </a:bodyPr>
+          <a:lstStyle/>
+          <a:p>
+            <a:pPr indent="-457200" defTabSz="457200">
+              <a:spcBef>
+                <a:spcPct val="20000"/>
+              </a:spcBef>
+              <a:spcAft>
+                <a:spcPts val="600"/>
+              </a:spcAft>
+              <a:buSzPct val="100000"/>
+              <a:buFont typeface="Arial"/>
+              <a:buChar char="•"/>
+            </a:pPr>
+            <a:r>
+              <a:rPr lang="en-US" sz="2200" dirty="0">
+                <a:solidFill>
+                  <a:schemeClr val="tx1"/>
+                </a:solidFill>
+              </a:rPr>
+              <a:t>Motivation</a:t>
+            </a:r>
+          </a:p>
+          <a:p>
+            <a:pPr indent="-457200" defTabSz="457200">
+              <a:spcBef>
+                <a:spcPct val="20000"/>
+              </a:spcBef>
+              <a:spcAft>
+                <a:spcPts val="600"/>
+              </a:spcAft>
+              <a:buSzPct val="100000"/>
+              <a:buFont typeface="Arial"/>
+              <a:buChar char="•"/>
+            </a:pPr>
+            <a:r>
+              <a:rPr lang="en-US" sz="2200" dirty="0">
+                <a:solidFill>
+                  <a:schemeClr val="tx1"/>
+                </a:solidFill>
+              </a:rPr>
+              <a:t>Current implementation</a:t>
+            </a:r>
+          </a:p>
+          <a:p>
+            <a:pPr lvl="1" indent="-457200" defTabSz="457200">
+              <a:spcBef>
+                <a:spcPct val="20000"/>
+              </a:spcBef>
+              <a:spcAft>
+                <a:spcPts val="600"/>
+              </a:spcAft>
+              <a:buSzPct val="100000"/>
+              <a:buFont typeface="Arial"/>
+              <a:buChar char="•"/>
+            </a:pPr>
+            <a:r>
+              <a:rPr lang="en-US" sz="2000" dirty="0">
+                <a:solidFill>
+                  <a:schemeClr val="tx1"/>
+                </a:solidFill>
+              </a:rPr>
+              <a:t>Household processing unit</a:t>
+            </a:r>
+            <a:endParaRPr lang="en-US" sz="2050" dirty="0">
+              <a:solidFill>
+                <a:schemeClr val="tx1"/>
+              </a:solidFill>
+            </a:endParaRPr>
+          </a:p>
+          <a:p>
+            <a:pPr lvl="1" indent="-457200" defTabSz="457200">
+              <a:spcBef>
+                <a:spcPct val="20000"/>
+              </a:spcBef>
+              <a:spcAft>
+                <a:spcPts val="600"/>
+              </a:spcAft>
+              <a:buSzPct val="100000"/>
+              <a:buFont typeface="Arial"/>
+              <a:buChar char="•"/>
+            </a:pPr>
+            <a:r>
+              <a:rPr lang="en-US" sz="2200" dirty="0">
+                <a:solidFill>
+                  <a:schemeClr val="tx1"/>
+                </a:solidFill>
+              </a:rPr>
+              <a:t>Blockchain </a:t>
+            </a:r>
+          </a:p>
+          <a:p>
+            <a:pPr lvl="1" indent="-457200" defTabSz="457200">
+              <a:spcBef>
+                <a:spcPct val="20000"/>
+              </a:spcBef>
+              <a:spcAft>
+                <a:spcPts val="600"/>
+              </a:spcAft>
+              <a:buSzPct val="100000"/>
+              <a:buFont typeface="Arial"/>
+              <a:buChar char="•"/>
+            </a:pPr>
+            <a:r>
+              <a:rPr lang="en-US" sz="2200" dirty="0" err="1">
+                <a:solidFill>
+                  <a:schemeClr val="tx1"/>
+                </a:solidFill>
+              </a:rPr>
+              <a:t>dUtility</a:t>
+            </a:r>
+            <a:r>
+              <a:rPr lang="en-US" sz="2200" dirty="0">
+                <a:solidFill>
+                  <a:schemeClr val="tx1"/>
+                </a:solidFill>
+              </a:rPr>
+              <a:t> contract </a:t>
+            </a:r>
+          </a:p>
+          <a:p>
+            <a:pPr indent="-457200" defTabSz="457200">
+              <a:spcBef>
+                <a:spcPct val="20000"/>
+              </a:spcBef>
+              <a:spcAft>
+                <a:spcPts val="600"/>
+              </a:spcAft>
+              <a:buSzPct val="100000"/>
+              <a:buFont typeface="Arial"/>
+              <a:buChar char="•"/>
+            </a:pPr>
+            <a:r>
+              <a:rPr lang="en-US" sz="2350" dirty="0">
+                <a:solidFill>
+                  <a:schemeClr val="tx1"/>
+                </a:solidFill>
+              </a:rPr>
+              <a:t>Live demo</a:t>
+            </a:r>
+          </a:p>
+          <a:p>
+            <a:pPr indent="-457200" defTabSz="457200">
+              <a:spcBef>
+                <a:spcPct val="20000"/>
+              </a:spcBef>
+              <a:spcAft>
+                <a:spcPts val="600"/>
+              </a:spcAft>
+              <a:buSzPct val="100000"/>
+              <a:buFont typeface="Arial"/>
+              <a:buChar char="•"/>
+            </a:pPr>
+            <a:r>
+              <a:rPr lang="en-US" sz="2350" dirty="0">
+                <a:solidFill>
+                  <a:schemeClr val="tx1"/>
+                </a:solidFill>
+              </a:rPr>
+              <a:t>Evaluation</a:t>
+            </a:r>
+          </a:p>
+          <a:p>
+            <a:pPr indent="-457200" defTabSz="457200">
+              <a:spcBef>
+                <a:spcPct val="20000"/>
+              </a:spcBef>
+              <a:spcAft>
+                <a:spcPts val="600"/>
+              </a:spcAft>
+              <a:buSzPct val="100000"/>
+              <a:buFont typeface="Arial"/>
+              <a:buChar char="•"/>
+            </a:pPr>
+            <a:r>
+              <a:rPr lang="en-US" sz="2200" dirty="0">
+                <a:solidFill>
+                  <a:schemeClr val="tx1"/>
+                </a:solidFill>
+              </a:rPr>
+              <a:t>Next steps</a:t>
+            </a:r>
+          </a:p>
+          <a:p>
+            <a:pPr defTabSz="457200">
+              <a:spcBef>
+                <a:spcPct val="20000"/>
+              </a:spcBef>
+              <a:spcAft>
+                <a:spcPts val="600"/>
+              </a:spcAft>
+              <a:buSzPct val="100000"/>
+              <a:buFont typeface="Arial"/>
+              <a:buChar char="•"/>
+            </a:pPr>
+            <a:endParaRPr lang="en-US" sz="2200" dirty="0">
+              <a:solidFill>
+                <a:schemeClr val="tx1"/>
+              </a:solidFill>
+            </a:endParaRPr>
+          </a:p>
+        </p:txBody>
+      </p:sp>
+    </p:spTree>
+    <p:extLst>
+      <p:ext uri="{BB962C8B-B14F-4D97-AF65-F5344CB8AC3E}">
+        <p14:creationId xmlns:p14="http://schemas.microsoft.com/office/powerpoint/2010/main" val="4106116604"/>
+      </p:ext>
+    </p:extLst>
+  </p:cSld>
+  <p:clrMapOvr>
+    <a:masterClrMapping/>
+  </p:clrMapOvr>
+  <mc:AlternateContent xmlns:mc="http://schemas.openxmlformats.org/markup-compatibility/2006" xmlns:p14="http://schemas.microsoft.com/office/powerpoint/2010/main">
+    <mc:Choice Requires="p14">
+      <p:transition spd="med" p14:dur="700">
+        <p:fade/>
+      </p:transition>
+    </mc:Choice>
+    <mc:Fallback xmlns="">
+      <p:transition spd="med">
+        <p:fade/>
+      </p:transition>
+    </mc:Fallback>
+  </mc:AlternateContent>
+  <p:timing>
+    <p:tnLst>
+      <p:par>
+        <p:cTn id="1" dur="indefinite" restart="never" nodeType="tmRoot">
+          <p:childTnLst>
+            <p:seq concurrent="1" nextAc="seek">
+              <p:cTn id="2" dur="indefinite" nodeType="mainSeq">
+                <p:childTnLst>
+                  <p:par>
+                    <p:cTn id="3" fill="hold">
+                      <p:stCondLst>
+                        <p:cond delay="indefinite"/>
+                      </p:stCondLst>
+                      <p:childTnLst>
+                        <p:par>
+                          <p:cTn id="4" fill="hold">
+                            <p:stCondLst>
+                              <p:cond delay="0"/>
+                            </p:stCondLst>
+                            <p:childTnLst>
+                              <p:par>
+                                <p:cTn id="5" presetID="10" presetClass="entr" presetSubtype="0" fill="hold" grpId="0" nodeType="clickEffect">
+                                  <p:stCondLst>
+                                    <p:cond delay="0"/>
+                                  </p:stCondLst>
+                                  <p:childTnLst>
+                                    <p:set>
+                                      <p:cBhvr>
+                                        <p:cTn id="6" dur="1" fill="hold">
+                                          <p:stCondLst>
+                                            <p:cond delay="0"/>
+                                          </p:stCondLst>
+                                        </p:cTn>
+                                        <p:tgtEl>
+                                          <p:spTgt spid="3">
+                                            <p:txEl>
+                                              <p:pRg st="0" end="0"/>
+                                            </p:txEl>
+                                          </p:spTgt>
+                                        </p:tgtEl>
+                                        <p:attrNameLst>
+                                          <p:attrName>style.visibility</p:attrName>
+                                        </p:attrNameLst>
+                                      </p:cBhvr>
+                                      <p:to>
+                                        <p:strVal val="visible"/>
+                                      </p:to>
+                                    </p:set>
+                                    <p:animEffect transition="in" filter="fade">
+                                      <p:cBhvr>
+                                        <p:cTn id="7" dur="500"/>
+                                        <p:tgtEl>
+                                          <p:spTgt spid="3">
+                                            <p:txEl>
+                                              <p:pRg st="0" end="0"/>
+                                            </p:txEl>
+                                          </p:spTgt>
+                                        </p:tgtEl>
+                                      </p:cBhvr>
+                                    </p:animEffect>
+                                  </p:childTnLst>
+                                </p:cTn>
+                              </p:par>
+                            </p:childTnLst>
+                          </p:cTn>
+                        </p:par>
+                      </p:childTnLst>
+                    </p:cTn>
+                  </p:par>
+                  <p:par>
+                    <p:cTn id="8" fill="hold">
+                      <p:stCondLst>
+                        <p:cond delay="indefinite"/>
+                      </p:stCondLst>
+                      <p:childTnLst>
+                        <p:par>
+                          <p:cTn id="9" fill="hold">
+                            <p:stCondLst>
+                              <p:cond delay="0"/>
+                            </p:stCondLst>
+                            <p:childTnLst>
+                              <p:par>
+                                <p:cTn id="10" presetID="10" presetClass="entr" presetSubtype="0" fill="hold" grpId="0" nodeType="clickEffect">
+                                  <p:stCondLst>
+                                    <p:cond delay="0"/>
+                                  </p:stCondLst>
+                                  <p:childTnLst>
+                                    <p:set>
+                                      <p:cBhvr>
+                                        <p:cTn id="11" dur="1" fill="hold">
+                                          <p:stCondLst>
+                                            <p:cond delay="0"/>
+                                          </p:stCondLst>
+                                        </p:cTn>
+                                        <p:tgtEl>
+                                          <p:spTgt spid="3">
+                                            <p:txEl>
+                                              <p:pRg st="1" end="1"/>
+                                            </p:txEl>
+                                          </p:spTgt>
+                                        </p:tgtEl>
+                                        <p:attrNameLst>
+                                          <p:attrName>style.visibility</p:attrName>
+                                        </p:attrNameLst>
+                                      </p:cBhvr>
+                                      <p:to>
+                                        <p:strVal val="visible"/>
+                                      </p:to>
+                                    </p:set>
+                                    <p:animEffect transition="in" filter="fade">
+                                      <p:cBhvr>
+                                        <p:cTn id="12" dur="500"/>
+                                        <p:tgtEl>
+                                          <p:spTgt spid="3">
+                                            <p:txEl>
+                                              <p:pRg st="1" end="1"/>
+                                            </p:txEl>
+                                          </p:spTgt>
+                                        </p:tgtEl>
+                                      </p:cBhvr>
+                                    </p:animEffect>
+                                  </p:childTnLst>
+                                </p:cTn>
+                              </p:par>
+                              <p:par>
+                                <p:cTn id="13" presetID="10" presetClass="entr" presetSubtype="0" fill="hold" grpId="0" nodeType="withEffect">
+                                  <p:stCondLst>
+                                    <p:cond delay="0"/>
+                                  </p:stCondLst>
+                                  <p:childTnLst>
+                                    <p:set>
+                                      <p:cBhvr>
+                                        <p:cTn id="14" dur="1" fill="hold">
+                                          <p:stCondLst>
+                                            <p:cond delay="0"/>
+                                          </p:stCondLst>
+                                        </p:cTn>
+                                        <p:tgtEl>
+                                          <p:spTgt spid="3">
+                                            <p:txEl>
+                                              <p:pRg st="2" end="2"/>
+                                            </p:txEl>
+                                          </p:spTgt>
+                                        </p:tgtEl>
+                                        <p:attrNameLst>
+                                          <p:attrName>style.visibility</p:attrName>
+                                        </p:attrNameLst>
+                                      </p:cBhvr>
+                                      <p:to>
+                                        <p:strVal val="visible"/>
+                                      </p:to>
+                                    </p:set>
+                                    <p:animEffect transition="in" filter="fade">
+                                      <p:cBhvr>
+                                        <p:cTn id="15" dur="500"/>
+                                        <p:tgtEl>
+                                          <p:spTgt spid="3">
+                                            <p:txEl>
+                                              <p:pRg st="2" end="2"/>
+                                            </p:txEl>
+                                          </p:spTgt>
+                                        </p:tgtEl>
+                                      </p:cBhvr>
+                                    </p:animEffect>
+                                  </p:childTnLst>
+                                </p:cTn>
+                              </p:par>
+                              <p:par>
+                                <p:cTn id="16" presetID="10" presetClass="entr" presetSubtype="0" fill="hold" grpId="0" nodeType="withEffect">
+                                  <p:stCondLst>
+                                    <p:cond delay="0"/>
+                                  </p:stCondLst>
+                                  <p:childTnLst>
+                                    <p:set>
+                                      <p:cBhvr>
+                                        <p:cTn id="17" dur="1" fill="hold">
+                                          <p:stCondLst>
+                                            <p:cond delay="0"/>
+                                          </p:stCondLst>
+                                        </p:cTn>
+                                        <p:tgtEl>
+                                          <p:spTgt spid="3">
+                                            <p:txEl>
+                                              <p:pRg st="3" end="3"/>
+                                            </p:txEl>
+                                          </p:spTgt>
+                                        </p:tgtEl>
+                                        <p:attrNameLst>
+                                          <p:attrName>style.visibility</p:attrName>
+                                        </p:attrNameLst>
+                                      </p:cBhvr>
+                                      <p:to>
+                                        <p:strVal val="visible"/>
+                                      </p:to>
+                                    </p:set>
+                                    <p:animEffect transition="in" filter="fade">
+                                      <p:cBhvr>
+                                        <p:cTn id="18" dur="500"/>
+                                        <p:tgtEl>
+                                          <p:spTgt spid="3">
+                                            <p:txEl>
+                                              <p:pRg st="3" end="3"/>
+                                            </p:txEl>
+                                          </p:spTgt>
+                                        </p:tgtEl>
+                                      </p:cBhvr>
+                                    </p:animEffect>
+                                  </p:childTnLst>
+                                </p:cTn>
+                              </p:par>
+                              <p:par>
+                                <p:cTn id="19" presetID="10" presetClass="entr" presetSubtype="0" fill="hold" grpId="0" nodeType="withEffect">
+                                  <p:stCondLst>
+                                    <p:cond delay="0"/>
+                                  </p:stCondLst>
+                                  <p:childTnLst>
+                                    <p:set>
+                                      <p:cBhvr>
+                                        <p:cTn id="20" dur="1" fill="hold">
+                                          <p:stCondLst>
+                                            <p:cond delay="0"/>
+                                          </p:stCondLst>
+                                        </p:cTn>
+                                        <p:tgtEl>
+                                          <p:spTgt spid="3">
+                                            <p:txEl>
+                                              <p:pRg st="4" end="4"/>
+                                            </p:txEl>
+                                          </p:spTgt>
+                                        </p:tgtEl>
+                                        <p:attrNameLst>
+                                          <p:attrName>style.visibility</p:attrName>
+                                        </p:attrNameLst>
+                                      </p:cBhvr>
+                                      <p:to>
+                                        <p:strVal val="visible"/>
+                                      </p:to>
+                                    </p:set>
+                                    <p:animEffect transition="in" filter="fade">
+                                      <p:cBhvr>
+                                        <p:cTn id="21" dur="500"/>
+                                        <p:tgtEl>
+                                          <p:spTgt spid="3">
+                                            <p:txEl>
+                                              <p:pRg st="4" end="4"/>
+                                            </p:txEl>
+                                          </p:spTgt>
+                                        </p:tgtEl>
+                                      </p:cBhvr>
+                                    </p:animEffect>
+                                  </p:childTnLst>
+                                </p:cTn>
+                              </p:par>
+                            </p:childTnLst>
+                          </p:cTn>
+                        </p:par>
+                      </p:childTnLst>
+                    </p:cTn>
+                  </p:par>
+                  <p:par>
+                    <p:cTn id="22" fill="hold">
+                      <p:stCondLst>
+                        <p:cond delay="indefinite"/>
+                      </p:stCondLst>
+                      <p:childTnLst>
+                        <p:par>
+                          <p:cTn id="23" fill="hold">
+                            <p:stCondLst>
+                              <p:cond delay="0"/>
+                            </p:stCondLst>
+                            <p:childTnLst>
+                              <p:par>
+                                <p:cTn id="24" presetID="10" presetClass="entr" presetSubtype="0" fill="hold" grpId="0" nodeType="clickEffect">
+                                  <p:stCondLst>
+                                    <p:cond delay="0"/>
+                                  </p:stCondLst>
+                                  <p:childTnLst>
+                                    <p:set>
+                                      <p:cBhvr>
+                                        <p:cTn id="25" dur="1" fill="hold">
+                                          <p:stCondLst>
+                                            <p:cond delay="0"/>
+                                          </p:stCondLst>
+                                        </p:cTn>
+                                        <p:tgtEl>
+                                          <p:spTgt spid="3">
+                                            <p:txEl>
+                                              <p:pRg st="5" end="5"/>
+                                            </p:txEl>
+                                          </p:spTgt>
+                                        </p:tgtEl>
+                                        <p:attrNameLst>
+                                          <p:attrName>style.visibility</p:attrName>
+                                        </p:attrNameLst>
+                                      </p:cBhvr>
+                                      <p:to>
+                                        <p:strVal val="visible"/>
+                                      </p:to>
+                                    </p:set>
+                                    <p:animEffect transition="in" filter="fade">
+                                      <p:cBhvr>
+                                        <p:cTn id="26" dur="500"/>
+                                        <p:tgtEl>
+                                          <p:spTgt spid="3">
+                                            <p:txEl>
+                                              <p:pRg st="5" end="5"/>
+                                            </p:txEl>
+                                          </p:spTgt>
+                                        </p:tgtEl>
+                                      </p:cBhvr>
+                                    </p:animEffect>
+                                  </p:childTnLst>
+                                </p:cTn>
+                              </p:par>
+                            </p:childTnLst>
+                          </p:cTn>
+                        </p:par>
+                      </p:childTnLst>
+                    </p:cTn>
+                  </p:par>
+                  <p:par>
+                    <p:cTn id="27" fill="hold">
+                      <p:stCondLst>
+                        <p:cond delay="indefinite"/>
+                      </p:stCondLst>
+                      <p:childTnLst>
+                        <p:par>
+                          <p:cTn id="28" fill="hold">
+                            <p:stCondLst>
+                              <p:cond delay="0"/>
+                            </p:stCondLst>
+                            <p:childTnLst>
+                              <p:par>
+                                <p:cTn id="29" presetID="10" presetClass="entr" presetSubtype="0" fill="hold" grpId="0" nodeType="clickEffect">
+                                  <p:stCondLst>
+                                    <p:cond delay="0"/>
+                                  </p:stCondLst>
+                                  <p:childTnLst>
+                                    <p:set>
+                                      <p:cBhvr>
+                                        <p:cTn id="30" dur="1" fill="hold">
+                                          <p:stCondLst>
+                                            <p:cond delay="0"/>
+                                          </p:stCondLst>
+                                        </p:cTn>
+                                        <p:tgtEl>
+                                          <p:spTgt spid="3">
+                                            <p:txEl>
+                                              <p:pRg st="6" end="6"/>
+                                            </p:txEl>
+                                          </p:spTgt>
+                                        </p:tgtEl>
+                                        <p:attrNameLst>
+                                          <p:attrName>style.visibility</p:attrName>
+                                        </p:attrNameLst>
+                                      </p:cBhvr>
+                                      <p:to>
+                                        <p:strVal val="visible"/>
+                                      </p:to>
+                                    </p:set>
+                                    <p:animEffect transition="in" filter="fade">
+                                      <p:cBhvr>
+                                        <p:cTn id="31" dur="500"/>
+                                        <p:tgtEl>
+                                          <p:spTgt spid="3">
+                                            <p:txEl>
+                                              <p:pRg st="6" end="6"/>
+                                            </p:txEl>
+                                          </p:spTgt>
+                                        </p:tgtEl>
+                                      </p:cBhvr>
+                                    </p:animEffect>
+                                  </p:childTnLst>
+                                </p:cTn>
+                              </p:par>
+                            </p:childTnLst>
+                          </p:cTn>
+                        </p:par>
+                      </p:childTnLst>
+                    </p:cTn>
+                  </p:par>
+                  <p:par>
+                    <p:cTn id="32" fill="hold">
+                      <p:stCondLst>
+                        <p:cond delay="indefinite"/>
+                      </p:stCondLst>
+                      <p:childTnLst>
+                        <p:par>
+                          <p:cTn id="33" fill="hold">
+                            <p:stCondLst>
+                              <p:cond delay="0"/>
+                            </p:stCondLst>
+                            <p:childTnLst>
+                              <p:par>
+                                <p:cTn id="34" presetID="10" presetClass="entr" presetSubtype="0" fill="hold" grpId="0" nodeType="clickEffect">
+                                  <p:stCondLst>
+                                    <p:cond delay="0"/>
+                                  </p:stCondLst>
+                                  <p:childTnLst>
+                                    <p:set>
+                                      <p:cBhvr>
+                                        <p:cTn id="35" dur="1" fill="hold">
+                                          <p:stCondLst>
+                                            <p:cond delay="0"/>
+                                          </p:stCondLst>
+                                        </p:cTn>
+                                        <p:tgtEl>
+                                          <p:spTgt spid="3">
+                                            <p:txEl>
+                                              <p:pRg st="7" end="7"/>
+                                            </p:txEl>
+                                          </p:spTgt>
+                                        </p:tgtEl>
+                                        <p:attrNameLst>
+                                          <p:attrName>style.visibility</p:attrName>
+                                        </p:attrNameLst>
+                                      </p:cBhvr>
+                                      <p:to>
+                                        <p:strVal val="visible"/>
+                                      </p:to>
+                                    </p:set>
+                                    <p:animEffect transition="in" filter="fade">
+                                      <p:cBhvr>
+                                        <p:cTn id="36" dur="500"/>
+                                        <p:tgtEl>
+                                          <p:spTgt spid="3">
+                                            <p:txEl>
+                                              <p:pRg st="7" end="7"/>
+                                            </p:txEl>
+                                          </p:spTgt>
+                                        </p:tgtEl>
+                                      </p:cBhvr>
+                                    </p:animEffect>
+                                  </p:childTnLst>
+                                </p:cTn>
+                              </p:par>
+                            </p:childTnLst>
+                          </p:cTn>
+                        </p:par>
+                      </p:childTnLst>
+                    </p:cTn>
+                  </p:par>
+                </p:childTnLst>
+              </p:cTn>
+              <p:prevCondLst>
+                <p:cond evt="onPrev" delay="0">
+                  <p:tgtEl>
+                    <p:sldTgt/>
+                  </p:tgtEl>
+                </p:cond>
+              </p:prevCondLst>
+              <p:nextCondLst>
+                <p:cond evt="onNext" delay="0">
+                  <p:tgtEl>
+                    <p:sldTgt/>
+                  </p:tgtEl>
+                </p:cond>
+              </p:nextCondLst>
+            </p:seq>
+          </p:childTnLst>
+        </p:cTn>
+      </p:par>
+    </p:tnLst>
+    <p:bldLst>
+      <p:bldP spid="3" grpId="0" build="p"/>
+    </p:bldLst>
+  </p:timing>
+</p:sld>
+</file>
+
+<file path=ppt/slides/slide20.xml><?xml version="1.0" encoding="utf-8"?>
 <p:sld xmlns:a="http://schemas.openxmlformats.org/drawingml/2006/main" xmlns:r="http://schemas.openxmlformats.org/officeDocument/2006/relationships" xmlns:p="http://schemas.openxmlformats.org/presentationml/2006/main">
   <p:cSld>
     <p:spTree>
@@ -25754,6 +24737,838 @@
       </p:transition>
     </mc:Fallback>
   </mc:AlternateContent>
+</p:sld>
+</file>
+
+<file path=ppt/slides/slide21.xml><?xml version="1.0" encoding="utf-8"?>
+<p:sld xmlns:a="http://schemas.openxmlformats.org/drawingml/2006/main" xmlns:r="http://schemas.openxmlformats.org/officeDocument/2006/relationships" xmlns:p="http://schemas.openxmlformats.org/presentationml/2006/main" show="0">
+  <p:cSld>
+    <p:spTree>
+      <p:nvGrpSpPr>
+        <p:cNvPr id="1" name=""/>
+        <p:cNvGrpSpPr/>
+        <p:nvPr/>
+      </p:nvGrpSpPr>
+      <p:grpSpPr>
+        <a:xfrm>
+          <a:off x="0" y="0"/>
+          <a:ext cx="0" cy="0"/>
+          <a:chOff x="0" y="0"/>
+          <a:chExt cx="0" cy="0"/>
+        </a:xfrm>
+      </p:grpSpPr>
+      <p:sp>
+        <p:nvSpPr>
+          <p:cNvPr id="2" name="Titel 1"/>
+          <p:cNvSpPr>
+            <a:spLocks noGrp="1"/>
+          </p:cNvSpPr>
+          <p:nvPr>
+            <p:ph type="title"/>
+          </p:nvPr>
+        </p:nvSpPr>
+        <p:spPr/>
+        <p:txBody>
+          <a:bodyPr>
+            <a:normAutofit/>
+          </a:bodyPr>
+          <a:lstStyle/>
+          <a:p>
+            <a:r>
+              <a:rPr lang="de-DE" dirty="0"/>
+              <a:t>Household </a:t>
+            </a:r>
+            <a:r>
+              <a:rPr lang="de-DE" dirty="0" err="1"/>
+              <a:t>processing</a:t>
+            </a:r>
+            <a:r>
+              <a:rPr lang="de-DE" dirty="0"/>
+              <a:t> Unit</a:t>
+            </a:r>
+          </a:p>
+        </p:txBody>
+      </p:sp>
+      <p:sp>
+        <p:nvSpPr>
+          <p:cNvPr id="5" name="Textfeld 4">
+            <a:extLst>
+              <a:ext uri="{FF2B5EF4-FFF2-40B4-BE49-F238E27FC236}">
+                <a16:creationId xmlns:a16="http://schemas.microsoft.com/office/drawing/2014/main" id="{A9886561-8B74-4B06-B354-65CBF433D7A7}"/>
+              </a:ext>
+            </a:extLst>
+          </p:cNvPr>
+          <p:cNvSpPr txBox="1"/>
+          <p:nvPr/>
+        </p:nvSpPr>
+        <p:spPr>
+          <a:xfrm>
+            <a:off x="311700" y="1017725"/>
+            <a:ext cx="3755853" cy="3416320"/>
+          </a:xfrm>
+          <a:prstGeom prst="rect">
+            <a:avLst/>
+          </a:prstGeom>
+          <a:noFill/>
+        </p:spPr>
+        <p:txBody>
+          <a:bodyPr wrap="square" rtlCol="0">
+            <a:spAutoFit/>
+          </a:bodyPr>
+          <a:lstStyle/>
+          <a:p>
+            <a:pPr marL="285750" indent="-285750">
+              <a:lnSpc>
+                <a:spcPct val="200000"/>
+              </a:lnSpc>
+              <a:buFont typeface="Arial" panose="020B0604020202020204" pitchFamily="34" charset="0"/>
+              <a:buChar char="•"/>
+            </a:pPr>
+            <a:r>
+              <a:rPr lang="de-DE" dirty="0" err="1"/>
+              <a:t>NodeJS</a:t>
+            </a:r>
+            <a:r>
+              <a:rPr lang="de-DE" dirty="0"/>
+              <a:t> Server </a:t>
+            </a:r>
+            <a:r>
+              <a:rPr lang="de-DE" dirty="0" err="1"/>
+              <a:t>with</a:t>
+            </a:r>
+            <a:r>
+              <a:rPr lang="de-DE" dirty="0"/>
+              <a:t> Express.js</a:t>
+            </a:r>
+          </a:p>
+          <a:p>
+            <a:pPr marL="285750" indent="-285750">
+              <a:lnSpc>
+                <a:spcPct val="200000"/>
+              </a:lnSpc>
+              <a:buFont typeface="Arial" panose="020B0604020202020204" pitchFamily="34" charset="0"/>
+              <a:buChar char="•"/>
+            </a:pPr>
+            <a:r>
+              <a:rPr lang="de-DE" dirty="0"/>
+              <a:t>MongoDB </a:t>
+            </a:r>
+          </a:p>
+          <a:p>
+            <a:pPr marL="742950" lvl="1" indent="-285750">
+              <a:buFont typeface="Arial" panose="020B0604020202020204" pitchFamily="34" charset="0"/>
+              <a:buChar char="•"/>
+            </a:pPr>
+            <a:r>
+              <a:rPr lang="de-DE" dirty="0"/>
+              <a:t>Sensors Data</a:t>
+            </a:r>
+          </a:p>
+          <a:p>
+            <a:pPr marL="742950" lvl="1" indent="-285750">
+              <a:buFont typeface="Arial" panose="020B0604020202020204" pitchFamily="34" charset="0"/>
+              <a:buChar char="•"/>
+            </a:pPr>
+            <a:r>
+              <a:rPr lang="de-DE" dirty="0"/>
+              <a:t>Blockchain Data</a:t>
+            </a:r>
+          </a:p>
+          <a:p>
+            <a:pPr marL="285750" indent="-285750">
+              <a:lnSpc>
+                <a:spcPct val="200000"/>
+              </a:lnSpc>
+              <a:buFont typeface="Arial" panose="020B0604020202020204" pitchFamily="34" charset="0"/>
+              <a:buChar char="•"/>
+            </a:pPr>
+            <a:r>
+              <a:rPr lang="de-DE" dirty="0"/>
+              <a:t>User Interface</a:t>
+            </a:r>
+          </a:p>
+          <a:p>
+            <a:pPr marL="742950" lvl="1" indent="-285750">
+              <a:buFont typeface="Arial" panose="020B0604020202020204" pitchFamily="34" charset="0"/>
+              <a:buChar char="•"/>
+            </a:pPr>
+            <a:r>
+              <a:rPr lang="de-DE" dirty="0" err="1"/>
+              <a:t>Displaying</a:t>
+            </a:r>
+            <a:r>
+              <a:rPr lang="de-DE" dirty="0"/>
+              <a:t> Data</a:t>
+            </a:r>
+          </a:p>
+          <a:p>
+            <a:pPr marL="285750" indent="-285750">
+              <a:lnSpc>
+                <a:spcPct val="200000"/>
+              </a:lnSpc>
+              <a:buFont typeface="Arial" panose="020B0604020202020204" pitchFamily="34" charset="0"/>
+              <a:buChar char="•"/>
+            </a:pPr>
+            <a:r>
+              <a:rPr lang="de-DE" dirty="0"/>
+              <a:t>Parity Client</a:t>
+            </a:r>
+          </a:p>
+          <a:p>
+            <a:pPr marL="742950" lvl="1" indent="-285750">
+              <a:buFont typeface="Arial" panose="020B0604020202020204" pitchFamily="34" charset="0"/>
+              <a:buChar char="•"/>
+            </a:pPr>
+            <a:r>
+              <a:rPr lang="de-DE" dirty="0"/>
+              <a:t>Access </a:t>
+            </a:r>
+            <a:r>
+              <a:rPr lang="de-DE" dirty="0" err="1"/>
+              <a:t>to</a:t>
+            </a:r>
+            <a:r>
+              <a:rPr lang="de-DE" dirty="0"/>
+              <a:t> Blockchain</a:t>
+            </a:r>
+          </a:p>
+        </p:txBody>
+      </p:sp>
+      <p:sp>
+        <p:nvSpPr>
+          <p:cNvPr id="3" name="Foliennummernplatzhalter 2">
+            <a:extLst>
+              <a:ext uri="{FF2B5EF4-FFF2-40B4-BE49-F238E27FC236}">
+                <a16:creationId xmlns:a16="http://schemas.microsoft.com/office/drawing/2014/main" id="{ED54539F-0F30-45CD-9491-103C31E63055}"/>
+              </a:ext>
+            </a:extLst>
+          </p:cNvPr>
+          <p:cNvSpPr>
+            <a:spLocks noGrp="1"/>
+          </p:cNvSpPr>
+          <p:nvPr>
+            <p:ph type="sldNum" idx="12"/>
+          </p:nvPr>
+        </p:nvSpPr>
+        <p:spPr/>
+        <p:txBody>
+          <a:bodyPr/>
+          <a:lstStyle/>
+          <a:p>
+            <a:pPr marL="0" lvl="0" indent="0" algn="r" rtl="0">
+              <a:spcBef>
+                <a:spcPts val="0"/>
+              </a:spcBef>
+              <a:spcAft>
+                <a:spcPts val="0"/>
+              </a:spcAft>
+              <a:buNone/>
+            </a:pPr>
+            <a:fld id="{00000000-1234-1234-1234-123412341234}" type="slidenum">
+              <a:rPr lang="de-DE" smtClean="0"/>
+              <a:t>21</a:t>
+            </a:fld>
+            <a:endParaRPr lang="de-DE"/>
+          </a:p>
+        </p:txBody>
+      </p:sp>
+    </p:spTree>
+    <p:extLst>
+      <p:ext uri="{BB962C8B-B14F-4D97-AF65-F5344CB8AC3E}">
+        <p14:creationId xmlns:p14="http://schemas.microsoft.com/office/powerpoint/2010/main" val="3956796563"/>
+      </p:ext>
+    </p:extLst>
+  </p:cSld>
+  <p:clrMapOvr>
+    <a:masterClrMapping/>
+  </p:clrMapOvr>
+  <mc:AlternateContent xmlns:mc="http://schemas.openxmlformats.org/markup-compatibility/2006" xmlns:p14="http://schemas.microsoft.com/office/powerpoint/2010/main">
+    <mc:Choice Requires="p14">
+      <p:transition spd="med" p14:dur="700">
+        <p:fade/>
+      </p:transition>
+    </mc:Choice>
+    <mc:Fallback xmlns="">
+      <p:transition spd="med">
+        <p:fade/>
+      </p:transition>
+    </mc:Fallback>
+  </mc:AlternateContent>
+</p:sld>
+</file>
+
+<file path=ppt/slides/slide22.xml><?xml version="1.0" encoding="utf-8"?>
+<p:sld xmlns:a="http://schemas.openxmlformats.org/drawingml/2006/main" xmlns:r="http://schemas.openxmlformats.org/officeDocument/2006/relationships" xmlns:p="http://schemas.openxmlformats.org/presentationml/2006/main" show="0">
+  <p:cSld>
+    <p:spTree>
+      <p:nvGrpSpPr>
+        <p:cNvPr id="1" name=""/>
+        <p:cNvGrpSpPr/>
+        <p:nvPr/>
+      </p:nvGrpSpPr>
+      <p:grpSpPr>
+        <a:xfrm>
+          <a:off x="0" y="0"/>
+          <a:ext cx="0" cy="0"/>
+          <a:chOff x="0" y="0"/>
+          <a:chExt cx="0" cy="0"/>
+        </a:xfrm>
+      </p:grpSpPr>
+      <p:sp>
+        <p:nvSpPr>
+          <p:cNvPr id="2" name="Titel 1"/>
+          <p:cNvSpPr>
+            <a:spLocks noGrp="1"/>
+          </p:cNvSpPr>
+          <p:nvPr>
+            <p:ph type="title"/>
+          </p:nvPr>
+        </p:nvSpPr>
+        <p:spPr/>
+        <p:txBody>
+          <a:bodyPr>
+            <a:normAutofit/>
+          </a:bodyPr>
+          <a:lstStyle/>
+          <a:p>
+            <a:r>
+              <a:rPr lang="de-DE" dirty="0" err="1"/>
+              <a:t>Blockchain</a:t>
+            </a:r>
+            <a:endParaRPr lang="de-DE" dirty="0"/>
+          </a:p>
+        </p:txBody>
+      </p:sp>
+      <p:sp>
+        <p:nvSpPr>
+          <p:cNvPr id="5" name="Textfeld 4">
+            <a:extLst>
+              <a:ext uri="{FF2B5EF4-FFF2-40B4-BE49-F238E27FC236}">
+                <a16:creationId xmlns:a16="http://schemas.microsoft.com/office/drawing/2014/main" id="{A9886561-8B74-4B06-B354-65CBF433D7A7}"/>
+              </a:ext>
+            </a:extLst>
+          </p:cNvPr>
+          <p:cNvSpPr txBox="1"/>
+          <p:nvPr/>
+        </p:nvSpPr>
+        <p:spPr>
+          <a:xfrm>
+            <a:off x="311700" y="1017725"/>
+            <a:ext cx="8520600" cy="2585323"/>
+          </a:xfrm>
+          <a:prstGeom prst="rect">
+            <a:avLst/>
+          </a:prstGeom>
+          <a:noFill/>
+        </p:spPr>
+        <p:txBody>
+          <a:bodyPr wrap="square" rtlCol="0">
+            <a:spAutoFit/>
+          </a:bodyPr>
+          <a:lstStyle/>
+          <a:p>
+            <a:pPr marL="285750" indent="-285750">
+              <a:lnSpc>
+                <a:spcPct val="200000"/>
+              </a:lnSpc>
+              <a:buFont typeface="Arial" panose="020B0604020202020204" pitchFamily="34" charset="0"/>
+              <a:buChar char="•"/>
+            </a:pPr>
+            <a:r>
+              <a:rPr lang="de-DE" dirty="0"/>
+              <a:t>Ethereum Proof </a:t>
+            </a:r>
+            <a:r>
+              <a:rPr lang="de-DE" dirty="0" err="1"/>
+              <a:t>of</a:t>
+            </a:r>
+            <a:r>
+              <a:rPr lang="de-DE" dirty="0"/>
+              <a:t> Authority Blockchain</a:t>
+            </a:r>
+          </a:p>
+          <a:p>
+            <a:pPr marL="285750" indent="-285750">
+              <a:lnSpc>
+                <a:spcPct val="200000"/>
+              </a:lnSpc>
+              <a:buFont typeface="Arial" panose="020B0604020202020204" pitchFamily="34" charset="0"/>
+              <a:buChar char="•"/>
+            </a:pPr>
+            <a:r>
+              <a:rPr lang="de-DE" dirty="0" err="1"/>
+              <a:t>Built</a:t>
+            </a:r>
+            <a:r>
+              <a:rPr lang="de-DE" dirty="0"/>
+              <a:t> on Parity</a:t>
+            </a:r>
+          </a:p>
+          <a:p>
+            <a:pPr marL="285750" indent="-285750">
+              <a:lnSpc>
+                <a:spcPct val="200000"/>
+              </a:lnSpc>
+              <a:buFont typeface="Arial" panose="020B0604020202020204" pitchFamily="34" charset="0"/>
+              <a:buChar char="•"/>
+            </a:pPr>
+            <a:r>
+              <a:rPr lang="de-DE" dirty="0"/>
+              <a:t>Smart </a:t>
+            </a:r>
+            <a:r>
+              <a:rPr lang="de-DE" dirty="0" err="1"/>
+              <a:t>Contracts</a:t>
+            </a:r>
+            <a:endParaRPr lang="de-DE" dirty="0"/>
+          </a:p>
+          <a:p>
+            <a:pPr marL="742950" lvl="1" indent="-285750">
+              <a:buFont typeface="Arial" panose="020B0604020202020204" pitchFamily="34" charset="0"/>
+              <a:buChar char="•"/>
+            </a:pPr>
+            <a:r>
+              <a:rPr lang="de-DE" dirty="0" err="1"/>
+              <a:t>Validator</a:t>
+            </a:r>
+            <a:r>
+              <a:rPr lang="de-DE" dirty="0"/>
+              <a:t> Set</a:t>
+            </a:r>
+          </a:p>
+          <a:p>
+            <a:pPr marL="742950" lvl="1" indent="-285750">
+              <a:buFont typeface="Arial" panose="020B0604020202020204" pitchFamily="34" charset="0"/>
+              <a:buChar char="•"/>
+            </a:pPr>
+            <a:r>
+              <a:rPr lang="de-DE" dirty="0"/>
+              <a:t>Settlement</a:t>
+            </a:r>
+          </a:p>
+          <a:p>
+            <a:endParaRPr lang="de-DE" dirty="0"/>
+          </a:p>
+        </p:txBody>
+      </p:sp>
+      <p:sp>
+        <p:nvSpPr>
+          <p:cNvPr id="3" name="Foliennummernplatzhalter 2">
+            <a:extLst>
+              <a:ext uri="{FF2B5EF4-FFF2-40B4-BE49-F238E27FC236}">
+                <a16:creationId xmlns:a16="http://schemas.microsoft.com/office/drawing/2014/main" id="{A4E0C77F-EB33-490B-A0AE-CD2D9CADF4A6}"/>
+              </a:ext>
+            </a:extLst>
+          </p:cNvPr>
+          <p:cNvSpPr>
+            <a:spLocks noGrp="1"/>
+          </p:cNvSpPr>
+          <p:nvPr>
+            <p:ph type="sldNum" idx="12"/>
+          </p:nvPr>
+        </p:nvSpPr>
+        <p:spPr/>
+        <p:txBody>
+          <a:bodyPr/>
+          <a:lstStyle/>
+          <a:p>
+            <a:pPr marL="0" lvl="0" indent="0" algn="r" rtl="0">
+              <a:spcBef>
+                <a:spcPts val="0"/>
+              </a:spcBef>
+              <a:spcAft>
+                <a:spcPts val="0"/>
+              </a:spcAft>
+              <a:buNone/>
+            </a:pPr>
+            <a:fld id="{00000000-1234-1234-1234-123412341234}" type="slidenum">
+              <a:rPr lang="de-DE" smtClean="0"/>
+              <a:t>22</a:t>
+            </a:fld>
+            <a:endParaRPr lang="de-DE"/>
+          </a:p>
+        </p:txBody>
+      </p:sp>
+    </p:spTree>
+    <p:extLst>
+      <p:ext uri="{BB962C8B-B14F-4D97-AF65-F5344CB8AC3E}">
+        <p14:creationId xmlns:p14="http://schemas.microsoft.com/office/powerpoint/2010/main" val="3497537485"/>
+      </p:ext>
+    </p:extLst>
+  </p:cSld>
+  <p:clrMapOvr>
+    <a:masterClrMapping/>
+  </p:clrMapOvr>
+  <mc:AlternateContent xmlns:mc="http://schemas.openxmlformats.org/markup-compatibility/2006" xmlns:p14="http://schemas.microsoft.com/office/powerpoint/2010/main">
+    <mc:Choice Requires="p14">
+      <p:transition spd="med" p14:dur="700">
+        <p:fade/>
+      </p:transition>
+    </mc:Choice>
+    <mc:Fallback xmlns="">
+      <p:transition spd="med">
+        <p:fade/>
+      </p:transition>
+    </mc:Fallback>
+  </mc:AlternateContent>
+</p:sld>
+</file>
+
+<file path=ppt/slides/slide23.xml><?xml version="1.0" encoding="utf-8"?>
+<p:sld xmlns:a="http://schemas.openxmlformats.org/drawingml/2006/main" xmlns:r="http://schemas.openxmlformats.org/officeDocument/2006/relationships" xmlns:p="http://schemas.openxmlformats.org/presentationml/2006/main" show="0">
+  <p:cSld>
+    <p:spTree>
+      <p:nvGrpSpPr>
+        <p:cNvPr id="1" name=""/>
+        <p:cNvGrpSpPr/>
+        <p:nvPr/>
+      </p:nvGrpSpPr>
+      <p:grpSpPr>
+        <a:xfrm>
+          <a:off x="0" y="0"/>
+          <a:ext cx="0" cy="0"/>
+          <a:chOff x="0" y="0"/>
+          <a:chExt cx="0" cy="0"/>
+        </a:xfrm>
+      </p:grpSpPr>
+      <p:sp>
+        <p:nvSpPr>
+          <p:cNvPr id="2" name="Titel 1"/>
+          <p:cNvSpPr>
+            <a:spLocks noGrp="1"/>
+          </p:cNvSpPr>
+          <p:nvPr>
+            <p:ph type="title"/>
+          </p:nvPr>
+        </p:nvSpPr>
+        <p:spPr/>
+        <p:txBody>
+          <a:bodyPr>
+            <a:normAutofit/>
+          </a:bodyPr>
+          <a:lstStyle/>
+          <a:p>
+            <a:r>
+              <a:rPr lang="de-DE" dirty="0"/>
+              <a:t>Next </a:t>
+            </a:r>
+            <a:r>
+              <a:rPr lang="de-DE" dirty="0" err="1"/>
+              <a:t>Steps</a:t>
+            </a:r>
+            <a:endParaRPr lang="de-DE" dirty="0"/>
+          </a:p>
+        </p:txBody>
+      </p:sp>
+      <p:sp>
+        <p:nvSpPr>
+          <p:cNvPr id="5" name="Textfeld 4">
+            <a:extLst>
+              <a:ext uri="{FF2B5EF4-FFF2-40B4-BE49-F238E27FC236}">
+                <a16:creationId xmlns:a16="http://schemas.microsoft.com/office/drawing/2014/main" id="{A9886561-8B74-4B06-B354-65CBF433D7A7}"/>
+              </a:ext>
+            </a:extLst>
+          </p:cNvPr>
+          <p:cNvSpPr txBox="1"/>
+          <p:nvPr/>
+        </p:nvSpPr>
+        <p:spPr>
+          <a:xfrm>
+            <a:off x="311700" y="1017725"/>
+            <a:ext cx="8520600" cy="1113062"/>
+          </a:xfrm>
+          <a:prstGeom prst="rect">
+            <a:avLst/>
+          </a:prstGeom>
+          <a:noFill/>
+        </p:spPr>
+        <p:txBody>
+          <a:bodyPr wrap="square" rtlCol="0">
+            <a:spAutoFit/>
+          </a:bodyPr>
+          <a:lstStyle/>
+          <a:p>
+            <a:pPr marL="285750" indent="-285750">
+              <a:lnSpc>
+                <a:spcPct val="200000"/>
+              </a:lnSpc>
+              <a:buFont typeface="Arial" panose="020B0604020202020204" pitchFamily="34" charset="0"/>
+              <a:buChar char="•"/>
+            </a:pPr>
+            <a:r>
+              <a:rPr lang="de-DE" dirty="0" err="1"/>
+              <a:t>Signing</a:t>
+            </a:r>
+            <a:r>
+              <a:rPr lang="de-DE" dirty="0"/>
+              <a:t> </a:t>
+            </a:r>
+            <a:r>
+              <a:rPr lang="de-DE" dirty="0" err="1"/>
+              <a:t>the</a:t>
+            </a:r>
+            <a:r>
+              <a:rPr lang="de-DE" dirty="0"/>
+              <a:t> sensor-</a:t>
+            </a:r>
+            <a:r>
+              <a:rPr lang="de-DE" dirty="0" err="1"/>
+              <a:t>data</a:t>
+            </a:r>
+            <a:endParaRPr lang="de-DE" dirty="0"/>
+          </a:p>
+          <a:p>
+            <a:pPr marL="285750" indent="-285750">
+              <a:lnSpc>
+                <a:spcPct val="200000"/>
+              </a:lnSpc>
+              <a:buFont typeface="Arial" panose="020B0604020202020204" pitchFamily="34" charset="0"/>
+              <a:buChar char="•"/>
+            </a:pPr>
+            <a:r>
+              <a:rPr lang="de-DE" dirty="0" err="1"/>
+              <a:t>Make</a:t>
+            </a:r>
+            <a:r>
+              <a:rPr lang="de-DE" dirty="0"/>
+              <a:t> </a:t>
+            </a:r>
+            <a:r>
+              <a:rPr lang="de-DE" dirty="0" err="1"/>
+              <a:t>system</a:t>
+            </a:r>
+            <a:r>
+              <a:rPr lang="de-DE" dirty="0"/>
+              <a:t> </a:t>
+            </a:r>
+            <a:r>
+              <a:rPr lang="de-DE" dirty="0" err="1"/>
+              <a:t>privacy</a:t>
+            </a:r>
+            <a:r>
+              <a:rPr lang="de-DE" dirty="0"/>
+              <a:t> </a:t>
+            </a:r>
+            <a:r>
+              <a:rPr lang="de-DE" dirty="0" err="1"/>
+              <a:t>aware</a:t>
+            </a:r>
+            <a:endParaRPr lang="de-DE" dirty="0"/>
+          </a:p>
+        </p:txBody>
+      </p:sp>
+      <p:sp>
+        <p:nvSpPr>
+          <p:cNvPr id="3" name="Foliennummernplatzhalter 2">
+            <a:extLst>
+              <a:ext uri="{FF2B5EF4-FFF2-40B4-BE49-F238E27FC236}">
+                <a16:creationId xmlns:a16="http://schemas.microsoft.com/office/drawing/2014/main" id="{1B17E9E2-55D6-4740-9630-E6D323FB5D85}"/>
+              </a:ext>
+            </a:extLst>
+          </p:cNvPr>
+          <p:cNvSpPr>
+            <a:spLocks noGrp="1"/>
+          </p:cNvSpPr>
+          <p:nvPr>
+            <p:ph type="sldNum" idx="12"/>
+          </p:nvPr>
+        </p:nvSpPr>
+        <p:spPr/>
+        <p:txBody>
+          <a:bodyPr/>
+          <a:lstStyle/>
+          <a:p>
+            <a:pPr marL="0" lvl="0" indent="0" algn="r" rtl="0">
+              <a:spcBef>
+                <a:spcPts val="0"/>
+              </a:spcBef>
+              <a:spcAft>
+                <a:spcPts val="0"/>
+              </a:spcAft>
+              <a:buNone/>
+            </a:pPr>
+            <a:fld id="{00000000-1234-1234-1234-123412341234}" type="slidenum">
+              <a:rPr lang="de-DE" smtClean="0"/>
+              <a:t>23</a:t>
+            </a:fld>
+            <a:endParaRPr lang="de-DE"/>
+          </a:p>
+        </p:txBody>
+      </p:sp>
+    </p:spTree>
+    <p:extLst>
+      <p:ext uri="{BB962C8B-B14F-4D97-AF65-F5344CB8AC3E}">
+        <p14:creationId xmlns:p14="http://schemas.microsoft.com/office/powerpoint/2010/main" val="2366815486"/>
+      </p:ext>
+    </p:extLst>
+  </p:cSld>
+  <p:clrMapOvr>
+    <a:masterClrMapping/>
+  </p:clrMapOvr>
+  <mc:AlternateContent xmlns:mc="http://schemas.openxmlformats.org/markup-compatibility/2006" xmlns:p14="http://schemas.microsoft.com/office/powerpoint/2010/main">
+    <mc:Choice Requires="p14">
+      <p:transition spd="med" p14:dur="700">
+        <p:fade/>
+      </p:transition>
+    </mc:Choice>
+    <mc:Fallback xmlns="">
+      <p:transition spd="med">
+        <p:fade/>
+      </p:transition>
+    </mc:Fallback>
+  </mc:AlternateContent>
+  <p:timing>
+    <p:tnLst>
+      <p:par>
+        <p:cTn id="1" dur="indefinite" restart="never" nodeType="tmRoot">
+          <p:childTnLst>
+            <p:seq concurrent="1" nextAc="seek">
+              <p:cTn id="2" dur="indefinite" nodeType="mainSeq">
+                <p:childTnLst>
+                  <p:par>
+                    <p:cTn id="3" fill="hold">
+                      <p:stCondLst>
+                        <p:cond delay="indefinite"/>
+                      </p:stCondLst>
+                      <p:childTnLst>
+                        <p:par>
+                          <p:cTn id="4" fill="hold">
+                            <p:stCondLst>
+                              <p:cond delay="0"/>
+                            </p:stCondLst>
+                            <p:childTnLst>
+                              <p:par>
+                                <p:cTn id="5" presetID="10" presetClass="entr" presetSubtype="0" fill="hold" nodeType="clickEffect">
+                                  <p:stCondLst>
+                                    <p:cond delay="0"/>
+                                  </p:stCondLst>
+                                  <p:childTnLst>
+                                    <p:set>
+                                      <p:cBhvr>
+                                        <p:cTn id="6" dur="1" fill="hold">
+                                          <p:stCondLst>
+                                            <p:cond delay="0"/>
+                                          </p:stCondLst>
+                                        </p:cTn>
+                                        <p:tgtEl>
+                                          <p:spTgt spid="5">
+                                            <p:txEl>
+                                              <p:pRg st="0" end="0"/>
+                                            </p:txEl>
+                                          </p:spTgt>
+                                        </p:tgtEl>
+                                        <p:attrNameLst>
+                                          <p:attrName>style.visibility</p:attrName>
+                                        </p:attrNameLst>
+                                      </p:cBhvr>
+                                      <p:to>
+                                        <p:strVal val="visible"/>
+                                      </p:to>
+                                    </p:set>
+                                    <p:animEffect transition="in" filter="fade">
+                                      <p:cBhvr>
+                                        <p:cTn id="7" dur="500"/>
+                                        <p:tgtEl>
+                                          <p:spTgt spid="5">
+                                            <p:txEl>
+                                              <p:pRg st="0" end="0"/>
+                                            </p:txEl>
+                                          </p:spTgt>
+                                        </p:tgtEl>
+                                      </p:cBhvr>
+                                    </p:animEffect>
+                                  </p:childTnLst>
+                                </p:cTn>
+                              </p:par>
+                            </p:childTnLst>
+                          </p:cTn>
+                        </p:par>
+                      </p:childTnLst>
+                    </p:cTn>
+                  </p:par>
+                  <p:par>
+                    <p:cTn id="8" fill="hold">
+                      <p:stCondLst>
+                        <p:cond delay="indefinite"/>
+                      </p:stCondLst>
+                      <p:childTnLst>
+                        <p:par>
+                          <p:cTn id="9" fill="hold">
+                            <p:stCondLst>
+                              <p:cond delay="0"/>
+                            </p:stCondLst>
+                            <p:childTnLst>
+                              <p:par>
+                                <p:cTn id="10" presetID="10" presetClass="entr" presetSubtype="0" fill="hold" nodeType="clickEffect">
+                                  <p:stCondLst>
+                                    <p:cond delay="0"/>
+                                  </p:stCondLst>
+                                  <p:childTnLst>
+                                    <p:set>
+                                      <p:cBhvr>
+                                        <p:cTn id="11" dur="1" fill="hold">
+                                          <p:stCondLst>
+                                            <p:cond delay="0"/>
+                                          </p:stCondLst>
+                                        </p:cTn>
+                                        <p:tgtEl>
+                                          <p:spTgt spid="5">
+                                            <p:txEl>
+                                              <p:pRg st="1" end="1"/>
+                                            </p:txEl>
+                                          </p:spTgt>
+                                        </p:tgtEl>
+                                        <p:attrNameLst>
+                                          <p:attrName>style.visibility</p:attrName>
+                                        </p:attrNameLst>
+                                      </p:cBhvr>
+                                      <p:to>
+                                        <p:strVal val="visible"/>
+                                      </p:to>
+                                    </p:set>
+                                    <p:animEffect transition="in" filter="fade">
+                                      <p:cBhvr>
+                                        <p:cTn id="12" dur="500"/>
+                                        <p:tgtEl>
+                                          <p:spTgt spid="5">
+                                            <p:txEl>
+                                              <p:pRg st="1" end="1"/>
+                                            </p:txEl>
+                                          </p:spTgt>
+                                        </p:tgtEl>
+                                      </p:cBhvr>
+                                    </p:animEffect>
+                                  </p:childTnLst>
+                                </p:cTn>
+                              </p:par>
+                            </p:childTnLst>
+                          </p:cTn>
+                        </p:par>
+                      </p:childTnLst>
+                    </p:cTn>
+                  </p:par>
+                </p:childTnLst>
+              </p:cTn>
+              <p:prevCondLst>
+                <p:cond evt="onPrev" delay="0">
+                  <p:tgtEl>
+                    <p:sldTgt/>
+                  </p:tgtEl>
+                </p:cond>
+              </p:prevCondLst>
+              <p:nextCondLst>
+                <p:cond evt="onNext" delay="0">
+                  <p:tgtEl>
+                    <p:sldTgt/>
+                  </p:tgtEl>
+                </p:cond>
+              </p:nextCondLst>
+            </p:seq>
+          </p:childTnLst>
+        </p:cTn>
+      </p:par>
+    </p:tnLst>
+  </p:timing>
 </p:sld>
 </file>
 

--- a/documentation/Milestone Presentation.pptx
+++ b/documentation/Milestone Presentation.pptx
@@ -5,7 +5,7 @@
     <p:sldMasterId id="2147483910" r:id="rId1"/>
   </p:sldMasterIdLst>
   <p:notesMasterIdLst>
-    <p:notesMasterId r:id="rId25"/>
+    <p:notesMasterId r:id="rId26"/>
   </p:notesMasterIdLst>
   <p:sldIdLst>
     <p:sldId id="256" r:id="rId2"/>
@@ -24,16 +24,17 @@
     <p:sldId id="291" r:id="rId15"/>
     <p:sldId id="292" r:id="rId16"/>
     <p:sldId id="270" r:id="rId17"/>
-    <p:sldId id="297" r:id="rId18"/>
-    <p:sldId id="298" r:id="rId19"/>
-    <p:sldId id="295" r:id="rId20"/>
+    <p:sldId id="299" r:id="rId18"/>
+    <p:sldId id="300" r:id="rId19"/>
+    <p:sldId id="301" r:id="rId20"/>
     <p:sldId id="296" r:id="rId21"/>
     <p:sldId id="278" r:id="rId22"/>
     <p:sldId id="271" r:id="rId23"/>
-    <p:sldId id="294" r:id="rId24"/>
+    <p:sldId id="297" r:id="rId24"/>
+    <p:sldId id="294" r:id="rId25"/>
   </p:sldIdLst>
   <p:sldSz cx="9144000" cy="5143500" type="screen16x9"/>
-  <p:notesSz cx="6858000" cy="9144000"/>
+  <p:notesSz cx="6858000" cy="1009650"/>
   <p:defaultTextStyle>
     <a:defPPr>
       <a:defRPr lang="en-US"/>
@@ -156,6 +157,14 @@
 </p:cmAuthorLst>
 </file>
 
+<file path=ppt/revisionInfo.xml><?xml version="1.0" encoding="utf-8"?>
+<p1510:revInfo xmlns:a="http://schemas.openxmlformats.org/drawingml/2006/main" xmlns:r="http://schemas.openxmlformats.org/officeDocument/2006/relationships" xmlns:p1510="http://schemas.microsoft.com/office/powerpoint/2015/10/main">
+  <p1510:revLst>
+    <p1510:client id="{982FC421-1E14-3073-4B8F-E745F1CFA751}" v="525" dt="2019-05-28T11:54:29.388"/>
+  </p1510:revLst>
+</p1510:revInfo>
+</file>
+
 <file path=ppt/charts/chart1.xml><?xml version="1.0" encoding="utf-8"?>
 <c:chartSpace xmlns:c="http://schemas.openxmlformats.org/drawingml/2006/chart" xmlns:a="http://schemas.openxmlformats.org/drawingml/2006/main" xmlns:r="http://schemas.openxmlformats.org/officeDocument/2006/relationships" xmlns:c16r2="http://schemas.microsoft.com/office/drawing/2015/06/chart">
   <c:date1904 val="0"/>
@@ -190,7 +199,7 @@
               </a:defRPr>
             </a:pPr>
             <a:r>
-              <a:rPr lang="de-DE" dirty="0"/>
+              <a:rPr lang="de-DE"/>
               <a:t>Producer</a:t>
             </a:r>
           </a:p>
@@ -573,7 +582,7 @@
               </a:defRPr>
             </a:pPr>
             <a:r>
-              <a:rPr lang="de-DE" dirty="0"/>
+              <a:rPr lang="de-DE"/>
               <a:t>Consumer</a:t>
             </a:r>
           </a:p>
@@ -1270,7 +1279,7 @@
               </a:defRPr>
             </a:pPr>
             <a:r>
-              <a:rPr lang="de-DE" dirty="0"/>
+              <a:rPr lang="de-DE"/>
               <a:t>Consumer</a:t>
             </a:r>
           </a:p>
@@ -1640,7 +1649,7 @@
               </a:defRPr>
             </a:pPr>
             <a:r>
-              <a:rPr lang="de-DE" dirty="0"/>
+              <a:rPr lang="de-DE"/>
               <a:t>Producer</a:t>
             </a:r>
           </a:p>
@@ -2023,7 +2032,7 @@
               </a:defRPr>
             </a:pPr>
             <a:r>
-              <a:rPr lang="de-DE" dirty="0"/>
+              <a:rPr lang="de-DE"/>
               <a:t>Consumer</a:t>
             </a:r>
           </a:p>
@@ -2393,7 +2402,7 @@
               </a:defRPr>
             </a:pPr>
             <a:r>
-              <a:rPr lang="de-DE" dirty="0"/>
+              <a:rPr lang="de-DE"/>
               <a:t>Producer</a:t>
             </a:r>
           </a:p>
@@ -2776,7 +2785,7 @@
               </a:defRPr>
             </a:pPr>
             <a:r>
-              <a:rPr lang="de-DE" dirty="0"/>
+              <a:rPr lang="de-DE"/>
               <a:t>Consumer</a:t>
             </a:r>
           </a:p>
@@ -3147,7 +3156,7 @@
               </a:defRPr>
             </a:pPr>
             <a:r>
-              <a:rPr lang="de-DE" dirty="0"/>
+              <a:rPr lang="de-DE"/>
               <a:t>Producer</a:t>
             </a:r>
           </a:p>
@@ -3530,7 +3539,7 @@
               </a:defRPr>
             </a:pPr>
             <a:r>
-              <a:rPr lang="de-DE" dirty="0"/>
+              <a:rPr lang="de-DE"/>
               <a:t>Consumer</a:t>
             </a:r>
           </a:p>
@@ -3901,7 +3910,7 @@
               </a:defRPr>
             </a:pPr>
             <a:r>
-              <a:rPr lang="de-DE" dirty="0"/>
+              <a:rPr lang="de-DE"/>
               <a:t>Producer</a:t>
             </a:r>
           </a:p>
@@ -10746,7 +10755,7 @@
               </a:spcAft>
               <a:buNone/>
             </a:pPr>
-            <a:endParaRPr dirty="0"/>
+            <a:endParaRPr/>
           </a:p>
         </p:txBody>
       </p:sp>
@@ -10813,22 +10822,22 @@
           <a:lstStyle/>
           <a:p>
             <a:r>
-              <a:rPr lang="en-US" dirty="0"/>
+              <a:rPr lang="en-US"/>
               <a:t>Two household groups. In this case more consumed than produced</a:t>
             </a:r>
           </a:p>
           <a:p>
             <a:r>
-              <a:rPr lang="en-US" dirty="0"/>
+              <a:rPr lang="en-US"/>
               <a:t>we ensure that one household group (in this case the Producer)</a:t>
             </a:r>
           </a:p>
           <a:p>
             <a:r>
-              <a:rPr lang="en-US" dirty="0"/>
+              <a:rPr lang="en-US"/>
               <a:t>we can guarantee to fulfill everyone's request</a:t>
             </a:r>
-            <a:endParaRPr lang="de-DE" dirty="0"/>
+            <a:endParaRPr lang="de-DE"/>
           </a:p>
         </p:txBody>
       </p:sp>
@@ -10895,16 +10904,16 @@
           <a:lstStyle/>
           <a:p>
             <a:r>
-              <a:rPr lang="en-US" dirty="0"/>
+              <a:rPr lang="en-US"/>
               <a:t>because we want that all producing household's get a appropriate cut from the cake, every producing household shares their percentage of contribution to the system applied to the total amount of energy needed.</a:t>
             </a:r>
           </a:p>
           <a:p>
             <a:r>
-              <a:rPr lang="en-US" dirty="0"/>
+              <a:rPr lang="en-US"/>
               <a:t>In this case, hh1 contributed 66% to the system so they get share 66% of 200 = 132 amount of energy spread to all households in a FIFS manner (time of household added)</a:t>
             </a:r>
-            <a:endParaRPr lang="de-DE" dirty="0"/>
+            <a:endParaRPr lang="de-DE"/>
           </a:p>
         </p:txBody>
       </p:sp>
@@ -10971,54 +10980,54 @@
           <a:lstStyle/>
           <a:p>
             <a:r>
-              <a:rPr lang="de-DE" dirty="0"/>
+              <a:rPr lang="de-DE"/>
               <a:t>Live Demo </a:t>
             </a:r>
             <a:r>
-              <a:rPr lang="de-DE" dirty="0" err="1"/>
+              <a:rPr lang="de-DE" err="1"/>
               <a:t>of</a:t>
             </a:r>
             <a:r>
-              <a:rPr lang="de-DE" dirty="0"/>
+              <a:rPr lang="de-DE"/>
               <a:t> </a:t>
             </a:r>
             <a:r>
-              <a:rPr lang="de-DE" dirty="0" err="1"/>
+              <a:rPr lang="de-DE" err="1"/>
               <a:t>the</a:t>
             </a:r>
             <a:r>
-              <a:rPr lang="de-DE" dirty="0"/>
+              <a:rPr lang="de-DE"/>
               <a:t> </a:t>
             </a:r>
             <a:r>
-              <a:rPr lang="de-DE" dirty="0" err="1"/>
+              <a:rPr lang="de-DE" err="1"/>
               <a:t>current</a:t>
             </a:r>
             <a:r>
-              <a:rPr lang="de-DE" dirty="0"/>
+              <a:rPr lang="de-DE"/>
               <a:t> </a:t>
             </a:r>
             <a:r>
-              <a:rPr lang="de-DE" dirty="0" err="1"/>
+              <a:rPr lang="de-DE" err="1"/>
               <a:t>setup</a:t>
             </a:r>
             <a:r>
-              <a:rPr lang="de-DE" dirty="0"/>
+              <a:rPr lang="de-DE"/>
               <a:t>. </a:t>
             </a:r>
             <a:r>
-              <a:rPr lang="de-DE" dirty="0" err="1"/>
+              <a:rPr lang="de-DE" err="1"/>
               <a:t>Approximately</a:t>
             </a:r>
             <a:r>
-              <a:rPr lang="de-DE" dirty="0"/>
+              <a:rPr lang="de-DE"/>
               <a:t> 10 </a:t>
             </a:r>
             <a:r>
-              <a:rPr lang="de-DE" dirty="0" err="1"/>
+              <a:rPr lang="de-DE" err="1"/>
               <a:t>Minutes</a:t>
             </a:r>
-            <a:endParaRPr lang="de-DE" dirty="0"/>
+            <a:endParaRPr lang="de-DE"/>
           </a:p>
         </p:txBody>
       </p:sp>
@@ -11085,21 +11094,21 @@
           <a:lstStyle/>
           <a:p>
             <a:r>
-              <a:rPr lang="en-GB" noProof="0" dirty="0"/>
+              <a:rPr lang="en-GB" noProof="0"/>
               <a:t>Current evaluation:</a:t>
             </a:r>
           </a:p>
           <a:p>
             <a:pPr lvl="1"/>
             <a:r>
-              <a:rPr lang="en-GB" noProof="0" dirty="0"/>
+              <a:rPr lang="en-GB" noProof="0"/>
               <a:t>Strengths</a:t>
             </a:r>
           </a:p>
           <a:p>
             <a:pPr lvl="1"/>
             <a:r>
-              <a:rPr lang="en-GB" noProof="0" dirty="0"/>
+              <a:rPr lang="en-GB" noProof="0"/>
               <a:t>Weaknesses</a:t>
             </a:r>
           </a:p>
@@ -11108,7 +11117,7 @@
     </p:spTree>
     <p:extLst>
       <p:ext uri="{BB962C8B-B14F-4D97-AF65-F5344CB8AC3E}">
-        <p14:creationId xmlns:p14="http://schemas.microsoft.com/office/powerpoint/2010/main" val="491823572"/>
+        <p14:creationId xmlns:p14="http://schemas.microsoft.com/office/powerpoint/2010/main" val="865187018"/>
       </p:ext>
     </p:extLst>
   </p:cSld>
@@ -11168,7 +11177,7 @@
           <a:lstStyle/>
           <a:p>
             <a:r>
-              <a:rPr lang="de-DE" dirty="0"/>
+              <a:rPr lang="de-DE"/>
               <a:t>TODO</a:t>
             </a:r>
           </a:p>
@@ -11177,7 +11186,7 @@
     </p:spTree>
     <p:extLst>
       <p:ext uri="{BB962C8B-B14F-4D97-AF65-F5344CB8AC3E}">
-        <p14:creationId xmlns:p14="http://schemas.microsoft.com/office/powerpoint/2010/main" val="3322072295"/>
+        <p14:creationId xmlns:p14="http://schemas.microsoft.com/office/powerpoint/2010/main" val="1215084556"/>
       </p:ext>
     </p:extLst>
   </p:cSld>
@@ -11237,56 +11246,20 @@
           <a:lstStyle/>
           <a:p>
             <a:pPr rtl="0" fontAlgn="base"/>
-            <a:r>
-              <a:rPr lang="en-US" sz="1100" b="0" i="0" u="none" strike="noStrike" cap="none" dirty="0">
-                <a:solidFill>
-                  <a:srgbClr val="000000"/>
-                </a:solidFill>
-                <a:effectLst/>
-                <a:latin typeface="Arial"/>
-                <a:ea typeface="Arial"/>
-                <a:cs typeface="Arial"/>
-                <a:sym typeface="Arial"/>
-              </a:rPr>
-              <a:t>Cryptography</a:t>
-            </a:r>
-          </a:p>
-          <a:p>
-            <a:pPr lvl="1" rtl="0" fontAlgn="base"/>
-            <a:r>
-              <a:rPr lang="en-US" sz="1100" b="0" i="0" u="none" strike="noStrike" cap="none" dirty="0">
-                <a:solidFill>
-                  <a:srgbClr val="000000"/>
-                </a:solidFill>
-                <a:effectLst/>
-                <a:latin typeface="Arial"/>
-                <a:ea typeface="Arial"/>
-                <a:cs typeface="Arial"/>
-                <a:sym typeface="Arial"/>
-              </a:rPr>
-              <a:t>Usage of private/ public keys</a:t>
-            </a:r>
-          </a:p>
-          <a:p>
-            <a:pPr lvl="1" rtl="0" fontAlgn="base"/>
-            <a:r>
-              <a:rPr lang="en-US" sz="1100" b="0" i="0" u="none" strike="noStrike" cap="none" dirty="0">
-                <a:solidFill>
-                  <a:srgbClr val="000000"/>
-                </a:solidFill>
-                <a:effectLst/>
-                <a:latin typeface="Arial"/>
-                <a:ea typeface="Arial"/>
-                <a:cs typeface="Arial"/>
-                <a:sym typeface="Arial"/>
-              </a:rPr>
-              <a:t>Not suitable/ sufficient for our use case, as we need a link between the real households and their keys to ensure correctness</a:t>
-            </a:r>
+            <a:endParaRPr lang="en-US" sz="1100" b="0" i="0" u="none" strike="noStrike" cap="none">
+              <a:solidFill>
+                <a:srgbClr val="000000"/>
+              </a:solidFill>
+              <a:effectLst/>
+              <a:latin typeface="Arial"/>
+              <a:ea typeface="Arial"/>
+              <a:cs typeface="Arial"/>
+            </a:endParaRPr>
           </a:p>
           <a:p>
             <a:pPr rtl="0" fontAlgn="base"/>
             <a:r>
-              <a:rPr lang="en-US" sz="1100" b="0" i="0" u="none" strike="noStrike" cap="none" dirty="0">
+              <a:rPr lang="en-US" sz="1100" b="0" i="0" u="none" strike="noStrike" cap="none">
                 <a:solidFill>
                   <a:srgbClr val="000000"/>
                 </a:solidFill>
@@ -11302,7 +11275,7 @@
           <a:p>
             <a:pPr lvl="1" rtl="0" fontAlgn="base"/>
             <a:r>
-              <a:rPr lang="en-US" sz="1100" b="0" i="0" u="none" strike="noStrike" cap="none" dirty="0">
+              <a:rPr lang="en-US" sz="1100" b="0" i="0" u="none" strike="noStrike" cap="none">
                 <a:solidFill>
                   <a:srgbClr val="000000"/>
                 </a:solidFill>
@@ -11318,7 +11291,7 @@
           <a:p>
             <a:pPr lvl="1" rtl="0" fontAlgn="base"/>
             <a:r>
-              <a:rPr lang="en-US" sz="1100" b="0" i="0" u="none" strike="noStrike" cap="none" dirty="0">
+              <a:rPr lang="en-US" sz="1100" b="0" i="0" u="none" strike="noStrike" cap="none">
                 <a:solidFill>
                   <a:srgbClr val="000000"/>
                 </a:solidFill>
@@ -11334,7 +11307,7 @@
           <a:p>
             <a:pPr lvl="1" rtl="0" fontAlgn="base"/>
             <a:r>
-              <a:rPr lang="en-US" sz="1100" b="0" i="0" u="none" strike="noStrike" cap="none" dirty="0">
+              <a:rPr lang="en-US" sz="1100" b="0" i="0" u="none" strike="noStrike" cap="none">
                 <a:solidFill>
                   <a:srgbClr val="000000"/>
                 </a:solidFill>
@@ -11350,7 +11323,7 @@
           <a:p>
             <a:pPr lvl="1" rtl="0" fontAlgn="base"/>
             <a:r>
-              <a:rPr lang="en-US" sz="1100" b="0" i="0" u="none" strike="noStrike" cap="none" dirty="0">
+              <a:rPr lang="en-US" sz="1100" b="0" i="0" u="none" strike="noStrike" cap="none">
                 <a:solidFill>
                   <a:srgbClr val="000000"/>
                 </a:solidFill>
@@ -11366,7 +11339,7 @@
           <a:p>
             <a:pPr lvl="0" rtl="0" fontAlgn="base"/>
             <a:r>
-              <a:rPr lang="en-US" sz="1100" b="0" i="0" u="none" strike="noStrike" cap="none" dirty="0">
+              <a:rPr lang="en-US" sz="1100" b="0" i="0" u="none" strike="noStrike" cap="none">
                 <a:solidFill>
                   <a:srgbClr val="000000"/>
                 </a:solidFill>
@@ -11382,7 +11355,7 @@
           <a:p>
             <a:pPr lvl="1" rtl="0" fontAlgn="base"/>
             <a:r>
-              <a:rPr lang="en-US" sz="1100" b="0" i="0" u="none" strike="noStrike" cap="none" dirty="0">
+              <a:rPr lang="en-US" sz="1100" b="0" i="0" u="none" strike="noStrike" cap="none">
                 <a:solidFill>
                   <a:srgbClr val="000000"/>
                 </a:solidFill>
@@ -11398,7 +11371,7 @@
           <a:p>
             <a:pPr lvl="1" rtl="0" fontAlgn="base"/>
             <a:r>
-              <a:rPr lang="en-US" sz="1100" b="0" i="0" u="none" strike="noStrike" cap="none" dirty="0">
+              <a:rPr lang="en-US" sz="1100" b="0" i="0" u="none" strike="noStrike" cap="none">
                 <a:solidFill>
                   <a:srgbClr val="000000"/>
                 </a:solidFill>
@@ -11414,7 +11387,7 @@
           <a:p>
             <a:pPr lvl="1" rtl="0" fontAlgn="base"/>
             <a:r>
-              <a:rPr lang="en-US" sz="1100" b="0" i="0" u="none" strike="noStrike" cap="none" dirty="0">
+              <a:rPr lang="en-US" sz="1100" b="0" i="0" u="none" strike="noStrike" cap="none">
                 <a:solidFill>
                   <a:srgbClr val="000000"/>
                 </a:solidFill>
@@ -11427,7 +11400,7 @@
               <a:t>No off-chaining </a:t>
             </a:r>
             <a:r>
-              <a:rPr lang="en-US" sz="1100" b="0" i="0" u="none" strike="noStrike" cap="none" dirty="0">
+              <a:rPr lang="en-US" sz="1100" b="0" i="0" u="none" strike="noStrike" cap="none">
                 <a:solidFill>
                   <a:srgbClr val="000000"/>
                 </a:solidFill>
@@ -11440,7 +11413,7 @@
               <a:t></a:t>
             </a:r>
             <a:r>
-              <a:rPr lang="en-US" sz="1100" b="0" i="0" u="none" strike="noStrike" cap="none" dirty="0">
+              <a:rPr lang="en-US" sz="1100" b="0" i="0" u="none" strike="noStrike" cap="none">
                 <a:solidFill>
                   <a:srgbClr val="000000"/>
                 </a:solidFill>
@@ -11456,7 +11429,7 @@
           <a:p>
             <a:pPr lvl="1" rtl="0" fontAlgn="base"/>
             <a:r>
-              <a:rPr lang="en-US" sz="1100" b="0" i="0" u="none" strike="noStrike" cap="none" dirty="0">
+              <a:rPr lang="en-US" sz="1100" b="0" i="0" u="none" strike="noStrike" cap="none">
                 <a:solidFill>
                   <a:srgbClr val="000000"/>
                 </a:solidFill>
@@ -11472,7 +11445,7 @@
           <a:p>
             <a:pPr rtl="0" fontAlgn="base"/>
             <a:r>
-              <a:rPr lang="en-US" sz="1100" b="0" i="0" u="none" strike="noStrike" cap="none" dirty="0" err="1">
+              <a:rPr lang="en-US" sz="1100" b="0" i="0" u="none" strike="noStrike" cap="none" err="1">
                 <a:solidFill>
                   <a:srgbClr val="000000"/>
                 </a:solidFill>
@@ -11484,7 +11457,7 @@
               </a:rPr>
               <a:t>ZoKrates</a:t>
             </a:r>
-            <a:endParaRPr lang="en-US" sz="1100" b="0" i="0" u="none" strike="noStrike" cap="none" dirty="0">
+            <a:endParaRPr lang="en-US" sz="1100" b="0" i="0" u="none" strike="noStrike" cap="none">
               <a:solidFill>
                 <a:srgbClr val="000000"/>
               </a:solidFill>
@@ -11498,7 +11471,7 @@
           <a:p>
             <a:pPr lvl="1" rtl="0" fontAlgn="base"/>
             <a:r>
-              <a:rPr lang="en-US" sz="1100" b="0" i="0" u="none" strike="noStrike" cap="none" dirty="0">
+              <a:rPr lang="en-US" sz="1100" b="0" i="0" u="none" strike="noStrike" cap="none">
                 <a:solidFill>
                   <a:srgbClr val="000000"/>
                 </a:solidFill>
@@ -11514,7 +11487,7 @@
           <a:p>
             <a:pPr lvl="1" rtl="0" fontAlgn="base"/>
             <a:r>
-              <a:rPr lang="en-US" sz="1100" b="0" i="0" u="none" strike="noStrike" cap="none" dirty="0">
+              <a:rPr lang="en-US" sz="1100" b="0" i="0" u="none" strike="noStrike" cap="none">
                 <a:solidFill>
                   <a:srgbClr val="000000"/>
                 </a:solidFill>
@@ -11527,7 +11500,7 @@
               <a:t>also allows off-chaining of computational steps </a:t>
             </a:r>
             <a:r>
-              <a:rPr lang="en-US" sz="1100" b="0" i="0" u="none" strike="noStrike" cap="none" dirty="0">
+              <a:rPr lang="en-US" sz="1100" b="0" i="0" u="none" strike="noStrike" cap="none">
                 <a:solidFill>
                   <a:srgbClr val="000000"/>
                 </a:solidFill>
@@ -11540,7 +11513,7 @@
               <a:t> cost and performance benefit possible</a:t>
             </a:r>
             <a:br>
-              <a:rPr lang="en-US" sz="1100" b="0" i="0" u="none" strike="noStrike" cap="none" dirty="0">
+              <a:rPr lang="en-US" sz="1100" b="0" i="0" u="none" strike="noStrike" cap="none">
                 <a:solidFill>
                   <a:srgbClr val="000000"/>
                 </a:solidFill>
@@ -11551,7 +11524,7 @@
                 <a:sym typeface="Arial"/>
               </a:rPr>
             </a:br>
-            <a:endParaRPr lang="en-US" sz="1100" b="0" i="0" u="none" strike="noStrike" cap="none" dirty="0">
+            <a:endParaRPr lang="en-US" sz="1100" b="0" i="0" u="none" strike="noStrike" cap="none">
               <a:solidFill>
                 <a:srgbClr val="000000"/>
               </a:solidFill>
@@ -11563,14 +11536,14 @@
             </a:endParaRPr>
           </a:p>
           <a:p>
-            <a:endParaRPr lang="de-DE" dirty="0"/>
+            <a:endParaRPr lang="de-DE"/>
           </a:p>
         </p:txBody>
       </p:sp>
     </p:spTree>
     <p:extLst>
       <p:ext uri="{BB962C8B-B14F-4D97-AF65-F5344CB8AC3E}">
-        <p14:creationId xmlns:p14="http://schemas.microsoft.com/office/powerpoint/2010/main" val="1995810315"/>
+        <p14:creationId xmlns:p14="http://schemas.microsoft.com/office/powerpoint/2010/main" val="2460251296"/>
       </p:ext>
     </p:extLst>
   </p:cSld>
@@ -11629,7 +11602,7 @@
           <a:bodyPr/>
           <a:lstStyle/>
           <a:p>
-            <a:endParaRPr lang="de-DE" dirty="0"/>
+            <a:endParaRPr lang="de-DE"/>
           </a:p>
         </p:txBody>
       </p:sp>
@@ -11696,87 +11669,87 @@
           <a:lstStyle/>
           <a:p>
             <a:r>
-              <a:rPr lang="de-DE" dirty="0"/>
+              <a:rPr lang="de-DE"/>
               <a:t>Not </a:t>
             </a:r>
             <a:r>
-              <a:rPr lang="de-DE" dirty="0" err="1"/>
+              <a:rPr lang="de-DE" err="1"/>
               <a:t>sure</a:t>
             </a:r>
             <a:r>
-              <a:rPr lang="de-DE" dirty="0"/>
+              <a:rPr lang="de-DE"/>
               <a:t> </a:t>
             </a:r>
             <a:r>
-              <a:rPr lang="de-DE" dirty="0" err="1"/>
+              <a:rPr lang="de-DE" err="1"/>
               <a:t>if</a:t>
             </a:r>
             <a:r>
-              <a:rPr lang="de-DE" dirty="0"/>
+              <a:rPr lang="de-DE"/>
               <a:t> </a:t>
             </a:r>
             <a:r>
-              <a:rPr lang="de-DE" dirty="0" err="1"/>
+              <a:rPr lang="de-DE" err="1"/>
               <a:t>displaying</a:t>
             </a:r>
             <a:r>
-              <a:rPr lang="de-DE" dirty="0"/>
+              <a:rPr lang="de-DE"/>
               <a:t> </a:t>
             </a:r>
             <a:r>
-              <a:rPr lang="de-DE" dirty="0" err="1"/>
+              <a:rPr lang="de-DE" err="1"/>
               <a:t>the</a:t>
             </a:r>
             <a:r>
-              <a:rPr lang="de-DE" dirty="0"/>
+              <a:rPr lang="de-DE"/>
               <a:t> </a:t>
             </a:r>
             <a:r>
-              <a:rPr lang="de-DE" dirty="0" err="1"/>
+              <a:rPr lang="de-DE" err="1"/>
               <a:t>HHUnit</a:t>
             </a:r>
             <a:r>
-              <a:rPr lang="de-DE" dirty="0"/>
+              <a:rPr lang="de-DE"/>
               <a:t> </a:t>
             </a:r>
             <a:r>
-              <a:rPr lang="de-DE" dirty="0" err="1"/>
+              <a:rPr lang="de-DE" err="1"/>
               <a:t>is</a:t>
             </a:r>
             <a:r>
-              <a:rPr lang="de-DE" dirty="0"/>
+              <a:rPr lang="de-DE"/>
               <a:t> </a:t>
             </a:r>
             <a:r>
-              <a:rPr lang="de-DE" dirty="0" err="1"/>
+              <a:rPr lang="de-DE" err="1"/>
               <a:t>good</a:t>
             </a:r>
             <a:r>
-              <a:rPr lang="de-DE" dirty="0"/>
+              <a:rPr lang="de-DE"/>
               <a:t> </a:t>
             </a:r>
             <a:r>
-              <a:rPr lang="de-DE" dirty="0" err="1"/>
+              <a:rPr lang="de-DE" err="1"/>
               <a:t>here</a:t>
             </a:r>
             <a:r>
-              <a:rPr lang="de-DE" dirty="0"/>
+              <a:rPr lang="de-DE"/>
               <a:t>. Looks </a:t>
             </a:r>
             <a:r>
-              <a:rPr lang="de-DE" dirty="0" err="1"/>
+              <a:rPr lang="de-DE" err="1"/>
               <a:t>too</a:t>
             </a:r>
             <a:r>
-              <a:rPr lang="de-DE" dirty="0"/>
+              <a:rPr lang="de-DE"/>
               <a:t> </a:t>
             </a:r>
             <a:r>
-              <a:rPr lang="de-DE" dirty="0" err="1"/>
+              <a:rPr lang="de-DE" err="1"/>
               <a:t>crowded</a:t>
             </a:r>
             <a:r>
-              <a:rPr lang="de-DE" dirty="0"/>
+              <a:rPr lang="de-DE"/>
               <a:t>.</a:t>
             </a:r>
           </a:p>
@@ -11844,7 +11817,90 @@
           <a:bodyPr/>
           <a:lstStyle/>
           <a:p>
-            <a:endParaRPr lang="de-DE" dirty="0"/>
+            <a:r>
+              <a:rPr lang="en-GB" noProof="0"/>
+              <a:t>Current evaluation:</a:t>
+            </a:r>
+          </a:p>
+          <a:p>
+            <a:pPr lvl="1"/>
+            <a:r>
+              <a:rPr lang="en-GB" noProof="0"/>
+              <a:t>Strengths</a:t>
+            </a:r>
+          </a:p>
+          <a:p>
+            <a:pPr lvl="1"/>
+            <a:r>
+              <a:rPr lang="en-GB" noProof="0"/>
+              <a:t>Weaknesses</a:t>
+            </a:r>
+          </a:p>
+        </p:txBody>
+      </p:sp>
+    </p:spTree>
+    <p:extLst>
+      <p:ext uri="{BB962C8B-B14F-4D97-AF65-F5344CB8AC3E}">
+        <p14:creationId xmlns:p14="http://schemas.microsoft.com/office/powerpoint/2010/main" val="491823572"/>
+      </p:ext>
+    </p:extLst>
+  </p:cSld>
+  <p:clrMapOvr>
+    <a:masterClrMapping/>
+  </p:clrMapOvr>
+</p:notes>
+</file>
+
+<file path=ppt/notesSlides/notesSlide19.xml><?xml version="1.0" encoding="utf-8"?>
+<p:notes xmlns:a="http://schemas.openxmlformats.org/drawingml/2006/main" xmlns:r="http://schemas.openxmlformats.org/officeDocument/2006/relationships" xmlns:p="http://schemas.openxmlformats.org/presentationml/2006/main">
+  <p:cSld>
+    <p:spTree>
+      <p:nvGrpSpPr>
+        <p:cNvPr id="1" name=""/>
+        <p:cNvGrpSpPr/>
+        <p:nvPr/>
+      </p:nvGrpSpPr>
+      <p:grpSpPr>
+        <a:xfrm>
+          <a:off x="0" y="0"/>
+          <a:ext cx="0" cy="0"/>
+          <a:chOff x="0" y="0"/>
+          <a:chExt cx="0" cy="0"/>
+        </a:xfrm>
+      </p:grpSpPr>
+      <p:sp>
+        <p:nvSpPr>
+          <p:cNvPr id="2" name="Folienbildplatzhalter 1"/>
+          <p:cNvSpPr>
+            <a:spLocks noGrp="1" noRot="1" noChangeAspect="1"/>
+          </p:cNvSpPr>
+          <p:nvPr>
+            <p:ph type="sldImg"/>
+          </p:nvPr>
+        </p:nvSpPr>
+        <p:spPr>
+          <a:xfrm>
+            <a:off x="381000" y="685800"/>
+            <a:ext cx="6096000" cy="3429000"/>
+          </a:xfrm>
+        </p:spPr>
+      </p:sp>
+      <p:sp>
+        <p:nvSpPr>
+          <p:cNvPr id="3" name="Notizenplatzhalter 2"/>
+          <p:cNvSpPr>
+            <a:spLocks noGrp="1"/>
+          </p:cNvSpPr>
+          <p:nvPr>
+            <p:ph type="body" idx="1"/>
+          </p:nvPr>
+        </p:nvSpPr>
+        <p:spPr/>
+        <p:txBody>
+          <a:bodyPr/>
+          <a:lstStyle/>
+          <a:p>
+            <a:endParaRPr lang="de-DE"/>
           </a:p>
         </p:txBody>
       </p:sp>
@@ -11910,10 +11966,10 @@
           <a:bodyPr/>
           <a:lstStyle/>
           <a:p>
-            <a:endParaRPr lang="de-DE" dirty="0"/>
-          </a:p>
-          <a:p>
-            <a:endParaRPr lang="de-DE" dirty="0"/>
+            <a:endParaRPr lang="de-DE"/>
+          </a:p>
+          <a:p>
+            <a:endParaRPr lang="de-DE"/>
           </a:p>
         </p:txBody>
       </p:sp>
@@ -11980,111 +12036,111 @@
           <a:lstStyle/>
           <a:p>
             <a:r>
-              <a:rPr lang="de-DE" dirty="0" err="1"/>
+              <a:rPr lang="de-DE" err="1"/>
               <a:t>Current</a:t>
             </a:r>
             <a:r>
-              <a:rPr lang="de-DE" dirty="0"/>
+              <a:rPr lang="de-DE"/>
               <a:t> </a:t>
             </a:r>
             <a:r>
-              <a:rPr lang="de-DE" dirty="0" err="1"/>
+              <a:rPr lang="de-DE" err="1"/>
               <a:t>setting</a:t>
             </a:r>
-            <a:endParaRPr lang="de-DE" dirty="0"/>
-          </a:p>
-          <a:p>
-            <a:r>
-              <a:rPr lang="de-DE" dirty="0" err="1"/>
+            <a:endParaRPr lang="de-DE"/>
+          </a:p>
+          <a:p>
+            <a:r>
+              <a:rPr lang="de-DE" err="1"/>
               <a:t>Several</a:t>
             </a:r>
             <a:r>
-              <a:rPr lang="de-DE" dirty="0"/>
+              <a:rPr lang="de-DE"/>
               <a:t> </a:t>
             </a:r>
             <a:r>
-              <a:rPr lang="de-DE" dirty="0" err="1"/>
+              <a:rPr lang="de-DE" err="1"/>
               <a:t>actors</a:t>
             </a:r>
             <a:r>
-              <a:rPr lang="de-DE" dirty="0"/>
+              <a:rPr lang="de-DE"/>
               <a:t>: different Consumer, </a:t>
             </a:r>
             <a:r>
-              <a:rPr lang="de-DE" dirty="0" err="1"/>
+              <a:rPr lang="de-DE" err="1"/>
               <a:t>Prosumer</a:t>
             </a:r>
-            <a:endParaRPr lang="de-DE" dirty="0"/>
-          </a:p>
-          <a:p>
-            <a:r>
-              <a:rPr lang="de-DE" dirty="0" err="1"/>
+            <a:endParaRPr lang="de-DE"/>
+          </a:p>
+          <a:p>
+            <a:r>
+              <a:rPr lang="de-DE" err="1"/>
               <a:t>Prosumer</a:t>
             </a:r>
             <a:r>
-              <a:rPr lang="de-DE" dirty="0"/>
+              <a:rPr lang="de-DE"/>
               <a:t> </a:t>
             </a:r>
             <a:r>
-              <a:rPr lang="de-DE" dirty="0" err="1"/>
+              <a:rPr lang="de-DE" err="1"/>
               <a:t>sells</a:t>
             </a:r>
             <a:r>
-              <a:rPr lang="de-DE" dirty="0"/>
+              <a:rPr lang="de-DE"/>
               <a:t> </a:t>
             </a:r>
             <a:r>
-              <a:rPr lang="de-DE" dirty="0" err="1"/>
+              <a:rPr lang="de-DE" err="1"/>
               <a:t>energy</a:t>
             </a:r>
             <a:r>
-              <a:rPr lang="de-DE" dirty="0"/>
+              <a:rPr lang="de-DE"/>
               <a:t> </a:t>
             </a:r>
             <a:r>
-              <a:rPr lang="de-DE" dirty="0" err="1"/>
+              <a:rPr lang="de-DE" err="1"/>
               <a:t>to</a:t>
             </a:r>
             <a:r>
-              <a:rPr lang="de-DE" dirty="0"/>
+              <a:rPr lang="de-DE"/>
               <a:t> Utility </a:t>
             </a:r>
             <a:r>
-              <a:rPr lang="de-DE" dirty="0" err="1"/>
+              <a:rPr lang="de-DE" err="1"/>
               <a:t>with</a:t>
             </a:r>
             <a:r>
-              <a:rPr lang="de-DE" dirty="0"/>
+              <a:rPr lang="de-DE"/>
               <a:t> EEG Umlage</a:t>
             </a:r>
           </a:p>
           <a:p>
             <a:r>
-              <a:rPr lang="de-DE" dirty="0"/>
+              <a:rPr lang="de-DE"/>
               <a:t>Consumer </a:t>
             </a:r>
             <a:r>
-              <a:rPr lang="de-DE" dirty="0" err="1"/>
+              <a:rPr lang="de-DE" err="1"/>
               <a:t>buys</a:t>
             </a:r>
             <a:r>
-              <a:rPr lang="de-DE" dirty="0"/>
+              <a:rPr lang="de-DE"/>
               <a:t> </a:t>
             </a:r>
             <a:r>
-              <a:rPr lang="de-DE" dirty="0" err="1"/>
+              <a:rPr lang="de-DE" err="1"/>
               <a:t>energy</a:t>
             </a:r>
             <a:r>
-              <a:rPr lang="de-DE" dirty="0"/>
+              <a:rPr lang="de-DE"/>
               <a:t> </a:t>
             </a:r>
             <a:r>
-              <a:rPr lang="de-DE" dirty="0" err="1"/>
+              <a:rPr lang="de-DE" err="1"/>
               <a:t>from</a:t>
             </a:r>
             <a:r>
-              <a:rPr lang="de-DE" dirty="0"/>
+              <a:rPr lang="de-DE"/>
               <a:t> Utility</a:t>
             </a:r>
           </a:p>
@@ -12153,31 +12209,31 @@
           <a:lstStyle/>
           <a:p>
             <a:r>
-              <a:rPr lang="de-DE" dirty="0"/>
+              <a:rPr lang="de-DE"/>
               <a:t>EEG Subvention will </a:t>
             </a:r>
             <a:r>
-              <a:rPr lang="de-DE" dirty="0" err="1"/>
+              <a:rPr lang="de-DE" err="1"/>
               <a:t>be</a:t>
             </a:r>
             <a:r>
-              <a:rPr lang="de-DE" dirty="0"/>
+              <a:rPr lang="de-DE"/>
               <a:t> </a:t>
             </a:r>
             <a:r>
-              <a:rPr lang="de-DE" dirty="0" err="1"/>
+              <a:rPr lang="de-DE" err="1"/>
               <a:t>cut</a:t>
             </a:r>
             <a:r>
-              <a:rPr lang="de-DE" dirty="0"/>
+              <a:rPr lang="de-DE"/>
               <a:t> </a:t>
             </a:r>
             <a:r>
-              <a:rPr lang="de-DE" dirty="0" err="1"/>
+              <a:rPr lang="de-DE" err="1"/>
               <a:t>from</a:t>
             </a:r>
             <a:r>
-              <a:rPr lang="de-DE" dirty="0"/>
+              <a:rPr lang="de-DE"/>
               <a:t> 2020 on</a:t>
             </a:r>
           </a:p>
@@ -12246,50 +12302,50 @@
           <a:lstStyle/>
           <a:p>
             <a:r>
-              <a:rPr lang="de-DE" dirty="0" err="1"/>
+              <a:rPr lang="de-DE" err="1"/>
               <a:t>Using</a:t>
             </a:r>
             <a:r>
-              <a:rPr lang="de-DE" dirty="0"/>
+              <a:rPr lang="de-DE"/>
               <a:t> solar </a:t>
             </a:r>
             <a:r>
-              <a:rPr lang="de-DE" dirty="0" err="1"/>
+              <a:rPr lang="de-DE" err="1"/>
               <a:t>panels</a:t>
             </a:r>
             <a:r>
-              <a:rPr lang="de-DE" dirty="0"/>
+              <a:rPr lang="de-DE"/>
               <a:t> will not </a:t>
             </a:r>
             <a:r>
-              <a:rPr lang="de-DE" dirty="0" err="1"/>
+              <a:rPr lang="de-DE" err="1"/>
               <a:t>be</a:t>
             </a:r>
             <a:r>
-              <a:rPr lang="de-DE" dirty="0"/>
+              <a:rPr lang="de-DE"/>
               <a:t> profitable </a:t>
             </a:r>
             <a:r>
-              <a:rPr lang="de-DE" dirty="0" err="1"/>
+              <a:rPr lang="de-DE" err="1"/>
               <a:t>for</a:t>
             </a:r>
             <a:r>
-              <a:rPr lang="de-DE" dirty="0"/>
+              <a:rPr lang="de-DE"/>
               <a:t> </a:t>
             </a:r>
             <a:r>
-              <a:rPr lang="de-DE" dirty="0" err="1"/>
+              <a:rPr lang="de-DE" err="1"/>
               <a:t>most</a:t>
             </a:r>
             <a:r>
-              <a:rPr lang="de-DE" dirty="0"/>
+              <a:rPr lang="de-DE"/>
               <a:t> </a:t>
             </a:r>
             <a:r>
-              <a:rPr lang="de-DE" dirty="0" err="1"/>
+              <a:rPr lang="de-DE" err="1"/>
               <a:t>households</a:t>
             </a:r>
-            <a:endParaRPr lang="de-DE" dirty="0"/>
+            <a:endParaRPr lang="de-DE"/>
           </a:p>
         </p:txBody>
       </p:sp>
@@ -12356,188 +12412,188 @@
           <a:lstStyle/>
           <a:p>
             <a:r>
-              <a:rPr lang="de-DE" dirty="0"/>
+              <a:rPr lang="de-DE"/>
               <a:t>Solution: Ethereum Blockchain </a:t>
             </a:r>
             <a:r>
-              <a:rPr lang="de-DE" dirty="0" err="1"/>
+              <a:rPr lang="de-DE" err="1"/>
               <a:t>as</a:t>
             </a:r>
             <a:r>
-              <a:rPr lang="de-DE" dirty="0"/>
+              <a:rPr lang="de-DE"/>
               <a:t> </a:t>
             </a:r>
             <a:r>
-              <a:rPr lang="de-DE" dirty="0" err="1"/>
+              <a:rPr lang="de-DE" err="1"/>
               <a:t>decentralized</a:t>
             </a:r>
             <a:r>
-              <a:rPr lang="de-DE" dirty="0"/>
+              <a:rPr lang="de-DE"/>
               <a:t> </a:t>
             </a:r>
             <a:r>
-              <a:rPr lang="de-DE" dirty="0" err="1"/>
+              <a:rPr lang="de-DE" err="1"/>
               <a:t>energy</a:t>
             </a:r>
             <a:r>
-              <a:rPr lang="de-DE" dirty="0"/>
+              <a:rPr lang="de-DE"/>
               <a:t> </a:t>
             </a:r>
             <a:r>
-              <a:rPr lang="de-DE" dirty="0" err="1"/>
+              <a:rPr lang="de-DE" err="1"/>
               <a:t>market</a:t>
             </a:r>
-            <a:endParaRPr lang="de-DE" dirty="0"/>
-          </a:p>
-          <a:p>
-            <a:r>
-              <a:rPr lang="de-DE" dirty="0"/>
+            <a:endParaRPr lang="de-DE"/>
+          </a:p>
+          <a:p>
+            <a:r>
+              <a:rPr lang="de-DE"/>
               <a:t>Proof </a:t>
             </a:r>
             <a:r>
-              <a:rPr lang="de-DE" dirty="0" err="1"/>
+              <a:rPr lang="de-DE" err="1"/>
               <a:t>of</a:t>
             </a:r>
             <a:r>
-              <a:rPr lang="de-DE" dirty="0"/>
+              <a:rPr lang="de-DE"/>
               <a:t> Authority Consensus</a:t>
             </a:r>
           </a:p>
           <a:p>
             <a:r>
-              <a:rPr lang="de-DE" dirty="0"/>
+              <a:rPr lang="de-DE"/>
               <a:t>Households </a:t>
             </a:r>
             <a:r>
-              <a:rPr lang="de-DE" dirty="0" err="1"/>
+              <a:rPr lang="de-DE" err="1"/>
               <a:t>can</a:t>
             </a:r>
             <a:r>
-              <a:rPr lang="de-DE" dirty="0"/>
+              <a:rPr lang="de-DE"/>
               <a:t> trade </a:t>
             </a:r>
             <a:r>
-              <a:rPr lang="de-DE" dirty="0" err="1"/>
+              <a:rPr lang="de-DE" err="1"/>
               <a:t>energy</a:t>
             </a:r>
             <a:r>
-              <a:rPr lang="de-DE" dirty="0"/>
+              <a:rPr lang="de-DE"/>
               <a:t> </a:t>
             </a:r>
             <a:r>
-              <a:rPr lang="de-DE" dirty="0" err="1"/>
+              <a:rPr lang="de-DE" err="1"/>
               <a:t>with</a:t>
             </a:r>
             <a:r>
-              <a:rPr lang="de-DE" dirty="0"/>
+              <a:rPr lang="de-DE"/>
               <a:t> </a:t>
             </a:r>
             <a:r>
-              <a:rPr lang="de-DE" dirty="0" err="1"/>
+              <a:rPr lang="de-DE" err="1"/>
               <a:t>each</a:t>
             </a:r>
             <a:r>
-              <a:rPr lang="de-DE" dirty="0"/>
+              <a:rPr lang="de-DE"/>
               <a:t> </a:t>
             </a:r>
             <a:r>
-              <a:rPr lang="de-DE" dirty="0" err="1"/>
+              <a:rPr lang="de-DE" err="1"/>
               <a:t>other</a:t>
             </a:r>
             <a:r>
-              <a:rPr lang="de-DE" dirty="0"/>
+              <a:rPr lang="de-DE"/>
               <a:t> </a:t>
             </a:r>
           </a:p>
           <a:p>
             <a:r>
-              <a:rPr lang="de-DE" dirty="0"/>
+              <a:rPr lang="de-DE"/>
               <a:t>Energy Utility </a:t>
             </a:r>
             <a:r>
-              <a:rPr lang="de-DE" dirty="0" err="1"/>
+              <a:rPr lang="de-DE" err="1"/>
               <a:t>is</a:t>
             </a:r>
             <a:r>
-              <a:rPr lang="de-DE" dirty="0"/>
+              <a:rPr lang="de-DE"/>
               <a:t> </a:t>
             </a:r>
             <a:r>
-              <a:rPr lang="de-DE" dirty="0" err="1"/>
+              <a:rPr lang="de-DE" err="1"/>
               <a:t>only</a:t>
             </a:r>
             <a:r>
-              <a:rPr lang="de-DE" dirty="0"/>
+              <a:rPr lang="de-DE"/>
               <a:t> </a:t>
             </a:r>
             <a:r>
-              <a:rPr lang="de-DE" dirty="0" err="1"/>
+              <a:rPr lang="de-DE" err="1"/>
               <a:t>used</a:t>
             </a:r>
             <a:r>
-              <a:rPr lang="de-DE" dirty="0"/>
+              <a:rPr lang="de-DE"/>
               <a:t> </a:t>
             </a:r>
             <a:r>
-              <a:rPr lang="de-DE" dirty="0" err="1"/>
+              <a:rPr lang="de-DE" err="1"/>
               <a:t>when</a:t>
             </a:r>
             <a:r>
-              <a:rPr lang="de-DE" dirty="0"/>
+              <a:rPr lang="de-DE"/>
               <a:t> </a:t>
             </a:r>
             <a:r>
-              <a:rPr lang="de-DE" dirty="0" err="1"/>
+              <a:rPr lang="de-DE" err="1"/>
               <a:t>Produced</a:t>
             </a:r>
             <a:r>
-              <a:rPr lang="de-DE" dirty="0"/>
+              <a:rPr lang="de-DE"/>
               <a:t> </a:t>
             </a:r>
             <a:r>
-              <a:rPr lang="de-DE" dirty="0" err="1"/>
+              <a:rPr lang="de-DE" err="1"/>
               <a:t>energy</a:t>
             </a:r>
             <a:r>
-              <a:rPr lang="de-DE" dirty="0"/>
+              <a:rPr lang="de-DE"/>
               <a:t> &lt; </a:t>
             </a:r>
             <a:r>
-              <a:rPr lang="de-DE" dirty="0" err="1"/>
+              <a:rPr lang="de-DE" err="1"/>
               <a:t>Consumed</a:t>
             </a:r>
             <a:r>
-              <a:rPr lang="de-DE" dirty="0"/>
+              <a:rPr lang="de-DE"/>
               <a:t> </a:t>
             </a:r>
             <a:r>
-              <a:rPr lang="de-DE" dirty="0" err="1"/>
+              <a:rPr lang="de-DE" err="1"/>
               <a:t>energy</a:t>
             </a:r>
-            <a:endParaRPr lang="de-DE" dirty="0"/>
-          </a:p>
-          <a:p>
-            <a:r>
-              <a:rPr lang="de-DE" dirty="0" err="1"/>
+            <a:endParaRPr lang="de-DE"/>
+          </a:p>
+          <a:p>
+            <a:r>
+              <a:rPr lang="de-DE" err="1"/>
               <a:t>Makes</a:t>
             </a:r>
             <a:r>
-              <a:rPr lang="de-DE" dirty="0"/>
+              <a:rPr lang="de-DE"/>
               <a:t> solar </a:t>
             </a:r>
             <a:r>
-              <a:rPr lang="de-DE" dirty="0" err="1"/>
+              <a:rPr lang="de-DE" err="1"/>
               <a:t>panels</a:t>
             </a:r>
             <a:r>
-              <a:rPr lang="de-DE" dirty="0"/>
+              <a:rPr lang="de-DE"/>
               <a:t> profitable </a:t>
             </a:r>
             <a:r>
-              <a:rPr lang="de-DE" dirty="0" err="1"/>
+              <a:rPr lang="de-DE" err="1"/>
               <a:t>again</a:t>
             </a:r>
-            <a:endParaRPr lang="de-DE" dirty="0"/>
+            <a:endParaRPr lang="de-DE"/>
           </a:p>
         </p:txBody>
       </p:sp>
@@ -12605,73 +12661,73 @@
           <a:p>
             <a:pPr marL="457200" indent="-298450"/>
             <a:r>
-              <a:rPr lang="de-DE" baseline="0" dirty="0" err="1">
+              <a:rPr lang="de-DE" baseline="0" err="1">
                 <a:sym typeface="Wingdings" panose="05000000000000000000" pitchFamily="2" charset="2"/>
               </a:rPr>
               <a:t>We</a:t>
             </a:r>
             <a:r>
-              <a:rPr lang="de-DE" baseline="0" dirty="0">
+              <a:rPr lang="de-DE" baseline="0">
                 <a:sym typeface="Wingdings" panose="05000000000000000000" pitchFamily="2" charset="2"/>
               </a:rPr>
               <a:t> </a:t>
             </a:r>
             <a:r>
-              <a:rPr lang="de-DE" baseline="0" dirty="0" err="1">
+              <a:rPr lang="de-DE" baseline="0" err="1">
                 <a:sym typeface="Wingdings" panose="05000000000000000000" pitchFamily="2" charset="2"/>
               </a:rPr>
               <a:t>explain</a:t>
             </a:r>
             <a:r>
-              <a:rPr lang="de-DE" baseline="0" dirty="0">
+              <a:rPr lang="de-DE" baseline="0">
                 <a:sym typeface="Wingdings" panose="05000000000000000000" pitchFamily="2" charset="2"/>
               </a:rPr>
               <a:t> </a:t>
             </a:r>
             <a:r>
-              <a:rPr lang="de-DE" baseline="0" dirty="0" err="1">
+              <a:rPr lang="de-DE" baseline="0" err="1">
                 <a:sym typeface="Wingdings" panose="05000000000000000000" pitchFamily="2" charset="2"/>
               </a:rPr>
               <a:t>it</a:t>
             </a:r>
             <a:r>
-              <a:rPr lang="de-DE" baseline="0" dirty="0">
+              <a:rPr lang="de-DE" baseline="0">
                 <a:sym typeface="Wingdings" panose="05000000000000000000" pitchFamily="2" charset="2"/>
               </a:rPr>
               <a:t> </a:t>
             </a:r>
             <a:r>
-              <a:rPr lang="de-DE" baseline="0" dirty="0" err="1">
+              <a:rPr lang="de-DE" baseline="0" err="1">
                 <a:sym typeface="Wingdings" panose="05000000000000000000" pitchFamily="2" charset="2"/>
               </a:rPr>
               <a:t>along</a:t>
             </a:r>
             <a:r>
-              <a:rPr lang="de-DE" baseline="0" dirty="0">
+              <a:rPr lang="de-DE" baseline="0">
                 <a:sym typeface="Wingdings" panose="05000000000000000000" pitchFamily="2" charset="2"/>
               </a:rPr>
               <a:t> </a:t>
             </a:r>
             <a:r>
-              <a:rPr lang="de-DE" baseline="0" dirty="0" err="1">
+              <a:rPr lang="de-DE" baseline="0" err="1">
                 <a:sym typeface="Wingdings" panose="05000000000000000000" pitchFamily="2" charset="2"/>
               </a:rPr>
               <a:t>the</a:t>
             </a:r>
             <a:r>
-              <a:rPr lang="de-DE" baseline="0" dirty="0">
+              <a:rPr lang="de-DE" baseline="0">
                 <a:sym typeface="Wingdings" panose="05000000000000000000" pitchFamily="2" charset="2"/>
               </a:rPr>
               <a:t> </a:t>
             </a:r>
             <a:r>
-              <a:rPr lang="de-DE" baseline="0" dirty="0" err="1">
+              <a:rPr lang="de-DE" baseline="0" err="1">
                 <a:sym typeface="Wingdings" panose="05000000000000000000" pitchFamily="2" charset="2"/>
               </a:rPr>
               <a:t>data</a:t>
             </a:r>
             <a:r>
-              <a:rPr lang="de-DE" baseline="0" dirty="0">
+              <a:rPr lang="de-DE" baseline="0">
                 <a:sym typeface="Wingdings" panose="05000000000000000000" pitchFamily="2" charset="2"/>
               </a:rPr>
               <a:t> stream</a:t>
@@ -12680,193 +12736,193 @@
           <a:p>
             <a:pPr marL="457200" indent="-298450"/>
             <a:r>
-              <a:rPr lang="de-DE" baseline="0" dirty="0">
+              <a:rPr lang="de-DE" baseline="0">
                 <a:sym typeface="Wingdings" panose="05000000000000000000" pitchFamily="2" charset="2"/>
               </a:rPr>
               <a:t>Sensors </a:t>
             </a:r>
             <a:r>
-              <a:rPr lang="de-DE" baseline="0" dirty="0" err="1">
+              <a:rPr lang="de-DE" baseline="0" err="1">
                 <a:sym typeface="Wingdings" panose="05000000000000000000" pitchFamily="2" charset="2"/>
               </a:rPr>
               <a:t>of</a:t>
             </a:r>
             <a:r>
-              <a:rPr lang="de-DE" baseline="0" dirty="0">
+              <a:rPr lang="de-DE" baseline="0">
                 <a:sym typeface="Wingdings" panose="05000000000000000000" pitchFamily="2" charset="2"/>
               </a:rPr>
               <a:t> solar </a:t>
             </a:r>
             <a:r>
-              <a:rPr lang="de-DE" baseline="0" dirty="0" err="1">
+              <a:rPr lang="de-DE" baseline="0" err="1">
                 <a:sym typeface="Wingdings" panose="05000000000000000000" pitchFamily="2" charset="2"/>
               </a:rPr>
               <a:t>panel</a:t>
             </a:r>
             <a:r>
-              <a:rPr lang="de-DE" baseline="0" dirty="0">
+              <a:rPr lang="de-DE" baseline="0">
                 <a:sym typeface="Wingdings" panose="05000000000000000000" pitchFamily="2" charset="2"/>
               </a:rPr>
               <a:t> and </a:t>
             </a:r>
             <a:r>
-              <a:rPr lang="de-DE" baseline="0" dirty="0" err="1">
+              <a:rPr lang="de-DE" baseline="0" err="1">
                 <a:sym typeface="Wingdings" panose="05000000000000000000" pitchFamily="2" charset="2"/>
               </a:rPr>
               <a:t>energy</a:t>
             </a:r>
             <a:r>
-              <a:rPr lang="de-DE" baseline="0" dirty="0">
+              <a:rPr lang="de-DE" baseline="0">
                 <a:sym typeface="Wingdings" panose="05000000000000000000" pitchFamily="2" charset="2"/>
               </a:rPr>
               <a:t> </a:t>
             </a:r>
             <a:r>
-              <a:rPr lang="de-DE" baseline="0" dirty="0" err="1">
+              <a:rPr lang="de-DE" baseline="0" err="1">
                 <a:sym typeface="Wingdings" panose="05000000000000000000" pitchFamily="2" charset="2"/>
               </a:rPr>
               <a:t>consumption</a:t>
             </a:r>
             <a:r>
-              <a:rPr lang="de-DE" baseline="0" dirty="0">
+              <a:rPr lang="de-DE" baseline="0">
                 <a:sym typeface="Wingdings" panose="05000000000000000000" pitchFamily="2" charset="2"/>
               </a:rPr>
               <a:t> stream </a:t>
             </a:r>
             <a:r>
-              <a:rPr lang="de-DE" baseline="0" dirty="0" err="1">
+              <a:rPr lang="de-DE" baseline="0" err="1">
                 <a:sym typeface="Wingdings" panose="05000000000000000000" pitchFamily="2" charset="2"/>
               </a:rPr>
               <a:t>the</a:t>
             </a:r>
             <a:r>
-              <a:rPr lang="de-DE" baseline="0" dirty="0">
+              <a:rPr lang="de-DE" baseline="0">
                 <a:sym typeface="Wingdings" panose="05000000000000000000" pitchFamily="2" charset="2"/>
               </a:rPr>
               <a:t> </a:t>
             </a:r>
             <a:r>
-              <a:rPr lang="de-DE" baseline="0" dirty="0" err="1">
+              <a:rPr lang="de-DE" baseline="0" err="1">
                 <a:sym typeface="Wingdings" panose="05000000000000000000" pitchFamily="2" charset="2"/>
               </a:rPr>
               <a:t>data</a:t>
             </a:r>
             <a:r>
-              <a:rPr lang="de-DE" baseline="0" dirty="0">
+              <a:rPr lang="de-DE" baseline="0">
                 <a:sym typeface="Wingdings" panose="05000000000000000000" pitchFamily="2" charset="2"/>
               </a:rPr>
               <a:t> </a:t>
             </a:r>
             <a:r>
-              <a:rPr lang="de-DE" baseline="0" dirty="0" err="1">
+              <a:rPr lang="de-DE" baseline="0" err="1">
                 <a:sym typeface="Wingdings" panose="05000000000000000000" pitchFamily="2" charset="2"/>
               </a:rPr>
               <a:t>to</a:t>
             </a:r>
             <a:r>
-              <a:rPr lang="de-DE" baseline="0" dirty="0">
+              <a:rPr lang="de-DE" baseline="0">
                 <a:sym typeface="Wingdings" panose="05000000000000000000" pitchFamily="2" charset="2"/>
               </a:rPr>
               <a:t> </a:t>
             </a:r>
             <a:r>
-              <a:rPr lang="de-DE" baseline="0" dirty="0" err="1">
+              <a:rPr lang="de-DE" baseline="0" err="1">
                 <a:sym typeface="Wingdings" panose="05000000000000000000" pitchFamily="2" charset="2"/>
               </a:rPr>
               <a:t>hhs</a:t>
             </a:r>
-            <a:endParaRPr lang="de-DE" baseline="0" dirty="0">
+            <a:endParaRPr lang="de-DE" baseline="0">
               <a:sym typeface="Wingdings" panose="05000000000000000000" pitchFamily="2" charset="2"/>
             </a:endParaRPr>
           </a:p>
           <a:p>
             <a:pPr marL="457200" indent="-298450"/>
             <a:r>
-              <a:rPr lang="de-DE" baseline="0" dirty="0" err="1">
+              <a:rPr lang="de-DE" baseline="0" err="1">
                 <a:sym typeface="Wingdings" panose="05000000000000000000" pitchFamily="2" charset="2"/>
               </a:rPr>
               <a:t>Encapsulated</a:t>
             </a:r>
             <a:r>
-              <a:rPr lang="de-DE" baseline="0" dirty="0">
+              <a:rPr lang="de-DE" baseline="0">
                 <a:sym typeface="Wingdings" panose="05000000000000000000" pitchFamily="2" charset="2"/>
               </a:rPr>
               <a:t> </a:t>
             </a:r>
             <a:r>
-              <a:rPr lang="de-DE" baseline="0" dirty="0" err="1">
+              <a:rPr lang="de-DE" baseline="0" err="1">
                 <a:sym typeface="Wingdings" panose="05000000000000000000" pitchFamily="2" charset="2"/>
               </a:rPr>
               <a:t>as</a:t>
             </a:r>
             <a:r>
-              <a:rPr lang="de-DE" baseline="0" dirty="0">
+              <a:rPr lang="de-DE" baseline="0">
                 <a:sym typeface="Wingdings" panose="05000000000000000000" pitchFamily="2" charset="2"/>
               </a:rPr>
               <a:t> a smart </a:t>
             </a:r>
             <a:r>
-              <a:rPr lang="de-DE" baseline="0" dirty="0" err="1">
+              <a:rPr lang="de-DE" baseline="0" err="1">
                 <a:sym typeface="Wingdings" panose="05000000000000000000" pitchFamily="2" charset="2"/>
               </a:rPr>
               <a:t>meter</a:t>
             </a:r>
-            <a:endParaRPr lang="de-DE" baseline="0" dirty="0">
+            <a:endParaRPr lang="de-DE" baseline="0">
               <a:sym typeface="Wingdings" panose="05000000000000000000" pitchFamily="2" charset="2"/>
             </a:endParaRPr>
           </a:p>
           <a:p>
             <a:pPr marL="457200" indent="-298450"/>
             <a:r>
-              <a:rPr lang="de-DE" baseline="0" dirty="0">
+              <a:rPr lang="de-DE" baseline="0">
                 <a:sym typeface="Wingdings" panose="05000000000000000000" pitchFamily="2" charset="2"/>
               </a:rPr>
               <a:t>Send </a:t>
             </a:r>
             <a:r>
-              <a:rPr lang="de-DE" baseline="0" dirty="0" err="1">
+              <a:rPr lang="de-DE" baseline="0" err="1">
                 <a:sym typeface="Wingdings" panose="05000000000000000000" pitchFamily="2" charset="2"/>
               </a:rPr>
               <a:t>data</a:t>
             </a:r>
             <a:r>
-              <a:rPr lang="de-DE" baseline="0" dirty="0">
+              <a:rPr lang="de-DE" baseline="0">
                 <a:sym typeface="Wingdings" panose="05000000000000000000" pitchFamily="2" charset="2"/>
               </a:rPr>
               <a:t> </a:t>
             </a:r>
             <a:r>
-              <a:rPr lang="de-DE" baseline="0" dirty="0" err="1">
+              <a:rPr lang="de-DE" baseline="0" err="1">
                 <a:sym typeface="Wingdings" panose="05000000000000000000" pitchFamily="2" charset="2"/>
               </a:rPr>
               <a:t>periodically</a:t>
             </a:r>
             <a:r>
-              <a:rPr lang="de-DE" baseline="0" dirty="0">
+              <a:rPr lang="de-DE" baseline="0">
                 <a:sym typeface="Wingdings" panose="05000000000000000000" pitchFamily="2" charset="2"/>
               </a:rPr>
               <a:t> (</a:t>
             </a:r>
             <a:r>
-              <a:rPr lang="de-DE" baseline="0" dirty="0" err="1">
+              <a:rPr lang="de-DE" baseline="0" err="1">
                 <a:sym typeface="Wingdings" panose="05000000000000000000" pitchFamily="2" charset="2"/>
               </a:rPr>
               <a:t>currently</a:t>
             </a:r>
             <a:r>
-              <a:rPr lang="de-DE" baseline="0" dirty="0">
+              <a:rPr lang="de-DE" baseline="0">
                 <a:sym typeface="Wingdings" panose="05000000000000000000" pitchFamily="2" charset="2"/>
               </a:rPr>
               <a:t> </a:t>
             </a:r>
             <a:r>
-              <a:rPr lang="de-DE" baseline="0" dirty="0" err="1">
+              <a:rPr lang="de-DE" baseline="0" err="1">
                 <a:sym typeface="Wingdings" panose="05000000000000000000" pitchFamily="2" charset="2"/>
               </a:rPr>
               <a:t>every</a:t>
             </a:r>
             <a:r>
-              <a:rPr lang="de-DE" baseline="0" dirty="0">
+              <a:rPr lang="de-DE" baseline="0">
                 <a:sym typeface="Wingdings" panose="05000000000000000000" pitchFamily="2" charset="2"/>
               </a:rPr>
               <a:t> 30s)</a:t>
@@ -12875,78 +12931,78 @@
           <a:p>
             <a:pPr marL="457200" indent="-298450"/>
             <a:r>
-              <a:rPr lang="de-DE" baseline="0" dirty="0">
+              <a:rPr lang="de-DE" baseline="0">
                 <a:sym typeface="Wingdings" panose="05000000000000000000" pitchFamily="2" charset="2"/>
               </a:rPr>
               <a:t>Add </a:t>
             </a:r>
             <a:r>
-              <a:rPr lang="de-DE" baseline="0" dirty="0" err="1">
+              <a:rPr lang="de-DE" baseline="0" err="1">
                 <a:sym typeface="Wingdings" panose="05000000000000000000" pitchFamily="2" charset="2"/>
               </a:rPr>
               <a:t>component</a:t>
             </a:r>
             <a:r>
-              <a:rPr lang="de-DE" baseline="0" dirty="0">
+              <a:rPr lang="de-DE" baseline="0">
                 <a:sym typeface="Wingdings" panose="05000000000000000000" pitchFamily="2" charset="2"/>
               </a:rPr>
               <a:t> </a:t>
             </a:r>
             <a:r>
-              <a:rPr lang="de-DE" baseline="0" dirty="0" err="1">
+              <a:rPr lang="de-DE" baseline="0" err="1">
                 <a:sym typeface="Wingdings" panose="05000000000000000000" pitchFamily="2" charset="2"/>
               </a:rPr>
               <a:t>that</a:t>
             </a:r>
             <a:r>
-              <a:rPr lang="de-DE" baseline="0" dirty="0">
+              <a:rPr lang="de-DE" baseline="0">
                 <a:sym typeface="Wingdings" panose="05000000000000000000" pitchFamily="2" charset="2"/>
               </a:rPr>
               <a:t> </a:t>
             </a:r>
             <a:r>
-              <a:rPr lang="de-DE" baseline="0" dirty="0" err="1">
+              <a:rPr lang="de-DE" baseline="0" err="1">
                 <a:sym typeface="Wingdings" panose="05000000000000000000" pitchFamily="2" charset="2"/>
               </a:rPr>
               <a:t>signs</a:t>
             </a:r>
             <a:r>
-              <a:rPr lang="de-DE" baseline="0" dirty="0">
+              <a:rPr lang="de-DE" baseline="0">
                 <a:sym typeface="Wingdings" panose="05000000000000000000" pitchFamily="2" charset="2"/>
               </a:rPr>
               <a:t> </a:t>
             </a:r>
             <a:r>
-              <a:rPr lang="de-DE" baseline="0" dirty="0" err="1">
+              <a:rPr lang="de-DE" baseline="0" err="1">
                 <a:sym typeface="Wingdings" panose="05000000000000000000" pitchFamily="2" charset="2"/>
               </a:rPr>
               <a:t>the</a:t>
             </a:r>
             <a:r>
-              <a:rPr lang="de-DE" baseline="0" dirty="0">
+              <a:rPr lang="de-DE" baseline="0">
                 <a:sym typeface="Wingdings" panose="05000000000000000000" pitchFamily="2" charset="2"/>
               </a:rPr>
               <a:t> </a:t>
             </a:r>
             <a:r>
-              <a:rPr lang="de-DE" baseline="0" dirty="0" err="1">
+              <a:rPr lang="de-DE" baseline="0" err="1">
                 <a:sym typeface="Wingdings" panose="05000000000000000000" pitchFamily="2" charset="2"/>
               </a:rPr>
               <a:t>sensor</a:t>
             </a:r>
             <a:r>
-              <a:rPr lang="de-DE" baseline="0" dirty="0">
+              <a:rPr lang="de-DE" baseline="0">
                 <a:sym typeface="Wingdings" panose="05000000000000000000" pitchFamily="2" charset="2"/>
               </a:rPr>
               <a:t> </a:t>
             </a:r>
             <a:r>
-              <a:rPr lang="de-DE" baseline="0" dirty="0" err="1">
+              <a:rPr lang="de-DE" baseline="0" err="1">
                 <a:sym typeface="Wingdings" panose="05000000000000000000" pitchFamily="2" charset="2"/>
               </a:rPr>
               <a:t>data</a:t>
             </a:r>
-            <a:endParaRPr lang="de-DE" baseline="0" dirty="0">
+            <a:endParaRPr lang="de-DE" baseline="0">
               <a:sym typeface="Wingdings" panose="05000000000000000000" pitchFamily="2" charset="2"/>
             </a:endParaRPr>
           </a:p>
@@ -13022,34 +13078,34 @@
               <a:buChar char="•"/>
             </a:pPr>
             <a:r>
-              <a:rPr lang="de-DE" dirty="0" err="1"/>
+              <a:rPr lang="de-DE" err="1"/>
               <a:t>NodeJS</a:t>
             </a:r>
             <a:r>
-              <a:rPr lang="de-DE" dirty="0"/>
+              <a:rPr lang="de-DE"/>
               <a:t> Server </a:t>
             </a:r>
             <a:r>
-              <a:rPr lang="de-DE" dirty="0" err="1"/>
+              <a:rPr lang="de-DE" err="1"/>
               <a:t>with</a:t>
             </a:r>
             <a:r>
-              <a:rPr lang="de-DE" dirty="0"/>
+              <a:rPr lang="de-DE"/>
               <a:t> Express.js </a:t>
             </a:r>
             <a:r>
-              <a:rPr lang="de-DE" dirty="0" err="1"/>
+              <a:rPr lang="de-DE" err="1"/>
               <a:t>as</a:t>
             </a:r>
             <a:r>
-              <a:rPr lang="de-DE" dirty="0"/>
+              <a:rPr lang="de-DE"/>
               <a:t> universal </a:t>
             </a:r>
             <a:r>
-              <a:rPr lang="de-DE" dirty="0" err="1"/>
+              <a:rPr lang="de-DE" err="1"/>
               <a:t>middleware</a:t>
             </a:r>
-            <a:endParaRPr lang="de-DE" dirty="0"/>
+            <a:endParaRPr lang="de-DE"/>
           </a:p>
           <a:p>
             <a:pPr marL="285750" indent="-285750">
@@ -13060,39 +13116,39 @@
               <a:buChar char="•"/>
             </a:pPr>
             <a:r>
-              <a:rPr lang="de-DE" dirty="0"/>
+              <a:rPr lang="de-DE"/>
               <a:t>MongoDB </a:t>
             </a:r>
             <a:r>
-              <a:rPr lang="de-DE" dirty="0" err="1"/>
+              <a:rPr lang="de-DE" err="1"/>
               <a:t>to</a:t>
             </a:r>
             <a:r>
-              <a:rPr lang="de-DE" dirty="0"/>
+              <a:rPr lang="de-DE"/>
               <a:t> </a:t>
             </a:r>
             <a:r>
-              <a:rPr lang="de-DE" dirty="0" err="1"/>
+              <a:rPr lang="de-DE" err="1"/>
               <a:t>store</a:t>
             </a:r>
             <a:r>
-              <a:rPr lang="de-DE" dirty="0"/>
+              <a:rPr lang="de-DE"/>
               <a:t> Sensors Data (and Blockchain Data, </a:t>
             </a:r>
             <a:r>
-              <a:rPr lang="de-DE" dirty="0" err="1"/>
+              <a:rPr lang="de-DE" err="1"/>
               <a:t>explained</a:t>
             </a:r>
             <a:r>
-              <a:rPr lang="de-DE" dirty="0"/>
+              <a:rPr lang="de-DE"/>
               <a:t> </a:t>
             </a:r>
             <a:r>
-              <a:rPr lang="de-DE" dirty="0" err="1"/>
+              <a:rPr lang="de-DE" err="1"/>
               <a:t>later</a:t>
             </a:r>
             <a:r>
-              <a:rPr lang="de-DE" dirty="0"/>
+              <a:rPr lang="de-DE"/>
               <a:t>)</a:t>
             </a:r>
           </a:p>
@@ -13105,63 +13161,63 @@
               <a:buChar char="•"/>
             </a:pPr>
             <a:r>
-              <a:rPr lang="de-DE" dirty="0"/>
+              <a:rPr lang="de-DE"/>
               <a:t>User Interface </a:t>
             </a:r>
             <a:r>
-              <a:rPr lang="de-DE" dirty="0" err="1"/>
+              <a:rPr lang="de-DE" err="1"/>
               <a:t>for</a:t>
             </a:r>
             <a:r>
-              <a:rPr lang="de-DE" dirty="0"/>
+              <a:rPr lang="de-DE"/>
               <a:t> </a:t>
             </a:r>
             <a:r>
-              <a:rPr lang="de-DE" dirty="0" err="1"/>
+              <a:rPr lang="de-DE" err="1"/>
               <a:t>Displaying</a:t>
             </a:r>
             <a:r>
-              <a:rPr lang="de-DE" dirty="0"/>
+              <a:rPr lang="de-DE"/>
               <a:t> Data </a:t>
             </a:r>
             <a:r>
-              <a:rPr lang="de-DE" dirty="0" err="1"/>
+              <a:rPr lang="de-DE" err="1"/>
               <a:t>to</a:t>
             </a:r>
             <a:r>
-              <a:rPr lang="de-DE" dirty="0"/>
+              <a:rPr lang="de-DE"/>
               <a:t> </a:t>
             </a:r>
             <a:r>
-              <a:rPr lang="de-DE" dirty="0" err="1"/>
+              <a:rPr lang="de-DE" err="1"/>
               <a:t>the</a:t>
             </a:r>
             <a:r>
-              <a:rPr lang="de-DE" dirty="0"/>
+              <a:rPr lang="de-DE"/>
               <a:t> </a:t>
             </a:r>
             <a:r>
-              <a:rPr lang="de-DE" dirty="0" err="1"/>
+              <a:rPr lang="de-DE" err="1"/>
               <a:t>user</a:t>
             </a:r>
             <a:r>
-              <a:rPr lang="de-DE" dirty="0"/>
+              <a:rPr lang="de-DE"/>
               <a:t>, </a:t>
             </a:r>
             <a:r>
-              <a:rPr lang="de-DE" dirty="0" err="1"/>
+              <a:rPr lang="de-DE" err="1"/>
               <a:t>data</a:t>
             </a:r>
             <a:r>
-              <a:rPr lang="de-DE" dirty="0"/>
+              <a:rPr lang="de-DE"/>
               <a:t> </a:t>
             </a:r>
             <a:r>
-              <a:rPr lang="de-DE" dirty="0" err="1"/>
+              <a:rPr lang="de-DE" err="1"/>
               <a:t>from</a:t>
             </a:r>
             <a:r>
-              <a:rPr lang="de-DE" dirty="0"/>
+              <a:rPr lang="de-DE"/>
               <a:t> Database via HHS</a:t>
             </a:r>
           </a:p>
@@ -13174,31 +13230,31 @@
               <a:buChar char="•"/>
             </a:pPr>
             <a:r>
-              <a:rPr lang="de-DE" dirty="0"/>
+              <a:rPr lang="de-DE"/>
               <a:t>Parity Client </a:t>
             </a:r>
             <a:r>
-              <a:rPr lang="de-DE" dirty="0" err="1"/>
+              <a:rPr lang="de-DE" err="1"/>
               <a:t>as</a:t>
             </a:r>
             <a:r>
-              <a:rPr lang="de-DE" dirty="0"/>
+              <a:rPr lang="de-DE"/>
               <a:t> Interface </a:t>
             </a:r>
             <a:r>
-              <a:rPr lang="de-DE" dirty="0" err="1"/>
+              <a:rPr lang="de-DE" err="1"/>
               <a:t>to</a:t>
             </a:r>
             <a:r>
-              <a:rPr lang="de-DE" dirty="0"/>
+              <a:rPr lang="de-DE"/>
               <a:t> </a:t>
             </a:r>
             <a:r>
-              <a:rPr lang="de-DE" dirty="0" err="1"/>
+              <a:rPr lang="de-DE" err="1"/>
               <a:t>the</a:t>
             </a:r>
             <a:r>
-              <a:rPr lang="de-DE" dirty="0"/>
+              <a:rPr lang="de-DE"/>
               <a:t> Blockchain</a:t>
             </a:r>
           </a:p>
@@ -13208,15 +13264,15 @@
               <a:buChar char="•"/>
             </a:pPr>
             <a:r>
-              <a:rPr lang="de-DE" dirty="0"/>
+              <a:rPr lang="de-DE"/>
               <a:t>Access </a:t>
             </a:r>
             <a:r>
-              <a:rPr lang="de-DE" dirty="0" err="1"/>
+              <a:rPr lang="de-DE" err="1"/>
               <a:t>to</a:t>
             </a:r>
             <a:r>
-              <a:rPr lang="de-DE" dirty="0"/>
+              <a:rPr lang="de-DE"/>
               <a:t> Blockchain</a:t>
             </a:r>
           </a:p>
@@ -13292,15 +13348,15 @@
               <a:buChar char="•"/>
             </a:pPr>
             <a:r>
-              <a:rPr lang="de-DE" dirty="0"/>
+              <a:rPr lang="de-DE"/>
               <a:t>Ethereum Proof </a:t>
             </a:r>
             <a:r>
-              <a:rPr lang="de-DE" dirty="0" err="1"/>
+              <a:rPr lang="de-DE" err="1"/>
               <a:t>of</a:t>
             </a:r>
             <a:r>
-              <a:rPr lang="de-DE" dirty="0"/>
+              <a:rPr lang="de-DE"/>
               <a:t> Authority Blockchain</a:t>
             </a:r>
           </a:p>
@@ -13313,11 +13369,11 @@
               <a:buChar char="•"/>
             </a:pPr>
             <a:r>
-              <a:rPr lang="de-DE" dirty="0" err="1"/>
+              <a:rPr lang="de-DE" err="1"/>
               <a:t>Built</a:t>
             </a:r>
             <a:r>
-              <a:rPr lang="de-DE" dirty="0"/>
+              <a:rPr lang="de-DE"/>
               <a:t> on Parity</a:t>
             </a:r>
           </a:p>
@@ -13330,14 +13386,14 @@
               <a:buChar char="•"/>
             </a:pPr>
             <a:r>
-              <a:rPr lang="de-DE" dirty="0"/>
+              <a:rPr lang="de-DE"/>
               <a:t>Smart </a:t>
             </a:r>
             <a:r>
-              <a:rPr lang="de-DE" dirty="0" err="1"/>
+              <a:rPr lang="de-DE" err="1"/>
               <a:t>Contracts</a:t>
             </a:r>
-            <a:endParaRPr lang="de-DE" dirty="0"/>
+            <a:endParaRPr lang="de-DE"/>
           </a:p>
           <a:p>
             <a:pPr marL="742950" lvl="1" indent="-285750">
@@ -13345,11 +13401,11 @@
               <a:buChar char="•"/>
             </a:pPr>
             <a:r>
-              <a:rPr lang="de-DE" dirty="0" err="1"/>
+              <a:rPr lang="de-DE" err="1"/>
               <a:t>Validator</a:t>
             </a:r>
             <a:r>
-              <a:rPr lang="de-DE" dirty="0"/>
+              <a:rPr lang="de-DE"/>
               <a:t> Set</a:t>
             </a:r>
           </a:p>
@@ -13359,7 +13415,7 @@
               <a:buChar char="•"/>
             </a:pPr>
             <a:r>
-              <a:rPr lang="de-DE" dirty="0"/>
+              <a:rPr lang="de-DE"/>
               <a:t>Settlement</a:t>
             </a:r>
           </a:p>
@@ -13369,30 +13425,30 @@
               <a:buChar char="•"/>
             </a:pPr>
             <a:r>
-              <a:rPr lang="de-DE" dirty="0"/>
+              <a:rPr lang="de-DE"/>
               <a:t>Gas </a:t>
             </a:r>
             <a:r>
-              <a:rPr lang="de-DE" dirty="0" err="1"/>
+              <a:rPr lang="de-DE" err="1"/>
               <a:t>price</a:t>
             </a:r>
             <a:r>
-              <a:rPr lang="de-DE" dirty="0"/>
+              <a:rPr lang="de-DE"/>
               <a:t> </a:t>
             </a:r>
             <a:r>
-              <a:rPr lang="de-DE" dirty="0" err="1"/>
+              <a:rPr lang="de-DE" err="1"/>
               <a:t>for</a:t>
             </a:r>
             <a:r>
-              <a:rPr lang="de-DE" dirty="0"/>
+              <a:rPr lang="de-DE"/>
               <a:t> </a:t>
             </a:r>
             <a:r>
-              <a:rPr lang="de-DE" dirty="0" err="1"/>
+              <a:rPr lang="de-DE" err="1"/>
               <a:t>netting</a:t>
             </a:r>
-            <a:endParaRPr lang="de-DE" dirty="0"/>
+            <a:endParaRPr lang="de-DE"/>
           </a:p>
           <a:p>
             <a:pPr marL="285750" lvl="0" indent="-285750">
@@ -13400,46 +13456,46 @@
               <a:buChar char="•"/>
             </a:pPr>
             <a:r>
-              <a:rPr lang="de-DE" dirty="0"/>
+              <a:rPr lang="de-DE"/>
               <a:t>Block rate </a:t>
             </a:r>
             <a:r>
-              <a:rPr lang="de-DE" dirty="0">
+              <a:rPr lang="de-DE">
                 <a:sym typeface="Wingdings" panose="05000000000000000000" pitchFamily="2" charset="2"/>
               </a:rPr>
               <a:t> </a:t>
             </a:r>
             <a:r>
-              <a:rPr lang="de-DE" dirty="0" err="1">
+              <a:rPr lang="de-DE" err="1">
                 <a:sym typeface="Wingdings" panose="05000000000000000000" pitchFamily="2" charset="2"/>
               </a:rPr>
               <a:t>netting</a:t>
             </a:r>
             <a:r>
-              <a:rPr lang="de-DE" dirty="0">
+              <a:rPr lang="de-DE">
                 <a:sym typeface="Wingdings" panose="05000000000000000000" pitchFamily="2" charset="2"/>
               </a:rPr>
               <a:t> </a:t>
             </a:r>
             <a:r>
-              <a:rPr lang="de-DE" dirty="0" err="1">
+              <a:rPr lang="de-DE" err="1">
                 <a:sym typeface="Wingdings" panose="05000000000000000000" pitchFamily="2" charset="2"/>
               </a:rPr>
               <a:t>every</a:t>
             </a:r>
             <a:r>
-              <a:rPr lang="de-DE" dirty="0">
+              <a:rPr lang="de-DE">
                 <a:sym typeface="Wingdings" panose="05000000000000000000" pitchFamily="2" charset="2"/>
               </a:rPr>
               <a:t> 5 </a:t>
             </a:r>
             <a:r>
-              <a:rPr lang="de-DE" dirty="0" err="1">
+              <a:rPr lang="de-DE" err="1">
                 <a:sym typeface="Wingdings" panose="05000000000000000000" pitchFamily="2" charset="2"/>
               </a:rPr>
               <a:t>blocks</a:t>
             </a:r>
-            <a:endParaRPr lang="de-DE" dirty="0"/>
+            <a:endParaRPr lang="de-DE"/>
           </a:p>
         </p:txBody>
       </p:sp>
@@ -13518,7 +13574,7 @@
               <a:rPr lang="de-DE"/>
               <a:t>Mastertitelformat bearbeiten</a:t>
             </a:r>
-            <a:endParaRPr lang="en-US" dirty="0"/>
+            <a:endParaRPr lang="en-US"/>
           </a:p>
         </p:txBody>
       </p:sp>
@@ -13648,7 +13704,7 @@
               <a:rPr lang="de-DE"/>
               <a:t>Master-Untertitelformat bearbeiten</a:t>
             </a:r>
-            <a:endParaRPr lang="en-US" dirty="0"/>
+            <a:endParaRPr lang="en-US"/>
           </a:p>
         </p:txBody>
       </p:sp>
@@ -13716,7 +13772,7 @@
             </a:pPr>
             <a:fld id="{00000000-1234-1234-1234-123412341234}" type="slidenum">
               <a:rPr lang="de-DE" smtClean="0"/>
-              <a:t>‹Nr.›</a:t>
+              <a:t>‹#›</a:t>
             </a:fld>
             <a:endParaRPr lang="de-DE"/>
           </a:p>
@@ -13794,7 +13850,7 @@
               <a:rPr lang="de-DE"/>
               <a:t>Mastertitelformat bearbeiten</a:t>
             </a:r>
-            <a:endParaRPr lang="en-US" dirty="0"/>
+            <a:endParaRPr lang="en-US"/>
           </a:p>
         </p:txBody>
       </p:sp>
@@ -13889,7 +13945,7 @@
               <a:rPr lang="de-DE"/>
               <a:t>Bild durch Klicken auf Symbol hinzufügen</a:t>
             </a:r>
-            <a:endParaRPr lang="en-US" dirty="0"/>
+            <a:endParaRPr lang="en-US"/>
           </a:p>
         </p:txBody>
       </p:sp>
@@ -14024,7 +14080,7 @@
             </a:pPr>
             <a:fld id="{00000000-1234-1234-1234-123412341234}" type="slidenum">
               <a:rPr lang="de-DE" smtClean="0"/>
-              <a:t>‹Nr.›</a:t>
+              <a:t>‹#›</a:t>
             </a:fld>
             <a:endParaRPr lang="de-DE"/>
           </a:p>
@@ -14102,7 +14158,7 @@
               <a:rPr lang="de-DE"/>
               <a:t>Mastertitelformat bearbeiten</a:t>
             </a:r>
-            <a:endParaRPr lang="en-US" dirty="0"/>
+            <a:endParaRPr lang="en-US"/>
           </a:p>
         </p:txBody>
       </p:sp>
@@ -14300,7 +14356,7 @@
             </a:pPr>
             <a:fld id="{00000000-1234-1234-1234-123412341234}" type="slidenum">
               <a:rPr lang="de-DE" smtClean="0"/>
-              <a:t>‹Nr.›</a:t>
+              <a:t>‹#›</a:t>
             </a:fld>
             <a:endParaRPr lang="de-DE"/>
           </a:p>
@@ -14453,7 +14509,7 @@
           <a:p>
             <a:pPr lvl="0"/>
             <a:r>
-              <a:rPr lang="en-US" sz="6000" dirty="0">
+              <a:rPr lang="en-US" sz="6000">
                 <a:solidFill>
                   <a:schemeClr val="accent1"/>
                 </a:solidFill>
@@ -14568,7 +14624,7 @@
           <a:p>
             <a:pPr lvl="0" algn="r"/>
             <a:r>
-              <a:rPr lang="en-US" sz="6000" dirty="0">
+              <a:rPr lang="en-US" sz="6000">
                 <a:solidFill>
                   <a:schemeClr val="accent1"/>
                 </a:solidFill>
@@ -14612,7 +14668,7 @@
               <a:rPr lang="de-DE"/>
               <a:t>Mastertitelformat bearbeiten</a:t>
             </a:r>
-            <a:endParaRPr lang="en-US" dirty="0"/>
+            <a:endParaRPr lang="en-US"/>
           </a:p>
         </p:txBody>
       </p:sp>
@@ -14786,7 +14842,7 @@
             </a:pPr>
             <a:fld id="{00000000-1234-1234-1234-123412341234}" type="slidenum">
               <a:rPr lang="de-DE" smtClean="0"/>
-              <a:t>‹Nr.›</a:t>
+              <a:t>‹#›</a:t>
             </a:fld>
             <a:endParaRPr lang="de-DE"/>
           </a:p>
@@ -14864,7 +14920,7 @@
               <a:rPr lang="de-DE"/>
               <a:t>Mastertitelformat bearbeiten</a:t>
             </a:r>
-            <a:endParaRPr lang="en-US" dirty="0"/>
+            <a:endParaRPr lang="en-US"/>
           </a:p>
         </p:txBody>
       </p:sp>
@@ -14983,7 +15039,7 @@
             </a:pPr>
             <a:fld id="{00000000-1234-1234-1234-123412341234}" type="slidenum">
               <a:rPr lang="de-DE" smtClean="0"/>
-              <a:t>‹Nr.›</a:t>
+              <a:t>‹#›</a:t>
             </a:fld>
             <a:endParaRPr lang="de-DE"/>
           </a:p>
@@ -15136,7 +15192,7 @@
           <a:p>
             <a:pPr lvl="0"/>
             <a:r>
-              <a:rPr lang="en-US" sz="6000" dirty="0">
+              <a:rPr lang="en-US" sz="6000">
                 <a:solidFill>
                   <a:schemeClr val="accent1"/>
                 </a:solidFill>
@@ -15251,7 +15307,7 @@
           <a:p>
             <a:pPr lvl="0" algn="r"/>
             <a:r>
-              <a:rPr lang="en-US" sz="6000" dirty="0">
+              <a:rPr lang="en-US" sz="6000">
                 <a:solidFill>
                   <a:schemeClr val="accent1"/>
                 </a:solidFill>
@@ -15306,7 +15362,7 @@
               <a:rPr lang="de-DE"/>
               <a:t>Mastertitelformat bearbeiten</a:t>
             </a:r>
-            <a:endParaRPr lang="en-US" dirty="0"/>
+            <a:endParaRPr lang="en-US"/>
           </a:p>
         </p:txBody>
       </p:sp>
@@ -15576,7 +15632,7 @@
             </a:pPr>
             <a:fld id="{00000000-1234-1234-1234-123412341234}" type="slidenum">
               <a:rPr lang="de-DE" smtClean="0"/>
-              <a:t>‹Nr.›</a:t>
+              <a:t>‹#›</a:t>
             </a:fld>
             <a:endParaRPr lang="de-DE"/>
           </a:p>
@@ -15655,7 +15711,7 @@
               <a:rPr lang="de-DE"/>
               <a:t>Mastertitelformat bearbeiten</a:t>
             </a:r>
-            <a:endParaRPr lang="en-US" dirty="0"/>
+            <a:endParaRPr lang="en-US"/>
           </a:p>
         </p:txBody>
       </p:sp>
@@ -15925,7 +15981,7 @@
             </a:pPr>
             <a:fld id="{00000000-1234-1234-1234-123412341234}" type="slidenum">
               <a:rPr lang="de-DE" smtClean="0"/>
-              <a:t>‹Nr.›</a:t>
+              <a:t>‹#›</a:t>
             </a:fld>
             <a:endParaRPr lang="de-DE"/>
           </a:p>
@@ -15997,7 +16053,7 @@
               <a:rPr lang="de-DE"/>
               <a:t>Mastertitelformat bearbeiten</a:t>
             </a:r>
-            <a:endParaRPr lang="en-US" dirty="0"/>
+            <a:endParaRPr lang="en-US"/>
           </a:p>
         </p:txBody>
       </p:sp>
@@ -16049,7 +16105,7 @@
               <a:rPr lang="de-DE"/>
               <a:t>Fünfte Ebene</a:t>
             </a:r>
-            <a:endParaRPr lang="en-US" dirty="0"/>
+            <a:endParaRPr lang="en-US"/>
           </a:p>
         </p:txBody>
       </p:sp>
@@ -16117,7 +16173,7 @@
             </a:pPr>
             <a:fld id="{00000000-1234-1234-1234-123412341234}" type="slidenum">
               <a:rPr lang="de-DE" smtClean="0"/>
-              <a:t>‹Nr.›</a:t>
+              <a:t>‹#›</a:t>
             </a:fld>
             <a:endParaRPr lang="de-DE"/>
           </a:p>
@@ -16189,7 +16245,7 @@
               <a:rPr lang="de-DE"/>
               <a:t>Mastertitelformat bearbeiten</a:t>
             </a:r>
-            <a:endParaRPr lang="en-US" dirty="0"/>
+            <a:endParaRPr lang="en-US"/>
           </a:p>
         </p:txBody>
       </p:sp>
@@ -16246,7 +16302,7 @@
               <a:rPr lang="de-DE"/>
               <a:t>Fünfte Ebene</a:t>
             </a:r>
-            <a:endParaRPr lang="en-US" dirty="0"/>
+            <a:endParaRPr lang="en-US"/>
           </a:p>
         </p:txBody>
       </p:sp>
@@ -16314,7 +16370,7 @@
             </a:pPr>
             <a:fld id="{00000000-1234-1234-1234-123412341234}" type="slidenum">
               <a:rPr lang="de-DE" smtClean="0"/>
-              <a:t>‹Nr.›</a:t>
+              <a:t>‹#›</a:t>
             </a:fld>
             <a:endParaRPr lang="de-DE"/>
           </a:p>
@@ -16689,7 +16745,7 @@
             </a:pPr>
             <a:fld id="{00000000-1234-1234-1234-123412341234}" type="slidenum">
               <a:rPr lang="en"/>
-              <a:t>‹Nr.›</a:t>
+              <a:t>‹#›</a:t>
             </a:fld>
             <a:endParaRPr/>
           </a:p>
@@ -16756,7 +16812,7 @@
               <a:rPr lang="de-DE"/>
               <a:t>Mastertitelformat bearbeiten</a:t>
             </a:r>
-            <a:endParaRPr lang="en-US" dirty="0"/>
+            <a:endParaRPr lang="en-US"/>
           </a:p>
         </p:txBody>
       </p:sp>
@@ -16808,7 +16864,7 @@
               <a:rPr lang="de-DE"/>
               <a:t>Fünfte Ebene</a:t>
             </a:r>
-            <a:endParaRPr lang="en-US" dirty="0"/>
+            <a:endParaRPr lang="en-US"/>
           </a:p>
         </p:txBody>
       </p:sp>
@@ -16876,7 +16932,7 @@
             </a:pPr>
             <a:fld id="{00000000-1234-1234-1234-123412341234}" type="slidenum">
               <a:rPr lang="de-DE" smtClean="0"/>
-              <a:t>‹Nr.›</a:t>
+              <a:t>‹#›</a:t>
             </a:fld>
             <a:endParaRPr lang="de-DE"/>
           </a:p>
@@ -16952,7 +17008,7 @@
               <a:rPr lang="de-DE"/>
               <a:t>Mastertitelformat bearbeiten</a:t>
             </a:r>
-            <a:endParaRPr lang="en-US" dirty="0"/>
+            <a:endParaRPr lang="en-US"/>
           </a:p>
         </p:txBody>
       </p:sp>
@@ -17150,7 +17206,7 @@
             </a:pPr>
             <a:fld id="{00000000-1234-1234-1234-123412341234}" type="slidenum">
               <a:rPr lang="de-DE" smtClean="0"/>
-              <a:t>‹Nr.›</a:t>
+              <a:t>‹#›</a:t>
             </a:fld>
             <a:endParaRPr lang="de-DE"/>
           </a:p>
@@ -17217,7 +17273,7 @@
               <a:rPr lang="de-DE"/>
               <a:t>Mastertitelformat bearbeiten</a:t>
             </a:r>
-            <a:endParaRPr lang="en-US" dirty="0"/>
+            <a:endParaRPr lang="en-US"/>
           </a:p>
         </p:txBody>
       </p:sp>
@@ -17304,7 +17360,7 @@
               <a:rPr lang="de-DE"/>
               <a:t>Fünfte Ebene</a:t>
             </a:r>
-            <a:endParaRPr lang="en-US" dirty="0"/>
+            <a:endParaRPr lang="en-US"/>
           </a:p>
         </p:txBody>
       </p:sp>
@@ -17391,7 +17447,7 @@
               <a:rPr lang="de-DE"/>
               <a:t>Fünfte Ebene</a:t>
             </a:r>
-            <a:endParaRPr lang="en-US" dirty="0"/>
+            <a:endParaRPr lang="en-US"/>
           </a:p>
         </p:txBody>
       </p:sp>
@@ -17459,7 +17515,7 @@
             </a:pPr>
             <a:fld id="{00000000-1234-1234-1234-123412341234}" type="slidenum">
               <a:rPr lang="de-DE" smtClean="0"/>
-              <a:t>‹Nr.›</a:t>
+              <a:t>‹#›</a:t>
             </a:fld>
             <a:endParaRPr lang="de-DE"/>
           </a:p>
@@ -17530,7 +17586,7 @@
               <a:rPr lang="de-DE"/>
               <a:t>Mastertitelformat bearbeiten</a:t>
             </a:r>
-            <a:endParaRPr lang="en-US" dirty="0"/>
+            <a:endParaRPr lang="en-US"/>
           </a:p>
         </p:txBody>
       </p:sp>
@@ -17684,7 +17740,7 @@
               <a:rPr lang="de-DE"/>
               <a:t>Fünfte Ebene</a:t>
             </a:r>
-            <a:endParaRPr lang="en-US" dirty="0"/>
+            <a:endParaRPr lang="en-US"/>
           </a:p>
         </p:txBody>
       </p:sp>
@@ -17838,7 +17894,7 @@
               <a:rPr lang="de-DE"/>
               <a:t>Fünfte Ebene</a:t>
             </a:r>
-            <a:endParaRPr lang="en-US" dirty="0"/>
+            <a:endParaRPr lang="en-US"/>
           </a:p>
         </p:txBody>
       </p:sp>
@@ -17906,7 +17962,7 @@
             </a:pPr>
             <a:fld id="{00000000-1234-1234-1234-123412341234}" type="slidenum">
               <a:rPr lang="de-DE" smtClean="0"/>
-              <a:t>‹Nr.›</a:t>
+              <a:t>‹#›</a:t>
             </a:fld>
             <a:endParaRPr lang="de-DE"/>
           </a:p>
@@ -17973,7 +18029,7 @@
               <a:rPr lang="de-DE"/>
               <a:t>Mastertitelformat bearbeiten</a:t>
             </a:r>
-            <a:endParaRPr lang="en-US" dirty="0"/>
+            <a:endParaRPr lang="en-US"/>
           </a:p>
         </p:txBody>
       </p:sp>
@@ -18041,7 +18097,7 @@
             </a:pPr>
             <a:fld id="{00000000-1234-1234-1234-123412341234}" type="slidenum">
               <a:rPr lang="de-DE" smtClean="0"/>
-              <a:t>‹Nr.›</a:t>
+              <a:t>‹#›</a:t>
             </a:fld>
             <a:endParaRPr lang="de-DE"/>
           </a:p>
@@ -18153,7 +18209,7 @@
             </a:pPr>
             <a:fld id="{00000000-1234-1234-1234-123412341234}" type="slidenum">
               <a:rPr lang="de-DE" smtClean="0"/>
-              <a:t>‹Nr.›</a:t>
+              <a:t>‹#›</a:t>
             </a:fld>
             <a:endParaRPr lang="de-DE"/>
           </a:p>
@@ -18231,7 +18287,7 @@
               <a:rPr lang="de-DE"/>
               <a:t>Mastertitelformat bearbeiten</a:t>
             </a:r>
-            <a:endParaRPr lang="en-US" dirty="0"/>
+            <a:endParaRPr lang="en-US"/>
           </a:p>
         </p:txBody>
       </p:sp>
@@ -18318,7 +18374,7 @@
               <a:rPr lang="de-DE"/>
               <a:t>Fünfte Ebene</a:t>
             </a:r>
-            <a:endParaRPr lang="en-US" dirty="0"/>
+            <a:endParaRPr lang="en-US"/>
           </a:p>
         </p:txBody>
       </p:sp>
@@ -18453,7 +18509,7 @@
             </a:pPr>
             <a:fld id="{00000000-1234-1234-1234-123412341234}" type="slidenum">
               <a:rPr lang="de-DE" smtClean="0"/>
-              <a:t>‹Nr.›</a:t>
+              <a:t>‹#›</a:t>
             </a:fld>
             <a:endParaRPr lang="de-DE"/>
           </a:p>
@@ -18531,7 +18587,7 @@
               <a:rPr lang="de-DE"/>
               <a:t>Mastertitelformat bearbeiten</a:t>
             </a:r>
-            <a:endParaRPr lang="en-US" dirty="0"/>
+            <a:endParaRPr lang="en-US"/>
           </a:p>
         </p:txBody>
       </p:sp>
@@ -18621,7 +18677,7 @@
               <a:rPr lang="de-DE"/>
               <a:t>Bild durch Klicken auf Symbol hinzufügen</a:t>
             </a:r>
-            <a:endParaRPr lang="en-US" dirty="0"/>
+            <a:endParaRPr lang="en-US"/>
           </a:p>
         </p:txBody>
       </p:sp>
@@ -18771,7 +18827,7 @@
             </a:pPr>
             <a:fld id="{00000000-1234-1234-1234-123412341234}" type="slidenum">
               <a:rPr lang="de-DE" smtClean="0"/>
-              <a:t>‹Nr.›</a:t>
+              <a:t>‹#›</a:t>
             </a:fld>
             <a:endParaRPr lang="de-DE"/>
           </a:p>
@@ -18853,7 +18909,7 @@
               <a:rPr lang="de-DE"/>
               <a:t>Mastertitelformat bearbeiten</a:t>
             </a:r>
-            <a:endParaRPr lang="en-US" dirty="0"/>
+            <a:endParaRPr lang="en-US"/>
           </a:p>
         </p:txBody>
       </p:sp>
@@ -18915,7 +18971,7 @@
               <a:rPr lang="de-DE"/>
               <a:t>Fünfte Ebene</a:t>
             </a:r>
-            <a:endParaRPr lang="en-US" dirty="0"/>
+            <a:endParaRPr lang="en-US"/>
           </a:p>
         </p:txBody>
       </p:sp>
@@ -19061,7 +19117,7 @@
             </a:pPr>
             <a:fld id="{00000000-1234-1234-1234-123412341234}" type="slidenum">
               <a:rPr lang="de-DE" smtClean="0"/>
-              <a:t>‹Nr.›</a:t>
+              <a:t>‹#›</a:t>
             </a:fld>
             <a:endParaRPr lang="de-DE"/>
           </a:p>
@@ -19785,10 +19841,10 @@
               <a:buNone/>
             </a:pPr>
             <a:r>
-              <a:rPr lang="en" sz="4400" dirty="0"/>
+              <a:rPr lang="en" sz="4400"/>
               <a:t>Cloud Prototyping SS19</a:t>
             </a:r>
-            <a:endParaRPr sz="4400" dirty="0"/>
+            <a:endParaRPr sz="4400"/>
           </a:p>
         </p:txBody>
       </p:sp>
@@ -19827,7 +19883,7 @@
               <a:buNone/>
             </a:pPr>
             <a:r>
-              <a:rPr lang="en" sz="2400" dirty="0"/>
+              <a:rPr lang="en" sz="2400"/>
               <a:t>Decentralized Energy Trading </a:t>
             </a:r>
           </a:p>
@@ -19842,10 +19898,10 @@
               <a:buNone/>
             </a:pPr>
             <a:r>
-              <a:rPr lang="en" sz="2400" dirty="0"/>
+              <a:rPr lang="en" sz="2400"/>
               <a:t>Midterm Presentation</a:t>
             </a:r>
-            <a:endParaRPr sz="2400" dirty="0"/>
+            <a:endParaRPr sz="2400"/>
           </a:p>
         </p:txBody>
       </p:sp>
@@ -19945,7 +20001,7 @@
           <a:lstStyle/>
           <a:p>
             <a:r>
-              <a:rPr lang="de-DE" dirty="0"/>
+              <a:rPr lang="de-DE"/>
               <a:t>Architecture</a:t>
             </a:r>
           </a:p>
@@ -19992,7 +20048,7 @@
           <a:p>
             <a:pPr algn="ctr"/>
             <a:r>
-              <a:rPr lang="de-DE" dirty="0"/>
+              <a:rPr lang="de-DE"/>
               <a:t>Household JS-Server</a:t>
             </a:r>
           </a:p>
@@ -20039,7 +20095,7 @@
           <a:p>
             <a:pPr algn="ctr"/>
             <a:r>
-              <a:rPr lang="de-DE" dirty="0"/>
+              <a:rPr lang="de-DE"/>
               <a:t>User Interface</a:t>
             </a:r>
           </a:p>
@@ -20086,7 +20142,7 @@
           <a:p>
             <a:pPr algn="ctr"/>
             <a:r>
-              <a:rPr lang="de-DE" dirty="0"/>
+              <a:rPr lang="de-DE"/>
               <a:t>Database</a:t>
             </a:r>
           </a:p>
@@ -20227,7 +20283,7 @@
           <a:p>
             <a:pPr algn="ctr"/>
             <a:r>
-              <a:rPr lang="de-DE" dirty="0"/>
+              <a:rPr lang="de-DE"/>
               <a:t>Parity Client</a:t>
             </a:r>
           </a:p>
@@ -20321,10 +20377,10 @@
           <a:p>
             <a:pPr algn="ctr"/>
             <a:r>
-              <a:rPr lang="de-DE" dirty="0" err="1"/>
+              <a:rPr lang="de-DE" err="1"/>
               <a:t>dUtility</a:t>
             </a:r>
-            <a:endParaRPr lang="de-DE" dirty="0"/>
+            <a:endParaRPr lang="de-DE"/>
           </a:p>
         </p:txBody>
       </p:sp>
@@ -20369,11 +20425,11 @@
           <a:p>
             <a:pPr algn="ctr"/>
             <a:r>
-              <a:rPr lang="de-DE" dirty="0" err="1"/>
+              <a:rPr lang="de-DE" err="1"/>
               <a:t>Validator</a:t>
             </a:r>
             <a:r>
-              <a:rPr lang="de-DE" dirty="0"/>
+              <a:rPr lang="de-DE"/>
               <a:t> Set</a:t>
             </a:r>
           </a:p>
@@ -20539,8 +20595,8 @@
         </p:nvSpPr>
         <p:spPr>
           <a:xfrm>
-            <a:off x="4549140" y="1017725"/>
-            <a:ext cx="2194560" cy="307777"/>
+            <a:off x="4570706" y="1071640"/>
+            <a:ext cx="2194560" cy="523220"/>
           </a:xfrm>
           <a:prstGeom prst="rect">
             <a:avLst/>
@@ -20548,25 +20604,24 @@
           <a:noFill/>
         </p:spPr>
         <p:txBody>
-          <a:bodyPr wrap="square" rtlCol="0">
+          <a:bodyPr wrap="square" rtlCol="0" anchor="t">
             <a:spAutoFit/>
           </a:bodyPr>
           <a:lstStyle/>
           <a:p>
             <a:pPr algn="ctr"/>
             <a:r>
-              <a:rPr lang="de-DE" sz="1400" dirty="0" err="1"/>
+              <a:rPr lang="de-DE" sz="1400" err="1"/>
               <a:t>Collecting</a:t>
             </a:r>
             <a:r>
-              <a:rPr lang="de-DE" sz="1400" dirty="0"/>
-              <a:t> </a:t>
-            </a:r>
-            <a:r>
-              <a:rPr lang="de-DE" sz="1400" dirty="0" err="1"/>
-              <a:t>Deeds</a:t>
-            </a:r>
-            <a:endParaRPr lang="de-DE" sz="1400" dirty="0"/>
+              <a:rPr lang="de-DE" sz="1400"/>
+              <a:t> Energy Transfer </a:t>
+            </a:r>
+            <a:r>
+              <a:rPr lang="de-DE" sz="1400" err="1"/>
+              <a:t>Receipt</a:t>
+            </a:r>
           </a:p>
         </p:txBody>
       </p:sp>
@@ -20600,23 +20655,23 @@
           <a:p>
             <a:pPr algn="ctr"/>
             <a:r>
-              <a:rPr lang="de-DE" sz="1400" dirty="0" err="1"/>
+              <a:rPr lang="de-DE" sz="1400" err="1"/>
               <a:t>Consume</a:t>
             </a:r>
             <a:r>
-              <a:rPr lang="de-DE" sz="1400" dirty="0"/>
+              <a:rPr lang="de-DE" sz="1400"/>
               <a:t>/</a:t>
             </a:r>
             <a:r>
-              <a:rPr lang="de-DE" sz="1400" dirty="0" err="1"/>
+              <a:rPr lang="de-DE" sz="1400" err="1"/>
               <a:t>Produce</a:t>
             </a:r>
-            <a:endParaRPr lang="de-DE" sz="1400" dirty="0"/>
+            <a:endParaRPr lang="de-DE" sz="1400"/>
           </a:p>
           <a:p>
             <a:pPr algn="ctr"/>
             <a:r>
-              <a:rPr lang="de-DE" sz="1400" dirty="0"/>
+              <a:rPr lang="de-DE" sz="1400"/>
               <a:t>Transactions</a:t>
             </a:r>
           </a:p>
@@ -20652,19 +20707,19 @@
           <a:p>
             <a:pPr algn="ctr"/>
             <a:r>
-              <a:rPr lang="de-DE" sz="1400" dirty="0"/>
+              <a:rPr lang="de-DE" sz="1400"/>
               <a:t>Lock/</a:t>
             </a:r>
             <a:r>
-              <a:rPr lang="de-DE" sz="1400" dirty="0" err="1"/>
+              <a:rPr lang="de-DE" sz="1400" err="1"/>
               <a:t>Unlock</a:t>
             </a:r>
-            <a:endParaRPr lang="de-DE" sz="1400" dirty="0"/>
+            <a:endParaRPr lang="de-DE" sz="1400"/>
           </a:p>
           <a:p>
             <a:pPr algn="ctr"/>
             <a:r>
-              <a:rPr lang="de-DE" sz="1400" dirty="0"/>
+              <a:rPr lang="de-DE" sz="1400"/>
               <a:t>Account</a:t>
             </a:r>
           </a:p>
@@ -20745,7 +20800,7 @@
           <a:p>
             <a:pPr algn="ctr"/>
             <a:r>
-              <a:rPr lang="de-DE" sz="1400" dirty="0"/>
+              <a:rPr lang="de-DE" sz="1400"/>
               <a:t>Trigger Netting</a:t>
             </a:r>
           </a:p>
@@ -20893,7 +20948,7 @@
           <a:p>
             <a:pPr algn="ctr"/>
             <a:r>
-              <a:rPr lang="de-DE" sz="1400" dirty="0"/>
+              <a:rPr lang="de-DE" sz="1400"/>
               <a:t>Household Processing Unit</a:t>
             </a:r>
           </a:p>
@@ -20929,7 +20984,7 @@
           <a:p>
             <a:pPr algn="ctr"/>
             <a:r>
-              <a:rPr lang="de-DE" sz="1400" dirty="0"/>
+              <a:rPr lang="de-DE" sz="1400"/>
               <a:t>Ethereum Blockchain</a:t>
             </a:r>
           </a:p>
@@ -21014,7 +21069,7 @@
           <a:p>
             <a:pPr algn="ctr"/>
             <a:r>
-              <a:rPr lang="de-DE" dirty="0"/>
+              <a:rPr lang="de-DE"/>
               <a:t>Sensor</a:t>
             </a:r>
           </a:p>
@@ -21061,7 +21116,7 @@
           <a:p>
             <a:pPr algn="ctr"/>
             <a:r>
-              <a:rPr lang="de-DE" dirty="0"/>
+              <a:rPr lang="de-DE"/>
               <a:t>Sensor</a:t>
             </a:r>
           </a:p>
@@ -21108,7 +21163,7 @@
           <a:p>
             <a:pPr algn="ctr"/>
             <a:r>
-              <a:rPr lang="de-DE" dirty="0"/>
+              <a:rPr lang="de-DE"/>
               <a:t>Sensor</a:t>
             </a:r>
           </a:p>
@@ -21281,14 +21336,14 @@
           <a:p>
             <a:pPr algn="ctr"/>
             <a:r>
-              <a:rPr lang="de-DE" sz="1400" dirty="0"/>
+              <a:rPr lang="de-DE" sz="1400"/>
               <a:t>Data </a:t>
             </a:r>
           </a:p>
           <a:p>
             <a:pPr algn="ctr"/>
             <a:r>
-              <a:rPr lang="de-DE" sz="1400" dirty="0"/>
+              <a:rPr lang="de-DE" sz="1400"/>
               <a:t>Stream</a:t>
             </a:r>
           </a:p>
@@ -21380,7 +21435,7 @@
           <a:p>
             <a:pPr algn="ctr"/>
             <a:r>
-              <a:rPr lang="de-DE" sz="1400" dirty="0"/>
+              <a:rPr lang="de-DE" sz="1400"/>
               <a:t>Smart Meter</a:t>
             </a:r>
           </a:p>
@@ -21530,18 +21585,18 @@
           <a:lstStyle/>
           <a:p>
             <a:r>
-              <a:rPr lang="de-DE" dirty="0" err="1"/>
+              <a:rPr lang="de-DE" err="1"/>
               <a:t>NEtting</a:t>
             </a:r>
             <a:r>
-              <a:rPr lang="de-DE" dirty="0"/>
+              <a:rPr lang="de-DE"/>
               <a:t> </a:t>
             </a:r>
             <a:r>
-              <a:rPr lang="de-DE" dirty="0" err="1"/>
+              <a:rPr lang="de-DE" err="1"/>
               <a:t>Algorithm</a:t>
             </a:r>
-            <a:endParaRPr lang="de-DE" dirty="0"/>
+            <a:endParaRPr lang="de-DE"/>
           </a:p>
         </p:txBody>
       </p:sp>
@@ -21703,18 +21758,18 @@
           <a:lstStyle/>
           <a:p>
             <a:r>
-              <a:rPr lang="de-DE" dirty="0" err="1"/>
+              <a:rPr lang="de-DE" err="1"/>
               <a:t>NEtting</a:t>
             </a:r>
             <a:r>
-              <a:rPr lang="de-DE" dirty="0"/>
+              <a:rPr lang="de-DE"/>
               <a:t> </a:t>
             </a:r>
             <a:r>
-              <a:rPr lang="de-DE" dirty="0" err="1"/>
+              <a:rPr lang="de-DE" err="1"/>
               <a:t>Algorithm</a:t>
             </a:r>
-            <a:endParaRPr lang="de-DE" dirty="0"/>
+            <a:endParaRPr lang="de-DE"/>
           </a:p>
         </p:txBody>
       </p:sp>
@@ -21876,18 +21931,18 @@
           <a:lstStyle/>
           <a:p>
             <a:r>
-              <a:rPr lang="de-DE" dirty="0" err="1"/>
+              <a:rPr lang="de-DE" err="1"/>
               <a:t>NEtting</a:t>
             </a:r>
             <a:r>
-              <a:rPr lang="de-DE" dirty="0"/>
+              <a:rPr lang="de-DE"/>
               <a:t> </a:t>
             </a:r>
             <a:r>
-              <a:rPr lang="de-DE" dirty="0" err="1"/>
+              <a:rPr lang="de-DE" err="1"/>
               <a:t>Algorithm</a:t>
             </a:r>
-            <a:endParaRPr lang="de-DE" dirty="0"/>
+            <a:endParaRPr lang="de-DE"/>
           </a:p>
         </p:txBody>
       </p:sp>
@@ -22049,18 +22104,18 @@
           <a:lstStyle/>
           <a:p>
             <a:r>
-              <a:rPr lang="de-DE" dirty="0" err="1"/>
+              <a:rPr lang="de-DE" err="1"/>
               <a:t>NEtting</a:t>
             </a:r>
             <a:r>
-              <a:rPr lang="de-DE" dirty="0"/>
+              <a:rPr lang="de-DE"/>
               <a:t> </a:t>
             </a:r>
             <a:r>
-              <a:rPr lang="de-DE" dirty="0" err="1"/>
+              <a:rPr lang="de-DE" err="1"/>
               <a:t>Algorithm</a:t>
             </a:r>
-            <a:endParaRPr lang="de-DE" dirty="0"/>
+            <a:endParaRPr lang="de-DE"/>
           </a:p>
         </p:txBody>
       </p:sp>
@@ -22222,18 +22277,18 @@
           <a:lstStyle/>
           <a:p>
             <a:r>
-              <a:rPr lang="de-DE" dirty="0" err="1"/>
+              <a:rPr lang="de-DE" err="1"/>
               <a:t>NEtting</a:t>
             </a:r>
             <a:r>
-              <a:rPr lang="de-DE" dirty="0"/>
+              <a:rPr lang="de-DE"/>
               <a:t> </a:t>
             </a:r>
             <a:r>
-              <a:rPr lang="de-DE" dirty="0" err="1"/>
+              <a:rPr lang="de-DE" err="1"/>
               <a:t>Algorithm</a:t>
             </a:r>
-            <a:endParaRPr lang="de-DE" dirty="0"/>
+            <a:endParaRPr lang="de-DE"/>
           </a:p>
         </p:txBody>
       </p:sp>
@@ -22394,7 +22449,7 @@
           <a:lstStyle/>
           <a:p>
             <a:r>
-              <a:rPr lang="de-DE" dirty="0"/>
+              <a:rPr lang="de-DE"/>
               <a:t>Live Demo</a:t>
             </a:r>
           </a:p>
@@ -22460,10 +22515,10 @@
           <a:lstStyle/>
           <a:p>
             <a:r>
-              <a:rPr lang="de-DE" dirty="0" err="1"/>
+              <a:rPr lang="de-DE" err="1"/>
               <a:t>evaluation</a:t>
             </a:r>
-            <a:endParaRPr lang="de-DE" dirty="0"/>
+            <a:endParaRPr lang="de-DE"/>
           </a:p>
         </p:txBody>
       </p:sp>
@@ -22505,38 +22560,40 @@
           </a:p>
         </p:txBody>
       </p:sp>
-      <p:graphicFrame>
-        <p:nvGraphicFramePr>
-          <p:cNvPr id="10" name="Diagramm 9">
+      <p:pic>
+        <p:nvPicPr>
+          <p:cNvPr id="6" name="Picture 6">
             <a:extLst>
               <a:ext uri="{FF2B5EF4-FFF2-40B4-BE49-F238E27FC236}">
-                <a16:creationId xmlns:a16="http://schemas.microsoft.com/office/drawing/2014/main" id="{0523542C-EAC5-45C2-BF3E-1D62C86B01E3}"/>
+                <a16:creationId xmlns:a16="http://schemas.microsoft.com/office/drawing/2014/main" id="{234DDE2D-ABB9-4B0F-8170-635644877253}"/>
               </a:ext>
             </a:extLst>
           </p:cNvPr>
-          <p:cNvGraphicFramePr/>
-          <p:nvPr>
-            <p:extLst>
-              <p:ext uri="{D42A27DB-BD31-4B8C-83A1-F6EECF244321}">
-                <p14:modId xmlns:p14="http://schemas.microsoft.com/office/powerpoint/2010/main" val="433051875"/>
-              </p:ext>
-            </p:extLst>
-          </p:nvPr>
-        </p:nvGraphicFramePr>
-        <p:xfrm>
-          <a:off x="1195754" y="1017725"/>
-          <a:ext cx="6752492" cy="3993660"/>
-        </p:xfrm>
-        <a:graphic>
-          <a:graphicData uri="http://schemas.openxmlformats.org/drawingml/2006/chart">
-            <c:chart xmlns:c="http://schemas.openxmlformats.org/drawingml/2006/chart" xmlns:r="http://schemas.openxmlformats.org/officeDocument/2006/relationships" r:id="rId3"/>
-          </a:graphicData>
-        </a:graphic>
-      </p:graphicFrame>
+          <p:cNvPicPr>
+            <a:picLocks noChangeAspect="1"/>
+          </p:cNvPicPr>
+          <p:nvPr/>
+        </p:nvPicPr>
+        <p:blipFill>
+          <a:blip r:embed="rId3"/>
+          <a:stretch>
+            <a:fillRect/>
+          </a:stretch>
+        </p:blipFill>
+        <p:spPr>
+          <a:xfrm>
+            <a:off x="884176" y="866218"/>
+            <a:ext cx="7369113" cy="4025369"/>
+          </a:xfrm>
+          <a:prstGeom prst="rect">
+            <a:avLst/>
+          </a:prstGeom>
+        </p:spPr>
+      </p:pic>
     </p:spTree>
     <p:extLst>
       <p:ext uri="{BB962C8B-B14F-4D97-AF65-F5344CB8AC3E}">
-        <p14:creationId xmlns:p14="http://schemas.microsoft.com/office/powerpoint/2010/main" val="3887418463"/>
+        <p14:creationId xmlns:p14="http://schemas.microsoft.com/office/powerpoint/2010/main" val="1755706360"/>
       </p:ext>
     </p:extLst>
   </p:cSld>
@@ -22593,10 +22650,10 @@
           <a:lstStyle/>
           <a:p>
             <a:r>
-              <a:rPr lang="de-DE" dirty="0" err="1"/>
+              <a:rPr lang="de-DE" err="1"/>
               <a:t>evaluation</a:t>
             </a:r>
-            <a:endParaRPr lang="de-DE" dirty="0"/>
+            <a:endParaRPr lang="de-DE"/>
           </a:p>
         </p:txBody>
       </p:sp>
@@ -22615,7 +22672,7 @@
         <p:spPr>
           <a:xfrm>
             <a:off x="311700" y="1017725"/>
-            <a:ext cx="8520600" cy="2775055"/>
+            <a:ext cx="8520600" cy="3883051"/>
           </a:xfrm>
           <a:prstGeom prst="rect">
             <a:avLst/>
@@ -22623,7 +22680,7 @@
           <a:noFill/>
         </p:spPr>
         <p:txBody>
-          <a:bodyPr wrap="square" rtlCol="0">
+          <a:bodyPr wrap="square" rtlCol="0" anchor="t">
             <a:spAutoFit/>
           </a:bodyPr>
           <a:lstStyle/>
@@ -22636,10 +22693,9 @@
               <a:buChar char="•"/>
             </a:pPr>
             <a:r>
-              <a:rPr lang="de-DE" dirty="0" err="1"/>
+              <a:rPr lang="de-DE" err="1"/>
               <a:t>Strengths</a:t>
             </a:r>
-            <a:endParaRPr lang="de-DE" dirty="0"/>
           </a:p>
           <a:p>
             <a:pPr marL="742950" lvl="1" indent="-285750">
@@ -22649,7 +22705,14 @@
               <a:buFont typeface="Arial" panose="020B0604020202020204" pitchFamily="34" charset="0"/>
               <a:buChar char="•"/>
             </a:pPr>
-            <a:endParaRPr lang="de-DE" dirty="0"/>
+            <a:r>
+              <a:rPr lang="de-DE" err="1"/>
+              <a:t>Decentralized</a:t>
+            </a:r>
+            <a:r>
+              <a:rPr lang="de-DE"/>
+              <a:t> System</a:t>
+            </a:r>
           </a:p>
           <a:p>
             <a:pPr marL="285750" indent="-285750">
@@ -22660,10 +22723,9 @@
               <a:buChar char="•"/>
             </a:pPr>
             <a:r>
-              <a:rPr lang="de-DE" dirty="0" err="1"/>
+              <a:rPr lang="de-DE" err="1"/>
               <a:t>Weaknesses</a:t>
             </a:r>
-            <a:endParaRPr lang="de-DE" dirty="0"/>
           </a:p>
           <a:p>
             <a:pPr marL="742950" lvl="1" indent="-285750">
@@ -22674,22 +22736,21 @@
               <a:buChar char="•"/>
             </a:pPr>
             <a:r>
-              <a:rPr lang="de-DE" dirty="0"/>
+              <a:rPr lang="de-DE"/>
               <a:t>Events not observable in Block </a:t>
             </a:r>
             <a:r>
-              <a:rPr lang="de-DE" dirty="0" err="1"/>
+              <a:rPr lang="de-DE" err="1"/>
               <a:t>Reward</a:t>
             </a:r>
             <a:r>
-              <a:rPr lang="de-DE" dirty="0"/>
+              <a:rPr lang="de-DE"/>
               <a:t> </a:t>
             </a:r>
             <a:r>
-              <a:rPr lang="de-DE" dirty="0" err="1"/>
+              <a:rPr lang="de-DE" err="1"/>
               <a:t>Contract</a:t>
             </a:r>
-            <a:endParaRPr lang="de-DE" dirty="0"/>
           </a:p>
           <a:p>
             <a:pPr marL="742950" lvl="1" indent="-285750">
@@ -22699,7 +22760,45 @@
               <a:buFont typeface="Arial" panose="020B0604020202020204" pitchFamily="34" charset="0"/>
               <a:buChar char="•"/>
             </a:pPr>
-            <a:endParaRPr lang="de-DE" dirty="0"/>
+            <a:r>
+              <a:rPr lang="de-DE"/>
+              <a:t>Not </a:t>
+            </a:r>
+            <a:r>
+              <a:rPr lang="de-DE" err="1"/>
+              <a:t>privacy</a:t>
+            </a:r>
+            <a:r>
+              <a:rPr lang="de-DE"/>
+              <a:t>-aware</a:t>
+            </a:r>
+          </a:p>
+          <a:p>
+            <a:pPr marL="742950" lvl="1" indent="-285750">
+              <a:lnSpc>
+                <a:spcPct val="200000"/>
+              </a:lnSpc>
+              <a:buFont typeface="Arial" panose="020B0604020202020204" pitchFamily="34" charset="0"/>
+              <a:buChar char="•"/>
+            </a:pPr>
+            <a:r>
+              <a:rPr lang="de-DE"/>
+              <a:t>Gas </a:t>
+            </a:r>
+            <a:r>
+              <a:rPr lang="de-DE" err="1"/>
+              <a:t>limitation</a:t>
+            </a:r>
+          </a:p>
+          <a:p>
+            <a:pPr marL="742950" lvl="1" indent="-285750">
+              <a:lnSpc>
+                <a:spcPct val="200000"/>
+              </a:lnSpc>
+              <a:buFont typeface="Arial" panose="020B0604020202020204" pitchFamily="34" charset="0"/>
+              <a:buChar char="•"/>
+            </a:pPr>
+            <a:endParaRPr lang="de-DE"/>
           </a:p>
         </p:txBody>
       </p:sp>
@@ -22744,7 +22843,7 @@
     </p:spTree>
     <p:extLst>
       <p:ext uri="{BB962C8B-B14F-4D97-AF65-F5344CB8AC3E}">
-        <p14:creationId xmlns:p14="http://schemas.microsoft.com/office/powerpoint/2010/main" val="3615969716"/>
+        <p14:creationId xmlns:p14="http://schemas.microsoft.com/office/powerpoint/2010/main" val="3860837225"/>
       </p:ext>
     </p:extLst>
   </p:cSld>
@@ -22799,7 +22898,7 @@
                                         <p:tgtEl>
                                           <p:spTgt spid="5">
                                             <p:txEl>
-                                              <p:pRg st="2" end="2"/>
+                                              <p:pRg st="0" end="0"/>
                                             </p:txEl>
                                           </p:spTgt>
                                         </p:tgtEl>
@@ -22817,7 +22916,7 @@
                                         <p:tgtEl>
                                           <p:spTgt spid="5">
                                             <p:txEl>
-                                              <p:pRg st="2" end="2"/>
+                                              <p:pRg st="0" end="0"/>
                                             </p:txEl>
                                           </p:spTgt>
                                         </p:tgtEl>
@@ -22860,7 +22959,7 @@
                                         <p:tgtEl>
                                           <p:spTgt spid="5">
                                             <p:txEl>
-                                              <p:pRg st="3" end="3"/>
+                                              <p:pRg st="1" end="1"/>
                                             </p:txEl>
                                           </p:spTgt>
                                         </p:tgtEl>
@@ -22878,7 +22977,7 @@
                                         <p:tgtEl>
                                           <p:spTgt spid="5">
                                             <p:txEl>
-                                              <p:pRg st="3" end="3"/>
+                                              <p:pRg st="1" end="1"/>
                                             </p:txEl>
                                           </p:spTgt>
                                         </p:tgtEl>
@@ -22921,7 +23020,7 @@
                                         <p:tgtEl>
                                           <p:spTgt spid="5">
                                             <p:txEl>
-                                              <p:pRg st="0" end="0"/>
+                                              <p:pRg st="2" end="2"/>
                                             </p:txEl>
                                           </p:spTgt>
                                         </p:tgtEl>
@@ -22939,7 +23038,190 @@
                                         <p:tgtEl>
                                           <p:spTgt spid="5">
                                             <p:txEl>
-                                              <p:pRg st="0" end="0"/>
+                                              <p:pRg st="2" end="2"/>
+                                            </p:txEl>
+                                          </p:spTgt>
+                                        </p:tgtEl>
+                                      </p:cBhvr>
+                                    </p:animEffect>
+                                  </p:childTnLst>
+                                </p:cTn>
+                              </p:par>
+                            </p:childTnLst>
+                          </p:cTn>
+                        </p:par>
+                      </p:childTnLst>
+                    </p:cTn>
+                  </p:par>
+                  <p:par>
+                    <p:cTn id="18" fill="hold">
+                      <p:stCondLst>
+                        <p:cond delay="indefinite"/>
+                      </p:stCondLst>
+                      <p:childTnLst>
+                        <p:par>
+                          <p:cTn id="19" fill="hold">
+                            <p:stCondLst>
+                              <p:cond delay="0"/>
+                            </p:stCondLst>
+                            <p:childTnLst>
+                              <p:par>
+                                <p:cTn id="20" presetID="10" presetClass="entr" presetSubtype="0" fill="hold" nodeType="clickEffect">
+                                  <p:stCondLst>
+                                    <p:cond delay="0"/>
+                                  </p:stCondLst>
+                                  <p:childTnLst>
+                                    <p:set>
+                                      <p:cBhvr>
+                                        <p:cTn id="21" dur="1" fill="hold">
+                                          <p:stCondLst>
+                                            <p:cond delay="0"/>
+                                          </p:stCondLst>
+                                        </p:cTn>
+                                        <p:tgtEl>
+                                          <p:spTgt spid="5">
+                                            <p:txEl>
+                                              <p:pRg st="3" end="3"/>
+                                            </p:txEl>
+                                          </p:spTgt>
+                                        </p:tgtEl>
+                                        <p:attrNameLst>
+                                          <p:attrName>style.visibility</p:attrName>
+                                        </p:attrNameLst>
+                                      </p:cBhvr>
+                                      <p:to>
+                                        <p:strVal val="visible"/>
+                                      </p:to>
+                                    </p:set>
+                                    <p:animEffect transition="in" filter="fade">
+                                      <p:cBhvr>
+                                        <p:cTn id="22" dur="500"/>
+                                        <p:tgtEl>
+                                          <p:spTgt spid="5">
+                                            <p:txEl>
+                                              <p:pRg st="3" end="3"/>
+                                            </p:txEl>
+                                          </p:spTgt>
+                                        </p:tgtEl>
+                                      </p:cBhvr>
+                                    </p:animEffect>
+                                  </p:childTnLst>
+                                </p:cTn>
+                              </p:par>
+                            </p:childTnLst>
+                          </p:cTn>
+                        </p:par>
+                      </p:childTnLst>
+                    </p:cTn>
+                  </p:par>
+                  <p:par>
+                    <p:cTn id="23" fill="hold">
+                      <p:stCondLst>
+                        <p:cond delay="indefinite"/>
+                      </p:stCondLst>
+                      <p:childTnLst>
+                        <p:par>
+                          <p:cTn id="24" fill="hold">
+                            <p:stCondLst>
+                              <p:cond delay="0"/>
+                            </p:stCondLst>
+                            <p:childTnLst>
+                              <p:par>
+                                <p:cTn id="25" presetID="10" presetClass="entr" presetSubtype="0" fill="hold" nodeType="clickEffect">
+                                  <p:stCondLst>
+                                    <p:cond delay="0"/>
+                                  </p:stCondLst>
+                                  <p:childTnLst>
+                                    <p:set>
+                                      <p:cBhvr>
+                                        <p:cTn id="26" dur="1" fill="hold">
+                                          <p:stCondLst>
+                                            <p:cond delay="0"/>
+                                          </p:stCondLst>
+                                        </p:cTn>
+                                        <p:tgtEl>
+                                          <p:spTgt spid="5">
+                                            <p:txEl>
+                                              <p:pRg st="4" end="4"/>
+                                            </p:txEl>
+                                          </p:spTgt>
+                                        </p:tgtEl>
+                                        <p:attrNameLst>
+                                          <p:attrName>style.visibility</p:attrName>
+                                        </p:attrNameLst>
+                                      </p:cBhvr>
+                                      <p:to>
+                                        <p:strVal val="visible"/>
+                                      </p:to>
+                                    </p:set>
+                                    <p:animEffect transition="in" filter="fade">
+                                      <p:cBhvr>
+                                        <p:cTn id="27" dur="500"/>
+                                        <p:tgtEl>
+                                          <p:spTgt spid="5">
+                                            <p:txEl>
+                                              <p:pRg st="4" end="4"/>
+                                            </p:txEl>
+                                          </p:spTgt>
+                                        </p:tgtEl>
+                                      </p:cBhvr>
+                                    </p:animEffect>
+                                  </p:childTnLst>
+                                </p:cTn>
+                              </p:par>
+                            </p:childTnLst>
+                          </p:cTn>
+                        </p:par>
+                      </p:childTnLst>
+                    </p:cTn>
+                  </p:par>
+                  <p:par>
+                    <p:cTn id="28" fill="hold">
+                      <p:stCondLst>
+                        <p:cond delay="indefinite"/>
+                      </p:stCondLst>
+                      <p:childTnLst>
+                        <p:par>
+                          <p:cTn id="29" fill="hold">
+                            <p:stCondLst>
+                              <p:cond delay="0"/>
+                            </p:stCondLst>
+                            <p:childTnLst>
+                              <p:par>
+                                <p:cTn id="30" presetID="10" presetClass="entr" presetSubtype="0" fill="hold" nodeType="clickEffect">
+                                  <p:stCondLst>
+                                    <p:cond delay="0"/>
+                                  </p:stCondLst>
+                                  <p:childTnLst>
+                                    <p:set>
+                                      <p:cBhvr>
+                                        <p:cTn id="31" dur="1" fill="hold">
+                                          <p:stCondLst>
+                                            <p:cond delay="0"/>
+                                          </p:stCondLst>
+                                        </p:cTn>
+                                        <p:tgtEl>
+                                          <p:spTgt spid="5">
+                                            <p:txEl>
+                                              <p:pRg st="5" end="5"/>
+                                            </p:txEl>
+                                          </p:spTgt>
+                                        </p:tgtEl>
+                                        <p:attrNameLst>
+                                          <p:attrName>style.visibility</p:attrName>
+                                        </p:attrNameLst>
+                                      </p:cBhvr>
+                                      <p:to>
+                                        <p:strVal val="visible"/>
+                                      </p:to>
+                                    </p:set>
+                                    <p:animEffect transition="in" filter="fade">
+                                      <p:cBhvr>
+                                        <p:cTn id="32" dur="500"/>
+                                        <p:tgtEl>
+                                          <p:spTgt spid="5">
+                                            <p:txEl>
+                                              <p:pRg st="5" end="5"/>
                                             </p:txEl>
                                           </p:spTgt>
                                         </p:tgtEl>
@@ -23014,14 +23296,14 @@
           <a:lstStyle/>
           <a:p>
             <a:r>
-              <a:rPr lang="de-DE" dirty="0"/>
+              <a:rPr lang="de-DE"/>
               <a:t>Next </a:t>
             </a:r>
             <a:r>
-              <a:rPr lang="de-DE" dirty="0" err="1"/>
+              <a:rPr lang="de-DE" err="1"/>
               <a:t>Steps</a:t>
             </a:r>
-            <a:endParaRPr lang="de-DE" dirty="0"/>
+            <a:endParaRPr lang="de-DE"/>
           </a:p>
         </p:txBody>
       </p:sp>
@@ -23040,7 +23322,7 @@
         <p:spPr>
           <a:xfrm>
             <a:off x="311700" y="1017725"/>
-            <a:ext cx="8520600" cy="2221057"/>
+            <a:ext cx="8520600" cy="3329053"/>
           </a:xfrm>
           <a:prstGeom prst="rect">
             <a:avLst/>
@@ -23048,7 +23330,7 @@
           <a:noFill/>
         </p:spPr>
         <p:txBody>
-          <a:bodyPr wrap="square" rtlCol="0">
+          <a:bodyPr wrap="square" rtlCol="0" anchor="t">
             <a:spAutoFit/>
           </a:bodyPr>
           <a:lstStyle/>
@@ -23061,10 +23343,91 @@
               <a:buChar char="•"/>
             </a:pPr>
             <a:r>
-              <a:rPr lang="de-DE" dirty="0" err="1"/>
-              <a:t>Cryptography</a:t>
-            </a:r>
-            <a:endParaRPr lang="de-DE" dirty="0"/>
+              <a:rPr lang="de-DE"/>
+              <a:t>Privacy</a:t>
+            </a:r>
+          </a:p>
+          <a:p>
+            <a:pPr marL="742950" lvl="1" indent="-285750">
+              <a:lnSpc>
+                <a:spcPct val="200000"/>
+              </a:lnSpc>
+              <a:buFont typeface="Arial" panose="020B0604020202020204" pitchFamily="34" charset="0"/>
+              <a:buChar char="•"/>
+            </a:pPr>
+            <a:r>
+              <a:rPr lang="de-DE"/>
+              <a:t>Zero-</a:t>
+            </a:r>
+            <a:r>
+              <a:rPr lang="de-DE" err="1"/>
+              <a:t>knowledge</a:t>
+            </a:r>
+            <a:r>
+              <a:rPr lang="de-DE"/>
+              <a:t> Proofs</a:t>
+            </a:r>
+          </a:p>
+          <a:p>
+            <a:pPr lvl="1">
+              <a:lnSpc>
+                <a:spcPct val="200000"/>
+              </a:lnSpc>
+            </a:pPr>
+            <a:r>
+              <a:rPr lang="de-DE">
+                <a:ea typeface="+mn-lt"/>
+                <a:cs typeface="+mn-lt"/>
+              </a:rPr>
+              <a:t>→ </a:t>
+            </a:r>
+            <a:r>
+              <a:rPr lang="de-DE" err="1">
+                <a:ea typeface="+mn-lt"/>
+                <a:cs typeface="+mn-lt"/>
+              </a:rPr>
+              <a:t>Hawk</a:t>
+            </a:r>
+            <a:endParaRPr lang="de-DE" err="1"/>
+          </a:p>
+          <a:p>
+            <a:pPr lvl="1">
+              <a:lnSpc>
+                <a:spcPct val="200000"/>
+              </a:lnSpc>
+            </a:pPr>
+            <a:r>
+              <a:rPr lang="de-DE">
+                <a:ea typeface="+mn-lt"/>
+                <a:cs typeface="+mn-lt"/>
+              </a:rPr>
+              <a:t>→ </a:t>
+            </a:r>
+            <a:r>
+              <a:rPr lang="de-DE" err="1">
+                <a:ea typeface="+mn-lt"/>
+                <a:cs typeface="+mn-lt"/>
+              </a:rPr>
+              <a:t>ZoKrates</a:t>
+            </a:r>
+            <a:endParaRPr lang="de-DE" err="1"/>
+          </a:p>
+          <a:p>
+            <a:pPr marL="285750" indent="-285750">
+              <a:lnSpc>
+                <a:spcPct val="200000"/>
+              </a:lnSpc>
+              <a:buFont typeface="Arial"/>
+              <a:buChar char="•"/>
+            </a:pPr>
+            <a:r>
+              <a:rPr lang="de-DE"/>
+              <a:t>UI/ UX </a:t>
+            </a:r>
+            <a:r>
+              <a:rPr lang="de-DE" err="1"/>
+              <a:t>improvements</a:t>
+            </a:r>
           </a:p>
           <a:p>
             <a:pPr marL="285750" indent="-285750">
@@ -23074,50 +23437,7 @@
               <a:buFont typeface="Arial" panose="020B0604020202020204" pitchFamily="34" charset="0"/>
               <a:buChar char="•"/>
             </a:pPr>
-            <a:r>
-              <a:rPr lang="de-DE" dirty="0"/>
-              <a:t>Zero-</a:t>
-            </a:r>
-            <a:r>
-              <a:rPr lang="de-DE" dirty="0" err="1"/>
-              <a:t>knowledge</a:t>
-            </a:r>
-            <a:r>
-              <a:rPr lang="de-DE" dirty="0"/>
-              <a:t> Proofs</a:t>
-            </a:r>
-          </a:p>
-          <a:p>
-            <a:pPr lvl="1">
-              <a:lnSpc>
-                <a:spcPct val="200000"/>
-              </a:lnSpc>
-            </a:pPr>
-            <a:r>
-              <a:rPr lang="de-DE" dirty="0"/>
-              <a:t>→ </a:t>
-            </a:r>
-            <a:r>
-              <a:rPr lang="de-DE" dirty="0" err="1"/>
-              <a:t>Hawk</a:t>
-            </a:r>
-            <a:endParaRPr lang="de-DE" dirty="0"/>
-          </a:p>
-          <a:p>
-            <a:pPr>
-              <a:lnSpc>
-                <a:spcPct val="200000"/>
-              </a:lnSpc>
-            </a:pPr>
-            <a:r>
-              <a:rPr lang="de-DE" dirty="0"/>
-              <a:t>	→ </a:t>
-            </a:r>
-            <a:r>
-              <a:rPr lang="de-DE" dirty="0" err="1"/>
-              <a:t>ZoKrates</a:t>
-            </a:r>
-            <a:endParaRPr lang="de-DE" dirty="0"/>
+            <a:endParaRPr lang="de-DE"/>
           </a:p>
         </p:txBody>
       </p:sp>
@@ -23162,7 +23482,7 @@
     </p:spTree>
     <p:extLst>
       <p:ext uri="{BB962C8B-B14F-4D97-AF65-F5344CB8AC3E}">
-        <p14:creationId xmlns:p14="http://schemas.microsoft.com/office/powerpoint/2010/main" val="3987628396"/>
+        <p14:creationId xmlns:p14="http://schemas.microsoft.com/office/powerpoint/2010/main" val="2233249938"/>
       </p:ext>
     </p:extLst>
   </p:cSld>
@@ -23202,13 +23522,10 @@
                             </p:stCondLst>
                             <p:childTnLst>
                               <p:par>
-                                <p:cTn id="5" presetID="10" presetClass="entr" presetSubtype="0" fill="hold" grpId="0" nodeType="clickEffect">
+                                <p:cTn id="5" presetID="10" presetClass="entr" presetSubtype="0" fill="hold" nodeType="clickEffect">
                                   <p:stCondLst>
                                     <p:cond delay="0"/>
                                   </p:stCondLst>
-                                  <p:iterate type="lt">
-                                    <p:tmPct val="0"/>
-                                  </p:iterate>
                                   <p:childTnLst>
                                     <p:set>
                                       <p:cBhvr>
@@ -23266,102 +23583,14 @@
                             </p:stCondLst>
                             <p:childTnLst>
                               <p:par>
-                                <p:cTn id="10" presetID="16" presetClass="emph" presetSubtype="0" fill="hold" nodeType="clickEffect">
-                                  <p:stCondLst>
-                                    <p:cond delay="0"/>
-                                  </p:stCondLst>
-                                  <p:iterate type="lt">
-                                    <p:tmPct val="4000"/>
-                                  </p:iterate>
-                                  <p:childTnLst>
-                                    <p:set>
-                                      <p:cBhvr override="childStyle">
-                                        <p:cTn id="11" dur="500" fill="hold"/>
-                                        <p:tgtEl>
-                                          <p:spTgt spid="5">
-                                            <p:txEl>
-                                              <p:pRg st="0" end="0"/>
-                                            </p:txEl>
-                                          </p:spTgt>
-                                        </p:tgtEl>
-                                        <p:attrNameLst>
-                                          <p:attrName>style.color</p:attrName>
-                                        </p:attrNameLst>
-                                      </p:cBhvr>
-                                      <p:to>
-                                        <p:clrVal>
-                                          <a:srgbClr val="757575"/>
-                                        </p:clrVal>
-                                      </p:to>
-                                    </p:set>
-                                    <p:set>
-                                      <p:cBhvr>
-                                        <p:cTn id="12" dur="500" fill="hold"/>
-                                        <p:tgtEl>
-                                          <p:spTgt spid="5">
-                                            <p:txEl>
-                                              <p:pRg st="0" end="0"/>
-                                            </p:txEl>
-                                          </p:spTgt>
-                                        </p:tgtEl>
-                                        <p:attrNameLst>
-                                          <p:attrName>fillcolor</p:attrName>
-                                        </p:attrNameLst>
-                                      </p:cBhvr>
-                                      <p:to>
-                                        <p:clrVal>
-                                          <a:srgbClr val="757575"/>
-                                        </p:clrVal>
-                                      </p:to>
-                                    </p:set>
-                                    <p:set>
-                                      <p:cBhvr>
-                                        <p:cTn id="13" dur="500" fill="hold"/>
-                                        <p:tgtEl>
-                                          <p:spTgt spid="5">
-                                            <p:txEl>
-                                              <p:pRg st="0" end="0"/>
-                                            </p:txEl>
-                                          </p:spTgt>
-                                        </p:tgtEl>
-                                        <p:attrNameLst>
-                                          <p:attrName>fill.type</p:attrName>
-                                        </p:attrNameLst>
-                                      </p:cBhvr>
-                                      <p:to>
-                                        <p:strVal val="solid"/>
-                                      </p:to>
-                                    </p:set>
-                                  </p:childTnLst>
-                                </p:cTn>
-                              </p:par>
-                            </p:childTnLst>
-                          </p:cTn>
-                        </p:par>
-                      </p:childTnLst>
-                    </p:cTn>
-                  </p:par>
-                  <p:par>
-                    <p:cTn id="14" fill="hold">
-                      <p:stCondLst>
-                        <p:cond delay="indefinite"/>
-                      </p:stCondLst>
-                      <p:childTnLst>
-                        <p:par>
-                          <p:cTn id="15" fill="hold">
-                            <p:stCondLst>
-                              <p:cond delay="0"/>
-                            </p:stCondLst>
-                            <p:childTnLst>
-                              <p:par>
-                                <p:cTn id="16" presetID="10" presetClass="entr" presetSubtype="0" fill="hold" nodeType="clickEffect">
+                                <p:cTn id="10" presetID="10" presetClass="entr" presetSubtype="0" fill="hold" nodeType="clickEffect">
                                   <p:stCondLst>
                                     <p:cond delay="0"/>
                                   </p:stCondLst>
                                   <p:childTnLst>
                                     <p:set>
                                       <p:cBhvr>
-                                        <p:cTn id="17" dur="1" fill="hold">
+                                        <p:cTn id="11" dur="1" fill="hold">
                                           <p:stCondLst>
                                             <p:cond delay="0"/>
                                           </p:stCondLst>
@@ -23383,7 +23612,7 @@
                                     </p:set>
                                     <p:animEffect transition="in" filter="fade">
                                       <p:cBhvr>
-                                        <p:cTn id="18" dur="500"/>
+                                        <p:cTn id="12" dur="500"/>
                                         <p:tgtEl>
                                           <p:spTgt spid="5">
                                             <p:txEl>
@@ -23403,29 +23632,26 @@
                     </p:cTn>
                   </p:par>
                   <p:par>
-                    <p:cTn id="19" fill="hold">
+                    <p:cTn id="13" fill="hold">
                       <p:stCondLst>
                         <p:cond delay="indefinite"/>
                       </p:stCondLst>
                       <p:childTnLst>
                         <p:par>
-                          <p:cTn id="20" fill="hold">
+                          <p:cTn id="14" fill="hold">
                             <p:stCondLst>
                               <p:cond delay="0"/>
                             </p:stCondLst>
                             <p:childTnLst>
                               <p:par>
-                                <p:cTn id="21" presetID="10" presetClass="entr" presetSubtype="0" fill="hold" nodeType="clickEffect">
+                                <p:cTn id="15" presetID="10" presetClass="entr" presetSubtype="0" fill="hold" nodeType="clickEffect">
                                   <p:stCondLst>
                                     <p:cond delay="0"/>
                                   </p:stCondLst>
-                                  <p:iterate type="lt">
-                                    <p:tmPct val="0"/>
-                                  </p:iterate>
                                   <p:childTnLst>
                                     <p:set>
                                       <p:cBhvr>
-                                        <p:cTn id="22" dur="1" fill="hold">
+                                        <p:cTn id="16" dur="1" fill="hold">
                                           <p:stCondLst>
                                             <p:cond delay="0"/>
                                           </p:stCondLst>
@@ -23447,7 +23673,7 @@
                                     </p:set>
                                     <p:animEffect transition="in" filter="fade">
                                       <p:cBhvr>
-                                        <p:cTn id="23" dur="500"/>
+                                        <p:cTn id="17" dur="500"/>
                                         <p:tgtEl>
                                           <p:spTgt spid="5">
                                             <p:txEl>
@@ -23467,114 +23693,26 @@
                     </p:cTn>
                   </p:par>
                   <p:par>
-                    <p:cTn id="24" fill="hold">
+                    <p:cTn id="18" fill="hold">
                       <p:stCondLst>
                         <p:cond delay="indefinite"/>
                       </p:stCondLst>
                       <p:childTnLst>
                         <p:par>
-                          <p:cTn id="25" fill="hold">
+                          <p:cTn id="19" fill="hold">
                             <p:stCondLst>
                               <p:cond delay="0"/>
                             </p:stCondLst>
                             <p:childTnLst>
                               <p:par>
-                                <p:cTn id="26" presetID="16" presetClass="emph" presetSubtype="0" fill="hold" grpId="1" nodeType="clickEffect">
-                                  <p:stCondLst>
-                                    <p:cond delay="0"/>
-                                  </p:stCondLst>
-                                  <p:iterate type="lt">
-                                    <p:tmPct val="4000"/>
-                                  </p:iterate>
-                                  <p:childTnLst>
-                                    <p:set>
-                                      <p:cBhvr override="childStyle">
-                                        <p:cTn id="27" dur="500" fill="hold"/>
-                                        <p:tgtEl>
-                                          <p:spTgt spid="5">
-                                            <p:txEl>
-                                              <p:pRg st="2" end="2"/>
-                                            </p:txEl>
-                                          </p:spTgt>
-                                        </p:tgtEl>
-                                        <p:attrNameLst>
-                                          <p:attrName>style.color</p:attrName>
-                                        </p:attrNameLst>
-                                      </p:cBhvr>
-                                      <p:to>
-                                        <p:clrVal>
-                                          <a:srgbClr val="757575"/>
-                                        </p:clrVal>
-                                      </p:to>
-                                    </p:set>
-                                    <p:set>
-                                      <p:cBhvr>
-                                        <p:cTn id="28" dur="500" fill="hold"/>
-                                        <p:tgtEl>
-                                          <p:spTgt spid="5">
-                                            <p:txEl>
-                                              <p:pRg st="2" end="2"/>
-                                            </p:txEl>
-                                          </p:spTgt>
-                                        </p:tgtEl>
-                                        <p:attrNameLst>
-                                          <p:attrName>fillcolor</p:attrName>
-                                        </p:attrNameLst>
-                                      </p:cBhvr>
-                                      <p:to>
-                                        <p:clrVal>
-                                          <a:srgbClr val="757575"/>
-                                        </p:clrVal>
-                                      </p:to>
-                                    </p:set>
-                                    <p:set>
-                                      <p:cBhvr>
-                                        <p:cTn id="29" dur="500" fill="hold"/>
-                                        <p:tgtEl>
-                                          <p:spTgt spid="5">
-                                            <p:txEl>
-                                              <p:pRg st="2" end="2"/>
-                                            </p:txEl>
-                                          </p:spTgt>
-                                        </p:tgtEl>
-                                        <p:attrNameLst>
-                                          <p:attrName>fill.type</p:attrName>
-                                        </p:attrNameLst>
-                                      </p:cBhvr>
-                                      <p:to>
-                                        <p:strVal val="solid"/>
-                                      </p:to>
-                                    </p:set>
-                                  </p:childTnLst>
-                                </p:cTn>
-                              </p:par>
-                            </p:childTnLst>
-                          </p:cTn>
-                        </p:par>
-                      </p:childTnLst>
-                    </p:cTn>
-                  </p:par>
-                  <p:par>
-                    <p:cTn id="30" fill="hold">
-                      <p:stCondLst>
-                        <p:cond delay="indefinite"/>
-                      </p:stCondLst>
-                      <p:childTnLst>
-                        <p:par>
-                          <p:cTn id="31" fill="hold">
-                            <p:stCondLst>
-                              <p:cond delay="0"/>
-                            </p:stCondLst>
-                            <p:childTnLst>
-                              <p:par>
-                                <p:cTn id="32" presetID="10" presetClass="entr" presetSubtype="0" fill="hold" grpId="0" nodeType="clickEffect">
+                                <p:cTn id="20" presetID="10" presetClass="entr" presetSubtype="0" fill="hold" nodeType="clickEffect">
                                   <p:stCondLst>
                                     <p:cond delay="0"/>
                                   </p:stCondLst>
                                   <p:childTnLst>
                                     <p:set>
                                       <p:cBhvr>
-                                        <p:cTn id="33" dur="1" fill="hold">
+                                        <p:cTn id="21" dur="1" fill="hold">
                                           <p:stCondLst>
                                             <p:cond delay="0"/>
                                           </p:stCondLst>
@@ -23596,11 +23734,72 @@
                                     </p:set>
                                     <p:animEffect transition="in" filter="fade">
                                       <p:cBhvr>
-                                        <p:cTn id="34" dur="500"/>
+                                        <p:cTn id="22" dur="500"/>
                                         <p:tgtEl>
                                           <p:spTgt spid="5">
                                             <p:txEl>
                                               <p:pRg st="3" end="3"/>
+                                            </p:txEl>
+                                          </p:spTgt>
+                                        </p:tgtEl>
+                                      </p:cBhvr>
+                                    </p:animEffect>
+                                  </p:childTnLst>
+                                </p:cTn>
+                              </p:par>
+                            </p:childTnLst>
+                          </p:cTn>
+                        </p:par>
+                      </p:childTnLst>
+                    </p:cTn>
+                  </p:par>
+                  <p:par>
+                    <p:cTn id="23" fill="hold">
+                      <p:stCondLst>
+                        <p:cond delay="indefinite"/>
+                      </p:stCondLst>
+                      <p:childTnLst>
+                        <p:par>
+                          <p:cTn id="24" fill="hold">
+                            <p:stCondLst>
+                              <p:cond delay="0"/>
+                            </p:stCondLst>
+                            <p:childTnLst>
+                              <p:par>
+                                <p:cTn id="25" presetID="10" presetClass="entr" presetSubtype="0" fill="hold" nodeType="clickEffect">
+                                  <p:stCondLst>
+                                    <p:cond delay="0"/>
+                                  </p:stCondLst>
+                                  <p:childTnLst>
+                                    <p:set>
+                                      <p:cBhvr>
+                                        <p:cTn id="26" dur="1" fill="hold">
+                                          <p:stCondLst>
+                                            <p:cond delay="0"/>
+                                          </p:stCondLst>
+                                        </p:cTn>
+                                        <p:tgtEl>
+                                          <p:spTgt spid="5">
+                                            <p:txEl>
+                                              <p:pRg st="4" end="4"/>
+                                            </p:txEl>
+                                          </p:spTgt>
+                                        </p:tgtEl>
+                                        <p:attrNameLst>
+                                          <p:attrName>style.visibility</p:attrName>
+                                        </p:attrNameLst>
+                                      </p:cBhvr>
+                                      <p:to>
+                                        <p:strVal val="visible"/>
+                                      </p:to>
+                                    </p:set>
+                                    <p:animEffect transition="in" filter="fade">
+                                      <p:cBhvr>
+                                        <p:cTn id="27" dur="500"/>
+                                        <p:tgtEl>
+                                          <p:spTgt spid="5">
+                                            <p:txEl>
+                                              <p:pRg st="4" end="4"/>
                                             </p:txEl>
                                           </p:spTgt>
                                         </p:tgtEl>
@@ -23632,14 +23831,27 @@
                 </p:cond>
               </p:nextCondLst>
             </p:seq>
+            <p:seq concurrent="1" nextAc="seek">
+              <p:cTn id="28" dur="indefinite" nodeType="mainSeq"/>
+              <p:prevCondLst>
+                <p:cond evt="onPrev" delay="0">
+                  <p:tgtEl>
+                    <p:sldTgt/>
+                  </p:tgtEl>
+                </p:cond>
+              </p:prevCondLst>
+              <p:nextCondLst>
+                <p:cond evt="onNext" delay="0">
+                  <p:tgtEl>
+                    <p:sldTgt/>
+                  </p:tgtEl>
+                </p:cond>
+              </p:nextCondLst>
+            </p:seq>
           </p:childTnLst>
         </p:cTn>
       </p:par>
     </p:tnLst>
-    <p:bldLst>
-      <p:bldP spid="5" grpId="0" uiExpand="1" build="allAtOnce"/>
-      <p:bldP spid="5" grpId="1" uiExpand="1" build="allAtOnce"/>
-    </p:bldLst>
   </p:timing>
 </p:sld>
 </file>
@@ -23790,7 +24002,7 @@
           <a:lstStyle/>
           <a:p>
             <a:pPr algn="ctr"/>
-            <a:endParaRPr lang="en-US" dirty="0"/>
+            <a:endParaRPr lang="en-US"/>
           </a:p>
         </p:txBody>
       </p:sp>
@@ -23991,7 +24203,7 @@
               <a:buChar char="•"/>
             </a:pPr>
             <a:r>
-              <a:rPr lang="en-US" sz="2200" dirty="0">
+              <a:rPr lang="en-US" sz="2200">
                 <a:solidFill>
                   <a:schemeClr val="tx1"/>
                 </a:solidFill>
@@ -24012,7 +24224,7 @@
               <a:buChar char="•"/>
             </a:pPr>
             <a:r>
-              <a:rPr lang="en-US" sz="2200" dirty="0">
+              <a:rPr lang="en-US" sz="2200">
                 <a:solidFill>
                   <a:schemeClr val="tx1"/>
                 </a:solidFill>
@@ -24033,14 +24245,14 @@
               <a:buChar char="•"/>
             </a:pPr>
             <a:r>
-              <a:rPr lang="en-US" sz="2000" dirty="0">
+              <a:rPr lang="en-US" sz="2000">
                 <a:solidFill>
                   <a:schemeClr val="tx1"/>
                 </a:solidFill>
               </a:rPr>
               <a:t>Household processing unit</a:t>
             </a:r>
-            <a:endParaRPr lang="en-US" sz="2050" dirty="0">
+            <a:endParaRPr lang="en-US" sz="2050">
               <a:solidFill>
                 <a:schemeClr val="tx1"/>
               </a:solidFill>
@@ -24059,7 +24271,7 @@
               <a:buChar char="•"/>
             </a:pPr>
             <a:r>
-              <a:rPr lang="en-US" sz="2200" dirty="0">
+              <a:rPr lang="en-US" sz="2200">
                 <a:solidFill>
                   <a:schemeClr val="tx1"/>
                 </a:solidFill>
@@ -24080,7 +24292,7 @@
               <a:buChar char="•"/>
             </a:pPr>
             <a:r>
-              <a:rPr lang="en-US" sz="2200" dirty="0" err="1">
+              <a:rPr lang="en-US" sz="2200" err="1">
                 <a:solidFill>
                   <a:schemeClr val="tx1"/>
                 </a:solidFill>
@@ -24088,7 +24300,7 @@
               <a:t>dUtility</a:t>
             </a:r>
             <a:r>
-              <a:rPr lang="en-US" sz="2200" dirty="0">
+              <a:rPr lang="en-US" sz="2200">
                 <a:solidFill>
                   <a:schemeClr val="tx1"/>
                 </a:solidFill>
@@ -24109,7 +24321,7 @@
               <a:buChar char="•"/>
             </a:pPr>
             <a:r>
-              <a:rPr lang="en-US" sz="2350" dirty="0">
+              <a:rPr lang="en-US" sz="2350">
                 <a:solidFill>
                   <a:schemeClr val="tx1"/>
                 </a:solidFill>
@@ -24130,7 +24342,7 @@
               <a:buChar char="•"/>
             </a:pPr>
             <a:r>
-              <a:rPr lang="en-US" sz="2350" dirty="0">
+              <a:rPr lang="en-US" sz="2350">
                 <a:solidFill>
                   <a:schemeClr val="tx1"/>
                 </a:solidFill>
@@ -24151,7 +24363,7 @@
               <a:buChar char="•"/>
             </a:pPr>
             <a:r>
-              <a:rPr lang="en-US" sz="2200" dirty="0">
+              <a:rPr lang="en-US" sz="2200">
                 <a:solidFill>
                   <a:schemeClr val="tx1"/>
                 </a:solidFill>
@@ -24171,7 +24383,7 @@
               <a:buFont typeface="Arial"/>
               <a:buChar char="•"/>
             </a:pPr>
-            <a:endParaRPr lang="en-US" sz="2200" dirty="0">
+            <a:endParaRPr lang="en-US" sz="2200">
               <a:solidFill>
                 <a:schemeClr val="tx1"/>
               </a:solidFill>
@@ -24709,7 +24921,7 @@
           <a:lstStyle/>
           <a:p>
             <a:r>
-              <a:rPr lang="de-DE" dirty="0"/>
+              <a:rPr lang="de-DE"/>
               <a:t>Questions?</a:t>
             </a:r>
           </a:p>
@@ -24725,14 +24937,14 @@
   <p:clrMapOvr>
     <a:masterClrMapping/>
   </p:clrMapOvr>
-  <mc:AlternateContent xmlns:mc="http://schemas.openxmlformats.org/markup-compatibility/2006" xmlns:p159="http://schemas.microsoft.com/office/powerpoint/2015/09/main">
-    <mc:Choice Requires="p159">
-      <p:transition xmlns:p14="http://schemas.microsoft.com/office/powerpoint/2010/main" spd="slow" p14:dur="2000">
-        <p159:morph option="byObject"/>
+  <mc:AlternateContent xmlns:mc="http://schemas.openxmlformats.org/markup-compatibility/2006" xmlns:p14="http://schemas.microsoft.com/office/powerpoint/2010/main">
+    <mc:Choice Requires="p14">
+      <p:transition spd="med" p14:dur="700">
+        <p:fade/>
       </p:transition>
     </mc:Choice>
     <mc:Fallback xmlns="">
-      <p:transition spd="slow">
+      <p:transition spd="med">
         <p:fade/>
       </p:transition>
     </mc:Fallback>
@@ -24775,15 +24987,15 @@
           <a:lstStyle/>
           <a:p>
             <a:r>
-              <a:rPr lang="de-DE" dirty="0"/>
+              <a:rPr lang="de-DE"/>
               <a:t>Household </a:t>
             </a:r>
             <a:r>
-              <a:rPr lang="de-DE" dirty="0" err="1"/>
+              <a:rPr lang="de-DE" err="1"/>
               <a:t>processing</a:t>
             </a:r>
             <a:r>
-              <a:rPr lang="de-DE" dirty="0"/>
+              <a:rPr lang="de-DE"/>
               <a:t> Unit</a:t>
             </a:r>
           </a:p>
@@ -24825,19 +25037,19 @@
               <a:buChar char="•"/>
             </a:pPr>
             <a:r>
-              <a:rPr lang="de-DE" dirty="0" err="1"/>
+              <a:rPr lang="de-DE" err="1"/>
               <a:t>NodeJS</a:t>
             </a:r>
             <a:r>
-              <a:rPr lang="de-DE" dirty="0"/>
+              <a:rPr lang="de-DE"/>
               <a:t> Server </a:t>
             </a:r>
             <a:r>
-              <a:rPr lang="de-DE" dirty="0" err="1"/>
+              <a:rPr lang="de-DE" err="1"/>
               <a:t>with</a:t>
             </a:r>
             <a:r>
-              <a:rPr lang="de-DE" dirty="0"/>
+              <a:rPr lang="de-DE"/>
               <a:t> Express.js</a:t>
             </a:r>
           </a:p>
@@ -24850,7 +25062,7 @@
               <a:buChar char="•"/>
             </a:pPr>
             <a:r>
-              <a:rPr lang="de-DE" dirty="0"/>
+              <a:rPr lang="de-DE"/>
               <a:t>MongoDB </a:t>
             </a:r>
           </a:p>
@@ -24860,7 +25072,7 @@
               <a:buChar char="•"/>
             </a:pPr>
             <a:r>
-              <a:rPr lang="de-DE" dirty="0"/>
+              <a:rPr lang="de-DE"/>
               <a:t>Sensors Data</a:t>
             </a:r>
           </a:p>
@@ -24870,7 +25082,7 @@
               <a:buChar char="•"/>
             </a:pPr>
             <a:r>
-              <a:rPr lang="de-DE" dirty="0"/>
+              <a:rPr lang="de-DE"/>
               <a:t>Blockchain Data</a:t>
             </a:r>
           </a:p>
@@ -24883,7 +25095,7 @@
               <a:buChar char="•"/>
             </a:pPr>
             <a:r>
-              <a:rPr lang="de-DE" dirty="0"/>
+              <a:rPr lang="de-DE"/>
               <a:t>User Interface</a:t>
             </a:r>
           </a:p>
@@ -24893,11 +25105,11 @@
               <a:buChar char="•"/>
             </a:pPr>
             <a:r>
-              <a:rPr lang="de-DE" dirty="0" err="1"/>
+              <a:rPr lang="de-DE" err="1"/>
               <a:t>Displaying</a:t>
             </a:r>
             <a:r>
-              <a:rPr lang="de-DE" dirty="0"/>
+              <a:rPr lang="de-DE"/>
               <a:t> Data</a:t>
             </a:r>
           </a:p>
@@ -24910,7 +25122,7 @@
               <a:buChar char="•"/>
             </a:pPr>
             <a:r>
-              <a:rPr lang="de-DE" dirty="0"/>
+              <a:rPr lang="de-DE"/>
               <a:t>Parity Client</a:t>
             </a:r>
           </a:p>
@@ -24920,15 +25132,15 @@
               <a:buChar char="•"/>
             </a:pPr>
             <a:r>
-              <a:rPr lang="de-DE" dirty="0"/>
+              <a:rPr lang="de-DE"/>
               <a:t>Access </a:t>
             </a:r>
             <a:r>
-              <a:rPr lang="de-DE" dirty="0" err="1"/>
+              <a:rPr lang="de-DE" err="1"/>
               <a:t>to</a:t>
             </a:r>
             <a:r>
-              <a:rPr lang="de-DE" dirty="0"/>
+              <a:rPr lang="de-DE"/>
               <a:t> Blockchain</a:t>
             </a:r>
           </a:p>
@@ -25032,10 +25244,10 @@
           <a:lstStyle/>
           <a:p>
             <a:r>
-              <a:rPr lang="de-DE" dirty="0" err="1"/>
+              <a:rPr lang="de-DE" err="1"/>
               <a:t>Blockchain</a:t>
             </a:r>
-            <a:endParaRPr lang="de-DE" dirty="0"/>
+            <a:endParaRPr lang="de-DE"/>
           </a:p>
         </p:txBody>
       </p:sp>
@@ -25075,15 +25287,15 @@
               <a:buChar char="•"/>
             </a:pPr>
             <a:r>
-              <a:rPr lang="de-DE" dirty="0"/>
+              <a:rPr lang="de-DE"/>
               <a:t>Ethereum Proof </a:t>
             </a:r>
             <a:r>
-              <a:rPr lang="de-DE" dirty="0" err="1"/>
+              <a:rPr lang="de-DE" err="1"/>
               <a:t>of</a:t>
             </a:r>
             <a:r>
-              <a:rPr lang="de-DE" dirty="0"/>
+              <a:rPr lang="de-DE"/>
               <a:t> Authority Blockchain</a:t>
             </a:r>
           </a:p>
@@ -25096,11 +25308,11 @@
               <a:buChar char="•"/>
             </a:pPr>
             <a:r>
-              <a:rPr lang="de-DE" dirty="0" err="1"/>
+              <a:rPr lang="de-DE" err="1"/>
               <a:t>Built</a:t>
             </a:r>
             <a:r>
-              <a:rPr lang="de-DE" dirty="0"/>
+              <a:rPr lang="de-DE"/>
               <a:t> on Parity</a:t>
             </a:r>
           </a:p>
@@ -25113,14 +25325,14 @@
               <a:buChar char="•"/>
             </a:pPr>
             <a:r>
-              <a:rPr lang="de-DE" dirty="0"/>
+              <a:rPr lang="de-DE"/>
               <a:t>Smart </a:t>
             </a:r>
             <a:r>
-              <a:rPr lang="de-DE" dirty="0" err="1"/>
+              <a:rPr lang="de-DE" err="1"/>
               <a:t>Contracts</a:t>
             </a:r>
-            <a:endParaRPr lang="de-DE" dirty="0"/>
+            <a:endParaRPr lang="de-DE"/>
           </a:p>
           <a:p>
             <a:pPr marL="742950" lvl="1" indent="-285750">
@@ -25128,11 +25340,11 @@
               <a:buChar char="•"/>
             </a:pPr>
             <a:r>
-              <a:rPr lang="de-DE" dirty="0" err="1"/>
+              <a:rPr lang="de-DE" err="1"/>
               <a:t>Validator</a:t>
             </a:r>
             <a:r>
-              <a:rPr lang="de-DE" dirty="0"/>
+              <a:rPr lang="de-DE"/>
               <a:t> Set</a:t>
             </a:r>
           </a:p>
@@ -25142,12 +25354,12 @@
               <a:buChar char="•"/>
             </a:pPr>
             <a:r>
-              <a:rPr lang="de-DE" dirty="0"/>
+              <a:rPr lang="de-DE"/>
               <a:t>Settlement</a:t>
             </a:r>
           </a:p>
           <a:p>
-            <a:endParaRPr lang="de-DE" dirty="0"/>
+            <a:endParaRPr lang="de-DE"/>
           </a:p>
         </p:txBody>
       </p:sp>
@@ -25249,14 +25461,147 @@
           <a:lstStyle/>
           <a:p>
             <a:r>
-              <a:rPr lang="de-DE" dirty="0"/>
+              <a:rPr lang="de-DE" err="1"/>
+              <a:t>evaluation</a:t>
+            </a:r>
+            <a:endParaRPr lang="de-DE"/>
+          </a:p>
+        </p:txBody>
+      </p:sp>
+      <p:sp>
+        <p:nvSpPr>
+          <p:cNvPr id="3" name="Foliennummernplatzhalter 2">
+            <a:extLst>
+              <a:ext uri="{FF2B5EF4-FFF2-40B4-BE49-F238E27FC236}">
+                <a16:creationId xmlns:a16="http://schemas.microsoft.com/office/drawing/2014/main" id="{1B17E9E2-55D6-4740-9630-E6D323FB5D85}"/>
+              </a:ext>
+            </a:extLst>
+          </p:cNvPr>
+          <p:cNvSpPr>
+            <a:spLocks noGrp="1"/>
+          </p:cNvSpPr>
+          <p:nvPr>
+            <p:ph type="sldNum" idx="12"/>
+          </p:nvPr>
+        </p:nvSpPr>
+        <p:spPr/>
+        <p:txBody>
+          <a:bodyPr/>
+          <a:lstStyle/>
+          <a:p>
+            <a:pPr marL="0" lvl="0" indent="0" algn="r" rtl="0">
+              <a:spcBef>
+                <a:spcPts val="0"/>
+              </a:spcBef>
+              <a:spcAft>
+                <a:spcPts val="0"/>
+              </a:spcAft>
+              <a:buNone/>
+            </a:pPr>
+            <a:fld id="{00000000-1234-1234-1234-123412341234}" type="slidenum">
+              <a:rPr lang="de-DE" smtClean="0"/>
+              <a:t>23</a:t>
+            </a:fld>
+            <a:endParaRPr lang="de-DE"/>
+          </a:p>
+        </p:txBody>
+      </p:sp>
+      <p:graphicFrame>
+        <p:nvGraphicFramePr>
+          <p:cNvPr id="10" name="Diagramm 9">
+            <a:extLst>
+              <a:ext uri="{FF2B5EF4-FFF2-40B4-BE49-F238E27FC236}">
+                <a16:creationId xmlns:a16="http://schemas.microsoft.com/office/drawing/2014/main" id="{0523542C-EAC5-45C2-BF3E-1D62C86B01E3}"/>
+              </a:ext>
+            </a:extLst>
+          </p:cNvPr>
+          <p:cNvGraphicFramePr/>
+          <p:nvPr>
+            <p:extLst>
+              <p:ext uri="{D42A27DB-BD31-4B8C-83A1-F6EECF244321}">
+                <p14:modId xmlns:p14="http://schemas.microsoft.com/office/powerpoint/2010/main" val="433051875"/>
+              </p:ext>
+            </p:extLst>
+          </p:nvPr>
+        </p:nvGraphicFramePr>
+        <p:xfrm>
+          <a:off x="1195754" y="1017725"/>
+          <a:ext cx="6752492" cy="3993660"/>
+        </p:xfrm>
+        <a:graphic>
+          <a:graphicData uri="http://schemas.openxmlformats.org/drawingml/2006/chart">
+            <c:chart xmlns:c="http://schemas.openxmlformats.org/drawingml/2006/chart" xmlns:r="http://schemas.openxmlformats.org/officeDocument/2006/relationships" r:id="rId3"/>
+          </a:graphicData>
+        </a:graphic>
+      </p:graphicFrame>
+    </p:spTree>
+    <p:extLst>
+      <p:ext uri="{BB962C8B-B14F-4D97-AF65-F5344CB8AC3E}">
+        <p14:creationId xmlns:p14="http://schemas.microsoft.com/office/powerpoint/2010/main" val="3887418463"/>
+      </p:ext>
+    </p:extLst>
+  </p:cSld>
+  <p:clrMapOvr>
+    <a:masterClrMapping/>
+  </p:clrMapOvr>
+  <mc:AlternateContent xmlns:mc="http://schemas.openxmlformats.org/markup-compatibility/2006" xmlns:p14="http://schemas.microsoft.com/office/powerpoint/2010/main">
+    <mc:Choice Requires="p14">
+      <p:transition spd="med" p14:dur="700">
+        <p:fade/>
+      </p:transition>
+    </mc:Choice>
+    <mc:Fallback xmlns="">
+      <p:transition spd="med">
+        <p:fade/>
+      </p:transition>
+    </mc:Fallback>
+  </mc:AlternateContent>
+</p:sld>
+</file>
+
+<file path=ppt/slides/slide24.xml><?xml version="1.0" encoding="utf-8"?>
+<p:sld xmlns:a="http://schemas.openxmlformats.org/drawingml/2006/main" xmlns:r="http://schemas.openxmlformats.org/officeDocument/2006/relationships" xmlns:p="http://schemas.openxmlformats.org/presentationml/2006/main" show="0">
+  <p:cSld>
+    <p:spTree>
+      <p:nvGrpSpPr>
+        <p:cNvPr id="1" name=""/>
+        <p:cNvGrpSpPr/>
+        <p:nvPr/>
+      </p:nvGrpSpPr>
+      <p:grpSpPr>
+        <a:xfrm>
+          <a:off x="0" y="0"/>
+          <a:ext cx="0" cy="0"/>
+          <a:chOff x="0" y="0"/>
+          <a:chExt cx="0" cy="0"/>
+        </a:xfrm>
+      </p:grpSpPr>
+      <p:sp>
+        <p:nvSpPr>
+          <p:cNvPr id="2" name="Titel 1"/>
+          <p:cNvSpPr>
+            <a:spLocks noGrp="1"/>
+          </p:cNvSpPr>
+          <p:nvPr>
+            <p:ph type="title"/>
+          </p:nvPr>
+        </p:nvSpPr>
+        <p:spPr/>
+        <p:txBody>
+          <a:bodyPr>
+            <a:normAutofit/>
+          </a:bodyPr>
+          <a:lstStyle/>
+          <a:p>
+            <a:r>
+              <a:rPr lang="de-DE"/>
               <a:t>Next </a:t>
             </a:r>
             <a:r>
-              <a:rPr lang="de-DE" dirty="0" err="1"/>
+              <a:rPr lang="de-DE" err="1"/>
               <a:t>Steps</a:t>
             </a:r>
-            <a:endParaRPr lang="de-DE" dirty="0"/>
+            <a:endParaRPr lang="de-DE"/>
           </a:p>
         </p:txBody>
       </p:sp>
@@ -25296,26 +25641,26 @@
               <a:buChar char="•"/>
             </a:pPr>
             <a:r>
-              <a:rPr lang="de-DE" dirty="0" err="1"/>
+              <a:rPr lang="de-DE" err="1"/>
               <a:t>Signing</a:t>
             </a:r>
             <a:r>
-              <a:rPr lang="de-DE" dirty="0"/>
+              <a:rPr lang="de-DE"/>
               <a:t> </a:t>
             </a:r>
             <a:r>
-              <a:rPr lang="de-DE" dirty="0" err="1"/>
+              <a:rPr lang="de-DE" err="1"/>
               <a:t>the</a:t>
             </a:r>
             <a:r>
-              <a:rPr lang="de-DE" dirty="0"/>
+              <a:rPr lang="de-DE"/>
               <a:t> sensor-</a:t>
             </a:r>
             <a:r>
-              <a:rPr lang="de-DE" dirty="0" err="1"/>
+              <a:rPr lang="de-DE" err="1"/>
               <a:t>data</a:t>
             </a:r>
-            <a:endParaRPr lang="de-DE" dirty="0"/>
+            <a:endParaRPr lang="de-DE"/>
           </a:p>
           <a:p>
             <a:pPr marL="285750" indent="-285750">
@@ -25326,34 +25671,34 @@
               <a:buChar char="•"/>
             </a:pPr>
             <a:r>
-              <a:rPr lang="de-DE" dirty="0" err="1"/>
+              <a:rPr lang="de-DE" err="1"/>
               <a:t>Make</a:t>
             </a:r>
             <a:r>
-              <a:rPr lang="de-DE" dirty="0"/>
+              <a:rPr lang="de-DE"/>
               <a:t> </a:t>
             </a:r>
             <a:r>
-              <a:rPr lang="de-DE" dirty="0" err="1"/>
+              <a:rPr lang="de-DE" err="1"/>
               <a:t>system</a:t>
             </a:r>
             <a:r>
-              <a:rPr lang="de-DE" dirty="0"/>
+              <a:rPr lang="de-DE"/>
               <a:t> </a:t>
             </a:r>
             <a:r>
-              <a:rPr lang="de-DE" dirty="0" err="1"/>
+              <a:rPr lang="de-DE" err="1"/>
               <a:t>privacy</a:t>
             </a:r>
             <a:r>
-              <a:rPr lang="de-DE" dirty="0"/>
+              <a:rPr lang="de-DE"/>
               <a:t> </a:t>
             </a:r>
             <a:r>
-              <a:rPr lang="de-DE" dirty="0" err="1"/>
+              <a:rPr lang="de-DE" err="1"/>
               <a:t>aware</a:t>
             </a:r>
-            <a:endParaRPr lang="de-DE" dirty="0"/>
+            <a:endParaRPr lang="de-DE"/>
           </a:p>
         </p:txBody>
       </p:sp>
@@ -25389,7 +25734,7 @@
             </a:pPr>
             <a:fld id="{00000000-1234-1234-1234-123412341234}" type="slidenum">
               <a:rPr lang="de-DE" smtClean="0"/>
-              <a:t>23</a:t>
+              <a:t>24</a:t>
             </a:fld>
             <a:endParaRPr lang="de-DE"/>
           </a:p>
@@ -25664,7 +26009,7 @@
           <a:lstStyle/>
           <a:p>
             <a:r>
-              <a:rPr lang="de-DE" dirty="0"/>
+              <a:rPr lang="de-DE"/>
               <a:t>Motivation</a:t>
             </a:r>
           </a:p>
@@ -26189,7 +26534,7 @@
           <a:p>
             <a:pPr algn="ctr"/>
             <a:r>
-              <a:rPr lang="de-DE" dirty="0"/>
+              <a:rPr lang="de-DE"/>
               <a:t>EEG Umlage</a:t>
             </a:r>
           </a:p>
@@ -26229,7 +26574,7 @@
               <a:rPr lang="de-DE" smtClean="0"/>
               <a:t>3</a:t>
             </a:fld>
-            <a:endParaRPr lang="de-DE" dirty="0"/>
+            <a:endParaRPr lang="de-DE"/>
           </a:p>
         </p:txBody>
       </p:sp>
@@ -26350,7 +26695,7 @@
           <a:lstStyle/>
           <a:p>
             <a:r>
-              <a:rPr lang="de-DE" dirty="0"/>
+              <a:rPr lang="de-DE"/>
               <a:t>Motivation</a:t>
             </a:r>
           </a:p>
@@ -26875,7 +27220,7 @@
           <a:p>
             <a:pPr algn="ctr"/>
             <a:r>
-              <a:rPr lang="de-DE" dirty="0"/>
+              <a:rPr lang="de-DE"/>
               <a:t>EEG Umlage</a:t>
             </a:r>
           </a:p>
@@ -27126,7 +27471,7 @@
           <a:lstStyle/>
           <a:p>
             <a:r>
-              <a:rPr lang="de-DE" dirty="0"/>
+              <a:rPr lang="de-DE"/>
               <a:t>Motivation</a:t>
             </a:r>
           </a:p>
@@ -27728,7 +28073,7 @@
           <a:lstStyle/>
           <a:p>
             <a:r>
-              <a:rPr lang="de-DE" dirty="0"/>
+              <a:rPr lang="de-DE"/>
               <a:t>Motivation</a:t>
             </a:r>
           </a:p>
@@ -28131,7 +28476,7 @@
           <a:lstStyle/>
           <a:p>
             <a:pPr algn="ctr"/>
-            <a:endParaRPr lang="de-DE" dirty="0"/>
+            <a:endParaRPr lang="de-DE"/>
           </a:p>
         </p:txBody>
       </p:sp>
@@ -28450,18 +28795,18 @@
           <a:lstStyle/>
           <a:p>
             <a:r>
-              <a:rPr lang="de-DE" dirty="0" err="1"/>
+              <a:rPr lang="de-DE" err="1"/>
               <a:t>Current</a:t>
             </a:r>
             <a:r>
-              <a:rPr lang="de-DE" dirty="0"/>
+              <a:rPr lang="de-DE"/>
               <a:t> </a:t>
             </a:r>
             <a:r>
-              <a:rPr lang="de-DE" dirty="0" err="1"/>
+              <a:rPr lang="de-DE" err="1"/>
               <a:t>implementation</a:t>
             </a:r>
-            <a:endParaRPr lang="de-DE" dirty="0"/>
+            <a:endParaRPr lang="de-DE"/>
           </a:p>
         </p:txBody>
       </p:sp>
@@ -28530,7 +28875,7 @@
           <a:lstStyle/>
           <a:p>
             <a:r>
-              <a:rPr lang="de-DE" dirty="0"/>
+              <a:rPr lang="de-DE"/>
               <a:t>Architecture</a:t>
             </a:r>
           </a:p>
@@ -28577,7 +28922,7 @@
           <a:p>
             <a:pPr algn="ctr"/>
             <a:r>
-              <a:rPr lang="de-DE" dirty="0"/>
+              <a:rPr lang="de-DE"/>
               <a:t>Sensor</a:t>
             </a:r>
           </a:p>
@@ -28624,7 +28969,7 @@
           <a:p>
             <a:pPr algn="ctr"/>
             <a:r>
-              <a:rPr lang="de-DE" dirty="0"/>
+              <a:rPr lang="de-DE"/>
               <a:t>Sensor</a:t>
             </a:r>
           </a:p>
@@ -28671,7 +29016,7 @@
           <a:p>
             <a:pPr algn="ctr"/>
             <a:r>
-              <a:rPr lang="de-DE" dirty="0"/>
+              <a:rPr lang="de-DE"/>
               <a:t>Sensor</a:t>
             </a:r>
           </a:p>
@@ -28844,14 +29189,14 @@
           <a:p>
             <a:pPr algn="ctr"/>
             <a:r>
-              <a:rPr lang="de-DE" sz="1400" dirty="0"/>
+              <a:rPr lang="de-DE" sz="1400"/>
               <a:t>Data </a:t>
             </a:r>
           </a:p>
           <a:p>
             <a:pPr algn="ctr"/>
             <a:r>
-              <a:rPr lang="de-DE" sz="1400" dirty="0"/>
+              <a:rPr lang="de-DE" sz="1400"/>
               <a:t>Stream</a:t>
             </a:r>
           </a:p>
@@ -28943,7 +29288,7 @@
           <a:p>
             <a:pPr algn="ctr"/>
             <a:r>
-              <a:rPr lang="de-DE" sz="1400" dirty="0"/>
+              <a:rPr lang="de-DE" sz="1400"/>
               <a:t>Smart Meter</a:t>
             </a:r>
           </a:p>
@@ -29077,14 +29422,14 @@
   <p:clrMapOvr>
     <a:masterClrMapping/>
   </p:clrMapOvr>
-  <mc:AlternateContent xmlns:mc="http://schemas.openxmlformats.org/markup-compatibility/2006" xmlns:p159="http://schemas.microsoft.com/office/powerpoint/2015/09/main">
-    <mc:Choice Requires="p159">
-      <p:transition xmlns:p14="http://schemas.microsoft.com/office/powerpoint/2010/main" spd="slow" p14:dur="2000">
-        <p159:morph option="byObject"/>
+  <mc:AlternateContent xmlns:mc="http://schemas.openxmlformats.org/markup-compatibility/2006" xmlns:p14="http://schemas.microsoft.com/office/powerpoint/2010/main">
+    <mc:Choice Requires="p14">
+      <p:transition spd="med" p14:dur="700">
+        <p:fade/>
       </p:transition>
     </mc:Choice>
     <mc:Fallback xmlns="">
-      <p:transition spd="slow">
+      <p:transition spd="med">
         <p:fade/>
       </p:transition>
     </mc:Fallback>
@@ -29132,7 +29477,7 @@
           <a:lstStyle/>
           <a:p>
             <a:r>
-              <a:rPr lang="de-DE" dirty="0"/>
+              <a:rPr lang="de-DE"/>
               <a:t>Architecture</a:t>
             </a:r>
           </a:p>
@@ -29179,7 +29524,7 @@
           <a:p>
             <a:pPr algn="ctr"/>
             <a:r>
-              <a:rPr lang="de-DE" dirty="0"/>
+              <a:rPr lang="de-DE"/>
               <a:t>Household JS-Server</a:t>
             </a:r>
           </a:p>
@@ -29226,7 +29571,7 @@
           <a:p>
             <a:pPr algn="ctr"/>
             <a:r>
-              <a:rPr lang="de-DE" dirty="0"/>
+              <a:rPr lang="de-DE"/>
               <a:t>User Interface</a:t>
             </a:r>
           </a:p>
@@ -29273,7 +29618,7 @@
           <a:p>
             <a:pPr algn="ctr"/>
             <a:r>
-              <a:rPr lang="de-DE" dirty="0"/>
+              <a:rPr lang="de-DE"/>
               <a:t>Database</a:t>
             </a:r>
           </a:p>
@@ -29414,7 +29759,7 @@
           <a:p>
             <a:pPr algn="ctr"/>
             <a:r>
-              <a:rPr lang="de-DE" dirty="0"/>
+              <a:rPr lang="de-DE"/>
               <a:t>Parity Client</a:t>
             </a:r>
           </a:p>
@@ -29553,7 +29898,7 @@
           <a:p>
             <a:pPr algn="ctr"/>
             <a:r>
-              <a:rPr lang="de-DE" sz="1400" dirty="0"/>
+              <a:rPr lang="de-DE" sz="1400"/>
               <a:t>Household Processing Unit</a:t>
             </a:r>
           </a:p>
@@ -29638,7 +29983,7 @@
           <a:p>
             <a:pPr algn="ctr"/>
             <a:r>
-              <a:rPr lang="de-DE" dirty="0"/>
+              <a:rPr lang="de-DE"/>
               <a:t>Sensor</a:t>
             </a:r>
           </a:p>
@@ -29685,7 +30030,7 @@
           <a:p>
             <a:pPr algn="ctr"/>
             <a:r>
-              <a:rPr lang="de-DE" dirty="0"/>
+              <a:rPr lang="de-DE"/>
               <a:t>Sensor</a:t>
             </a:r>
           </a:p>
@@ -29732,7 +30077,7 @@
           <a:p>
             <a:pPr algn="ctr"/>
             <a:r>
-              <a:rPr lang="de-DE" dirty="0"/>
+              <a:rPr lang="de-DE"/>
               <a:t>Sensor</a:t>
             </a:r>
           </a:p>
@@ -29905,14 +30250,14 @@
           <a:p>
             <a:pPr algn="ctr"/>
             <a:r>
-              <a:rPr lang="de-DE" sz="1400" dirty="0"/>
+              <a:rPr lang="de-DE" sz="1400"/>
               <a:t>Data </a:t>
             </a:r>
           </a:p>
           <a:p>
             <a:pPr algn="ctr"/>
             <a:r>
-              <a:rPr lang="de-DE" sz="1400" dirty="0"/>
+              <a:rPr lang="de-DE" sz="1400"/>
               <a:t>Stream</a:t>
             </a:r>
           </a:p>
@@ -30004,7 +30349,7 @@
           <a:p>
             <a:pPr algn="ctr"/>
             <a:r>
-              <a:rPr lang="de-DE" sz="1400" dirty="0"/>
+              <a:rPr lang="de-DE" sz="1400"/>
               <a:t>Smart Meter</a:t>
             </a:r>
           </a:p>
